--- a/New Git Concepts.pptx
+++ b/New Git Concepts.pptx
@@ -5,22 +5,23 @@
     <p:sldMasterId id="2147483648" r:id="rId1"/>
   </p:sldMasterIdLst>
   <p:notesMasterIdLst>
-    <p:notesMasterId r:id="rId12"/>
+    <p:notesMasterId r:id="rId13"/>
   </p:notesMasterIdLst>
   <p:handoutMasterIdLst>
-    <p:handoutMasterId r:id="rId13"/>
+    <p:handoutMasterId r:id="rId14"/>
   </p:handoutMasterIdLst>
   <p:sldIdLst>
     <p:sldId id="256" r:id="rId2"/>
     <p:sldId id="265" r:id="rId3"/>
     <p:sldId id="267" r:id="rId4"/>
     <p:sldId id="269" r:id="rId5"/>
-    <p:sldId id="270" r:id="rId6"/>
-    <p:sldId id="271" r:id="rId7"/>
-    <p:sldId id="272" r:id="rId8"/>
-    <p:sldId id="273" r:id="rId9"/>
-    <p:sldId id="274" r:id="rId10"/>
-    <p:sldId id="275" r:id="rId11"/>
+    <p:sldId id="276" r:id="rId6"/>
+    <p:sldId id="270" r:id="rId7"/>
+    <p:sldId id="271" r:id="rId8"/>
+    <p:sldId id="272" r:id="rId9"/>
+    <p:sldId id="273" r:id="rId10"/>
+    <p:sldId id="274" r:id="rId11"/>
+    <p:sldId id="275" r:id="rId12"/>
   </p:sldIdLst>
   <p:sldSz cx="12192000" cy="6858000"/>
   <p:notesSz cx="6858000" cy="9144000"/>
@@ -7473,6 +7474,97 @@
           <a:p>
             <a:r>
               <a:rPr lang="en-US" dirty="0"/>
+              <a:t>Add a Slide Title - 4</a:t>
+            </a:r>
+            <a:endParaRPr dirty="0"/>
+          </a:p>
+        </p:txBody>
+      </p:sp>
+      <p:sp>
+        <p:nvSpPr>
+          <p:cNvPr id="3" name="Content Placeholder 2"/>
+          <p:cNvSpPr>
+            <a:spLocks noGrp="1"/>
+          </p:cNvSpPr>
+          <p:nvPr>
+            <p:ph idx="1"/>
+          </p:nvPr>
+        </p:nvSpPr>
+        <p:spPr/>
+        <p:txBody>
+          <a:bodyPr/>
+          <a:lstStyle/>
+          <a:p>
+            <a:endParaRPr/>
+          </a:p>
+        </p:txBody>
+      </p:sp>
+      <p:sp>
+        <p:nvSpPr>
+          <p:cNvPr id="4" name="Text Placeholder 3"/>
+          <p:cNvSpPr>
+            <a:spLocks noGrp="1"/>
+          </p:cNvSpPr>
+          <p:nvPr>
+            <p:ph type="body" sz="half" idx="2"/>
+          </p:nvPr>
+        </p:nvSpPr>
+        <p:spPr/>
+        <p:txBody>
+          <a:bodyPr/>
+          <a:lstStyle/>
+          <a:p>
+            <a:endParaRPr/>
+          </a:p>
+        </p:txBody>
+      </p:sp>
+    </p:spTree>
+    <p:extLst>
+      <p:ext uri="{BB962C8B-B14F-4D97-AF65-F5344CB8AC3E}">
+        <p14:creationId xmlns:p14="http://schemas.microsoft.com/office/powerpoint/2010/main" val="3232560146"/>
+      </p:ext>
+    </p:extLst>
+  </p:cSld>
+  <p:clrMapOvr>
+    <a:masterClrMapping/>
+  </p:clrMapOvr>
+</p:sld>
+</file>
+
+<file path=ppt/slides/slide11.xml><?xml version="1.0" encoding="utf-8"?>
+<p:sld xmlns:a="http://schemas.openxmlformats.org/drawingml/2006/main" xmlns:r="http://schemas.openxmlformats.org/officeDocument/2006/relationships" xmlns:p="http://schemas.openxmlformats.org/presentationml/2006/main">
+  <p:cSld>
+    <p:spTree>
+      <p:nvGrpSpPr>
+        <p:cNvPr id="1" name=""/>
+        <p:cNvGrpSpPr/>
+        <p:nvPr/>
+      </p:nvGrpSpPr>
+      <p:grpSpPr>
+        <a:xfrm>
+          <a:off x="0" y="0"/>
+          <a:ext cx="0" cy="0"/>
+          <a:chOff x="0" y="0"/>
+          <a:chExt cx="0" cy="0"/>
+        </a:xfrm>
+      </p:grpSpPr>
+      <p:sp>
+        <p:nvSpPr>
+          <p:cNvPr id="2" name="Title 1"/>
+          <p:cNvSpPr>
+            <a:spLocks noGrp="1"/>
+          </p:cNvSpPr>
+          <p:nvPr>
+            <p:ph type="title"/>
+          </p:nvPr>
+        </p:nvSpPr>
+        <p:spPr/>
+        <p:txBody>
+          <a:bodyPr/>
+          <a:lstStyle/>
+          <a:p>
+            <a:r>
+              <a:rPr lang="en-US" dirty="0"/>
               <a:t>Add a Slide Title - 5</a:t>
             </a:r>
             <a:endParaRPr dirty="0"/>
@@ -7550,7 +7642,12 @@
             <p:ph type="title"/>
           </p:nvPr>
         </p:nvSpPr>
-        <p:spPr/>
+        <p:spPr>
+          <a:xfrm>
+            <a:off x="1289720" y="188640"/>
+            <a:ext cx="9144000" cy="1143000"/>
+          </a:xfrm>
+        </p:spPr>
         <p:txBody>
           <a:bodyPr/>
           <a:lstStyle/>
@@ -7574,13 +7671,13 @@
         </p:nvSpPr>
         <p:spPr>
           <a:xfrm>
-            <a:off x="1055440" y="1700808"/>
-            <a:ext cx="9612560" cy="4968552"/>
+            <a:off x="1055440" y="1331640"/>
+            <a:ext cx="9612560" cy="5337720"/>
           </a:xfrm>
         </p:spPr>
         <p:txBody>
           <a:bodyPr>
-            <a:normAutofit/>
+            <a:normAutofit lnSpcReduction="10000"/>
           </a:bodyPr>
           <a:lstStyle/>
           <a:p>
@@ -7606,13 +7703,19 @@
           <a:p>
             <a:r>
               <a:rPr lang="en-IN" dirty="0"/>
-              <a:t>Viewing project history( logs/diffs/branches/merging)</a:t>
+              <a:t>Viewing project history( logs/diffs)</a:t>
             </a:r>
           </a:p>
           <a:p>
             <a:r>
               <a:rPr lang="en-IN" dirty="0"/>
-              <a:t>Git switch</a:t>
+              <a:t>branches/switch/merging</a:t>
+            </a:r>
+          </a:p>
+          <a:p>
+            <a:r>
+              <a:rPr lang="en-IN" dirty="0"/>
+              <a:t>Git stash</a:t>
             </a:r>
           </a:p>
           <a:p>
@@ -7648,6 +7751,45 @@
           </a:p>
         </p:txBody>
       </p:sp>
+      <p:pic>
+        <p:nvPicPr>
+          <p:cNvPr id="3" name="Picture 2">
+            <a:extLst>
+              <a:ext uri="{FF2B5EF4-FFF2-40B4-BE49-F238E27FC236}">
+                <a16:creationId xmlns:a16="http://schemas.microsoft.com/office/drawing/2014/main" id="{B26449D6-405F-2CB8-85CA-382DA2949444}"/>
+              </a:ext>
+            </a:extLst>
+          </p:cNvPr>
+          <p:cNvPicPr>
+            <a:picLocks noChangeAspect="1"/>
+          </p:cNvPicPr>
+          <p:nvPr/>
+        </p:nvPicPr>
+        <p:blipFill>
+          <a:blip r:embed="rId2">
+            <a:extLst>
+              <a:ext uri="{28A0092B-C50C-407E-A947-70E740481C1C}">
+                <a14:useLocalDpi xmlns:a14="http://schemas.microsoft.com/office/drawing/2010/main" val="0"/>
+              </a:ext>
+              <a:ext uri="{837473B0-CC2E-450A-ABE3-18F120FF3D39}">
+                <a1611:picAttrSrcUrl xmlns:a1611="http://schemas.microsoft.com/office/drawing/2016/11/main" r:id="rId3"/>
+              </a:ext>
+            </a:extLst>
+          </a:blip>
+          <a:stretch>
+            <a:fillRect/>
+          </a:stretch>
+        </p:blipFill>
+        <p:spPr>
+          <a:xfrm>
+            <a:off x="3791744" y="3308920"/>
+            <a:ext cx="7956130" cy="3322340"/>
+          </a:xfrm>
+          <a:prstGeom prst="rect">
+            <a:avLst/>
+          </a:prstGeom>
+        </p:spPr>
+      </p:pic>
     </p:spTree>
     <p:extLst>
       <p:ext uri="{BB962C8B-B14F-4D97-AF65-F5344CB8AC3E}">
@@ -7778,17 +7920,26 @@
             <a:pPr algn="ctr"/>
             <a:r>
               <a:rPr lang="en-IN" b="1" dirty="0">
+                <a:solidFill>
+                  <a:srgbClr val="FFFFCC"/>
+                </a:solidFill>
                 <a:latin typeface="Sitka Small Semibold" pitchFamily="2" charset="0"/>
               </a:rPr>
               <a:t>Git, is a version control system.</a:t>
             </a:r>
             <a:br>
               <a:rPr lang="en-IN" b="1" dirty="0">
+                <a:solidFill>
+                  <a:srgbClr val="FFFFCC"/>
+                </a:solidFill>
                 <a:latin typeface="Sitka Small Semibold" pitchFamily="2" charset="0"/>
               </a:rPr>
             </a:br>
             <a:r>
               <a:rPr lang="en-IN" b="1" dirty="0">
+                <a:solidFill>
+                  <a:srgbClr val="FFFFCC"/>
+                </a:solidFill>
                 <a:latin typeface="Sitka Small Semibold" pitchFamily="2" charset="0"/>
               </a:rPr>
               <a:t>It is free, open source and is used by most of the open source software developers to </a:t>
@@ -7801,6 +7952,9 @@
             </a:pPr>
             <a:r>
               <a:rPr lang="en-IN" b="1" dirty="0">
+                <a:solidFill>
+                  <a:srgbClr val="FFFFCC"/>
+                </a:solidFill>
                 <a:latin typeface="Sitka Small Semibold" pitchFamily="2" charset="0"/>
               </a:rPr>
               <a:t>Create </a:t>
@@ -7813,6 +7967,9 @@
             </a:pPr>
             <a:r>
               <a:rPr lang="en-IN" b="1" dirty="0">
+                <a:solidFill>
+                  <a:srgbClr val="FFFFCC"/>
+                </a:solidFill>
                 <a:latin typeface="Sitka Small Semibold" pitchFamily="2" charset="0"/>
               </a:rPr>
               <a:t>Managing/tracking status of the projects</a:t>
@@ -7825,6 +7982,9 @@
             </a:pPr>
             <a:r>
               <a:rPr lang="en-IN" b="1" dirty="0">
+                <a:solidFill>
+                  <a:srgbClr val="FFFFCC"/>
+                </a:solidFill>
                 <a:latin typeface="Sitka Small Semibold" pitchFamily="2" charset="0"/>
               </a:rPr>
               <a:t>Store the code at the local git servers</a:t>
@@ -7833,18 +7993,27 @@
           <a:p>
             <a:pPr algn="ctr"/>
             <a:endParaRPr lang="en-IN" b="1" dirty="0">
+              <a:solidFill>
+                <a:srgbClr val="FFFFCC"/>
+              </a:solidFill>
               <a:latin typeface="Sitka Small Semibold" pitchFamily="2" charset="0"/>
             </a:endParaRPr>
           </a:p>
           <a:p>
             <a:pPr algn="ctr"/>
             <a:endParaRPr lang="en-IN" b="1" dirty="0">
+              <a:solidFill>
+                <a:srgbClr val="FFFFCC"/>
+              </a:solidFill>
               <a:latin typeface="Sitka Small Semibold" pitchFamily="2" charset="0"/>
             </a:endParaRPr>
           </a:p>
           <a:p>
             <a:pPr algn="ctr"/>
             <a:endParaRPr lang="en-IN" b="1" dirty="0">
+              <a:solidFill>
+                <a:srgbClr val="FFFFCC"/>
+              </a:solidFill>
               <a:latin typeface="Sitka Small Semibold" pitchFamily="2" charset="0"/>
             </a:endParaRPr>
           </a:p>
@@ -7852,6 +8021,9 @@
             <a:pPr algn="ctr"/>
             <a:r>
               <a:rPr lang="en-IN" b="1" dirty="0">
+                <a:solidFill>
+                  <a:srgbClr val="FFFFCC"/>
+                </a:solidFill>
                 <a:latin typeface="Sitka Small Semibold" pitchFamily="2" charset="0"/>
               </a:rPr>
               <a:t>Basically it is a all in one Swiss knife for programmers</a:t>
@@ -7944,6 +8116,107 @@
           <a:chExt cx="0" cy="0"/>
         </a:xfrm>
       </p:grpSpPr>
+      <p:pic>
+        <p:nvPicPr>
+          <p:cNvPr id="5" name="Picture 4">
+            <a:extLst>
+              <a:ext uri="{FF2B5EF4-FFF2-40B4-BE49-F238E27FC236}">
+                <a16:creationId xmlns:a16="http://schemas.microsoft.com/office/drawing/2014/main" id="{A36804EB-9DA7-E0CE-6107-63EE77AC0111}"/>
+              </a:ext>
+            </a:extLst>
+          </p:cNvPr>
+          <p:cNvPicPr>
+            <a:picLocks noChangeAspect="1"/>
+          </p:cNvPicPr>
+          <p:nvPr/>
+        </p:nvPicPr>
+        <p:blipFill>
+          <a:blip r:embed="rId2"/>
+          <a:stretch>
+            <a:fillRect/>
+          </a:stretch>
+        </p:blipFill>
+        <p:spPr>
+          <a:xfrm>
+            <a:off x="119335" y="116632"/>
+            <a:ext cx="9370057" cy="6624736"/>
+          </a:xfrm>
+          <a:prstGeom prst="rect">
+            <a:avLst/>
+          </a:prstGeom>
+        </p:spPr>
+      </p:pic>
+      <p:sp>
+        <p:nvSpPr>
+          <p:cNvPr id="6" name="TextBox 5">
+            <a:extLst>
+              <a:ext uri="{FF2B5EF4-FFF2-40B4-BE49-F238E27FC236}">
+                <a16:creationId xmlns:a16="http://schemas.microsoft.com/office/drawing/2014/main" id="{97561374-BEE1-F883-3E8F-487AFD66607A}"/>
+              </a:ext>
+            </a:extLst>
+          </p:cNvPr>
+          <p:cNvSpPr txBox="1"/>
+          <p:nvPr/>
+        </p:nvSpPr>
+        <p:spPr>
+          <a:xfrm>
+            <a:off x="9840416" y="980728"/>
+            <a:ext cx="2160240" cy="2031325"/>
+          </a:xfrm>
+          <a:prstGeom prst="rect">
+            <a:avLst/>
+          </a:prstGeom>
+          <a:noFill/>
+        </p:spPr>
+        <p:txBody>
+          <a:bodyPr wrap="square" rtlCol="0">
+            <a:spAutoFit/>
+          </a:bodyPr>
+          <a:lstStyle/>
+          <a:p>
+            <a:r>
+              <a:rPr lang="en-IN" dirty="0"/>
+              <a:t>This is the preview of the said commands .</a:t>
+            </a:r>
+          </a:p>
+          <a:p>
+            <a:r>
+              <a:rPr lang="en-IN" dirty="0"/>
+              <a:t>I have used them to create  a repo and push them to GitHub </a:t>
+            </a:r>
+          </a:p>
+        </p:txBody>
+      </p:sp>
+    </p:spTree>
+    <p:extLst>
+      <p:ext uri="{BB962C8B-B14F-4D97-AF65-F5344CB8AC3E}">
+        <p14:creationId xmlns:p14="http://schemas.microsoft.com/office/powerpoint/2010/main" val="2559669280"/>
+      </p:ext>
+    </p:extLst>
+  </p:cSld>
+  <p:clrMapOvr>
+    <a:masterClrMapping/>
+  </p:clrMapOvr>
+</p:sld>
+</file>
+
+<file path=ppt/slides/slide6.xml><?xml version="1.0" encoding="utf-8"?>
+<p:sld xmlns:a="http://schemas.openxmlformats.org/drawingml/2006/main" xmlns:r="http://schemas.openxmlformats.org/officeDocument/2006/relationships" xmlns:p="http://schemas.openxmlformats.org/presentationml/2006/main">
+  <p:cSld>
+    <p:spTree>
+      <p:nvGrpSpPr>
+        <p:cNvPr id="1" name=""/>
+        <p:cNvGrpSpPr/>
+        <p:nvPr/>
+      </p:nvGrpSpPr>
+      <p:grpSpPr>
+        <a:xfrm>
+          <a:off x="0" y="0"/>
+          <a:ext cx="0" cy="0"/>
+          <a:chOff x="0" y="0"/>
+          <a:chExt cx="0" cy="0"/>
+        </a:xfrm>
+      </p:grpSpPr>
       <p:sp>
         <p:nvSpPr>
           <p:cNvPr id="5" name="Title 4">
@@ -7973,13 +8246,31 @@
           <a:lstStyle/>
           <a:p>
             <a:r>
-              <a:rPr lang="en-IN" dirty="0"/>
+              <a:rPr lang="en-IN" dirty="0">
+                <a:solidFill>
+                  <a:schemeClr val="accent2">
+                    <a:lumMod val="75000"/>
+                  </a:schemeClr>
+                </a:solidFill>
+              </a:rPr>
               <a:t>Making changes</a:t>
             </a:r>
             <a:br>
-              <a:rPr lang="en-IN" dirty="0"/>
+              <a:rPr lang="en-IN" dirty="0">
+                <a:solidFill>
+                  <a:schemeClr val="accent2">
+                    <a:lumMod val="75000"/>
+                  </a:schemeClr>
+                </a:solidFill>
+              </a:rPr>
             </a:br>
-            <a:endParaRPr lang="en-IN" dirty="0"/>
+            <a:endParaRPr lang="en-IN" dirty="0">
+              <a:solidFill>
+                <a:schemeClr val="accent2">
+                  <a:lumMod val="75000"/>
+                </a:schemeClr>
+              </a:solidFill>
+            </a:endParaRPr>
           </a:p>
         </p:txBody>
       </p:sp>
@@ -8095,7 +8386,7 @@
         </p:nvSpPr>
         <p:spPr>
           <a:xfrm>
-            <a:off x="551384" y="1448779"/>
+            <a:off x="551384" y="1402124"/>
             <a:ext cx="10441160" cy="5184576"/>
           </a:xfrm>
           <a:prstGeom prst="rect">
@@ -8330,10 +8621,186 @@
   <p:clrMapOvr>
     <a:masterClrMapping/>
   </p:clrMapOvr>
+  <p:timing>
+    <p:tnLst>
+      <p:par>
+        <p:cTn id="1" dur="indefinite" restart="never" nodeType="tmRoot">
+          <p:childTnLst>
+            <p:seq concurrent="1" nextAc="seek">
+              <p:cTn id="2" dur="indefinite" nodeType="mainSeq">
+                <p:childTnLst>
+                  <p:par>
+                    <p:cTn id="3" fill="hold">
+                      <p:stCondLst>
+                        <p:cond delay="indefinite"/>
+                      </p:stCondLst>
+                      <p:childTnLst>
+                        <p:par>
+                          <p:cTn id="4" fill="hold">
+                            <p:stCondLst>
+                              <p:cond delay="0"/>
+                            </p:stCondLst>
+                            <p:childTnLst>
+                              <p:par>
+                                <p:cTn id="5" presetID="6" presetClass="entr" presetSubtype="16" fill="hold" grpId="0" nodeType="clickEffect">
+                                  <p:stCondLst>
+                                    <p:cond delay="0"/>
+                                  </p:stCondLst>
+                                  <p:childTnLst>
+                                    <p:set>
+                                      <p:cBhvr>
+                                        <p:cTn id="6" dur="1" fill="hold">
+                                          <p:stCondLst>
+                                            <p:cond delay="0"/>
+                                          </p:stCondLst>
+                                        </p:cTn>
+                                        <p:tgtEl>
+                                          <p:spTgt spid="6"/>
+                                        </p:tgtEl>
+                                        <p:attrNameLst>
+                                          <p:attrName>style.visibility</p:attrName>
+                                        </p:attrNameLst>
+                                      </p:cBhvr>
+                                      <p:to>
+                                        <p:strVal val="visible"/>
+                                      </p:to>
+                                    </p:set>
+                                    <p:animEffect transition="in" filter="circle(in)">
+                                      <p:cBhvr>
+                                        <p:cTn id="7" dur="1000"/>
+                                        <p:tgtEl>
+                                          <p:spTgt spid="6"/>
+                                        </p:tgtEl>
+                                      </p:cBhvr>
+                                    </p:animEffect>
+                                  </p:childTnLst>
+                                </p:cTn>
+                              </p:par>
+                              <p:par>
+                                <p:cTn id="8" presetID="6" presetClass="entr" presetSubtype="16" fill="hold" grpId="0" nodeType="withEffect">
+                                  <p:stCondLst>
+                                    <p:cond delay="0"/>
+                                  </p:stCondLst>
+                                  <p:childTnLst>
+                                    <p:set>
+                                      <p:cBhvr>
+                                        <p:cTn id="9" dur="1" fill="hold">
+                                          <p:stCondLst>
+                                            <p:cond delay="0"/>
+                                          </p:stCondLst>
+                                        </p:cTn>
+                                        <p:tgtEl>
+                                          <p:spTgt spid="7"/>
+                                        </p:tgtEl>
+                                        <p:attrNameLst>
+                                          <p:attrName>style.visibility</p:attrName>
+                                        </p:attrNameLst>
+                                      </p:cBhvr>
+                                      <p:to>
+                                        <p:strVal val="visible"/>
+                                      </p:to>
+                                    </p:set>
+                                    <p:animEffect transition="in" filter="circle(in)">
+                                      <p:cBhvr>
+                                        <p:cTn id="10" dur="1000"/>
+                                        <p:tgtEl>
+                                          <p:spTgt spid="7"/>
+                                        </p:tgtEl>
+                                      </p:cBhvr>
+                                    </p:animEffect>
+                                  </p:childTnLst>
+                                </p:cTn>
+                              </p:par>
+                            </p:childTnLst>
+                          </p:cTn>
+                        </p:par>
+                      </p:childTnLst>
+                    </p:cTn>
+                  </p:par>
+                  <p:par>
+                    <p:cTn id="11" fill="hold">
+                      <p:stCondLst>
+                        <p:cond delay="indefinite"/>
+                      </p:stCondLst>
+                      <p:childTnLst>
+                        <p:par>
+                          <p:cTn id="12" fill="hold">
+                            <p:stCondLst>
+                              <p:cond delay="0"/>
+                            </p:stCondLst>
+                            <p:childTnLst>
+                              <p:par>
+                                <p:cTn id="13" presetID="22" presetClass="entr" presetSubtype="4" fill="hold" grpId="0" nodeType="clickEffect">
+                                  <p:stCondLst>
+                                    <p:cond delay="0"/>
+                                  </p:stCondLst>
+                                  <p:childTnLst>
+                                    <p:set>
+                                      <p:cBhvr>
+                                        <p:cTn id="14" dur="1" fill="hold">
+                                          <p:stCondLst>
+                                            <p:cond delay="0"/>
+                                          </p:stCondLst>
+                                        </p:cTn>
+                                        <p:tgtEl>
+                                          <p:spTgt spid="8"/>
+                                        </p:tgtEl>
+                                        <p:attrNameLst>
+                                          <p:attrName>style.visibility</p:attrName>
+                                        </p:attrNameLst>
+                                      </p:cBhvr>
+                                      <p:to>
+                                        <p:strVal val="visible"/>
+                                      </p:to>
+                                    </p:set>
+                                    <p:animEffect transition="in" filter="wipe(down)">
+                                      <p:cBhvr>
+                                        <p:cTn id="15" dur="250"/>
+                                        <p:tgtEl>
+                                          <p:spTgt spid="8"/>
+                                        </p:tgtEl>
+                                      </p:cBhvr>
+                                    </p:animEffect>
+                                  </p:childTnLst>
+                                </p:cTn>
+                              </p:par>
+                            </p:childTnLst>
+                          </p:cTn>
+                        </p:par>
+                      </p:childTnLst>
+                    </p:cTn>
+                  </p:par>
+                </p:childTnLst>
+              </p:cTn>
+              <p:prevCondLst>
+                <p:cond evt="onPrev" delay="0">
+                  <p:tgtEl>
+                    <p:sldTgt/>
+                  </p:tgtEl>
+                </p:cond>
+              </p:prevCondLst>
+              <p:nextCondLst>
+                <p:cond evt="onNext" delay="0">
+                  <p:tgtEl>
+                    <p:sldTgt/>
+                  </p:tgtEl>
+                </p:cond>
+              </p:nextCondLst>
+            </p:seq>
+          </p:childTnLst>
+        </p:cTn>
+      </p:par>
+    </p:tnLst>
+    <p:bldLst>
+      <p:bldP spid="6" grpId="0" animBg="1"/>
+      <p:bldP spid="7" grpId="0" animBg="1"/>
+      <p:bldP spid="8" grpId="0" animBg="1"/>
+    </p:bldLst>
+  </p:timing>
 </p:sld>
 </file>
 
-<file path=ppt/slides/slide6.xml><?xml version="1.0" encoding="utf-8"?>
+<file path=ppt/slides/slide7.xml><?xml version="1.0" encoding="utf-8"?>
 <p:sld xmlns:a="http://schemas.openxmlformats.org/drawingml/2006/main" xmlns:r="http://schemas.openxmlformats.org/officeDocument/2006/relationships" xmlns:p="http://schemas.openxmlformats.org/presentationml/2006/main">
   <p:cSld>
     <p:spTree>
@@ -12452,7 +12919,7 @@
 </p:sld>
 </file>
 
-<file path=ppt/slides/slide7.xml><?xml version="1.0" encoding="utf-8"?>
+<file path=ppt/slides/slide8.xml><?xml version="1.0" encoding="utf-8"?>
 <p:sld xmlns:a="http://schemas.openxmlformats.org/drawingml/2006/main" xmlns:r="http://schemas.openxmlformats.org/officeDocument/2006/relationships" xmlns:p="http://schemas.openxmlformats.org/presentationml/2006/main">
   <p:cSld>
     <p:spTree>
@@ -12505,7 +12972,7 @@
 </p:sld>
 </file>
 
-<file path=ppt/slides/slide8.xml><?xml version="1.0" encoding="utf-8"?>
+<file path=ppt/slides/slide9.xml><?xml version="1.0" encoding="utf-8"?>
 <p:sld xmlns:a="http://schemas.openxmlformats.org/drawingml/2006/main" xmlns:r="http://schemas.openxmlformats.org/officeDocument/2006/relationships" xmlns:p="http://schemas.openxmlformats.org/presentationml/2006/main">
   <p:cSld>
     <p:spTree>
@@ -12526,97 +12993,6 @@
     <p:extLst>
       <p:ext uri="{BB962C8B-B14F-4D97-AF65-F5344CB8AC3E}">
         <p14:creationId xmlns:p14="http://schemas.microsoft.com/office/powerpoint/2010/main" val="3661180859"/>
-      </p:ext>
-    </p:extLst>
-  </p:cSld>
-  <p:clrMapOvr>
-    <a:masterClrMapping/>
-  </p:clrMapOvr>
-</p:sld>
-</file>
-
-<file path=ppt/slides/slide9.xml><?xml version="1.0" encoding="utf-8"?>
-<p:sld xmlns:a="http://schemas.openxmlformats.org/drawingml/2006/main" xmlns:r="http://schemas.openxmlformats.org/officeDocument/2006/relationships" xmlns:p="http://schemas.openxmlformats.org/presentationml/2006/main">
-  <p:cSld>
-    <p:spTree>
-      <p:nvGrpSpPr>
-        <p:cNvPr id="1" name=""/>
-        <p:cNvGrpSpPr/>
-        <p:nvPr/>
-      </p:nvGrpSpPr>
-      <p:grpSpPr>
-        <a:xfrm>
-          <a:off x="0" y="0"/>
-          <a:ext cx="0" cy="0"/>
-          <a:chOff x="0" y="0"/>
-          <a:chExt cx="0" cy="0"/>
-        </a:xfrm>
-      </p:grpSpPr>
-      <p:sp>
-        <p:nvSpPr>
-          <p:cNvPr id="2" name="Title 1"/>
-          <p:cNvSpPr>
-            <a:spLocks noGrp="1"/>
-          </p:cNvSpPr>
-          <p:nvPr>
-            <p:ph type="title"/>
-          </p:nvPr>
-        </p:nvSpPr>
-        <p:spPr/>
-        <p:txBody>
-          <a:bodyPr/>
-          <a:lstStyle/>
-          <a:p>
-            <a:r>
-              <a:rPr lang="en-US" dirty="0"/>
-              <a:t>Add a Slide Title - 4</a:t>
-            </a:r>
-            <a:endParaRPr dirty="0"/>
-          </a:p>
-        </p:txBody>
-      </p:sp>
-      <p:sp>
-        <p:nvSpPr>
-          <p:cNvPr id="3" name="Content Placeholder 2"/>
-          <p:cNvSpPr>
-            <a:spLocks noGrp="1"/>
-          </p:cNvSpPr>
-          <p:nvPr>
-            <p:ph idx="1"/>
-          </p:nvPr>
-        </p:nvSpPr>
-        <p:spPr/>
-        <p:txBody>
-          <a:bodyPr/>
-          <a:lstStyle/>
-          <a:p>
-            <a:endParaRPr/>
-          </a:p>
-        </p:txBody>
-      </p:sp>
-      <p:sp>
-        <p:nvSpPr>
-          <p:cNvPr id="4" name="Text Placeholder 3"/>
-          <p:cNvSpPr>
-            <a:spLocks noGrp="1"/>
-          </p:cNvSpPr>
-          <p:nvPr>
-            <p:ph type="body" sz="half" idx="2"/>
-          </p:nvPr>
-        </p:nvSpPr>
-        <p:spPr/>
-        <p:txBody>
-          <a:bodyPr/>
-          <a:lstStyle/>
-          <a:p>
-            <a:endParaRPr/>
-          </a:p>
-        </p:txBody>
-      </p:sp>
-    </p:spTree>
-    <p:extLst>
-      <p:ext uri="{BB962C8B-B14F-4D97-AF65-F5344CB8AC3E}">
-        <p14:creationId xmlns:p14="http://schemas.microsoft.com/office/powerpoint/2010/main" val="3232560146"/>
       </p:ext>
     </p:extLst>
   </p:cSld>

--- a/New Git Concepts.pptx
+++ b/New Git Concepts.pptx
@@ -5,10 +5,10 @@
     <p:sldMasterId id="2147483648" r:id="rId1"/>
   </p:sldMasterIdLst>
   <p:notesMasterIdLst>
-    <p:notesMasterId r:id="rId13"/>
+    <p:notesMasterId r:id="rId18"/>
   </p:notesMasterIdLst>
   <p:handoutMasterIdLst>
-    <p:handoutMasterId r:id="rId14"/>
+    <p:handoutMasterId r:id="rId19"/>
   </p:handoutMasterIdLst>
   <p:sldIdLst>
     <p:sldId id="256" r:id="rId2"/>
@@ -18,10 +18,15 @@
     <p:sldId id="276" r:id="rId6"/>
     <p:sldId id="270" r:id="rId7"/>
     <p:sldId id="271" r:id="rId8"/>
-    <p:sldId id="272" r:id="rId9"/>
-    <p:sldId id="273" r:id="rId10"/>
-    <p:sldId id="274" r:id="rId11"/>
-    <p:sldId id="275" r:id="rId12"/>
+    <p:sldId id="283" r:id="rId9"/>
+    <p:sldId id="272" r:id="rId10"/>
+    <p:sldId id="277" r:id="rId11"/>
+    <p:sldId id="278" r:id="rId12"/>
+    <p:sldId id="279" r:id="rId13"/>
+    <p:sldId id="280" r:id="rId14"/>
+    <p:sldId id="281" r:id="rId15"/>
+    <p:sldId id="282" r:id="rId16"/>
+    <p:sldId id="275" r:id="rId17"/>
   </p:sldIdLst>
   <p:sldSz cx="12192000" cy="6858000"/>
   <p:notesSz cx="6858000" cy="9144000"/>
@@ -7467,14 +7472,19 @@
             <p:ph type="title"/>
           </p:nvPr>
         </p:nvSpPr>
-        <p:spPr/>
+        <p:spPr>
+          <a:xfrm>
+            <a:off x="7824192" y="548680"/>
+            <a:ext cx="3127248" cy="892696"/>
+          </a:xfrm>
+        </p:spPr>
         <p:txBody>
           <a:bodyPr/>
           <a:lstStyle/>
           <a:p>
             <a:r>
-              <a:rPr lang="en-US" dirty="0"/>
-              <a:t>Add a Slide Title - 4</a:t>
+              <a:rPr lang="en-IN" dirty="0"/>
+              <a:t>Git stash</a:t>
             </a:r>
             <a:endParaRPr dirty="0"/>
           </a:p>
@@ -7482,22 +7492,15 @@
       </p:sp>
       <p:sp>
         <p:nvSpPr>
-          <p:cNvPr id="3" name="Content Placeholder 2"/>
+          <p:cNvPr id="3" name="Picture Placeholder 2" descr="An empty placeholder to add an image. Click on the placeholder and select the image that you wish to add."/>
           <p:cNvSpPr>
             <a:spLocks noGrp="1"/>
           </p:cNvSpPr>
           <p:nvPr>
-            <p:ph idx="1"/>
+            <p:ph type="pic" idx="1"/>
           </p:nvPr>
         </p:nvSpPr>
         <p:spPr/>
-        <p:txBody>
-          <a:bodyPr/>
-          <a:lstStyle/>
-          <a:p>
-            <a:endParaRPr/>
-          </a:p>
-        </p:txBody>
       </p:sp>
       <p:sp>
         <p:nvSpPr>
@@ -7509,19 +7512,599 @@
             <p:ph type="body" sz="half" idx="2"/>
           </p:nvPr>
         </p:nvSpPr>
-        <p:spPr/>
+        <p:spPr>
+          <a:xfrm>
+            <a:off x="7824192" y="1628799"/>
+            <a:ext cx="4367808" cy="4824533"/>
+          </a:xfrm>
+        </p:spPr>
         <p:txBody>
-          <a:bodyPr/>
+          <a:bodyPr>
+            <a:normAutofit/>
+          </a:bodyPr>
           <a:lstStyle/>
           <a:p>
-            <a:endParaRPr/>
+            <a:r>
+              <a:rPr lang="en-IN" sz="2400" dirty="0"/>
+              <a:t>It allows one to save a copy of the code without making a commit.</a:t>
+            </a:r>
+          </a:p>
+          <a:p>
+            <a:r>
+              <a:rPr lang="en-US" sz="2400" dirty="0"/>
+              <a:t>Stashing is like saving a temporary local commit to your branch.</a:t>
+            </a:r>
+          </a:p>
+          <a:p>
+            <a:r>
+              <a:rPr lang="en-IN" sz="2400" dirty="0"/>
+              <a:t>$git stash list</a:t>
+            </a:r>
+          </a:p>
+          <a:p>
+            <a:r>
+              <a:rPr lang="en-IN" sz="2400" dirty="0"/>
+              <a:t>Enable one to see the list of the stashes</a:t>
+            </a:r>
+          </a:p>
+          <a:p>
+            <a:r>
+              <a:rPr lang="en-IN" sz="2400" dirty="0"/>
+              <a:t>And </a:t>
+            </a:r>
+          </a:p>
+          <a:p>
+            <a:r>
+              <a:rPr lang="en-IN" sz="2400" dirty="0"/>
+              <a:t>$git stash apply</a:t>
+            </a:r>
+          </a:p>
+          <a:p>
+            <a:r>
+              <a:rPr lang="en-IN" sz="2400" dirty="0"/>
+              <a:t>To reapply the stashed code </a:t>
+            </a:r>
+          </a:p>
+        </p:txBody>
+      </p:sp>
+      <p:sp>
+        <p:nvSpPr>
+          <p:cNvPr id="5" name="Rectangle 1">
+            <a:extLst>
+              <a:ext uri="{FF2B5EF4-FFF2-40B4-BE49-F238E27FC236}">
+                <a16:creationId xmlns:a16="http://schemas.microsoft.com/office/drawing/2014/main" id="{FADB7853-3C8C-EA5C-2A3E-19C7BD341659}"/>
+              </a:ext>
+            </a:extLst>
+          </p:cNvPr>
+          <p:cNvSpPr>
+            <a:spLocks noChangeArrowheads="1"/>
+          </p:cNvSpPr>
+          <p:nvPr/>
+        </p:nvSpPr>
+        <p:spPr bwMode="auto">
+          <a:xfrm>
+            <a:off x="0" y="0"/>
+            <a:ext cx="12192000" cy="0"/>
+          </a:xfrm>
+          <a:prstGeom prst="rect">
+            <a:avLst/>
+          </a:prstGeom>
+          <a:solidFill>
+            <a:srgbClr val="FBFBFB"/>
+          </a:solidFill>
+          <a:ln>
+            <a:noFill/>
+          </a:ln>
+          <a:effectLst/>
+          <a:extLst>
+            <a:ext uri="{91240B29-F687-4F45-9708-019B960494DF}">
+              <a14:hiddenLine xmlns:a14="http://schemas.microsoft.com/office/drawing/2010/main" w="9525">
+                <a:solidFill>
+                  <a:schemeClr val="tx1"/>
+                </a:solidFill>
+                <a:miter lim="800000"/>
+                <a:headEnd/>
+                <a:tailEnd/>
+              </a14:hiddenLine>
+            </a:ext>
+            <a:ext uri="{AF507438-7753-43E0-B8FC-AC1667EBCBE1}">
+              <a14:hiddenEffects xmlns:a14="http://schemas.microsoft.com/office/drawing/2010/main">
+                <a:effectLst>
+                  <a:outerShdw dist="35921" dir="2700000" algn="ctr" rotWithShape="0">
+                    <a:schemeClr val="bg2"/>
+                  </a:outerShdw>
+                </a:effectLst>
+              </a14:hiddenEffects>
+            </a:ext>
+          </a:extLst>
+        </p:spPr>
+        <p:txBody>
+          <a:bodyPr vert="horz" wrap="none" lIns="0" tIns="0" rIns="0" bIns="0" numCol="1" anchor="ctr" anchorCtr="0" compatLnSpc="1">
+            <a:prstTxWarp prst="textNoShape">
+              <a:avLst/>
+            </a:prstTxWarp>
+            <a:spAutoFit/>
+          </a:bodyPr>
+          <a:lstStyle>
+            <a:lvl1pPr eaLnBrk="0" fontAlgn="base" hangingPunct="0">
+              <a:spcBef>
+                <a:spcPct val="0"/>
+              </a:spcBef>
+              <a:spcAft>
+                <a:spcPct val="0"/>
+              </a:spcAft>
+              <a:defRPr>
+                <a:solidFill>
+                  <a:schemeClr val="tx1"/>
+                </a:solidFill>
+                <a:latin typeface="Arial" panose="020B0604020202020204" pitchFamily="34" charset="0"/>
+              </a:defRPr>
+            </a:lvl1pPr>
+            <a:lvl2pPr eaLnBrk="0" fontAlgn="base" hangingPunct="0">
+              <a:spcBef>
+                <a:spcPct val="0"/>
+              </a:spcBef>
+              <a:spcAft>
+                <a:spcPct val="0"/>
+              </a:spcAft>
+              <a:defRPr>
+                <a:solidFill>
+                  <a:schemeClr val="tx1"/>
+                </a:solidFill>
+                <a:latin typeface="Arial" panose="020B0604020202020204" pitchFamily="34" charset="0"/>
+              </a:defRPr>
+            </a:lvl2pPr>
+            <a:lvl3pPr eaLnBrk="0" fontAlgn="base" hangingPunct="0">
+              <a:spcBef>
+                <a:spcPct val="0"/>
+              </a:spcBef>
+              <a:spcAft>
+                <a:spcPct val="0"/>
+              </a:spcAft>
+              <a:defRPr>
+                <a:solidFill>
+                  <a:schemeClr val="tx1"/>
+                </a:solidFill>
+                <a:latin typeface="Arial" panose="020B0604020202020204" pitchFamily="34" charset="0"/>
+              </a:defRPr>
+            </a:lvl3pPr>
+            <a:lvl4pPr eaLnBrk="0" fontAlgn="base" hangingPunct="0">
+              <a:spcBef>
+                <a:spcPct val="0"/>
+              </a:spcBef>
+              <a:spcAft>
+                <a:spcPct val="0"/>
+              </a:spcAft>
+              <a:defRPr>
+                <a:solidFill>
+                  <a:schemeClr val="tx1"/>
+                </a:solidFill>
+                <a:latin typeface="Arial" panose="020B0604020202020204" pitchFamily="34" charset="0"/>
+              </a:defRPr>
+            </a:lvl4pPr>
+            <a:lvl5pPr eaLnBrk="0" fontAlgn="base" hangingPunct="0">
+              <a:spcBef>
+                <a:spcPct val="0"/>
+              </a:spcBef>
+              <a:spcAft>
+                <a:spcPct val="0"/>
+              </a:spcAft>
+              <a:defRPr>
+                <a:solidFill>
+                  <a:schemeClr val="tx1"/>
+                </a:solidFill>
+                <a:latin typeface="Arial" panose="020B0604020202020204" pitchFamily="34" charset="0"/>
+              </a:defRPr>
+            </a:lvl5pPr>
+            <a:lvl6pPr eaLnBrk="0" fontAlgn="base" hangingPunct="0">
+              <a:spcBef>
+                <a:spcPct val="0"/>
+              </a:spcBef>
+              <a:spcAft>
+                <a:spcPct val="0"/>
+              </a:spcAft>
+              <a:defRPr>
+                <a:solidFill>
+                  <a:schemeClr val="tx1"/>
+                </a:solidFill>
+                <a:latin typeface="Arial" panose="020B0604020202020204" pitchFamily="34" charset="0"/>
+              </a:defRPr>
+            </a:lvl6pPr>
+            <a:lvl7pPr eaLnBrk="0" fontAlgn="base" hangingPunct="0">
+              <a:spcBef>
+                <a:spcPct val="0"/>
+              </a:spcBef>
+              <a:spcAft>
+                <a:spcPct val="0"/>
+              </a:spcAft>
+              <a:defRPr>
+                <a:solidFill>
+                  <a:schemeClr val="tx1"/>
+                </a:solidFill>
+                <a:latin typeface="Arial" panose="020B0604020202020204" pitchFamily="34" charset="0"/>
+              </a:defRPr>
+            </a:lvl7pPr>
+            <a:lvl8pPr eaLnBrk="0" fontAlgn="base" hangingPunct="0">
+              <a:spcBef>
+                <a:spcPct val="0"/>
+              </a:spcBef>
+              <a:spcAft>
+                <a:spcPct val="0"/>
+              </a:spcAft>
+              <a:defRPr>
+                <a:solidFill>
+                  <a:schemeClr val="tx1"/>
+                </a:solidFill>
+                <a:latin typeface="Arial" panose="020B0604020202020204" pitchFamily="34" charset="0"/>
+              </a:defRPr>
+            </a:lvl8pPr>
+            <a:lvl9pPr eaLnBrk="0" fontAlgn="base" hangingPunct="0">
+              <a:spcBef>
+                <a:spcPct val="0"/>
+              </a:spcBef>
+              <a:spcAft>
+                <a:spcPct val="0"/>
+              </a:spcAft>
+              <a:defRPr>
+                <a:solidFill>
+                  <a:schemeClr val="tx1"/>
+                </a:solidFill>
+                <a:latin typeface="Arial" panose="020B0604020202020204" pitchFamily="34" charset="0"/>
+              </a:defRPr>
+            </a:lvl9pPr>
+          </a:lstStyle>
+          <a:p>
+            <a:pPr marL="0" marR="0" lvl="0" indent="0" algn="l" defTabSz="914400" rtl="0" eaLnBrk="0" fontAlgn="base" latinLnBrk="0" hangingPunct="0">
+              <a:lnSpc>
+                <a:spcPct val="100000"/>
+              </a:lnSpc>
+              <a:spcBef>
+                <a:spcPct val="0"/>
+              </a:spcBef>
+              <a:spcAft>
+                <a:spcPct val="0"/>
+              </a:spcAft>
+              <a:buClrTx/>
+              <a:buSzTx/>
+              <a:buFontTx/>
+              <a:buNone/>
+              <a:tabLst/>
+            </a:pPr>
+            <a:r>
+              <a:rPr kumimoji="0" lang="en-US" altLang="en-US" sz="1200" b="0" i="0" u="none" strike="noStrike" cap="none" normalizeH="0" baseline="0">
+                <a:ln>
+                  <a:noFill/>
+                </a:ln>
+                <a:solidFill>
+                  <a:srgbClr val="262D3D"/>
+                </a:solidFill>
+                <a:effectLst/>
+                <a:latin typeface="Merriweather" panose="00000500000000000000" pitchFamily="2" charset="0"/>
+              </a:rPr>
+              <a:t> run </a:t>
+            </a:r>
+            <a:r>
+              <a:rPr kumimoji="0" lang="en-US" altLang="en-US" sz="1000" b="0" i="0" u="none" strike="noStrike" cap="none" normalizeH="0" baseline="0">
+                <a:ln>
+                  <a:noFill/>
+                </a:ln>
+                <a:solidFill>
+                  <a:srgbClr val="455065"/>
+                </a:solidFill>
+                <a:effectLst/>
+                <a:latin typeface="IBM Plex Mono" panose="020B0604020202020204" pitchFamily="49" charset="0"/>
+              </a:rPr>
+              <a:t>git stash list</a:t>
+            </a:r>
+            <a:r>
+              <a:rPr kumimoji="0" lang="en-US" altLang="en-US" sz="1200" b="0" i="0" u="none" strike="noStrike" cap="none" normalizeH="0" baseline="0">
+                <a:ln>
+                  <a:noFill/>
+                </a:ln>
+                <a:solidFill>
+                  <a:srgbClr val="262D3D"/>
+                </a:solidFill>
+                <a:effectLst/>
+                <a:latin typeface="Merriweather" panose="00000500000000000000" pitchFamily="2" charset="0"/>
+              </a:rPr>
+              <a:t> you’ll see a list of stashes</a:t>
+            </a:r>
+            <a:r>
+              <a:rPr kumimoji="0" lang="en-US" altLang="en-US" sz="800" b="0" i="0" u="none" strike="noStrike" cap="none" normalizeH="0" baseline="0">
+                <a:ln>
+                  <a:noFill/>
+                </a:ln>
+                <a:solidFill>
+                  <a:schemeClr val="tx1"/>
+                </a:solidFill>
+                <a:effectLst/>
+              </a:rPr>
+              <a:t> </a:t>
+            </a:r>
+            <a:endParaRPr kumimoji="0" lang="en-US" altLang="en-US" sz="1800" b="0" i="0" u="none" strike="noStrike" cap="none" normalizeH="0" baseline="0">
+              <a:ln>
+                <a:noFill/>
+              </a:ln>
+              <a:solidFill>
+                <a:schemeClr val="tx1"/>
+              </a:solidFill>
+              <a:effectLst/>
+              <a:latin typeface="Arial" panose="020B0604020202020204" pitchFamily="34" charset="0"/>
+            </a:endParaRPr>
+          </a:p>
+        </p:txBody>
+      </p:sp>
+      <p:sp>
+        <p:nvSpPr>
+          <p:cNvPr id="6" name="Rectangle 2">
+            <a:extLst>
+              <a:ext uri="{FF2B5EF4-FFF2-40B4-BE49-F238E27FC236}">
+                <a16:creationId xmlns:a16="http://schemas.microsoft.com/office/drawing/2014/main" id="{E3F0D75F-BEA9-097E-1F66-14DCBA1B6E2B}"/>
+              </a:ext>
+            </a:extLst>
+          </p:cNvPr>
+          <p:cNvSpPr>
+            <a:spLocks noChangeArrowheads="1"/>
+          </p:cNvSpPr>
+          <p:nvPr/>
+        </p:nvSpPr>
+        <p:spPr bwMode="auto">
+          <a:xfrm>
+            <a:off x="152400" y="152400"/>
+            <a:ext cx="12192000" cy="0"/>
+          </a:xfrm>
+          <a:prstGeom prst="rect">
+            <a:avLst/>
+          </a:prstGeom>
+          <a:solidFill>
+            <a:srgbClr val="FBFBFB"/>
+          </a:solidFill>
+          <a:ln>
+            <a:noFill/>
+          </a:ln>
+          <a:effectLst/>
+          <a:extLst>
+            <a:ext uri="{91240B29-F687-4F45-9708-019B960494DF}">
+              <a14:hiddenLine xmlns:a14="http://schemas.microsoft.com/office/drawing/2010/main" w="9525">
+                <a:solidFill>
+                  <a:schemeClr val="tx1"/>
+                </a:solidFill>
+                <a:miter lim="800000"/>
+                <a:headEnd/>
+                <a:tailEnd/>
+              </a14:hiddenLine>
+            </a:ext>
+            <a:ext uri="{AF507438-7753-43E0-B8FC-AC1667EBCBE1}">
+              <a14:hiddenEffects xmlns:a14="http://schemas.microsoft.com/office/drawing/2010/main">
+                <a:effectLst>
+                  <a:outerShdw dist="35921" dir="2700000" algn="ctr" rotWithShape="0">
+                    <a:schemeClr val="bg2"/>
+                  </a:outerShdw>
+                </a:effectLst>
+              </a14:hiddenEffects>
+            </a:ext>
+          </a:extLst>
+        </p:spPr>
+        <p:txBody>
+          <a:bodyPr vert="horz" wrap="none" lIns="0" tIns="0" rIns="0" bIns="0" numCol="1" anchor="ctr" anchorCtr="0" compatLnSpc="1">
+            <a:prstTxWarp prst="textNoShape">
+              <a:avLst/>
+            </a:prstTxWarp>
+            <a:spAutoFit/>
+          </a:bodyPr>
+          <a:lstStyle>
+            <a:lvl1pPr eaLnBrk="0" fontAlgn="base" hangingPunct="0">
+              <a:spcBef>
+                <a:spcPct val="0"/>
+              </a:spcBef>
+              <a:spcAft>
+                <a:spcPct val="0"/>
+              </a:spcAft>
+              <a:defRPr>
+                <a:solidFill>
+                  <a:schemeClr val="tx1"/>
+                </a:solidFill>
+                <a:latin typeface="Arial" panose="020B0604020202020204" pitchFamily="34" charset="0"/>
+              </a:defRPr>
+            </a:lvl1pPr>
+            <a:lvl2pPr eaLnBrk="0" fontAlgn="base" hangingPunct="0">
+              <a:spcBef>
+                <a:spcPct val="0"/>
+              </a:spcBef>
+              <a:spcAft>
+                <a:spcPct val="0"/>
+              </a:spcAft>
+              <a:defRPr>
+                <a:solidFill>
+                  <a:schemeClr val="tx1"/>
+                </a:solidFill>
+                <a:latin typeface="Arial" panose="020B0604020202020204" pitchFamily="34" charset="0"/>
+              </a:defRPr>
+            </a:lvl2pPr>
+            <a:lvl3pPr eaLnBrk="0" fontAlgn="base" hangingPunct="0">
+              <a:spcBef>
+                <a:spcPct val="0"/>
+              </a:spcBef>
+              <a:spcAft>
+                <a:spcPct val="0"/>
+              </a:spcAft>
+              <a:defRPr>
+                <a:solidFill>
+                  <a:schemeClr val="tx1"/>
+                </a:solidFill>
+                <a:latin typeface="Arial" panose="020B0604020202020204" pitchFamily="34" charset="0"/>
+              </a:defRPr>
+            </a:lvl3pPr>
+            <a:lvl4pPr eaLnBrk="0" fontAlgn="base" hangingPunct="0">
+              <a:spcBef>
+                <a:spcPct val="0"/>
+              </a:spcBef>
+              <a:spcAft>
+                <a:spcPct val="0"/>
+              </a:spcAft>
+              <a:defRPr>
+                <a:solidFill>
+                  <a:schemeClr val="tx1"/>
+                </a:solidFill>
+                <a:latin typeface="Arial" panose="020B0604020202020204" pitchFamily="34" charset="0"/>
+              </a:defRPr>
+            </a:lvl4pPr>
+            <a:lvl5pPr eaLnBrk="0" fontAlgn="base" hangingPunct="0">
+              <a:spcBef>
+                <a:spcPct val="0"/>
+              </a:spcBef>
+              <a:spcAft>
+                <a:spcPct val="0"/>
+              </a:spcAft>
+              <a:defRPr>
+                <a:solidFill>
+                  <a:schemeClr val="tx1"/>
+                </a:solidFill>
+                <a:latin typeface="Arial" panose="020B0604020202020204" pitchFamily="34" charset="0"/>
+              </a:defRPr>
+            </a:lvl5pPr>
+            <a:lvl6pPr eaLnBrk="0" fontAlgn="base" hangingPunct="0">
+              <a:spcBef>
+                <a:spcPct val="0"/>
+              </a:spcBef>
+              <a:spcAft>
+                <a:spcPct val="0"/>
+              </a:spcAft>
+              <a:defRPr>
+                <a:solidFill>
+                  <a:schemeClr val="tx1"/>
+                </a:solidFill>
+                <a:latin typeface="Arial" panose="020B0604020202020204" pitchFamily="34" charset="0"/>
+              </a:defRPr>
+            </a:lvl6pPr>
+            <a:lvl7pPr eaLnBrk="0" fontAlgn="base" hangingPunct="0">
+              <a:spcBef>
+                <a:spcPct val="0"/>
+              </a:spcBef>
+              <a:spcAft>
+                <a:spcPct val="0"/>
+              </a:spcAft>
+              <a:defRPr>
+                <a:solidFill>
+                  <a:schemeClr val="tx1"/>
+                </a:solidFill>
+                <a:latin typeface="Arial" panose="020B0604020202020204" pitchFamily="34" charset="0"/>
+              </a:defRPr>
+            </a:lvl7pPr>
+            <a:lvl8pPr eaLnBrk="0" fontAlgn="base" hangingPunct="0">
+              <a:spcBef>
+                <a:spcPct val="0"/>
+              </a:spcBef>
+              <a:spcAft>
+                <a:spcPct val="0"/>
+              </a:spcAft>
+              <a:defRPr>
+                <a:solidFill>
+                  <a:schemeClr val="tx1"/>
+                </a:solidFill>
+                <a:latin typeface="Arial" panose="020B0604020202020204" pitchFamily="34" charset="0"/>
+              </a:defRPr>
+            </a:lvl8pPr>
+            <a:lvl9pPr eaLnBrk="0" fontAlgn="base" hangingPunct="0">
+              <a:spcBef>
+                <a:spcPct val="0"/>
+              </a:spcBef>
+              <a:spcAft>
+                <a:spcPct val="0"/>
+              </a:spcAft>
+              <a:defRPr>
+                <a:solidFill>
+                  <a:schemeClr val="tx1"/>
+                </a:solidFill>
+                <a:latin typeface="Arial" panose="020B0604020202020204" pitchFamily="34" charset="0"/>
+              </a:defRPr>
+            </a:lvl9pPr>
+          </a:lstStyle>
+          <a:p>
+            <a:pPr marL="0" marR="0" lvl="0" indent="0" algn="l" defTabSz="914400" rtl="0" eaLnBrk="0" fontAlgn="base" latinLnBrk="0" hangingPunct="0">
+              <a:lnSpc>
+                <a:spcPct val="100000"/>
+              </a:lnSpc>
+              <a:spcBef>
+                <a:spcPct val="0"/>
+              </a:spcBef>
+              <a:spcAft>
+                <a:spcPct val="0"/>
+              </a:spcAft>
+              <a:buClrTx/>
+              <a:buSzTx/>
+              <a:buFontTx/>
+              <a:buNone/>
+              <a:tabLst/>
+            </a:pPr>
+            <a:r>
+              <a:rPr kumimoji="0" lang="en-US" altLang="en-US" sz="1200" b="0" i="0" u="none" strike="noStrike" cap="none" normalizeH="0" baseline="0">
+                <a:ln>
+                  <a:noFill/>
+                </a:ln>
+                <a:solidFill>
+                  <a:srgbClr val="262D3D"/>
+                </a:solidFill>
+                <a:effectLst/>
+                <a:latin typeface="Merriweather" panose="00000500000000000000" pitchFamily="2" charset="0"/>
+              </a:rPr>
+              <a:t> run </a:t>
+            </a:r>
+            <a:r>
+              <a:rPr kumimoji="0" lang="en-US" altLang="en-US" sz="1000" b="0" i="0" u="none" strike="noStrike" cap="none" normalizeH="0" baseline="0">
+                <a:ln>
+                  <a:noFill/>
+                </a:ln>
+                <a:solidFill>
+                  <a:srgbClr val="455065"/>
+                </a:solidFill>
+                <a:effectLst/>
+                <a:latin typeface="IBM Plex Mono" panose="020B0509050203000203" pitchFamily="49" charset="0"/>
+              </a:rPr>
+              <a:t>git stash list</a:t>
+            </a:r>
+            <a:r>
+              <a:rPr kumimoji="0" lang="en-US" altLang="en-US" sz="1200" b="0" i="0" u="none" strike="noStrike" cap="none" normalizeH="0" baseline="0">
+                <a:ln>
+                  <a:noFill/>
+                </a:ln>
+                <a:solidFill>
+                  <a:srgbClr val="262D3D"/>
+                </a:solidFill>
+                <a:effectLst/>
+                <a:latin typeface="Merriweather" panose="00000500000000000000" pitchFamily="2" charset="0"/>
+              </a:rPr>
+              <a:t> you’ll see a list of stashes</a:t>
+            </a:r>
+            <a:r>
+              <a:rPr kumimoji="0" lang="en-US" altLang="en-US" sz="800" b="0" i="0" u="none" strike="noStrike" cap="none" normalizeH="0" baseline="0">
+                <a:ln>
+                  <a:noFill/>
+                </a:ln>
+                <a:solidFill>
+                  <a:schemeClr val="tx1"/>
+                </a:solidFill>
+                <a:effectLst/>
+              </a:rPr>
+              <a:t> </a:t>
+            </a:r>
+            <a:endParaRPr kumimoji="0" lang="en-US" altLang="en-US" sz="1800" b="0" i="0" u="none" strike="noStrike" cap="none" normalizeH="0" baseline="0">
+              <a:ln>
+                <a:noFill/>
+              </a:ln>
+              <a:solidFill>
+                <a:schemeClr val="tx1"/>
+              </a:solidFill>
+              <a:effectLst/>
+              <a:latin typeface="Arial" panose="020B0604020202020204" pitchFamily="34" charset="0"/>
+            </a:endParaRPr>
           </a:p>
         </p:txBody>
       </p:sp>
     </p:spTree>
     <p:extLst>
       <p:ext uri="{BB962C8B-B14F-4D97-AF65-F5344CB8AC3E}">
-        <p14:creationId xmlns:p14="http://schemas.microsoft.com/office/powerpoint/2010/main" val="3232560146"/>
+        <p14:creationId xmlns:p14="http://schemas.microsoft.com/office/powerpoint/2010/main" val="1129804961"/>
       </p:ext>
     </p:extLst>
   </p:cSld>
@@ -7563,10 +8146,406 @@
           <a:bodyPr/>
           <a:lstStyle/>
           <a:p>
-            <a:r>
-              <a:rPr lang="en-US" dirty="0"/>
-              <a:t>Add a Slide Title - 5</a:t>
-            </a:r>
+            <a:endParaRPr dirty="0"/>
+          </a:p>
+        </p:txBody>
+      </p:sp>
+      <p:sp>
+        <p:nvSpPr>
+          <p:cNvPr id="3" name="Picture Placeholder 2" descr="An empty placeholder to add an image. Click on the placeholder and select the image that you wish to add."/>
+          <p:cNvSpPr>
+            <a:spLocks noGrp="1"/>
+          </p:cNvSpPr>
+          <p:nvPr>
+            <p:ph type="pic" idx="1"/>
+          </p:nvPr>
+        </p:nvSpPr>
+        <p:spPr/>
+      </p:sp>
+      <p:sp>
+        <p:nvSpPr>
+          <p:cNvPr id="4" name="Text Placeholder 3"/>
+          <p:cNvSpPr>
+            <a:spLocks noGrp="1"/>
+          </p:cNvSpPr>
+          <p:nvPr>
+            <p:ph type="body" sz="half" idx="2"/>
+          </p:nvPr>
+        </p:nvSpPr>
+        <p:spPr/>
+        <p:txBody>
+          <a:bodyPr/>
+          <a:lstStyle/>
+          <a:p>
+            <a:endParaRPr/>
+          </a:p>
+        </p:txBody>
+      </p:sp>
+    </p:spTree>
+    <p:extLst>
+      <p:ext uri="{BB962C8B-B14F-4D97-AF65-F5344CB8AC3E}">
+        <p14:creationId xmlns:p14="http://schemas.microsoft.com/office/powerpoint/2010/main" val="198694997"/>
+      </p:ext>
+    </p:extLst>
+  </p:cSld>
+  <p:clrMapOvr>
+    <a:masterClrMapping/>
+  </p:clrMapOvr>
+</p:sld>
+</file>
+
+<file path=ppt/slides/slide12.xml><?xml version="1.0" encoding="utf-8"?>
+<p:sld xmlns:a="http://schemas.openxmlformats.org/drawingml/2006/main" xmlns:r="http://schemas.openxmlformats.org/officeDocument/2006/relationships" xmlns:p="http://schemas.openxmlformats.org/presentationml/2006/main">
+  <p:cSld>
+    <p:spTree>
+      <p:nvGrpSpPr>
+        <p:cNvPr id="1" name=""/>
+        <p:cNvGrpSpPr/>
+        <p:nvPr/>
+      </p:nvGrpSpPr>
+      <p:grpSpPr>
+        <a:xfrm>
+          <a:off x="0" y="0"/>
+          <a:ext cx="0" cy="0"/>
+          <a:chOff x="0" y="0"/>
+          <a:chExt cx="0" cy="0"/>
+        </a:xfrm>
+      </p:grpSpPr>
+      <p:sp>
+        <p:nvSpPr>
+          <p:cNvPr id="2" name="Title 1"/>
+          <p:cNvSpPr>
+            <a:spLocks noGrp="1"/>
+          </p:cNvSpPr>
+          <p:nvPr>
+            <p:ph type="title"/>
+          </p:nvPr>
+        </p:nvSpPr>
+        <p:spPr/>
+        <p:txBody>
+          <a:bodyPr/>
+          <a:lstStyle/>
+          <a:p>
+            <a:endParaRPr dirty="0"/>
+          </a:p>
+        </p:txBody>
+      </p:sp>
+      <p:sp>
+        <p:nvSpPr>
+          <p:cNvPr id="3" name="Picture Placeholder 2" descr="An empty placeholder to add an image. Click on the placeholder and select the image that you wish to add."/>
+          <p:cNvSpPr>
+            <a:spLocks noGrp="1"/>
+          </p:cNvSpPr>
+          <p:nvPr>
+            <p:ph type="pic" idx="1"/>
+          </p:nvPr>
+        </p:nvSpPr>
+        <p:spPr/>
+      </p:sp>
+      <p:sp>
+        <p:nvSpPr>
+          <p:cNvPr id="4" name="Text Placeholder 3"/>
+          <p:cNvSpPr>
+            <a:spLocks noGrp="1"/>
+          </p:cNvSpPr>
+          <p:nvPr>
+            <p:ph type="body" sz="half" idx="2"/>
+          </p:nvPr>
+        </p:nvSpPr>
+        <p:spPr/>
+        <p:txBody>
+          <a:bodyPr/>
+          <a:lstStyle/>
+          <a:p>
+            <a:endParaRPr/>
+          </a:p>
+        </p:txBody>
+      </p:sp>
+    </p:spTree>
+    <p:extLst>
+      <p:ext uri="{BB962C8B-B14F-4D97-AF65-F5344CB8AC3E}">
+        <p14:creationId xmlns:p14="http://schemas.microsoft.com/office/powerpoint/2010/main" val="2676068510"/>
+      </p:ext>
+    </p:extLst>
+  </p:cSld>
+  <p:clrMapOvr>
+    <a:masterClrMapping/>
+  </p:clrMapOvr>
+</p:sld>
+</file>
+
+<file path=ppt/slides/slide13.xml><?xml version="1.0" encoding="utf-8"?>
+<p:sld xmlns:a="http://schemas.openxmlformats.org/drawingml/2006/main" xmlns:r="http://schemas.openxmlformats.org/officeDocument/2006/relationships" xmlns:p="http://schemas.openxmlformats.org/presentationml/2006/main">
+  <p:cSld>
+    <p:spTree>
+      <p:nvGrpSpPr>
+        <p:cNvPr id="1" name=""/>
+        <p:cNvGrpSpPr/>
+        <p:nvPr/>
+      </p:nvGrpSpPr>
+      <p:grpSpPr>
+        <a:xfrm>
+          <a:off x="0" y="0"/>
+          <a:ext cx="0" cy="0"/>
+          <a:chOff x="0" y="0"/>
+          <a:chExt cx="0" cy="0"/>
+        </a:xfrm>
+      </p:grpSpPr>
+      <p:sp>
+        <p:nvSpPr>
+          <p:cNvPr id="2" name="Title 1"/>
+          <p:cNvSpPr>
+            <a:spLocks noGrp="1"/>
+          </p:cNvSpPr>
+          <p:nvPr>
+            <p:ph type="title"/>
+          </p:nvPr>
+        </p:nvSpPr>
+        <p:spPr/>
+        <p:txBody>
+          <a:bodyPr/>
+          <a:lstStyle/>
+          <a:p>
+            <a:endParaRPr dirty="0"/>
+          </a:p>
+        </p:txBody>
+      </p:sp>
+      <p:sp>
+        <p:nvSpPr>
+          <p:cNvPr id="3" name="Picture Placeholder 2" descr="An empty placeholder to add an image. Click on the placeholder and select the image that you wish to add."/>
+          <p:cNvSpPr>
+            <a:spLocks noGrp="1"/>
+          </p:cNvSpPr>
+          <p:nvPr>
+            <p:ph type="pic" idx="1"/>
+          </p:nvPr>
+        </p:nvSpPr>
+        <p:spPr/>
+      </p:sp>
+      <p:sp>
+        <p:nvSpPr>
+          <p:cNvPr id="4" name="Text Placeholder 3"/>
+          <p:cNvSpPr>
+            <a:spLocks noGrp="1"/>
+          </p:cNvSpPr>
+          <p:nvPr>
+            <p:ph type="body" sz="half" idx="2"/>
+          </p:nvPr>
+        </p:nvSpPr>
+        <p:spPr/>
+        <p:txBody>
+          <a:bodyPr/>
+          <a:lstStyle/>
+          <a:p>
+            <a:endParaRPr/>
+          </a:p>
+        </p:txBody>
+      </p:sp>
+    </p:spTree>
+    <p:extLst>
+      <p:ext uri="{BB962C8B-B14F-4D97-AF65-F5344CB8AC3E}">
+        <p14:creationId xmlns:p14="http://schemas.microsoft.com/office/powerpoint/2010/main" val="573281864"/>
+      </p:ext>
+    </p:extLst>
+  </p:cSld>
+  <p:clrMapOvr>
+    <a:masterClrMapping/>
+  </p:clrMapOvr>
+</p:sld>
+</file>
+
+<file path=ppt/slides/slide14.xml><?xml version="1.0" encoding="utf-8"?>
+<p:sld xmlns:a="http://schemas.openxmlformats.org/drawingml/2006/main" xmlns:r="http://schemas.openxmlformats.org/officeDocument/2006/relationships" xmlns:p="http://schemas.openxmlformats.org/presentationml/2006/main">
+  <p:cSld>
+    <p:spTree>
+      <p:nvGrpSpPr>
+        <p:cNvPr id="1" name=""/>
+        <p:cNvGrpSpPr/>
+        <p:nvPr/>
+      </p:nvGrpSpPr>
+      <p:grpSpPr>
+        <a:xfrm>
+          <a:off x="0" y="0"/>
+          <a:ext cx="0" cy="0"/>
+          <a:chOff x="0" y="0"/>
+          <a:chExt cx="0" cy="0"/>
+        </a:xfrm>
+      </p:grpSpPr>
+      <p:sp>
+        <p:nvSpPr>
+          <p:cNvPr id="2" name="Title 1"/>
+          <p:cNvSpPr>
+            <a:spLocks noGrp="1"/>
+          </p:cNvSpPr>
+          <p:nvPr>
+            <p:ph type="title"/>
+          </p:nvPr>
+        </p:nvSpPr>
+        <p:spPr/>
+        <p:txBody>
+          <a:bodyPr/>
+          <a:lstStyle/>
+          <a:p>
+            <a:endParaRPr dirty="0"/>
+          </a:p>
+        </p:txBody>
+      </p:sp>
+      <p:sp>
+        <p:nvSpPr>
+          <p:cNvPr id="3" name="Picture Placeholder 2" descr="An empty placeholder to add an image. Click on the placeholder and select the image that you wish to add."/>
+          <p:cNvSpPr>
+            <a:spLocks noGrp="1"/>
+          </p:cNvSpPr>
+          <p:nvPr>
+            <p:ph type="pic" idx="1"/>
+          </p:nvPr>
+        </p:nvSpPr>
+        <p:spPr/>
+      </p:sp>
+      <p:sp>
+        <p:nvSpPr>
+          <p:cNvPr id="4" name="Text Placeholder 3"/>
+          <p:cNvSpPr>
+            <a:spLocks noGrp="1"/>
+          </p:cNvSpPr>
+          <p:nvPr>
+            <p:ph type="body" sz="half" idx="2"/>
+          </p:nvPr>
+        </p:nvSpPr>
+        <p:spPr/>
+        <p:txBody>
+          <a:bodyPr/>
+          <a:lstStyle/>
+          <a:p>
+            <a:endParaRPr/>
+          </a:p>
+        </p:txBody>
+      </p:sp>
+    </p:spTree>
+    <p:extLst>
+      <p:ext uri="{BB962C8B-B14F-4D97-AF65-F5344CB8AC3E}">
+        <p14:creationId xmlns:p14="http://schemas.microsoft.com/office/powerpoint/2010/main" val="3385128279"/>
+      </p:ext>
+    </p:extLst>
+  </p:cSld>
+  <p:clrMapOvr>
+    <a:masterClrMapping/>
+  </p:clrMapOvr>
+</p:sld>
+</file>
+
+<file path=ppt/slides/slide15.xml><?xml version="1.0" encoding="utf-8"?>
+<p:sld xmlns:a="http://schemas.openxmlformats.org/drawingml/2006/main" xmlns:r="http://schemas.openxmlformats.org/officeDocument/2006/relationships" xmlns:p="http://schemas.openxmlformats.org/presentationml/2006/main">
+  <p:cSld>
+    <p:spTree>
+      <p:nvGrpSpPr>
+        <p:cNvPr id="1" name=""/>
+        <p:cNvGrpSpPr/>
+        <p:nvPr/>
+      </p:nvGrpSpPr>
+      <p:grpSpPr>
+        <a:xfrm>
+          <a:off x="0" y="0"/>
+          <a:ext cx="0" cy="0"/>
+          <a:chOff x="0" y="0"/>
+          <a:chExt cx="0" cy="0"/>
+        </a:xfrm>
+      </p:grpSpPr>
+      <p:sp>
+        <p:nvSpPr>
+          <p:cNvPr id="2" name="Title 1"/>
+          <p:cNvSpPr>
+            <a:spLocks noGrp="1"/>
+          </p:cNvSpPr>
+          <p:nvPr>
+            <p:ph type="title"/>
+          </p:nvPr>
+        </p:nvSpPr>
+        <p:spPr/>
+        <p:txBody>
+          <a:bodyPr/>
+          <a:lstStyle/>
+          <a:p>
+            <a:endParaRPr dirty="0"/>
+          </a:p>
+        </p:txBody>
+      </p:sp>
+      <p:sp>
+        <p:nvSpPr>
+          <p:cNvPr id="3" name="Picture Placeholder 2" descr="An empty placeholder to add an image. Click on the placeholder and select the image that you wish to add."/>
+          <p:cNvSpPr>
+            <a:spLocks noGrp="1"/>
+          </p:cNvSpPr>
+          <p:nvPr>
+            <p:ph type="pic" idx="1"/>
+          </p:nvPr>
+        </p:nvSpPr>
+        <p:spPr/>
+      </p:sp>
+      <p:sp>
+        <p:nvSpPr>
+          <p:cNvPr id="4" name="Text Placeholder 3"/>
+          <p:cNvSpPr>
+            <a:spLocks noGrp="1"/>
+          </p:cNvSpPr>
+          <p:nvPr>
+            <p:ph type="body" sz="half" idx="2"/>
+          </p:nvPr>
+        </p:nvSpPr>
+        <p:spPr/>
+        <p:txBody>
+          <a:bodyPr/>
+          <a:lstStyle/>
+          <a:p>
+            <a:endParaRPr/>
+          </a:p>
+        </p:txBody>
+      </p:sp>
+    </p:spTree>
+    <p:extLst>
+      <p:ext uri="{BB962C8B-B14F-4D97-AF65-F5344CB8AC3E}">
+        <p14:creationId xmlns:p14="http://schemas.microsoft.com/office/powerpoint/2010/main" val="989572707"/>
+      </p:ext>
+    </p:extLst>
+  </p:cSld>
+  <p:clrMapOvr>
+    <a:masterClrMapping/>
+  </p:clrMapOvr>
+</p:sld>
+</file>
+
+<file path=ppt/slides/slide16.xml><?xml version="1.0" encoding="utf-8"?>
+<p:sld xmlns:a="http://schemas.openxmlformats.org/drawingml/2006/main" xmlns:r="http://schemas.openxmlformats.org/officeDocument/2006/relationships" xmlns:p="http://schemas.openxmlformats.org/presentationml/2006/main">
+  <p:cSld>
+    <p:spTree>
+      <p:nvGrpSpPr>
+        <p:cNvPr id="1" name=""/>
+        <p:cNvGrpSpPr/>
+        <p:nvPr/>
+      </p:nvGrpSpPr>
+      <p:grpSpPr>
+        <a:xfrm>
+          <a:off x="0" y="0"/>
+          <a:ext cx="0" cy="0"/>
+          <a:chOff x="0" y="0"/>
+          <a:chExt cx="0" cy="0"/>
+        </a:xfrm>
+      </p:grpSpPr>
+      <p:sp>
+        <p:nvSpPr>
+          <p:cNvPr id="2" name="Title 1"/>
+          <p:cNvSpPr>
+            <a:spLocks noGrp="1"/>
+          </p:cNvSpPr>
+          <p:nvPr>
+            <p:ph type="title"/>
+          </p:nvPr>
+        </p:nvSpPr>
+        <p:spPr/>
+        <p:txBody>
+          <a:bodyPr/>
+          <a:lstStyle/>
+          <a:p>
             <a:endParaRPr dirty="0"/>
           </a:p>
         </p:txBody>
@@ -8386,7 +9365,7 @@
         </p:nvSpPr>
         <p:spPr>
           <a:xfrm>
-            <a:off x="551384" y="1402124"/>
+            <a:off x="623392" y="1448779"/>
             <a:ext cx="10441160" cy="5184576"/>
           </a:xfrm>
           <a:prstGeom prst="rect">
@@ -8667,7 +9646,7 @@
                                     </p:set>
                                     <p:animEffect transition="in" filter="circle(in)">
                                       <p:cBhvr>
-                                        <p:cTn id="7" dur="1000"/>
+                                        <p:cTn id="7" dur="500"/>
                                         <p:tgtEl>
                                           <p:spTgt spid="6"/>
                                         </p:tgtEl>
@@ -8702,7 +9681,7 @@
                                     </p:set>
                                     <p:animEffect transition="in" filter="circle(in)">
                                       <p:cBhvr>
-                                        <p:cTn id="10" dur="1000"/>
+                                        <p:cTn id="10" dur="500"/>
                                         <p:tgtEl>
                                           <p:spTgt spid="7"/>
                                         </p:tgtEl>
@@ -8829,7 +9808,7 @@
         </p:nvSpPr>
         <p:spPr>
           <a:xfrm>
-            <a:off x="1524000" y="171736"/>
+            <a:off x="1464030" y="-197062"/>
             <a:ext cx="9144000" cy="883568"/>
           </a:xfrm>
         </p:spPr>
@@ -8838,10 +9817,10 @@
           <a:lstStyle/>
           <a:p>
             <a:r>
-              <a:rPr lang="en-IN" dirty="0"/>
-              <a:t>The project history</a:t>
+              <a:rPr lang="en-IN" b="1" i="1" dirty="0"/>
+              <a:t>The Project History</a:t>
             </a:r>
-            <a:endParaRPr dirty="0"/>
+            <a:endParaRPr b="1" i="1" dirty="0"/>
           </a:p>
         </p:txBody>
       </p:sp>
@@ -8865,6 +9844,12 @@
           <a:prstGeom prst="plus">
             <a:avLst/>
           </a:prstGeom>
+          <a:solidFill>
+            <a:schemeClr val="bg1">
+              <a:lumMod val="85000"/>
+              <a:lumOff val="15000"/>
+            </a:schemeClr>
+          </a:solidFill>
         </p:spPr>
         <p:style>
           <a:lnRef idx="2">
@@ -8911,6 +9896,12 @@
           <a:prstGeom prst="plus">
             <a:avLst/>
           </a:prstGeom>
+          <a:solidFill>
+            <a:schemeClr val="bg1">
+              <a:lumMod val="85000"/>
+              <a:lumOff val="15000"/>
+            </a:schemeClr>
+          </a:solidFill>
         </p:spPr>
         <p:style>
           <a:lnRef idx="2">
@@ -8957,6 +9948,12 @@
           <a:prstGeom prst="plus">
             <a:avLst/>
           </a:prstGeom>
+          <a:solidFill>
+            <a:schemeClr val="bg1">
+              <a:lumMod val="85000"/>
+              <a:lumOff val="15000"/>
+            </a:schemeClr>
+          </a:solidFill>
         </p:spPr>
         <p:style>
           <a:lnRef idx="2">
@@ -9003,6 +10000,12 @@
           <a:prstGeom prst="plus">
             <a:avLst/>
           </a:prstGeom>
+          <a:solidFill>
+            <a:schemeClr val="bg1">
+              <a:lumMod val="85000"/>
+              <a:lumOff val="15000"/>
+            </a:schemeClr>
+          </a:solidFill>
         </p:spPr>
         <p:style>
           <a:lnRef idx="2">
@@ -9049,6 +10052,12 @@
           <a:prstGeom prst="plus">
             <a:avLst/>
           </a:prstGeom>
+          <a:solidFill>
+            <a:schemeClr val="bg1">
+              <a:lumMod val="85000"/>
+              <a:lumOff val="15000"/>
+            </a:schemeClr>
+          </a:solidFill>
         </p:spPr>
         <p:style>
           <a:lnRef idx="2">
@@ -9095,6 +10104,12 @@
           <a:prstGeom prst="plus">
             <a:avLst/>
           </a:prstGeom>
+          <a:solidFill>
+            <a:schemeClr val="bg1">
+              <a:lumMod val="85000"/>
+              <a:lumOff val="15000"/>
+            </a:schemeClr>
+          </a:solidFill>
         </p:spPr>
         <p:style>
           <a:lnRef idx="2">
@@ -9141,6 +10156,12 @@
           <a:prstGeom prst="plus">
             <a:avLst/>
           </a:prstGeom>
+          <a:solidFill>
+            <a:schemeClr val="bg1">
+              <a:lumMod val="85000"/>
+              <a:lumOff val="15000"/>
+            </a:schemeClr>
+          </a:solidFill>
         </p:spPr>
         <p:style>
           <a:lnRef idx="2">
@@ -9187,6 +10208,12 @@
           <a:prstGeom prst="plus">
             <a:avLst/>
           </a:prstGeom>
+          <a:solidFill>
+            <a:schemeClr val="bg1">
+              <a:lumMod val="85000"/>
+              <a:lumOff val="15000"/>
+            </a:schemeClr>
+          </a:solidFill>
         </p:spPr>
         <p:style>
           <a:lnRef idx="2">
@@ -9233,6 +10260,12 @@
           <a:prstGeom prst="plus">
             <a:avLst/>
           </a:prstGeom>
+          <a:solidFill>
+            <a:schemeClr val="bg1">
+              <a:lumMod val="85000"/>
+              <a:lumOff val="15000"/>
+            </a:schemeClr>
+          </a:solidFill>
         </p:spPr>
         <p:style>
           <a:lnRef idx="2">
@@ -9279,6 +10312,12 @@
           <a:prstGeom prst="plus">
             <a:avLst/>
           </a:prstGeom>
+          <a:solidFill>
+            <a:schemeClr val="bg1">
+              <a:lumMod val="85000"/>
+              <a:lumOff val="15000"/>
+            </a:schemeClr>
+          </a:solidFill>
         </p:spPr>
         <p:style>
           <a:lnRef idx="2">
@@ -9325,6 +10364,12 @@
           <a:prstGeom prst="plus">
             <a:avLst/>
           </a:prstGeom>
+          <a:solidFill>
+            <a:schemeClr val="bg1">
+              <a:lumMod val="85000"/>
+              <a:lumOff val="15000"/>
+            </a:schemeClr>
+          </a:solidFill>
         </p:spPr>
         <p:style>
           <a:lnRef idx="2">
@@ -9371,6 +10416,12 @@
           <a:prstGeom prst="plus">
             <a:avLst/>
           </a:prstGeom>
+          <a:solidFill>
+            <a:schemeClr val="bg1">
+              <a:lumMod val="85000"/>
+              <a:lumOff val="15000"/>
+            </a:schemeClr>
+          </a:solidFill>
         </p:spPr>
         <p:style>
           <a:lnRef idx="2">
@@ -9417,6 +10468,12 @@
           <a:prstGeom prst="plus">
             <a:avLst/>
           </a:prstGeom>
+          <a:solidFill>
+            <a:schemeClr val="bg1">
+              <a:lumMod val="85000"/>
+              <a:lumOff val="15000"/>
+            </a:schemeClr>
+          </a:solidFill>
         </p:spPr>
         <p:style>
           <a:lnRef idx="2">
@@ -9463,6 +10520,12 @@
           <a:prstGeom prst="plus">
             <a:avLst/>
           </a:prstGeom>
+          <a:solidFill>
+            <a:schemeClr val="bg1">
+              <a:lumMod val="85000"/>
+              <a:lumOff val="15000"/>
+            </a:schemeClr>
+          </a:solidFill>
         </p:spPr>
         <p:style>
           <a:lnRef idx="2">
@@ -9509,6 +10572,12 @@
           <a:prstGeom prst="plus">
             <a:avLst/>
           </a:prstGeom>
+          <a:solidFill>
+            <a:schemeClr val="bg1">
+              <a:lumMod val="85000"/>
+              <a:lumOff val="15000"/>
+            </a:schemeClr>
+          </a:solidFill>
         </p:spPr>
         <p:style>
           <a:lnRef idx="2">
@@ -9555,6 +10624,12 @@
           <a:prstGeom prst="plus">
             <a:avLst/>
           </a:prstGeom>
+          <a:solidFill>
+            <a:schemeClr val="bg1">
+              <a:lumMod val="85000"/>
+              <a:lumOff val="15000"/>
+            </a:schemeClr>
+          </a:solidFill>
         </p:spPr>
         <p:style>
           <a:lnRef idx="2">
@@ -9601,6 +10676,12 @@
           <a:prstGeom prst="plus">
             <a:avLst/>
           </a:prstGeom>
+          <a:solidFill>
+            <a:schemeClr val="bg1">
+              <a:lumMod val="85000"/>
+              <a:lumOff val="15000"/>
+            </a:schemeClr>
+          </a:solidFill>
         </p:spPr>
         <p:style>
           <a:lnRef idx="2">
@@ -9647,6 +10728,12 @@
           <a:prstGeom prst="plus">
             <a:avLst/>
           </a:prstGeom>
+          <a:solidFill>
+            <a:schemeClr val="bg1">
+              <a:lumMod val="85000"/>
+              <a:lumOff val="15000"/>
+            </a:schemeClr>
+          </a:solidFill>
         </p:spPr>
         <p:style>
           <a:lnRef idx="2">
@@ -9693,6 +10780,12 @@
           <a:prstGeom prst="plus">
             <a:avLst/>
           </a:prstGeom>
+          <a:solidFill>
+            <a:schemeClr val="bg1">
+              <a:lumMod val="85000"/>
+              <a:lumOff val="15000"/>
+            </a:schemeClr>
+          </a:solidFill>
         </p:spPr>
         <p:style>
           <a:lnRef idx="2">
@@ -9739,6 +10832,12 @@
           <a:prstGeom prst="plus">
             <a:avLst/>
           </a:prstGeom>
+          <a:solidFill>
+            <a:schemeClr val="bg1">
+              <a:lumMod val="85000"/>
+              <a:lumOff val="15000"/>
+            </a:schemeClr>
+          </a:solidFill>
         </p:spPr>
         <p:style>
           <a:lnRef idx="2">
@@ -9785,6 +10884,12 @@
           <a:prstGeom prst="plus">
             <a:avLst/>
           </a:prstGeom>
+          <a:solidFill>
+            <a:schemeClr val="bg1">
+              <a:lumMod val="85000"/>
+              <a:lumOff val="15000"/>
+            </a:schemeClr>
+          </a:solidFill>
         </p:spPr>
         <p:style>
           <a:lnRef idx="2">
@@ -9831,6 +10936,12 @@
           <a:prstGeom prst="plus">
             <a:avLst/>
           </a:prstGeom>
+          <a:solidFill>
+            <a:schemeClr val="bg1">
+              <a:lumMod val="85000"/>
+              <a:lumOff val="15000"/>
+            </a:schemeClr>
+          </a:solidFill>
         </p:spPr>
         <p:style>
           <a:lnRef idx="2">
@@ -9877,6 +10988,12 @@
           <a:prstGeom prst="plus">
             <a:avLst/>
           </a:prstGeom>
+          <a:solidFill>
+            <a:schemeClr val="bg1">
+              <a:lumMod val="85000"/>
+              <a:lumOff val="15000"/>
+            </a:schemeClr>
+          </a:solidFill>
         </p:spPr>
         <p:style>
           <a:lnRef idx="2">
@@ -9923,6 +11040,12 @@
           <a:prstGeom prst="plus">
             <a:avLst/>
           </a:prstGeom>
+          <a:solidFill>
+            <a:schemeClr val="bg1">
+              <a:lumMod val="85000"/>
+              <a:lumOff val="15000"/>
+            </a:schemeClr>
+          </a:solidFill>
         </p:spPr>
         <p:style>
           <a:lnRef idx="2">
@@ -9969,6 +11092,12 @@
           <a:prstGeom prst="plus">
             <a:avLst/>
           </a:prstGeom>
+          <a:solidFill>
+            <a:schemeClr val="bg1">
+              <a:lumMod val="85000"/>
+              <a:lumOff val="15000"/>
+            </a:schemeClr>
+          </a:solidFill>
         </p:spPr>
         <p:style>
           <a:lnRef idx="2">
@@ -10015,6 +11144,12 @@
           <a:prstGeom prst="plus">
             <a:avLst/>
           </a:prstGeom>
+          <a:solidFill>
+            <a:schemeClr val="bg1">
+              <a:lumMod val="85000"/>
+              <a:lumOff val="15000"/>
+            </a:schemeClr>
+          </a:solidFill>
         </p:spPr>
         <p:style>
           <a:lnRef idx="2">
@@ -10061,6 +11196,12 @@
           <a:prstGeom prst="plus">
             <a:avLst/>
           </a:prstGeom>
+          <a:solidFill>
+            <a:schemeClr val="bg1">
+              <a:lumMod val="85000"/>
+              <a:lumOff val="15000"/>
+            </a:schemeClr>
+          </a:solidFill>
         </p:spPr>
         <p:style>
           <a:lnRef idx="2">
@@ -10107,6 +11248,12 @@
           <a:prstGeom prst="plus">
             <a:avLst/>
           </a:prstGeom>
+          <a:solidFill>
+            <a:schemeClr val="bg1">
+              <a:lumMod val="85000"/>
+              <a:lumOff val="15000"/>
+            </a:schemeClr>
+          </a:solidFill>
         </p:spPr>
         <p:style>
           <a:lnRef idx="2">
@@ -10153,6 +11300,12 @@
           <a:prstGeom prst="plus">
             <a:avLst/>
           </a:prstGeom>
+          <a:solidFill>
+            <a:schemeClr val="bg1">
+              <a:lumMod val="85000"/>
+              <a:lumOff val="15000"/>
+            </a:schemeClr>
+          </a:solidFill>
         </p:spPr>
         <p:style>
           <a:lnRef idx="2">
@@ -10199,6 +11352,12 @@
           <a:prstGeom prst="plus">
             <a:avLst/>
           </a:prstGeom>
+          <a:solidFill>
+            <a:schemeClr val="bg1">
+              <a:lumMod val="85000"/>
+              <a:lumOff val="15000"/>
+            </a:schemeClr>
+          </a:solidFill>
         </p:spPr>
         <p:style>
           <a:lnRef idx="2">
@@ -10245,6 +11404,12 @@
           <a:prstGeom prst="plus">
             <a:avLst/>
           </a:prstGeom>
+          <a:solidFill>
+            <a:schemeClr val="bg1">
+              <a:lumMod val="85000"/>
+              <a:lumOff val="15000"/>
+            </a:schemeClr>
+          </a:solidFill>
         </p:spPr>
         <p:style>
           <a:lnRef idx="2">
@@ -10291,6 +11456,12 @@
           <a:prstGeom prst="plus">
             <a:avLst/>
           </a:prstGeom>
+          <a:solidFill>
+            <a:schemeClr val="bg1">
+              <a:lumMod val="85000"/>
+              <a:lumOff val="15000"/>
+            </a:schemeClr>
+          </a:solidFill>
         </p:spPr>
         <p:style>
           <a:lnRef idx="2">
@@ -10337,6 +11508,12 @@
           <a:prstGeom prst="plus">
             <a:avLst/>
           </a:prstGeom>
+          <a:solidFill>
+            <a:schemeClr val="bg1">
+              <a:lumMod val="85000"/>
+              <a:lumOff val="15000"/>
+            </a:schemeClr>
+          </a:solidFill>
         </p:spPr>
         <p:style>
           <a:lnRef idx="2">
@@ -10365,10 +11542,10 @@
       </p:sp>
       <p:sp>
         <p:nvSpPr>
-          <p:cNvPr id="42" name="Rectangle 41">
+          <p:cNvPr id="43" name="Rectangle 42">
             <a:extLst>
               <a:ext uri="{FF2B5EF4-FFF2-40B4-BE49-F238E27FC236}">
-                <a16:creationId xmlns:a16="http://schemas.microsoft.com/office/drawing/2014/main" id="{6B5318C2-96BF-742F-C54D-B3BCC2EA179D}"/>
+                <a16:creationId xmlns:a16="http://schemas.microsoft.com/office/drawing/2014/main" id="{880D1F45-EDED-8E13-0A8E-5B2576E945CA}"/>
               </a:ext>
             </a:extLst>
           </p:cNvPr>
@@ -10377,14 +11554,14 @@
         </p:nvSpPr>
         <p:spPr>
           <a:xfrm>
-            <a:off x="191344" y="908720"/>
-            <a:ext cx="11953328" cy="5822096"/>
+            <a:off x="142935" y="646357"/>
+            <a:ext cx="11953328" cy="6332342"/>
           </a:xfrm>
           <a:prstGeom prst="rect">
             <a:avLst/>
           </a:prstGeom>
           <a:solidFill>
-            <a:srgbClr val="000000">
+            <a:srgbClr val="C2E49C">
               <a:alpha val="0"/>
             </a:srgbClr>
           </a:solidFill>
@@ -10409,8 +11586,397 @@
           <a:bodyPr rtlCol="0" anchor="ctr"/>
           <a:lstStyle/>
           <a:p>
-            <a:pPr algn="ctr"/>
-            <a:endParaRPr lang="en-IN" dirty="0"/>
+            <a:r>
+              <a:rPr lang="en-IN" sz="3200" b="1" i="0" dirty="0">
+                <a:solidFill>
+                  <a:srgbClr val="171717"/>
+                </a:solidFill>
+                <a:effectLst/>
+                <a:latin typeface="-apple-system"/>
+              </a:rPr>
+              <a:t>📋 </a:t>
+            </a:r>
+            <a:r>
+              <a:rPr lang="en-IN" sz="3200" b="1" i="0" dirty="0">
+                <a:solidFill>
+                  <a:schemeClr val="accent2">
+                    <a:lumMod val="75000"/>
+                  </a:schemeClr>
+                </a:solidFill>
+                <a:effectLst/>
+                <a:highlight>
+                  <a:srgbClr val="000000"/>
+                </a:highlight>
+                <a:latin typeface="-apple-system"/>
+              </a:rPr>
+              <a:t>Logging</a:t>
+            </a:r>
+          </a:p>
+          <a:p>
+            <a:r>
+              <a:rPr lang="en-IN" sz="2400" b="1" dirty="0">
+                <a:solidFill>
+                  <a:schemeClr val="tx1"/>
+                </a:solidFill>
+                <a:latin typeface="-apple-system"/>
+                <a:sym typeface="Wingdings" panose="05000000000000000000" pitchFamily="2" charset="2"/>
+              </a:rPr>
+              <a:t>git log </a:t>
+            </a:r>
+          </a:p>
+          <a:p>
+            <a:r>
+              <a:rPr lang="en-US" sz="2400" b="1" dirty="0">
+                <a:solidFill>
+                  <a:schemeClr val="tx1"/>
+                </a:solidFill>
+                <a:latin typeface="-apple-system"/>
+                <a:sym typeface="Wingdings" panose="05000000000000000000" pitchFamily="2" charset="2"/>
+              </a:rPr>
+              <a:t>git log </a:t>
+            </a:r>
+            <a:r>
+              <a:rPr lang="en-US" sz="2400" b="1" dirty="0">
+                <a:solidFill>
+                  <a:srgbClr val="FFFFCC"/>
+                </a:solidFill>
+                <a:latin typeface="-apple-system"/>
+                <a:sym typeface="Wingdings" panose="05000000000000000000" pitchFamily="2" charset="2"/>
+              </a:rPr>
+              <a:t>--</a:t>
+            </a:r>
+            <a:r>
+              <a:rPr lang="en-US" sz="2400" b="1" dirty="0" err="1">
+                <a:solidFill>
+                  <a:srgbClr val="FFFFCC"/>
+                </a:solidFill>
+                <a:latin typeface="-apple-system"/>
+                <a:sym typeface="Wingdings" panose="05000000000000000000" pitchFamily="2" charset="2"/>
+              </a:rPr>
+              <a:t>oneline</a:t>
+            </a:r>
+            <a:r>
+              <a:rPr lang="en-US" sz="2400" b="1" dirty="0">
+                <a:solidFill>
+                  <a:srgbClr val="FFFFCC"/>
+                </a:solidFill>
+                <a:latin typeface="-apple-system"/>
+                <a:sym typeface="Wingdings" panose="05000000000000000000" pitchFamily="2" charset="2"/>
+              </a:rPr>
+              <a:t>   </a:t>
+            </a:r>
+            <a:r>
+              <a:rPr lang="en-US" sz="2400" b="1" dirty="0">
+                <a:solidFill>
+                  <a:srgbClr val="00B0F0"/>
+                </a:solidFill>
+                <a:latin typeface="-apple-system"/>
+                <a:sym typeface="Wingdings" panose="05000000000000000000" pitchFamily="2" charset="2"/>
+              </a:rPr>
+              <a:t># more succinct output</a:t>
+            </a:r>
+            <a:endParaRPr lang="en-IN" sz="2400" b="1" dirty="0">
+              <a:solidFill>
+                <a:srgbClr val="00B0F0"/>
+              </a:solidFill>
+              <a:latin typeface="-apple-system"/>
+              <a:sym typeface="Wingdings" panose="05000000000000000000" pitchFamily="2" charset="2"/>
+            </a:endParaRPr>
+          </a:p>
+          <a:p>
+            <a:r>
+              <a:rPr lang="en-IN" sz="2400" b="1" dirty="0">
+                <a:solidFill>
+                  <a:schemeClr val="tx1"/>
+                </a:solidFill>
+                <a:latin typeface="-apple-system"/>
+                <a:sym typeface="Wingdings" panose="05000000000000000000" pitchFamily="2" charset="2"/>
+              </a:rPr>
+              <a:t>git log </a:t>
+            </a:r>
+            <a:r>
+              <a:rPr lang="en-IN" sz="2400" b="1" dirty="0">
+                <a:solidFill>
+                  <a:srgbClr val="FFFFCC"/>
+                </a:solidFill>
+                <a:latin typeface="-apple-system"/>
+                <a:sym typeface="Wingdings" panose="05000000000000000000" pitchFamily="2" charset="2"/>
+              </a:rPr>
+              <a:t>--graph    </a:t>
+            </a:r>
+            <a:r>
+              <a:rPr lang="en-IN" sz="2400" b="1" dirty="0">
+                <a:solidFill>
+                  <a:srgbClr val="00B0F0"/>
+                </a:solidFill>
+                <a:latin typeface="-apple-system"/>
+                <a:sym typeface="Wingdings" panose="05000000000000000000" pitchFamily="2" charset="2"/>
+              </a:rPr>
+              <a:t>#with a visual graph of branches</a:t>
+            </a:r>
+          </a:p>
+          <a:p>
+            <a:r>
+              <a:rPr lang="en-IN" sz="2800" b="1" dirty="0">
+                <a:solidFill>
+                  <a:schemeClr val="accent2">
+                    <a:lumMod val="75000"/>
+                  </a:schemeClr>
+                </a:solidFill>
+                <a:latin typeface="-apple-system"/>
+                <a:sym typeface="Wingdings" panose="05000000000000000000" pitchFamily="2" charset="2"/>
+              </a:rPr>
+              <a:t>TO VEIW THE “undo” history</a:t>
+            </a:r>
+          </a:p>
+          <a:p>
+            <a:r>
+              <a:rPr lang="en-IN" sz="2400" b="1" dirty="0">
+                <a:solidFill>
+                  <a:schemeClr val="tx1"/>
+                </a:solidFill>
+                <a:latin typeface="-apple-system"/>
+                <a:sym typeface="Wingdings" panose="05000000000000000000" pitchFamily="2" charset="2"/>
+              </a:rPr>
+              <a:t>git </a:t>
+            </a:r>
+            <a:r>
+              <a:rPr lang="en-IN" sz="2400" b="1" dirty="0" err="1">
+                <a:solidFill>
+                  <a:schemeClr val="tx1"/>
+                </a:solidFill>
+                <a:latin typeface="-apple-system"/>
+                <a:sym typeface="Wingdings" panose="05000000000000000000" pitchFamily="2" charset="2"/>
+              </a:rPr>
+              <a:t>reflog</a:t>
+            </a:r>
+            <a:endParaRPr lang="en-IN" sz="2400" b="1" dirty="0">
+              <a:solidFill>
+                <a:schemeClr val="tx1"/>
+              </a:solidFill>
+              <a:latin typeface="-apple-system"/>
+              <a:sym typeface="Wingdings" panose="05000000000000000000" pitchFamily="2" charset="2"/>
+            </a:endParaRPr>
+          </a:p>
+          <a:p>
+            <a:r>
+              <a:rPr lang="en-US" sz="2800" b="1" dirty="0">
+                <a:solidFill>
+                  <a:schemeClr val="accent2">
+                    <a:lumMod val="75000"/>
+                  </a:schemeClr>
+                </a:solidFill>
+                <a:latin typeface="-apple-system"/>
+                <a:sym typeface="Wingdings" panose="05000000000000000000" pitchFamily="2" charset="2"/>
+              </a:rPr>
+              <a:t>View your current state + any merge conflicts</a:t>
+            </a:r>
+            <a:endParaRPr lang="en-IN" sz="2800" b="1" dirty="0">
+              <a:solidFill>
+                <a:schemeClr val="accent2">
+                  <a:lumMod val="75000"/>
+                </a:schemeClr>
+              </a:solidFill>
+              <a:latin typeface="-apple-system"/>
+              <a:sym typeface="Wingdings" panose="05000000000000000000" pitchFamily="2" charset="2"/>
+            </a:endParaRPr>
+          </a:p>
+          <a:p>
+            <a:r>
+              <a:rPr lang="en-IN" sz="2400" b="1" dirty="0">
+                <a:solidFill>
+                  <a:schemeClr val="tx1"/>
+                </a:solidFill>
+                <a:latin typeface="-apple-system"/>
+                <a:sym typeface="Wingdings" panose="05000000000000000000" pitchFamily="2" charset="2"/>
+              </a:rPr>
+              <a:t>git status</a:t>
+            </a:r>
+          </a:p>
+          <a:p>
+            <a:pPr algn="l"/>
+            <a:r>
+              <a:rPr lang="en-US" sz="2800" b="1" i="0" dirty="0">
+                <a:solidFill>
+                  <a:schemeClr val="accent2">
+                    <a:lumMod val="75000"/>
+                  </a:schemeClr>
+                </a:solidFill>
+                <a:effectLst/>
+                <a:latin typeface="-apple-system"/>
+              </a:rPr>
+              <a:t>See the differences in your staged (or </a:t>
+            </a:r>
+            <a:r>
+              <a:rPr lang="en-US" sz="2800" b="1" i="0" dirty="0" err="1">
+                <a:solidFill>
+                  <a:schemeClr val="accent2">
+                    <a:lumMod val="75000"/>
+                  </a:schemeClr>
+                </a:solidFill>
+                <a:effectLst/>
+                <a:latin typeface="-apple-system"/>
+              </a:rPr>
+              <a:t>unstaged</a:t>
+            </a:r>
+            <a:r>
+              <a:rPr lang="en-US" sz="2800" b="1" i="0" dirty="0">
+                <a:solidFill>
+                  <a:schemeClr val="accent2">
+                    <a:lumMod val="75000"/>
+                  </a:schemeClr>
+                </a:solidFill>
+                <a:effectLst/>
+                <a:latin typeface="-apple-system"/>
+              </a:rPr>
+              <a:t>) changes</a:t>
+            </a:r>
+          </a:p>
+          <a:p>
+            <a:pPr algn="l"/>
+            <a:r>
+              <a:rPr lang="en-US" sz="2400" b="1" i="0" dirty="0">
+                <a:solidFill>
+                  <a:schemeClr val="tx1"/>
+                </a:solidFill>
+                <a:effectLst/>
+                <a:latin typeface="-apple-system"/>
+                <a:sym typeface="Wingdings" panose="05000000000000000000" pitchFamily="2" charset="2"/>
+              </a:rPr>
+              <a:t>git diff--</a:t>
+            </a:r>
+            <a:r>
+              <a:rPr lang="en-US" sz="2400" b="1" i="0" dirty="0">
+                <a:solidFill>
+                  <a:srgbClr val="FFFFCC"/>
+                </a:solidFill>
+                <a:effectLst/>
+                <a:latin typeface="-apple-system"/>
+                <a:sym typeface="Wingdings" panose="05000000000000000000" pitchFamily="2" charset="2"/>
+              </a:rPr>
+              <a:t>staged   </a:t>
+            </a:r>
+            <a:r>
+              <a:rPr lang="en-US" sz="2400" b="1" i="0" dirty="0">
+                <a:solidFill>
+                  <a:srgbClr val="00B0F0"/>
+                </a:solidFill>
+                <a:effectLst/>
+                <a:latin typeface="-apple-system"/>
+                <a:sym typeface="Wingdings" panose="05000000000000000000" pitchFamily="2" charset="2"/>
+              </a:rPr>
+              <a:t># for staged changes</a:t>
+            </a:r>
+          </a:p>
+          <a:p>
+            <a:pPr algn="l"/>
+            <a:r>
+              <a:rPr lang="en-US" sz="2400" b="1" dirty="0">
+                <a:solidFill>
+                  <a:schemeClr val="tx1"/>
+                </a:solidFill>
+                <a:latin typeface="-apple-system"/>
+                <a:sym typeface="Wingdings" panose="05000000000000000000" pitchFamily="2" charset="2"/>
+              </a:rPr>
+              <a:t>git diff     </a:t>
+            </a:r>
+            <a:r>
+              <a:rPr lang="en-US" sz="2400" b="1" dirty="0">
+                <a:solidFill>
+                  <a:srgbClr val="00B0F0"/>
+                </a:solidFill>
+                <a:latin typeface="-apple-system"/>
+                <a:sym typeface="Wingdings" panose="05000000000000000000" pitchFamily="2" charset="2"/>
+              </a:rPr>
+              <a:t>#for </a:t>
+            </a:r>
+            <a:r>
+              <a:rPr lang="en-US" sz="2400" b="1" dirty="0" err="1">
+                <a:solidFill>
+                  <a:srgbClr val="00B0F0"/>
+                </a:solidFill>
+                <a:latin typeface="-apple-system"/>
+                <a:sym typeface="Wingdings" panose="05000000000000000000" pitchFamily="2" charset="2"/>
+              </a:rPr>
+              <a:t>unstaged</a:t>
+            </a:r>
+            <a:r>
+              <a:rPr lang="en-US" sz="2400" b="1" dirty="0">
+                <a:solidFill>
+                  <a:srgbClr val="00B0F0"/>
+                </a:solidFill>
+                <a:latin typeface="-apple-system"/>
+                <a:sym typeface="Wingdings" panose="05000000000000000000" pitchFamily="2" charset="2"/>
+              </a:rPr>
+              <a:t> changes</a:t>
+            </a:r>
+            <a:endParaRPr lang="en-US" sz="2400" b="1" dirty="0">
+              <a:solidFill>
+                <a:schemeClr val="tx1"/>
+              </a:solidFill>
+              <a:latin typeface="-apple-system"/>
+              <a:sym typeface="Wingdings" panose="05000000000000000000" pitchFamily="2" charset="2"/>
+            </a:endParaRPr>
+          </a:p>
+          <a:p>
+            <a:pPr algn="l"/>
+            <a:r>
+              <a:rPr lang="en-US" sz="2400" b="1" dirty="0">
+                <a:solidFill>
+                  <a:schemeClr val="tx1"/>
+                </a:solidFill>
+                <a:latin typeface="-apple-system"/>
+                <a:sym typeface="Wingdings" panose="05000000000000000000" pitchFamily="2" charset="2"/>
+              </a:rPr>
+              <a:t>git diff branch1..branch2  </a:t>
+            </a:r>
+            <a:r>
+              <a:rPr lang="en-US" sz="2400" b="1" dirty="0">
+                <a:solidFill>
+                  <a:srgbClr val="00B0F0"/>
+                </a:solidFill>
+                <a:latin typeface="-apple-system"/>
+                <a:sym typeface="Wingdings" panose="05000000000000000000" pitchFamily="2" charset="2"/>
+              </a:rPr>
+              <a:t>#see differences between two branches</a:t>
+            </a:r>
+          </a:p>
+          <a:p>
+            <a:pPr algn="l"/>
+            <a:r>
+              <a:rPr lang="en-US" sz="2800" b="1" dirty="0">
+                <a:solidFill>
+                  <a:schemeClr val="accent2">
+                    <a:lumMod val="75000"/>
+                  </a:schemeClr>
+                </a:solidFill>
+                <a:latin typeface="-apple-system"/>
+                <a:sym typeface="Wingdings" panose="05000000000000000000" pitchFamily="2" charset="2"/>
+              </a:rPr>
+              <a:t>Uncommit the previous changes(this will uncommit and leave the files in the working directory}</a:t>
+            </a:r>
+          </a:p>
+          <a:p>
+            <a:pPr algn="l"/>
+            <a:r>
+              <a:rPr lang="en-IN" sz="2400" b="1" dirty="0">
+                <a:solidFill>
+                  <a:schemeClr val="tx1"/>
+                </a:solidFill>
+                <a:latin typeface="-apple-system"/>
+                <a:sym typeface="Wingdings" panose="05000000000000000000" pitchFamily="2" charset="2"/>
+              </a:rPr>
+              <a:t>git reset &lt;commit-sha&gt;</a:t>
+            </a:r>
+          </a:p>
+          <a:p>
+            <a:endParaRPr lang="en-IN" sz="2800" b="1" dirty="0">
+              <a:solidFill>
+                <a:schemeClr val="tx1"/>
+              </a:solidFill>
+              <a:latin typeface="-apple-system"/>
+              <a:sym typeface="Wingdings" panose="05000000000000000000" pitchFamily="2" charset="2"/>
+            </a:endParaRPr>
           </a:p>
         </p:txBody>
       </p:sp>
@@ -10470,7 +12036,7 @@
                                     </p:set>
                                     <p:anim calcmode="lin" valueType="num">
                                       <p:cBhvr additive="base">
-                                        <p:cTn id="7" dur="1000" fill="hold"/>
+                                        <p:cTn id="7" dur="500" fill="hold"/>
                                         <p:tgtEl>
                                           <p:spTgt spid="7"/>
                                         </p:tgtEl>
@@ -10493,7 +12059,7 @@
                                     </p:anim>
                                     <p:anim calcmode="lin" valueType="num">
                                       <p:cBhvr additive="base">
-                                        <p:cTn id="8" dur="1000" fill="hold"/>
+                                        <p:cTn id="8" dur="500" fill="hold"/>
                                         <p:tgtEl>
                                           <p:spTgt spid="7"/>
                                         </p:tgtEl>
@@ -10543,7 +12109,7 @@
                                     </p:set>
                                     <p:anim calcmode="lin" valueType="num">
                                       <p:cBhvr additive="base">
-                                        <p:cTn id="11" dur="1000" fill="hold"/>
+                                        <p:cTn id="11" dur="500" fill="hold"/>
                                         <p:tgtEl>
                                           <p:spTgt spid="8"/>
                                         </p:tgtEl>
@@ -10566,7 +12132,7 @@
                                     </p:anim>
                                     <p:anim calcmode="lin" valueType="num">
                                       <p:cBhvr additive="base">
-                                        <p:cTn id="12" dur="1000" fill="hold"/>
+                                        <p:cTn id="12" dur="500" fill="hold"/>
                                         <p:tgtEl>
                                           <p:spTgt spid="8"/>
                                         </p:tgtEl>
@@ -10616,7 +12182,7 @@
                                     </p:set>
                                     <p:anim calcmode="lin" valueType="num">
                                       <p:cBhvr additive="base">
-                                        <p:cTn id="15" dur="1000" fill="hold"/>
+                                        <p:cTn id="15" dur="500" fill="hold"/>
                                         <p:tgtEl>
                                           <p:spTgt spid="9"/>
                                         </p:tgtEl>
@@ -10639,7 +12205,7 @@
                                     </p:anim>
                                     <p:anim calcmode="lin" valueType="num">
                                       <p:cBhvr additive="base">
-                                        <p:cTn id="16" dur="1000" fill="hold"/>
+                                        <p:cTn id="16" dur="500" fill="hold"/>
                                         <p:tgtEl>
                                           <p:spTgt spid="9"/>
                                         </p:tgtEl>
@@ -10689,7 +12255,7 @@
                                     </p:set>
                                     <p:anim calcmode="lin" valueType="num">
                                       <p:cBhvr additive="base">
-                                        <p:cTn id="19" dur="1000" fill="hold"/>
+                                        <p:cTn id="19" dur="500" fill="hold"/>
                                         <p:tgtEl>
                                           <p:spTgt spid="10"/>
                                         </p:tgtEl>
@@ -10712,7 +12278,7 @@
                                     </p:anim>
                                     <p:anim calcmode="lin" valueType="num">
                                       <p:cBhvr additive="base">
-                                        <p:cTn id="20" dur="1000" fill="hold"/>
+                                        <p:cTn id="20" dur="500" fill="hold"/>
                                         <p:tgtEl>
                                           <p:spTgt spid="10"/>
                                         </p:tgtEl>
@@ -10762,7 +12328,7 @@
                                     </p:set>
                                     <p:anim calcmode="lin" valueType="num">
                                       <p:cBhvr additive="base">
-                                        <p:cTn id="23" dur="1000" fill="hold"/>
+                                        <p:cTn id="23" dur="500" fill="hold"/>
                                         <p:tgtEl>
                                           <p:spTgt spid="11"/>
                                         </p:tgtEl>
@@ -10785,7 +12351,7 @@
                                     </p:anim>
                                     <p:anim calcmode="lin" valueType="num">
                                       <p:cBhvr additive="base">
-                                        <p:cTn id="24" dur="1000" fill="hold"/>
+                                        <p:cTn id="24" dur="500" fill="hold"/>
                                         <p:tgtEl>
                                           <p:spTgt spid="11"/>
                                         </p:tgtEl>
@@ -10835,7 +12401,7 @@
                                     </p:set>
                                     <p:anim calcmode="lin" valueType="num">
                                       <p:cBhvr additive="base">
-                                        <p:cTn id="27" dur="1000" fill="hold"/>
+                                        <p:cTn id="27" dur="500" fill="hold"/>
                                         <p:tgtEl>
                                           <p:spTgt spid="12"/>
                                         </p:tgtEl>
@@ -10858,7 +12424,7 @@
                                     </p:anim>
                                     <p:anim calcmode="lin" valueType="num">
                                       <p:cBhvr additive="base">
-                                        <p:cTn id="28" dur="1000" fill="hold"/>
+                                        <p:cTn id="28" dur="500" fill="hold"/>
                                         <p:tgtEl>
                                           <p:spTgt spid="12"/>
                                         </p:tgtEl>
@@ -10908,7 +12474,7 @@
                                     </p:set>
                                     <p:anim calcmode="lin" valueType="num">
                                       <p:cBhvr additive="base">
-                                        <p:cTn id="31" dur="1000" fill="hold"/>
+                                        <p:cTn id="31" dur="500" fill="hold"/>
                                         <p:tgtEl>
                                           <p:spTgt spid="13"/>
                                         </p:tgtEl>
@@ -10931,7 +12497,7 @@
                                     </p:anim>
                                     <p:anim calcmode="lin" valueType="num">
                                       <p:cBhvr additive="base">
-                                        <p:cTn id="32" dur="1000" fill="hold"/>
+                                        <p:cTn id="32" dur="500" fill="hold"/>
                                         <p:tgtEl>
                                           <p:spTgt spid="13"/>
                                         </p:tgtEl>
@@ -10981,7 +12547,7 @@
                                     </p:set>
                                     <p:anim calcmode="lin" valueType="num">
                                       <p:cBhvr additive="base">
-                                        <p:cTn id="35" dur="1000" fill="hold"/>
+                                        <p:cTn id="35" dur="500" fill="hold"/>
                                         <p:tgtEl>
                                           <p:spTgt spid="14"/>
                                         </p:tgtEl>
@@ -11004,7 +12570,7 @@
                                     </p:anim>
                                     <p:anim calcmode="lin" valueType="num">
                                       <p:cBhvr additive="base">
-                                        <p:cTn id="36" dur="1000" fill="hold"/>
+                                        <p:cTn id="36" dur="500" fill="hold"/>
                                         <p:tgtEl>
                                           <p:spTgt spid="14"/>
                                         </p:tgtEl>
@@ -11054,7 +12620,7 @@
                                     </p:set>
                                     <p:anim calcmode="lin" valueType="num">
                                       <p:cBhvr additive="base">
-                                        <p:cTn id="39" dur="1000" fill="hold"/>
+                                        <p:cTn id="39" dur="500" fill="hold"/>
                                         <p:tgtEl>
                                           <p:spTgt spid="15"/>
                                         </p:tgtEl>
@@ -11077,7 +12643,7 @@
                                     </p:anim>
                                     <p:anim calcmode="lin" valueType="num">
                                       <p:cBhvr additive="base">
-                                        <p:cTn id="40" dur="1000" fill="hold"/>
+                                        <p:cTn id="40" dur="500" fill="hold"/>
                                         <p:tgtEl>
                                           <p:spTgt spid="15"/>
                                         </p:tgtEl>
@@ -11127,7 +12693,7 @@
                                     </p:set>
                                     <p:anim calcmode="lin" valueType="num">
                                       <p:cBhvr additive="base">
-                                        <p:cTn id="43" dur="1000" fill="hold"/>
+                                        <p:cTn id="43" dur="500" fill="hold"/>
                                         <p:tgtEl>
                                           <p:spTgt spid="16"/>
                                         </p:tgtEl>
@@ -11150,7 +12716,7 @@
                                     </p:anim>
                                     <p:anim calcmode="lin" valueType="num">
                                       <p:cBhvr additive="base">
-                                        <p:cTn id="44" dur="1000" fill="hold"/>
+                                        <p:cTn id="44" dur="500" fill="hold"/>
                                         <p:tgtEl>
                                           <p:spTgt spid="16"/>
                                         </p:tgtEl>
@@ -11200,7 +12766,7 @@
                                     </p:set>
                                     <p:anim calcmode="lin" valueType="num">
                                       <p:cBhvr additive="base">
-                                        <p:cTn id="47" dur="1000" fill="hold"/>
+                                        <p:cTn id="47" dur="500" fill="hold"/>
                                         <p:tgtEl>
                                           <p:spTgt spid="17"/>
                                         </p:tgtEl>
@@ -11223,7 +12789,7 @@
                                     </p:anim>
                                     <p:anim calcmode="lin" valueType="num">
                                       <p:cBhvr additive="base">
-                                        <p:cTn id="48" dur="1000" fill="hold"/>
+                                        <p:cTn id="48" dur="500" fill="hold"/>
                                         <p:tgtEl>
                                           <p:spTgt spid="17"/>
                                         </p:tgtEl>
@@ -11273,7 +12839,7 @@
                                     </p:set>
                                     <p:anim calcmode="lin" valueType="num">
                                       <p:cBhvr additive="base">
-                                        <p:cTn id="51" dur="1000" fill="hold"/>
+                                        <p:cTn id="51" dur="500" fill="hold"/>
                                         <p:tgtEl>
                                           <p:spTgt spid="18"/>
                                         </p:tgtEl>
@@ -11296,7 +12862,7 @@
                                     </p:anim>
                                     <p:anim calcmode="lin" valueType="num">
                                       <p:cBhvr additive="base">
-                                        <p:cTn id="52" dur="1000" fill="hold"/>
+                                        <p:cTn id="52" dur="500" fill="hold"/>
                                         <p:tgtEl>
                                           <p:spTgt spid="18"/>
                                         </p:tgtEl>
@@ -11346,7 +12912,7 @@
                                     </p:set>
                                     <p:anim calcmode="lin" valueType="num">
                                       <p:cBhvr additive="base">
-                                        <p:cTn id="55" dur="1000" fill="hold"/>
+                                        <p:cTn id="55" dur="500" fill="hold"/>
                                         <p:tgtEl>
                                           <p:spTgt spid="19"/>
                                         </p:tgtEl>
@@ -11369,7 +12935,7 @@
                                     </p:anim>
                                     <p:anim calcmode="lin" valueType="num">
                                       <p:cBhvr additive="base">
-                                        <p:cTn id="56" dur="1000" fill="hold"/>
+                                        <p:cTn id="56" dur="500" fill="hold"/>
                                         <p:tgtEl>
                                           <p:spTgt spid="19"/>
                                         </p:tgtEl>
@@ -11419,7 +12985,7 @@
                                     </p:set>
                                     <p:anim calcmode="lin" valueType="num">
                                       <p:cBhvr additive="base">
-                                        <p:cTn id="59" dur="1000" fill="hold"/>
+                                        <p:cTn id="59" dur="500" fill="hold"/>
                                         <p:tgtEl>
                                           <p:spTgt spid="20"/>
                                         </p:tgtEl>
@@ -11442,7 +13008,7 @@
                                     </p:anim>
                                     <p:anim calcmode="lin" valueType="num">
                                       <p:cBhvr additive="base">
-                                        <p:cTn id="60" dur="1000" fill="hold"/>
+                                        <p:cTn id="60" dur="500" fill="hold"/>
                                         <p:tgtEl>
                                           <p:spTgt spid="20"/>
                                         </p:tgtEl>
@@ -11492,7 +13058,7 @@
                                     </p:set>
                                     <p:anim calcmode="lin" valueType="num">
                                       <p:cBhvr additive="base">
-                                        <p:cTn id="63" dur="1000" fill="hold"/>
+                                        <p:cTn id="63" dur="500" fill="hold"/>
                                         <p:tgtEl>
                                           <p:spTgt spid="21"/>
                                         </p:tgtEl>
@@ -11515,7 +13081,7 @@
                                     </p:anim>
                                     <p:anim calcmode="lin" valueType="num">
                                       <p:cBhvr additive="base">
-                                        <p:cTn id="64" dur="1000" fill="hold"/>
+                                        <p:cTn id="64" dur="500" fill="hold"/>
                                         <p:tgtEl>
                                           <p:spTgt spid="21"/>
                                         </p:tgtEl>
@@ -11565,7 +13131,7 @@
                                     </p:set>
                                     <p:anim calcmode="lin" valueType="num">
                                       <p:cBhvr additive="base">
-                                        <p:cTn id="67" dur="1000" fill="hold"/>
+                                        <p:cTn id="67" dur="500" fill="hold"/>
                                         <p:tgtEl>
                                           <p:spTgt spid="22"/>
                                         </p:tgtEl>
@@ -11588,7 +13154,7 @@
                                     </p:anim>
                                     <p:anim calcmode="lin" valueType="num">
                                       <p:cBhvr additive="base">
-                                        <p:cTn id="68" dur="1000" fill="hold"/>
+                                        <p:cTn id="68" dur="500" fill="hold"/>
                                         <p:tgtEl>
                                           <p:spTgt spid="22"/>
                                         </p:tgtEl>
@@ -11638,7 +13204,7 @@
                                     </p:set>
                                     <p:anim calcmode="lin" valueType="num">
                                       <p:cBhvr additive="base">
-                                        <p:cTn id="71" dur="1000" fill="hold"/>
+                                        <p:cTn id="71" dur="500" fill="hold"/>
                                         <p:tgtEl>
                                           <p:spTgt spid="23"/>
                                         </p:tgtEl>
@@ -11661,7 +13227,7 @@
                                     </p:anim>
                                     <p:anim calcmode="lin" valueType="num">
                                       <p:cBhvr additive="base">
-                                        <p:cTn id="72" dur="1000" fill="hold"/>
+                                        <p:cTn id="72" dur="500" fill="hold"/>
                                         <p:tgtEl>
                                           <p:spTgt spid="23"/>
                                         </p:tgtEl>
@@ -11711,7 +13277,7 @@
                                     </p:set>
                                     <p:anim calcmode="lin" valueType="num">
                                       <p:cBhvr additive="base">
-                                        <p:cTn id="75" dur="1000" fill="hold"/>
+                                        <p:cTn id="75" dur="500" fill="hold"/>
                                         <p:tgtEl>
                                           <p:spTgt spid="24"/>
                                         </p:tgtEl>
@@ -11734,7 +13300,7 @@
                                     </p:anim>
                                     <p:anim calcmode="lin" valueType="num">
                                       <p:cBhvr additive="base">
-                                        <p:cTn id="76" dur="1000" fill="hold"/>
+                                        <p:cTn id="76" dur="500" fill="hold"/>
                                         <p:tgtEl>
                                           <p:spTgt spid="24"/>
                                         </p:tgtEl>
@@ -11784,7 +13350,7 @@
                                     </p:set>
                                     <p:anim calcmode="lin" valueType="num">
                                       <p:cBhvr additive="base">
-                                        <p:cTn id="79" dur="1000" fill="hold"/>
+                                        <p:cTn id="79" dur="500" fill="hold"/>
                                         <p:tgtEl>
                                           <p:spTgt spid="25"/>
                                         </p:tgtEl>
@@ -11807,7 +13373,7 @@
                                     </p:anim>
                                     <p:anim calcmode="lin" valueType="num">
                                       <p:cBhvr additive="base">
-                                        <p:cTn id="80" dur="1000" fill="hold"/>
+                                        <p:cTn id="80" dur="500" fill="hold"/>
                                         <p:tgtEl>
                                           <p:spTgt spid="25"/>
                                         </p:tgtEl>
@@ -11857,7 +13423,7 @@
                                     </p:set>
                                     <p:anim calcmode="lin" valueType="num">
                                       <p:cBhvr additive="base">
-                                        <p:cTn id="83" dur="1000" fill="hold"/>
+                                        <p:cTn id="83" dur="500" fill="hold"/>
                                         <p:tgtEl>
                                           <p:spTgt spid="26"/>
                                         </p:tgtEl>
@@ -11880,7 +13446,7 @@
                                     </p:anim>
                                     <p:anim calcmode="lin" valueType="num">
                                       <p:cBhvr additive="base">
-                                        <p:cTn id="84" dur="1000" fill="hold"/>
+                                        <p:cTn id="84" dur="500" fill="hold"/>
                                         <p:tgtEl>
                                           <p:spTgt spid="26"/>
                                         </p:tgtEl>
@@ -11930,7 +13496,7 @@
                                     </p:set>
                                     <p:anim calcmode="lin" valueType="num">
                                       <p:cBhvr additive="base">
-                                        <p:cTn id="87" dur="1000" fill="hold"/>
+                                        <p:cTn id="87" dur="500" fill="hold"/>
                                         <p:tgtEl>
                                           <p:spTgt spid="27"/>
                                         </p:tgtEl>
@@ -11953,7 +13519,7 @@
                                     </p:anim>
                                     <p:anim calcmode="lin" valueType="num">
                                       <p:cBhvr additive="base">
-                                        <p:cTn id="88" dur="1000" fill="hold"/>
+                                        <p:cTn id="88" dur="500" fill="hold"/>
                                         <p:tgtEl>
                                           <p:spTgt spid="27"/>
                                         </p:tgtEl>
@@ -12003,7 +13569,7 @@
                                     </p:set>
                                     <p:anim calcmode="lin" valueType="num">
                                       <p:cBhvr additive="base">
-                                        <p:cTn id="91" dur="1000" fill="hold"/>
+                                        <p:cTn id="91" dur="500" fill="hold"/>
                                         <p:tgtEl>
                                           <p:spTgt spid="28"/>
                                         </p:tgtEl>
@@ -12026,7 +13592,7 @@
                                     </p:anim>
                                     <p:anim calcmode="lin" valueType="num">
                                       <p:cBhvr additive="base">
-                                        <p:cTn id="92" dur="1000" fill="hold"/>
+                                        <p:cTn id="92" dur="500" fill="hold"/>
                                         <p:tgtEl>
                                           <p:spTgt spid="28"/>
                                         </p:tgtEl>
@@ -12076,7 +13642,7 @@
                                     </p:set>
                                     <p:anim calcmode="lin" valueType="num">
                                       <p:cBhvr additive="base">
-                                        <p:cTn id="95" dur="1000" fill="hold"/>
+                                        <p:cTn id="95" dur="500" fill="hold"/>
                                         <p:tgtEl>
                                           <p:spTgt spid="29"/>
                                         </p:tgtEl>
@@ -12099,7 +13665,7 @@
                                     </p:anim>
                                     <p:anim calcmode="lin" valueType="num">
                                       <p:cBhvr additive="base">
-                                        <p:cTn id="96" dur="1000" fill="hold"/>
+                                        <p:cTn id="96" dur="500" fill="hold"/>
                                         <p:tgtEl>
                                           <p:spTgt spid="29"/>
                                         </p:tgtEl>
@@ -12149,7 +13715,7 @@
                                     </p:set>
                                     <p:anim calcmode="lin" valueType="num">
                                       <p:cBhvr additive="base">
-                                        <p:cTn id="99" dur="1000" fill="hold"/>
+                                        <p:cTn id="99" dur="500" fill="hold"/>
                                         <p:tgtEl>
                                           <p:spTgt spid="30"/>
                                         </p:tgtEl>
@@ -12172,7 +13738,7 @@
                                     </p:anim>
                                     <p:anim calcmode="lin" valueType="num">
                                       <p:cBhvr additive="base">
-                                        <p:cTn id="100" dur="1000" fill="hold"/>
+                                        <p:cTn id="100" dur="500" fill="hold"/>
                                         <p:tgtEl>
                                           <p:spTgt spid="30"/>
                                         </p:tgtEl>
@@ -12222,7 +13788,7 @@
                                     </p:set>
                                     <p:anim calcmode="lin" valueType="num">
                                       <p:cBhvr additive="base">
-                                        <p:cTn id="103" dur="1000" fill="hold"/>
+                                        <p:cTn id="103" dur="500" fill="hold"/>
                                         <p:tgtEl>
                                           <p:spTgt spid="32"/>
                                         </p:tgtEl>
@@ -12245,7 +13811,7 @@
                                     </p:anim>
                                     <p:anim calcmode="lin" valueType="num">
                                       <p:cBhvr additive="base">
-                                        <p:cTn id="104" dur="1000" fill="hold"/>
+                                        <p:cTn id="104" dur="500" fill="hold"/>
                                         <p:tgtEl>
                                           <p:spTgt spid="32"/>
                                         </p:tgtEl>
@@ -12295,7 +13861,7 @@
                                     </p:set>
                                     <p:anim calcmode="lin" valueType="num">
                                       <p:cBhvr additive="base">
-                                        <p:cTn id="107" dur="1000" fill="hold"/>
+                                        <p:cTn id="107" dur="500" fill="hold"/>
                                         <p:tgtEl>
                                           <p:spTgt spid="33"/>
                                         </p:tgtEl>
@@ -12318,7 +13884,7 @@
                                     </p:anim>
                                     <p:anim calcmode="lin" valueType="num">
                                       <p:cBhvr additive="base">
-                                        <p:cTn id="108" dur="1000" fill="hold"/>
+                                        <p:cTn id="108" dur="500" fill="hold"/>
                                         <p:tgtEl>
                                           <p:spTgt spid="33"/>
                                         </p:tgtEl>
@@ -12368,7 +13934,7 @@
                                     </p:set>
                                     <p:anim calcmode="lin" valueType="num">
                                       <p:cBhvr additive="base">
-                                        <p:cTn id="111" dur="1000" fill="hold"/>
+                                        <p:cTn id="111" dur="500" fill="hold"/>
                                         <p:tgtEl>
                                           <p:spTgt spid="34"/>
                                         </p:tgtEl>
@@ -12391,7 +13957,7 @@
                                     </p:anim>
                                     <p:anim calcmode="lin" valueType="num">
                                       <p:cBhvr additive="base">
-                                        <p:cTn id="112" dur="1000" fill="hold"/>
+                                        <p:cTn id="112" dur="500" fill="hold"/>
                                         <p:tgtEl>
                                           <p:spTgt spid="34"/>
                                         </p:tgtEl>
@@ -12441,7 +14007,7 @@
                                     </p:set>
                                     <p:anim calcmode="lin" valueType="num">
                                       <p:cBhvr additive="base">
-                                        <p:cTn id="115" dur="1000" fill="hold"/>
+                                        <p:cTn id="115" dur="500" fill="hold"/>
                                         <p:tgtEl>
                                           <p:spTgt spid="36"/>
                                         </p:tgtEl>
@@ -12464,7 +14030,7 @@
                                     </p:anim>
                                     <p:anim calcmode="lin" valueType="num">
                                       <p:cBhvr additive="base">
-                                        <p:cTn id="116" dur="1000" fill="hold"/>
+                                        <p:cTn id="116" dur="500" fill="hold"/>
                                         <p:tgtEl>
                                           <p:spTgt spid="36"/>
                                         </p:tgtEl>
@@ -12514,7 +14080,7 @@
                                     </p:set>
                                     <p:anim calcmode="lin" valueType="num">
                                       <p:cBhvr additive="base">
-                                        <p:cTn id="119" dur="1000" fill="hold"/>
+                                        <p:cTn id="119" dur="500" fill="hold"/>
                                         <p:tgtEl>
                                           <p:spTgt spid="37"/>
                                         </p:tgtEl>
@@ -12537,7 +14103,7 @@
                                     </p:anim>
                                     <p:anim calcmode="lin" valueType="num">
                                       <p:cBhvr additive="base">
-                                        <p:cTn id="120" dur="1000" fill="hold"/>
+                                        <p:cTn id="120" dur="500" fill="hold"/>
                                         <p:tgtEl>
                                           <p:spTgt spid="37"/>
                                         </p:tgtEl>
@@ -12587,7 +14153,7 @@
                                     </p:set>
                                     <p:anim calcmode="lin" valueType="num">
                                       <p:cBhvr additive="base">
-                                        <p:cTn id="123" dur="1000" fill="hold"/>
+                                        <p:cTn id="123" dur="500" fill="hold"/>
                                         <p:tgtEl>
                                           <p:spTgt spid="38"/>
                                         </p:tgtEl>
@@ -12610,7 +14176,7 @@
                                     </p:anim>
                                     <p:anim calcmode="lin" valueType="num">
                                       <p:cBhvr additive="base">
-                                        <p:cTn id="124" dur="1000" fill="hold"/>
+                                        <p:cTn id="124" dur="500" fill="hold"/>
                                         <p:tgtEl>
                                           <p:spTgt spid="38"/>
                                         </p:tgtEl>
@@ -12660,7 +14226,7 @@
                                     </p:set>
                                     <p:anim calcmode="lin" valueType="num">
                                       <p:cBhvr additive="base">
-                                        <p:cTn id="127" dur="1000" fill="hold"/>
+                                        <p:cTn id="127" dur="500" fill="hold"/>
                                         <p:tgtEl>
                                           <p:spTgt spid="39"/>
                                         </p:tgtEl>
@@ -12683,7 +14249,7 @@
                                     </p:anim>
                                     <p:anim calcmode="lin" valueType="num">
                                       <p:cBhvr additive="base">
-                                        <p:cTn id="128" dur="1000" fill="hold"/>
+                                        <p:cTn id="128" dur="500" fill="hold"/>
                                         <p:tgtEl>
                                           <p:spTgt spid="39"/>
                                         </p:tgtEl>
@@ -12733,7 +14299,7 @@
                                     </p:set>
                                     <p:anim calcmode="lin" valueType="num">
                                       <p:cBhvr additive="base">
-                                        <p:cTn id="131" dur="1000" fill="hold"/>
+                                        <p:cTn id="131" dur="500" fill="hold"/>
                                         <p:tgtEl>
                                           <p:spTgt spid="40"/>
                                         </p:tgtEl>
@@ -12756,7 +14322,7 @@
                                     </p:anim>
                                     <p:anim calcmode="lin" valueType="num">
                                       <p:cBhvr additive="base">
-                                        <p:cTn id="132" dur="1000" fill="hold"/>
+                                        <p:cTn id="132" dur="500" fill="hold"/>
                                         <p:tgtEl>
                                           <p:spTgt spid="40"/>
                                         </p:tgtEl>
@@ -12806,7 +14372,7 @@
                                     </p:set>
                                     <p:anim calcmode="lin" valueType="num">
                                       <p:cBhvr additive="base">
-                                        <p:cTn id="135" dur="1000" fill="hold"/>
+                                        <p:cTn id="135" dur="500" fill="hold"/>
                                         <p:tgtEl>
                                           <p:spTgt spid="41"/>
                                         </p:tgtEl>
@@ -12829,7 +14395,4436 @@
                                     </p:anim>
                                     <p:anim calcmode="lin" valueType="num">
                                       <p:cBhvr additive="base">
-                                        <p:cTn id="136" dur="1000" fill="hold"/>
+                                        <p:cTn id="136" dur="500" fill="hold"/>
+                                        <p:tgtEl>
+                                          <p:spTgt spid="41"/>
+                                        </p:tgtEl>
+                                        <p:attrNameLst>
+                                          <p:attrName>ppt_y</p:attrName>
+                                        </p:attrNameLst>
+                                      </p:cBhvr>
+                                      <p:tavLst>
+                                        <p:tav tm="0">
+                                          <p:val>
+                                            <p:strVal val="#ppt_y"/>
+                                          </p:val>
+                                        </p:tav>
+                                        <p:tav tm="100000">
+                                          <p:val>
+                                            <p:strVal val="#ppt_y"/>
+                                          </p:val>
+                                        </p:tav>
+                                      </p:tavLst>
+                                    </p:anim>
+                                  </p:childTnLst>
+                                </p:cTn>
+                              </p:par>
+                              <p:par>
+                                <p:cTn id="137" presetID="2" presetClass="entr" presetSubtype="8" fill="hold" grpId="0" nodeType="withEffect">
+                                  <p:stCondLst>
+                                    <p:cond delay="0"/>
+                                  </p:stCondLst>
+                                  <p:childTnLst>
+                                    <p:set>
+                                      <p:cBhvr>
+                                        <p:cTn id="138" dur="1" fill="hold">
+                                          <p:stCondLst>
+                                            <p:cond delay="0"/>
+                                          </p:stCondLst>
+                                        </p:cTn>
+                                        <p:tgtEl>
+                                          <p:spTgt spid="43"/>
+                                        </p:tgtEl>
+                                        <p:attrNameLst>
+                                          <p:attrName>style.visibility</p:attrName>
+                                        </p:attrNameLst>
+                                      </p:cBhvr>
+                                      <p:to>
+                                        <p:strVal val="visible"/>
+                                      </p:to>
+                                    </p:set>
+                                    <p:anim calcmode="lin" valueType="num">
+                                      <p:cBhvr additive="base">
+                                        <p:cTn id="139" dur="500" fill="hold"/>
+                                        <p:tgtEl>
+                                          <p:spTgt spid="43"/>
+                                        </p:tgtEl>
+                                        <p:attrNameLst>
+                                          <p:attrName>ppt_x</p:attrName>
+                                        </p:attrNameLst>
+                                      </p:cBhvr>
+                                      <p:tavLst>
+                                        <p:tav tm="0">
+                                          <p:val>
+                                            <p:strVal val="0-#ppt_w/2"/>
+                                          </p:val>
+                                        </p:tav>
+                                        <p:tav tm="100000">
+                                          <p:val>
+                                            <p:strVal val="#ppt_x"/>
+                                          </p:val>
+                                        </p:tav>
+                                      </p:tavLst>
+                                    </p:anim>
+                                    <p:anim calcmode="lin" valueType="num">
+                                      <p:cBhvr additive="base">
+                                        <p:cTn id="140" dur="500" fill="hold"/>
+                                        <p:tgtEl>
+                                          <p:spTgt spid="43"/>
+                                        </p:tgtEl>
+                                        <p:attrNameLst>
+                                          <p:attrName>ppt_y</p:attrName>
+                                        </p:attrNameLst>
+                                      </p:cBhvr>
+                                      <p:tavLst>
+                                        <p:tav tm="0">
+                                          <p:val>
+                                            <p:strVal val="#ppt_y"/>
+                                          </p:val>
+                                        </p:tav>
+                                        <p:tav tm="100000">
+                                          <p:val>
+                                            <p:strVal val="#ppt_y"/>
+                                          </p:val>
+                                        </p:tav>
+                                      </p:tavLst>
+                                    </p:anim>
+                                  </p:childTnLst>
+                                </p:cTn>
+                              </p:par>
+                            </p:childTnLst>
+                          </p:cTn>
+                        </p:par>
+                      </p:childTnLst>
+                    </p:cTn>
+                  </p:par>
+                </p:childTnLst>
+              </p:cTn>
+              <p:prevCondLst>
+                <p:cond evt="onPrev" delay="0">
+                  <p:tgtEl>
+                    <p:sldTgt/>
+                  </p:tgtEl>
+                </p:cond>
+              </p:prevCondLst>
+              <p:nextCondLst>
+                <p:cond evt="onNext" delay="0">
+                  <p:tgtEl>
+                    <p:sldTgt/>
+                  </p:tgtEl>
+                </p:cond>
+              </p:nextCondLst>
+            </p:seq>
+          </p:childTnLst>
+        </p:cTn>
+      </p:par>
+    </p:tnLst>
+    <p:bldLst>
+      <p:bldP spid="7" grpId="0" animBg="1"/>
+      <p:bldP spid="8" grpId="0" animBg="1"/>
+      <p:bldP spid="9" grpId="0" animBg="1"/>
+      <p:bldP spid="10" grpId="0" animBg="1"/>
+      <p:bldP spid="11" grpId="0" animBg="1"/>
+      <p:bldP spid="12" grpId="0" animBg="1"/>
+      <p:bldP spid="13" grpId="0" animBg="1"/>
+      <p:bldP spid="14" grpId="0" animBg="1"/>
+      <p:bldP spid="15" grpId="0" animBg="1"/>
+      <p:bldP spid="16" grpId="0" animBg="1"/>
+      <p:bldP spid="17" grpId="0" animBg="1"/>
+      <p:bldP spid="18" grpId="0" animBg="1"/>
+      <p:bldP spid="19" grpId="0" animBg="1"/>
+      <p:bldP spid="20" grpId="0" animBg="1"/>
+      <p:bldP spid="21" grpId="0" animBg="1"/>
+      <p:bldP spid="22" grpId="0" animBg="1"/>
+      <p:bldP spid="23" grpId="0" animBg="1"/>
+      <p:bldP spid="24" grpId="0" animBg="1"/>
+      <p:bldP spid="25" grpId="0" animBg="1"/>
+      <p:bldP spid="26" grpId="0" animBg="1"/>
+      <p:bldP spid="27" grpId="0" animBg="1"/>
+      <p:bldP spid="28" grpId="0" animBg="1"/>
+      <p:bldP spid="29" grpId="0" animBg="1"/>
+      <p:bldP spid="30" grpId="0" animBg="1"/>
+      <p:bldP spid="32" grpId="0" animBg="1"/>
+      <p:bldP spid="33" grpId="0" animBg="1"/>
+      <p:bldP spid="34" grpId="0" animBg="1"/>
+      <p:bldP spid="36" grpId="0" animBg="1"/>
+      <p:bldP spid="37" grpId="0" animBg="1"/>
+      <p:bldP spid="38" grpId="0" animBg="1"/>
+      <p:bldP spid="39" grpId="0" animBg="1"/>
+      <p:bldP spid="40" grpId="0" animBg="1"/>
+      <p:bldP spid="41" grpId="0" animBg="1"/>
+      <p:bldP spid="43" grpId="0" animBg="1"/>
+    </p:bldLst>
+  </p:timing>
+</p:sld>
+</file>
+
+<file path=ppt/slides/slide8.xml><?xml version="1.0" encoding="utf-8"?>
+<p:sld xmlns:a="http://schemas.openxmlformats.org/drawingml/2006/main" xmlns:r="http://schemas.openxmlformats.org/officeDocument/2006/relationships" xmlns:p="http://schemas.openxmlformats.org/presentationml/2006/main">
+  <p:cSld>
+    <p:spTree>
+      <p:nvGrpSpPr>
+        <p:cNvPr id="1" name=""/>
+        <p:cNvGrpSpPr/>
+        <p:nvPr/>
+      </p:nvGrpSpPr>
+      <p:grpSpPr>
+        <a:xfrm>
+          <a:off x="0" y="0"/>
+          <a:ext cx="0" cy="0"/>
+          <a:chOff x="0" y="0"/>
+          <a:chExt cx="0" cy="0"/>
+        </a:xfrm>
+      </p:grpSpPr>
+      <p:sp>
+        <p:nvSpPr>
+          <p:cNvPr id="2" name="Title 1"/>
+          <p:cNvSpPr>
+            <a:spLocks noGrp="1"/>
+          </p:cNvSpPr>
+          <p:nvPr>
+            <p:ph type="title"/>
+          </p:nvPr>
+        </p:nvSpPr>
+        <p:spPr>
+          <a:xfrm>
+            <a:off x="1524000" y="171736"/>
+            <a:ext cx="9144000" cy="883568"/>
+          </a:xfrm>
+        </p:spPr>
+        <p:txBody>
+          <a:bodyPr/>
+          <a:lstStyle/>
+          <a:p>
+            <a:r>
+              <a:rPr lang="en-IN" dirty="0"/>
+              <a:t>The project history</a:t>
+            </a:r>
+            <a:endParaRPr dirty="0"/>
+          </a:p>
+        </p:txBody>
+      </p:sp>
+      <p:sp>
+        <p:nvSpPr>
+          <p:cNvPr id="7" name="Cross 6">
+            <a:extLst>
+              <a:ext uri="{FF2B5EF4-FFF2-40B4-BE49-F238E27FC236}">
+                <a16:creationId xmlns:a16="http://schemas.microsoft.com/office/drawing/2014/main" id="{51EF18C1-C554-E04F-ABBE-FABC6993DDF4}"/>
+              </a:ext>
+            </a:extLst>
+          </p:cNvPr>
+          <p:cNvSpPr/>
+          <p:nvPr/>
+        </p:nvSpPr>
+        <p:spPr>
+          <a:xfrm>
+            <a:off x="7233396" y="3164456"/>
+            <a:ext cx="1368152" cy="1296144"/>
+          </a:xfrm>
+          <a:prstGeom prst="plus">
+            <a:avLst/>
+          </a:prstGeom>
+          <a:solidFill>
+            <a:schemeClr val="bg1">
+              <a:lumMod val="85000"/>
+              <a:lumOff val="15000"/>
+            </a:schemeClr>
+          </a:solidFill>
+        </p:spPr>
+        <p:style>
+          <a:lnRef idx="2">
+            <a:schemeClr val="accent1">
+              <a:shade val="50000"/>
+            </a:schemeClr>
+          </a:lnRef>
+          <a:fillRef idx="1">
+            <a:schemeClr val="accent1"/>
+          </a:fillRef>
+          <a:effectRef idx="0">
+            <a:schemeClr val="accent1"/>
+          </a:effectRef>
+          <a:fontRef idx="minor">
+            <a:schemeClr val="lt1"/>
+          </a:fontRef>
+        </p:style>
+        <p:txBody>
+          <a:bodyPr rtlCol="0" anchor="ctr"/>
+          <a:lstStyle/>
+          <a:p>
+            <a:pPr algn="ctr"/>
+            <a:endParaRPr lang="en-IN"/>
+          </a:p>
+        </p:txBody>
+      </p:sp>
+      <p:sp>
+        <p:nvSpPr>
+          <p:cNvPr id="8" name="Cross 7">
+            <a:extLst>
+              <a:ext uri="{FF2B5EF4-FFF2-40B4-BE49-F238E27FC236}">
+                <a16:creationId xmlns:a16="http://schemas.microsoft.com/office/drawing/2014/main" id="{7C5A8AD8-6C26-6087-9329-F7E4638A4205}"/>
+              </a:ext>
+            </a:extLst>
+          </p:cNvPr>
+          <p:cNvSpPr/>
+          <p:nvPr/>
+        </p:nvSpPr>
+        <p:spPr>
+          <a:xfrm>
+            <a:off x="7230656" y="1009684"/>
+            <a:ext cx="1368152" cy="1296144"/>
+          </a:xfrm>
+          <a:prstGeom prst="plus">
+            <a:avLst/>
+          </a:prstGeom>
+          <a:solidFill>
+            <a:schemeClr val="bg1">
+              <a:lumMod val="85000"/>
+              <a:lumOff val="15000"/>
+            </a:schemeClr>
+          </a:solidFill>
+        </p:spPr>
+        <p:style>
+          <a:lnRef idx="2">
+            <a:schemeClr val="accent1">
+              <a:shade val="50000"/>
+            </a:schemeClr>
+          </a:lnRef>
+          <a:fillRef idx="1">
+            <a:schemeClr val="accent1"/>
+          </a:fillRef>
+          <a:effectRef idx="0">
+            <a:schemeClr val="accent1"/>
+          </a:effectRef>
+          <a:fontRef idx="minor">
+            <a:schemeClr val="lt1"/>
+          </a:fontRef>
+        </p:style>
+        <p:txBody>
+          <a:bodyPr rtlCol="0" anchor="ctr"/>
+          <a:lstStyle/>
+          <a:p>
+            <a:pPr algn="ctr"/>
+            <a:endParaRPr lang="en-IN"/>
+          </a:p>
+        </p:txBody>
+      </p:sp>
+      <p:sp>
+        <p:nvSpPr>
+          <p:cNvPr id="9" name="Cross 8">
+            <a:extLst>
+              <a:ext uri="{FF2B5EF4-FFF2-40B4-BE49-F238E27FC236}">
+                <a16:creationId xmlns:a16="http://schemas.microsoft.com/office/drawing/2014/main" id="{09472992-BECB-AEC3-73AA-B8C102193024}"/>
+              </a:ext>
+            </a:extLst>
+          </p:cNvPr>
+          <p:cNvSpPr/>
+          <p:nvPr/>
+        </p:nvSpPr>
+        <p:spPr>
+          <a:xfrm>
+            <a:off x="8895988" y="5434672"/>
+            <a:ext cx="1368152" cy="1296144"/>
+          </a:xfrm>
+          <a:prstGeom prst="plus">
+            <a:avLst/>
+          </a:prstGeom>
+          <a:solidFill>
+            <a:schemeClr val="bg1">
+              <a:lumMod val="85000"/>
+              <a:lumOff val="15000"/>
+            </a:schemeClr>
+          </a:solidFill>
+        </p:spPr>
+        <p:style>
+          <a:lnRef idx="2">
+            <a:schemeClr val="accent1">
+              <a:shade val="50000"/>
+            </a:schemeClr>
+          </a:lnRef>
+          <a:fillRef idx="1">
+            <a:schemeClr val="accent1"/>
+          </a:fillRef>
+          <a:effectRef idx="0">
+            <a:schemeClr val="accent1"/>
+          </a:effectRef>
+          <a:fontRef idx="minor">
+            <a:schemeClr val="lt1"/>
+          </a:fontRef>
+        </p:style>
+        <p:txBody>
+          <a:bodyPr rtlCol="0" anchor="ctr"/>
+          <a:lstStyle/>
+          <a:p>
+            <a:pPr algn="ctr"/>
+            <a:endParaRPr lang="en-IN"/>
+          </a:p>
+        </p:txBody>
+      </p:sp>
+      <p:sp>
+        <p:nvSpPr>
+          <p:cNvPr id="10" name="Cross 9">
+            <a:extLst>
+              <a:ext uri="{FF2B5EF4-FFF2-40B4-BE49-F238E27FC236}">
+                <a16:creationId xmlns:a16="http://schemas.microsoft.com/office/drawing/2014/main" id="{3B7F3D97-69A2-A617-4072-4F2948E9D2D3}"/>
+              </a:ext>
+            </a:extLst>
+          </p:cNvPr>
+          <p:cNvSpPr/>
+          <p:nvPr/>
+        </p:nvSpPr>
+        <p:spPr>
+          <a:xfrm>
+            <a:off x="8049736" y="4282580"/>
+            <a:ext cx="1368152" cy="1296144"/>
+          </a:xfrm>
+          <a:prstGeom prst="plus">
+            <a:avLst/>
+          </a:prstGeom>
+          <a:solidFill>
+            <a:schemeClr val="bg1">
+              <a:lumMod val="85000"/>
+              <a:lumOff val="15000"/>
+            </a:schemeClr>
+          </a:solidFill>
+        </p:spPr>
+        <p:style>
+          <a:lnRef idx="2">
+            <a:schemeClr val="accent1">
+              <a:shade val="50000"/>
+            </a:schemeClr>
+          </a:lnRef>
+          <a:fillRef idx="1">
+            <a:schemeClr val="accent1"/>
+          </a:fillRef>
+          <a:effectRef idx="0">
+            <a:schemeClr val="accent1"/>
+          </a:effectRef>
+          <a:fontRef idx="minor">
+            <a:schemeClr val="lt1"/>
+          </a:fontRef>
+        </p:style>
+        <p:txBody>
+          <a:bodyPr rtlCol="0" anchor="ctr"/>
+          <a:lstStyle/>
+          <a:p>
+            <a:pPr algn="ctr"/>
+            <a:endParaRPr lang="en-IN"/>
+          </a:p>
+        </p:txBody>
+      </p:sp>
+      <p:sp>
+        <p:nvSpPr>
+          <p:cNvPr id="11" name="Cross 10">
+            <a:extLst>
+              <a:ext uri="{FF2B5EF4-FFF2-40B4-BE49-F238E27FC236}">
+                <a16:creationId xmlns:a16="http://schemas.microsoft.com/office/drawing/2014/main" id="{16677BDA-2BDF-8056-98D7-6C8BAF084160}"/>
+              </a:ext>
+            </a:extLst>
+          </p:cNvPr>
+          <p:cNvSpPr/>
+          <p:nvPr/>
+        </p:nvSpPr>
+        <p:spPr>
+          <a:xfrm>
+            <a:off x="8067132" y="2081840"/>
+            <a:ext cx="1368152" cy="1296144"/>
+          </a:xfrm>
+          <a:prstGeom prst="plus">
+            <a:avLst/>
+          </a:prstGeom>
+          <a:solidFill>
+            <a:schemeClr val="bg1">
+              <a:lumMod val="85000"/>
+              <a:lumOff val="15000"/>
+            </a:schemeClr>
+          </a:solidFill>
+        </p:spPr>
+        <p:style>
+          <a:lnRef idx="2">
+            <a:schemeClr val="accent1">
+              <a:shade val="50000"/>
+            </a:schemeClr>
+          </a:lnRef>
+          <a:fillRef idx="1">
+            <a:schemeClr val="accent1"/>
+          </a:fillRef>
+          <a:effectRef idx="0">
+            <a:schemeClr val="accent1"/>
+          </a:effectRef>
+          <a:fontRef idx="minor">
+            <a:schemeClr val="lt1"/>
+          </a:fontRef>
+        </p:style>
+        <p:txBody>
+          <a:bodyPr rtlCol="0" anchor="ctr"/>
+          <a:lstStyle/>
+          <a:p>
+            <a:pPr algn="ctr"/>
+            <a:endParaRPr lang="en-IN"/>
+          </a:p>
+        </p:txBody>
+      </p:sp>
+      <p:sp>
+        <p:nvSpPr>
+          <p:cNvPr id="12" name="Cross 11">
+            <a:extLst>
+              <a:ext uri="{FF2B5EF4-FFF2-40B4-BE49-F238E27FC236}">
+                <a16:creationId xmlns:a16="http://schemas.microsoft.com/office/drawing/2014/main" id="{2326D728-678A-1F0D-BD24-8DF0E62F239F}"/>
+              </a:ext>
+            </a:extLst>
+          </p:cNvPr>
+          <p:cNvSpPr/>
+          <p:nvPr/>
+        </p:nvSpPr>
+        <p:spPr>
+          <a:xfrm>
+            <a:off x="8931932" y="1007103"/>
+            <a:ext cx="1368152" cy="1296144"/>
+          </a:xfrm>
+          <a:prstGeom prst="plus">
+            <a:avLst/>
+          </a:prstGeom>
+          <a:solidFill>
+            <a:schemeClr val="bg1">
+              <a:lumMod val="85000"/>
+              <a:lumOff val="15000"/>
+            </a:schemeClr>
+          </a:solidFill>
+        </p:spPr>
+        <p:style>
+          <a:lnRef idx="2">
+            <a:schemeClr val="accent1">
+              <a:shade val="50000"/>
+            </a:schemeClr>
+          </a:lnRef>
+          <a:fillRef idx="1">
+            <a:schemeClr val="accent1"/>
+          </a:fillRef>
+          <a:effectRef idx="0">
+            <a:schemeClr val="accent1"/>
+          </a:effectRef>
+          <a:fontRef idx="minor">
+            <a:schemeClr val="lt1"/>
+          </a:fontRef>
+        </p:style>
+        <p:txBody>
+          <a:bodyPr rtlCol="0" anchor="ctr"/>
+          <a:lstStyle/>
+          <a:p>
+            <a:pPr algn="ctr"/>
+            <a:endParaRPr lang="en-IN"/>
+          </a:p>
+        </p:txBody>
+      </p:sp>
+      <p:sp>
+        <p:nvSpPr>
+          <p:cNvPr id="13" name="Cross 12">
+            <a:extLst>
+              <a:ext uri="{FF2B5EF4-FFF2-40B4-BE49-F238E27FC236}">
+                <a16:creationId xmlns:a16="http://schemas.microsoft.com/office/drawing/2014/main" id="{A8CFA3FD-339B-3C5A-D6E4-DF37A2CEC0D1}"/>
+              </a:ext>
+            </a:extLst>
+          </p:cNvPr>
+          <p:cNvSpPr/>
+          <p:nvPr/>
+        </p:nvSpPr>
+        <p:spPr>
+          <a:xfrm>
+            <a:off x="8931932" y="3163727"/>
+            <a:ext cx="1368152" cy="1296144"/>
+          </a:xfrm>
+          <a:prstGeom prst="plus">
+            <a:avLst/>
+          </a:prstGeom>
+          <a:solidFill>
+            <a:schemeClr val="bg1">
+              <a:lumMod val="85000"/>
+              <a:lumOff val="15000"/>
+            </a:schemeClr>
+          </a:solidFill>
+        </p:spPr>
+        <p:style>
+          <a:lnRef idx="2">
+            <a:schemeClr val="accent1">
+              <a:shade val="50000"/>
+            </a:schemeClr>
+          </a:lnRef>
+          <a:fillRef idx="1">
+            <a:schemeClr val="accent1"/>
+          </a:fillRef>
+          <a:effectRef idx="0">
+            <a:schemeClr val="accent1"/>
+          </a:effectRef>
+          <a:fontRef idx="minor">
+            <a:schemeClr val="lt1"/>
+          </a:fontRef>
+        </p:style>
+        <p:txBody>
+          <a:bodyPr rtlCol="0" anchor="ctr"/>
+          <a:lstStyle/>
+          <a:p>
+            <a:pPr algn="ctr"/>
+            <a:endParaRPr lang="en-IN"/>
+          </a:p>
+        </p:txBody>
+      </p:sp>
+      <p:sp>
+        <p:nvSpPr>
+          <p:cNvPr id="14" name="Cross 13">
+            <a:extLst>
+              <a:ext uri="{FF2B5EF4-FFF2-40B4-BE49-F238E27FC236}">
+                <a16:creationId xmlns:a16="http://schemas.microsoft.com/office/drawing/2014/main" id="{31CF822C-E5D8-4503-ED47-73828637E9F3}"/>
+              </a:ext>
+            </a:extLst>
+          </p:cNvPr>
+          <p:cNvSpPr/>
+          <p:nvPr/>
+        </p:nvSpPr>
+        <p:spPr>
+          <a:xfrm>
+            <a:off x="10608030" y="5434672"/>
+            <a:ext cx="1368152" cy="1296144"/>
+          </a:xfrm>
+          <a:prstGeom prst="plus">
+            <a:avLst/>
+          </a:prstGeom>
+          <a:solidFill>
+            <a:schemeClr val="bg1">
+              <a:lumMod val="85000"/>
+              <a:lumOff val="15000"/>
+            </a:schemeClr>
+          </a:solidFill>
+        </p:spPr>
+        <p:style>
+          <a:lnRef idx="2">
+            <a:schemeClr val="accent1">
+              <a:shade val="50000"/>
+            </a:schemeClr>
+          </a:lnRef>
+          <a:fillRef idx="1">
+            <a:schemeClr val="accent1"/>
+          </a:fillRef>
+          <a:effectRef idx="0">
+            <a:schemeClr val="accent1"/>
+          </a:effectRef>
+          <a:fontRef idx="minor">
+            <a:schemeClr val="lt1"/>
+          </a:fontRef>
+        </p:style>
+        <p:txBody>
+          <a:bodyPr rtlCol="0" anchor="ctr"/>
+          <a:lstStyle/>
+          <a:p>
+            <a:pPr algn="ctr"/>
+            <a:endParaRPr lang="en-IN"/>
+          </a:p>
+        </p:txBody>
+      </p:sp>
+      <p:sp>
+        <p:nvSpPr>
+          <p:cNvPr id="15" name="Cross 14">
+            <a:extLst>
+              <a:ext uri="{FF2B5EF4-FFF2-40B4-BE49-F238E27FC236}">
+                <a16:creationId xmlns:a16="http://schemas.microsoft.com/office/drawing/2014/main" id="{AA3EC296-F8A7-812D-0845-0F2BEA032A22}"/>
+              </a:ext>
+            </a:extLst>
+          </p:cNvPr>
+          <p:cNvSpPr/>
+          <p:nvPr/>
+        </p:nvSpPr>
+        <p:spPr>
+          <a:xfrm>
+            <a:off x="9748676" y="4282580"/>
+            <a:ext cx="1368152" cy="1296144"/>
+          </a:xfrm>
+          <a:prstGeom prst="plus">
+            <a:avLst/>
+          </a:prstGeom>
+          <a:solidFill>
+            <a:schemeClr val="bg1">
+              <a:lumMod val="85000"/>
+              <a:lumOff val="15000"/>
+            </a:schemeClr>
+          </a:solidFill>
+        </p:spPr>
+        <p:style>
+          <a:lnRef idx="2">
+            <a:schemeClr val="accent1">
+              <a:shade val="50000"/>
+            </a:schemeClr>
+          </a:lnRef>
+          <a:fillRef idx="1">
+            <a:schemeClr val="accent1"/>
+          </a:fillRef>
+          <a:effectRef idx="0">
+            <a:schemeClr val="accent1"/>
+          </a:effectRef>
+          <a:fontRef idx="minor">
+            <a:schemeClr val="lt1"/>
+          </a:fontRef>
+        </p:style>
+        <p:txBody>
+          <a:bodyPr rtlCol="0" anchor="ctr"/>
+          <a:lstStyle/>
+          <a:p>
+            <a:pPr algn="ctr"/>
+            <a:endParaRPr lang="en-IN"/>
+          </a:p>
+        </p:txBody>
+      </p:sp>
+      <p:sp>
+        <p:nvSpPr>
+          <p:cNvPr id="16" name="Cross 15">
+            <a:extLst>
+              <a:ext uri="{FF2B5EF4-FFF2-40B4-BE49-F238E27FC236}">
+                <a16:creationId xmlns:a16="http://schemas.microsoft.com/office/drawing/2014/main" id="{597A57B6-7E84-FEAA-087D-4200D3E241A3}"/>
+              </a:ext>
+            </a:extLst>
+          </p:cNvPr>
+          <p:cNvSpPr/>
+          <p:nvPr/>
+        </p:nvSpPr>
+        <p:spPr>
+          <a:xfrm>
+            <a:off x="10668000" y="3163727"/>
+            <a:ext cx="1368152" cy="1296144"/>
+          </a:xfrm>
+          <a:prstGeom prst="plus">
+            <a:avLst/>
+          </a:prstGeom>
+          <a:solidFill>
+            <a:schemeClr val="bg1">
+              <a:lumMod val="85000"/>
+              <a:lumOff val="15000"/>
+            </a:schemeClr>
+          </a:solidFill>
+        </p:spPr>
+        <p:style>
+          <a:lnRef idx="2">
+            <a:schemeClr val="accent1">
+              <a:shade val="50000"/>
+            </a:schemeClr>
+          </a:lnRef>
+          <a:fillRef idx="1">
+            <a:schemeClr val="accent1"/>
+          </a:fillRef>
+          <a:effectRef idx="0">
+            <a:schemeClr val="accent1"/>
+          </a:effectRef>
+          <a:fontRef idx="minor">
+            <a:schemeClr val="lt1"/>
+          </a:fontRef>
+        </p:style>
+        <p:txBody>
+          <a:bodyPr rtlCol="0" anchor="ctr"/>
+          <a:lstStyle/>
+          <a:p>
+            <a:pPr algn="ctr"/>
+            <a:endParaRPr lang="en-IN" dirty="0"/>
+          </a:p>
+        </p:txBody>
+      </p:sp>
+      <p:sp>
+        <p:nvSpPr>
+          <p:cNvPr id="17" name="Cross 16">
+            <a:extLst>
+              <a:ext uri="{FF2B5EF4-FFF2-40B4-BE49-F238E27FC236}">
+                <a16:creationId xmlns:a16="http://schemas.microsoft.com/office/drawing/2014/main" id="{4715741F-9ACE-1C8E-AD5A-D838242C6EA2}"/>
+              </a:ext>
+            </a:extLst>
+          </p:cNvPr>
+          <p:cNvSpPr/>
+          <p:nvPr/>
+        </p:nvSpPr>
+        <p:spPr>
+          <a:xfrm>
+            <a:off x="9768408" y="2070624"/>
+            <a:ext cx="1368152" cy="1296144"/>
+          </a:xfrm>
+          <a:prstGeom prst="plus">
+            <a:avLst/>
+          </a:prstGeom>
+          <a:solidFill>
+            <a:schemeClr val="bg1">
+              <a:lumMod val="85000"/>
+              <a:lumOff val="15000"/>
+            </a:schemeClr>
+          </a:solidFill>
+        </p:spPr>
+        <p:style>
+          <a:lnRef idx="2">
+            <a:schemeClr val="accent1">
+              <a:shade val="50000"/>
+            </a:schemeClr>
+          </a:lnRef>
+          <a:fillRef idx="1">
+            <a:schemeClr val="accent1"/>
+          </a:fillRef>
+          <a:effectRef idx="0">
+            <a:schemeClr val="accent1"/>
+          </a:effectRef>
+          <a:fontRef idx="minor">
+            <a:schemeClr val="lt1"/>
+          </a:fontRef>
+        </p:style>
+        <p:txBody>
+          <a:bodyPr rtlCol="0" anchor="ctr"/>
+          <a:lstStyle/>
+          <a:p>
+            <a:pPr algn="ctr"/>
+            <a:endParaRPr lang="en-IN" dirty="0"/>
+          </a:p>
+        </p:txBody>
+      </p:sp>
+      <p:sp>
+        <p:nvSpPr>
+          <p:cNvPr id="18" name="Cross 17">
+            <a:extLst>
+              <a:ext uri="{FF2B5EF4-FFF2-40B4-BE49-F238E27FC236}">
+                <a16:creationId xmlns:a16="http://schemas.microsoft.com/office/drawing/2014/main" id="{BDE7B58C-EE55-AFB0-97CE-0E906CF096CF}"/>
+              </a:ext>
+            </a:extLst>
+          </p:cNvPr>
+          <p:cNvSpPr/>
+          <p:nvPr/>
+        </p:nvSpPr>
+        <p:spPr>
+          <a:xfrm>
+            <a:off x="10641893" y="1007103"/>
+            <a:ext cx="1368152" cy="1296144"/>
+          </a:xfrm>
+          <a:prstGeom prst="plus">
+            <a:avLst/>
+          </a:prstGeom>
+          <a:solidFill>
+            <a:schemeClr val="bg1">
+              <a:lumMod val="85000"/>
+              <a:lumOff val="15000"/>
+            </a:schemeClr>
+          </a:solidFill>
+        </p:spPr>
+        <p:style>
+          <a:lnRef idx="2">
+            <a:schemeClr val="accent1">
+              <a:shade val="50000"/>
+            </a:schemeClr>
+          </a:lnRef>
+          <a:fillRef idx="1">
+            <a:schemeClr val="accent1"/>
+          </a:fillRef>
+          <a:effectRef idx="0">
+            <a:schemeClr val="accent1"/>
+          </a:effectRef>
+          <a:fontRef idx="minor">
+            <a:schemeClr val="lt1"/>
+          </a:fontRef>
+        </p:style>
+        <p:txBody>
+          <a:bodyPr rtlCol="0" anchor="ctr"/>
+          <a:lstStyle/>
+          <a:p>
+            <a:pPr algn="ctr"/>
+            <a:endParaRPr lang="en-IN"/>
+          </a:p>
+        </p:txBody>
+      </p:sp>
+      <p:sp>
+        <p:nvSpPr>
+          <p:cNvPr id="19" name="Cross 18">
+            <a:extLst>
+              <a:ext uri="{FF2B5EF4-FFF2-40B4-BE49-F238E27FC236}">
+                <a16:creationId xmlns:a16="http://schemas.microsoft.com/office/drawing/2014/main" id="{E90666E1-352F-E367-8DEC-040666032D64}"/>
+              </a:ext>
+            </a:extLst>
+          </p:cNvPr>
+          <p:cNvSpPr/>
+          <p:nvPr/>
+        </p:nvSpPr>
+        <p:spPr>
+          <a:xfrm>
+            <a:off x="1234655" y="2079008"/>
+            <a:ext cx="1368152" cy="1296144"/>
+          </a:xfrm>
+          <a:prstGeom prst="plus">
+            <a:avLst/>
+          </a:prstGeom>
+          <a:solidFill>
+            <a:schemeClr val="bg1">
+              <a:lumMod val="85000"/>
+              <a:lumOff val="15000"/>
+            </a:schemeClr>
+          </a:solidFill>
+        </p:spPr>
+        <p:style>
+          <a:lnRef idx="2">
+            <a:schemeClr val="accent1">
+              <a:shade val="50000"/>
+            </a:schemeClr>
+          </a:lnRef>
+          <a:fillRef idx="1">
+            <a:schemeClr val="accent1"/>
+          </a:fillRef>
+          <a:effectRef idx="0">
+            <a:schemeClr val="accent1"/>
+          </a:effectRef>
+          <a:fontRef idx="minor">
+            <a:schemeClr val="lt1"/>
+          </a:fontRef>
+        </p:style>
+        <p:txBody>
+          <a:bodyPr rtlCol="0" anchor="ctr"/>
+          <a:lstStyle/>
+          <a:p>
+            <a:pPr algn="ctr"/>
+            <a:endParaRPr lang="en-IN"/>
+          </a:p>
+        </p:txBody>
+      </p:sp>
+      <p:sp>
+        <p:nvSpPr>
+          <p:cNvPr id="20" name="Cross 19">
+            <a:extLst>
+              <a:ext uri="{FF2B5EF4-FFF2-40B4-BE49-F238E27FC236}">
+                <a16:creationId xmlns:a16="http://schemas.microsoft.com/office/drawing/2014/main" id="{93F2929B-7078-43C0-5DB1-82DEBB431AF4}"/>
+              </a:ext>
+            </a:extLst>
+          </p:cNvPr>
+          <p:cNvSpPr/>
+          <p:nvPr/>
+        </p:nvSpPr>
+        <p:spPr>
+          <a:xfrm>
+            <a:off x="3738690" y="1007103"/>
+            <a:ext cx="1368152" cy="1296144"/>
+          </a:xfrm>
+          <a:prstGeom prst="plus">
+            <a:avLst/>
+          </a:prstGeom>
+          <a:solidFill>
+            <a:schemeClr val="bg1">
+              <a:lumMod val="85000"/>
+              <a:lumOff val="15000"/>
+            </a:schemeClr>
+          </a:solidFill>
+        </p:spPr>
+        <p:style>
+          <a:lnRef idx="2">
+            <a:schemeClr val="accent1">
+              <a:shade val="50000"/>
+            </a:schemeClr>
+          </a:lnRef>
+          <a:fillRef idx="1">
+            <a:schemeClr val="accent1"/>
+          </a:fillRef>
+          <a:effectRef idx="0">
+            <a:schemeClr val="accent1"/>
+          </a:effectRef>
+          <a:fontRef idx="minor">
+            <a:schemeClr val="lt1"/>
+          </a:fontRef>
+        </p:style>
+        <p:txBody>
+          <a:bodyPr rtlCol="0" anchor="ctr"/>
+          <a:lstStyle/>
+          <a:p>
+            <a:pPr algn="ctr"/>
+            <a:endParaRPr lang="en-IN"/>
+          </a:p>
+        </p:txBody>
+      </p:sp>
+      <p:sp>
+        <p:nvSpPr>
+          <p:cNvPr id="21" name="Cross 20">
+            <a:extLst>
+              <a:ext uri="{FF2B5EF4-FFF2-40B4-BE49-F238E27FC236}">
+                <a16:creationId xmlns:a16="http://schemas.microsoft.com/office/drawing/2014/main" id="{35C6A0BA-A613-3FBE-7755-AE46A81F7A70}"/>
+              </a:ext>
+            </a:extLst>
+          </p:cNvPr>
+          <p:cNvSpPr/>
+          <p:nvPr/>
+        </p:nvSpPr>
+        <p:spPr>
+          <a:xfrm>
+            <a:off x="3776378" y="5434672"/>
+            <a:ext cx="1368152" cy="1296144"/>
+          </a:xfrm>
+          <a:prstGeom prst="plus">
+            <a:avLst/>
+          </a:prstGeom>
+          <a:solidFill>
+            <a:schemeClr val="bg1">
+              <a:lumMod val="85000"/>
+              <a:lumOff val="15000"/>
+            </a:schemeClr>
+          </a:solidFill>
+        </p:spPr>
+        <p:style>
+          <a:lnRef idx="2">
+            <a:schemeClr val="accent1">
+              <a:shade val="50000"/>
+            </a:schemeClr>
+          </a:lnRef>
+          <a:fillRef idx="1">
+            <a:schemeClr val="accent1"/>
+          </a:fillRef>
+          <a:effectRef idx="0">
+            <a:schemeClr val="accent1"/>
+          </a:effectRef>
+          <a:fontRef idx="minor">
+            <a:schemeClr val="lt1"/>
+          </a:fontRef>
+        </p:style>
+        <p:txBody>
+          <a:bodyPr rtlCol="0" anchor="ctr"/>
+          <a:lstStyle/>
+          <a:p>
+            <a:pPr algn="ctr"/>
+            <a:endParaRPr lang="en-IN"/>
+          </a:p>
+        </p:txBody>
+      </p:sp>
+      <p:sp>
+        <p:nvSpPr>
+          <p:cNvPr id="22" name="Cross 21">
+            <a:extLst>
+              <a:ext uri="{FF2B5EF4-FFF2-40B4-BE49-F238E27FC236}">
+                <a16:creationId xmlns:a16="http://schemas.microsoft.com/office/drawing/2014/main" id="{EF9487FB-E3B8-E055-4B85-ED830D1E1029}"/>
+              </a:ext>
+            </a:extLst>
+          </p:cNvPr>
+          <p:cNvSpPr/>
+          <p:nvPr/>
+        </p:nvSpPr>
+        <p:spPr>
+          <a:xfrm>
+            <a:off x="3802296" y="3163727"/>
+            <a:ext cx="1368152" cy="1296144"/>
+          </a:xfrm>
+          <a:prstGeom prst="plus">
+            <a:avLst/>
+          </a:prstGeom>
+          <a:solidFill>
+            <a:schemeClr val="bg1">
+              <a:lumMod val="85000"/>
+              <a:lumOff val="15000"/>
+            </a:schemeClr>
+          </a:solidFill>
+        </p:spPr>
+        <p:style>
+          <a:lnRef idx="2">
+            <a:schemeClr val="accent1">
+              <a:shade val="50000"/>
+            </a:schemeClr>
+          </a:lnRef>
+          <a:fillRef idx="1">
+            <a:schemeClr val="accent1"/>
+          </a:fillRef>
+          <a:effectRef idx="0">
+            <a:schemeClr val="accent1"/>
+          </a:effectRef>
+          <a:fontRef idx="minor">
+            <a:schemeClr val="lt1"/>
+          </a:fontRef>
+        </p:style>
+        <p:txBody>
+          <a:bodyPr rtlCol="0" anchor="ctr"/>
+          <a:lstStyle/>
+          <a:p>
+            <a:pPr algn="ctr"/>
+            <a:endParaRPr lang="en-IN"/>
+          </a:p>
+        </p:txBody>
+      </p:sp>
+      <p:sp>
+        <p:nvSpPr>
+          <p:cNvPr id="23" name="Cross 22">
+            <a:extLst>
+              <a:ext uri="{FF2B5EF4-FFF2-40B4-BE49-F238E27FC236}">
+                <a16:creationId xmlns:a16="http://schemas.microsoft.com/office/drawing/2014/main" id="{2FF64C1C-BECA-A3D3-6937-CD104025BE23}"/>
+              </a:ext>
+            </a:extLst>
+          </p:cNvPr>
+          <p:cNvSpPr/>
+          <p:nvPr/>
+        </p:nvSpPr>
+        <p:spPr>
+          <a:xfrm>
+            <a:off x="4623853" y="2110311"/>
+            <a:ext cx="1368152" cy="1296144"/>
+          </a:xfrm>
+          <a:prstGeom prst="plus">
+            <a:avLst/>
+          </a:prstGeom>
+          <a:solidFill>
+            <a:schemeClr val="bg1">
+              <a:lumMod val="85000"/>
+              <a:lumOff val="15000"/>
+            </a:schemeClr>
+          </a:solidFill>
+        </p:spPr>
+        <p:style>
+          <a:lnRef idx="2">
+            <a:schemeClr val="accent1">
+              <a:shade val="50000"/>
+            </a:schemeClr>
+          </a:lnRef>
+          <a:fillRef idx="1">
+            <a:schemeClr val="accent1"/>
+          </a:fillRef>
+          <a:effectRef idx="0">
+            <a:schemeClr val="accent1"/>
+          </a:effectRef>
+          <a:fontRef idx="minor">
+            <a:schemeClr val="lt1"/>
+          </a:fontRef>
+        </p:style>
+        <p:txBody>
+          <a:bodyPr rtlCol="0" anchor="ctr"/>
+          <a:lstStyle/>
+          <a:p>
+            <a:pPr algn="ctr"/>
+            <a:endParaRPr lang="en-IN"/>
+          </a:p>
+        </p:txBody>
+      </p:sp>
+      <p:sp>
+        <p:nvSpPr>
+          <p:cNvPr id="24" name="Cross 23">
+            <a:extLst>
+              <a:ext uri="{FF2B5EF4-FFF2-40B4-BE49-F238E27FC236}">
+                <a16:creationId xmlns:a16="http://schemas.microsoft.com/office/drawing/2014/main" id="{E2D529CD-A217-90DE-B625-B766DDCF982B}"/>
+              </a:ext>
+            </a:extLst>
+          </p:cNvPr>
+          <p:cNvSpPr/>
+          <p:nvPr/>
+        </p:nvSpPr>
+        <p:spPr>
+          <a:xfrm>
+            <a:off x="5509017" y="1009304"/>
+            <a:ext cx="1368152" cy="1296144"/>
+          </a:xfrm>
+          <a:prstGeom prst="plus">
+            <a:avLst/>
+          </a:prstGeom>
+          <a:solidFill>
+            <a:schemeClr val="bg1">
+              <a:lumMod val="85000"/>
+              <a:lumOff val="15000"/>
+            </a:schemeClr>
+          </a:solidFill>
+        </p:spPr>
+        <p:style>
+          <a:lnRef idx="2">
+            <a:schemeClr val="accent1">
+              <a:shade val="50000"/>
+            </a:schemeClr>
+          </a:lnRef>
+          <a:fillRef idx="1">
+            <a:schemeClr val="accent1"/>
+          </a:fillRef>
+          <a:effectRef idx="0">
+            <a:schemeClr val="accent1"/>
+          </a:effectRef>
+          <a:fontRef idx="minor">
+            <a:schemeClr val="lt1"/>
+          </a:fontRef>
+        </p:style>
+        <p:txBody>
+          <a:bodyPr rtlCol="0" anchor="ctr"/>
+          <a:lstStyle/>
+          <a:p>
+            <a:pPr algn="ctr"/>
+            <a:endParaRPr lang="en-IN"/>
+          </a:p>
+        </p:txBody>
+      </p:sp>
+      <p:sp>
+        <p:nvSpPr>
+          <p:cNvPr id="25" name="Cross 24">
+            <a:extLst>
+              <a:ext uri="{FF2B5EF4-FFF2-40B4-BE49-F238E27FC236}">
+                <a16:creationId xmlns:a16="http://schemas.microsoft.com/office/drawing/2014/main" id="{2116692F-46D1-1E9E-A07C-96F099E551F6}"/>
+              </a:ext>
+            </a:extLst>
+          </p:cNvPr>
+          <p:cNvSpPr/>
+          <p:nvPr/>
+        </p:nvSpPr>
+        <p:spPr>
+          <a:xfrm>
+            <a:off x="5475248" y="3164456"/>
+            <a:ext cx="1368152" cy="1296144"/>
+          </a:xfrm>
+          <a:prstGeom prst="plus">
+            <a:avLst/>
+          </a:prstGeom>
+          <a:solidFill>
+            <a:schemeClr val="bg1">
+              <a:lumMod val="85000"/>
+              <a:lumOff val="15000"/>
+            </a:schemeClr>
+          </a:solidFill>
+        </p:spPr>
+        <p:style>
+          <a:lnRef idx="2">
+            <a:schemeClr val="accent1">
+              <a:shade val="50000"/>
+            </a:schemeClr>
+          </a:lnRef>
+          <a:fillRef idx="1">
+            <a:schemeClr val="accent1"/>
+          </a:fillRef>
+          <a:effectRef idx="0">
+            <a:schemeClr val="accent1"/>
+          </a:effectRef>
+          <a:fontRef idx="minor">
+            <a:schemeClr val="lt1"/>
+          </a:fontRef>
+        </p:style>
+        <p:txBody>
+          <a:bodyPr rtlCol="0" anchor="ctr"/>
+          <a:lstStyle/>
+          <a:p>
+            <a:pPr algn="ctr"/>
+            <a:endParaRPr lang="en-IN"/>
+          </a:p>
+        </p:txBody>
+      </p:sp>
+      <p:sp>
+        <p:nvSpPr>
+          <p:cNvPr id="26" name="Cross 25">
+            <a:extLst>
+              <a:ext uri="{FF2B5EF4-FFF2-40B4-BE49-F238E27FC236}">
+                <a16:creationId xmlns:a16="http://schemas.microsoft.com/office/drawing/2014/main" id="{E3051729-C0BE-C0C9-A73A-F579B5FF4958}"/>
+              </a:ext>
+            </a:extLst>
+          </p:cNvPr>
+          <p:cNvSpPr/>
+          <p:nvPr/>
+        </p:nvSpPr>
+        <p:spPr>
+          <a:xfrm>
+            <a:off x="6394180" y="2079008"/>
+            <a:ext cx="1368152" cy="1296144"/>
+          </a:xfrm>
+          <a:prstGeom prst="plus">
+            <a:avLst/>
+          </a:prstGeom>
+          <a:solidFill>
+            <a:schemeClr val="bg1">
+              <a:lumMod val="85000"/>
+              <a:lumOff val="15000"/>
+            </a:schemeClr>
+          </a:solidFill>
+        </p:spPr>
+        <p:style>
+          <a:lnRef idx="2">
+            <a:schemeClr val="accent1">
+              <a:shade val="50000"/>
+            </a:schemeClr>
+          </a:lnRef>
+          <a:fillRef idx="1">
+            <a:schemeClr val="accent1"/>
+          </a:fillRef>
+          <a:effectRef idx="0">
+            <a:schemeClr val="accent1"/>
+          </a:effectRef>
+          <a:fontRef idx="minor">
+            <a:schemeClr val="lt1"/>
+          </a:fontRef>
+        </p:style>
+        <p:txBody>
+          <a:bodyPr rtlCol="0" anchor="ctr"/>
+          <a:lstStyle/>
+          <a:p>
+            <a:pPr algn="ctr"/>
+            <a:endParaRPr lang="en-IN"/>
+          </a:p>
+        </p:txBody>
+      </p:sp>
+      <p:sp>
+        <p:nvSpPr>
+          <p:cNvPr id="27" name="Cross 26">
+            <a:extLst>
+              <a:ext uri="{FF2B5EF4-FFF2-40B4-BE49-F238E27FC236}">
+                <a16:creationId xmlns:a16="http://schemas.microsoft.com/office/drawing/2014/main" id="{9745704A-A29D-94DF-8729-1D1FFB1C43D0}"/>
+              </a:ext>
+            </a:extLst>
+          </p:cNvPr>
+          <p:cNvSpPr/>
+          <p:nvPr/>
+        </p:nvSpPr>
+        <p:spPr>
+          <a:xfrm>
+            <a:off x="4575224" y="4282580"/>
+            <a:ext cx="1368152" cy="1296144"/>
+          </a:xfrm>
+          <a:prstGeom prst="plus">
+            <a:avLst/>
+          </a:prstGeom>
+          <a:solidFill>
+            <a:schemeClr val="bg1">
+              <a:lumMod val="85000"/>
+              <a:lumOff val="15000"/>
+            </a:schemeClr>
+          </a:solidFill>
+        </p:spPr>
+        <p:style>
+          <a:lnRef idx="2">
+            <a:schemeClr val="accent1">
+              <a:shade val="50000"/>
+            </a:schemeClr>
+          </a:lnRef>
+          <a:fillRef idx="1">
+            <a:schemeClr val="accent1"/>
+          </a:fillRef>
+          <a:effectRef idx="0">
+            <a:schemeClr val="accent1"/>
+          </a:effectRef>
+          <a:fontRef idx="minor">
+            <a:schemeClr val="lt1"/>
+          </a:fontRef>
+        </p:style>
+        <p:txBody>
+          <a:bodyPr rtlCol="0" anchor="ctr"/>
+          <a:lstStyle/>
+          <a:p>
+            <a:pPr algn="ctr"/>
+            <a:endParaRPr lang="en-IN"/>
+          </a:p>
+        </p:txBody>
+      </p:sp>
+      <p:sp>
+        <p:nvSpPr>
+          <p:cNvPr id="28" name="Cross 27">
+            <a:extLst>
+              <a:ext uri="{FF2B5EF4-FFF2-40B4-BE49-F238E27FC236}">
+                <a16:creationId xmlns:a16="http://schemas.microsoft.com/office/drawing/2014/main" id="{192A230D-AF41-A7F2-D74D-B72B914CCD86}"/>
+              </a:ext>
+            </a:extLst>
+          </p:cNvPr>
+          <p:cNvSpPr/>
+          <p:nvPr/>
+        </p:nvSpPr>
+        <p:spPr>
+          <a:xfrm>
+            <a:off x="5458066" y="5434672"/>
+            <a:ext cx="1368152" cy="1296144"/>
+          </a:xfrm>
+          <a:prstGeom prst="plus">
+            <a:avLst/>
+          </a:prstGeom>
+          <a:solidFill>
+            <a:schemeClr val="bg1">
+              <a:lumMod val="85000"/>
+              <a:lumOff val="15000"/>
+            </a:schemeClr>
+          </a:solidFill>
+        </p:spPr>
+        <p:style>
+          <a:lnRef idx="2">
+            <a:schemeClr val="accent1">
+              <a:shade val="50000"/>
+            </a:schemeClr>
+          </a:lnRef>
+          <a:fillRef idx="1">
+            <a:schemeClr val="accent1"/>
+          </a:fillRef>
+          <a:effectRef idx="0">
+            <a:schemeClr val="accent1"/>
+          </a:effectRef>
+          <a:fontRef idx="minor">
+            <a:schemeClr val="lt1"/>
+          </a:fontRef>
+        </p:style>
+        <p:txBody>
+          <a:bodyPr rtlCol="0" anchor="ctr"/>
+          <a:lstStyle/>
+          <a:p>
+            <a:pPr algn="ctr"/>
+            <a:endParaRPr lang="en-IN"/>
+          </a:p>
+        </p:txBody>
+      </p:sp>
+      <p:sp>
+        <p:nvSpPr>
+          <p:cNvPr id="29" name="Cross 28">
+            <a:extLst>
+              <a:ext uri="{FF2B5EF4-FFF2-40B4-BE49-F238E27FC236}">
+                <a16:creationId xmlns:a16="http://schemas.microsoft.com/office/drawing/2014/main" id="{3D808002-C270-96AE-E343-A05596EDE1B9}"/>
+              </a:ext>
+            </a:extLst>
+          </p:cNvPr>
+          <p:cNvSpPr/>
+          <p:nvPr/>
+        </p:nvSpPr>
+        <p:spPr>
+          <a:xfrm>
+            <a:off x="7214300" y="5434672"/>
+            <a:ext cx="1368152" cy="1296144"/>
+          </a:xfrm>
+          <a:prstGeom prst="plus">
+            <a:avLst/>
+          </a:prstGeom>
+          <a:solidFill>
+            <a:schemeClr val="bg1">
+              <a:lumMod val="85000"/>
+              <a:lumOff val="15000"/>
+            </a:schemeClr>
+          </a:solidFill>
+        </p:spPr>
+        <p:style>
+          <a:lnRef idx="2">
+            <a:schemeClr val="accent1">
+              <a:shade val="50000"/>
+            </a:schemeClr>
+          </a:lnRef>
+          <a:fillRef idx="1">
+            <a:schemeClr val="accent1"/>
+          </a:fillRef>
+          <a:effectRef idx="0">
+            <a:schemeClr val="accent1"/>
+          </a:effectRef>
+          <a:fontRef idx="minor">
+            <a:schemeClr val="lt1"/>
+          </a:fontRef>
+        </p:style>
+        <p:txBody>
+          <a:bodyPr rtlCol="0" anchor="ctr"/>
+          <a:lstStyle/>
+          <a:p>
+            <a:pPr algn="ctr"/>
+            <a:endParaRPr lang="en-IN"/>
+          </a:p>
+        </p:txBody>
+      </p:sp>
+      <p:sp>
+        <p:nvSpPr>
+          <p:cNvPr id="30" name="Cross 29">
+            <a:extLst>
+              <a:ext uri="{FF2B5EF4-FFF2-40B4-BE49-F238E27FC236}">
+                <a16:creationId xmlns:a16="http://schemas.microsoft.com/office/drawing/2014/main" id="{A5150A94-2699-106E-C8E9-4B78E4EB186D}"/>
+              </a:ext>
+            </a:extLst>
+          </p:cNvPr>
+          <p:cNvSpPr/>
+          <p:nvPr/>
+        </p:nvSpPr>
+        <p:spPr>
+          <a:xfrm>
+            <a:off x="6344072" y="4282580"/>
+            <a:ext cx="1368152" cy="1296144"/>
+          </a:xfrm>
+          <a:prstGeom prst="plus">
+            <a:avLst/>
+          </a:prstGeom>
+          <a:solidFill>
+            <a:schemeClr val="bg1">
+              <a:lumMod val="85000"/>
+              <a:lumOff val="15000"/>
+            </a:schemeClr>
+          </a:solidFill>
+        </p:spPr>
+        <p:style>
+          <a:lnRef idx="2">
+            <a:schemeClr val="accent1">
+              <a:shade val="50000"/>
+            </a:schemeClr>
+          </a:lnRef>
+          <a:fillRef idx="1">
+            <a:schemeClr val="accent1"/>
+          </a:fillRef>
+          <a:effectRef idx="0">
+            <a:schemeClr val="accent1"/>
+          </a:effectRef>
+          <a:fontRef idx="minor">
+            <a:schemeClr val="lt1"/>
+          </a:fontRef>
+        </p:style>
+        <p:txBody>
+          <a:bodyPr rtlCol="0" anchor="ctr"/>
+          <a:lstStyle/>
+          <a:p>
+            <a:pPr algn="ctr"/>
+            <a:endParaRPr lang="en-IN"/>
+          </a:p>
+        </p:txBody>
+      </p:sp>
+      <p:sp>
+        <p:nvSpPr>
+          <p:cNvPr id="32" name="Cross 31">
+            <a:extLst>
+              <a:ext uri="{FF2B5EF4-FFF2-40B4-BE49-F238E27FC236}">
+                <a16:creationId xmlns:a16="http://schemas.microsoft.com/office/drawing/2014/main" id="{51367301-ED85-3091-8A8A-126C13F1DC29}"/>
+              </a:ext>
+            </a:extLst>
+          </p:cNvPr>
+          <p:cNvSpPr/>
+          <p:nvPr/>
+        </p:nvSpPr>
+        <p:spPr>
+          <a:xfrm>
+            <a:off x="463292" y="3157715"/>
+            <a:ext cx="1368152" cy="1296144"/>
+          </a:xfrm>
+          <a:prstGeom prst="plus">
+            <a:avLst/>
+          </a:prstGeom>
+          <a:solidFill>
+            <a:schemeClr val="bg1">
+              <a:lumMod val="85000"/>
+              <a:lumOff val="15000"/>
+            </a:schemeClr>
+          </a:solidFill>
+        </p:spPr>
+        <p:style>
+          <a:lnRef idx="2">
+            <a:schemeClr val="accent1">
+              <a:shade val="50000"/>
+            </a:schemeClr>
+          </a:lnRef>
+          <a:fillRef idx="1">
+            <a:schemeClr val="accent1"/>
+          </a:fillRef>
+          <a:effectRef idx="0">
+            <a:schemeClr val="accent1"/>
+          </a:effectRef>
+          <a:fontRef idx="minor">
+            <a:schemeClr val="lt1"/>
+          </a:fontRef>
+        </p:style>
+        <p:txBody>
+          <a:bodyPr rtlCol="0" anchor="ctr"/>
+          <a:lstStyle/>
+          <a:p>
+            <a:pPr algn="ctr"/>
+            <a:endParaRPr lang="en-IN"/>
+          </a:p>
+        </p:txBody>
+      </p:sp>
+      <p:sp>
+        <p:nvSpPr>
+          <p:cNvPr id="33" name="Cross 32">
+            <a:extLst>
+              <a:ext uri="{FF2B5EF4-FFF2-40B4-BE49-F238E27FC236}">
+                <a16:creationId xmlns:a16="http://schemas.microsoft.com/office/drawing/2014/main" id="{DDC0ED6D-7485-1BD7-2FAA-887934372503}"/>
+              </a:ext>
+            </a:extLst>
+          </p:cNvPr>
+          <p:cNvSpPr/>
+          <p:nvPr/>
+        </p:nvSpPr>
+        <p:spPr>
+          <a:xfrm>
+            <a:off x="2093004" y="1029631"/>
+            <a:ext cx="1368152" cy="1296144"/>
+          </a:xfrm>
+          <a:prstGeom prst="plus">
+            <a:avLst/>
+          </a:prstGeom>
+          <a:solidFill>
+            <a:schemeClr val="bg1">
+              <a:lumMod val="85000"/>
+              <a:lumOff val="15000"/>
+            </a:schemeClr>
+          </a:solidFill>
+        </p:spPr>
+        <p:style>
+          <a:lnRef idx="2">
+            <a:schemeClr val="accent1">
+              <a:shade val="50000"/>
+            </a:schemeClr>
+          </a:lnRef>
+          <a:fillRef idx="1">
+            <a:schemeClr val="accent1"/>
+          </a:fillRef>
+          <a:effectRef idx="0">
+            <a:schemeClr val="accent1"/>
+          </a:effectRef>
+          <a:fontRef idx="minor">
+            <a:schemeClr val="lt1"/>
+          </a:fontRef>
+        </p:style>
+        <p:txBody>
+          <a:bodyPr rtlCol="0" anchor="ctr"/>
+          <a:lstStyle/>
+          <a:p>
+            <a:pPr algn="ctr"/>
+            <a:endParaRPr lang="en-IN"/>
+          </a:p>
+        </p:txBody>
+      </p:sp>
+      <p:sp>
+        <p:nvSpPr>
+          <p:cNvPr id="34" name="Cross 33">
+            <a:extLst>
+              <a:ext uri="{FF2B5EF4-FFF2-40B4-BE49-F238E27FC236}">
+                <a16:creationId xmlns:a16="http://schemas.microsoft.com/office/drawing/2014/main" id="{A3D2F272-E3E8-D463-2115-E3F4D4E1B163}"/>
+              </a:ext>
+            </a:extLst>
+          </p:cNvPr>
+          <p:cNvSpPr/>
+          <p:nvPr/>
+        </p:nvSpPr>
+        <p:spPr>
+          <a:xfrm>
+            <a:off x="398543" y="1010269"/>
+            <a:ext cx="1368152" cy="1296144"/>
+          </a:xfrm>
+          <a:prstGeom prst="plus">
+            <a:avLst/>
+          </a:prstGeom>
+          <a:solidFill>
+            <a:schemeClr val="bg1">
+              <a:lumMod val="85000"/>
+              <a:lumOff val="15000"/>
+            </a:schemeClr>
+          </a:solidFill>
+        </p:spPr>
+        <p:style>
+          <a:lnRef idx="2">
+            <a:schemeClr val="accent1">
+              <a:shade val="50000"/>
+            </a:schemeClr>
+          </a:lnRef>
+          <a:fillRef idx="1">
+            <a:schemeClr val="accent1"/>
+          </a:fillRef>
+          <a:effectRef idx="0">
+            <a:schemeClr val="accent1"/>
+          </a:effectRef>
+          <a:fontRef idx="minor">
+            <a:schemeClr val="lt1"/>
+          </a:fontRef>
+        </p:style>
+        <p:txBody>
+          <a:bodyPr rtlCol="0" anchor="ctr"/>
+          <a:lstStyle/>
+          <a:p>
+            <a:pPr algn="ctr"/>
+            <a:endParaRPr lang="en-IN"/>
+          </a:p>
+        </p:txBody>
+      </p:sp>
+      <p:sp>
+        <p:nvSpPr>
+          <p:cNvPr id="36" name="Cross 35">
+            <a:extLst>
+              <a:ext uri="{FF2B5EF4-FFF2-40B4-BE49-F238E27FC236}">
+                <a16:creationId xmlns:a16="http://schemas.microsoft.com/office/drawing/2014/main" id="{2285FE07-8FDD-3C89-B0DA-B96F211701CD}"/>
+              </a:ext>
+            </a:extLst>
+          </p:cNvPr>
+          <p:cNvSpPr/>
+          <p:nvPr/>
+        </p:nvSpPr>
+        <p:spPr>
+          <a:xfrm>
+            <a:off x="2051162" y="3163727"/>
+            <a:ext cx="1368152" cy="1296144"/>
+          </a:xfrm>
+          <a:prstGeom prst="plus">
+            <a:avLst/>
+          </a:prstGeom>
+          <a:solidFill>
+            <a:schemeClr val="bg1">
+              <a:lumMod val="85000"/>
+              <a:lumOff val="15000"/>
+            </a:schemeClr>
+          </a:solidFill>
+        </p:spPr>
+        <p:style>
+          <a:lnRef idx="2">
+            <a:schemeClr val="accent1">
+              <a:shade val="50000"/>
+            </a:schemeClr>
+          </a:lnRef>
+          <a:fillRef idx="1">
+            <a:schemeClr val="accent1"/>
+          </a:fillRef>
+          <a:effectRef idx="0">
+            <a:schemeClr val="accent1"/>
+          </a:effectRef>
+          <a:fontRef idx="minor">
+            <a:schemeClr val="lt1"/>
+          </a:fontRef>
+        </p:style>
+        <p:txBody>
+          <a:bodyPr rtlCol="0" anchor="ctr"/>
+          <a:lstStyle/>
+          <a:p>
+            <a:pPr algn="ctr"/>
+            <a:endParaRPr lang="en-IN"/>
+          </a:p>
+        </p:txBody>
+      </p:sp>
+      <p:sp>
+        <p:nvSpPr>
+          <p:cNvPr id="37" name="Cross 36">
+            <a:extLst>
+              <a:ext uri="{FF2B5EF4-FFF2-40B4-BE49-F238E27FC236}">
+                <a16:creationId xmlns:a16="http://schemas.microsoft.com/office/drawing/2014/main" id="{6C4ECCAA-DA22-7C21-17DC-0C7F4CC9A3EB}"/>
+              </a:ext>
+            </a:extLst>
+          </p:cNvPr>
+          <p:cNvSpPr/>
+          <p:nvPr/>
+        </p:nvSpPr>
+        <p:spPr>
+          <a:xfrm>
+            <a:off x="1279799" y="4290928"/>
+            <a:ext cx="1368152" cy="1296144"/>
+          </a:xfrm>
+          <a:prstGeom prst="plus">
+            <a:avLst/>
+          </a:prstGeom>
+          <a:solidFill>
+            <a:schemeClr val="bg1">
+              <a:lumMod val="85000"/>
+              <a:lumOff val="15000"/>
+            </a:schemeClr>
+          </a:solidFill>
+        </p:spPr>
+        <p:style>
+          <a:lnRef idx="2">
+            <a:schemeClr val="accent1">
+              <a:shade val="50000"/>
+            </a:schemeClr>
+          </a:lnRef>
+          <a:fillRef idx="1">
+            <a:schemeClr val="accent1"/>
+          </a:fillRef>
+          <a:effectRef idx="0">
+            <a:schemeClr val="accent1"/>
+          </a:effectRef>
+          <a:fontRef idx="minor">
+            <a:schemeClr val="lt1"/>
+          </a:fontRef>
+        </p:style>
+        <p:txBody>
+          <a:bodyPr rtlCol="0" anchor="ctr"/>
+          <a:lstStyle/>
+          <a:p>
+            <a:pPr algn="ctr"/>
+            <a:endParaRPr lang="en-IN"/>
+          </a:p>
+        </p:txBody>
+      </p:sp>
+      <p:sp>
+        <p:nvSpPr>
+          <p:cNvPr id="38" name="Cross 37">
+            <a:extLst>
+              <a:ext uri="{FF2B5EF4-FFF2-40B4-BE49-F238E27FC236}">
+                <a16:creationId xmlns:a16="http://schemas.microsoft.com/office/drawing/2014/main" id="{85A22EA9-D03A-0A4B-59A1-0AF80FE5DA9B}"/>
+              </a:ext>
+            </a:extLst>
+          </p:cNvPr>
+          <p:cNvSpPr/>
+          <p:nvPr/>
+        </p:nvSpPr>
+        <p:spPr>
+          <a:xfrm>
+            <a:off x="432824" y="5434672"/>
+            <a:ext cx="1368152" cy="1296144"/>
+          </a:xfrm>
+          <a:prstGeom prst="plus">
+            <a:avLst/>
+          </a:prstGeom>
+          <a:solidFill>
+            <a:schemeClr val="bg1">
+              <a:lumMod val="85000"/>
+              <a:lumOff val="15000"/>
+            </a:schemeClr>
+          </a:solidFill>
+        </p:spPr>
+        <p:style>
+          <a:lnRef idx="2">
+            <a:schemeClr val="accent1">
+              <a:shade val="50000"/>
+            </a:schemeClr>
+          </a:lnRef>
+          <a:fillRef idx="1">
+            <a:schemeClr val="accent1"/>
+          </a:fillRef>
+          <a:effectRef idx="0">
+            <a:schemeClr val="accent1"/>
+          </a:effectRef>
+          <a:fontRef idx="minor">
+            <a:schemeClr val="lt1"/>
+          </a:fontRef>
+        </p:style>
+        <p:txBody>
+          <a:bodyPr rtlCol="0" anchor="ctr"/>
+          <a:lstStyle/>
+          <a:p>
+            <a:pPr algn="ctr"/>
+            <a:endParaRPr lang="en-IN"/>
+          </a:p>
+        </p:txBody>
+      </p:sp>
+      <p:sp>
+        <p:nvSpPr>
+          <p:cNvPr id="39" name="Cross 38">
+            <a:extLst>
+              <a:ext uri="{FF2B5EF4-FFF2-40B4-BE49-F238E27FC236}">
+                <a16:creationId xmlns:a16="http://schemas.microsoft.com/office/drawing/2014/main" id="{30DC55E0-08EA-A0C5-3C2A-E72E0C0731BC}"/>
+              </a:ext>
+            </a:extLst>
+          </p:cNvPr>
+          <p:cNvSpPr/>
+          <p:nvPr/>
+        </p:nvSpPr>
+        <p:spPr>
+          <a:xfrm>
+            <a:off x="2067831" y="5434672"/>
+            <a:ext cx="1368152" cy="1296144"/>
+          </a:xfrm>
+          <a:prstGeom prst="plus">
+            <a:avLst/>
+          </a:prstGeom>
+          <a:solidFill>
+            <a:schemeClr val="bg1">
+              <a:lumMod val="85000"/>
+              <a:lumOff val="15000"/>
+            </a:schemeClr>
+          </a:solidFill>
+        </p:spPr>
+        <p:style>
+          <a:lnRef idx="2">
+            <a:schemeClr val="accent1">
+              <a:shade val="50000"/>
+            </a:schemeClr>
+          </a:lnRef>
+          <a:fillRef idx="1">
+            <a:schemeClr val="accent1"/>
+          </a:fillRef>
+          <a:effectRef idx="0">
+            <a:schemeClr val="accent1"/>
+          </a:effectRef>
+          <a:fontRef idx="minor">
+            <a:schemeClr val="lt1"/>
+          </a:fontRef>
+        </p:style>
+        <p:txBody>
+          <a:bodyPr rtlCol="0" anchor="ctr"/>
+          <a:lstStyle/>
+          <a:p>
+            <a:pPr algn="ctr"/>
+            <a:endParaRPr lang="en-IN"/>
+          </a:p>
+        </p:txBody>
+      </p:sp>
+      <p:sp>
+        <p:nvSpPr>
+          <p:cNvPr id="40" name="Cross 39">
+            <a:extLst>
+              <a:ext uri="{FF2B5EF4-FFF2-40B4-BE49-F238E27FC236}">
+                <a16:creationId xmlns:a16="http://schemas.microsoft.com/office/drawing/2014/main" id="{219CDC07-B3FA-69EC-B907-A5BAF09F8D76}"/>
+              </a:ext>
+            </a:extLst>
+          </p:cNvPr>
+          <p:cNvSpPr/>
+          <p:nvPr/>
+        </p:nvSpPr>
+        <p:spPr>
+          <a:xfrm>
+            <a:off x="2902272" y="4282948"/>
+            <a:ext cx="1368152" cy="1296144"/>
+          </a:xfrm>
+          <a:prstGeom prst="plus">
+            <a:avLst/>
+          </a:prstGeom>
+          <a:solidFill>
+            <a:schemeClr val="bg1">
+              <a:lumMod val="85000"/>
+              <a:lumOff val="15000"/>
+            </a:schemeClr>
+          </a:solidFill>
+        </p:spPr>
+        <p:style>
+          <a:lnRef idx="2">
+            <a:schemeClr val="accent1">
+              <a:shade val="50000"/>
+            </a:schemeClr>
+          </a:lnRef>
+          <a:fillRef idx="1">
+            <a:schemeClr val="accent1"/>
+          </a:fillRef>
+          <a:effectRef idx="0">
+            <a:schemeClr val="accent1"/>
+          </a:effectRef>
+          <a:fontRef idx="minor">
+            <a:schemeClr val="lt1"/>
+          </a:fontRef>
+        </p:style>
+        <p:txBody>
+          <a:bodyPr rtlCol="0" anchor="ctr"/>
+          <a:lstStyle/>
+          <a:p>
+            <a:pPr algn="ctr"/>
+            <a:endParaRPr lang="en-IN"/>
+          </a:p>
+        </p:txBody>
+      </p:sp>
+      <p:sp>
+        <p:nvSpPr>
+          <p:cNvPr id="41" name="Cross 40">
+            <a:extLst>
+              <a:ext uri="{FF2B5EF4-FFF2-40B4-BE49-F238E27FC236}">
+                <a16:creationId xmlns:a16="http://schemas.microsoft.com/office/drawing/2014/main" id="{268BCCC4-C1A1-665E-B774-F836231753A8}"/>
+              </a:ext>
+            </a:extLst>
+          </p:cNvPr>
+          <p:cNvSpPr/>
+          <p:nvPr/>
+        </p:nvSpPr>
+        <p:spPr>
+          <a:xfrm>
+            <a:off x="2958716" y="2085415"/>
+            <a:ext cx="1368152" cy="1296144"/>
+          </a:xfrm>
+          <a:prstGeom prst="plus">
+            <a:avLst/>
+          </a:prstGeom>
+          <a:solidFill>
+            <a:schemeClr val="bg1">
+              <a:lumMod val="85000"/>
+              <a:lumOff val="15000"/>
+            </a:schemeClr>
+          </a:solidFill>
+        </p:spPr>
+        <p:style>
+          <a:lnRef idx="2">
+            <a:schemeClr val="accent1">
+              <a:shade val="50000"/>
+            </a:schemeClr>
+          </a:lnRef>
+          <a:fillRef idx="1">
+            <a:schemeClr val="accent1"/>
+          </a:fillRef>
+          <a:effectRef idx="0">
+            <a:schemeClr val="accent1"/>
+          </a:effectRef>
+          <a:fontRef idx="minor">
+            <a:schemeClr val="lt1"/>
+          </a:fontRef>
+        </p:style>
+        <p:txBody>
+          <a:bodyPr rtlCol="0" anchor="ctr"/>
+          <a:lstStyle/>
+          <a:p>
+            <a:pPr algn="ctr"/>
+            <a:endParaRPr lang="en-IN"/>
+          </a:p>
+        </p:txBody>
+      </p:sp>
+      <p:pic>
+        <p:nvPicPr>
+          <p:cNvPr id="4" name="Picture 3">
+            <a:extLst>
+              <a:ext uri="{FF2B5EF4-FFF2-40B4-BE49-F238E27FC236}">
+                <a16:creationId xmlns:a16="http://schemas.microsoft.com/office/drawing/2014/main" id="{EC38CBE4-5661-CEC8-D09D-C7376F76C6E1}"/>
+              </a:ext>
+            </a:extLst>
+          </p:cNvPr>
+          <p:cNvPicPr>
+            <a:picLocks noChangeAspect="1"/>
+          </p:cNvPicPr>
+          <p:nvPr/>
+        </p:nvPicPr>
+        <p:blipFill>
+          <a:blip r:embed="rId2"/>
+          <a:stretch>
+            <a:fillRect/>
+          </a:stretch>
+        </p:blipFill>
+        <p:spPr>
+          <a:xfrm>
+            <a:off x="14233" y="1442568"/>
+            <a:ext cx="6485182" cy="3299746"/>
+          </a:xfrm>
+          <a:prstGeom prst="rect">
+            <a:avLst/>
+          </a:prstGeom>
+        </p:spPr>
+      </p:pic>
+      <p:pic>
+        <p:nvPicPr>
+          <p:cNvPr id="6" name="Picture 5">
+            <a:extLst>
+              <a:ext uri="{FF2B5EF4-FFF2-40B4-BE49-F238E27FC236}">
+                <a16:creationId xmlns:a16="http://schemas.microsoft.com/office/drawing/2014/main" id="{84808235-2157-A9CA-74E0-8A915919C287}"/>
+              </a:ext>
+            </a:extLst>
+          </p:cNvPr>
+          <p:cNvPicPr>
+            <a:picLocks noChangeAspect="1"/>
+          </p:cNvPicPr>
+          <p:nvPr/>
+        </p:nvPicPr>
+        <p:blipFill>
+          <a:blip r:embed="rId3"/>
+          <a:stretch>
+            <a:fillRect/>
+          </a:stretch>
+        </p:blipFill>
+        <p:spPr>
+          <a:xfrm>
+            <a:off x="3927750" y="5318499"/>
+            <a:ext cx="7071973" cy="952583"/>
+          </a:xfrm>
+          <a:prstGeom prst="rect">
+            <a:avLst/>
+          </a:prstGeom>
+        </p:spPr>
+      </p:pic>
+      <p:pic>
+        <p:nvPicPr>
+          <p:cNvPr id="43" name="Picture 42">
+            <a:extLst>
+              <a:ext uri="{FF2B5EF4-FFF2-40B4-BE49-F238E27FC236}">
+                <a16:creationId xmlns:a16="http://schemas.microsoft.com/office/drawing/2014/main" id="{19FC3E2E-4259-07CD-9B2B-6EE11B03D2FD}"/>
+              </a:ext>
+            </a:extLst>
+          </p:cNvPr>
+          <p:cNvPicPr>
+            <a:picLocks noChangeAspect="1"/>
+          </p:cNvPicPr>
+          <p:nvPr/>
+        </p:nvPicPr>
+        <p:blipFill rotWithShape="1">
+          <a:blip r:embed="rId4"/>
+          <a:srcRect l="1645" r="4396"/>
+          <a:stretch/>
+        </p:blipFill>
+        <p:spPr>
+          <a:xfrm>
+            <a:off x="6470945" y="1805308"/>
+            <a:ext cx="5721055" cy="2217612"/>
+          </a:xfrm>
+          <a:prstGeom prst="rect">
+            <a:avLst/>
+          </a:prstGeom>
+        </p:spPr>
+      </p:pic>
+    </p:spTree>
+    <p:extLst>
+      <p:ext uri="{BB962C8B-B14F-4D97-AF65-F5344CB8AC3E}">
+        <p14:creationId xmlns:p14="http://schemas.microsoft.com/office/powerpoint/2010/main" val="1068101896"/>
+      </p:ext>
+    </p:extLst>
+  </p:cSld>
+  <p:clrMapOvr>
+    <a:masterClrMapping/>
+  </p:clrMapOvr>
+  <p:timing>
+    <p:tnLst>
+      <p:par>
+        <p:cTn id="1" dur="indefinite" restart="never" nodeType="tmRoot">
+          <p:childTnLst>
+            <p:seq concurrent="1" nextAc="seek">
+              <p:cTn id="2" dur="indefinite" nodeType="mainSeq">
+                <p:childTnLst>
+                  <p:par>
+                    <p:cTn id="3" fill="hold">
+                      <p:stCondLst>
+                        <p:cond delay="indefinite"/>
+                      </p:stCondLst>
+                      <p:childTnLst>
+                        <p:par>
+                          <p:cTn id="4" fill="hold">
+                            <p:stCondLst>
+                              <p:cond delay="0"/>
+                            </p:stCondLst>
+                            <p:childTnLst>
+                              <p:par>
+                                <p:cTn id="5" presetID="2" presetClass="entr" presetSubtype="8" fill="hold" grpId="0" nodeType="clickEffect">
+                                  <p:stCondLst>
+                                    <p:cond delay="0"/>
+                                  </p:stCondLst>
+                                  <p:childTnLst>
+                                    <p:set>
+                                      <p:cBhvr>
+                                        <p:cTn id="6" dur="1" fill="hold">
+                                          <p:stCondLst>
+                                            <p:cond delay="0"/>
+                                          </p:stCondLst>
+                                        </p:cTn>
+                                        <p:tgtEl>
+                                          <p:spTgt spid="7"/>
+                                        </p:tgtEl>
+                                        <p:attrNameLst>
+                                          <p:attrName>style.visibility</p:attrName>
+                                        </p:attrNameLst>
+                                      </p:cBhvr>
+                                      <p:to>
+                                        <p:strVal val="visible"/>
+                                      </p:to>
+                                    </p:set>
+                                    <p:anim calcmode="lin" valueType="num">
+                                      <p:cBhvr additive="base">
+                                        <p:cTn id="7" dur="750" fill="hold"/>
+                                        <p:tgtEl>
+                                          <p:spTgt spid="7"/>
+                                        </p:tgtEl>
+                                        <p:attrNameLst>
+                                          <p:attrName>ppt_x</p:attrName>
+                                        </p:attrNameLst>
+                                      </p:cBhvr>
+                                      <p:tavLst>
+                                        <p:tav tm="0">
+                                          <p:val>
+                                            <p:strVal val="0-#ppt_w/2"/>
+                                          </p:val>
+                                        </p:tav>
+                                        <p:tav tm="100000">
+                                          <p:val>
+                                            <p:strVal val="#ppt_x"/>
+                                          </p:val>
+                                        </p:tav>
+                                      </p:tavLst>
+                                    </p:anim>
+                                    <p:anim calcmode="lin" valueType="num">
+                                      <p:cBhvr additive="base">
+                                        <p:cTn id="8" dur="750" fill="hold"/>
+                                        <p:tgtEl>
+                                          <p:spTgt spid="7"/>
+                                        </p:tgtEl>
+                                        <p:attrNameLst>
+                                          <p:attrName>ppt_y</p:attrName>
+                                        </p:attrNameLst>
+                                      </p:cBhvr>
+                                      <p:tavLst>
+                                        <p:tav tm="0">
+                                          <p:val>
+                                            <p:strVal val="#ppt_y"/>
+                                          </p:val>
+                                        </p:tav>
+                                        <p:tav tm="100000">
+                                          <p:val>
+                                            <p:strVal val="#ppt_y"/>
+                                          </p:val>
+                                        </p:tav>
+                                      </p:tavLst>
+                                    </p:anim>
+                                  </p:childTnLst>
+                                </p:cTn>
+                              </p:par>
+                              <p:par>
+                                <p:cTn id="9" presetID="2" presetClass="entr" presetSubtype="8" fill="hold" grpId="0" nodeType="withEffect">
+                                  <p:stCondLst>
+                                    <p:cond delay="0"/>
+                                  </p:stCondLst>
+                                  <p:childTnLst>
+                                    <p:set>
+                                      <p:cBhvr>
+                                        <p:cTn id="10" dur="1" fill="hold">
+                                          <p:stCondLst>
+                                            <p:cond delay="0"/>
+                                          </p:stCondLst>
+                                        </p:cTn>
+                                        <p:tgtEl>
+                                          <p:spTgt spid="8"/>
+                                        </p:tgtEl>
+                                        <p:attrNameLst>
+                                          <p:attrName>style.visibility</p:attrName>
+                                        </p:attrNameLst>
+                                      </p:cBhvr>
+                                      <p:to>
+                                        <p:strVal val="visible"/>
+                                      </p:to>
+                                    </p:set>
+                                    <p:anim calcmode="lin" valueType="num">
+                                      <p:cBhvr additive="base">
+                                        <p:cTn id="11" dur="750" fill="hold"/>
+                                        <p:tgtEl>
+                                          <p:spTgt spid="8"/>
+                                        </p:tgtEl>
+                                        <p:attrNameLst>
+                                          <p:attrName>ppt_x</p:attrName>
+                                        </p:attrNameLst>
+                                      </p:cBhvr>
+                                      <p:tavLst>
+                                        <p:tav tm="0">
+                                          <p:val>
+                                            <p:strVal val="0-#ppt_w/2"/>
+                                          </p:val>
+                                        </p:tav>
+                                        <p:tav tm="100000">
+                                          <p:val>
+                                            <p:strVal val="#ppt_x"/>
+                                          </p:val>
+                                        </p:tav>
+                                      </p:tavLst>
+                                    </p:anim>
+                                    <p:anim calcmode="lin" valueType="num">
+                                      <p:cBhvr additive="base">
+                                        <p:cTn id="12" dur="750" fill="hold"/>
+                                        <p:tgtEl>
+                                          <p:spTgt spid="8"/>
+                                        </p:tgtEl>
+                                        <p:attrNameLst>
+                                          <p:attrName>ppt_y</p:attrName>
+                                        </p:attrNameLst>
+                                      </p:cBhvr>
+                                      <p:tavLst>
+                                        <p:tav tm="0">
+                                          <p:val>
+                                            <p:strVal val="#ppt_y"/>
+                                          </p:val>
+                                        </p:tav>
+                                        <p:tav tm="100000">
+                                          <p:val>
+                                            <p:strVal val="#ppt_y"/>
+                                          </p:val>
+                                        </p:tav>
+                                      </p:tavLst>
+                                    </p:anim>
+                                  </p:childTnLst>
+                                </p:cTn>
+                              </p:par>
+                              <p:par>
+                                <p:cTn id="13" presetID="2" presetClass="entr" presetSubtype="8" fill="hold" grpId="0" nodeType="withEffect">
+                                  <p:stCondLst>
+                                    <p:cond delay="0"/>
+                                  </p:stCondLst>
+                                  <p:childTnLst>
+                                    <p:set>
+                                      <p:cBhvr>
+                                        <p:cTn id="14" dur="1" fill="hold">
+                                          <p:stCondLst>
+                                            <p:cond delay="0"/>
+                                          </p:stCondLst>
+                                        </p:cTn>
+                                        <p:tgtEl>
+                                          <p:spTgt spid="9"/>
+                                        </p:tgtEl>
+                                        <p:attrNameLst>
+                                          <p:attrName>style.visibility</p:attrName>
+                                        </p:attrNameLst>
+                                      </p:cBhvr>
+                                      <p:to>
+                                        <p:strVal val="visible"/>
+                                      </p:to>
+                                    </p:set>
+                                    <p:anim calcmode="lin" valueType="num">
+                                      <p:cBhvr additive="base">
+                                        <p:cTn id="15" dur="750" fill="hold"/>
+                                        <p:tgtEl>
+                                          <p:spTgt spid="9"/>
+                                        </p:tgtEl>
+                                        <p:attrNameLst>
+                                          <p:attrName>ppt_x</p:attrName>
+                                        </p:attrNameLst>
+                                      </p:cBhvr>
+                                      <p:tavLst>
+                                        <p:tav tm="0">
+                                          <p:val>
+                                            <p:strVal val="0-#ppt_w/2"/>
+                                          </p:val>
+                                        </p:tav>
+                                        <p:tav tm="100000">
+                                          <p:val>
+                                            <p:strVal val="#ppt_x"/>
+                                          </p:val>
+                                        </p:tav>
+                                      </p:tavLst>
+                                    </p:anim>
+                                    <p:anim calcmode="lin" valueType="num">
+                                      <p:cBhvr additive="base">
+                                        <p:cTn id="16" dur="750" fill="hold"/>
+                                        <p:tgtEl>
+                                          <p:spTgt spid="9"/>
+                                        </p:tgtEl>
+                                        <p:attrNameLst>
+                                          <p:attrName>ppt_y</p:attrName>
+                                        </p:attrNameLst>
+                                      </p:cBhvr>
+                                      <p:tavLst>
+                                        <p:tav tm="0">
+                                          <p:val>
+                                            <p:strVal val="#ppt_y"/>
+                                          </p:val>
+                                        </p:tav>
+                                        <p:tav tm="100000">
+                                          <p:val>
+                                            <p:strVal val="#ppt_y"/>
+                                          </p:val>
+                                        </p:tav>
+                                      </p:tavLst>
+                                    </p:anim>
+                                  </p:childTnLst>
+                                </p:cTn>
+                              </p:par>
+                              <p:par>
+                                <p:cTn id="17" presetID="2" presetClass="entr" presetSubtype="8" fill="hold" grpId="0" nodeType="withEffect">
+                                  <p:stCondLst>
+                                    <p:cond delay="0"/>
+                                  </p:stCondLst>
+                                  <p:childTnLst>
+                                    <p:set>
+                                      <p:cBhvr>
+                                        <p:cTn id="18" dur="1" fill="hold">
+                                          <p:stCondLst>
+                                            <p:cond delay="0"/>
+                                          </p:stCondLst>
+                                        </p:cTn>
+                                        <p:tgtEl>
+                                          <p:spTgt spid="10"/>
+                                        </p:tgtEl>
+                                        <p:attrNameLst>
+                                          <p:attrName>style.visibility</p:attrName>
+                                        </p:attrNameLst>
+                                      </p:cBhvr>
+                                      <p:to>
+                                        <p:strVal val="visible"/>
+                                      </p:to>
+                                    </p:set>
+                                    <p:anim calcmode="lin" valueType="num">
+                                      <p:cBhvr additive="base">
+                                        <p:cTn id="19" dur="750" fill="hold"/>
+                                        <p:tgtEl>
+                                          <p:spTgt spid="10"/>
+                                        </p:tgtEl>
+                                        <p:attrNameLst>
+                                          <p:attrName>ppt_x</p:attrName>
+                                        </p:attrNameLst>
+                                      </p:cBhvr>
+                                      <p:tavLst>
+                                        <p:tav tm="0">
+                                          <p:val>
+                                            <p:strVal val="0-#ppt_w/2"/>
+                                          </p:val>
+                                        </p:tav>
+                                        <p:tav tm="100000">
+                                          <p:val>
+                                            <p:strVal val="#ppt_x"/>
+                                          </p:val>
+                                        </p:tav>
+                                      </p:tavLst>
+                                    </p:anim>
+                                    <p:anim calcmode="lin" valueType="num">
+                                      <p:cBhvr additive="base">
+                                        <p:cTn id="20" dur="750" fill="hold"/>
+                                        <p:tgtEl>
+                                          <p:spTgt spid="10"/>
+                                        </p:tgtEl>
+                                        <p:attrNameLst>
+                                          <p:attrName>ppt_y</p:attrName>
+                                        </p:attrNameLst>
+                                      </p:cBhvr>
+                                      <p:tavLst>
+                                        <p:tav tm="0">
+                                          <p:val>
+                                            <p:strVal val="#ppt_y"/>
+                                          </p:val>
+                                        </p:tav>
+                                        <p:tav tm="100000">
+                                          <p:val>
+                                            <p:strVal val="#ppt_y"/>
+                                          </p:val>
+                                        </p:tav>
+                                      </p:tavLst>
+                                    </p:anim>
+                                  </p:childTnLst>
+                                </p:cTn>
+                              </p:par>
+                              <p:par>
+                                <p:cTn id="21" presetID="2" presetClass="entr" presetSubtype="8" fill="hold" grpId="0" nodeType="withEffect">
+                                  <p:stCondLst>
+                                    <p:cond delay="0"/>
+                                  </p:stCondLst>
+                                  <p:childTnLst>
+                                    <p:set>
+                                      <p:cBhvr>
+                                        <p:cTn id="22" dur="1" fill="hold">
+                                          <p:stCondLst>
+                                            <p:cond delay="0"/>
+                                          </p:stCondLst>
+                                        </p:cTn>
+                                        <p:tgtEl>
+                                          <p:spTgt spid="11"/>
+                                        </p:tgtEl>
+                                        <p:attrNameLst>
+                                          <p:attrName>style.visibility</p:attrName>
+                                        </p:attrNameLst>
+                                      </p:cBhvr>
+                                      <p:to>
+                                        <p:strVal val="visible"/>
+                                      </p:to>
+                                    </p:set>
+                                    <p:anim calcmode="lin" valueType="num">
+                                      <p:cBhvr additive="base">
+                                        <p:cTn id="23" dur="750" fill="hold"/>
+                                        <p:tgtEl>
+                                          <p:spTgt spid="11"/>
+                                        </p:tgtEl>
+                                        <p:attrNameLst>
+                                          <p:attrName>ppt_x</p:attrName>
+                                        </p:attrNameLst>
+                                      </p:cBhvr>
+                                      <p:tavLst>
+                                        <p:tav tm="0">
+                                          <p:val>
+                                            <p:strVal val="0-#ppt_w/2"/>
+                                          </p:val>
+                                        </p:tav>
+                                        <p:tav tm="100000">
+                                          <p:val>
+                                            <p:strVal val="#ppt_x"/>
+                                          </p:val>
+                                        </p:tav>
+                                      </p:tavLst>
+                                    </p:anim>
+                                    <p:anim calcmode="lin" valueType="num">
+                                      <p:cBhvr additive="base">
+                                        <p:cTn id="24" dur="750" fill="hold"/>
+                                        <p:tgtEl>
+                                          <p:spTgt spid="11"/>
+                                        </p:tgtEl>
+                                        <p:attrNameLst>
+                                          <p:attrName>ppt_y</p:attrName>
+                                        </p:attrNameLst>
+                                      </p:cBhvr>
+                                      <p:tavLst>
+                                        <p:tav tm="0">
+                                          <p:val>
+                                            <p:strVal val="#ppt_y"/>
+                                          </p:val>
+                                        </p:tav>
+                                        <p:tav tm="100000">
+                                          <p:val>
+                                            <p:strVal val="#ppt_y"/>
+                                          </p:val>
+                                        </p:tav>
+                                      </p:tavLst>
+                                    </p:anim>
+                                  </p:childTnLst>
+                                </p:cTn>
+                              </p:par>
+                              <p:par>
+                                <p:cTn id="25" presetID="2" presetClass="entr" presetSubtype="8" fill="hold" grpId="0" nodeType="withEffect">
+                                  <p:stCondLst>
+                                    <p:cond delay="0"/>
+                                  </p:stCondLst>
+                                  <p:childTnLst>
+                                    <p:set>
+                                      <p:cBhvr>
+                                        <p:cTn id="26" dur="1" fill="hold">
+                                          <p:stCondLst>
+                                            <p:cond delay="0"/>
+                                          </p:stCondLst>
+                                        </p:cTn>
+                                        <p:tgtEl>
+                                          <p:spTgt spid="12"/>
+                                        </p:tgtEl>
+                                        <p:attrNameLst>
+                                          <p:attrName>style.visibility</p:attrName>
+                                        </p:attrNameLst>
+                                      </p:cBhvr>
+                                      <p:to>
+                                        <p:strVal val="visible"/>
+                                      </p:to>
+                                    </p:set>
+                                    <p:anim calcmode="lin" valueType="num">
+                                      <p:cBhvr additive="base">
+                                        <p:cTn id="27" dur="750" fill="hold"/>
+                                        <p:tgtEl>
+                                          <p:spTgt spid="12"/>
+                                        </p:tgtEl>
+                                        <p:attrNameLst>
+                                          <p:attrName>ppt_x</p:attrName>
+                                        </p:attrNameLst>
+                                      </p:cBhvr>
+                                      <p:tavLst>
+                                        <p:tav tm="0">
+                                          <p:val>
+                                            <p:strVal val="0-#ppt_w/2"/>
+                                          </p:val>
+                                        </p:tav>
+                                        <p:tav tm="100000">
+                                          <p:val>
+                                            <p:strVal val="#ppt_x"/>
+                                          </p:val>
+                                        </p:tav>
+                                      </p:tavLst>
+                                    </p:anim>
+                                    <p:anim calcmode="lin" valueType="num">
+                                      <p:cBhvr additive="base">
+                                        <p:cTn id="28" dur="750" fill="hold"/>
+                                        <p:tgtEl>
+                                          <p:spTgt spid="12"/>
+                                        </p:tgtEl>
+                                        <p:attrNameLst>
+                                          <p:attrName>ppt_y</p:attrName>
+                                        </p:attrNameLst>
+                                      </p:cBhvr>
+                                      <p:tavLst>
+                                        <p:tav tm="0">
+                                          <p:val>
+                                            <p:strVal val="#ppt_y"/>
+                                          </p:val>
+                                        </p:tav>
+                                        <p:tav tm="100000">
+                                          <p:val>
+                                            <p:strVal val="#ppt_y"/>
+                                          </p:val>
+                                        </p:tav>
+                                      </p:tavLst>
+                                    </p:anim>
+                                  </p:childTnLst>
+                                </p:cTn>
+                              </p:par>
+                              <p:par>
+                                <p:cTn id="29" presetID="2" presetClass="entr" presetSubtype="8" fill="hold" grpId="0" nodeType="withEffect">
+                                  <p:stCondLst>
+                                    <p:cond delay="0"/>
+                                  </p:stCondLst>
+                                  <p:childTnLst>
+                                    <p:set>
+                                      <p:cBhvr>
+                                        <p:cTn id="30" dur="1" fill="hold">
+                                          <p:stCondLst>
+                                            <p:cond delay="0"/>
+                                          </p:stCondLst>
+                                        </p:cTn>
+                                        <p:tgtEl>
+                                          <p:spTgt spid="13"/>
+                                        </p:tgtEl>
+                                        <p:attrNameLst>
+                                          <p:attrName>style.visibility</p:attrName>
+                                        </p:attrNameLst>
+                                      </p:cBhvr>
+                                      <p:to>
+                                        <p:strVal val="visible"/>
+                                      </p:to>
+                                    </p:set>
+                                    <p:anim calcmode="lin" valueType="num">
+                                      <p:cBhvr additive="base">
+                                        <p:cTn id="31" dur="750" fill="hold"/>
+                                        <p:tgtEl>
+                                          <p:spTgt spid="13"/>
+                                        </p:tgtEl>
+                                        <p:attrNameLst>
+                                          <p:attrName>ppt_x</p:attrName>
+                                        </p:attrNameLst>
+                                      </p:cBhvr>
+                                      <p:tavLst>
+                                        <p:tav tm="0">
+                                          <p:val>
+                                            <p:strVal val="0-#ppt_w/2"/>
+                                          </p:val>
+                                        </p:tav>
+                                        <p:tav tm="100000">
+                                          <p:val>
+                                            <p:strVal val="#ppt_x"/>
+                                          </p:val>
+                                        </p:tav>
+                                      </p:tavLst>
+                                    </p:anim>
+                                    <p:anim calcmode="lin" valueType="num">
+                                      <p:cBhvr additive="base">
+                                        <p:cTn id="32" dur="750" fill="hold"/>
+                                        <p:tgtEl>
+                                          <p:spTgt spid="13"/>
+                                        </p:tgtEl>
+                                        <p:attrNameLst>
+                                          <p:attrName>ppt_y</p:attrName>
+                                        </p:attrNameLst>
+                                      </p:cBhvr>
+                                      <p:tavLst>
+                                        <p:tav tm="0">
+                                          <p:val>
+                                            <p:strVal val="#ppt_y"/>
+                                          </p:val>
+                                        </p:tav>
+                                        <p:tav tm="100000">
+                                          <p:val>
+                                            <p:strVal val="#ppt_y"/>
+                                          </p:val>
+                                        </p:tav>
+                                      </p:tavLst>
+                                    </p:anim>
+                                  </p:childTnLst>
+                                </p:cTn>
+                              </p:par>
+                              <p:par>
+                                <p:cTn id="33" presetID="2" presetClass="entr" presetSubtype="8" fill="hold" grpId="0" nodeType="withEffect">
+                                  <p:stCondLst>
+                                    <p:cond delay="0"/>
+                                  </p:stCondLst>
+                                  <p:childTnLst>
+                                    <p:set>
+                                      <p:cBhvr>
+                                        <p:cTn id="34" dur="1" fill="hold">
+                                          <p:stCondLst>
+                                            <p:cond delay="0"/>
+                                          </p:stCondLst>
+                                        </p:cTn>
+                                        <p:tgtEl>
+                                          <p:spTgt spid="14"/>
+                                        </p:tgtEl>
+                                        <p:attrNameLst>
+                                          <p:attrName>style.visibility</p:attrName>
+                                        </p:attrNameLst>
+                                      </p:cBhvr>
+                                      <p:to>
+                                        <p:strVal val="visible"/>
+                                      </p:to>
+                                    </p:set>
+                                    <p:anim calcmode="lin" valueType="num">
+                                      <p:cBhvr additive="base">
+                                        <p:cTn id="35" dur="750" fill="hold"/>
+                                        <p:tgtEl>
+                                          <p:spTgt spid="14"/>
+                                        </p:tgtEl>
+                                        <p:attrNameLst>
+                                          <p:attrName>ppt_x</p:attrName>
+                                        </p:attrNameLst>
+                                      </p:cBhvr>
+                                      <p:tavLst>
+                                        <p:tav tm="0">
+                                          <p:val>
+                                            <p:strVal val="0-#ppt_w/2"/>
+                                          </p:val>
+                                        </p:tav>
+                                        <p:tav tm="100000">
+                                          <p:val>
+                                            <p:strVal val="#ppt_x"/>
+                                          </p:val>
+                                        </p:tav>
+                                      </p:tavLst>
+                                    </p:anim>
+                                    <p:anim calcmode="lin" valueType="num">
+                                      <p:cBhvr additive="base">
+                                        <p:cTn id="36" dur="750" fill="hold"/>
+                                        <p:tgtEl>
+                                          <p:spTgt spid="14"/>
+                                        </p:tgtEl>
+                                        <p:attrNameLst>
+                                          <p:attrName>ppt_y</p:attrName>
+                                        </p:attrNameLst>
+                                      </p:cBhvr>
+                                      <p:tavLst>
+                                        <p:tav tm="0">
+                                          <p:val>
+                                            <p:strVal val="#ppt_y"/>
+                                          </p:val>
+                                        </p:tav>
+                                        <p:tav tm="100000">
+                                          <p:val>
+                                            <p:strVal val="#ppt_y"/>
+                                          </p:val>
+                                        </p:tav>
+                                      </p:tavLst>
+                                    </p:anim>
+                                  </p:childTnLst>
+                                </p:cTn>
+                              </p:par>
+                              <p:par>
+                                <p:cTn id="37" presetID="2" presetClass="entr" presetSubtype="8" fill="hold" grpId="0" nodeType="withEffect">
+                                  <p:stCondLst>
+                                    <p:cond delay="0"/>
+                                  </p:stCondLst>
+                                  <p:childTnLst>
+                                    <p:set>
+                                      <p:cBhvr>
+                                        <p:cTn id="38" dur="1" fill="hold">
+                                          <p:stCondLst>
+                                            <p:cond delay="0"/>
+                                          </p:stCondLst>
+                                        </p:cTn>
+                                        <p:tgtEl>
+                                          <p:spTgt spid="15"/>
+                                        </p:tgtEl>
+                                        <p:attrNameLst>
+                                          <p:attrName>style.visibility</p:attrName>
+                                        </p:attrNameLst>
+                                      </p:cBhvr>
+                                      <p:to>
+                                        <p:strVal val="visible"/>
+                                      </p:to>
+                                    </p:set>
+                                    <p:anim calcmode="lin" valueType="num">
+                                      <p:cBhvr additive="base">
+                                        <p:cTn id="39" dur="750" fill="hold"/>
+                                        <p:tgtEl>
+                                          <p:spTgt spid="15"/>
+                                        </p:tgtEl>
+                                        <p:attrNameLst>
+                                          <p:attrName>ppt_x</p:attrName>
+                                        </p:attrNameLst>
+                                      </p:cBhvr>
+                                      <p:tavLst>
+                                        <p:tav tm="0">
+                                          <p:val>
+                                            <p:strVal val="0-#ppt_w/2"/>
+                                          </p:val>
+                                        </p:tav>
+                                        <p:tav tm="100000">
+                                          <p:val>
+                                            <p:strVal val="#ppt_x"/>
+                                          </p:val>
+                                        </p:tav>
+                                      </p:tavLst>
+                                    </p:anim>
+                                    <p:anim calcmode="lin" valueType="num">
+                                      <p:cBhvr additive="base">
+                                        <p:cTn id="40" dur="750" fill="hold"/>
+                                        <p:tgtEl>
+                                          <p:spTgt spid="15"/>
+                                        </p:tgtEl>
+                                        <p:attrNameLst>
+                                          <p:attrName>ppt_y</p:attrName>
+                                        </p:attrNameLst>
+                                      </p:cBhvr>
+                                      <p:tavLst>
+                                        <p:tav tm="0">
+                                          <p:val>
+                                            <p:strVal val="#ppt_y"/>
+                                          </p:val>
+                                        </p:tav>
+                                        <p:tav tm="100000">
+                                          <p:val>
+                                            <p:strVal val="#ppt_y"/>
+                                          </p:val>
+                                        </p:tav>
+                                      </p:tavLst>
+                                    </p:anim>
+                                  </p:childTnLst>
+                                </p:cTn>
+                              </p:par>
+                              <p:par>
+                                <p:cTn id="41" presetID="2" presetClass="entr" presetSubtype="8" fill="hold" grpId="0" nodeType="withEffect">
+                                  <p:stCondLst>
+                                    <p:cond delay="0"/>
+                                  </p:stCondLst>
+                                  <p:childTnLst>
+                                    <p:set>
+                                      <p:cBhvr>
+                                        <p:cTn id="42" dur="1" fill="hold">
+                                          <p:stCondLst>
+                                            <p:cond delay="0"/>
+                                          </p:stCondLst>
+                                        </p:cTn>
+                                        <p:tgtEl>
+                                          <p:spTgt spid="16"/>
+                                        </p:tgtEl>
+                                        <p:attrNameLst>
+                                          <p:attrName>style.visibility</p:attrName>
+                                        </p:attrNameLst>
+                                      </p:cBhvr>
+                                      <p:to>
+                                        <p:strVal val="visible"/>
+                                      </p:to>
+                                    </p:set>
+                                    <p:anim calcmode="lin" valueType="num">
+                                      <p:cBhvr additive="base">
+                                        <p:cTn id="43" dur="750" fill="hold"/>
+                                        <p:tgtEl>
+                                          <p:spTgt spid="16"/>
+                                        </p:tgtEl>
+                                        <p:attrNameLst>
+                                          <p:attrName>ppt_x</p:attrName>
+                                        </p:attrNameLst>
+                                      </p:cBhvr>
+                                      <p:tavLst>
+                                        <p:tav tm="0">
+                                          <p:val>
+                                            <p:strVal val="0-#ppt_w/2"/>
+                                          </p:val>
+                                        </p:tav>
+                                        <p:tav tm="100000">
+                                          <p:val>
+                                            <p:strVal val="#ppt_x"/>
+                                          </p:val>
+                                        </p:tav>
+                                      </p:tavLst>
+                                    </p:anim>
+                                    <p:anim calcmode="lin" valueType="num">
+                                      <p:cBhvr additive="base">
+                                        <p:cTn id="44" dur="750" fill="hold"/>
+                                        <p:tgtEl>
+                                          <p:spTgt spid="16"/>
+                                        </p:tgtEl>
+                                        <p:attrNameLst>
+                                          <p:attrName>ppt_y</p:attrName>
+                                        </p:attrNameLst>
+                                      </p:cBhvr>
+                                      <p:tavLst>
+                                        <p:tav tm="0">
+                                          <p:val>
+                                            <p:strVal val="#ppt_y"/>
+                                          </p:val>
+                                        </p:tav>
+                                        <p:tav tm="100000">
+                                          <p:val>
+                                            <p:strVal val="#ppt_y"/>
+                                          </p:val>
+                                        </p:tav>
+                                      </p:tavLst>
+                                    </p:anim>
+                                  </p:childTnLst>
+                                </p:cTn>
+                              </p:par>
+                              <p:par>
+                                <p:cTn id="45" presetID="2" presetClass="entr" presetSubtype="8" fill="hold" grpId="0" nodeType="withEffect">
+                                  <p:stCondLst>
+                                    <p:cond delay="0"/>
+                                  </p:stCondLst>
+                                  <p:childTnLst>
+                                    <p:set>
+                                      <p:cBhvr>
+                                        <p:cTn id="46" dur="1" fill="hold">
+                                          <p:stCondLst>
+                                            <p:cond delay="0"/>
+                                          </p:stCondLst>
+                                        </p:cTn>
+                                        <p:tgtEl>
+                                          <p:spTgt spid="17"/>
+                                        </p:tgtEl>
+                                        <p:attrNameLst>
+                                          <p:attrName>style.visibility</p:attrName>
+                                        </p:attrNameLst>
+                                      </p:cBhvr>
+                                      <p:to>
+                                        <p:strVal val="visible"/>
+                                      </p:to>
+                                    </p:set>
+                                    <p:anim calcmode="lin" valueType="num">
+                                      <p:cBhvr additive="base">
+                                        <p:cTn id="47" dur="750" fill="hold"/>
+                                        <p:tgtEl>
+                                          <p:spTgt spid="17"/>
+                                        </p:tgtEl>
+                                        <p:attrNameLst>
+                                          <p:attrName>ppt_x</p:attrName>
+                                        </p:attrNameLst>
+                                      </p:cBhvr>
+                                      <p:tavLst>
+                                        <p:tav tm="0">
+                                          <p:val>
+                                            <p:strVal val="0-#ppt_w/2"/>
+                                          </p:val>
+                                        </p:tav>
+                                        <p:tav tm="100000">
+                                          <p:val>
+                                            <p:strVal val="#ppt_x"/>
+                                          </p:val>
+                                        </p:tav>
+                                      </p:tavLst>
+                                    </p:anim>
+                                    <p:anim calcmode="lin" valueType="num">
+                                      <p:cBhvr additive="base">
+                                        <p:cTn id="48" dur="750" fill="hold"/>
+                                        <p:tgtEl>
+                                          <p:spTgt spid="17"/>
+                                        </p:tgtEl>
+                                        <p:attrNameLst>
+                                          <p:attrName>ppt_y</p:attrName>
+                                        </p:attrNameLst>
+                                      </p:cBhvr>
+                                      <p:tavLst>
+                                        <p:tav tm="0">
+                                          <p:val>
+                                            <p:strVal val="#ppt_y"/>
+                                          </p:val>
+                                        </p:tav>
+                                        <p:tav tm="100000">
+                                          <p:val>
+                                            <p:strVal val="#ppt_y"/>
+                                          </p:val>
+                                        </p:tav>
+                                      </p:tavLst>
+                                    </p:anim>
+                                  </p:childTnLst>
+                                </p:cTn>
+                              </p:par>
+                              <p:par>
+                                <p:cTn id="49" presetID="2" presetClass="entr" presetSubtype="8" fill="hold" grpId="0" nodeType="withEffect">
+                                  <p:stCondLst>
+                                    <p:cond delay="0"/>
+                                  </p:stCondLst>
+                                  <p:childTnLst>
+                                    <p:set>
+                                      <p:cBhvr>
+                                        <p:cTn id="50" dur="1" fill="hold">
+                                          <p:stCondLst>
+                                            <p:cond delay="0"/>
+                                          </p:stCondLst>
+                                        </p:cTn>
+                                        <p:tgtEl>
+                                          <p:spTgt spid="18"/>
+                                        </p:tgtEl>
+                                        <p:attrNameLst>
+                                          <p:attrName>style.visibility</p:attrName>
+                                        </p:attrNameLst>
+                                      </p:cBhvr>
+                                      <p:to>
+                                        <p:strVal val="visible"/>
+                                      </p:to>
+                                    </p:set>
+                                    <p:anim calcmode="lin" valueType="num">
+                                      <p:cBhvr additive="base">
+                                        <p:cTn id="51" dur="750" fill="hold"/>
+                                        <p:tgtEl>
+                                          <p:spTgt spid="18"/>
+                                        </p:tgtEl>
+                                        <p:attrNameLst>
+                                          <p:attrName>ppt_x</p:attrName>
+                                        </p:attrNameLst>
+                                      </p:cBhvr>
+                                      <p:tavLst>
+                                        <p:tav tm="0">
+                                          <p:val>
+                                            <p:strVal val="0-#ppt_w/2"/>
+                                          </p:val>
+                                        </p:tav>
+                                        <p:tav tm="100000">
+                                          <p:val>
+                                            <p:strVal val="#ppt_x"/>
+                                          </p:val>
+                                        </p:tav>
+                                      </p:tavLst>
+                                    </p:anim>
+                                    <p:anim calcmode="lin" valueType="num">
+                                      <p:cBhvr additive="base">
+                                        <p:cTn id="52" dur="750" fill="hold"/>
+                                        <p:tgtEl>
+                                          <p:spTgt spid="18"/>
+                                        </p:tgtEl>
+                                        <p:attrNameLst>
+                                          <p:attrName>ppt_y</p:attrName>
+                                        </p:attrNameLst>
+                                      </p:cBhvr>
+                                      <p:tavLst>
+                                        <p:tav tm="0">
+                                          <p:val>
+                                            <p:strVal val="#ppt_y"/>
+                                          </p:val>
+                                        </p:tav>
+                                        <p:tav tm="100000">
+                                          <p:val>
+                                            <p:strVal val="#ppt_y"/>
+                                          </p:val>
+                                        </p:tav>
+                                      </p:tavLst>
+                                    </p:anim>
+                                  </p:childTnLst>
+                                </p:cTn>
+                              </p:par>
+                              <p:par>
+                                <p:cTn id="53" presetID="2" presetClass="entr" presetSubtype="8" fill="hold" grpId="0" nodeType="withEffect">
+                                  <p:stCondLst>
+                                    <p:cond delay="0"/>
+                                  </p:stCondLst>
+                                  <p:childTnLst>
+                                    <p:set>
+                                      <p:cBhvr>
+                                        <p:cTn id="54" dur="1" fill="hold">
+                                          <p:stCondLst>
+                                            <p:cond delay="0"/>
+                                          </p:stCondLst>
+                                        </p:cTn>
+                                        <p:tgtEl>
+                                          <p:spTgt spid="19"/>
+                                        </p:tgtEl>
+                                        <p:attrNameLst>
+                                          <p:attrName>style.visibility</p:attrName>
+                                        </p:attrNameLst>
+                                      </p:cBhvr>
+                                      <p:to>
+                                        <p:strVal val="visible"/>
+                                      </p:to>
+                                    </p:set>
+                                    <p:anim calcmode="lin" valueType="num">
+                                      <p:cBhvr additive="base">
+                                        <p:cTn id="55" dur="750" fill="hold"/>
+                                        <p:tgtEl>
+                                          <p:spTgt spid="19"/>
+                                        </p:tgtEl>
+                                        <p:attrNameLst>
+                                          <p:attrName>ppt_x</p:attrName>
+                                        </p:attrNameLst>
+                                      </p:cBhvr>
+                                      <p:tavLst>
+                                        <p:tav tm="0">
+                                          <p:val>
+                                            <p:strVal val="0-#ppt_w/2"/>
+                                          </p:val>
+                                        </p:tav>
+                                        <p:tav tm="100000">
+                                          <p:val>
+                                            <p:strVal val="#ppt_x"/>
+                                          </p:val>
+                                        </p:tav>
+                                      </p:tavLst>
+                                    </p:anim>
+                                    <p:anim calcmode="lin" valueType="num">
+                                      <p:cBhvr additive="base">
+                                        <p:cTn id="56" dur="750" fill="hold"/>
+                                        <p:tgtEl>
+                                          <p:spTgt spid="19"/>
+                                        </p:tgtEl>
+                                        <p:attrNameLst>
+                                          <p:attrName>ppt_y</p:attrName>
+                                        </p:attrNameLst>
+                                      </p:cBhvr>
+                                      <p:tavLst>
+                                        <p:tav tm="0">
+                                          <p:val>
+                                            <p:strVal val="#ppt_y"/>
+                                          </p:val>
+                                        </p:tav>
+                                        <p:tav tm="100000">
+                                          <p:val>
+                                            <p:strVal val="#ppt_y"/>
+                                          </p:val>
+                                        </p:tav>
+                                      </p:tavLst>
+                                    </p:anim>
+                                  </p:childTnLst>
+                                </p:cTn>
+                              </p:par>
+                              <p:par>
+                                <p:cTn id="57" presetID="2" presetClass="entr" presetSubtype="8" fill="hold" grpId="0" nodeType="withEffect">
+                                  <p:stCondLst>
+                                    <p:cond delay="0"/>
+                                  </p:stCondLst>
+                                  <p:childTnLst>
+                                    <p:set>
+                                      <p:cBhvr>
+                                        <p:cTn id="58" dur="1" fill="hold">
+                                          <p:stCondLst>
+                                            <p:cond delay="0"/>
+                                          </p:stCondLst>
+                                        </p:cTn>
+                                        <p:tgtEl>
+                                          <p:spTgt spid="20"/>
+                                        </p:tgtEl>
+                                        <p:attrNameLst>
+                                          <p:attrName>style.visibility</p:attrName>
+                                        </p:attrNameLst>
+                                      </p:cBhvr>
+                                      <p:to>
+                                        <p:strVal val="visible"/>
+                                      </p:to>
+                                    </p:set>
+                                    <p:anim calcmode="lin" valueType="num">
+                                      <p:cBhvr additive="base">
+                                        <p:cTn id="59" dur="750" fill="hold"/>
+                                        <p:tgtEl>
+                                          <p:spTgt spid="20"/>
+                                        </p:tgtEl>
+                                        <p:attrNameLst>
+                                          <p:attrName>ppt_x</p:attrName>
+                                        </p:attrNameLst>
+                                      </p:cBhvr>
+                                      <p:tavLst>
+                                        <p:tav tm="0">
+                                          <p:val>
+                                            <p:strVal val="0-#ppt_w/2"/>
+                                          </p:val>
+                                        </p:tav>
+                                        <p:tav tm="100000">
+                                          <p:val>
+                                            <p:strVal val="#ppt_x"/>
+                                          </p:val>
+                                        </p:tav>
+                                      </p:tavLst>
+                                    </p:anim>
+                                    <p:anim calcmode="lin" valueType="num">
+                                      <p:cBhvr additive="base">
+                                        <p:cTn id="60" dur="750" fill="hold"/>
+                                        <p:tgtEl>
+                                          <p:spTgt spid="20"/>
+                                        </p:tgtEl>
+                                        <p:attrNameLst>
+                                          <p:attrName>ppt_y</p:attrName>
+                                        </p:attrNameLst>
+                                      </p:cBhvr>
+                                      <p:tavLst>
+                                        <p:tav tm="0">
+                                          <p:val>
+                                            <p:strVal val="#ppt_y"/>
+                                          </p:val>
+                                        </p:tav>
+                                        <p:tav tm="100000">
+                                          <p:val>
+                                            <p:strVal val="#ppt_y"/>
+                                          </p:val>
+                                        </p:tav>
+                                      </p:tavLst>
+                                    </p:anim>
+                                  </p:childTnLst>
+                                </p:cTn>
+                              </p:par>
+                              <p:par>
+                                <p:cTn id="61" presetID="2" presetClass="entr" presetSubtype="8" fill="hold" grpId="0" nodeType="withEffect">
+                                  <p:stCondLst>
+                                    <p:cond delay="0"/>
+                                  </p:stCondLst>
+                                  <p:childTnLst>
+                                    <p:set>
+                                      <p:cBhvr>
+                                        <p:cTn id="62" dur="1" fill="hold">
+                                          <p:stCondLst>
+                                            <p:cond delay="0"/>
+                                          </p:stCondLst>
+                                        </p:cTn>
+                                        <p:tgtEl>
+                                          <p:spTgt spid="21"/>
+                                        </p:tgtEl>
+                                        <p:attrNameLst>
+                                          <p:attrName>style.visibility</p:attrName>
+                                        </p:attrNameLst>
+                                      </p:cBhvr>
+                                      <p:to>
+                                        <p:strVal val="visible"/>
+                                      </p:to>
+                                    </p:set>
+                                    <p:anim calcmode="lin" valueType="num">
+                                      <p:cBhvr additive="base">
+                                        <p:cTn id="63" dur="750" fill="hold"/>
+                                        <p:tgtEl>
+                                          <p:spTgt spid="21"/>
+                                        </p:tgtEl>
+                                        <p:attrNameLst>
+                                          <p:attrName>ppt_x</p:attrName>
+                                        </p:attrNameLst>
+                                      </p:cBhvr>
+                                      <p:tavLst>
+                                        <p:tav tm="0">
+                                          <p:val>
+                                            <p:strVal val="0-#ppt_w/2"/>
+                                          </p:val>
+                                        </p:tav>
+                                        <p:tav tm="100000">
+                                          <p:val>
+                                            <p:strVal val="#ppt_x"/>
+                                          </p:val>
+                                        </p:tav>
+                                      </p:tavLst>
+                                    </p:anim>
+                                    <p:anim calcmode="lin" valueType="num">
+                                      <p:cBhvr additive="base">
+                                        <p:cTn id="64" dur="750" fill="hold"/>
+                                        <p:tgtEl>
+                                          <p:spTgt spid="21"/>
+                                        </p:tgtEl>
+                                        <p:attrNameLst>
+                                          <p:attrName>ppt_y</p:attrName>
+                                        </p:attrNameLst>
+                                      </p:cBhvr>
+                                      <p:tavLst>
+                                        <p:tav tm="0">
+                                          <p:val>
+                                            <p:strVal val="#ppt_y"/>
+                                          </p:val>
+                                        </p:tav>
+                                        <p:tav tm="100000">
+                                          <p:val>
+                                            <p:strVal val="#ppt_y"/>
+                                          </p:val>
+                                        </p:tav>
+                                      </p:tavLst>
+                                    </p:anim>
+                                  </p:childTnLst>
+                                </p:cTn>
+                              </p:par>
+                              <p:par>
+                                <p:cTn id="65" presetID="2" presetClass="entr" presetSubtype="8" fill="hold" grpId="0" nodeType="withEffect">
+                                  <p:stCondLst>
+                                    <p:cond delay="0"/>
+                                  </p:stCondLst>
+                                  <p:childTnLst>
+                                    <p:set>
+                                      <p:cBhvr>
+                                        <p:cTn id="66" dur="1" fill="hold">
+                                          <p:stCondLst>
+                                            <p:cond delay="0"/>
+                                          </p:stCondLst>
+                                        </p:cTn>
+                                        <p:tgtEl>
+                                          <p:spTgt spid="22"/>
+                                        </p:tgtEl>
+                                        <p:attrNameLst>
+                                          <p:attrName>style.visibility</p:attrName>
+                                        </p:attrNameLst>
+                                      </p:cBhvr>
+                                      <p:to>
+                                        <p:strVal val="visible"/>
+                                      </p:to>
+                                    </p:set>
+                                    <p:anim calcmode="lin" valueType="num">
+                                      <p:cBhvr additive="base">
+                                        <p:cTn id="67" dur="750" fill="hold"/>
+                                        <p:tgtEl>
+                                          <p:spTgt spid="22"/>
+                                        </p:tgtEl>
+                                        <p:attrNameLst>
+                                          <p:attrName>ppt_x</p:attrName>
+                                        </p:attrNameLst>
+                                      </p:cBhvr>
+                                      <p:tavLst>
+                                        <p:tav tm="0">
+                                          <p:val>
+                                            <p:strVal val="0-#ppt_w/2"/>
+                                          </p:val>
+                                        </p:tav>
+                                        <p:tav tm="100000">
+                                          <p:val>
+                                            <p:strVal val="#ppt_x"/>
+                                          </p:val>
+                                        </p:tav>
+                                      </p:tavLst>
+                                    </p:anim>
+                                    <p:anim calcmode="lin" valueType="num">
+                                      <p:cBhvr additive="base">
+                                        <p:cTn id="68" dur="750" fill="hold"/>
+                                        <p:tgtEl>
+                                          <p:spTgt spid="22"/>
+                                        </p:tgtEl>
+                                        <p:attrNameLst>
+                                          <p:attrName>ppt_y</p:attrName>
+                                        </p:attrNameLst>
+                                      </p:cBhvr>
+                                      <p:tavLst>
+                                        <p:tav tm="0">
+                                          <p:val>
+                                            <p:strVal val="#ppt_y"/>
+                                          </p:val>
+                                        </p:tav>
+                                        <p:tav tm="100000">
+                                          <p:val>
+                                            <p:strVal val="#ppt_y"/>
+                                          </p:val>
+                                        </p:tav>
+                                      </p:tavLst>
+                                    </p:anim>
+                                  </p:childTnLst>
+                                </p:cTn>
+                              </p:par>
+                              <p:par>
+                                <p:cTn id="69" presetID="2" presetClass="entr" presetSubtype="8" fill="hold" grpId="0" nodeType="withEffect">
+                                  <p:stCondLst>
+                                    <p:cond delay="0"/>
+                                  </p:stCondLst>
+                                  <p:childTnLst>
+                                    <p:set>
+                                      <p:cBhvr>
+                                        <p:cTn id="70" dur="1" fill="hold">
+                                          <p:stCondLst>
+                                            <p:cond delay="0"/>
+                                          </p:stCondLst>
+                                        </p:cTn>
+                                        <p:tgtEl>
+                                          <p:spTgt spid="23"/>
+                                        </p:tgtEl>
+                                        <p:attrNameLst>
+                                          <p:attrName>style.visibility</p:attrName>
+                                        </p:attrNameLst>
+                                      </p:cBhvr>
+                                      <p:to>
+                                        <p:strVal val="visible"/>
+                                      </p:to>
+                                    </p:set>
+                                    <p:anim calcmode="lin" valueType="num">
+                                      <p:cBhvr additive="base">
+                                        <p:cTn id="71" dur="750" fill="hold"/>
+                                        <p:tgtEl>
+                                          <p:spTgt spid="23"/>
+                                        </p:tgtEl>
+                                        <p:attrNameLst>
+                                          <p:attrName>ppt_x</p:attrName>
+                                        </p:attrNameLst>
+                                      </p:cBhvr>
+                                      <p:tavLst>
+                                        <p:tav tm="0">
+                                          <p:val>
+                                            <p:strVal val="0-#ppt_w/2"/>
+                                          </p:val>
+                                        </p:tav>
+                                        <p:tav tm="100000">
+                                          <p:val>
+                                            <p:strVal val="#ppt_x"/>
+                                          </p:val>
+                                        </p:tav>
+                                      </p:tavLst>
+                                    </p:anim>
+                                    <p:anim calcmode="lin" valueType="num">
+                                      <p:cBhvr additive="base">
+                                        <p:cTn id="72" dur="750" fill="hold"/>
+                                        <p:tgtEl>
+                                          <p:spTgt spid="23"/>
+                                        </p:tgtEl>
+                                        <p:attrNameLst>
+                                          <p:attrName>ppt_y</p:attrName>
+                                        </p:attrNameLst>
+                                      </p:cBhvr>
+                                      <p:tavLst>
+                                        <p:tav tm="0">
+                                          <p:val>
+                                            <p:strVal val="#ppt_y"/>
+                                          </p:val>
+                                        </p:tav>
+                                        <p:tav tm="100000">
+                                          <p:val>
+                                            <p:strVal val="#ppt_y"/>
+                                          </p:val>
+                                        </p:tav>
+                                      </p:tavLst>
+                                    </p:anim>
+                                  </p:childTnLst>
+                                </p:cTn>
+                              </p:par>
+                              <p:par>
+                                <p:cTn id="73" presetID="2" presetClass="entr" presetSubtype="8" fill="hold" grpId="0" nodeType="withEffect">
+                                  <p:stCondLst>
+                                    <p:cond delay="0"/>
+                                  </p:stCondLst>
+                                  <p:childTnLst>
+                                    <p:set>
+                                      <p:cBhvr>
+                                        <p:cTn id="74" dur="1" fill="hold">
+                                          <p:stCondLst>
+                                            <p:cond delay="0"/>
+                                          </p:stCondLst>
+                                        </p:cTn>
+                                        <p:tgtEl>
+                                          <p:spTgt spid="24"/>
+                                        </p:tgtEl>
+                                        <p:attrNameLst>
+                                          <p:attrName>style.visibility</p:attrName>
+                                        </p:attrNameLst>
+                                      </p:cBhvr>
+                                      <p:to>
+                                        <p:strVal val="visible"/>
+                                      </p:to>
+                                    </p:set>
+                                    <p:anim calcmode="lin" valueType="num">
+                                      <p:cBhvr additive="base">
+                                        <p:cTn id="75" dur="750" fill="hold"/>
+                                        <p:tgtEl>
+                                          <p:spTgt spid="24"/>
+                                        </p:tgtEl>
+                                        <p:attrNameLst>
+                                          <p:attrName>ppt_x</p:attrName>
+                                        </p:attrNameLst>
+                                      </p:cBhvr>
+                                      <p:tavLst>
+                                        <p:tav tm="0">
+                                          <p:val>
+                                            <p:strVal val="0-#ppt_w/2"/>
+                                          </p:val>
+                                        </p:tav>
+                                        <p:tav tm="100000">
+                                          <p:val>
+                                            <p:strVal val="#ppt_x"/>
+                                          </p:val>
+                                        </p:tav>
+                                      </p:tavLst>
+                                    </p:anim>
+                                    <p:anim calcmode="lin" valueType="num">
+                                      <p:cBhvr additive="base">
+                                        <p:cTn id="76" dur="750" fill="hold"/>
+                                        <p:tgtEl>
+                                          <p:spTgt spid="24"/>
+                                        </p:tgtEl>
+                                        <p:attrNameLst>
+                                          <p:attrName>ppt_y</p:attrName>
+                                        </p:attrNameLst>
+                                      </p:cBhvr>
+                                      <p:tavLst>
+                                        <p:tav tm="0">
+                                          <p:val>
+                                            <p:strVal val="#ppt_y"/>
+                                          </p:val>
+                                        </p:tav>
+                                        <p:tav tm="100000">
+                                          <p:val>
+                                            <p:strVal val="#ppt_y"/>
+                                          </p:val>
+                                        </p:tav>
+                                      </p:tavLst>
+                                    </p:anim>
+                                  </p:childTnLst>
+                                </p:cTn>
+                              </p:par>
+                              <p:par>
+                                <p:cTn id="77" presetID="2" presetClass="entr" presetSubtype="8" fill="hold" grpId="0" nodeType="withEffect">
+                                  <p:stCondLst>
+                                    <p:cond delay="0"/>
+                                  </p:stCondLst>
+                                  <p:childTnLst>
+                                    <p:set>
+                                      <p:cBhvr>
+                                        <p:cTn id="78" dur="1" fill="hold">
+                                          <p:stCondLst>
+                                            <p:cond delay="0"/>
+                                          </p:stCondLst>
+                                        </p:cTn>
+                                        <p:tgtEl>
+                                          <p:spTgt spid="25"/>
+                                        </p:tgtEl>
+                                        <p:attrNameLst>
+                                          <p:attrName>style.visibility</p:attrName>
+                                        </p:attrNameLst>
+                                      </p:cBhvr>
+                                      <p:to>
+                                        <p:strVal val="visible"/>
+                                      </p:to>
+                                    </p:set>
+                                    <p:anim calcmode="lin" valueType="num">
+                                      <p:cBhvr additive="base">
+                                        <p:cTn id="79" dur="750" fill="hold"/>
+                                        <p:tgtEl>
+                                          <p:spTgt spid="25"/>
+                                        </p:tgtEl>
+                                        <p:attrNameLst>
+                                          <p:attrName>ppt_x</p:attrName>
+                                        </p:attrNameLst>
+                                      </p:cBhvr>
+                                      <p:tavLst>
+                                        <p:tav tm="0">
+                                          <p:val>
+                                            <p:strVal val="0-#ppt_w/2"/>
+                                          </p:val>
+                                        </p:tav>
+                                        <p:tav tm="100000">
+                                          <p:val>
+                                            <p:strVal val="#ppt_x"/>
+                                          </p:val>
+                                        </p:tav>
+                                      </p:tavLst>
+                                    </p:anim>
+                                    <p:anim calcmode="lin" valueType="num">
+                                      <p:cBhvr additive="base">
+                                        <p:cTn id="80" dur="750" fill="hold"/>
+                                        <p:tgtEl>
+                                          <p:spTgt spid="25"/>
+                                        </p:tgtEl>
+                                        <p:attrNameLst>
+                                          <p:attrName>ppt_y</p:attrName>
+                                        </p:attrNameLst>
+                                      </p:cBhvr>
+                                      <p:tavLst>
+                                        <p:tav tm="0">
+                                          <p:val>
+                                            <p:strVal val="#ppt_y"/>
+                                          </p:val>
+                                        </p:tav>
+                                        <p:tav tm="100000">
+                                          <p:val>
+                                            <p:strVal val="#ppt_y"/>
+                                          </p:val>
+                                        </p:tav>
+                                      </p:tavLst>
+                                    </p:anim>
+                                  </p:childTnLst>
+                                </p:cTn>
+                              </p:par>
+                              <p:par>
+                                <p:cTn id="81" presetID="2" presetClass="entr" presetSubtype="8" fill="hold" grpId="0" nodeType="withEffect">
+                                  <p:stCondLst>
+                                    <p:cond delay="0"/>
+                                  </p:stCondLst>
+                                  <p:childTnLst>
+                                    <p:set>
+                                      <p:cBhvr>
+                                        <p:cTn id="82" dur="1" fill="hold">
+                                          <p:stCondLst>
+                                            <p:cond delay="0"/>
+                                          </p:stCondLst>
+                                        </p:cTn>
+                                        <p:tgtEl>
+                                          <p:spTgt spid="26"/>
+                                        </p:tgtEl>
+                                        <p:attrNameLst>
+                                          <p:attrName>style.visibility</p:attrName>
+                                        </p:attrNameLst>
+                                      </p:cBhvr>
+                                      <p:to>
+                                        <p:strVal val="visible"/>
+                                      </p:to>
+                                    </p:set>
+                                    <p:anim calcmode="lin" valueType="num">
+                                      <p:cBhvr additive="base">
+                                        <p:cTn id="83" dur="750" fill="hold"/>
+                                        <p:tgtEl>
+                                          <p:spTgt spid="26"/>
+                                        </p:tgtEl>
+                                        <p:attrNameLst>
+                                          <p:attrName>ppt_x</p:attrName>
+                                        </p:attrNameLst>
+                                      </p:cBhvr>
+                                      <p:tavLst>
+                                        <p:tav tm="0">
+                                          <p:val>
+                                            <p:strVal val="0-#ppt_w/2"/>
+                                          </p:val>
+                                        </p:tav>
+                                        <p:tav tm="100000">
+                                          <p:val>
+                                            <p:strVal val="#ppt_x"/>
+                                          </p:val>
+                                        </p:tav>
+                                      </p:tavLst>
+                                    </p:anim>
+                                    <p:anim calcmode="lin" valueType="num">
+                                      <p:cBhvr additive="base">
+                                        <p:cTn id="84" dur="750" fill="hold"/>
+                                        <p:tgtEl>
+                                          <p:spTgt spid="26"/>
+                                        </p:tgtEl>
+                                        <p:attrNameLst>
+                                          <p:attrName>ppt_y</p:attrName>
+                                        </p:attrNameLst>
+                                      </p:cBhvr>
+                                      <p:tavLst>
+                                        <p:tav tm="0">
+                                          <p:val>
+                                            <p:strVal val="#ppt_y"/>
+                                          </p:val>
+                                        </p:tav>
+                                        <p:tav tm="100000">
+                                          <p:val>
+                                            <p:strVal val="#ppt_y"/>
+                                          </p:val>
+                                        </p:tav>
+                                      </p:tavLst>
+                                    </p:anim>
+                                  </p:childTnLst>
+                                </p:cTn>
+                              </p:par>
+                              <p:par>
+                                <p:cTn id="85" presetID="2" presetClass="entr" presetSubtype="8" fill="hold" grpId="0" nodeType="withEffect">
+                                  <p:stCondLst>
+                                    <p:cond delay="0"/>
+                                  </p:stCondLst>
+                                  <p:childTnLst>
+                                    <p:set>
+                                      <p:cBhvr>
+                                        <p:cTn id="86" dur="1" fill="hold">
+                                          <p:stCondLst>
+                                            <p:cond delay="0"/>
+                                          </p:stCondLst>
+                                        </p:cTn>
+                                        <p:tgtEl>
+                                          <p:spTgt spid="27"/>
+                                        </p:tgtEl>
+                                        <p:attrNameLst>
+                                          <p:attrName>style.visibility</p:attrName>
+                                        </p:attrNameLst>
+                                      </p:cBhvr>
+                                      <p:to>
+                                        <p:strVal val="visible"/>
+                                      </p:to>
+                                    </p:set>
+                                    <p:anim calcmode="lin" valueType="num">
+                                      <p:cBhvr additive="base">
+                                        <p:cTn id="87" dur="750" fill="hold"/>
+                                        <p:tgtEl>
+                                          <p:spTgt spid="27"/>
+                                        </p:tgtEl>
+                                        <p:attrNameLst>
+                                          <p:attrName>ppt_x</p:attrName>
+                                        </p:attrNameLst>
+                                      </p:cBhvr>
+                                      <p:tavLst>
+                                        <p:tav tm="0">
+                                          <p:val>
+                                            <p:strVal val="0-#ppt_w/2"/>
+                                          </p:val>
+                                        </p:tav>
+                                        <p:tav tm="100000">
+                                          <p:val>
+                                            <p:strVal val="#ppt_x"/>
+                                          </p:val>
+                                        </p:tav>
+                                      </p:tavLst>
+                                    </p:anim>
+                                    <p:anim calcmode="lin" valueType="num">
+                                      <p:cBhvr additive="base">
+                                        <p:cTn id="88" dur="750" fill="hold"/>
+                                        <p:tgtEl>
+                                          <p:spTgt spid="27"/>
+                                        </p:tgtEl>
+                                        <p:attrNameLst>
+                                          <p:attrName>ppt_y</p:attrName>
+                                        </p:attrNameLst>
+                                      </p:cBhvr>
+                                      <p:tavLst>
+                                        <p:tav tm="0">
+                                          <p:val>
+                                            <p:strVal val="#ppt_y"/>
+                                          </p:val>
+                                        </p:tav>
+                                        <p:tav tm="100000">
+                                          <p:val>
+                                            <p:strVal val="#ppt_y"/>
+                                          </p:val>
+                                        </p:tav>
+                                      </p:tavLst>
+                                    </p:anim>
+                                  </p:childTnLst>
+                                </p:cTn>
+                              </p:par>
+                              <p:par>
+                                <p:cTn id="89" presetID="2" presetClass="entr" presetSubtype="8" fill="hold" grpId="0" nodeType="withEffect">
+                                  <p:stCondLst>
+                                    <p:cond delay="0"/>
+                                  </p:stCondLst>
+                                  <p:childTnLst>
+                                    <p:set>
+                                      <p:cBhvr>
+                                        <p:cTn id="90" dur="1" fill="hold">
+                                          <p:stCondLst>
+                                            <p:cond delay="0"/>
+                                          </p:stCondLst>
+                                        </p:cTn>
+                                        <p:tgtEl>
+                                          <p:spTgt spid="28"/>
+                                        </p:tgtEl>
+                                        <p:attrNameLst>
+                                          <p:attrName>style.visibility</p:attrName>
+                                        </p:attrNameLst>
+                                      </p:cBhvr>
+                                      <p:to>
+                                        <p:strVal val="visible"/>
+                                      </p:to>
+                                    </p:set>
+                                    <p:anim calcmode="lin" valueType="num">
+                                      <p:cBhvr additive="base">
+                                        <p:cTn id="91" dur="750" fill="hold"/>
+                                        <p:tgtEl>
+                                          <p:spTgt spid="28"/>
+                                        </p:tgtEl>
+                                        <p:attrNameLst>
+                                          <p:attrName>ppt_x</p:attrName>
+                                        </p:attrNameLst>
+                                      </p:cBhvr>
+                                      <p:tavLst>
+                                        <p:tav tm="0">
+                                          <p:val>
+                                            <p:strVal val="0-#ppt_w/2"/>
+                                          </p:val>
+                                        </p:tav>
+                                        <p:tav tm="100000">
+                                          <p:val>
+                                            <p:strVal val="#ppt_x"/>
+                                          </p:val>
+                                        </p:tav>
+                                      </p:tavLst>
+                                    </p:anim>
+                                    <p:anim calcmode="lin" valueType="num">
+                                      <p:cBhvr additive="base">
+                                        <p:cTn id="92" dur="750" fill="hold"/>
+                                        <p:tgtEl>
+                                          <p:spTgt spid="28"/>
+                                        </p:tgtEl>
+                                        <p:attrNameLst>
+                                          <p:attrName>ppt_y</p:attrName>
+                                        </p:attrNameLst>
+                                      </p:cBhvr>
+                                      <p:tavLst>
+                                        <p:tav tm="0">
+                                          <p:val>
+                                            <p:strVal val="#ppt_y"/>
+                                          </p:val>
+                                        </p:tav>
+                                        <p:tav tm="100000">
+                                          <p:val>
+                                            <p:strVal val="#ppt_y"/>
+                                          </p:val>
+                                        </p:tav>
+                                      </p:tavLst>
+                                    </p:anim>
+                                  </p:childTnLst>
+                                </p:cTn>
+                              </p:par>
+                              <p:par>
+                                <p:cTn id="93" presetID="2" presetClass="entr" presetSubtype="8" fill="hold" grpId="0" nodeType="withEffect">
+                                  <p:stCondLst>
+                                    <p:cond delay="0"/>
+                                  </p:stCondLst>
+                                  <p:childTnLst>
+                                    <p:set>
+                                      <p:cBhvr>
+                                        <p:cTn id="94" dur="1" fill="hold">
+                                          <p:stCondLst>
+                                            <p:cond delay="0"/>
+                                          </p:stCondLst>
+                                        </p:cTn>
+                                        <p:tgtEl>
+                                          <p:spTgt spid="29"/>
+                                        </p:tgtEl>
+                                        <p:attrNameLst>
+                                          <p:attrName>style.visibility</p:attrName>
+                                        </p:attrNameLst>
+                                      </p:cBhvr>
+                                      <p:to>
+                                        <p:strVal val="visible"/>
+                                      </p:to>
+                                    </p:set>
+                                    <p:anim calcmode="lin" valueType="num">
+                                      <p:cBhvr additive="base">
+                                        <p:cTn id="95" dur="750" fill="hold"/>
+                                        <p:tgtEl>
+                                          <p:spTgt spid="29"/>
+                                        </p:tgtEl>
+                                        <p:attrNameLst>
+                                          <p:attrName>ppt_x</p:attrName>
+                                        </p:attrNameLst>
+                                      </p:cBhvr>
+                                      <p:tavLst>
+                                        <p:tav tm="0">
+                                          <p:val>
+                                            <p:strVal val="0-#ppt_w/2"/>
+                                          </p:val>
+                                        </p:tav>
+                                        <p:tav tm="100000">
+                                          <p:val>
+                                            <p:strVal val="#ppt_x"/>
+                                          </p:val>
+                                        </p:tav>
+                                      </p:tavLst>
+                                    </p:anim>
+                                    <p:anim calcmode="lin" valueType="num">
+                                      <p:cBhvr additive="base">
+                                        <p:cTn id="96" dur="750" fill="hold"/>
+                                        <p:tgtEl>
+                                          <p:spTgt spid="29"/>
+                                        </p:tgtEl>
+                                        <p:attrNameLst>
+                                          <p:attrName>ppt_y</p:attrName>
+                                        </p:attrNameLst>
+                                      </p:cBhvr>
+                                      <p:tavLst>
+                                        <p:tav tm="0">
+                                          <p:val>
+                                            <p:strVal val="#ppt_y"/>
+                                          </p:val>
+                                        </p:tav>
+                                        <p:tav tm="100000">
+                                          <p:val>
+                                            <p:strVal val="#ppt_y"/>
+                                          </p:val>
+                                        </p:tav>
+                                      </p:tavLst>
+                                    </p:anim>
+                                  </p:childTnLst>
+                                </p:cTn>
+                              </p:par>
+                              <p:par>
+                                <p:cTn id="97" presetID="2" presetClass="entr" presetSubtype="8" fill="hold" grpId="0" nodeType="withEffect">
+                                  <p:stCondLst>
+                                    <p:cond delay="0"/>
+                                  </p:stCondLst>
+                                  <p:childTnLst>
+                                    <p:set>
+                                      <p:cBhvr>
+                                        <p:cTn id="98" dur="1" fill="hold">
+                                          <p:stCondLst>
+                                            <p:cond delay="0"/>
+                                          </p:stCondLst>
+                                        </p:cTn>
+                                        <p:tgtEl>
+                                          <p:spTgt spid="30"/>
+                                        </p:tgtEl>
+                                        <p:attrNameLst>
+                                          <p:attrName>style.visibility</p:attrName>
+                                        </p:attrNameLst>
+                                      </p:cBhvr>
+                                      <p:to>
+                                        <p:strVal val="visible"/>
+                                      </p:to>
+                                    </p:set>
+                                    <p:anim calcmode="lin" valueType="num">
+                                      <p:cBhvr additive="base">
+                                        <p:cTn id="99" dur="750" fill="hold"/>
+                                        <p:tgtEl>
+                                          <p:spTgt spid="30"/>
+                                        </p:tgtEl>
+                                        <p:attrNameLst>
+                                          <p:attrName>ppt_x</p:attrName>
+                                        </p:attrNameLst>
+                                      </p:cBhvr>
+                                      <p:tavLst>
+                                        <p:tav tm="0">
+                                          <p:val>
+                                            <p:strVal val="0-#ppt_w/2"/>
+                                          </p:val>
+                                        </p:tav>
+                                        <p:tav tm="100000">
+                                          <p:val>
+                                            <p:strVal val="#ppt_x"/>
+                                          </p:val>
+                                        </p:tav>
+                                      </p:tavLst>
+                                    </p:anim>
+                                    <p:anim calcmode="lin" valueType="num">
+                                      <p:cBhvr additive="base">
+                                        <p:cTn id="100" dur="750" fill="hold"/>
+                                        <p:tgtEl>
+                                          <p:spTgt spid="30"/>
+                                        </p:tgtEl>
+                                        <p:attrNameLst>
+                                          <p:attrName>ppt_y</p:attrName>
+                                        </p:attrNameLst>
+                                      </p:cBhvr>
+                                      <p:tavLst>
+                                        <p:tav tm="0">
+                                          <p:val>
+                                            <p:strVal val="#ppt_y"/>
+                                          </p:val>
+                                        </p:tav>
+                                        <p:tav tm="100000">
+                                          <p:val>
+                                            <p:strVal val="#ppt_y"/>
+                                          </p:val>
+                                        </p:tav>
+                                      </p:tavLst>
+                                    </p:anim>
+                                  </p:childTnLst>
+                                </p:cTn>
+                              </p:par>
+                              <p:par>
+                                <p:cTn id="101" presetID="2" presetClass="entr" presetSubtype="8" fill="hold" grpId="0" nodeType="withEffect">
+                                  <p:stCondLst>
+                                    <p:cond delay="0"/>
+                                  </p:stCondLst>
+                                  <p:childTnLst>
+                                    <p:set>
+                                      <p:cBhvr>
+                                        <p:cTn id="102" dur="1" fill="hold">
+                                          <p:stCondLst>
+                                            <p:cond delay="0"/>
+                                          </p:stCondLst>
+                                        </p:cTn>
+                                        <p:tgtEl>
+                                          <p:spTgt spid="32"/>
+                                        </p:tgtEl>
+                                        <p:attrNameLst>
+                                          <p:attrName>style.visibility</p:attrName>
+                                        </p:attrNameLst>
+                                      </p:cBhvr>
+                                      <p:to>
+                                        <p:strVal val="visible"/>
+                                      </p:to>
+                                    </p:set>
+                                    <p:anim calcmode="lin" valueType="num">
+                                      <p:cBhvr additive="base">
+                                        <p:cTn id="103" dur="750" fill="hold"/>
+                                        <p:tgtEl>
+                                          <p:spTgt spid="32"/>
+                                        </p:tgtEl>
+                                        <p:attrNameLst>
+                                          <p:attrName>ppt_x</p:attrName>
+                                        </p:attrNameLst>
+                                      </p:cBhvr>
+                                      <p:tavLst>
+                                        <p:tav tm="0">
+                                          <p:val>
+                                            <p:strVal val="0-#ppt_w/2"/>
+                                          </p:val>
+                                        </p:tav>
+                                        <p:tav tm="100000">
+                                          <p:val>
+                                            <p:strVal val="#ppt_x"/>
+                                          </p:val>
+                                        </p:tav>
+                                      </p:tavLst>
+                                    </p:anim>
+                                    <p:anim calcmode="lin" valueType="num">
+                                      <p:cBhvr additive="base">
+                                        <p:cTn id="104" dur="750" fill="hold"/>
+                                        <p:tgtEl>
+                                          <p:spTgt spid="32"/>
+                                        </p:tgtEl>
+                                        <p:attrNameLst>
+                                          <p:attrName>ppt_y</p:attrName>
+                                        </p:attrNameLst>
+                                      </p:cBhvr>
+                                      <p:tavLst>
+                                        <p:tav tm="0">
+                                          <p:val>
+                                            <p:strVal val="#ppt_y"/>
+                                          </p:val>
+                                        </p:tav>
+                                        <p:tav tm="100000">
+                                          <p:val>
+                                            <p:strVal val="#ppt_y"/>
+                                          </p:val>
+                                        </p:tav>
+                                      </p:tavLst>
+                                    </p:anim>
+                                  </p:childTnLst>
+                                </p:cTn>
+                              </p:par>
+                              <p:par>
+                                <p:cTn id="105" presetID="2" presetClass="entr" presetSubtype="8" fill="hold" grpId="0" nodeType="withEffect">
+                                  <p:stCondLst>
+                                    <p:cond delay="0"/>
+                                  </p:stCondLst>
+                                  <p:childTnLst>
+                                    <p:set>
+                                      <p:cBhvr>
+                                        <p:cTn id="106" dur="1" fill="hold">
+                                          <p:stCondLst>
+                                            <p:cond delay="0"/>
+                                          </p:stCondLst>
+                                        </p:cTn>
+                                        <p:tgtEl>
+                                          <p:spTgt spid="33"/>
+                                        </p:tgtEl>
+                                        <p:attrNameLst>
+                                          <p:attrName>style.visibility</p:attrName>
+                                        </p:attrNameLst>
+                                      </p:cBhvr>
+                                      <p:to>
+                                        <p:strVal val="visible"/>
+                                      </p:to>
+                                    </p:set>
+                                    <p:anim calcmode="lin" valueType="num">
+                                      <p:cBhvr additive="base">
+                                        <p:cTn id="107" dur="750" fill="hold"/>
+                                        <p:tgtEl>
+                                          <p:spTgt spid="33"/>
+                                        </p:tgtEl>
+                                        <p:attrNameLst>
+                                          <p:attrName>ppt_x</p:attrName>
+                                        </p:attrNameLst>
+                                      </p:cBhvr>
+                                      <p:tavLst>
+                                        <p:tav tm="0">
+                                          <p:val>
+                                            <p:strVal val="0-#ppt_w/2"/>
+                                          </p:val>
+                                        </p:tav>
+                                        <p:tav tm="100000">
+                                          <p:val>
+                                            <p:strVal val="#ppt_x"/>
+                                          </p:val>
+                                        </p:tav>
+                                      </p:tavLst>
+                                    </p:anim>
+                                    <p:anim calcmode="lin" valueType="num">
+                                      <p:cBhvr additive="base">
+                                        <p:cTn id="108" dur="750" fill="hold"/>
+                                        <p:tgtEl>
+                                          <p:spTgt spid="33"/>
+                                        </p:tgtEl>
+                                        <p:attrNameLst>
+                                          <p:attrName>ppt_y</p:attrName>
+                                        </p:attrNameLst>
+                                      </p:cBhvr>
+                                      <p:tavLst>
+                                        <p:tav tm="0">
+                                          <p:val>
+                                            <p:strVal val="#ppt_y"/>
+                                          </p:val>
+                                        </p:tav>
+                                        <p:tav tm="100000">
+                                          <p:val>
+                                            <p:strVal val="#ppt_y"/>
+                                          </p:val>
+                                        </p:tav>
+                                      </p:tavLst>
+                                    </p:anim>
+                                  </p:childTnLst>
+                                </p:cTn>
+                              </p:par>
+                              <p:par>
+                                <p:cTn id="109" presetID="2" presetClass="entr" presetSubtype="8" fill="hold" grpId="0" nodeType="withEffect">
+                                  <p:stCondLst>
+                                    <p:cond delay="0"/>
+                                  </p:stCondLst>
+                                  <p:childTnLst>
+                                    <p:set>
+                                      <p:cBhvr>
+                                        <p:cTn id="110" dur="1" fill="hold">
+                                          <p:stCondLst>
+                                            <p:cond delay="0"/>
+                                          </p:stCondLst>
+                                        </p:cTn>
+                                        <p:tgtEl>
+                                          <p:spTgt spid="34"/>
+                                        </p:tgtEl>
+                                        <p:attrNameLst>
+                                          <p:attrName>style.visibility</p:attrName>
+                                        </p:attrNameLst>
+                                      </p:cBhvr>
+                                      <p:to>
+                                        <p:strVal val="visible"/>
+                                      </p:to>
+                                    </p:set>
+                                    <p:anim calcmode="lin" valueType="num">
+                                      <p:cBhvr additive="base">
+                                        <p:cTn id="111" dur="750" fill="hold"/>
+                                        <p:tgtEl>
+                                          <p:spTgt spid="34"/>
+                                        </p:tgtEl>
+                                        <p:attrNameLst>
+                                          <p:attrName>ppt_x</p:attrName>
+                                        </p:attrNameLst>
+                                      </p:cBhvr>
+                                      <p:tavLst>
+                                        <p:tav tm="0">
+                                          <p:val>
+                                            <p:strVal val="0-#ppt_w/2"/>
+                                          </p:val>
+                                        </p:tav>
+                                        <p:tav tm="100000">
+                                          <p:val>
+                                            <p:strVal val="#ppt_x"/>
+                                          </p:val>
+                                        </p:tav>
+                                      </p:tavLst>
+                                    </p:anim>
+                                    <p:anim calcmode="lin" valueType="num">
+                                      <p:cBhvr additive="base">
+                                        <p:cTn id="112" dur="750" fill="hold"/>
+                                        <p:tgtEl>
+                                          <p:spTgt spid="34"/>
+                                        </p:tgtEl>
+                                        <p:attrNameLst>
+                                          <p:attrName>ppt_y</p:attrName>
+                                        </p:attrNameLst>
+                                      </p:cBhvr>
+                                      <p:tavLst>
+                                        <p:tav tm="0">
+                                          <p:val>
+                                            <p:strVal val="#ppt_y"/>
+                                          </p:val>
+                                        </p:tav>
+                                        <p:tav tm="100000">
+                                          <p:val>
+                                            <p:strVal val="#ppt_y"/>
+                                          </p:val>
+                                        </p:tav>
+                                      </p:tavLst>
+                                    </p:anim>
+                                  </p:childTnLst>
+                                </p:cTn>
+                              </p:par>
+                              <p:par>
+                                <p:cTn id="113" presetID="2" presetClass="entr" presetSubtype="8" fill="hold" grpId="0" nodeType="withEffect">
+                                  <p:stCondLst>
+                                    <p:cond delay="0"/>
+                                  </p:stCondLst>
+                                  <p:childTnLst>
+                                    <p:set>
+                                      <p:cBhvr>
+                                        <p:cTn id="114" dur="1" fill="hold">
+                                          <p:stCondLst>
+                                            <p:cond delay="0"/>
+                                          </p:stCondLst>
+                                        </p:cTn>
+                                        <p:tgtEl>
+                                          <p:spTgt spid="36"/>
+                                        </p:tgtEl>
+                                        <p:attrNameLst>
+                                          <p:attrName>style.visibility</p:attrName>
+                                        </p:attrNameLst>
+                                      </p:cBhvr>
+                                      <p:to>
+                                        <p:strVal val="visible"/>
+                                      </p:to>
+                                    </p:set>
+                                    <p:anim calcmode="lin" valueType="num">
+                                      <p:cBhvr additive="base">
+                                        <p:cTn id="115" dur="750" fill="hold"/>
+                                        <p:tgtEl>
+                                          <p:spTgt spid="36"/>
+                                        </p:tgtEl>
+                                        <p:attrNameLst>
+                                          <p:attrName>ppt_x</p:attrName>
+                                        </p:attrNameLst>
+                                      </p:cBhvr>
+                                      <p:tavLst>
+                                        <p:tav tm="0">
+                                          <p:val>
+                                            <p:strVal val="0-#ppt_w/2"/>
+                                          </p:val>
+                                        </p:tav>
+                                        <p:tav tm="100000">
+                                          <p:val>
+                                            <p:strVal val="#ppt_x"/>
+                                          </p:val>
+                                        </p:tav>
+                                      </p:tavLst>
+                                    </p:anim>
+                                    <p:anim calcmode="lin" valueType="num">
+                                      <p:cBhvr additive="base">
+                                        <p:cTn id="116" dur="750" fill="hold"/>
+                                        <p:tgtEl>
+                                          <p:spTgt spid="36"/>
+                                        </p:tgtEl>
+                                        <p:attrNameLst>
+                                          <p:attrName>ppt_y</p:attrName>
+                                        </p:attrNameLst>
+                                      </p:cBhvr>
+                                      <p:tavLst>
+                                        <p:tav tm="0">
+                                          <p:val>
+                                            <p:strVal val="#ppt_y"/>
+                                          </p:val>
+                                        </p:tav>
+                                        <p:tav tm="100000">
+                                          <p:val>
+                                            <p:strVal val="#ppt_y"/>
+                                          </p:val>
+                                        </p:tav>
+                                      </p:tavLst>
+                                    </p:anim>
+                                  </p:childTnLst>
+                                </p:cTn>
+                              </p:par>
+                              <p:par>
+                                <p:cTn id="117" presetID="2" presetClass="entr" presetSubtype="8" fill="hold" grpId="0" nodeType="withEffect">
+                                  <p:stCondLst>
+                                    <p:cond delay="0"/>
+                                  </p:stCondLst>
+                                  <p:childTnLst>
+                                    <p:set>
+                                      <p:cBhvr>
+                                        <p:cTn id="118" dur="1" fill="hold">
+                                          <p:stCondLst>
+                                            <p:cond delay="0"/>
+                                          </p:stCondLst>
+                                        </p:cTn>
+                                        <p:tgtEl>
+                                          <p:spTgt spid="37"/>
+                                        </p:tgtEl>
+                                        <p:attrNameLst>
+                                          <p:attrName>style.visibility</p:attrName>
+                                        </p:attrNameLst>
+                                      </p:cBhvr>
+                                      <p:to>
+                                        <p:strVal val="visible"/>
+                                      </p:to>
+                                    </p:set>
+                                    <p:anim calcmode="lin" valueType="num">
+                                      <p:cBhvr additive="base">
+                                        <p:cTn id="119" dur="750" fill="hold"/>
+                                        <p:tgtEl>
+                                          <p:spTgt spid="37"/>
+                                        </p:tgtEl>
+                                        <p:attrNameLst>
+                                          <p:attrName>ppt_x</p:attrName>
+                                        </p:attrNameLst>
+                                      </p:cBhvr>
+                                      <p:tavLst>
+                                        <p:tav tm="0">
+                                          <p:val>
+                                            <p:strVal val="0-#ppt_w/2"/>
+                                          </p:val>
+                                        </p:tav>
+                                        <p:tav tm="100000">
+                                          <p:val>
+                                            <p:strVal val="#ppt_x"/>
+                                          </p:val>
+                                        </p:tav>
+                                      </p:tavLst>
+                                    </p:anim>
+                                    <p:anim calcmode="lin" valueType="num">
+                                      <p:cBhvr additive="base">
+                                        <p:cTn id="120" dur="750" fill="hold"/>
+                                        <p:tgtEl>
+                                          <p:spTgt spid="37"/>
+                                        </p:tgtEl>
+                                        <p:attrNameLst>
+                                          <p:attrName>ppt_y</p:attrName>
+                                        </p:attrNameLst>
+                                      </p:cBhvr>
+                                      <p:tavLst>
+                                        <p:tav tm="0">
+                                          <p:val>
+                                            <p:strVal val="#ppt_y"/>
+                                          </p:val>
+                                        </p:tav>
+                                        <p:tav tm="100000">
+                                          <p:val>
+                                            <p:strVal val="#ppt_y"/>
+                                          </p:val>
+                                        </p:tav>
+                                      </p:tavLst>
+                                    </p:anim>
+                                  </p:childTnLst>
+                                </p:cTn>
+                              </p:par>
+                              <p:par>
+                                <p:cTn id="121" presetID="2" presetClass="entr" presetSubtype="8" fill="hold" grpId="0" nodeType="withEffect">
+                                  <p:stCondLst>
+                                    <p:cond delay="0"/>
+                                  </p:stCondLst>
+                                  <p:childTnLst>
+                                    <p:set>
+                                      <p:cBhvr>
+                                        <p:cTn id="122" dur="1" fill="hold">
+                                          <p:stCondLst>
+                                            <p:cond delay="0"/>
+                                          </p:stCondLst>
+                                        </p:cTn>
+                                        <p:tgtEl>
+                                          <p:spTgt spid="38"/>
+                                        </p:tgtEl>
+                                        <p:attrNameLst>
+                                          <p:attrName>style.visibility</p:attrName>
+                                        </p:attrNameLst>
+                                      </p:cBhvr>
+                                      <p:to>
+                                        <p:strVal val="visible"/>
+                                      </p:to>
+                                    </p:set>
+                                    <p:anim calcmode="lin" valueType="num">
+                                      <p:cBhvr additive="base">
+                                        <p:cTn id="123" dur="750" fill="hold"/>
+                                        <p:tgtEl>
+                                          <p:spTgt spid="38"/>
+                                        </p:tgtEl>
+                                        <p:attrNameLst>
+                                          <p:attrName>ppt_x</p:attrName>
+                                        </p:attrNameLst>
+                                      </p:cBhvr>
+                                      <p:tavLst>
+                                        <p:tav tm="0">
+                                          <p:val>
+                                            <p:strVal val="0-#ppt_w/2"/>
+                                          </p:val>
+                                        </p:tav>
+                                        <p:tav tm="100000">
+                                          <p:val>
+                                            <p:strVal val="#ppt_x"/>
+                                          </p:val>
+                                        </p:tav>
+                                      </p:tavLst>
+                                    </p:anim>
+                                    <p:anim calcmode="lin" valueType="num">
+                                      <p:cBhvr additive="base">
+                                        <p:cTn id="124" dur="750" fill="hold"/>
+                                        <p:tgtEl>
+                                          <p:spTgt spid="38"/>
+                                        </p:tgtEl>
+                                        <p:attrNameLst>
+                                          <p:attrName>ppt_y</p:attrName>
+                                        </p:attrNameLst>
+                                      </p:cBhvr>
+                                      <p:tavLst>
+                                        <p:tav tm="0">
+                                          <p:val>
+                                            <p:strVal val="#ppt_y"/>
+                                          </p:val>
+                                        </p:tav>
+                                        <p:tav tm="100000">
+                                          <p:val>
+                                            <p:strVal val="#ppt_y"/>
+                                          </p:val>
+                                        </p:tav>
+                                      </p:tavLst>
+                                    </p:anim>
+                                  </p:childTnLst>
+                                </p:cTn>
+                              </p:par>
+                              <p:par>
+                                <p:cTn id="125" presetID="2" presetClass="entr" presetSubtype="8" fill="hold" grpId="0" nodeType="withEffect">
+                                  <p:stCondLst>
+                                    <p:cond delay="0"/>
+                                  </p:stCondLst>
+                                  <p:childTnLst>
+                                    <p:set>
+                                      <p:cBhvr>
+                                        <p:cTn id="126" dur="1" fill="hold">
+                                          <p:stCondLst>
+                                            <p:cond delay="0"/>
+                                          </p:stCondLst>
+                                        </p:cTn>
+                                        <p:tgtEl>
+                                          <p:spTgt spid="39"/>
+                                        </p:tgtEl>
+                                        <p:attrNameLst>
+                                          <p:attrName>style.visibility</p:attrName>
+                                        </p:attrNameLst>
+                                      </p:cBhvr>
+                                      <p:to>
+                                        <p:strVal val="visible"/>
+                                      </p:to>
+                                    </p:set>
+                                    <p:anim calcmode="lin" valueType="num">
+                                      <p:cBhvr additive="base">
+                                        <p:cTn id="127" dur="750" fill="hold"/>
+                                        <p:tgtEl>
+                                          <p:spTgt spid="39"/>
+                                        </p:tgtEl>
+                                        <p:attrNameLst>
+                                          <p:attrName>ppt_x</p:attrName>
+                                        </p:attrNameLst>
+                                      </p:cBhvr>
+                                      <p:tavLst>
+                                        <p:tav tm="0">
+                                          <p:val>
+                                            <p:strVal val="0-#ppt_w/2"/>
+                                          </p:val>
+                                        </p:tav>
+                                        <p:tav tm="100000">
+                                          <p:val>
+                                            <p:strVal val="#ppt_x"/>
+                                          </p:val>
+                                        </p:tav>
+                                      </p:tavLst>
+                                    </p:anim>
+                                    <p:anim calcmode="lin" valueType="num">
+                                      <p:cBhvr additive="base">
+                                        <p:cTn id="128" dur="750" fill="hold"/>
+                                        <p:tgtEl>
+                                          <p:spTgt spid="39"/>
+                                        </p:tgtEl>
+                                        <p:attrNameLst>
+                                          <p:attrName>ppt_y</p:attrName>
+                                        </p:attrNameLst>
+                                      </p:cBhvr>
+                                      <p:tavLst>
+                                        <p:tav tm="0">
+                                          <p:val>
+                                            <p:strVal val="#ppt_y"/>
+                                          </p:val>
+                                        </p:tav>
+                                        <p:tav tm="100000">
+                                          <p:val>
+                                            <p:strVal val="#ppt_y"/>
+                                          </p:val>
+                                        </p:tav>
+                                      </p:tavLst>
+                                    </p:anim>
+                                  </p:childTnLst>
+                                </p:cTn>
+                              </p:par>
+                              <p:par>
+                                <p:cTn id="129" presetID="2" presetClass="entr" presetSubtype="8" fill="hold" grpId="0" nodeType="withEffect">
+                                  <p:stCondLst>
+                                    <p:cond delay="0"/>
+                                  </p:stCondLst>
+                                  <p:childTnLst>
+                                    <p:set>
+                                      <p:cBhvr>
+                                        <p:cTn id="130" dur="1" fill="hold">
+                                          <p:stCondLst>
+                                            <p:cond delay="0"/>
+                                          </p:stCondLst>
+                                        </p:cTn>
+                                        <p:tgtEl>
+                                          <p:spTgt spid="40"/>
+                                        </p:tgtEl>
+                                        <p:attrNameLst>
+                                          <p:attrName>style.visibility</p:attrName>
+                                        </p:attrNameLst>
+                                      </p:cBhvr>
+                                      <p:to>
+                                        <p:strVal val="visible"/>
+                                      </p:to>
+                                    </p:set>
+                                    <p:anim calcmode="lin" valueType="num">
+                                      <p:cBhvr additive="base">
+                                        <p:cTn id="131" dur="750" fill="hold"/>
+                                        <p:tgtEl>
+                                          <p:spTgt spid="40"/>
+                                        </p:tgtEl>
+                                        <p:attrNameLst>
+                                          <p:attrName>ppt_x</p:attrName>
+                                        </p:attrNameLst>
+                                      </p:cBhvr>
+                                      <p:tavLst>
+                                        <p:tav tm="0">
+                                          <p:val>
+                                            <p:strVal val="0-#ppt_w/2"/>
+                                          </p:val>
+                                        </p:tav>
+                                        <p:tav tm="100000">
+                                          <p:val>
+                                            <p:strVal val="#ppt_x"/>
+                                          </p:val>
+                                        </p:tav>
+                                      </p:tavLst>
+                                    </p:anim>
+                                    <p:anim calcmode="lin" valueType="num">
+                                      <p:cBhvr additive="base">
+                                        <p:cTn id="132" dur="750" fill="hold"/>
+                                        <p:tgtEl>
+                                          <p:spTgt spid="40"/>
+                                        </p:tgtEl>
+                                        <p:attrNameLst>
+                                          <p:attrName>ppt_y</p:attrName>
+                                        </p:attrNameLst>
+                                      </p:cBhvr>
+                                      <p:tavLst>
+                                        <p:tav tm="0">
+                                          <p:val>
+                                            <p:strVal val="#ppt_y"/>
+                                          </p:val>
+                                        </p:tav>
+                                        <p:tav tm="100000">
+                                          <p:val>
+                                            <p:strVal val="#ppt_y"/>
+                                          </p:val>
+                                        </p:tav>
+                                      </p:tavLst>
+                                    </p:anim>
+                                  </p:childTnLst>
+                                </p:cTn>
+                              </p:par>
+                              <p:par>
+                                <p:cTn id="133" presetID="2" presetClass="entr" presetSubtype="8" fill="hold" grpId="0" nodeType="withEffect">
+                                  <p:stCondLst>
+                                    <p:cond delay="0"/>
+                                  </p:stCondLst>
+                                  <p:childTnLst>
+                                    <p:set>
+                                      <p:cBhvr>
+                                        <p:cTn id="134" dur="1" fill="hold">
+                                          <p:stCondLst>
+                                            <p:cond delay="0"/>
+                                          </p:stCondLst>
+                                        </p:cTn>
+                                        <p:tgtEl>
+                                          <p:spTgt spid="41"/>
+                                        </p:tgtEl>
+                                        <p:attrNameLst>
+                                          <p:attrName>style.visibility</p:attrName>
+                                        </p:attrNameLst>
+                                      </p:cBhvr>
+                                      <p:to>
+                                        <p:strVal val="visible"/>
+                                      </p:to>
+                                    </p:set>
+                                    <p:anim calcmode="lin" valueType="num">
+                                      <p:cBhvr additive="base">
+                                        <p:cTn id="135" dur="750" fill="hold"/>
+                                        <p:tgtEl>
+                                          <p:spTgt spid="41"/>
+                                        </p:tgtEl>
+                                        <p:attrNameLst>
+                                          <p:attrName>ppt_x</p:attrName>
+                                        </p:attrNameLst>
+                                      </p:cBhvr>
+                                      <p:tavLst>
+                                        <p:tav tm="0">
+                                          <p:val>
+                                            <p:strVal val="0-#ppt_w/2"/>
+                                          </p:val>
+                                        </p:tav>
+                                        <p:tav tm="100000">
+                                          <p:val>
+                                            <p:strVal val="#ppt_x"/>
+                                          </p:val>
+                                        </p:tav>
+                                      </p:tavLst>
+                                    </p:anim>
+                                    <p:anim calcmode="lin" valueType="num">
+                                      <p:cBhvr additive="base">
+                                        <p:cTn id="136" dur="750" fill="hold"/>
                                         <p:tgtEl>
                                           <p:spTgt spid="41"/>
                                         </p:tgtEl>
@@ -12919,7 +18914,7 @@
 </p:sld>
 </file>
 
-<file path=ppt/slides/slide8.xml><?xml version="1.0" encoding="utf-8"?>
+<file path=ppt/slides/slide9.xml><?xml version="1.0" encoding="utf-8"?>
 <p:sld xmlns:a="http://schemas.openxmlformats.org/drawingml/2006/main" xmlns:r="http://schemas.openxmlformats.org/officeDocument/2006/relationships" xmlns:p="http://schemas.openxmlformats.org/presentationml/2006/main">
   <p:cSld>
     <p:spTree>
@@ -12946,16 +18941,86 @@
             <p:ph type="title"/>
           </p:nvPr>
         </p:nvSpPr>
-        <p:spPr/>
+        <p:spPr>
+          <a:xfrm>
+            <a:off x="1199456" y="-315416"/>
+            <a:ext cx="9144000" cy="1143000"/>
+          </a:xfrm>
+        </p:spPr>
         <p:txBody>
           <a:bodyPr/>
           <a:lstStyle/>
           <a:p>
             <a:r>
               <a:rPr lang="en-US" dirty="0"/>
-              <a:t>Add a Slide Title - 3</a:t>
+              <a:t>Branches-switching/merging</a:t>
             </a:r>
             <a:endParaRPr dirty="0"/>
+          </a:p>
+        </p:txBody>
+      </p:sp>
+      <p:pic>
+        <p:nvPicPr>
+          <p:cNvPr id="4" name="Picture 3">
+            <a:extLst>
+              <a:ext uri="{FF2B5EF4-FFF2-40B4-BE49-F238E27FC236}">
+                <a16:creationId xmlns:a16="http://schemas.microsoft.com/office/drawing/2014/main" id="{68639625-70B8-5BCF-DABC-C8B997D8DB13}"/>
+              </a:ext>
+            </a:extLst>
+          </p:cNvPr>
+          <p:cNvPicPr>
+            <a:picLocks noChangeAspect="1"/>
+          </p:cNvPicPr>
+          <p:nvPr/>
+        </p:nvPicPr>
+        <p:blipFill>
+          <a:blip r:embed="rId2"/>
+          <a:stretch>
+            <a:fillRect/>
+          </a:stretch>
+        </p:blipFill>
+        <p:spPr>
+          <a:xfrm>
+            <a:off x="263352" y="1556792"/>
+            <a:ext cx="4877223" cy="1158340"/>
+          </a:xfrm>
+          <a:prstGeom prst="rect">
+            <a:avLst/>
+          </a:prstGeom>
+        </p:spPr>
+      </p:pic>
+      <p:sp>
+        <p:nvSpPr>
+          <p:cNvPr id="5" name="TextBox 4">
+            <a:extLst>
+              <a:ext uri="{FF2B5EF4-FFF2-40B4-BE49-F238E27FC236}">
+                <a16:creationId xmlns:a16="http://schemas.microsoft.com/office/drawing/2014/main" id="{1C4675F4-6635-02AB-D8E2-F950E7EDB221}"/>
+              </a:ext>
+            </a:extLst>
+          </p:cNvPr>
+          <p:cNvSpPr txBox="1"/>
+          <p:nvPr/>
+        </p:nvSpPr>
+        <p:spPr>
+          <a:xfrm>
+            <a:off x="407368" y="1196752"/>
+            <a:ext cx="1957587" cy="369332"/>
+          </a:xfrm>
+          <a:prstGeom prst="rect">
+            <a:avLst/>
+          </a:prstGeom>
+          <a:noFill/>
+        </p:spPr>
+        <p:txBody>
+          <a:bodyPr wrap="none" rtlCol="0">
+            <a:spAutoFit/>
+          </a:bodyPr>
+          <a:lstStyle/>
+          <a:p>
+            <a:r>
+              <a:rPr lang="en-IN" dirty="0"/>
+              <a:t>Creating a branch:</a:t>
+            </a:r>
           </a:p>
         </p:txBody>
       </p:sp>
@@ -12963,36 +19028,6 @@
     <p:extLst>
       <p:ext uri="{BB962C8B-B14F-4D97-AF65-F5344CB8AC3E}">
         <p14:creationId xmlns:p14="http://schemas.microsoft.com/office/powerpoint/2010/main" val="215988672"/>
-      </p:ext>
-    </p:extLst>
-  </p:cSld>
-  <p:clrMapOvr>
-    <a:masterClrMapping/>
-  </p:clrMapOvr>
-</p:sld>
-</file>
-
-<file path=ppt/slides/slide9.xml><?xml version="1.0" encoding="utf-8"?>
-<p:sld xmlns:a="http://schemas.openxmlformats.org/drawingml/2006/main" xmlns:r="http://schemas.openxmlformats.org/officeDocument/2006/relationships" xmlns:p="http://schemas.openxmlformats.org/presentationml/2006/main">
-  <p:cSld>
-    <p:spTree>
-      <p:nvGrpSpPr>
-        <p:cNvPr id="1" name=""/>
-        <p:cNvGrpSpPr/>
-        <p:nvPr/>
-      </p:nvGrpSpPr>
-      <p:grpSpPr>
-        <a:xfrm>
-          <a:off x="0" y="0"/>
-          <a:ext cx="0" cy="0"/>
-          <a:chOff x="0" y="0"/>
-          <a:chExt cx="0" cy="0"/>
-        </a:xfrm>
-      </p:grpSpPr>
-    </p:spTree>
-    <p:extLst>
-      <p:ext uri="{BB962C8B-B14F-4D97-AF65-F5344CB8AC3E}">
-        <p14:creationId xmlns:p14="http://schemas.microsoft.com/office/powerpoint/2010/main" val="3661180859"/>
       </p:ext>
     </p:extLst>
   </p:cSld>

--- a/New Git Concepts.pptx
+++ b/New Git Concepts.pptx
@@ -18981,8 +18981,8 @@
         </p:blipFill>
         <p:spPr>
           <a:xfrm>
-            <a:off x="263352" y="1556792"/>
-            <a:ext cx="4877223" cy="1158340"/>
+            <a:off x="220662" y="1196916"/>
+            <a:ext cx="4877223" cy="1440160"/>
           </a:xfrm>
           <a:prstGeom prst="rect">
             <a:avLst/>
@@ -19003,7 +19003,7 @@
         </p:nvSpPr>
         <p:spPr>
           <a:xfrm>
-            <a:off x="407368" y="1196752"/>
+            <a:off x="220662" y="827584"/>
             <a:ext cx="1957587" cy="369332"/>
           </a:xfrm>
           <a:prstGeom prst="rect">
@@ -19021,6 +19021,76 @@
               <a:rPr lang="en-IN" dirty="0"/>
               <a:t>Creating a branch:</a:t>
             </a:r>
+          </a:p>
+        </p:txBody>
+      </p:sp>
+      <p:pic>
+        <p:nvPicPr>
+          <p:cNvPr id="7" name="Picture 6">
+            <a:extLst>
+              <a:ext uri="{FF2B5EF4-FFF2-40B4-BE49-F238E27FC236}">
+                <a16:creationId xmlns:a16="http://schemas.microsoft.com/office/drawing/2014/main" id="{F5BFA7E2-FE54-78C8-384E-C5793B0EAF9E}"/>
+              </a:ext>
+            </a:extLst>
+          </p:cNvPr>
+          <p:cNvPicPr>
+            <a:picLocks noChangeAspect="1"/>
+          </p:cNvPicPr>
+          <p:nvPr/>
+        </p:nvPicPr>
+        <p:blipFill>
+          <a:blip r:embed="rId3"/>
+          <a:stretch>
+            <a:fillRect/>
+          </a:stretch>
+        </p:blipFill>
+        <p:spPr>
+          <a:xfrm>
+            <a:off x="407368" y="3511754"/>
+            <a:ext cx="6858594" cy="3346246"/>
+          </a:xfrm>
+          <a:prstGeom prst="rect">
+            <a:avLst/>
+          </a:prstGeom>
+        </p:spPr>
+      </p:pic>
+      <p:sp>
+        <p:nvSpPr>
+          <p:cNvPr id="8" name="TextBox 7">
+            <a:extLst>
+              <a:ext uri="{FF2B5EF4-FFF2-40B4-BE49-F238E27FC236}">
+                <a16:creationId xmlns:a16="http://schemas.microsoft.com/office/drawing/2014/main" id="{6EC1372F-CB16-ABFC-193C-2039448AD3E4}"/>
+              </a:ext>
+            </a:extLst>
+          </p:cNvPr>
+          <p:cNvSpPr txBox="1"/>
+          <p:nvPr/>
+        </p:nvSpPr>
+        <p:spPr>
+          <a:xfrm>
+            <a:off x="767408" y="3142422"/>
+            <a:ext cx="5222905" cy="400110"/>
+          </a:xfrm>
+          <a:prstGeom prst="rect">
+            <a:avLst/>
+          </a:prstGeom>
+          <a:noFill/>
+        </p:spPr>
+        <p:txBody>
+          <a:bodyPr wrap="none" rtlCol="0">
+            <a:spAutoFit/>
+          </a:bodyPr>
+          <a:lstStyle/>
+          <a:p>
+            <a:r>
+              <a:rPr lang="en-IN" sz="2000" dirty="0"/>
+              <a:t>Switching branch and changing in </a:t>
+            </a:r>
+            <a:r>
+              <a:rPr lang="en-IN" sz="2000"/>
+              <a:t>new branch:</a:t>
+            </a:r>
+            <a:endParaRPr lang="en-IN" sz="2000" dirty="0"/>
           </a:p>
         </p:txBody>
       </p:sp>

--- a/New Git Concepts.pptx
+++ b/New Git Concepts.pptx
@@ -2,7 +2,7 @@
 <file path=ppt/presentation.xml><?xml version="1.0" encoding="utf-8"?>
 <p:presentation xmlns:a="http://schemas.openxmlformats.org/drawingml/2006/main" xmlns:r="http://schemas.openxmlformats.org/officeDocument/2006/relationships" xmlns:p="http://schemas.openxmlformats.org/presentationml/2006/main" saveSubsetFonts="1">
   <p:sldMasterIdLst>
-    <p:sldMasterId id="2147483648" r:id="rId1"/>
+    <p:sldMasterId id="2147483672" r:id="rId1"/>
   </p:sldMasterIdLst>
   <p:notesMasterIdLst>
     <p:notesMasterId r:id="rId18"/>
@@ -34,7 +34,7 @@
     <a:defPPr>
       <a:defRPr lang="en-US"/>
     </a:defPPr>
-    <a:lvl1pPr marL="0" algn="l" defTabSz="914400" rtl="0" eaLnBrk="1" latinLnBrk="0" hangingPunct="1">
+    <a:lvl1pPr marL="0" algn="l" defTabSz="457200" rtl="0" eaLnBrk="1" latinLnBrk="0" hangingPunct="1">
       <a:defRPr sz="1800" kern="1200">
         <a:solidFill>
           <a:schemeClr val="tx1"/>
@@ -44,7 +44,7 @@
         <a:cs typeface="+mn-cs"/>
       </a:defRPr>
     </a:lvl1pPr>
-    <a:lvl2pPr marL="457200" algn="l" defTabSz="914400" rtl="0" eaLnBrk="1" latinLnBrk="0" hangingPunct="1">
+    <a:lvl2pPr marL="457200" algn="l" defTabSz="457200" rtl="0" eaLnBrk="1" latinLnBrk="0" hangingPunct="1">
       <a:defRPr sz="1800" kern="1200">
         <a:solidFill>
           <a:schemeClr val="tx1"/>
@@ -54,7 +54,7 @@
         <a:cs typeface="+mn-cs"/>
       </a:defRPr>
     </a:lvl2pPr>
-    <a:lvl3pPr marL="914400" algn="l" defTabSz="914400" rtl="0" eaLnBrk="1" latinLnBrk="0" hangingPunct="1">
+    <a:lvl3pPr marL="914400" algn="l" defTabSz="457200" rtl="0" eaLnBrk="1" latinLnBrk="0" hangingPunct="1">
       <a:defRPr sz="1800" kern="1200">
         <a:solidFill>
           <a:schemeClr val="tx1"/>
@@ -64,7 +64,7 @@
         <a:cs typeface="+mn-cs"/>
       </a:defRPr>
     </a:lvl3pPr>
-    <a:lvl4pPr marL="1371600" algn="l" defTabSz="914400" rtl="0" eaLnBrk="1" latinLnBrk="0" hangingPunct="1">
+    <a:lvl4pPr marL="1371600" algn="l" defTabSz="457200" rtl="0" eaLnBrk="1" latinLnBrk="0" hangingPunct="1">
       <a:defRPr sz="1800" kern="1200">
         <a:solidFill>
           <a:schemeClr val="tx1"/>
@@ -74,7 +74,7 @@
         <a:cs typeface="+mn-cs"/>
       </a:defRPr>
     </a:lvl4pPr>
-    <a:lvl5pPr marL="1828800" algn="l" defTabSz="914400" rtl="0" eaLnBrk="1" latinLnBrk="0" hangingPunct="1">
+    <a:lvl5pPr marL="1828800" algn="l" defTabSz="457200" rtl="0" eaLnBrk="1" latinLnBrk="0" hangingPunct="1">
       <a:defRPr sz="1800" kern="1200">
         <a:solidFill>
           <a:schemeClr val="tx1"/>
@@ -84,7 +84,7 @@
         <a:cs typeface="+mn-cs"/>
       </a:defRPr>
     </a:lvl5pPr>
-    <a:lvl6pPr marL="2286000" algn="l" defTabSz="914400" rtl="0" eaLnBrk="1" latinLnBrk="0" hangingPunct="1">
+    <a:lvl6pPr marL="2286000" algn="l" defTabSz="457200" rtl="0" eaLnBrk="1" latinLnBrk="0" hangingPunct="1">
       <a:defRPr sz="1800" kern="1200">
         <a:solidFill>
           <a:schemeClr val="tx1"/>
@@ -94,7 +94,7 @@
         <a:cs typeface="+mn-cs"/>
       </a:defRPr>
     </a:lvl6pPr>
-    <a:lvl7pPr marL="2743200" algn="l" defTabSz="914400" rtl="0" eaLnBrk="1" latinLnBrk="0" hangingPunct="1">
+    <a:lvl7pPr marL="2743200" algn="l" defTabSz="457200" rtl="0" eaLnBrk="1" latinLnBrk="0" hangingPunct="1">
       <a:defRPr sz="1800" kern="1200">
         <a:solidFill>
           <a:schemeClr val="tx1"/>
@@ -104,7 +104,7 @@
         <a:cs typeface="+mn-cs"/>
       </a:defRPr>
     </a:lvl7pPr>
-    <a:lvl8pPr marL="3200400" algn="l" defTabSz="914400" rtl="0" eaLnBrk="1" latinLnBrk="0" hangingPunct="1">
+    <a:lvl8pPr marL="3200400" algn="l" defTabSz="457200" rtl="0" eaLnBrk="1" latinLnBrk="0" hangingPunct="1">
       <a:defRPr sz="1800" kern="1200">
         <a:solidFill>
           <a:schemeClr val="tx1"/>
@@ -114,7 +114,7 @@
         <a:cs typeface="+mn-cs"/>
       </a:defRPr>
     </a:lvl8pPr>
-    <a:lvl9pPr marL="3657600" algn="l" defTabSz="914400" rtl="0" eaLnBrk="1" latinLnBrk="0" hangingPunct="1">
+    <a:lvl9pPr marL="3657600" algn="l" defTabSz="457200" rtl="0" eaLnBrk="1" latinLnBrk="0" hangingPunct="1">
       <a:defRPr sz="1800" kern="1200">
         <a:solidFill>
           <a:schemeClr val="tx1"/>
@@ -1013,13 +1013,8 @@
         <a:p>
           <a:r>
             <a:rPr lang="en-US" sz="2800" dirty="0"/>
-            <a:t>$git </a:t>
+            <a:t>$git init</a:t>
           </a:r>
-          <a:r>
-            <a:rPr lang="en-US" sz="2800" dirty="0" err="1"/>
-            <a:t>init</a:t>
-          </a:r>
-          <a:endParaRPr lang="en-US" sz="2800" dirty="0"/>
         </a:p>
       </dgm:t>
     </dgm:pt>
@@ -1406,20 +1401,20 @@
                 <a:satOff val="0"/>
                 <a:lumOff val="0"/>
                 <a:alphaOff val="0"/>
-                <a:satMod val="103000"/>
-                <a:lumMod val="102000"/>
-                <a:tint val="94000"/>
+                <a:tint val="98000"/>
+                <a:satMod val="110000"/>
+                <a:lumMod val="104000"/>
               </a:schemeClr>
             </a:gs>
-            <a:gs pos="50000">
+            <a:gs pos="69000">
               <a:schemeClr val="lt1">
                 <a:hueOff val="0"/>
                 <a:satOff val="0"/>
                 <a:lumOff val="0"/>
                 <a:alphaOff val="0"/>
-                <a:satMod val="110000"/>
-                <a:lumMod val="100000"/>
-                <a:shade val="100000"/>
+                <a:shade val="88000"/>
+                <a:satMod val="130000"/>
+                <a:lumMod val="92000"/>
               </a:schemeClr>
             </a:gs>
             <a:gs pos="100000">
@@ -1428,9 +1423,9 @@
                 <a:satOff val="0"/>
                 <a:lumOff val="0"/>
                 <a:alphaOff val="0"/>
-                <a:lumMod val="99000"/>
-                <a:satMod val="120000"/>
                 <a:shade val="78000"/>
+                <a:satMod val="130000"/>
+                <a:lumMod val="92000"/>
               </a:schemeClr>
             </a:gs>
           </a:gsLst>
@@ -1456,12 +1451,12 @@
         </a:fontRef>
       </dsp:style>
       <dsp:txBody>
-        <a:bodyPr spcFirstLastPara="0" vert="horz" wrap="square" lIns="34290" tIns="34290" rIns="34290" bIns="34290" numCol="1" spcCol="1270" anchor="ctr" anchorCtr="0">
+        <a:bodyPr spcFirstLastPara="0" vert="horz" wrap="square" lIns="29210" tIns="29210" rIns="29210" bIns="29210" numCol="1" spcCol="1270" anchor="ctr" anchorCtr="0">
           <a:noAutofit/>
         </a:bodyPr>
         <a:lstStyle/>
         <a:p>
-          <a:pPr marL="0" lvl="0" indent="0" algn="ctr" defTabSz="1200150">
+          <a:pPr marL="0" lvl="0" indent="0" algn="ctr" defTabSz="1022350">
             <a:lnSpc>
               <a:spcPct val="90000"/>
             </a:lnSpc>
@@ -1474,7 +1469,7 @@
             <a:buNone/>
           </a:pPr>
           <a:r>
-            <a:rPr lang="en-US" sz="2700" b="1" kern="1200" dirty="0"/>
+            <a:rPr lang="en-US" sz="2300" b="1" kern="1200" dirty="0"/>
             <a:t>Getting started</a:t>
           </a:r>
         </a:p>
@@ -1509,21 +1504,21 @@
                 <a:satOff val="0"/>
                 <a:lumOff val="0"/>
                 <a:alphaOff val="0"/>
-                <a:satMod val="103000"/>
-                <a:lumMod val="102000"/>
-                <a:tint val="94000"/>
+                <a:tint val="98000"/>
+                <a:satMod val="110000"/>
+                <a:lumMod val="104000"/>
               </a:schemeClr>
             </a:gs>
-            <a:gs pos="50000">
+            <a:gs pos="69000">
               <a:schemeClr val="accent1">
                 <a:tint val="60000"/>
                 <a:hueOff val="0"/>
                 <a:satOff val="0"/>
                 <a:lumOff val="0"/>
                 <a:alphaOff val="0"/>
-                <a:satMod val="110000"/>
-                <a:lumMod val="100000"/>
-                <a:shade val="100000"/>
+                <a:shade val="88000"/>
+                <a:satMod val="130000"/>
+                <a:lumMod val="92000"/>
               </a:schemeClr>
             </a:gs>
             <a:gs pos="100000">
@@ -1533,9 +1528,9 @@
                 <a:satOff val="0"/>
                 <a:lumOff val="0"/>
                 <a:alphaOff val="0"/>
-                <a:lumMod val="99000"/>
-                <a:satMod val="120000"/>
                 <a:shade val="78000"/>
+                <a:satMod val="130000"/>
+                <a:lumMod val="92000"/>
               </a:schemeClr>
             </a:gs>
           </a:gsLst>
@@ -1586,7 +1581,7 @@
             <a:alphaOff val="0"/>
           </a:schemeClr>
         </a:solidFill>
-        <a:ln w="6350" cap="flat" cmpd="sng" algn="ctr">
+        <a:ln w="9525" cap="flat" cmpd="sng" algn="ctr">
           <a:solidFill>
             <a:schemeClr val="accent1">
               <a:alpha val="90000"/>
@@ -1597,7 +1592,6 @@
             </a:schemeClr>
           </a:solidFill>
           <a:prstDash val="solid"/>
-          <a:miter lim="800000"/>
         </a:ln>
         <a:effectLst/>
       </dsp:spPr>
@@ -1633,13 +1627,8 @@
           </a:pPr>
           <a:r>
             <a:rPr lang="en-US" sz="2800" kern="1200" dirty="0"/>
-            <a:t>$git </a:t>
+            <a:t>$git init</a:t>
           </a:r>
-          <a:r>
-            <a:rPr lang="en-US" sz="2800" kern="1200" dirty="0" err="1"/>
-            <a:t>init</a:t>
-          </a:r>
-          <a:endParaRPr lang="en-US" sz="2800" kern="1200" dirty="0"/>
         </a:p>
       </dsp:txBody>
       <dsp:txXfrm>
@@ -1672,21 +1661,21 @@
                 <a:satOff val="0"/>
                 <a:lumOff val="0"/>
                 <a:alphaOff val="0"/>
-                <a:satMod val="103000"/>
-                <a:lumMod val="102000"/>
-                <a:tint val="94000"/>
+                <a:tint val="98000"/>
+                <a:satMod val="110000"/>
+                <a:lumMod val="104000"/>
               </a:schemeClr>
             </a:gs>
-            <a:gs pos="50000">
+            <a:gs pos="69000">
               <a:schemeClr val="accent1">
                 <a:tint val="60000"/>
                 <a:hueOff val="0"/>
                 <a:satOff val="0"/>
                 <a:lumOff val="0"/>
                 <a:alphaOff val="0"/>
-                <a:satMod val="110000"/>
-                <a:lumMod val="100000"/>
-                <a:shade val="100000"/>
+                <a:shade val="88000"/>
+                <a:satMod val="130000"/>
+                <a:lumMod val="92000"/>
               </a:schemeClr>
             </a:gs>
             <a:gs pos="100000">
@@ -1696,9 +1685,9 @@
                 <a:satOff val="0"/>
                 <a:lumOff val="0"/>
                 <a:alphaOff val="0"/>
-                <a:lumMod val="99000"/>
-                <a:satMod val="120000"/>
                 <a:shade val="78000"/>
+                <a:satMod val="130000"/>
+                <a:lumMod val="92000"/>
               </a:schemeClr>
             </a:gs>
           </a:gsLst>
@@ -1749,7 +1738,7 @@
             <a:alphaOff val="0"/>
           </a:schemeClr>
         </a:solidFill>
-        <a:ln w="6350" cap="flat" cmpd="sng" algn="ctr">
+        <a:ln w="9525" cap="flat" cmpd="sng" algn="ctr">
           <a:solidFill>
             <a:schemeClr val="accent1">
               <a:alpha val="90000"/>
@@ -1760,7 +1749,6 @@
             </a:schemeClr>
           </a:solidFill>
           <a:prstDash val="solid"/>
-          <a:miter lim="800000"/>
         </a:ln>
         <a:effectLst/>
       </dsp:spPr>
@@ -1830,21 +1818,21 @@
                 <a:satOff val="0"/>
                 <a:lumOff val="0"/>
                 <a:alphaOff val="0"/>
-                <a:satMod val="103000"/>
-                <a:lumMod val="102000"/>
-                <a:tint val="94000"/>
+                <a:tint val="98000"/>
+                <a:satMod val="110000"/>
+                <a:lumMod val="104000"/>
               </a:schemeClr>
             </a:gs>
-            <a:gs pos="50000">
+            <a:gs pos="69000">
               <a:schemeClr val="accent1">
                 <a:tint val="60000"/>
                 <a:hueOff val="0"/>
                 <a:satOff val="0"/>
                 <a:lumOff val="0"/>
                 <a:alphaOff val="0"/>
-                <a:satMod val="110000"/>
-                <a:lumMod val="100000"/>
-                <a:shade val="100000"/>
+                <a:shade val="88000"/>
+                <a:satMod val="130000"/>
+                <a:lumMod val="92000"/>
               </a:schemeClr>
             </a:gs>
             <a:gs pos="100000">
@@ -1854,9 +1842,9 @@
                 <a:satOff val="0"/>
                 <a:lumOff val="0"/>
                 <a:alphaOff val="0"/>
-                <a:lumMod val="99000"/>
-                <a:satMod val="120000"/>
                 <a:shade val="78000"/>
+                <a:satMod val="130000"/>
+                <a:lumMod val="92000"/>
               </a:schemeClr>
             </a:gs>
           </a:gsLst>
@@ -1907,7 +1895,7 @@
             <a:alphaOff val="0"/>
           </a:schemeClr>
         </a:solidFill>
-        <a:ln w="6350" cap="flat" cmpd="sng" algn="ctr">
+        <a:ln w="9525" cap="flat" cmpd="sng" algn="ctr">
           <a:solidFill>
             <a:schemeClr val="accent1">
               <a:alpha val="90000"/>
@@ -1918,7 +1906,6 @@
             </a:schemeClr>
           </a:solidFill>
           <a:prstDash val="solid"/>
-          <a:miter lim="800000"/>
         </a:ln>
         <a:effectLst/>
       </dsp:spPr>
@@ -1986,20 +1973,20 @@
                 <a:satOff val="0"/>
                 <a:lumOff val="0"/>
                 <a:alphaOff val="0"/>
-                <a:satMod val="103000"/>
-                <a:lumMod val="102000"/>
-                <a:tint val="94000"/>
+                <a:tint val="98000"/>
+                <a:satMod val="110000"/>
+                <a:lumMod val="104000"/>
               </a:schemeClr>
             </a:gs>
-            <a:gs pos="50000">
+            <a:gs pos="69000">
               <a:schemeClr val="lt1">
                 <a:hueOff val="0"/>
                 <a:satOff val="0"/>
                 <a:lumOff val="0"/>
                 <a:alphaOff val="0"/>
-                <a:satMod val="110000"/>
-                <a:lumMod val="100000"/>
-                <a:shade val="100000"/>
+                <a:shade val="88000"/>
+                <a:satMod val="130000"/>
+                <a:lumMod val="92000"/>
               </a:schemeClr>
             </a:gs>
             <a:gs pos="100000">
@@ -2008,9 +1995,9 @@
                 <a:satOff val="0"/>
                 <a:lumOff val="0"/>
                 <a:alphaOff val="0"/>
-                <a:lumMod val="99000"/>
-                <a:satMod val="120000"/>
                 <a:shade val="78000"/>
+                <a:satMod val="130000"/>
+                <a:lumMod val="92000"/>
               </a:schemeClr>
             </a:gs>
           </a:gsLst>
@@ -2119,21 +2106,21 @@
                 <a:satOff val="0"/>
                 <a:lumOff val="0"/>
                 <a:alphaOff val="0"/>
-                <a:satMod val="103000"/>
-                <a:lumMod val="102000"/>
-                <a:tint val="94000"/>
+                <a:tint val="98000"/>
+                <a:satMod val="110000"/>
+                <a:lumMod val="104000"/>
               </a:schemeClr>
             </a:gs>
-            <a:gs pos="50000">
+            <a:gs pos="69000">
               <a:schemeClr val="accent1">
                 <a:tint val="60000"/>
                 <a:hueOff val="0"/>
                 <a:satOff val="0"/>
                 <a:lumOff val="0"/>
                 <a:alphaOff val="0"/>
-                <a:satMod val="110000"/>
-                <a:lumMod val="100000"/>
-                <a:shade val="100000"/>
+                <a:shade val="88000"/>
+                <a:satMod val="130000"/>
+                <a:lumMod val="92000"/>
               </a:schemeClr>
             </a:gs>
             <a:gs pos="100000">
@@ -2143,9 +2130,9 @@
                 <a:satOff val="0"/>
                 <a:lumOff val="0"/>
                 <a:alphaOff val="0"/>
-                <a:lumMod val="99000"/>
-                <a:satMod val="120000"/>
                 <a:shade val="78000"/>
+                <a:satMod val="130000"/>
+                <a:lumMod val="92000"/>
               </a:schemeClr>
             </a:gs>
           </a:gsLst>
@@ -2196,7 +2183,7 @@
             <a:alphaOff val="0"/>
           </a:schemeClr>
         </a:solidFill>
-        <a:ln w="6350" cap="flat" cmpd="sng" algn="ctr">
+        <a:ln w="9525" cap="flat" cmpd="sng" algn="ctr">
           <a:solidFill>
             <a:schemeClr val="accent1">
               <a:alpha val="90000"/>
@@ -2207,7 +2194,6 @@
             </a:schemeClr>
           </a:solidFill>
           <a:prstDash val="solid"/>
-          <a:miter lim="800000"/>
         </a:ln>
         <a:effectLst/>
       </dsp:spPr>
@@ -2277,21 +2263,21 @@
                 <a:satOff val="0"/>
                 <a:lumOff val="0"/>
                 <a:alphaOff val="0"/>
-                <a:satMod val="103000"/>
-                <a:lumMod val="102000"/>
-                <a:tint val="94000"/>
+                <a:tint val="98000"/>
+                <a:satMod val="110000"/>
+                <a:lumMod val="104000"/>
               </a:schemeClr>
             </a:gs>
-            <a:gs pos="50000">
+            <a:gs pos="69000">
               <a:schemeClr val="accent1">
                 <a:tint val="60000"/>
                 <a:hueOff val="0"/>
                 <a:satOff val="0"/>
                 <a:lumOff val="0"/>
                 <a:alphaOff val="0"/>
-                <a:satMod val="110000"/>
-                <a:lumMod val="100000"/>
-                <a:shade val="100000"/>
+                <a:shade val="88000"/>
+                <a:satMod val="130000"/>
+                <a:lumMod val="92000"/>
               </a:schemeClr>
             </a:gs>
             <a:gs pos="100000">
@@ -2301,9 +2287,9 @@
                 <a:satOff val="0"/>
                 <a:lumOff val="0"/>
                 <a:alphaOff val="0"/>
-                <a:lumMod val="99000"/>
-                <a:satMod val="120000"/>
                 <a:shade val="78000"/>
+                <a:satMod val="130000"/>
+                <a:lumMod val="92000"/>
               </a:schemeClr>
             </a:gs>
           </a:gsLst>
@@ -2354,7 +2340,7 @@
             <a:alphaOff val="0"/>
           </a:schemeClr>
         </a:solidFill>
-        <a:ln w="6350" cap="flat" cmpd="sng" algn="ctr">
+        <a:ln w="9525" cap="flat" cmpd="sng" algn="ctr">
           <a:solidFill>
             <a:schemeClr val="accent1">
               <a:alpha val="90000"/>
@@ -2365,7 +2351,6 @@
             </a:schemeClr>
           </a:solidFill>
           <a:prstDash val="solid"/>
-          <a:miter lim="800000"/>
         </a:ln>
         <a:effectLst/>
       </dsp:spPr>
@@ -4223,20 +4208,6 @@
 <file path=ppt/slideLayouts/slideLayout1.xml><?xml version="1.0" encoding="utf-8"?>
 <p:sldLayout xmlns:a="http://schemas.openxmlformats.org/drawingml/2006/main" xmlns:r="http://schemas.openxmlformats.org/officeDocument/2006/relationships" xmlns:p="http://schemas.openxmlformats.org/presentationml/2006/main" type="title" preserve="1">
   <p:cSld name="Title Slide">
-    <p:bg>
-      <p:bgPr>
-        <a:blipFill dpi="0" rotWithShape="1">
-          <a:blip r:embed="rId2">
-            <a:lum/>
-          </a:blip>
-          <a:srcRect/>
-          <a:stretch>
-            <a:fillRect/>
-          </a:stretch>
-        </a:blipFill>
-        <a:effectLst/>
-      </p:bgPr>
-    </p:bg>
     <p:spTree>
       <p:nvGrpSpPr>
         <p:cNvPr id="1" name=""/>
@@ -4253,7 +4224,193 @@
       </p:grpSpPr>
       <p:sp>
         <p:nvSpPr>
-          <p:cNvPr id="8" name="Rectangle 7"/>
+          <p:cNvPr id="2" name="Title 1"/>
+          <p:cNvSpPr>
+            <a:spLocks noGrp="1"/>
+          </p:cNvSpPr>
+          <p:nvPr>
+            <p:ph type="ctrTitle"/>
+          </p:nvPr>
+        </p:nvSpPr>
+        <p:spPr>
+          <a:xfrm>
+            <a:off x="1774423" y="802298"/>
+            <a:ext cx="8637073" cy="2920713"/>
+          </a:xfrm>
+        </p:spPr>
+        <p:txBody>
+          <a:bodyPr bIns="0" anchor="b">
+            <a:normAutofit/>
+          </a:bodyPr>
+          <a:lstStyle>
+            <a:lvl1pPr algn="ctr">
+              <a:defRPr sz="6600"/>
+            </a:lvl1pPr>
+          </a:lstStyle>
+          <a:p>
+            <a:r>
+              <a:rPr lang="en-US"/>
+              <a:t>Click to edit Master title style</a:t>
+            </a:r>
+            <a:endParaRPr lang="en-US" dirty="0"/>
+          </a:p>
+        </p:txBody>
+      </p:sp>
+      <p:sp>
+        <p:nvSpPr>
+          <p:cNvPr id="3" name="Subtitle 2"/>
+          <p:cNvSpPr>
+            <a:spLocks noGrp="1"/>
+          </p:cNvSpPr>
+          <p:nvPr>
+            <p:ph type="subTitle" idx="1"/>
+          </p:nvPr>
+        </p:nvSpPr>
+        <p:spPr>
+          <a:xfrm>
+            <a:off x="1774424" y="3724074"/>
+            <a:ext cx="8637072" cy="977621"/>
+          </a:xfrm>
+        </p:spPr>
+        <p:txBody>
+          <a:bodyPr tIns="91440" bIns="91440">
+            <a:normAutofit/>
+          </a:bodyPr>
+          <a:lstStyle>
+            <a:lvl1pPr marL="0" indent="0" algn="ctr">
+              <a:buNone/>
+              <a:defRPr sz="1800" b="0" cap="all" baseline="0">
+                <a:solidFill>
+                  <a:schemeClr val="tx1"/>
+                </a:solidFill>
+              </a:defRPr>
+            </a:lvl1pPr>
+            <a:lvl2pPr marL="457200" indent="0" algn="ctr">
+              <a:buNone/>
+              <a:defRPr sz="1800"/>
+            </a:lvl2pPr>
+            <a:lvl3pPr marL="914400" indent="0" algn="ctr">
+              <a:buNone/>
+              <a:defRPr sz="1800"/>
+            </a:lvl3pPr>
+            <a:lvl4pPr marL="1371600" indent="0" algn="ctr">
+              <a:buNone/>
+              <a:defRPr sz="1600"/>
+            </a:lvl4pPr>
+            <a:lvl5pPr marL="1828800" indent="0" algn="ctr">
+              <a:buNone/>
+              <a:defRPr sz="1600"/>
+            </a:lvl5pPr>
+            <a:lvl6pPr marL="2286000" indent="0" algn="ctr">
+              <a:buNone/>
+              <a:defRPr sz="1600"/>
+            </a:lvl6pPr>
+            <a:lvl7pPr marL="2743200" indent="0" algn="ctr">
+              <a:buNone/>
+              <a:defRPr sz="1600"/>
+            </a:lvl7pPr>
+            <a:lvl8pPr marL="3200400" indent="0" algn="ctr">
+              <a:buNone/>
+              <a:defRPr sz="1600"/>
+            </a:lvl8pPr>
+            <a:lvl9pPr marL="3657600" indent="0" algn="ctr">
+              <a:buNone/>
+              <a:defRPr sz="1600"/>
+            </a:lvl9pPr>
+          </a:lstStyle>
+          <a:p>
+            <a:r>
+              <a:rPr lang="en-US"/>
+              <a:t>Click to edit Master subtitle style</a:t>
+            </a:r>
+            <a:endParaRPr lang="en-US" dirty="0"/>
+          </a:p>
+        </p:txBody>
+      </p:sp>
+      <p:sp>
+        <p:nvSpPr>
+          <p:cNvPr id="4" name="Date Placeholder 3"/>
+          <p:cNvSpPr>
+            <a:spLocks noGrp="1"/>
+          </p:cNvSpPr>
+          <p:nvPr>
+            <p:ph type="dt" sz="half" idx="10"/>
+          </p:nvPr>
+        </p:nvSpPr>
+        <p:spPr/>
+        <p:txBody>
+          <a:bodyPr/>
+          <a:lstStyle/>
+          <a:p>
+            <a:fld id="{48A87A34-81AB-432B-8DAE-1953F412C126}" type="datetimeFigureOut">
+              <a:rPr lang="en-US" smtClean="0"/>
+              <a:t>6/7/2022</a:t>
+            </a:fld>
+            <a:endParaRPr lang="en-US" dirty="0"/>
+          </a:p>
+        </p:txBody>
+      </p:sp>
+      <p:sp>
+        <p:nvSpPr>
+          <p:cNvPr id="5" name="Footer Placeholder 4"/>
+          <p:cNvSpPr>
+            <a:spLocks noGrp="1"/>
+          </p:cNvSpPr>
+          <p:nvPr>
+            <p:ph type="ftr" sz="quarter" idx="11"/>
+          </p:nvPr>
+        </p:nvSpPr>
+        <p:spPr>
+          <a:xfrm>
+            <a:off x="1451579" y="329307"/>
+            <a:ext cx="5626774" cy="309201"/>
+          </a:xfrm>
+        </p:spPr>
+        <p:txBody>
+          <a:bodyPr/>
+          <a:lstStyle/>
+          <a:p>
+            <a:endParaRPr lang="en-US" dirty="0"/>
+          </a:p>
+        </p:txBody>
+      </p:sp>
+      <p:sp>
+        <p:nvSpPr>
+          <p:cNvPr id="6" name="Slide Number Placeholder 5"/>
+          <p:cNvSpPr>
+            <a:spLocks noGrp="1"/>
+          </p:cNvSpPr>
+          <p:nvPr>
+            <p:ph type="sldNum" sz="quarter" idx="12"/>
+          </p:nvPr>
+        </p:nvSpPr>
+        <p:spPr>
+          <a:xfrm>
+            <a:off x="476834" y="798973"/>
+            <a:ext cx="811019" cy="503578"/>
+          </a:xfrm>
+        </p:spPr>
+        <p:txBody>
+          <a:bodyPr/>
+          <a:lstStyle/>
+          <a:p>
+            <a:fld id="{6D22F896-40B5-4ADD-8801-0D06FADFA095}" type="slidenum">
+              <a:rPr lang="en-US" smtClean="0"/>
+              <a:t>‹#›</a:t>
+            </a:fld>
+            <a:endParaRPr lang="en-US" dirty="0"/>
+          </a:p>
+        </p:txBody>
+      </p:sp>
+      <p:sp>
+        <p:nvSpPr>
+          <p:cNvPr id="7" name="Rectangle 6">
+            <a:extLst>
+              <a:ext uri="{FF2B5EF4-FFF2-40B4-BE49-F238E27FC236}">
+                <a16:creationId xmlns:a16="http://schemas.microsoft.com/office/drawing/2014/main" id="{CCBF8F40-8DC3-E540-62B5-7E6F4F417AFD}"/>
+              </a:ext>
+            </a:extLst>
+          </p:cNvPr>
           <p:cNvSpPr/>
           <p:nvPr userDrawn="1"/>
         </p:nvSpPr>
@@ -4303,7 +4460,13 @@
       </p:sp>
       <p:sp>
         <p:nvSpPr>
-          <p:cNvPr id="7" name="Rectangle 6"/>
+          <p:cNvPr id="8" name="Rectangle 7">
+            <a:extLst>
+              <a:ext uri="{FF2B5EF4-FFF2-40B4-BE49-F238E27FC236}">
+                <a16:creationId xmlns:a16="http://schemas.microsoft.com/office/drawing/2014/main" id="{29CD40AF-5FDD-1EEB-66EC-2027C17C608D}"/>
+              </a:ext>
+            </a:extLst>
+          </p:cNvPr>
           <p:cNvSpPr/>
           <p:nvPr userDrawn="1"/>
         </p:nvSpPr>
@@ -4347,126 +4510,10 @@
           </a:p>
         </p:txBody>
       </p:sp>
-      <p:sp>
-        <p:nvSpPr>
-          <p:cNvPr id="2" name="Title 1"/>
-          <p:cNvSpPr>
-            <a:spLocks noGrp="1"/>
-          </p:cNvSpPr>
-          <p:nvPr>
-            <p:ph type="ctrTitle"/>
-          </p:nvPr>
-        </p:nvSpPr>
-        <p:spPr bwMode="white">
-          <a:xfrm>
-            <a:off x="1066800" y="3165763"/>
-            <a:ext cx="10058400" cy="1711037"/>
-          </a:xfrm>
-        </p:spPr>
-        <p:txBody>
-          <a:bodyPr anchor="b">
-            <a:normAutofit/>
-          </a:bodyPr>
-          <a:lstStyle>
-            <a:lvl1pPr algn="l">
-              <a:lnSpc>
-                <a:spcPct val="80000"/>
-              </a:lnSpc>
-              <a:defRPr sz="5400">
-                <a:solidFill>
-                  <a:schemeClr val="tx1"/>
-                </a:solidFill>
-              </a:defRPr>
-            </a:lvl1pPr>
-          </a:lstStyle>
-          <a:p>
-            <a:r>
-              <a:rPr lang="en-US"/>
-              <a:t>Click to edit Master title style</a:t>
-            </a:r>
-            <a:endParaRPr lang="en-US" dirty="0"/>
-          </a:p>
-        </p:txBody>
-      </p:sp>
-      <p:sp>
-        <p:nvSpPr>
-          <p:cNvPr id="3" name="Subtitle 2"/>
-          <p:cNvSpPr>
-            <a:spLocks noGrp="1"/>
-          </p:cNvSpPr>
-          <p:nvPr>
-            <p:ph type="subTitle" idx="1"/>
-          </p:nvPr>
-        </p:nvSpPr>
-        <p:spPr bwMode="white">
-          <a:xfrm>
-            <a:off x="1066800" y="4953000"/>
-            <a:ext cx="10058400" cy="685800"/>
-          </a:xfrm>
-        </p:spPr>
-        <p:txBody>
-          <a:bodyPr>
-            <a:normAutofit/>
-          </a:bodyPr>
-          <a:lstStyle>
-            <a:lvl1pPr marL="0" indent="0" algn="l">
-              <a:spcBef>
-                <a:spcPts val="0"/>
-              </a:spcBef>
-              <a:buNone/>
-              <a:defRPr sz="2000">
-                <a:solidFill>
-                  <a:schemeClr val="accent1"/>
-                </a:solidFill>
-                <a:latin typeface="+mj-lt"/>
-              </a:defRPr>
-            </a:lvl1pPr>
-            <a:lvl2pPr marL="457200" indent="0" algn="ctr">
-              <a:buNone/>
-              <a:defRPr sz="2000"/>
-            </a:lvl2pPr>
-            <a:lvl3pPr marL="914400" indent="0" algn="ctr">
-              <a:buNone/>
-              <a:defRPr sz="1800"/>
-            </a:lvl3pPr>
-            <a:lvl4pPr marL="1371600" indent="0" algn="ctr">
-              <a:buNone/>
-              <a:defRPr sz="1600"/>
-            </a:lvl4pPr>
-            <a:lvl5pPr marL="1828800" indent="0" algn="ctr">
-              <a:buNone/>
-              <a:defRPr sz="1600"/>
-            </a:lvl5pPr>
-            <a:lvl6pPr marL="2286000" indent="0" algn="ctr">
-              <a:buNone/>
-              <a:defRPr sz="1600"/>
-            </a:lvl6pPr>
-            <a:lvl7pPr marL="2743200" indent="0" algn="ctr">
-              <a:buNone/>
-              <a:defRPr sz="1600"/>
-            </a:lvl7pPr>
-            <a:lvl8pPr marL="3200400" indent="0" algn="ctr">
-              <a:buNone/>
-              <a:defRPr sz="1600"/>
-            </a:lvl8pPr>
-            <a:lvl9pPr marL="3657600" indent="0" algn="ctr">
-              <a:buNone/>
-              <a:defRPr sz="1600"/>
-            </a:lvl9pPr>
-          </a:lstStyle>
-          <a:p>
-            <a:r>
-              <a:rPr lang="en-US"/>
-              <a:t>Click to edit Master subtitle style</a:t>
-            </a:r>
-            <a:endParaRPr lang="en-US" dirty="0"/>
-          </a:p>
-        </p:txBody>
-      </p:sp>
     </p:spTree>
     <p:extLst>
       <p:ext uri="{BB962C8B-B14F-4D97-AF65-F5344CB8AC3E}">
-        <p14:creationId xmlns:p14="http://schemas.microsoft.com/office/powerpoint/2010/main" val="798862757"/>
+        <p14:creationId xmlns:p14="http://schemas.microsoft.com/office/powerpoint/2010/main" val="1060076293"/>
       </p:ext>
     </p:extLst>
   </p:cSld>
@@ -4512,6 +4559,7 @@
               <a:rPr lang="en-US"/>
               <a:t>Click to edit Master title style</a:t>
             </a:r>
+            <a:endParaRPr lang="en-US" dirty="0"/>
           </a:p>
         </p:txBody>
       </p:sp>
@@ -4569,6 +4617,29 @@
       </p:sp>
       <p:sp>
         <p:nvSpPr>
+          <p:cNvPr id="4" name="Date Placeholder 3"/>
+          <p:cNvSpPr>
+            <a:spLocks noGrp="1"/>
+          </p:cNvSpPr>
+          <p:nvPr>
+            <p:ph type="dt" sz="half" idx="10"/>
+          </p:nvPr>
+        </p:nvSpPr>
+        <p:spPr/>
+        <p:txBody>
+          <a:bodyPr/>
+          <a:lstStyle/>
+          <a:p>
+            <a:fld id="{37CC0096-1860-4642-9CD2-0079EA5E7CD1}" type="datetimeFigureOut">
+              <a:rPr lang="en-US" smtClean="0"/>
+              <a:t>6/7/2022</a:t>
+            </a:fld>
+            <a:endParaRPr lang="en-US"/>
+          </a:p>
+        </p:txBody>
+      </p:sp>
+      <p:sp>
+        <p:nvSpPr>
           <p:cNvPr id="5" name="Footer Placeholder 4"/>
           <p:cNvSpPr>
             <a:spLocks noGrp="1"/>
@@ -4582,29 +4653,6 @@
           <a:bodyPr/>
           <a:lstStyle/>
           <a:p>
-            <a:endParaRPr lang="en-US"/>
-          </a:p>
-        </p:txBody>
-      </p:sp>
-      <p:sp>
-        <p:nvSpPr>
-          <p:cNvPr id="4" name="Date Placeholder 3"/>
-          <p:cNvSpPr>
-            <a:spLocks noGrp="1"/>
-          </p:cNvSpPr>
-          <p:nvPr>
-            <p:ph type="dt" sz="half" idx="10"/>
-          </p:nvPr>
-        </p:nvSpPr>
-        <p:spPr/>
-        <p:txBody>
-          <a:bodyPr/>
-          <a:lstStyle/>
-          <a:p>
-            <a:fld id="{37CC0096-1860-4642-9CD2-0079EA5E7CD1}" type="datetimeFigureOut">
-              <a:rPr lang="en-US" smtClean="0"/>
-              <a:t>6/7/2022</a:t>
-            </a:fld>
             <a:endParaRPr lang="en-US"/>
           </a:p>
         </p:txBody>
@@ -4635,7 +4683,7 @@
     </p:spTree>
     <p:extLst>
       <p:ext uri="{BB962C8B-B14F-4D97-AF65-F5344CB8AC3E}">
-        <p14:creationId xmlns:p14="http://schemas.microsoft.com/office/powerpoint/2010/main" val="2477154221"/>
+        <p14:creationId xmlns:p14="http://schemas.microsoft.com/office/powerpoint/2010/main" val="1030562110"/>
       </p:ext>
     </p:extLst>
   </p:cSld>
@@ -4674,18 +4722,23 @@
         </p:nvSpPr>
         <p:spPr>
           <a:xfrm>
-            <a:off x="8724900" y="457199"/>
-            <a:ext cx="1943100" cy="5638801"/>
+            <a:off x="9127052" y="798973"/>
+            <a:ext cx="1615742" cy="4659889"/>
           </a:xfrm>
         </p:spPr>
         <p:txBody>
           <a:bodyPr vert="eaVert"/>
-          <a:lstStyle/>
+          <a:lstStyle>
+            <a:lvl1pPr algn="l">
+              <a:defRPr/>
+            </a:lvl1pPr>
+          </a:lstStyle>
           <a:p>
             <a:r>
               <a:rPr lang="en-US"/>
               <a:t>Click to edit Master title style</a:t>
             </a:r>
+            <a:endParaRPr lang="en-US" dirty="0"/>
           </a:p>
         </p:txBody>
       </p:sp>
@@ -4701,8 +4754,8 @@
         </p:nvSpPr>
         <p:spPr>
           <a:xfrm>
-            <a:off x="1524000" y="457199"/>
-            <a:ext cx="7048500" cy="5638801"/>
+            <a:off x="1444672" y="798973"/>
+            <a:ext cx="7518654" cy="4659889"/>
           </a:xfrm>
         </p:spPr>
         <p:txBody>
@@ -4743,6 +4796,29 @@
               <a:t>Fifth level</a:t>
             </a:r>
             <a:endParaRPr lang="en-US" dirty="0"/>
+          </a:p>
+        </p:txBody>
+      </p:sp>
+      <p:sp>
+        <p:nvSpPr>
+          <p:cNvPr id="4" name="Date Placeholder 3"/>
+          <p:cNvSpPr>
+            <a:spLocks noGrp="1"/>
+          </p:cNvSpPr>
+          <p:nvPr>
+            <p:ph type="dt" sz="half" idx="10"/>
+          </p:nvPr>
+        </p:nvSpPr>
+        <p:spPr/>
+        <p:txBody>
+          <a:bodyPr/>
+          <a:lstStyle/>
+          <a:p>
+            <a:fld id="{37CC0096-1860-4642-9CD2-0079EA5E7CD1}" type="datetimeFigureOut">
+              <a:rPr lang="en-US" smtClean="0"/>
+              <a:t>6/7/2022</a:t>
+            </a:fld>
+            <a:endParaRPr lang="en-US"/>
           </a:p>
         </p:txBody>
       </p:sp>
@@ -4767,29 +4843,6 @@
       </p:sp>
       <p:sp>
         <p:nvSpPr>
-          <p:cNvPr id="4" name="Date Placeholder 3"/>
-          <p:cNvSpPr>
-            <a:spLocks noGrp="1"/>
-          </p:cNvSpPr>
-          <p:nvPr>
-            <p:ph type="dt" sz="half" idx="10"/>
-          </p:nvPr>
-        </p:nvSpPr>
-        <p:spPr/>
-        <p:txBody>
-          <a:bodyPr/>
-          <a:lstStyle/>
-          <a:p>
-            <a:fld id="{37CC0096-1860-4642-9CD2-0079EA5E7CD1}" type="datetimeFigureOut">
-              <a:rPr lang="en-US" smtClean="0"/>
-              <a:t>6/7/2022</a:t>
-            </a:fld>
-            <a:endParaRPr lang="en-US"/>
-          </a:p>
-        </p:txBody>
-      </p:sp>
-      <p:sp>
-        <p:nvSpPr>
           <p:cNvPr id="6" name="Slide Number Placeholder 5"/>
           <p:cNvSpPr>
             <a:spLocks noGrp="1"/>
@@ -4814,7 +4867,7 @@
     </p:spTree>
     <p:extLst>
       <p:ext uri="{BB962C8B-B14F-4D97-AF65-F5344CB8AC3E}">
-        <p14:creationId xmlns:p14="http://schemas.microsoft.com/office/powerpoint/2010/main" val="2524635021"/>
+        <p14:creationId xmlns:p14="http://schemas.microsoft.com/office/powerpoint/2010/main" val="4052017505"/>
       </p:ext>
     </p:extLst>
   </p:cSld>
@@ -4824,1266 +4877,9 @@
 </p:sldLayout>
 </file>
 
-<file path=ppt/slideLayouts/slideLayout2.xml><?xml version="1.0" encoding="utf-8"?>
-<p:sldLayout xmlns:a="http://schemas.openxmlformats.org/drawingml/2006/main" xmlns:r="http://schemas.openxmlformats.org/officeDocument/2006/relationships" xmlns:p="http://schemas.openxmlformats.org/presentationml/2006/main" type="obj" preserve="1">
-  <p:cSld name="Title and Content">
-    <p:spTree>
-      <p:nvGrpSpPr>
-        <p:cNvPr id="1" name=""/>
-        <p:cNvGrpSpPr/>
-        <p:nvPr/>
-      </p:nvGrpSpPr>
-      <p:grpSpPr>
-        <a:xfrm>
-          <a:off x="0" y="0"/>
-          <a:ext cx="0" cy="0"/>
-          <a:chOff x="0" y="0"/>
-          <a:chExt cx="0" cy="0"/>
-        </a:xfrm>
-      </p:grpSpPr>
-      <p:sp>
-        <p:nvSpPr>
-          <p:cNvPr id="2" name="Title 1"/>
-          <p:cNvSpPr>
-            <a:spLocks noGrp="1"/>
-          </p:cNvSpPr>
-          <p:nvPr>
-            <p:ph type="title"/>
-          </p:nvPr>
-        </p:nvSpPr>
-        <p:spPr/>
-        <p:txBody>
-          <a:bodyPr/>
-          <a:lstStyle/>
-          <a:p>
-            <a:r>
-              <a:rPr lang="en-US"/>
-              <a:t>Click to edit Master title style</a:t>
-            </a:r>
-          </a:p>
-        </p:txBody>
-      </p:sp>
-      <p:sp>
-        <p:nvSpPr>
-          <p:cNvPr id="3" name="Content Placeholder 2"/>
-          <p:cNvSpPr>
-            <a:spLocks noGrp="1"/>
-          </p:cNvSpPr>
-          <p:nvPr>
-            <p:ph idx="1"/>
-          </p:nvPr>
-        </p:nvSpPr>
-        <p:spPr/>
-        <p:txBody>
-          <a:bodyPr/>
-          <a:lstStyle>
-            <a:lvl5pPr>
-              <a:defRPr/>
-            </a:lvl5pPr>
-          </a:lstStyle>
-          <a:p>
-            <a:pPr lvl="0"/>
-            <a:r>
-              <a:rPr lang="en-US"/>
-              <a:t>Click to edit Master text styles</a:t>
-            </a:r>
-          </a:p>
-          <a:p>
-            <a:pPr lvl="1"/>
-            <a:r>
-              <a:rPr lang="en-US"/>
-              <a:t>Second level</a:t>
-            </a:r>
-          </a:p>
-          <a:p>
-            <a:pPr lvl="2"/>
-            <a:r>
-              <a:rPr lang="en-US"/>
-              <a:t>Third level</a:t>
-            </a:r>
-          </a:p>
-          <a:p>
-            <a:pPr lvl="3"/>
-            <a:r>
-              <a:rPr lang="en-US"/>
-              <a:t>Fourth level</a:t>
-            </a:r>
-          </a:p>
-          <a:p>
-            <a:pPr lvl="4"/>
-            <a:r>
-              <a:rPr lang="en-US"/>
-              <a:t>Fifth level</a:t>
-            </a:r>
-            <a:endParaRPr lang="en-US" dirty="0"/>
-          </a:p>
-        </p:txBody>
-      </p:sp>
-      <p:sp>
-        <p:nvSpPr>
-          <p:cNvPr id="5" name="Footer Placeholder 4"/>
-          <p:cNvSpPr>
-            <a:spLocks noGrp="1"/>
-          </p:cNvSpPr>
-          <p:nvPr>
-            <p:ph type="ftr" sz="quarter" idx="11"/>
-          </p:nvPr>
-        </p:nvSpPr>
-        <p:spPr/>
-        <p:txBody>
-          <a:bodyPr/>
-          <a:lstStyle/>
-          <a:p>
-            <a:endParaRPr lang="en-US" dirty="0"/>
-          </a:p>
-        </p:txBody>
-      </p:sp>
-      <p:sp>
-        <p:nvSpPr>
-          <p:cNvPr id="4" name="Date Placeholder 3"/>
-          <p:cNvSpPr>
-            <a:spLocks noGrp="1"/>
-          </p:cNvSpPr>
-          <p:nvPr>
-            <p:ph type="dt" sz="half" idx="10"/>
-          </p:nvPr>
-        </p:nvSpPr>
-        <p:spPr/>
-        <p:txBody>
-          <a:bodyPr/>
-          <a:lstStyle/>
-          <a:p>
-            <a:fld id="{37CC0096-1860-4642-9CD2-0079EA5E7CD1}" type="datetimeFigureOut">
-              <a:rPr lang="en-US" smtClean="0"/>
-              <a:t>6/7/2022</a:t>
-            </a:fld>
-            <a:endParaRPr lang="en-US"/>
-          </a:p>
-        </p:txBody>
-      </p:sp>
-      <p:sp>
-        <p:nvSpPr>
-          <p:cNvPr id="6" name="Slide Number Placeholder 5"/>
-          <p:cNvSpPr>
-            <a:spLocks noGrp="1"/>
-          </p:cNvSpPr>
-          <p:nvPr>
-            <p:ph type="sldNum" sz="quarter" idx="12"/>
-          </p:nvPr>
-        </p:nvSpPr>
-        <p:spPr/>
-        <p:txBody>
-          <a:bodyPr/>
-          <a:lstStyle/>
-          <a:p>
-            <a:fld id="{E31375A4-56A4-47D6-9801-1991572033F7}" type="slidenum">
-              <a:rPr lang="en-US" smtClean="0"/>
-              <a:t>‹#›</a:t>
-            </a:fld>
-            <a:endParaRPr lang="en-US"/>
-          </a:p>
-        </p:txBody>
-      </p:sp>
-    </p:spTree>
-    <p:extLst>
-      <p:ext uri="{BB962C8B-B14F-4D97-AF65-F5344CB8AC3E}">
-        <p14:creationId xmlns:p14="http://schemas.microsoft.com/office/powerpoint/2010/main" val="3112444112"/>
-      </p:ext>
-    </p:extLst>
-  </p:cSld>
-  <p:clrMapOvr>
-    <a:masterClrMapping/>
-  </p:clrMapOvr>
-</p:sldLayout>
-</file>
-
-<file path=ppt/slideLayouts/slideLayout3.xml><?xml version="1.0" encoding="utf-8"?>
-<p:sldLayout xmlns:a="http://schemas.openxmlformats.org/drawingml/2006/main" xmlns:r="http://schemas.openxmlformats.org/officeDocument/2006/relationships" xmlns:p="http://schemas.openxmlformats.org/presentationml/2006/main" type="secHead" preserve="1">
-  <p:cSld name="Section Header">
-    <p:spTree>
-      <p:nvGrpSpPr>
-        <p:cNvPr id="1" name=""/>
-        <p:cNvGrpSpPr/>
-        <p:nvPr/>
-      </p:nvGrpSpPr>
-      <p:grpSpPr>
-        <a:xfrm>
-          <a:off x="0" y="0"/>
-          <a:ext cx="0" cy="0"/>
-          <a:chOff x="0" y="0"/>
-          <a:chExt cx="0" cy="0"/>
-        </a:xfrm>
-      </p:grpSpPr>
-      <p:sp>
-        <p:nvSpPr>
-          <p:cNvPr id="2" name="Title 1"/>
-          <p:cNvSpPr>
-            <a:spLocks noGrp="1"/>
-          </p:cNvSpPr>
-          <p:nvPr>
-            <p:ph type="title"/>
-          </p:nvPr>
-        </p:nvSpPr>
-        <p:spPr>
-          <a:xfrm>
-            <a:off x="1524000" y="1828800"/>
-            <a:ext cx="9144000" cy="2743200"/>
-          </a:xfrm>
-        </p:spPr>
-        <p:txBody>
-          <a:bodyPr anchor="b">
-            <a:normAutofit/>
-          </a:bodyPr>
-          <a:lstStyle>
-            <a:lvl1pPr>
-              <a:defRPr sz="5400">
-                <a:solidFill>
-                  <a:schemeClr val="tx1"/>
-                </a:solidFill>
-              </a:defRPr>
-            </a:lvl1pPr>
-          </a:lstStyle>
-          <a:p>
-            <a:r>
-              <a:rPr lang="en-US"/>
-              <a:t>Click to edit Master title style</a:t>
-            </a:r>
-          </a:p>
-        </p:txBody>
-      </p:sp>
-      <p:sp>
-        <p:nvSpPr>
-          <p:cNvPr id="3" name="Text Placeholder 2"/>
-          <p:cNvSpPr>
-            <a:spLocks noGrp="1"/>
-          </p:cNvSpPr>
-          <p:nvPr>
-            <p:ph type="body" idx="1"/>
-          </p:nvPr>
-        </p:nvSpPr>
-        <p:spPr>
-          <a:xfrm>
-            <a:off x="1524000" y="4589463"/>
-            <a:ext cx="9144000" cy="1506537"/>
-          </a:xfrm>
-        </p:spPr>
-        <p:txBody>
-          <a:bodyPr>
-            <a:normAutofit/>
-          </a:bodyPr>
-          <a:lstStyle>
-            <a:lvl1pPr marL="0" indent="0">
-              <a:spcBef>
-                <a:spcPts val="0"/>
-              </a:spcBef>
-              <a:buNone/>
-              <a:defRPr sz="2000">
-                <a:solidFill>
-                  <a:schemeClr val="accent1"/>
-                </a:solidFill>
-                <a:latin typeface="+mj-lt"/>
-              </a:defRPr>
-            </a:lvl1pPr>
-            <a:lvl2pPr marL="457200" indent="0">
-              <a:buNone/>
-              <a:defRPr sz="2000"/>
-            </a:lvl2pPr>
-            <a:lvl3pPr marL="914400" indent="0">
-              <a:buNone/>
-              <a:defRPr sz="1800"/>
-            </a:lvl3pPr>
-            <a:lvl4pPr marL="1371600" indent="0">
-              <a:buNone/>
-              <a:defRPr sz="1600"/>
-            </a:lvl4pPr>
-            <a:lvl5pPr marL="1828800" indent="0">
-              <a:buNone/>
-              <a:defRPr sz="1600"/>
-            </a:lvl5pPr>
-            <a:lvl6pPr marL="2286000" indent="0">
-              <a:buNone/>
-              <a:defRPr sz="1600"/>
-            </a:lvl6pPr>
-            <a:lvl7pPr marL="2743200" indent="0">
-              <a:buNone/>
-              <a:defRPr sz="1600"/>
-            </a:lvl7pPr>
-            <a:lvl8pPr marL="3200400" indent="0">
-              <a:buNone/>
-              <a:defRPr sz="1600"/>
-            </a:lvl8pPr>
-            <a:lvl9pPr marL="3657600" indent="0">
-              <a:buNone/>
-              <a:defRPr sz="1600"/>
-            </a:lvl9pPr>
-          </a:lstStyle>
-          <a:p>
-            <a:pPr lvl="0"/>
-            <a:r>
-              <a:rPr lang="en-US"/>
-              <a:t>Click to edit Master text styles</a:t>
-            </a:r>
-          </a:p>
-        </p:txBody>
-      </p:sp>
-    </p:spTree>
-    <p:extLst>
-      <p:ext uri="{BB962C8B-B14F-4D97-AF65-F5344CB8AC3E}">
-        <p14:creationId xmlns:p14="http://schemas.microsoft.com/office/powerpoint/2010/main" val="3506778040"/>
-      </p:ext>
-    </p:extLst>
-  </p:cSld>
-  <p:clrMapOvr>
-    <a:masterClrMapping/>
-  </p:clrMapOvr>
-</p:sldLayout>
-</file>
-
-<file path=ppt/slideLayouts/slideLayout4.xml><?xml version="1.0" encoding="utf-8"?>
-<p:sldLayout xmlns:a="http://schemas.openxmlformats.org/drawingml/2006/main" xmlns:r="http://schemas.openxmlformats.org/officeDocument/2006/relationships" xmlns:p="http://schemas.openxmlformats.org/presentationml/2006/main" type="twoObj" preserve="1">
-  <p:cSld name="Two Content">
-    <p:spTree>
-      <p:nvGrpSpPr>
-        <p:cNvPr id="1" name=""/>
-        <p:cNvGrpSpPr/>
-        <p:nvPr/>
-      </p:nvGrpSpPr>
-      <p:grpSpPr>
-        <a:xfrm>
-          <a:off x="0" y="0"/>
-          <a:ext cx="0" cy="0"/>
-          <a:chOff x="0" y="0"/>
-          <a:chExt cx="0" cy="0"/>
-        </a:xfrm>
-      </p:grpSpPr>
-      <p:sp>
-        <p:nvSpPr>
-          <p:cNvPr id="2" name="Title 1"/>
-          <p:cNvSpPr>
-            <a:spLocks noGrp="1"/>
-          </p:cNvSpPr>
-          <p:nvPr>
-            <p:ph type="title"/>
-          </p:nvPr>
-        </p:nvSpPr>
-        <p:spPr/>
-        <p:txBody>
-          <a:bodyPr/>
-          <a:lstStyle/>
-          <a:p>
-            <a:r>
-              <a:rPr lang="en-US"/>
-              <a:t>Click to edit Master title style</a:t>
-            </a:r>
-          </a:p>
-        </p:txBody>
-      </p:sp>
-      <p:sp>
-        <p:nvSpPr>
-          <p:cNvPr id="3" name="Content Placeholder 2"/>
-          <p:cNvSpPr>
-            <a:spLocks noGrp="1"/>
-          </p:cNvSpPr>
-          <p:nvPr>
-            <p:ph sz="half" idx="1"/>
-          </p:nvPr>
-        </p:nvSpPr>
-        <p:spPr>
-          <a:xfrm>
-            <a:off x="1524000" y="1825625"/>
-            <a:ext cx="4343400" cy="4270375"/>
-          </a:xfrm>
-        </p:spPr>
-        <p:txBody>
-          <a:bodyPr>
-            <a:normAutofit/>
-          </a:bodyPr>
-          <a:lstStyle>
-            <a:lvl1pPr>
-              <a:defRPr sz="2000"/>
-            </a:lvl1pPr>
-            <a:lvl2pPr>
-              <a:defRPr sz="1800"/>
-            </a:lvl2pPr>
-            <a:lvl3pPr>
-              <a:defRPr sz="1600"/>
-            </a:lvl3pPr>
-            <a:lvl4pPr>
-              <a:defRPr sz="1400"/>
-            </a:lvl4pPr>
-            <a:lvl5pPr>
-              <a:defRPr sz="1400"/>
-            </a:lvl5pPr>
-            <a:lvl6pPr>
-              <a:defRPr sz="1400"/>
-            </a:lvl6pPr>
-            <a:lvl7pPr>
-              <a:defRPr sz="1400"/>
-            </a:lvl7pPr>
-            <a:lvl8pPr>
-              <a:defRPr sz="1400"/>
-            </a:lvl8pPr>
-            <a:lvl9pPr>
-              <a:defRPr sz="1400"/>
-            </a:lvl9pPr>
-          </a:lstStyle>
-          <a:p>
-            <a:pPr lvl="0"/>
-            <a:r>
-              <a:rPr lang="en-US"/>
-              <a:t>Click to edit Master text styles</a:t>
-            </a:r>
-          </a:p>
-          <a:p>
-            <a:pPr lvl="1"/>
-            <a:r>
-              <a:rPr lang="en-US"/>
-              <a:t>Second level</a:t>
-            </a:r>
-          </a:p>
-          <a:p>
-            <a:pPr lvl="2"/>
-            <a:r>
-              <a:rPr lang="en-US"/>
-              <a:t>Third level</a:t>
-            </a:r>
-          </a:p>
-          <a:p>
-            <a:pPr lvl="3"/>
-            <a:r>
-              <a:rPr lang="en-US"/>
-              <a:t>Fourth level</a:t>
-            </a:r>
-          </a:p>
-          <a:p>
-            <a:pPr lvl="4"/>
-            <a:r>
-              <a:rPr lang="en-US"/>
-              <a:t>Fifth level</a:t>
-            </a:r>
-            <a:endParaRPr lang="en-US" dirty="0"/>
-          </a:p>
-        </p:txBody>
-      </p:sp>
-      <p:sp>
-        <p:nvSpPr>
-          <p:cNvPr id="4" name="Content Placeholder 3"/>
-          <p:cNvSpPr>
-            <a:spLocks noGrp="1"/>
-          </p:cNvSpPr>
-          <p:nvPr>
-            <p:ph sz="half" idx="2"/>
-          </p:nvPr>
-        </p:nvSpPr>
-        <p:spPr>
-          <a:xfrm>
-            <a:off x="6324600" y="1825625"/>
-            <a:ext cx="4343400" cy="4270375"/>
-          </a:xfrm>
-        </p:spPr>
-        <p:txBody>
-          <a:bodyPr>
-            <a:normAutofit/>
-          </a:bodyPr>
-          <a:lstStyle>
-            <a:lvl1pPr>
-              <a:defRPr sz="2000"/>
-            </a:lvl1pPr>
-            <a:lvl2pPr>
-              <a:defRPr sz="1800"/>
-            </a:lvl2pPr>
-            <a:lvl3pPr>
-              <a:defRPr sz="1600"/>
-            </a:lvl3pPr>
-            <a:lvl4pPr>
-              <a:defRPr sz="1400"/>
-            </a:lvl4pPr>
-            <a:lvl5pPr>
-              <a:defRPr sz="1400"/>
-            </a:lvl5pPr>
-            <a:lvl6pPr>
-              <a:defRPr sz="1400"/>
-            </a:lvl6pPr>
-            <a:lvl7pPr>
-              <a:defRPr sz="1400"/>
-            </a:lvl7pPr>
-            <a:lvl8pPr>
-              <a:defRPr sz="1400"/>
-            </a:lvl8pPr>
-            <a:lvl9pPr>
-              <a:defRPr sz="1400"/>
-            </a:lvl9pPr>
-          </a:lstStyle>
-          <a:p>
-            <a:pPr lvl="0"/>
-            <a:r>
-              <a:rPr lang="en-US"/>
-              <a:t>Click to edit Master text styles</a:t>
-            </a:r>
-          </a:p>
-          <a:p>
-            <a:pPr lvl="1"/>
-            <a:r>
-              <a:rPr lang="en-US"/>
-              <a:t>Second level</a:t>
-            </a:r>
-          </a:p>
-          <a:p>
-            <a:pPr lvl="2"/>
-            <a:r>
-              <a:rPr lang="en-US"/>
-              <a:t>Third level</a:t>
-            </a:r>
-          </a:p>
-          <a:p>
-            <a:pPr lvl="3"/>
-            <a:r>
-              <a:rPr lang="en-US"/>
-              <a:t>Fourth level</a:t>
-            </a:r>
-          </a:p>
-          <a:p>
-            <a:pPr lvl="4"/>
-            <a:r>
-              <a:rPr lang="en-US"/>
-              <a:t>Fifth level</a:t>
-            </a:r>
-            <a:endParaRPr lang="en-US" dirty="0"/>
-          </a:p>
-        </p:txBody>
-      </p:sp>
-      <p:sp>
-        <p:nvSpPr>
-          <p:cNvPr id="6" name="Footer Placeholder 5"/>
-          <p:cNvSpPr>
-            <a:spLocks noGrp="1"/>
-          </p:cNvSpPr>
-          <p:nvPr>
-            <p:ph type="ftr" sz="quarter" idx="11"/>
-          </p:nvPr>
-        </p:nvSpPr>
-        <p:spPr/>
-        <p:txBody>
-          <a:bodyPr/>
-          <a:lstStyle/>
-          <a:p>
-            <a:endParaRPr lang="en-US"/>
-          </a:p>
-        </p:txBody>
-      </p:sp>
-      <p:sp>
-        <p:nvSpPr>
-          <p:cNvPr id="5" name="Date Placeholder 4"/>
-          <p:cNvSpPr>
-            <a:spLocks noGrp="1"/>
-          </p:cNvSpPr>
-          <p:nvPr>
-            <p:ph type="dt" sz="half" idx="10"/>
-          </p:nvPr>
-        </p:nvSpPr>
-        <p:spPr/>
-        <p:txBody>
-          <a:bodyPr/>
-          <a:lstStyle/>
-          <a:p>
-            <a:fld id="{37CC0096-1860-4642-9CD2-0079EA5E7CD1}" type="datetimeFigureOut">
-              <a:rPr lang="en-US" smtClean="0"/>
-              <a:t>6/7/2022</a:t>
-            </a:fld>
-            <a:endParaRPr lang="en-US"/>
-          </a:p>
-        </p:txBody>
-      </p:sp>
-      <p:sp>
-        <p:nvSpPr>
-          <p:cNvPr id="7" name="Slide Number Placeholder 6"/>
-          <p:cNvSpPr>
-            <a:spLocks noGrp="1"/>
-          </p:cNvSpPr>
-          <p:nvPr>
-            <p:ph type="sldNum" sz="quarter" idx="12"/>
-          </p:nvPr>
-        </p:nvSpPr>
-        <p:spPr/>
-        <p:txBody>
-          <a:bodyPr/>
-          <a:lstStyle/>
-          <a:p>
-            <a:fld id="{E31375A4-56A4-47D6-9801-1991572033F7}" type="slidenum">
-              <a:rPr lang="en-US" smtClean="0"/>
-              <a:t>‹#›</a:t>
-            </a:fld>
-            <a:endParaRPr lang="en-US"/>
-          </a:p>
-        </p:txBody>
-      </p:sp>
-    </p:spTree>
-    <p:extLst>
-      <p:ext uri="{BB962C8B-B14F-4D97-AF65-F5344CB8AC3E}">
-        <p14:creationId xmlns:p14="http://schemas.microsoft.com/office/powerpoint/2010/main" val="4044567947"/>
-      </p:ext>
-    </p:extLst>
-  </p:cSld>
-  <p:clrMapOvr>
-    <a:masterClrMapping/>
-  </p:clrMapOvr>
-</p:sldLayout>
-</file>
-
-<file path=ppt/slideLayouts/slideLayout5.xml><?xml version="1.0" encoding="utf-8"?>
-<p:sldLayout xmlns:a="http://schemas.openxmlformats.org/drawingml/2006/main" xmlns:r="http://schemas.openxmlformats.org/officeDocument/2006/relationships" xmlns:p="http://schemas.openxmlformats.org/presentationml/2006/main" type="twoTxTwoObj" preserve="1">
-  <p:cSld name="Comparison">
-    <p:spTree>
-      <p:nvGrpSpPr>
-        <p:cNvPr id="1" name=""/>
-        <p:cNvGrpSpPr/>
-        <p:nvPr/>
-      </p:nvGrpSpPr>
-      <p:grpSpPr>
-        <a:xfrm>
-          <a:off x="0" y="0"/>
-          <a:ext cx="0" cy="0"/>
-          <a:chOff x="0" y="0"/>
-          <a:chExt cx="0" cy="0"/>
-        </a:xfrm>
-      </p:grpSpPr>
-      <p:sp>
-        <p:nvSpPr>
-          <p:cNvPr id="2" name="Title 1"/>
-          <p:cNvSpPr>
-            <a:spLocks noGrp="1"/>
-          </p:cNvSpPr>
-          <p:nvPr>
-            <p:ph type="title"/>
-          </p:nvPr>
-        </p:nvSpPr>
-        <p:spPr/>
-        <p:txBody>
-          <a:bodyPr/>
-          <a:lstStyle/>
-          <a:p>
-            <a:r>
-              <a:rPr lang="en-US"/>
-              <a:t>Click to edit Master title style</a:t>
-            </a:r>
-          </a:p>
-        </p:txBody>
-      </p:sp>
-      <p:sp>
-        <p:nvSpPr>
-          <p:cNvPr id="3" name="Text Placeholder 2"/>
-          <p:cNvSpPr>
-            <a:spLocks noGrp="1"/>
-          </p:cNvSpPr>
-          <p:nvPr>
-            <p:ph type="body" idx="1"/>
-          </p:nvPr>
-        </p:nvSpPr>
-        <p:spPr>
-          <a:xfrm>
-            <a:off x="1527048" y="1828800"/>
-            <a:ext cx="4343400" cy="685800"/>
-          </a:xfrm>
-        </p:spPr>
-        <p:txBody>
-          <a:bodyPr anchor="ctr">
-            <a:normAutofit/>
-          </a:bodyPr>
-          <a:lstStyle>
-            <a:lvl1pPr marL="0" indent="0">
-              <a:spcBef>
-                <a:spcPts val="0"/>
-              </a:spcBef>
-              <a:buNone/>
-              <a:defRPr sz="2200" b="0">
-                <a:solidFill>
-                  <a:schemeClr val="tx1"/>
-                </a:solidFill>
-              </a:defRPr>
-            </a:lvl1pPr>
-            <a:lvl2pPr marL="457200" indent="0">
-              <a:buNone/>
-              <a:defRPr sz="2000" b="1"/>
-            </a:lvl2pPr>
-            <a:lvl3pPr marL="914400" indent="0">
-              <a:buNone/>
-              <a:defRPr sz="1800" b="1"/>
-            </a:lvl3pPr>
-            <a:lvl4pPr marL="1371600" indent="0">
-              <a:buNone/>
-              <a:defRPr sz="1600" b="1"/>
-            </a:lvl4pPr>
-            <a:lvl5pPr marL="1828800" indent="0">
-              <a:buNone/>
-              <a:defRPr sz="1600" b="1"/>
-            </a:lvl5pPr>
-            <a:lvl6pPr marL="2286000" indent="0">
-              <a:buNone/>
-              <a:defRPr sz="1600" b="1"/>
-            </a:lvl6pPr>
-            <a:lvl7pPr marL="2743200" indent="0">
-              <a:buNone/>
-              <a:defRPr sz="1600" b="1"/>
-            </a:lvl7pPr>
-            <a:lvl8pPr marL="3200400" indent="0">
-              <a:buNone/>
-              <a:defRPr sz="1600" b="1"/>
-            </a:lvl8pPr>
-            <a:lvl9pPr marL="3657600" indent="0">
-              <a:buNone/>
-              <a:defRPr sz="1600" b="1"/>
-            </a:lvl9pPr>
-          </a:lstStyle>
-          <a:p>
-            <a:pPr lvl="0"/>
-            <a:r>
-              <a:rPr lang="en-US"/>
-              <a:t>Click to edit Master text styles</a:t>
-            </a:r>
-          </a:p>
-        </p:txBody>
-      </p:sp>
-      <p:sp>
-        <p:nvSpPr>
-          <p:cNvPr id="4" name="Content Placeholder 3"/>
-          <p:cNvSpPr>
-            <a:spLocks noGrp="1"/>
-          </p:cNvSpPr>
-          <p:nvPr>
-            <p:ph sz="half" idx="2"/>
-          </p:nvPr>
-        </p:nvSpPr>
-        <p:spPr>
-          <a:xfrm>
-            <a:off x="1527048" y="2514600"/>
-            <a:ext cx="4343400" cy="3581401"/>
-          </a:xfrm>
-        </p:spPr>
-        <p:txBody>
-          <a:bodyPr>
-            <a:normAutofit/>
-          </a:bodyPr>
-          <a:lstStyle>
-            <a:lvl1pPr>
-              <a:defRPr sz="2000"/>
-            </a:lvl1pPr>
-            <a:lvl2pPr>
-              <a:defRPr sz="1800"/>
-            </a:lvl2pPr>
-            <a:lvl3pPr>
-              <a:defRPr sz="1600"/>
-            </a:lvl3pPr>
-            <a:lvl4pPr>
-              <a:defRPr sz="1400"/>
-            </a:lvl4pPr>
-            <a:lvl5pPr>
-              <a:defRPr sz="1400"/>
-            </a:lvl5pPr>
-            <a:lvl6pPr>
-              <a:defRPr sz="1400"/>
-            </a:lvl6pPr>
-            <a:lvl7pPr>
-              <a:defRPr sz="1400"/>
-            </a:lvl7pPr>
-            <a:lvl8pPr>
-              <a:defRPr sz="1400"/>
-            </a:lvl8pPr>
-            <a:lvl9pPr>
-              <a:defRPr sz="1400"/>
-            </a:lvl9pPr>
-          </a:lstStyle>
-          <a:p>
-            <a:pPr lvl="0"/>
-            <a:r>
-              <a:rPr lang="en-US"/>
-              <a:t>Click to edit Master text styles</a:t>
-            </a:r>
-          </a:p>
-          <a:p>
-            <a:pPr lvl="1"/>
-            <a:r>
-              <a:rPr lang="en-US"/>
-              <a:t>Second level</a:t>
-            </a:r>
-          </a:p>
-          <a:p>
-            <a:pPr lvl="2"/>
-            <a:r>
-              <a:rPr lang="en-US"/>
-              <a:t>Third level</a:t>
-            </a:r>
-          </a:p>
-          <a:p>
-            <a:pPr lvl="3"/>
-            <a:r>
-              <a:rPr lang="en-US"/>
-              <a:t>Fourth level</a:t>
-            </a:r>
-          </a:p>
-          <a:p>
-            <a:pPr lvl="4"/>
-            <a:r>
-              <a:rPr lang="en-US"/>
-              <a:t>Fifth level</a:t>
-            </a:r>
-            <a:endParaRPr lang="en-US" dirty="0"/>
-          </a:p>
-        </p:txBody>
-      </p:sp>
-      <p:sp>
-        <p:nvSpPr>
-          <p:cNvPr id="5" name="Text Placeholder 4"/>
-          <p:cNvSpPr>
-            <a:spLocks noGrp="1"/>
-          </p:cNvSpPr>
-          <p:nvPr>
-            <p:ph type="body" sz="quarter" idx="3"/>
-          </p:nvPr>
-        </p:nvSpPr>
-        <p:spPr>
-          <a:xfrm>
-            <a:off x="6327648" y="1828800"/>
-            <a:ext cx="4343400" cy="685800"/>
-          </a:xfrm>
-        </p:spPr>
-        <p:txBody>
-          <a:bodyPr anchor="ctr">
-            <a:normAutofit/>
-          </a:bodyPr>
-          <a:lstStyle>
-            <a:lvl1pPr marL="0" indent="0">
-              <a:spcBef>
-                <a:spcPts val="0"/>
-              </a:spcBef>
-              <a:buNone/>
-              <a:defRPr sz="2200" b="0">
-                <a:solidFill>
-                  <a:schemeClr val="tx1"/>
-                </a:solidFill>
-              </a:defRPr>
-            </a:lvl1pPr>
-            <a:lvl2pPr marL="457200" indent="0">
-              <a:buNone/>
-              <a:defRPr sz="2000" b="1"/>
-            </a:lvl2pPr>
-            <a:lvl3pPr marL="914400" indent="0">
-              <a:buNone/>
-              <a:defRPr sz="1800" b="1"/>
-            </a:lvl3pPr>
-            <a:lvl4pPr marL="1371600" indent="0">
-              <a:buNone/>
-              <a:defRPr sz="1600" b="1"/>
-            </a:lvl4pPr>
-            <a:lvl5pPr marL="1828800" indent="0">
-              <a:buNone/>
-              <a:defRPr sz="1600" b="1"/>
-            </a:lvl5pPr>
-            <a:lvl6pPr marL="2286000" indent="0">
-              <a:buNone/>
-              <a:defRPr sz="1600" b="1"/>
-            </a:lvl6pPr>
-            <a:lvl7pPr marL="2743200" indent="0">
-              <a:buNone/>
-              <a:defRPr sz="1600" b="1"/>
-            </a:lvl7pPr>
-            <a:lvl8pPr marL="3200400" indent="0">
-              <a:buNone/>
-              <a:defRPr sz="1600" b="1"/>
-            </a:lvl8pPr>
-            <a:lvl9pPr marL="3657600" indent="0">
-              <a:buNone/>
-              <a:defRPr sz="1600" b="1"/>
-            </a:lvl9pPr>
-          </a:lstStyle>
-          <a:p>
-            <a:pPr lvl="0"/>
-            <a:r>
-              <a:rPr lang="en-US"/>
-              <a:t>Click to edit Master text styles</a:t>
-            </a:r>
-          </a:p>
-        </p:txBody>
-      </p:sp>
-      <p:sp>
-        <p:nvSpPr>
-          <p:cNvPr id="6" name="Content Placeholder 5"/>
-          <p:cNvSpPr>
-            <a:spLocks noGrp="1"/>
-          </p:cNvSpPr>
-          <p:nvPr>
-            <p:ph sz="quarter" idx="4"/>
-          </p:nvPr>
-        </p:nvSpPr>
-        <p:spPr>
-          <a:xfrm>
-            <a:off x="6327648" y="2514600"/>
-            <a:ext cx="4343400" cy="3581401"/>
-          </a:xfrm>
-        </p:spPr>
-        <p:txBody>
-          <a:bodyPr>
-            <a:normAutofit/>
-          </a:bodyPr>
-          <a:lstStyle>
-            <a:lvl1pPr>
-              <a:defRPr sz="2000"/>
-            </a:lvl1pPr>
-            <a:lvl2pPr>
-              <a:defRPr sz="1800"/>
-            </a:lvl2pPr>
-            <a:lvl3pPr>
-              <a:defRPr sz="1600"/>
-            </a:lvl3pPr>
-            <a:lvl4pPr>
-              <a:defRPr sz="1400"/>
-            </a:lvl4pPr>
-            <a:lvl5pPr>
-              <a:defRPr sz="1400"/>
-            </a:lvl5pPr>
-            <a:lvl6pPr>
-              <a:defRPr sz="1400"/>
-            </a:lvl6pPr>
-            <a:lvl7pPr>
-              <a:defRPr sz="1400"/>
-            </a:lvl7pPr>
-            <a:lvl8pPr>
-              <a:defRPr sz="1400"/>
-            </a:lvl8pPr>
-            <a:lvl9pPr>
-              <a:defRPr sz="1400"/>
-            </a:lvl9pPr>
-          </a:lstStyle>
-          <a:p>
-            <a:pPr lvl="0"/>
-            <a:r>
-              <a:rPr lang="en-US"/>
-              <a:t>Click to edit Master text styles</a:t>
-            </a:r>
-          </a:p>
-          <a:p>
-            <a:pPr lvl="1"/>
-            <a:r>
-              <a:rPr lang="en-US"/>
-              <a:t>Second level</a:t>
-            </a:r>
-          </a:p>
-          <a:p>
-            <a:pPr lvl="2"/>
-            <a:r>
-              <a:rPr lang="en-US"/>
-              <a:t>Third level</a:t>
-            </a:r>
-          </a:p>
-          <a:p>
-            <a:pPr lvl="3"/>
-            <a:r>
-              <a:rPr lang="en-US"/>
-              <a:t>Fourth level</a:t>
-            </a:r>
-          </a:p>
-          <a:p>
-            <a:pPr lvl="4"/>
-            <a:r>
-              <a:rPr lang="en-US"/>
-              <a:t>Fifth level</a:t>
-            </a:r>
-            <a:endParaRPr lang="en-US" dirty="0"/>
-          </a:p>
-        </p:txBody>
-      </p:sp>
-      <p:sp>
-        <p:nvSpPr>
-          <p:cNvPr id="8" name="Footer Placeholder 7"/>
-          <p:cNvSpPr>
-            <a:spLocks noGrp="1"/>
-          </p:cNvSpPr>
-          <p:nvPr>
-            <p:ph type="ftr" sz="quarter" idx="11"/>
-          </p:nvPr>
-        </p:nvSpPr>
-        <p:spPr/>
-        <p:txBody>
-          <a:bodyPr/>
-          <a:lstStyle/>
-          <a:p>
-            <a:endParaRPr lang="en-US"/>
-          </a:p>
-        </p:txBody>
-      </p:sp>
-      <p:sp>
-        <p:nvSpPr>
-          <p:cNvPr id="7" name="Date Placeholder 6"/>
-          <p:cNvSpPr>
-            <a:spLocks noGrp="1"/>
-          </p:cNvSpPr>
-          <p:nvPr>
-            <p:ph type="dt" sz="half" idx="10"/>
-          </p:nvPr>
-        </p:nvSpPr>
-        <p:spPr/>
-        <p:txBody>
-          <a:bodyPr/>
-          <a:lstStyle/>
-          <a:p>
-            <a:fld id="{37CC0096-1860-4642-9CD2-0079EA5E7CD1}" type="datetimeFigureOut">
-              <a:rPr lang="en-US" smtClean="0"/>
-              <a:t>6/7/2022</a:t>
-            </a:fld>
-            <a:endParaRPr lang="en-US"/>
-          </a:p>
-        </p:txBody>
-      </p:sp>
-      <p:sp>
-        <p:nvSpPr>
-          <p:cNvPr id="9" name="Slide Number Placeholder 8"/>
-          <p:cNvSpPr>
-            <a:spLocks noGrp="1"/>
-          </p:cNvSpPr>
-          <p:nvPr>
-            <p:ph type="sldNum" sz="quarter" idx="12"/>
-          </p:nvPr>
-        </p:nvSpPr>
-        <p:spPr/>
-        <p:txBody>
-          <a:bodyPr/>
-          <a:lstStyle/>
-          <a:p>
-            <a:fld id="{E31375A4-56A4-47D6-9801-1991572033F7}" type="slidenum">
-              <a:rPr lang="en-US" smtClean="0"/>
-              <a:t>‹#›</a:t>
-            </a:fld>
-            <a:endParaRPr lang="en-US"/>
-          </a:p>
-        </p:txBody>
-      </p:sp>
-    </p:spTree>
-    <p:extLst>
-      <p:ext uri="{BB962C8B-B14F-4D97-AF65-F5344CB8AC3E}">
-        <p14:creationId xmlns:p14="http://schemas.microsoft.com/office/powerpoint/2010/main" val="3397906568"/>
-      </p:ext>
-    </p:extLst>
-  </p:cSld>
-  <p:clrMapOvr>
-    <a:masterClrMapping/>
-  </p:clrMapOvr>
-</p:sldLayout>
-</file>
-
-<file path=ppt/slideLayouts/slideLayout6.xml><?xml version="1.0" encoding="utf-8"?>
-<p:sldLayout xmlns:a="http://schemas.openxmlformats.org/drawingml/2006/main" xmlns:r="http://schemas.openxmlformats.org/officeDocument/2006/relationships" xmlns:p="http://schemas.openxmlformats.org/presentationml/2006/main" type="titleOnly" preserve="1">
-  <p:cSld name="Title Only">
-    <p:spTree>
-      <p:nvGrpSpPr>
-        <p:cNvPr id="1" name=""/>
-        <p:cNvGrpSpPr/>
-        <p:nvPr/>
-      </p:nvGrpSpPr>
-      <p:grpSpPr>
-        <a:xfrm>
-          <a:off x="0" y="0"/>
-          <a:ext cx="0" cy="0"/>
-          <a:chOff x="0" y="0"/>
-          <a:chExt cx="0" cy="0"/>
-        </a:xfrm>
-      </p:grpSpPr>
-      <p:sp>
-        <p:nvSpPr>
-          <p:cNvPr id="2" name="Title 1"/>
-          <p:cNvSpPr>
-            <a:spLocks noGrp="1"/>
-          </p:cNvSpPr>
-          <p:nvPr>
-            <p:ph type="title"/>
-          </p:nvPr>
-        </p:nvSpPr>
-        <p:spPr/>
-        <p:txBody>
-          <a:bodyPr/>
-          <a:lstStyle/>
-          <a:p>
-            <a:r>
-              <a:rPr lang="en-US"/>
-              <a:t>Click to edit Master title style</a:t>
-            </a:r>
-          </a:p>
-        </p:txBody>
-      </p:sp>
-      <p:sp>
-        <p:nvSpPr>
-          <p:cNvPr id="4" name="Footer Placeholder 3"/>
-          <p:cNvSpPr>
-            <a:spLocks noGrp="1"/>
-          </p:cNvSpPr>
-          <p:nvPr>
-            <p:ph type="ftr" sz="quarter" idx="11"/>
-          </p:nvPr>
-        </p:nvSpPr>
-        <p:spPr/>
-        <p:txBody>
-          <a:bodyPr/>
-          <a:lstStyle/>
-          <a:p>
-            <a:endParaRPr lang="en-US"/>
-          </a:p>
-        </p:txBody>
-      </p:sp>
-      <p:sp>
-        <p:nvSpPr>
-          <p:cNvPr id="3" name="Date Placeholder 2"/>
-          <p:cNvSpPr>
-            <a:spLocks noGrp="1"/>
-          </p:cNvSpPr>
-          <p:nvPr>
-            <p:ph type="dt" sz="half" idx="10"/>
-          </p:nvPr>
-        </p:nvSpPr>
-        <p:spPr/>
-        <p:txBody>
-          <a:bodyPr/>
-          <a:lstStyle/>
-          <a:p>
-            <a:fld id="{37CC0096-1860-4642-9CD2-0079EA5E7CD1}" type="datetimeFigureOut">
-              <a:rPr lang="en-US" smtClean="0"/>
-              <a:t>6/7/2022</a:t>
-            </a:fld>
-            <a:endParaRPr lang="en-US"/>
-          </a:p>
-        </p:txBody>
-      </p:sp>
-      <p:sp>
-        <p:nvSpPr>
-          <p:cNvPr id="5" name="Slide Number Placeholder 4"/>
-          <p:cNvSpPr>
-            <a:spLocks noGrp="1"/>
-          </p:cNvSpPr>
-          <p:nvPr>
-            <p:ph type="sldNum" sz="quarter" idx="12"/>
-          </p:nvPr>
-        </p:nvSpPr>
-        <p:spPr/>
-        <p:txBody>
-          <a:bodyPr/>
-          <a:lstStyle/>
-          <a:p>
-            <a:fld id="{E31375A4-56A4-47D6-9801-1991572033F7}" type="slidenum">
-              <a:rPr lang="en-US" smtClean="0"/>
-              <a:t>‹#›</a:t>
-            </a:fld>
-            <a:endParaRPr lang="en-US"/>
-          </a:p>
-        </p:txBody>
-      </p:sp>
-    </p:spTree>
-    <p:extLst>
-      <p:ext uri="{BB962C8B-B14F-4D97-AF65-F5344CB8AC3E}">
-        <p14:creationId xmlns:p14="http://schemas.microsoft.com/office/powerpoint/2010/main" val="3238976713"/>
-      </p:ext>
-    </p:extLst>
-  </p:cSld>
-  <p:clrMapOvr>
-    <a:masterClrMapping/>
-  </p:clrMapOvr>
-</p:sldLayout>
-</file>
-
-<file path=ppt/slideLayouts/slideLayout7.xml><?xml version="1.0" encoding="utf-8"?>
-<p:sldLayout xmlns:a="http://schemas.openxmlformats.org/drawingml/2006/main" xmlns:r="http://schemas.openxmlformats.org/officeDocument/2006/relationships" xmlns:p="http://schemas.openxmlformats.org/presentationml/2006/main" type="blank" preserve="1">
-  <p:cSld name="Blank">
-    <p:spTree>
-      <p:nvGrpSpPr>
-        <p:cNvPr id="1" name=""/>
-        <p:cNvGrpSpPr/>
-        <p:nvPr/>
-      </p:nvGrpSpPr>
-      <p:grpSpPr>
-        <a:xfrm>
-          <a:off x="0" y="0"/>
-          <a:ext cx="0" cy="0"/>
-          <a:chOff x="0" y="0"/>
-          <a:chExt cx="0" cy="0"/>
-        </a:xfrm>
-      </p:grpSpPr>
-      <p:sp>
-        <p:nvSpPr>
-          <p:cNvPr id="3" name="Footer Placeholder 2"/>
-          <p:cNvSpPr>
-            <a:spLocks noGrp="1"/>
-          </p:cNvSpPr>
-          <p:nvPr>
-            <p:ph type="ftr" sz="quarter" idx="11"/>
-          </p:nvPr>
-        </p:nvSpPr>
-        <p:spPr/>
-        <p:txBody>
-          <a:bodyPr/>
-          <a:lstStyle/>
-          <a:p>
-            <a:endParaRPr lang="en-US"/>
-          </a:p>
-        </p:txBody>
-      </p:sp>
-      <p:sp>
-        <p:nvSpPr>
-          <p:cNvPr id="2" name="Date Placeholder 1"/>
-          <p:cNvSpPr>
-            <a:spLocks noGrp="1"/>
-          </p:cNvSpPr>
-          <p:nvPr>
-            <p:ph type="dt" sz="half" idx="10"/>
-          </p:nvPr>
-        </p:nvSpPr>
-        <p:spPr/>
-        <p:txBody>
-          <a:bodyPr/>
-          <a:lstStyle/>
-          <a:p>
-            <a:fld id="{37CC0096-1860-4642-9CD2-0079EA5E7CD1}" type="datetimeFigureOut">
-              <a:rPr lang="en-US" smtClean="0"/>
-              <a:t>6/7/2022</a:t>
-            </a:fld>
-            <a:endParaRPr lang="en-US"/>
-          </a:p>
-        </p:txBody>
-      </p:sp>
-      <p:sp>
-        <p:nvSpPr>
-          <p:cNvPr id="4" name="Slide Number Placeholder 3"/>
-          <p:cNvSpPr>
-            <a:spLocks noGrp="1"/>
-          </p:cNvSpPr>
-          <p:nvPr>
-            <p:ph type="sldNum" sz="quarter" idx="12"/>
-          </p:nvPr>
-        </p:nvSpPr>
-        <p:spPr/>
-        <p:txBody>
-          <a:bodyPr/>
-          <a:lstStyle/>
-          <a:p>
-            <a:fld id="{E31375A4-56A4-47D6-9801-1991572033F7}" type="slidenum">
-              <a:rPr lang="en-US" smtClean="0"/>
-              <a:t>‹#›</a:t>
-            </a:fld>
-            <a:endParaRPr lang="en-US"/>
-          </a:p>
-        </p:txBody>
-      </p:sp>
-    </p:spTree>
-    <p:extLst>
-      <p:ext uri="{BB962C8B-B14F-4D97-AF65-F5344CB8AC3E}">
-        <p14:creationId xmlns:p14="http://schemas.microsoft.com/office/powerpoint/2010/main" val="2146817227"/>
-      </p:ext>
-    </p:extLst>
-  </p:cSld>
-  <p:clrMapOvr>
-    <a:masterClrMapping/>
-  </p:clrMapOvr>
-</p:sldLayout>
-</file>
-
-<file path=ppt/slideLayouts/slideLayout8.xml><?xml version="1.0" encoding="utf-8"?>
+<file path=ppt/slideLayouts/slideLayout12.xml><?xml version="1.0" encoding="utf-8"?>
 <p:sldLayout xmlns:a="http://schemas.openxmlformats.org/drawingml/2006/main" xmlns:r="http://schemas.openxmlformats.org/officeDocument/2006/relationships" xmlns:p="http://schemas.openxmlformats.org/presentationml/2006/main" preserve="1" userDrawn="1">
-  <p:cSld name="Content with Caption">
+  <p:cSld name="1_Content with Caption">
     <p:spTree>
       <p:nvGrpSpPr>
         <p:cNvPr id="1" name=""/>
@@ -6365,9 +5161,179 @@
 </p:sldLayout>
 </file>
 
-<file path=ppt/slideLayouts/slideLayout9.xml><?xml version="1.0" encoding="utf-8"?>
-<p:sldLayout xmlns:a="http://schemas.openxmlformats.org/drawingml/2006/main" xmlns:r="http://schemas.openxmlformats.org/officeDocument/2006/relationships" xmlns:p="http://schemas.openxmlformats.org/presentationml/2006/main" type="picTx" preserve="1">
-  <p:cSld name="Picture with Caption">
+<file path=ppt/slideLayouts/slideLayout2.xml><?xml version="1.0" encoding="utf-8"?>
+<p:sldLayout xmlns:a="http://schemas.openxmlformats.org/drawingml/2006/main" xmlns:r="http://schemas.openxmlformats.org/officeDocument/2006/relationships" xmlns:p="http://schemas.openxmlformats.org/presentationml/2006/main" type="obj" preserve="1">
+  <p:cSld name="Title and Content">
+    <p:spTree>
+      <p:nvGrpSpPr>
+        <p:cNvPr id="1" name=""/>
+        <p:cNvGrpSpPr/>
+        <p:nvPr/>
+      </p:nvGrpSpPr>
+      <p:grpSpPr>
+        <a:xfrm>
+          <a:off x="0" y="0"/>
+          <a:ext cx="0" cy="0"/>
+          <a:chOff x="0" y="0"/>
+          <a:chExt cx="0" cy="0"/>
+        </a:xfrm>
+      </p:grpSpPr>
+      <p:sp>
+        <p:nvSpPr>
+          <p:cNvPr id="2" name="Title 1"/>
+          <p:cNvSpPr>
+            <a:spLocks noGrp="1"/>
+          </p:cNvSpPr>
+          <p:nvPr>
+            <p:ph type="title"/>
+          </p:nvPr>
+        </p:nvSpPr>
+        <p:spPr/>
+        <p:txBody>
+          <a:bodyPr/>
+          <a:lstStyle/>
+          <a:p>
+            <a:r>
+              <a:rPr lang="en-US"/>
+              <a:t>Click to edit Master title style</a:t>
+            </a:r>
+            <a:endParaRPr lang="en-US" dirty="0"/>
+          </a:p>
+        </p:txBody>
+      </p:sp>
+      <p:sp>
+        <p:nvSpPr>
+          <p:cNvPr id="3" name="Content Placeholder 2"/>
+          <p:cNvSpPr>
+            <a:spLocks noGrp="1"/>
+          </p:cNvSpPr>
+          <p:nvPr>
+            <p:ph idx="1"/>
+          </p:nvPr>
+        </p:nvSpPr>
+        <p:spPr/>
+        <p:txBody>
+          <a:bodyPr anchor="t"/>
+          <a:lstStyle/>
+          <a:p>
+            <a:pPr lvl="0"/>
+            <a:r>
+              <a:rPr lang="en-US"/>
+              <a:t>Click to edit Master text styles</a:t>
+            </a:r>
+          </a:p>
+          <a:p>
+            <a:pPr lvl="1"/>
+            <a:r>
+              <a:rPr lang="en-US"/>
+              <a:t>Second level</a:t>
+            </a:r>
+          </a:p>
+          <a:p>
+            <a:pPr lvl="2"/>
+            <a:r>
+              <a:rPr lang="en-US"/>
+              <a:t>Third level</a:t>
+            </a:r>
+          </a:p>
+          <a:p>
+            <a:pPr lvl="3"/>
+            <a:r>
+              <a:rPr lang="en-US"/>
+              <a:t>Fourth level</a:t>
+            </a:r>
+          </a:p>
+          <a:p>
+            <a:pPr lvl="4"/>
+            <a:r>
+              <a:rPr lang="en-US"/>
+              <a:t>Fifth level</a:t>
+            </a:r>
+            <a:endParaRPr lang="en-US" dirty="0"/>
+          </a:p>
+        </p:txBody>
+      </p:sp>
+      <p:sp>
+        <p:nvSpPr>
+          <p:cNvPr id="4" name="Date Placeholder 3"/>
+          <p:cNvSpPr>
+            <a:spLocks noGrp="1"/>
+          </p:cNvSpPr>
+          <p:nvPr>
+            <p:ph type="dt" sz="half" idx="10"/>
+          </p:nvPr>
+        </p:nvSpPr>
+        <p:spPr/>
+        <p:txBody>
+          <a:bodyPr/>
+          <a:lstStyle/>
+          <a:p>
+            <a:fld id="{37CC0096-1860-4642-9CD2-0079EA5E7CD1}" type="datetimeFigureOut">
+              <a:rPr lang="en-US" smtClean="0"/>
+              <a:t>6/7/2022</a:t>
+            </a:fld>
+            <a:endParaRPr lang="en-US"/>
+          </a:p>
+        </p:txBody>
+      </p:sp>
+      <p:sp>
+        <p:nvSpPr>
+          <p:cNvPr id="5" name="Footer Placeholder 4"/>
+          <p:cNvSpPr>
+            <a:spLocks noGrp="1"/>
+          </p:cNvSpPr>
+          <p:nvPr>
+            <p:ph type="ftr" sz="quarter" idx="11"/>
+          </p:nvPr>
+        </p:nvSpPr>
+        <p:spPr/>
+        <p:txBody>
+          <a:bodyPr/>
+          <a:lstStyle/>
+          <a:p>
+            <a:endParaRPr lang="en-US" dirty="0"/>
+          </a:p>
+        </p:txBody>
+      </p:sp>
+      <p:sp>
+        <p:nvSpPr>
+          <p:cNvPr id="6" name="Slide Number Placeholder 5"/>
+          <p:cNvSpPr>
+            <a:spLocks noGrp="1"/>
+          </p:cNvSpPr>
+          <p:nvPr>
+            <p:ph type="sldNum" sz="quarter" idx="12"/>
+          </p:nvPr>
+        </p:nvSpPr>
+        <p:spPr/>
+        <p:txBody>
+          <a:bodyPr/>
+          <a:lstStyle/>
+          <a:p>
+            <a:fld id="{E31375A4-56A4-47D6-9801-1991572033F7}" type="slidenum">
+              <a:rPr lang="en-US" smtClean="0"/>
+              <a:t>‹#›</a:t>
+            </a:fld>
+            <a:endParaRPr lang="en-US"/>
+          </a:p>
+        </p:txBody>
+      </p:sp>
+    </p:spTree>
+    <p:extLst>
+      <p:ext uri="{BB962C8B-B14F-4D97-AF65-F5344CB8AC3E}">
+        <p14:creationId xmlns:p14="http://schemas.microsoft.com/office/powerpoint/2010/main" val="2152000287"/>
+      </p:ext>
+    </p:extLst>
+  </p:cSld>
+  <p:clrMapOvr>
+    <a:masterClrMapping/>
+  </p:clrMapOvr>
+</p:sldLayout>
+</file>
+
+<file path=ppt/slideLayouts/slideLayout3.xml><?xml version="1.0" encoding="utf-8"?>
+<p:sldLayout xmlns:a="http://schemas.openxmlformats.org/drawingml/2006/main" xmlns:r="http://schemas.openxmlformats.org/officeDocument/2006/relationships" xmlns:p="http://schemas.openxmlformats.org/presentationml/2006/main" type="secHead" preserve="1">
+  <p:cSld name="Section Header">
     <p:spTree>
       <p:nvGrpSpPr>
         <p:cNvPr id="1" name=""/>
@@ -6394,8 +5360,8 @@
         </p:nvSpPr>
         <p:spPr>
           <a:xfrm>
-            <a:off x="7997952" y="1600200"/>
-            <a:ext cx="3127248" cy="1828800"/>
+            <a:off x="1774423" y="1756130"/>
+            <a:ext cx="8643154" cy="1969007"/>
           </a:xfrm>
         </p:spPr>
         <p:txBody>
@@ -6403,8 +5369,8 @@
             <a:normAutofit/>
           </a:bodyPr>
           <a:lstStyle>
-            <a:lvl1pPr>
-              <a:defRPr sz="3400"/>
+            <a:lvl1pPr algn="ctr">
+              <a:defRPr sz="3600"/>
             </a:lvl1pPr>
           </a:lstStyle>
           <a:p>
@@ -6412,72 +5378,1147 @@
               <a:rPr lang="en-US"/>
               <a:t>Click to edit Master title style</a:t>
             </a:r>
+            <a:endParaRPr lang="en-US" dirty="0"/>
           </a:p>
         </p:txBody>
       </p:sp>
       <p:sp>
         <p:nvSpPr>
-          <p:cNvPr id="3" name="Picture Placeholder 2"/>
+          <p:cNvPr id="3" name="Text Placeholder 2"/>
           <p:cNvSpPr>
             <a:spLocks noGrp="1"/>
           </p:cNvSpPr>
           <p:nvPr>
-            <p:ph type="pic" idx="1"/>
+            <p:ph type="body" idx="1"/>
           </p:nvPr>
         </p:nvSpPr>
         <p:spPr>
           <a:xfrm>
-            <a:off x="781251" y="777240"/>
-            <a:ext cx="6400800" cy="5303520"/>
+            <a:off x="1774423" y="3725137"/>
+            <a:ext cx="8643154" cy="1093987"/>
           </a:xfrm>
         </p:spPr>
         <p:txBody>
-          <a:bodyPr tIns="457200">
+          <a:bodyPr tIns="91440">
             <a:normAutofit/>
           </a:bodyPr>
           <a:lstStyle>
             <a:lvl1pPr marL="0" indent="0" algn="ctr">
               <a:buNone/>
-              <a:defRPr sz="2000"/>
+              <a:defRPr sz="1800">
+                <a:solidFill>
+                  <a:schemeClr val="tx1"/>
+                </a:solidFill>
+              </a:defRPr>
             </a:lvl1pPr>
             <a:lvl2pPr marL="457200" indent="0">
               <a:buNone/>
-              <a:defRPr sz="2800"/>
+              <a:defRPr sz="1800">
+                <a:solidFill>
+                  <a:schemeClr val="tx1">
+                    <a:tint val="75000"/>
+                  </a:schemeClr>
+                </a:solidFill>
+              </a:defRPr>
             </a:lvl2pPr>
             <a:lvl3pPr marL="914400" indent="0">
               <a:buNone/>
-              <a:defRPr sz="2400"/>
+              <a:defRPr sz="1800">
+                <a:solidFill>
+                  <a:schemeClr val="tx1">
+                    <a:tint val="75000"/>
+                  </a:schemeClr>
+                </a:solidFill>
+              </a:defRPr>
             </a:lvl3pPr>
             <a:lvl4pPr marL="1371600" indent="0">
               <a:buNone/>
-              <a:defRPr sz="2000"/>
+              <a:defRPr sz="1600">
+                <a:solidFill>
+                  <a:schemeClr val="tx1">
+                    <a:tint val="75000"/>
+                  </a:schemeClr>
+                </a:solidFill>
+              </a:defRPr>
             </a:lvl4pPr>
             <a:lvl5pPr marL="1828800" indent="0">
               <a:buNone/>
-              <a:defRPr sz="2000"/>
+              <a:defRPr sz="1600">
+                <a:solidFill>
+                  <a:schemeClr val="tx1">
+                    <a:tint val="75000"/>
+                  </a:schemeClr>
+                </a:solidFill>
+              </a:defRPr>
             </a:lvl5pPr>
             <a:lvl6pPr marL="2286000" indent="0">
               <a:buNone/>
-              <a:defRPr sz="2000"/>
+              <a:defRPr sz="1600">
+                <a:solidFill>
+                  <a:schemeClr val="tx1">
+                    <a:tint val="75000"/>
+                  </a:schemeClr>
+                </a:solidFill>
+              </a:defRPr>
             </a:lvl6pPr>
             <a:lvl7pPr marL="2743200" indent="0">
               <a:buNone/>
-              <a:defRPr sz="2000"/>
+              <a:defRPr sz="1600">
+                <a:solidFill>
+                  <a:schemeClr val="tx1">
+                    <a:tint val="75000"/>
+                  </a:schemeClr>
+                </a:solidFill>
+              </a:defRPr>
             </a:lvl7pPr>
             <a:lvl8pPr marL="3200400" indent="0">
               <a:buNone/>
-              <a:defRPr sz="2000"/>
+              <a:defRPr sz="1600">
+                <a:solidFill>
+                  <a:schemeClr val="tx1">
+                    <a:tint val="75000"/>
+                  </a:schemeClr>
+                </a:solidFill>
+              </a:defRPr>
             </a:lvl8pPr>
             <a:lvl9pPr marL="3657600" indent="0">
               <a:buNone/>
-              <a:defRPr sz="2000"/>
+              <a:defRPr sz="1600">
+                <a:solidFill>
+                  <a:schemeClr val="tx1">
+                    <a:tint val="75000"/>
+                  </a:schemeClr>
+                </a:solidFill>
+              </a:defRPr>
             </a:lvl9pPr>
           </a:lstStyle>
           <a:p>
+            <a:pPr lvl="0"/>
             <a:r>
               <a:rPr lang="en-US"/>
-              <a:t>Click icon to add picture</a:t>
+              <a:t>Click to edit Master text styles</a:t>
             </a:r>
+          </a:p>
+        </p:txBody>
+      </p:sp>
+      <p:sp>
+        <p:nvSpPr>
+          <p:cNvPr id="4" name="Date Placeholder 3"/>
+          <p:cNvSpPr>
+            <a:spLocks noGrp="1"/>
+          </p:cNvSpPr>
+          <p:nvPr>
+            <p:ph type="dt" sz="half" idx="10"/>
+          </p:nvPr>
+        </p:nvSpPr>
+        <p:spPr/>
+        <p:txBody>
+          <a:bodyPr/>
+          <a:lstStyle/>
+          <a:p>
+            <a:fld id="{48A87A34-81AB-432B-8DAE-1953F412C126}" type="datetimeFigureOut">
+              <a:rPr lang="en-US" smtClean="0"/>
+              <a:t>6/7/2022</a:t>
+            </a:fld>
+            <a:endParaRPr lang="en-US" dirty="0"/>
+          </a:p>
+        </p:txBody>
+      </p:sp>
+      <p:sp>
+        <p:nvSpPr>
+          <p:cNvPr id="5" name="Footer Placeholder 4"/>
+          <p:cNvSpPr>
+            <a:spLocks noGrp="1"/>
+          </p:cNvSpPr>
+          <p:nvPr>
+            <p:ph type="ftr" sz="quarter" idx="11"/>
+          </p:nvPr>
+        </p:nvSpPr>
+        <p:spPr/>
+        <p:txBody>
+          <a:bodyPr/>
+          <a:lstStyle/>
+          <a:p>
+            <a:endParaRPr lang="en-US" dirty="0"/>
+          </a:p>
+        </p:txBody>
+      </p:sp>
+      <p:sp>
+        <p:nvSpPr>
+          <p:cNvPr id="6" name="Slide Number Placeholder 5"/>
+          <p:cNvSpPr>
+            <a:spLocks noGrp="1"/>
+          </p:cNvSpPr>
+          <p:nvPr>
+            <p:ph type="sldNum" sz="quarter" idx="12"/>
+          </p:nvPr>
+        </p:nvSpPr>
+        <p:spPr/>
+        <p:txBody>
+          <a:bodyPr/>
+          <a:lstStyle/>
+          <a:p>
+            <a:fld id="{6D22F896-40B5-4ADD-8801-0D06FADFA095}" type="slidenum">
+              <a:rPr lang="en-US" smtClean="0"/>
+              <a:t>‹#›</a:t>
+            </a:fld>
+            <a:endParaRPr lang="en-US" dirty="0"/>
+          </a:p>
+        </p:txBody>
+      </p:sp>
+    </p:spTree>
+    <p:extLst>
+      <p:ext uri="{BB962C8B-B14F-4D97-AF65-F5344CB8AC3E}">
+        <p14:creationId xmlns:p14="http://schemas.microsoft.com/office/powerpoint/2010/main" val="1151688730"/>
+      </p:ext>
+    </p:extLst>
+  </p:cSld>
+  <p:clrMapOvr>
+    <a:masterClrMapping/>
+  </p:clrMapOvr>
+</p:sldLayout>
+</file>
+
+<file path=ppt/slideLayouts/slideLayout4.xml><?xml version="1.0" encoding="utf-8"?>
+<p:sldLayout xmlns:a="http://schemas.openxmlformats.org/drawingml/2006/main" xmlns:r="http://schemas.openxmlformats.org/officeDocument/2006/relationships" xmlns:p="http://schemas.openxmlformats.org/presentationml/2006/main" type="twoObj" preserve="1">
+  <p:cSld name="Two Content">
+    <p:spTree>
+      <p:nvGrpSpPr>
+        <p:cNvPr id="1" name=""/>
+        <p:cNvGrpSpPr/>
+        <p:nvPr/>
+      </p:nvGrpSpPr>
+      <p:grpSpPr>
+        <a:xfrm>
+          <a:off x="0" y="0"/>
+          <a:ext cx="0" cy="0"/>
+          <a:chOff x="0" y="0"/>
+          <a:chExt cx="0" cy="0"/>
+        </a:xfrm>
+      </p:grpSpPr>
+      <p:sp>
+        <p:nvSpPr>
+          <p:cNvPr id="2" name="Title 1"/>
+          <p:cNvSpPr>
+            <a:spLocks noGrp="1"/>
+          </p:cNvSpPr>
+          <p:nvPr>
+            <p:ph type="title"/>
+          </p:nvPr>
+        </p:nvSpPr>
+        <p:spPr>
+          <a:xfrm>
+            <a:off x="1449217" y="804889"/>
+            <a:ext cx="9293577" cy="1059305"/>
+          </a:xfrm>
+        </p:spPr>
+        <p:txBody>
+          <a:bodyPr/>
+          <a:lstStyle/>
+          <a:p>
+            <a:r>
+              <a:rPr lang="en-US"/>
+              <a:t>Click to edit Master title style</a:t>
+            </a:r>
+            <a:endParaRPr lang="en-US" dirty="0"/>
+          </a:p>
+        </p:txBody>
+      </p:sp>
+      <p:sp>
+        <p:nvSpPr>
+          <p:cNvPr id="3" name="Content Placeholder 2"/>
+          <p:cNvSpPr>
+            <a:spLocks noGrp="1"/>
+          </p:cNvSpPr>
+          <p:nvPr>
+            <p:ph sz="half" idx="1"/>
+          </p:nvPr>
+        </p:nvSpPr>
+        <p:spPr>
+          <a:xfrm>
+            <a:off x="1447331" y="2010878"/>
+            <a:ext cx="4488654" cy="3448595"/>
+          </a:xfrm>
+        </p:spPr>
+        <p:txBody>
+          <a:bodyPr/>
+          <a:lstStyle/>
+          <a:p>
+            <a:pPr lvl="0"/>
+            <a:r>
+              <a:rPr lang="en-US"/>
+              <a:t>Click to edit Master text styles</a:t>
+            </a:r>
+          </a:p>
+          <a:p>
+            <a:pPr lvl="1"/>
+            <a:r>
+              <a:rPr lang="en-US"/>
+              <a:t>Second level</a:t>
+            </a:r>
+          </a:p>
+          <a:p>
+            <a:pPr lvl="2"/>
+            <a:r>
+              <a:rPr lang="en-US"/>
+              <a:t>Third level</a:t>
+            </a:r>
+          </a:p>
+          <a:p>
+            <a:pPr lvl="3"/>
+            <a:r>
+              <a:rPr lang="en-US"/>
+              <a:t>Fourth level</a:t>
+            </a:r>
+          </a:p>
+          <a:p>
+            <a:pPr lvl="4"/>
+            <a:r>
+              <a:rPr lang="en-US"/>
+              <a:t>Fifth level</a:t>
+            </a:r>
+            <a:endParaRPr lang="en-US" dirty="0"/>
+          </a:p>
+        </p:txBody>
+      </p:sp>
+      <p:sp>
+        <p:nvSpPr>
+          <p:cNvPr id="4" name="Content Placeholder 3"/>
+          <p:cNvSpPr>
+            <a:spLocks noGrp="1"/>
+          </p:cNvSpPr>
+          <p:nvPr>
+            <p:ph sz="half" idx="2"/>
+          </p:nvPr>
+        </p:nvSpPr>
+        <p:spPr>
+          <a:xfrm>
+            <a:off x="6254140" y="2017343"/>
+            <a:ext cx="4488654" cy="3441520"/>
+          </a:xfrm>
+        </p:spPr>
+        <p:txBody>
+          <a:bodyPr/>
+          <a:lstStyle/>
+          <a:p>
+            <a:pPr lvl="0"/>
+            <a:r>
+              <a:rPr lang="en-US"/>
+              <a:t>Click to edit Master text styles</a:t>
+            </a:r>
+          </a:p>
+          <a:p>
+            <a:pPr lvl="1"/>
+            <a:r>
+              <a:rPr lang="en-US"/>
+              <a:t>Second level</a:t>
+            </a:r>
+          </a:p>
+          <a:p>
+            <a:pPr lvl="2"/>
+            <a:r>
+              <a:rPr lang="en-US"/>
+              <a:t>Third level</a:t>
+            </a:r>
+          </a:p>
+          <a:p>
+            <a:pPr lvl="3"/>
+            <a:r>
+              <a:rPr lang="en-US"/>
+              <a:t>Fourth level</a:t>
+            </a:r>
+          </a:p>
+          <a:p>
+            <a:pPr lvl="4"/>
+            <a:r>
+              <a:rPr lang="en-US"/>
+              <a:t>Fifth level</a:t>
+            </a:r>
+            <a:endParaRPr lang="en-US" dirty="0"/>
+          </a:p>
+        </p:txBody>
+      </p:sp>
+      <p:sp>
+        <p:nvSpPr>
+          <p:cNvPr id="5" name="Date Placeholder 4"/>
+          <p:cNvSpPr>
+            <a:spLocks noGrp="1"/>
+          </p:cNvSpPr>
+          <p:nvPr>
+            <p:ph type="dt" sz="half" idx="10"/>
+          </p:nvPr>
+        </p:nvSpPr>
+        <p:spPr/>
+        <p:txBody>
+          <a:bodyPr/>
+          <a:lstStyle/>
+          <a:p>
+            <a:fld id="{37CC0096-1860-4642-9CD2-0079EA5E7CD1}" type="datetimeFigureOut">
+              <a:rPr lang="en-US" smtClean="0"/>
+              <a:t>6/7/2022</a:t>
+            </a:fld>
+            <a:endParaRPr lang="en-US"/>
+          </a:p>
+        </p:txBody>
+      </p:sp>
+      <p:sp>
+        <p:nvSpPr>
+          <p:cNvPr id="6" name="Footer Placeholder 5"/>
+          <p:cNvSpPr>
+            <a:spLocks noGrp="1"/>
+          </p:cNvSpPr>
+          <p:nvPr>
+            <p:ph type="ftr" sz="quarter" idx="11"/>
+          </p:nvPr>
+        </p:nvSpPr>
+        <p:spPr/>
+        <p:txBody>
+          <a:bodyPr/>
+          <a:lstStyle/>
+          <a:p>
+            <a:endParaRPr lang="en-US"/>
+          </a:p>
+        </p:txBody>
+      </p:sp>
+      <p:sp>
+        <p:nvSpPr>
+          <p:cNvPr id="7" name="Slide Number Placeholder 6"/>
+          <p:cNvSpPr>
+            <a:spLocks noGrp="1"/>
+          </p:cNvSpPr>
+          <p:nvPr>
+            <p:ph type="sldNum" sz="quarter" idx="12"/>
+          </p:nvPr>
+        </p:nvSpPr>
+        <p:spPr/>
+        <p:txBody>
+          <a:bodyPr/>
+          <a:lstStyle/>
+          <a:p>
+            <a:fld id="{E31375A4-56A4-47D6-9801-1991572033F7}" type="slidenum">
+              <a:rPr lang="en-US" smtClean="0"/>
+              <a:t>‹#›</a:t>
+            </a:fld>
+            <a:endParaRPr lang="en-US"/>
+          </a:p>
+        </p:txBody>
+      </p:sp>
+    </p:spTree>
+    <p:extLst>
+      <p:ext uri="{BB962C8B-B14F-4D97-AF65-F5344CB8AC3E}">
+        <p14:creationId xmlns:p14="http://schemas.microsoft.com/office/powerpoint/2010/main" val="3172309263"/>
+      </p:ext>
+    </p:extLst>
+  </p:cSld>
+  <p:clrMapOvr>
+    <a:masterClrMapping/>
+  </p:clrMapOvr>
+</p:sldLayout>
+</file>
+
+<file path=ppt/slideLayouts/slideLayout5.xml><?xml version="1.0" encoding="utf-8"?>
+<p:sldLayout xmlns:a="http://schemas.openxmlformats.org/drawingml/2006/main" xmlns:r="http://schemas.openxmlformats.org/officeDocument/2006/relationships" xmlns:p="http://schemas.openxmlformats.org/presentationml/2006/main" type="twoTxTwoObj" preserve="1">
+  <p:cSld name="Comparison">
+    <p:spTree>
+      <p:nvGrpSpPr>
+        <p:cNvPr id="1" name=""/>
+        <p:cNvGrpSpPr/>
+        <p:nvPr/>
+      </p:nvGrpSpPr>
+      <p:grpSpPr>
+        <a:xfrm>
+          <a:off x="0" y="0"/>
+          <a:ext cx="0" cy="0"/>
+          <a:chOff x="0" y="0"/>
+          <a:chExt cx="0" cy="0"/>
+        </a:xfrm>
+      </p:grpSpPr>
+      <p:sp>
+        <p:nvSpPr>
+          <p:cNvPr id="2" name="Title 1"/>
+          <p:cNvSpPr>
+            <a:spLocks noGrp="1"/>
+          </p:cNvSpPr>
+          <p:nvPr>
+            <p:ph type="title"/>
+          </p:nvPr>
+        </p:nvSpPr>
+        <p:spPr>
+          <a:xfrm>
+            <a:off x="1447191" y="804163"/>
+            <a:ext cx="9295603" cy="1056319"/>
+          </a:xfrm>
+        </p:spPr>
+        <p:txBody>
+          <a:bodyPr/>
+          <a:lstStyle/>
+          <a:p>
+            <a:r>
+              <a:rPr lang="en-US"/>
+              <a:t>Click to edit Master title style</a:t>
+            </a:r>
+            <a:endParaRPr lang="en-US" dirty="0"/>
+          </a:p>
+        </p:txBody>
+      </p:sp>
+      <p:sp>
+        <p:nvSpPr>
+          <p:cNvPr id="3" name="Text Placeholder 2"/>
+          <p:cNvSpPr>
+            <a:spLocks noGrp="1"/>
+          </p:cNvSpPr>
+          <p:nvPr>
+            <p:ph type="body" idx="1"/>
+          </p:nvPr>
+        </p:nvSpPr>
+        <p:spPr>
+          <a:xfrm>
+            <a:off x="1447191" y="2019549"/>
+            <a:ext cx="4488794" cy="801943"/>
+          </a:xfrm>
+        </p:spPr>
+        <p:txBody>
+          <a:bodyPr anchor="b">
+            <a:normAutofit/>
+          </a:bodyPr>
+          <a:lstStyle>
+            <a:lvl1pPr marL="0" indent="0">
+              <a:lnSpc>
+                <a:spcPct val="100000"/>
+              </a:lnSpc>
+              <a:buNone/>
+              <a:defRPr sz="2200" b="0" cap="all" baseline="0">
+                <a:solidFill>
+                  <a:schemeClr val="accent1"/>
+                </a:solidFill>
+              </a:defRPr>
+            </a:lvl1pPr>
+            <a:lvl2pPr marL="457200" indent="0">
+              <a:buNone/>
+              <a:defRPr sz="2000" b="1"/>
+            </a:lvl2pPr>
+            <a:lvl3pPr marL="914400" indent="0">
+              <a:buNone/>
+              <a:defRPr sz="1800" b="1"/>
+            </a:lvl3pPr>
+            <a:lvl4pPr marL="1371600" indent="0">
+              <a:buNone/>
+              <a:defRPr sz="1600" b="1"/>
+            </a:lvl4pPr>
+            <a:lvl5pPr marL="1828800" indent="0">
+              <a:buNone/>
+              <a:defRPr sz="1600" b="1"/>
+            </a:lvl5pPr>
+            <a:lvl6pPr marL="2286000" indent="0">
+              <a:buNone/>
+              <a:defRPr sz="1600" b="1"/>
+            </a:lvl6pPr>
+            <a:lvl7pPr marL="2743200" indent="0">
+              <a:buNone/>
+              <a:defRPr sz="1600" b="1"/>
+            </a:lvl7pPr>
+            <a:lvl8pPr marL="3200400" indent="0">
+              <a:buNone/>
+              <a:defRPr sz="1600" b="1"/>
+            </a:lvl8pPr>
+            <a:lvl9pPr marL="3657600" indent="0">
+              <a:buNone/>
+              <a:defRPr sz="1600" b="1"/>
+            </a:lvl9pPr>
+          </a:lstStyle>
+          <a:p>
+            <a:pPr lvl="0"/>
+            <a:r>
+              <a:rPr lang="en-US"/>
+              <a:t>Click to edit Master text styles</a:t>
+            </a:r>
+          </a:p>
+        </p:txBody>
+      </p:sp>
+      <p:sp>
+        <p:nvSpPr>
+          <p:cNvPr id="4" name="Content Placeholder 3"/>
+          <p:cNvSpPr>
+            <a:spLocks noGrp="1"/>
+          </p:cNvSpPr>
+          <p:nvPr>
+            <p:ph sz="half" idx="2"/>
+          </p:nvPr>
+        </p:nvSpPr>
+        <p:spPr>
+          <a:xfrm>
+            <a:off x="1447191" y="2824269"/>
+            <a:ext cx="4488794" cy="2644457"/>
+          </a:xfrm>
+        </p:spPr>
+        <p:txBody>
+          <a:bodyPr/>
+          <a:lstStyle/>
+          <a:p>
+            <a:pPr lvl="0"/>
+            <a:r>
+              <a:rPr lang="en-US"/>
+              <a:t>Click to edit Master text styles</a:t>
+            </a:r>
+          </a:p>
+          <a:p>
+            <a:pPr lvl="1"/>
+            <a:r>
+              <a:rPr lang="en-US"/>
+              <a:t>Second level</a:t>
+            </a:r>
+          </a:p>
+          <a:p>
+            <a:pPr lvl="2"/>
+            <a:r>
+              <a:rPr lang="en-US"/>
+              <a:t>Third level</a:t>
+            </a:r>
+          </a:p>
+          <a:p>
+            <a:pPr lvl="3"/>
+            <a:r>
+              <a:rPr lang="en-US"/>
+              <a:t>Fourth level</a:t>
+            </a:r>
+          </a:p>
+          <a:p>
+            <a:pPr lvl="4"/>
+            <a:r>
+              <a:rPr lang="en-US"/>
+              <a:t>Fifth level</a:t>
+            </a:r>
+            <a:endParaRPr lang="en-US" dirty="0"/>
+          </a:p>
+        </p:txBody>
+      </p:sp>
+      <p:sp>
+        <p:nvSpPr>
+          <p:cNvPr id="5" name="Text Placeholder 4"/>
+          <p:cNvSpPr>
+            <a:spLocks noGrp="1"/>
+          </p:cNvSpPr>
+          <p:nvPr>
+            <p:ph type="body" sz="quarter" idx="3"/>
+          </p:nvPr>
+        </p:nvSpPr>
+        <p:spPr>
+          <a:xfrm>
+            <a:off x="6256025" y="2023003"/>
+            <a:ext cx="4488794" cy="802237"/>
+          </a:xfrm>
+        </p:spPr>
+        <p:txBody>
+          <a:bodyPr anchor="b">
+            <a:normAutofit/>
+          </a:bodyPr>
+          <a:lstStyle>
+            <a:lvl1pPr marL="0" indent="0">
+              <a:lnSpc>
+                <a:spcPct val="100000"/>
+              </a:lnSpc>
+              <a:buNone/>
+              <a:defRPr sz="2200" b="0" cap="all" baseline="0">
+                <a:solidFill>
+                  <a:schemeClr val="accent1"/>
+                </a:solidFill>
+              </a:defRPr>
+            </a:lvl1pPr>
+            <a:lvl2pPr marL="457200" indent="0">
+              <a:buNone/>
+              <a:defRPr sz="2000" b="1"/>
+            </a:lvl2pPr>
+            <a:lvl3pPr marL="914400" indent="0">
+              <a:buNone/>
+              <a:defRPr sz="1800" b="1"/>
+            </a:lvl3pPr>
+            <a:lvl4pPr marL="1371600" indent="0">
+              <a:buNone/>
+              <a:defRPr sz="1600" b="1"/>
+            </a:lvl4pPr>
+            <a:lvl5pPr marL="1828800" indent="0">
+              <a:buNone/>
+              <a:defRPr sz="1600" b="1"/>
+            </a:lvl5pPr>
+            <a:lvl6pPr marL="2286000" indent="0">
+              <a:buNone/>
+              <a:defRPr sz="1600" b="1"/>
+            </a:lvl6pPr>
+            <a:lvl7pPr marL="2743200" indent="0">
+              <a:buNone/>
+              <a:defRPr sz="1600" b="1"/>
+            </a:lvl7pPr>
+            <a:lvl8pPr marL="3200400" indent="0">
+              <a:buNone/>
+              <a:defRPr sz="1600" b="1"/>
+            </a:lvl8pPr>
+            <a:lvl9pPr marL="3657600" indent="0">
+              <a:buNone/>
+              <a:defRPr sz="1600" b="1"/>
+            </a:lvl9pPr>
+          </a:lstStyle>
+          <a:p>
+            <a:pPr lvl="0"/>
+            <a:r>
+              <a:rPr lang="en-US"/>
+              <a:t>Click to edit Master text styles</a:t>
+            </a:r>
+          </a:p>
+        </p:txBody>
+      </p:sp>
+      <p:sp>
+        <p:nvSpPr>
+          <p:cNvPr id="6" name="Content Placeholder 5"/>
+          <p:cNvSpPr>
+            <a:spLocks noGrp="1"/>
+          </p:cNvSpPr>
+          <p:nvPr>
+            <p:ph sz="quarter" idx="4"/>
+          </p:nvPr>
+        </p:nvSpPr>
+        <p:spPr>
+          <a:xfrm>
+            <a:off x="6256025" y="2821491"/>
+            <a:ext cx="4488794" cy="2637371"/>
+          </a:xfrm>
+        </p:spPr>
+        <p:txBody>
+          <a:bodyPr/>
+          <a:lstStyle/>
+          <a:p>
+            <a:pPr lvl="0"/>
+            <a:r>
+              <a:rPr lang="en-US"/>
+              <a:t>Click to edit Master text styles</a:t>
+            </a:r>
+          </a:p>
+          <a:p>
+            <a:pPr lvl="1"/>
+            <a:r>
+              <a:rPr lang="en-US"/>
+              <a:t>Second level</a:t>
+            </a:r>
+          </a:p>
+          <a:p>
+            <a:pPr lvl="2"/>
+            <a:r>
+              <a:rPr lang="en-US"/>
+              <a:t>Third level</a:t>
+            </a:r>
+          </a:p>
+          <a:p>
+            <a:pPr lvl="3"/>
+            <a:r>
+              <a:rPr lang="en-US"/>
+              <a:t>Fourth level</a:t>
+            </a:r>
+          </a:p>
+          <a:p>
+            <a:pPr lvl="4"/>
+            <a:r>
+              <a:rPr lang="en-US"/>
+              <a:t>Fifth level</a:t>
+            </a:r>
+            <a:endParaRPr lang="en-US" dirty="0"/>
+          </a:p>
+        </p:txBody>
+      </p:sp>
+      <p:sp>
+        <p:nvSpPr>
+          <p:cNvPr id="7" name="Date Placeholder 6"/>
+          <p:cNvSpPr>
+            <a:spLocks noGrp="1"/>
+          </p:cNvSpPr>
+          <p:nvPr>
+            <p:ph type="dt" sz="half" idx="10"/>
+          </p:nvPr>
+        </p:nvSpPr>
+        <p:spPr/>
+        <p:txBody>
+          <a:bodyPr/>
+          <a:lstStyle/>
+          <a:p>
+            <a:fld id="{37CC0096-1860-4642-9CD2-0079EA5E7CD1}" type="datetimeFigureOut">
+              <a:rPr lang="en-US" smtClean="0"/>
+              <a:t>6/7/2022</a:t>
+            </a:fld>
+            <a:endParaRPr lang="en-US"/>
+          </a:p>
+        </p:txBody>
+      </p:sp>
+      <p:sp>
+        <p:nvSpPr>
+          <p:cNvPr id="8" name="Footer Placeholder 7"/>
+          <p:cNvSpPr>
+            <a:spLocks noGrp="1"/>
+          </p:cNvSpPr>
+          <p:nvPr>
+            <p:ph type="ftr" sz="quarter" idx="11"/>
+          </p:nvPr>
+        </p:nvSpPr>
+        <p:spPr/>
+        <p:txBody>
+          <a:bodyPr/>
+          <a:lstStyle/>
+          <a:p>
+            <a:endParaRPr lang="en-US"/>
+          </a:p>
+        </p:txBody>
+      </p:sp>
+      <p:sp>
+        <p:nvSpPr>
+          <p:cNvPr id="9" name="Slide Number Placeholder 8"/>
+          <p:cNvSpPr>
+            <a:spLocks noGrp="1"/>
+          </p:cNvSpPr>
+          <p:nvPr>
+            <p:ph type="sldNum" sz="quarter" idx="12"/>
+          </p:nvPr>
+        </p:nvSpPr>
+        <p:spPr/>
+        <p:txBody>
+          <a:bodyPr/>
+          <a:lstStyle/>
+          <a:p>
+            <a:fld id="{E31375A4-56A4-47D6-9801-1991572033F7}" type="slidenum">
+              <a:rPr lang="en-US" smtClean="0"/>
+              <a:t>‹#›</a:t>
+            </a:fld>
+            <a:endParaRPr lang="en-US"/>
+          </a:p>
+        </p:txBody>
+      </p:sp>
+    </p:spTree>
+    <p:extLst>
+      <p:ext uri="{BB962C8B-B14F-4D97-AF65-F5344CB8AC3E}">
+        <p14:creationId xmlns:p14="http://schemas.microsoft.com/office/powerpoint/2010/main" val="139713887"/>
+      </p:ext>
+    </p:extLst>
+  </p:cSld>
+  <p:clrMapOvr>
+    <a:masterClrMapping/>
+  </p:clrMapOvr>
+</p:sldLayout>
+</file>
+
+<file path=ppt/slideLayouts/slideLayout6.xml><?xml version="1.0" encoding="utf-8"?>
+<p:sldLayout xmlns:a="http://schemas.openxmlformats.org/drawingml/2006/main" xmlns:r="http://schemas.openxmlformats.org/officeDocument/2006/relationships" xmlns:p="http://schemas.openxmlformats.org/presentationml/2006/main" type="titleOnly" preserve="1">
+  <p:cSld name="Title Only">
+    <p:spTree>
+      <p:nvGrpSpPr>
+        <p:cNvPr id="1" name=""/>
+        <p:cNvGrpSpPr/>
+        <p:nvPr/>
+      </p:nvGrpSpPr>
+      <p:grpSpPr>
+        <a:xfrm>
+          <a:off x="0" y="0"/>
+          <a:ext cx="0" cy="0"/>
+          <a:chOff x="0" y="0"/>
+          <a:chExt cx="0" cy="0"/>
+        </a:xfrm>
+      </p:grpSpPr>
+      <p:sp>
+        <p:nvSpPr>
+          <p:cNvPr id="2" name="Title 1"/>
+          <p:cNvSpPr>
+            <a:spLocks noGrp="1"/>
+          </p:cNvSpPr>
+          <p:nvPr>
+            <p:ph type="title"/>
+          </p:nvPr>
+        </p:nvSpPr>
+        <p:spPr/>
+        <p:txBody>
+          <a:bodyPr/>
+          <a:lstStyle/>
+          <a:p>
+            <a:r>
+              <a:rPr lang="en-US"/>
+              <a:t>Click to edit Master title style</a:t>
+            </a:r>
+            <a:endParaRPr lang="en-US" dirty="0"/>
+          </a:p>
+        </p:txBody>
+      </p:sp>
+      <p:sp>
+        <p:nvSpPr>
+          <p:cNvPr id="3" name="Date Placeholder 2"/>
+          <p:cNvSpPr>
+            <a:spLocks noGrp="1"/>
+          </p:cNvSpPr>
+          <p:nvPr>
+            <p:ph type="dt" sz="half" idx="10"/>
+          </p:nvPr>
+        </p:nvSpPr>
+        <p:spPr/>
+        <p:txBody>
+          <a:bodyPr/>
+          <a:lstStyle/>
+          <a:p>
+            <a:fld id="{37CC0096-1860-4642-9CD2-0079EA5E7CD1}" type="datetimeFigureOut">
+              <a:rPr lang="en-US" smtClean="0"/>
+              <a:t>6/7/2022</a:t>
+            </a:fld>
+            <a:endParaRPr lang="en-US"/>
+          </a:p>
+        </p:txBody>
+      </p:sp>
+      <p:sp>
+        <p:nvSpPr>
+          <p:cNvPr id="4" name="Footer Placeholder 3"/>
+          <p:cNvSpPr>
+            <a:spLocks noGrp="1"/>
+          </p:cNvSpPr>
+          <p:nvPr>
+            <p:ph type="ftr" sz="quarter" idx="11"/>
+          </p:nvPr>
+        </p:nvSpPr>
+        <p:spPr/>
+        <p:txBody>
+          <a:bodyPr/>
+          <a:lstStyle/>
+          <a:p>
+            <a:endParaRPr lang="en-US"/>
+          </a:p>
+        </p:txBody>
+      </p:sp>
+      <p:sp>
+        <p:nvSpPr>
+          <p:cNvPr id="5" name="Slide Number Placeholder 4"/>
+          <p:cNvSpPr>
+            <a:spLocks noGrp="1"/>
+          </p:cNvSpPr>
+          <p:nvPr>
+            <p:ph type="sldNum" sz="quarter" idx="12"/>
+          </p:nvPr>
+        </p:nvSpPr>
+        <p:spPr/>
+        <p:txBody>
+          <a:bodyPr/>
+          <a:lstStyle/>
+          <a:p>
+            <a:fld id="{E31375A4-56A4-47D6-9801-1991572033F7}" type="slidenum">
+              <a:rPr lang="en-US" smtClean="0"/>
+              <a:t>‹#›</a:t>
+            </a:fld>
+            <a:endParaRPr lang="en-US"/>
+          </a:p>
+        </p:txBody>
+      </p:sp>
+    </p:spTree>
+    <p:extLst>
+      <p:ext uri="{BB962C8B-B14F-4D97-AF65-F5344CB8AC3E}">
+        <p14:creationId xmlns:p14="http://schemas.microsoft.com/office/powerpoint/2010/main" val="631325334"/>
+      </p:ext>
+    </p:extLst>
+  </p:cSld>
+  <p:clrMapOvr>
+    <a:masterClrMapping/>
+  </p:clrMapOvr>
+</p:sldLayout>
+</file>
+
+<file path=ppt/slideLayouts/slideLayout7.xml><?xml version="1.0" encoding="utf-8"?>
+<p:sldLayout xmlns:a="http://schemas.openxmlformats.org/drawingml/2006/main" xmlns:r="http://schemas.openxmlformats.org/officeDocument/2006/relationships" xmlns:p="http://schemas.openxmlformats.org/presentationml/2006/main" type="blank" preserve="1">
+  <p:cSld name="Blank">
+    <p:spTree>
+      <p:nvGrpSpPr>
+        <p:cNvPr id="1" name=""/>
+        <p:cNvGrpSpPr/>
+        <p:nvPr/>
+      </p:nvGrpSpPr>
+      <p:grpSpPr>
+        <a:xfrm>
+          <a:off x="0" y="0"/>
+          <a:ext cx="0" cy="0"/>
+          <a:chOff x="0" y="0"/>
+          <a:chExt cx="0" cy="0"/>
+        </a:xfrm>
+      </p:grpSpPr>
+      <p:sp>
+        <p:nvSpPr>
+          <p:cNvPr id="2" name="Date Placeholder 1"/>
+          <p:cNvSpPr>
+            <a:spLocks noGrp="1"/>
+          </p:cNvSpPr>
+          <p:nvPr>
+            <p:ph type="dt" sz="half" idx="10"/>
+          </p:nvPr>
+        </p:nvSpPr>
+        <p:spPr/>
+        <p:txBody>
+          <a:bodyPr/>
+          <a:lstStyle/>
+          <a:p>
+            <a:fld id="{37CC0096-1860-4642-9CD2-0079EA5E7CD1}" type="datetimeFigureOut">
+              <a:rPr lang="en-US" smtClean="0"/>
+              <a:t>6/7/2022</a:t>
+            </a:fld>
+            <a:endParaRPr lang="en-US"/>
+          </a:p>
+        </p:txBody>
+      </p:sp>
+      <p:sp>
+        <p:nvSpPr>
+          <p:cNvPr id="3" name="Footer Placeholder 2"/>
+          <p:cNvSpPr>
+            <a:spLocks noGrp="1"/>
+          </p:cNvSpPr>
+          <p:nvPr>
+            <p:ph type="ftr" sz="quarter" idx="11"/>
+          </p:nvPr>
+        </p:nvSpPr>
+        <p:spPr/>
+        <p:txBody>
+          <a:bodyPr/>
+          <a:lstStyle/>
+          <a:p>
+            <a:endParaRPr lang="en-US"/>
+          </a:p>
+        </p:txBody>
+      </p:sp>
+      <p:sp>
+        <p:nvSpPr>
+          <p:cNvPr id="4" name="Slide Number Placeholder 3"/>
+          <p:cNvSpPr>
+            <a:spLocks noGrp="1"/>
+          </p:cNvSpPr>
+          <p:nvPr>
+            <p:ph type="sldNum" sz="quarter" idx="12"/>
+          </p:nvPr>
+        </p:nvSpPr>
+        <p:spPr/>
+        <p:txBody>
+          <a:bodyPr/>
+          <a:lstStyle/>
+          <a:p>
+            <a:fld id="{E31375A4-56A4-47D6-9801-1991572033F7}" type="slidenum">
+              <a:rPr lang="en-US" smtClean="0"/>
+              <a:t>‹#›</a:t>
+            </a:fld>
+            <a:endParaRPr lang="en-US"/>
+          </a:p>
+        </p:txBody>
+      </p:sp>
+    </p:spTree>
+    <p:extLst>
+      <p:ext uri="{BB962C8B-B14F-4D97-AF65-F5344CB8AC3E}">
+        <p14:creationId xmlns:p14="http://schemas.microsoft.com/office/powerpoint/2010/main" val="3536507075"/>
+      </p:ext>
+    </p:extLst>
+  </p:cSld>
+  <p:clrMapOvr>
+    <a:masterClrMapping/>
+  </p:clrMapOvr>
+</p:sldLayout>
+</file>
+
+<file path=ppt/slideLayouts/slideLayout8.xml><?xml version="1.0" encoding="utf-8"?>
+<p:sldLayout xmlns:a="http://schemas.openxmlformats.org/drawingml/2006/main" xmlns:r="http://schemas.openxmlformats.org/officeDocument/2006/relationships" xmlns:p="http://schemas.openxmlformats.org/presentationml/2006/main" type="objTx" preserve="1">
+  <p:cSld name="Content with Caption">
+    <p:spTree>
+      <p:nvGrpSpPr>
+        <p:cNvPr id="1" name=""/>
+        <p:cNvGrpSpPr/>
+        <p:nvPr/>
+      </p:nvGrpSpPr>
+      <p:grpSpPr>
+        <a:xfrm>
+          <a:off x="0" y="0"/>
+          <a:ext cx="0" cy="0"/>
+          <a:chOff x="0" y="0"/>
+          <a:chExt cx="0" cy="0"/>
+        </a:xfrm>
+      </p:grpSpPr>
+      <p:sp>
+        <p:nvSpPr>
+          <p:cNvPr id="2" name="Title 1"/>
+          <p:cNvSpPr>
+            <a:spLocks noGrp="1"/>
+          </p:cNvSpPr>
+          <p:nvPr>
+            <p:ph type="title"/>
+          </p:nvPr>
+        </p:nvSpPr>
+        <p:spPr>
+          <a:xfrm>
+            <a:off x="1444671" y="798973"/>
+            <a:ext cx="2961967" cy="2406518"/>
+          </a:xfrm>
+        </p:spPr>
+        <p:txBody>
+          <a:bodyPr anchor="b">
+            <a:normAutofit/>
+          </a:bodyPr>
+          <a:lstStyle>
+            <a:lvl1pPr algn="l">
+              <a:defRPr sz="2400"/>
+            </a:lvl1pPr>
+          </a:lstStyle>
+          <a:p>
+            <a:r>
+              <a:rPr lang="en-US"/>
+              <a:t>Click to edit Master title style</a:t>
+            </a:r>
+            <a:endParaRPr lang="en-US" dirty="0"/>
+          </a:p>
+        </p:txBody>
+      </p:sp>
+      <p:sp>
+        <p:nvSpPr>
+          <p:cNvPr id="3" name="Content Placeholder 2"/>
+          <p:cNvSpPr>
+            <a:spLocks noGrp="1"/>
+          </p:cNvSpPr>
+          <p:nvPr>
+            <p:ph idx="1"/>
+          </p:nvPr>
+        </p:nvSpPr>
+        <p:spPr>
+          <a:xfrm>
+            <a:off x="4730324" y="798974"/>
+            <a:ext cx="6012470" cy="4658826"/>
+          </a:xfrm>
+        </p:spPr>
+        <p:txBody>
+          <a:bodyPr anchor="ctr"/>
+          <a:lstStyle/>
+          <a:p>
+            <a:pPr lvl="0"/>
+            <a:r>
+              <a:rPr lang="en-US"/>
+              <a:t>Click to edit Master text styles</a:t>
+            </a:r>
+          </a:p>
+          <a:p>
+            <a:pPr lvl="1"/>
+            <a:r>
+              <a:rPr lang="en-US"/>
+              <a:t>Second level</a:t>
+            </a:r>
+          </a:p>
+          <a:p>
+            <a:pPr lvl="2"/>
+            <a:r>
+              <a:rPr lang="en-US"/>
+              <a:t>Third level</a:t>
+            </a:r>
+          </a:p>
+          <a:p>
+            <a:pPr lvl="3"/>
+            <a:r>
+              <a:rPr lang="en-US"/>
+              <a:t>Fourth level</a:t>
+            </a:r>
+          </a:p>
+          <a:p>
+            <a:pPr lvl="4"/>
+            <a:r>
+              <a:rPr lang="en-US"/>
+              <a:t>Fifth level</a:t>
+            </a:r>
+            <a:endParaRPr lang="en-US" dirty="0"/>
           </a:p>
         </p:txBody>
       </p:sp>
@@ -6493,17 +6534,14 @@
         </p:nvSpPr>
         <p:spPr>
           <a:xfrm>
-            <a:off x="7997952" y="3429000"/>
-            <a:ext cx="3127248" cy="1828800"/>
+            <a:off x="1444671" y="3205491"/>
+            <a:ext cx="2961967" cy="2248181"/>
           </a:xfrm>
         </p:spPr>
         <p:txBody>
           <a:bodyPr/>
           <a:lstStyle>
-            <a:lvl1pPr marL="0" indent="0">
-              <a:spcBef>
-                <a:spcPts val="0"/>
-              </a:spcBef>
+            <a:lvl1pPr marL="0" indent="0" algn="l">
               <a:buNone/>
               <a:defRPr sz="1600"/>
             </a:lvl1pPr>
@@ -6551,7 +6589,474 @@
       </p:sp>
       <p:sp>
         <p:nvSpPr>
-          <p:cNvPr id="8" name="Rectangle 7" descr="An empty placeholder to add an image. Click on the placeholder and select the image that you wish to add."/>
+          <p:cNvPr id="5" name="Date Placeholder 4"/>
+          <p:cNvSpPr>
+            <a:spLocks noGrp="1"/>
+          </p:cNvSpPr>
+          <p:nvPr>
+            <p:ph type="dt" sz="half" idx="10"/>
+          </p:nvPr>
+        </p:nvSpPr>
+        <p:spPr/>
+        <p:txBody>
+          <a:bodyPr/>
+          <a:lstStyle/>
+          <a:p>
+            <a:fld id="{37CC0096-1860-4642-9CD2-0079EA5E7CD1}" type="datetimeFigureOut">
+              <a:rPr lang="en-US" smtClean="0"/>
+              <a:t>6/7/2022</a:t>
+            </a:fld>
+            <a:endParaRPr lang="en-US"/>
+          </a:p>
+        </p:txBody>
+      </p:sp>
+      <p:sp>
+        <p:nvSpPr>
+          <p:cNvPr id="6" name="Footer Placeholder 5"/>
+          <p:cNvSpPr>
+            <a:spLocks noGrp="1"/>
+          </p:cNvSpPr>
+          <p:nvPr>
+            <p:ph type="ftr" sz="quarter" idx="11"/>
+          </p:nvPr>
+        </p:nvSpPr>
+        <p:spPr/>
+        <p:txBody>
+          <a:bodyPr/>
+          <a:lstStyle/>
+          <a:p>
+            <a:endParaRPr lang="en-US"/>
+          </a:p>
+        </p:txBody>
+      </p:sp>
+      <p:sp>
+        <p:nvSpPr>
+          <p:cNvPr id="7" name="Slide Number Placeholder 6"/>
+          <p:cNvSpPr>
+            <a:spLocks noGrp="1"/>
+          </p:cNvSpPr>
+          <p:nvPr>
+            <p:ph type="sldNum" sz="quarter" idx="12"/>
+          </p:nvPr>
+        </p:nvSpPr>
+        <p:spPr/>
+        <p:txBody>
+          <a:bodyPr/>
+          <a:lstStyle/>
+          <a:p>
+            <a:fld id="{E31375A4-56A4-47D6-9801-1991572033F7}" type="slidenum">
+              <a:rPr lang="en-US" smtClean="0"/>
+              <a:t>‹#›</a:t>
+            </a:fld>
+            <a:endParaRPr lang="en-US"/>
+          </a:p>
+        </p:txBody>
+      </p:sp>
+    </p:spTree>
+    <p:extLst>
+      <p:ext uri="{BB962C8B-B14F-4D97-AF65-F5344CB8AC3E}">
+        <p14:creationId xmlns:p14="http://schemas.microsoft.com/office/powerpoint/2010/main" val="2321583094"/>
+      </p:ext>
+    </p:extLst>
+  </p:cSld>
+  <p:clrMapOvr>
+    <a:masterClrMapping/>
+  </p:clrMapOvr>
+</p:sldLayout>
+</file>
+
+<file path=ppt/slideLayouts/slideLayout9.xml><?xml version="1.0" encoding="utf-8"?>
+<p:sldLayout xmlns:a="http://schemas.openxmlformats.org/drawingml/2006/main" xmlns:r="http://schemas.openxmlformats.org/officeDocument/2006/relationships" xmlns:p="http://schemas.openxmlformats.org/presentationml/2006/main" type="picTx" preserve="1">
+  <p:cSld name="Picture with Caption">
+    <p:spTree>
+      <p:nvGrpSpPr>
+        <p:cNvPr id="1" name=""/>
+        <p:cNvGrpSpPr/>
+        <p:nvPr/>
+      </p:nvGrpSpPr>
+      <p:grpSpPr>
+        <a:xfrm>
+          <a:off x="0" y="0"/>
+          <a:ext cx="0" cy="0"/>
+          <a:chOff x="0" y="0"/>
+          <a:chExt cx="0" cy="0"/>
+        </a:xfrm>
+      </p:grpSpPr>
+      <p:grpSp>
+        <p:nvGrpSpPr>
+          <p:cNvPr id="9" name="Group 8"/>
+          <p:cNvGrpSpPr/>
+          <p:nvPr/>
+        </p:nvGrpSpPr>
+        <p:grpSpPr>
+          <a:xfrm>
+            <a:off x="7477387" y="482170"/>
+            <a:ext cx="4074533" cy="5149101"/>
+            <a:chOff x="7477387" y="482170"/>
+            <a:chExt cx="4074533" cy="5149101"/>
+          </a:xfrm>
+        </p:grpSpPr>
+        <p:sp>
+          <p:nvSpPr>
+            <p:cNvPr id="18" name="Rectangle 17"/>
+            <p:cNvSpPr/>
+            <p:nvPr/>
+          </p:nvSpPr>
+          <p:spPr>
+            <a:xfrm>
+              <a:off x="7477387" y="482170"/>
+              <a:ext cx="4074533" cy="5149101"/>
+            </a:xfrm>
+            <a:prstGeom prst="rect">
+              <a:avLst/>
+            </a:prstGeom>
+            <a:blipFill dpi="0" rotWithShape="1">
+              <a:blip r:embed="rId2">
+                <a:alphaModFix amt="30000"/>
+              </a:blip>
+              <a:srcRect/>
+              <a:tile tx="0" ty="0" sx="100000" sy="100000" flip="none" algn="ctr"/>
+            </a:blipFill>
+            <a:ln w="76200" cmpd="sng">
+              <a:noFill/>
+              <a:miter lim="800000"/>
+            </a:ln>
+            <a:effectLst>
+              <a:outerShdw blurRad="127000" dist="228600" dir="4740000" sx="98000" sy="98000" algn="tl" rotWithShape="0">
+                <a:srgbClr val="000000">
+                  <a:alpha val="34000"/>
+                </a:srgbClr>
+              </a:outerShdw>
+            </a:effectLst>
+            <a:scene3d>
+              <a:camera prst="orthographicFront"/>
+              <a:lightRig rig="threePt" dir="t"/>
+            </a:scene3d>
+            <a:sp3d extrusionH="76200" contourW="12700" prstMaterial="matte">
+              <a:bevelT w="152400" h="50800" prst="softRound"/>
+              <a:extrusionClr>
+                <a:schemeClr val="tx2"/>
+              </a:extrusionClr>
+              <a:contourClr>
+                <a:schemeClr val="bg2"/>
+              </a:contourClr>
+            </a:sp3d>
+          </p:spPr>
+          <p:style>
+            <a:lnRef idx="1">
+              <a:schemeClr val="accent1"/>
+            </a:lnRef>
+            <a:fillRef idx="3">
+              <a:schemeClr val="accent1"/>
+            </a:fillRef>
+            <a:effectRef idx="2">
+              <a:schemeClr val="accent1"/>
+            </a:effectRef>
+            <a:fontRef idx="minor">
+              <a:schemeClr val="lt1"/>
+            </a:fontRef>
+          </p:style>
+        </p:sp>
+        <p:sp>
+          <p:nvSpPr>
+            <p:cNvPr id="19" name="Rectangle 18"/>
+            <p:cNvSpPr/>
+            <p:nvPr/>
+          </p:nvSpPr>
+          <p:spPr>
+            <a:xfrm>
+              <a:off x="7790446" y="812506"/>
+              <a:ext cx="3450289" cy="4466452"/>
+            </a:xfrm>
+            <a:prstGeom prst="rect">
+              <a:avLst/>
+            </a:prstGeom>
+            <a:gradFill>
+              <a:gsLst>
+                <a:gs pos="0">
+                  <a:srgbClr val="DADADA"/>
+                </a:gs>
+                <a:gs pos="100000">
+                  <a:srgbClr val="FFFFFE"/>
+                </a:gs>
+              </a:gsLst>
+              <a:lin ang="16200000" scaled="0"/>
+            </a:gradFill>
+            <a:ln w="38100" cmpd="sng">
+              <a:solidFill>
+                <a:schemeClr val="tx2">
+                  <a:lumMod val="25000"/>
+                </a:schemeClr>
+              </a:solidFill>
+              <a:miter lim="800000"/>
+            </a:ln>
+            <a:effectLst>
+              <a:innerShdw blurRad="63500" dist="88900" dir="14100000">
+                <a:srgbClr val="000000">
+                  <a:alpha val="30000"/>
+                </a:srgbClr>
+              </a:innerShdw>
+            </a:effectLst>
+            <a:scene3d>
+              <a:camera prst="orthographicFront"/>
+              <a:lightRig rig="threePt" dir="t"/>
+            </a:scene3d>
+            <a:sp3d>
+              <a:bevelT prst="relaxedInset"/>
+            </a:sp3d>
+          </p:spPr>
+          <p:style>
+            <a:lnRef idx="1">
+              <a:schemeClr val="accent1"/>
+            </a:lnRef>
+            <a:fillRef idx="3">
+              <a:schemeClr val="accent1"/>
+            </a:fillRef>
+            <a:effectRef idx="2">
+              <a:schemeClr val="accent1"/>
+            </a:effectRef>
+            <a:fontRef idx="minor">
+              <a:schemeClr val="lt1"/>
+            </a:fontRef>
+          </p:style>
+        </p:sp>
+      </p:grpSp>
+      <p:sp>
+        <p:nvSpPr>
+          <p:cNvPr id="2" name="Title 1"/>
+          <p:cNvSpPr>
+            <a:spLocks noGrp="1"/>
+          </p:cNvSpPr>
+          <p:nvPr>
+            <p:ph type="title"/>
+          </p:nvPr>
+        </p:nvSpPr>
+        <p:spPr>
+          <a:xfrm>
+            <a:off x="1451206" y="1129512"/>
+            <a:ext cx="5532328" cy="1922299"/>
+          </a:xfrm>
+        </p:spPr>
+        <p:txBody>
+          <a:bodyPr anchor="b">
+            <a:normAutofit/>
+          </a:bodyPr>
+          <a:lstStyle>
+            <a:lvl1pPr>
+              <a:defRPr sz="3200"/>
+            </a:lvl1pPr>
+          </a:lstStyle>
+          <a:p>
+            <a:r>
+              <a:rPr lang="en-US"/>
+              <a:t>Click to edit Master title style</a:t>
+            </a:r>
+            <a:endParaRPr lang="en-US" dirty="0"/>
+          </a:p>
+        </p:txBody>
+      </p:sp>
+      <p:sp>
+        <p:nvSpPr>
+          <p:cNvPr id="3" name="Picture Placeholder 2"/>
+          <p:cNvSpPr>
+            <a:spLocks noGrp="1" noChangeAspect="1"/>
+          </p:cNvSpPr>
+          <p:nvPr>
+            <p:ph type="pic" idx="1"/>
+          </p:nvPr>
+        </p:nvSpPr>
+        <p:spPr>
+          <a:xfrm>
+            <a:off x="8124389" y="1122542"/>
+            <a:ext cx="2791171" cy="3866327"/>
+          </a:xfrm>
+          <a:solidFill>
+            <a:schemeClr val="bg1">
+              <a:lumMod val="50000"/>
+              <a:lumOff val="50000"/>
+              <a:alpha val="80000"/>
+            </a:schemeClr>
+          </a:solidFill>
+          <a:ln w="9525" cap="sq">
+            <a:noFill/>
+            <a:miter lim="800000"/>
+          </a:ln>
+          <a:effectLst/>
+        </p:spPr>
+        <p:txBody>
+          <a:bodyPr vert="horz" lIns="91440" tIns="45720" rIns="91440" bIns="45720" rtlCol="0" anchor="t">
+            <a:normAutofit/>
+          </a:bodyPr>
+          <a:lstStyle>
+            <a:lvl1pPr>
+              <a:defRPr lang="en-US" sz="3200" dirty="0"/>
+            </a:lvl1pPr>
+          </a:lstStyle>
+          <a:p>
+            <a:pPr lvl="0" algn="ctr"/>
+            <a:r>
+              <a:rPr lang="en-US"/>
+              <a:t>Click icon to add picture</a:t>
+            </a:r>
+            <a:endParaRPr lang="en-US" dirty="0"/>
+          </a:p>
+        </p:txBody>
+      </p:sp>
+      <p:sp>
+        <p:nvSpPr>
+          <p:cNvPr id="4" name="Text Placeholder 3"/>
+          <p:cNvSpPr>
+            <a:spLocks noGrp="1"/>
+          </p:cNvSpPr>
+          <p:nvPr>
+            <p:ph type="body" sz="half" idx="2"/>
+          </p:nvPr>
+        </p:nvSpPr>
+        <p:spPr>
+          <a:xfrm>
+            <a:off x="1450329" y="3059600"/>
+            <a:ext cx="5524404" cy="2090134"/>
+          </a:xfrm>
+        </p:spPr>
+        <p:txBody>
+          <a:bodyPr>
+            <a:normAutofit/>
+          </a:bodyPr>
+          <a:lstStyle>
+            <a:lvl1pPr marL="0" indent="0" algn="ctr">
+              <a:buNone/>
+              <a:defRPr sz="1800"/>
+            </a:lvl1pPr>
+            <a:lvl2pPr marL="457200" indent="0">
+              <a:buNone/>
+              <a:defRPr sz="1400"/>
+            </a:lvl2pPr>
+            <a:lvl3pPr marL="914400" indent="0">
+              <a:buNone/>
+              <a:defRPr sz="1200"/>
+            </a:lvl3pPr>
+            <a:lvl4pPr marL="1371600" indent="0">
+              <a:buNone/>
+              <a:defRPr sz="1000"/>
+            </a:lvl4pPr>
+            <a:lvl5pPr marL="1828800" indent="0">
+              <a:buNone/>
+              <a:defRPr sz="1000"/>
+            </a:lvl5pPr>
+            <a:lvl6pPr marL="2286000" indent="0">
+              <a:buNone/>
+              <a:defRPr sz="1000"/>
+            </a:lvl6pPr>
+            <a:lvl7pPr marL="2743200" indent="0">
+              <a:buNone/>
+              <a:defRPr sz="1000"/>
+            </a:lvl7pPr>
+            <a:lvl8pPr marL="3200400" indent="0">
+              <a:buNone/>
+              <a:defRPr sz="1000"/>
+            </a:lvl8pPr>
+            <a:lvl9pPr marL="3657600" indent="0">
+              <a:buNone/>
+              <a:defRPr sz="1000"/>
+            </a:lvl9pPr>
+          </a:lstStyle>
+          <a:p>
+            <a:pPr lvl="0"/>
+            <a:r>
+              <a:rPr lang="en-US"/>
+              <a:t>Click to edit Master text styles</a:t>
+            </a:r>
+          </a:p>
+        </p:txBody>
+      </p:sp>
+      <p:sp>
+        <p:nvSpPr>
+          <p:cNvPr id="5" name="Date Placeholder 4"/>
+          <p:cNvSpPr>
+            <a:spLocks noGrp="1"/>
+          </p:cNvSpPr>
+          <p:nvPr>
+            <p:ph type="dt" sz="half" idx="10"/>
+          </p:nvPr>
+        </p:nvSpPr>
+        <p:spPr>
+          <a:xfrm>
+            <a:off x="1447382" y="5469856"/>
+            <a:ext cx="5527351" cy="320123"/>
+          </a:xfrm>
+        </p:spPr>
+        <p:txBody>
+          <a:bodyPr/>
+          <a:lstStyle>
+            <a:lvl1pPr algn="l">
+              <a:defRPr/>
+            </a:lvl1pPr>
+          </a:lstStyle>
+          <a:p>
+            <a:fld id="{37CC0096-1860-4642-9CD2-0079EA5E7CD1}" type="datetimeFigureOut">
+              <a:rPr lang="en-US" smtClean="0"/>
+              <a:t>6/7/2022</a:t>
+            </a:fld>
+            <a:endParaRPr lang="en-US"/>
+          </a:p>
+        </p:txBody>
+      </p:sp>
+      <p:sp>
+        <p:nvSpPr>
+          <p:cNvPr id="6" name="Footer Placeholder 5"/>
+          <p:cNvSpPr>
+            <a:spLocks noGrp="1"/>
+          </p:cNvSpPr>
+          <p:nvPr>
+            <p:ph type="ftr" sz="quarter" idx="11"/>
+          </p:nvPr>
+        </p:nvSpPr>
+        <p:spPr>
+          <a:xfrm>
+            <a:off x="1447382" y="318640"/>
+            <a:ext cx="5541004" cy="320931"/>
+          </a:xfrm>
+        </p:spPr>
+        <p:txBody>
+          <a:bodyPr/>
+          <a:lstStyle/>
+          <a:p>
+            <a:endParaRPr lang="en-US"/>
+          </a:p>
+        </p:txBody>
+      </p:sp>
+      <p:sp>
+        <p:nvSpPr>
+          <p:cNvPr id="7" name="Slide Number Placeholder 6"/>
+          <p:cNvSpPr>
+            <a:spLocks noGrp="1"/>
+          </p:cNvSpPr>
+          <p:nvPr>
+            <p:ph type="sldNum" sz="quarter" idx="12"/>
+          </p:nvPr>
+        </p:nvSpPr>
+        <p:spPr/>
+        <p:txBody>
+          <a:bodyPr/>
+          <a:lstStyle/>
+          <a:p>
+            <a:fld id="{E31375A4-56A4-47D6-9801-1991572033F7}" type="slidenum">
+              <a:rPr lang="en-US" smtClean="0"/>
+              <a:t>‹#›</a:t>
+            </a:fld>
+            <a:endParaRPr lang="en-US"/>
+          </a:p>
+        </p:txBody>
+      </p:sp>
+      <p:sp>
+        <p:nvSpPr>
+          <p:cNvPr id="11" name="Rectangle 10" descr="An empty placeholder to add an image. Click on the placeholder and select the image that you wish to add.">
+            <a:extLst>
+              <a:ext uri="{FF2B5EF4-FFF2-40B4-BE49-F238E27FC236}">
+                <a16:creationId xmlns:a16="http://schemas.microsoft.com/office/drawing/2014/main" id="{C7B435B8-DE33-F51F-8D79-1B8651E4BB18}"/>
+              </a:ext>
+            </a:extLst>
+          </p:cNvPr>
           <p:cNvSpPr/>
           <p:nvPr userDrawn="1"/>
         </p:nvSpPr>
@@ -6598,75 +7103,10 @@
           </a:p>
         </p:txBody>
       </p:sp>
-      <p:sp>
-        <p:nvSpPr>
-          <p:cNvPr id="6" name="Footer Placeholder 5"/>
-          <p:cNvSpPr>
-            <a:spLocks noGrp="1"/>
-          </p:cNvSpPr>
-          <p:nvPr>
-            <p:ph type="ftr" sz="quarter" idx="11"/>
-          </p:nvPr>
-        </p:nvSpPr>
-        <p:spPr/>
-        <p:txBody>
-          <a:bodyPr/>
-          <a:lstStyle/>
-          <a:p>
-            <a:endParaRPr lang="en-US"/>
-          </a:p>
-        </p:txBody>
-      </p:sp>
-      <p:sp>
-        <p:nvSpPr>
-          <p:cNvPr id="5" name="Date Placeholder 4"/>
-          <p:cNvSpPr>
-            <a:spLocks noGrp="1"/>
-          </p:cNvSpPr>
-          <p:nvPr>
-            <p:ph type="dt" sz="half" idx="10"/>
-          </p:nvPr>
-        </p:nvSpPr>
-        <p:spPr/>
-        <p:txBody>
-          <a:bodyPr/>
-          <a:lstStyle/>
-          <a:p>
-            <a:fld id="{37CC0096-1860-4642-9CD2-0079EA5E7CD1}" type="datetimeFigureOut">
-              <a:rPr lang="en-US" smtClean="0"/>
-              <a:t>6/7/2022</a:t>
-            </a:fld>
-            <a:endParaRPr lang="en-US"/>
-          </a:p>
-        </p:txBody>
-      </p:sp>
-      <p:sp>
-        <p:nvSpPr>
-          <p:cNvPr id="7" name="Slide Number Placeholder 6"/>
-          <p:cNvSpPr>
-            <a:spLocks noGrp="1"/>
-          </p:cNvSpPr>
-          <p:nvPr>
-            <p:ph type="sldNum" sz="quarter" idx="12"/>
-          </p:nvPr>
-        </p:nvSpPr>
-        <p:spPr/>
-        <p:txBody>
-          <a:bodyPr/>
-          <a:lstStyle/>
-          <a:p>
-            <a:fld id="{E31375A4-56A4-47D6-9801-1991572033F7}" type="slidenum">
-              <a:rPr lang="en-US" smtClean="0"/>
-              <a:t>‹#›</a:t>
-            </a:fld>
-            <a:endParaRPr lang="en-US"/>
-          </a:p>
-        </p:txBody>
-      </p:sp>
     </p:spTree>
     <p:extLst>
       <p:ext uri="{BB962C8B-B14F-4D97-AF65-F5344CB8AC3E}">
-        <p14:creationId xmlns:p14="http://schemas.microsoft.com/office/powerpoint/2010/main" val="2977249753"/>
+        <p14:creationId xmlns:p14="http://schemas.microsoft.com/office/powerpoint/2010/main" val="2705967243"/>
       </p:ext>
     </p:extLst>
   </p:cSld>
@@ -6680,7 +7120,7 @@
 <p:sldMaster xmlns:a="http://schemas.openxmlformats.org/drawingml/2006/main" xmlns:r="http://schemas.openxmlformats.org/officeDocument/2006/relationships" xmlns:p="http://schemas.openxmlformats.org/presentationml/2006/main">
   <p:cSld>
     <p:bg>
-      <p:bgRef idx="1001">
+      <p:bgRef idx="1003">
         <a:schemeClr val="bg1"/>
       </p:bgRef>
     </p:bg>
@@ -6710,15 +7150,15 @@
         </p:nvSpPr>
         <p:spPr>
           <a:xfrm>
-            <a:off x="1524000" y="457200"/>
-            <a:ext cx="9144000" cy="1143000"/>
+            <a:off x="1451579" y="804519"/>
+            <a:ext cx="9291215" cy="1049235"/>
           </a:xfrm>
           <a:prstGeom prst="rect">
             <a:avLst/>
           </a:prstGeom>
         </p:spPr>
         <p:txBody>
-          <a:bodyPr vert="horz" lIns="91440" tIns="45720" rIns="91440" bIns="45720" rtlCol="0" anchor="b">
+          <a:bodyPr vert="horz" lIns="91440" tIns="45720" rIns="91440" bIns="45720" rtlCol="0" anchor="ctr">
             <a:normAutofit/>
           </a:bodyPr>
           <a:lstStyle/>
@@ -6727,7 +7167,7 @@
               <a:rPr lang="en-US"/>
               <a:t>Click to edit Master title style</a:t>
             </a:r>
-            <a:endParaRPr/>
+            <a:endParaRPr lang="en-US" dirty="0"/>
           </a:p>
         </p:txBody>
       </p:sp>
@@ -6743,8 +7183,8 @@
         </p:nvSpPr>
         <p:spPr>
           <a:xfrm>
-            <a:off x="1524000" y="1828800"/>
-            <a:ext cx="9144000" cy="4267200"/>
+            <a:off x="1451579" y="2015732"/>
+            <a:ext cx="9291215" cy="3450613"/>
           </a:xfrm>
           <a:prstGeom prst="rect">
             <a:avLst/>
@@ -6789,7 +7229,49 @@
               <a:rPr lang="en-US"/>
               <a:t>Fifth level</a:t>
             </a:r>
-            <a:endParaRPr/>
+            <a:endParaRPr lang="en-US" dirty="0"/>
+          </a:p>
+        </p:txBody>
+      </p:sp>
+      <p:sp>
+        <p:nvSpPr>
+          <p:cNvPr id="4" name="Date Placeholder 3"/>
+          <p:cNvSpPr>
+            <a:spLocks noGrp="1"/>
+          </p:cNvSpPr>
+          <p:nvPr>
+            <p:ph type="dt" sz="half" idx="2"/>
+          </p:nvPr>
+        </p:nvSpPr>
+        <p:spPr>
+          <a:xfrm>
+            <a:off x="7242079" y="330370"/>
+            <a:ext cx="3500715" cy="309201"/>
+          </a:xfrm>
+          <a:prstGeom prst="rect">
+            <a:avLst/>
+          </a:prstGeom>
+        </p:spPr>
+        <p:txBody>
+          <a:bodyPr vert="horz" lIns="91440" tIns="45720" rIns="91440" bIns="45720" rtlCol="0" anchor="ctr"/>
+          <a:lstStyle>
+            <a:lvl1pPr algn="r">
+              <a:defRPr sz="1000">
+                <a:solidFill>
+                  <a:schemeClr val="tx1">
+                    <a:tint val="75000"/>
+                  </a:schemeClr>
+                </a:solidFill>
+              </a:defRPr>
+            </a:lvl1pPr>
+          </a:lstStyle>
+          <a:p>
+            <a:fld id="{37CC0096-1860-4642-9CD2-0079EA5E7CD1}" type="datetimeFigureOut">
+              <a:rPr lang="en-US" smtClean="0"/>
+              <a:pPr/>
+              <a:t>6/7/2022</a:t>
+            </a:fld>
+            <a:endParaRPr lang="en-US"/>
           </a:p>
         </p:txBody>
       </p:sp>
@@ -6805,8 +7287,8 @@
         </p:nvSpPr>
         <p:spPr>
           <a:xfrm>
-            <a:off x="1524000" y="6362700"/>
-            <a:ext cx="6881553" cy="257176"/>
+            <a:off x="1451579" y="329307"/>
+            <a:ext cx="5626774" cy="309201"/>
           </a:xfrm>
           <a:prstGeom prst="rect">
             <a:avLst/>
@@ -6816,10 +7298,10 @@
           <a:bodyPr vert="horz" lIns="91440" tIns="45720" rIns="91440" bIns="45720" rtlCol="0" anchor="ctr"/>
           <a:lstStyle>
             <a:lvl1pPr algn="l">
-              <a:defRPr sz="1100">
+              <a:defRPr sz="1000">
                 <a:solidFill>
                   <a:schemeClr val="tx1">
-                    <a:lumMod val="85000"/>
+                    <a:tint val="75000"/>
                   </a:schemeClr>
                 </a:solidFill>
               </a:defRPr>
@@ -6827,48 +7309,6 @@
           </a:lstStyle>
           <a:p>
             <a:endParaRPr lang="en-US" dirty="0"/>
-          </a:p>
-        </p:txBody>
-      </p:sp>
-      <p:sp>
-        <p:nvSpPr>
-          <p:cNvPr id="4" name="Date Placeholder 3"/>
-          <p:cNvSpPr>
-            <a:spLocks noGrp="1"/>
-          </p:cNvSpPr>
-          <p:nvPr>
-            <p:ph type="dt" sz="half" idx="2"/>
-          </p:nvPr>
-        </p:nvSpPr>
-        <p:spPr>
-          <a:xfrm>
-            <a:off x="8610600" y="6362700"/>
-            <a:ext cx="990600" cy="257176"/>
-          </a:xfrm>
-          <a:prstGeom prst="rect">
-            <a:avLst/>
-          </a:prstGeom>
-        </p:spPr>
-        <p:txBody>
-          <a:bodyPr vert="horz" lIns="91440" tIns="45720" rIns="91440" bIns="45720" rtlCol="0" anchor="ctr"/>
-          <a:lstStyle>
-            <a:lvl1pPr algn="r">
-              <a:defRPr sz="1100">
-                <a:solidFill>
-                  <a:schemeClr val="tx1">
-                    <a:lumMod val="85000"/>
-                  </a:schemeClr>
-                </a:solidFill>
-              </a:defRPr>
-            </a:lvl1pPr>
-          </a:lstStyle>
-          <a:p>
-            <a:fld id="{37CC0096-1860-4642-9CD2-0079EA5E7CD1}" type="datetimeFigureOut">
-              <a:rPr lang="en-US" smtClean="0"/>
-              <a:pPr/>
-              <a:t>6/7/2022</a:t>
-            </a:fld>
-            <a:endParaRPr lang="en-US"/>
           </a:p>
         </p:txBody>
       </p:sp>
@@ -6884,22 +7324,20 @@
         </p:nvSpPr>
         <p:spPr>
           <a:xfrm>
-            <a:off x="9829800" y="6362700"/>
-            <a:ext cx="838200" cy="257176"/>
+            <a:off x="480060" y="798973"/>
+            <a:ext cx="811019" cy="503578"/>
           </a:xfrm>
           <a:prstGeom prst="rect">
             <a:avLst/>
           </a:prstGeom>
         </p:spPr>
         <p:txBody>
-          <a:bodyPr vert="horz" lIns="91440" tIns="45720" rIns="91440" bIns="45720" rtlCol="0" anchor="ctr"/>
+          <a:bodyPr vert="horz" lIns="91440" tIns="45720" rIns="91440" bIns="45720" rtlCol="0" anchor="t"/>
           <a:lstStyle>
             <a:lvl1pPr algn="r">
-              <a:defRPr sz="1100">
+              <a:defRPr sz="2800">
                 <a:solidFill>
-                  <a:schemeClr val="tx1">
-                    <a:lumMod val="85000"/>
-                  </a:schemeClr>
+                  <a:schemeClr val="accent1"/>
                 </a:solidFill>
               </a:defRPr>
             </a:lvl1pPr>
@@ -6914,30 +7352,148 @@
           </a:p>
         </p:txBody>
       </p:sp>
+      <p:sp>
+        <p:nvSpPr>
+          <p:cNvPr id="9" name="Rectangle 8"/>
+          <p:cNvSpPr/>
+          <p:nvPr/>
+        </p:nvSpPr>
+        <p:spPr>
+          <a:xfrm>
+            <a:off x="0" y="3622291"/>
+            <a:ext cx="12192000" cy="2505984"/>
+          </a:xfrm>
+          <a:prstGeom prst="rect">
+            <a:avLst/>
+          </a:prstGeom>
+          <a:gradFill flip="none" rotWithShape="1">
+            <a:gsLst>
+              <a:gs pos="0">
+                <a:schemeClr val="bg2">
+                  <a:alpha val="0"/>
+                </a:schemeClr>
+              </a:gs>
+              <a:gs pos="100000">
+                <a:schemeClr val="bg2">
+                  <a:alpha val="80000"/>
+                </a:schemeClr>
+              </a:gs>
+            </a:gsLst>
+            <a:lin ang="5400000" scaled="0"/>
+            <a:tileRect/>
+          </a:gradFill>
+          <a:ln>
+            <a:noFill/>
+          </a:ln>
+        </p:spPr>
+        <p:style>
+          <a:lnRef idx="2">
+            <a:schemeClr val="accent1">
+              <a:shade val="50000"/>
+            </a:schemeClr>
+          </a:lnRef>
+          <a:fillRef idx="1">
+            <a:schemeClr val="accent1"/>
+          </a:fillRef>
+          <a:effectRef idx="0">
+            <a:schemeClr val="accent1"/>
+          </a:effectRef>
+          <a:fontRef idx="minor">
+            <a:schemeClr val="lt1"/>
+          </a:fontRef>
+        </p:style>
+      </p:sp>
+      <p:pic>
+        <p:nvPicPr>
+          <p:cNvPr id="10" name="Picture 9"/>
+          <p:cNvPicPr>
+            <a:picLocks noChangeAspect="1"/>
+          </p:cNvPicPr>
+          <p:nvPr/>
+        </p:nvPicPr>
+        <p:blipFill rotWithShape="1">
+          <a:blip r:embed="rId14">
+            <a:extLst>
+              <a:ext uri="{28A0092B-C50C-407E-A947-70E740481C1C}">
+                <a14:useLocalDpi xmlns:a14="http://schemas.microsoft.com/office/drawing/2010/main" val="0"/>
+              </a:ext>
+            </a:extLst>
+          </a:blip>
+          <a:srcRect t="1538" b="-1538"/>
+          <a:stretch/>
+        </p:blipFill>
+        <p:spPr>
+          <a:xfrm>
+            <a:off x="0" y="6129338"/>
+            <a:ext cx="12192000" cy="742950"/>
+          </a:xfrm>
+          <a:prstGeom prst="rect">
+            <a:avLst/>
+          </a:prstGeom>
+        </p:spPr>
+      </p:pic>
+      <p:cxnSp>
+        <p:nvCxnSpPr>
+          <p:cNvPr id="12" name="Straight Connector 11"/>
+          <p:cNvCxnSpPr/>
+          <p:nvPr/>
+        </p:nvCxnSpPr>
+        <p:spPr>
+          <a:xfrm>
+            <a:off x="0" y="6138142"/>
+            <a:ext cx="12192000" cy="0"/>
+          </a:xfrm>
+          <a:prstGeom prst="line">
+            <a:avLst/>
+          </a:prstGeom>
+          <a:ln w="12700">
+            <a:solidFill>
+              <a:srgbClr val="000001">
+                <a:alpha val="20000"/>
+              </a:srgbClr>
+            </a:solidFill>
+          </a:ln>
+        </p:spPr>
+        <p:style>
+          <a:lnRef idx="1">
+            <a:schemeClr val="accent1"/>
+          </a:lnRef>
+          <a:fillRef idx="0">
+            <a:schemeClr val="accent1"/>
+          </a:fillRef>
+          <a:effectRef idx="0">
+            <a:schemeClr val="accent1"/>
+          </a:effectRef>
+          <a:fontRef idx="minor">
+            <a:schemeClr val="tx1"/>
+          </a:fontRef>
+        </p:style>
+      </p:cxnSp>
     </p:spTree>
     <p:extLst>
       <p:ext uri="{BB962C8B-B14F-4D97-AF65-F5344CB8AC3E}">
-        <p14:creationId xmlns:p14="http://schemas.microsoft.com/office/powerpoint/2010/main" val="1943259863"/>
+        <p14:creationId xmlns:p14="http://schemas.microsoft.com/office/powerpoint/2010/main" val="3530338299"/>
       </p:ext>
     </p:extLst>
   </p:cSld>
   <p:clrMap bg1="dk1" tx1="lt1" bg2="dk2" tx2="lt2" accent1="accent1" accent2="accent2" accent3="accent3" accent4="accent4" accent5="accent5" accent6="accent6" hlink="hlink" folHlink="folHlink"/>
   <p:sldLayoutIdLst>
-    <p:sldLayoutId id="2147483649" r:id="rId1"/>
-    <p:sldLayoutId id="2147483650" r:id="rId2"/>
-    <p:sldLayoutId id="2147483651" r:id="rId3"/>
-    <p:sldLayoutId id="2147483652" r:id="rId4"/>
-    <p:sldLayoutId id="2147483653" r:id="rId5"/>
-    <p:sldLayoutId id="2147483654" r:id="rId6"/>
-    <p:sldLayoutId id="2147483655" r:id="rId7"/>
-    <p:sldLayoutId id="2147483656" r:id="rId8"/>
-    <p:sldLayoutId id="2147483657" r:id="rId9"/>
-    <p:sldLayoutId id="2147483658" r:id="rId10"/>
-    <p:sldLayoutId id="2147483659" r:id="rId11"/>
+    <p:sldLayoutId id="2147483673" r:id="rId1"/>
+    <p:sldLayoutId id="2147483674" r:id="rId2"/>
+    <p:sldLayoutId id="2147483675" r:id="rId3"/>
+    <p:sldLayoutId id="2147483676" r:id="rId4"/>
+    <p:sldLayoutId id="2147483677" r:id="rId5"/>
+    <p:sldLayoutId id="2147483678" r:id="rId6"/>
+    <p:sldLayoutId id="2147483679" r:id="rId7"/>
+    <p:sldLayoutId id="2147483680" r:id="rId8"/>
+    <p:sldLayoutId id="2147483681" r:id="rId9"/>
+    <p:sldLayoutId id="2147483682" r:id="rId10"/>
+    <p:sldLayoutId id="2147483683" r:id="rId11"/>
+    <p:sldLayoutId id="2147483656" r:id="rId12"/>
   </p:sldLayoutIdLst>
   <p:txStyles>
     <p:titleStyle>
-      <a:lvl1pPr algn="l" defTabSz="914400" rtl="0" eaLnBrk="1" latinLnBrk="0" hangingPunct="1">
+      <a:lvl1pPr algn="ctr" defTabSz="914400" rtl="0" eaLnBrk="1" latinLnBrk="0" hangingPunct="1">
         <a:lnSpc>
           <a:spcPct val="90000"/>
         </a:lnSpc>
@@ -6945,10 +7501,11 @@
           <a:spcPct val="0"/>
         </a:spcBef>
         <a:buNone/>
-        <a:defRPr sz="3400" kern="1200">
+        <a:defRPr sz="3200" b="0" i="0" kern="1200" cap="all">
           <a:solidFill>
             <a:schemeClr val="accent1"/>
           </a:solidFill>
+          <a:effectLst/>
           <a:latin typeface="+mj-lt"/>
           <a:ea typeface="+mj-ea"/>
           <a:cs typeface="+mj-cs"/>
@@ -6958,30 +7515,7 @@
     <p:bodyStyle>
       <a:lvl1pPr marL="228600" indent="-228600" algn="l" defTabSz="914400" rtl="0" eaLnBrk="1" latinLnBrk="0" hangingPunct="1">
         <a:lnSpc>
-          <a:spcPct val="90000"/>
-        </a:lnSpc>
-        <a:spcBef>
-          <a:spcPts val="1800"/>
-        </a:spcBef>
-        <a:buClr>
-          <a:schemeClr val="accent1"/>
-        </a:buClr>
-        <a:buFont typeface="Arial" pitchFamily="34" charset="0"/>
-        <a:buChar char="•"/>
-        <a:defRPr sz="2000" kern="1200">
-          <a:solidFill>
-            <a:schemeClr val="tx1">
-              <a:lumMod val="85000"/>
-            </a:schemeClr>
-          </a:solidFill>
-          <a:latin typeface="+mn-lt"/>
-          <a:ea typeface="+mn-ea"/>
-          <a:cs typeface="+mn-cs"/>
-        </a:defRPr>
-      </a:lvl1pPr>
-      <a:lvl2pPr marL="594360" indent="-228600" algn="l" defTabSz="914400" rtl="0" eaLnBrk="1" latinLnBrk="0" hangingPunct="1">
-        <a:lnSpc>
-          <a:spcPct val="90000"/>
+          <a:spcPct val="120000"/>
         </a:lnSpc>
         <a:spcBef>
           <a:spcPts val="1000"/>
@@ -6989,167 +7523,198 @@
         <a:buClr>
           <a:schemeClr val="accent1"/>
         </a:buClr>
-        <a:buFont typeface="Arial" pitchFamily="34" charset="0"/>
+        <a:buSzPct val="100000"/>
+        <a:buFont typeface="Arial" panose="020B0604020202020204" pitchFamily="34" charset="0"/>
         <a:buChar char="•"/>
-        <a:defRPr sz="1800" kern="1200">
+        <a:defRPr sz="2000" kern="1200">
           <a:solidFill>
-            <a:schemeClr val="tx1">
-              <a:lumMod val="85000"/>
-            </a:schemeClr>
+            <a:schemeClr val="tx1"/>
           </a:solidFill>
+          <a:effectLst/>
+          <a:latin typeface="+mn-lt"/>
+          <a:ea typeface="+mn-ea"/>
+          <a:cs typeface="+mn-cs"/>
+        </a:defRPr>
+      </a:lvl1pPr>
+      <a:lvl2pPr marL="685800" indent="-228600" algn="l" defTabSz="914400" rtl="0" eaLnBrk="1" latinLnBrk="0" hangingPunct="1">
+        <a:lnSpc>
+          <a:spcPct val="120000"/>
+        </a:lnSpc>
+        <a:spcBef>
+          <a:spcPts val="500"/>
+        </a:spcBef>
+        <a:buClr>
+          <a:schemeClr val="accent1"/>
+        </a:buClr>
+        <a:buSzPct val="100000"/>
+        <a:buFont typeface="Arial" panose="020B0604020202020204" pitchFamily="34" charset="0"/>
+        <a:buChar char="•"/>
+        <a:defRPr sz="1800" kern="1200" cap="none" baseline="0">
+          <a:solidFill>
+            <a:schemeClr val="tx1"/>
+          </a:solidFill>
+          <a:effectLst/>
           <a:latin typeface="+mn-lt"/>
           <a:ea typeface="+mn-ea"/>
           <a:cs typeface="+mn-cs"/>
         </a:defRPr>
       </a:lvl2pPr>
-      <a:lvl3pPr marL="914400" indent="-228600" algn="l" defTabSz="914400" rtl="0" eaLnBrk="1" latinLnBrk="0" hangingPunct="1">
+      <a:lvl3pPr marL="1143000" indent="-228600" algn="l" defTabSz="914400" rtl="0" eaLnBrk="1" latinLnBrk="0" hangingPunct="1">
         <a:lnSpc>
-          <a:spcPct val="90000"/>
+          <a:spcPct val="120000"/>
         </a:lnSpc>
         <a:spcBef>
-          <a:spcPts val="800"/>
+          <a:spcPts val="500"/>
         </a:spcBef>
         <a:buClr>
           <a:schemeClr val="accent1"/>
         </a:buClr>
-        <a:buFont typeface="Arial" pitchFamily="34" charset="0"/>
+        <a:buSzPct val="100000"/>
+        <a:buFont typeface="Arial" panose="020B0604020202020204" pitchFamily="34" charset="0"/>
         <a:buChar char="•"/>
         <a:defRPr sz="1600" kern="1200">
           <a:solidFill>
-            <a:schemeClr val="tx1">
-              <a:lumMod val="85000"/>
-            </a:schemeClr>
+            <a:schemeClr val="tx1"/>
           </a:solidFill>
+          <a:effectLst/>
           <a:latin typeface="+mn-lt"/>
           <a:ea typeface="+mn-ea"/>
           <a:cs typeface="+mn-cs"/>
         </a:defRPr>
       </a:lvl3pPr>
-      <a:lvl4pPr marL="1234440" indent="-228600" algn="l" defTabSz="914400" rtl="0" eaLnBrk="1" latinLnBrk="0" hangingPunct="1">
+      <a:lvl4pPr marL="1600200" indent="-228600" algn="l" defTabSz="914400" rtl="0" eaLnBrk="1" latinLnBrk="0" hangingPunct="1">
         <a:lnSpc>
-          <a:spcPct val="90000"/>
+          <a:spcPct val="120000"/>
         </a:lnSpc>
         <a:spcBef>
-          <a:spcPts val="800"/>
+          <a:spcPts val="500"/>
         </a:spcBef>
         <a:buClr>
           <a:schemeClr val="accent1"/>
         </a:buClr>
-        <a:buFont typeface="Arial" pitchFamily="34" charset="0"/>
+        <a:buSzPct val="100000"/>
+        <a:buFont typeface="Arial" panose="020B0604020202020204" pitchFamily="34" charset="0"/>
         <a:buChar char="•"/>
-        <a:defRPr sz="1400" kern="1200">
+        <a:defRPr sz="1400" kern="1200" cap="none" baseline="0">
           <a:solidFill>
-            <a:schemeClr val="tx1">
-              <a:lumMod val="85000"/>
-            </a:schemeClr>
+            <a:schemeClr val="tx1"/>
           </a:solidFill>
+          <a:effectLst/>
           <a:latin typeface="+mn-lt"/>
           <a:ea typeface="+mn-ea"/>
           <a:cs typeface="+mn-cs"/>
         </a:defRPr>
       </a:lvl4pPr>
-      <a:lvl5pPr marL="1508760" indent="-228600" algn="l" defTabSz="914400" rtl="0" eaLnBrk="1" latinLnBrk="0" hangingPunct="1">
+      <a:lvl5pPr marL="2057400" indent="-228600" algn="l" defTabSz="914400" rtl="0" eaLnBrk="1" latinLnBrk="0" hangingPunct="1">
         <a:lnSpc>
-          <a:spcPct val="90000"/>
+          <a:spcPct val="120000"/>
         </a:lnSpc>
         <a:spcBef>
-          <a:spcPts val="800"/>
+          <a:spcPts val="500"/>
         </a:spcBef>
         <a:buClr>
           <a:schemeClr val="accent1"/>
         </a:buClr>
-        <a:buFont typeface="Arial" pitchFamily="34" charset="0"/>
+        <a:buSzPct val="100000"/>
+        <a:buFont typeface="Arial" panose="020B0604020202020204" pitchFamily="34" charset="0"/>
         <a:buChar char="•"/>
-        <a:defRPr sz="1400" kern="1200">
+        <a:defRPr sz="1200" kern="1200">
           <a:solidFill>
-            <a:schemeClr val="tx1">
-              <a:lumMod val="85000"/>
-            </a:schemeClr>
+            <a:schemeClr val="tx1"/>
           </a:solidFill>
+          <a:effectLst/>
           <a:latin typeface="+mn-lt"/>
           <a:ea typeface="+mn-ea"/>
           <a:cs typeface="+mn-cs"/>
         </a:defRPr>
       </a:lvl5pPr>
-      <a:lvl6pPr marL="1783080" indent="-228600" algn="l" defTabSz="914400" rtl="0" eaLnBrk="1" latinLnBrk="0" hangingPunct="1">
+      <a:lvl6pPr marL="2514600" indent="-228600" algn="l" defTabSz="914400" rtl="0" eaLnBrk="1" latinLnBrk="0" hangingPunct="1">
         <a:lnSpc>
-          <a:spcPct val="90000"/>
+          <a:spcPct val="120000"/>
         </a:lnSpc>
         <a:spcBef>
-          <a:spcPts val="800"/>
+          <a:spcPts val="500"/>
         </a:spcBef>
         <a:buClr>
           <a:schemeClr val="accent1"/>
         </a:buClr>
-        <a:buFont typeface="Arial" pitchFamily="34" charset="0"/>
+        <a:buSzPct val="100000"/>
+        <a:buFont typeface="Arial" panose="020B0604020202020204" pitchFamily="34" charset="0"/>
         <a:buChar char="•"/>
-        <a:defRPr sz="1400" kern="1200">
+        <a:defRPr sz="1200" kern="1200">
           <a:solidFill>
             <a:schemeClr val="tx1"/>
           </a:solidFill>
+          <a:effectLst/>
           <a:latin typeface="+mn-lt"/>
           <a:ea typeface="+mn-ea"/>
           <a:cs typeface="+mn-cs"/>
         </a:defRPr>
       </a:lvl6pPr>
-      <a:lvl7pPr marL="2057400" indent="-228600" algn="l" defTabSz="914400" rtl="0" eaLnBrk="1" latinLnBrk="0" hangingPunct="1">
+      <a:lvl7pPr marL="2971800" indent="-228600" algn="l" defTabSz="914400" rtl="0" eaLnBrk="1" latinLnBrk="0" hangingPunct="1">
         <a:lnSpc>
-          <a:spcPct val="90000"/>
+          <a:spcPct val="120000"/>
         </a:lnSpc>
         <a:spcBef>
-          <a:spcPts val="800"/>
+          <a:spcPts val="500"/>
         </a:spcBef>
         <a:buClr>
           <a:schemeClr val="accent1"/>
         </a:buClr>
-        <a:buFont typeface="Arial" pitchFamily="34" charset="0"/>
+        <a:buSzPct val="100000"/>
+        <a:buFont typeface="Arial" panose="020B0604020202020204" pitchFamily="34" charset="0"/>
         <a:buChar char="•"/>
-        <a:defRPr sz="1400" kern="1200">
+        <a:defRPr sz="1200" kern="1200">
           <a:solidFill>
             <a:schemeClr val="tx1"/>
           </a:solidFill>
+          <a:effectLst/>
           <a:latin typeface="+mn-lt"/>
           <a:ea typeface="+mn-ea"/>
           <a:cs typeface="+mn-cs"/>
         </a:defRPr>
       </a:lvl7pPr>
-      <a:lvl8pPr marL="2331720" indent="-228600" algn="l" defTabSz="914400" rtl="0" eaLnBrk="1" latinLnBrk="0" hangingPunct="1">
+      <a:lvl8pPr marL="3429000" indent="-228600" algn="l" defTabSz="914400" rtl="0" eaLnBrk="1" latinLnBrk="0" hangingPunct="1">
         <a:lnSpc>
-          <a:spcPct val="90000"/>
+          <a:spcPct val="120000"/>
         </a:lnSpc>
         <a:spcBef>
-          <a:spcPts val="800"/>
+          <a:spcPts val="500"/>
         </a:spcBef>
         <a:buClr>
           <a:schemeClr val="accent1"/>
         </a:buClr>
-        <a:buFont typeface="Arial" pitchFamily="34" charset="0"/>
+        <a:buSzPct val="100000"/>
+        <a:buFont typeface="Arial" panose="020B0604020202020204" pitchFamily="34" charset="0"/>
         <a:buChar char="•"/>
-        <a:defRPr sz="1400" kern="1200">
+        <a:defRPr sz="1200" kern="1200" baseline="0">
           <a:solidFill>
             <a:schemeClr val="tx1"/>
           </a:solidFill>
+          <a:effectLst/>
           <a:latin typeface="+mn-lt"/>
           <a:ea typeface="+mn-ea"/>
           <a:cs typeface="+mn-cs"/>
         </a:defRPr>
       </a:lvl8pPr>
-      <a:lvl9pPr marL="2606040" indent="-228600" algn="l" defTabSz="914400" rtl="0" eaLnBrk="1" latinLnBrk="0" hangingPunct="1">
+      <a:lvl9pPr marL="3886200" indent="-228600" algn="l" defTabSz="914400" rtl="0" eaLnBrk="1" latinLnBrk="0" hangingPunct="1">
         <a:lnSpc>
-          <a:spcPct val="90000"/>
+          <a:spcPct val="120000"/>
         </a:lnSpc>
         <a:spcBef>
-          <a:spcPts val="800"/>
+          <a:spcPts val="500"/>
         </a:spcBef>
         <a:buClr>
           <a:schemeClr val="accent1"/>
         </a:buClr>
-        <a:buFont typeface="Arial" pitchFamily="34" charset="0"/>
+        <a:buSzPct val="100000"/>
+        <a:buFont typeface="Arial" panose="020B0604020202020204" pitchFamily="34" charset="0"/>
         <a:buChar char="•"/>
-        <a:defRPr sz="1400" kern="1200">
+        <a:defRPr sz="1200" kern="1200" baseline="0">
           <a:solidFill>
             <a:schemeClr val="tx1"/>
           </a:solidFill>
+          <a:effectLst/>
           <a:latin typeface="+mn-lt"/>
           <a:ea typeface="+mn-ea"/>
           <a:cs typeface="+mn-cs"/>
@@ -7158,7 +7723,7 @@
     </p:bodyStyle>
     <p:otherStyle>
       <a:defPPr>
-        <a:defRPr/>
+        <a:defRPr lang="en-US"/>
       </a:defPPr>
       <a:lvl1pPr marL="0" algn="l" defTabSz="914400" rtl="0" eaLnBrk="1" latinLnBrk="0" hangingPunct="1">
         <a:defRPr sz="1800" kern="1200">
@@ -7254,18 +7819,7 @@
   </p:txStyles>
   <p:extLst>
     <p:ext uri="{27BBF7A9-308A-43DC-89C8-2F10F3537804}">
-      <p15:sldGuideLst xmlns:p15="http://schemas.microsoft.com/office/powerpoint/2012/main">
-        <p15:guide id="1" orient="horz" pos="2160">
-          <p15:clr>
-            <a:srgbClr val="F26B43"/>
-          </p15:clr>
-        </p15:guide>
-        <p15:guide id="2" pos="3840">
-          <p15:clr>
-            <a:srgbClr val="F26B43"/>
-          </p15:clr>
-        </p15:guide>
-      </p15:sldGuideLst>
+      <p15:sldGuideLst xmlns:p15="http://schemas.microsoft.com/office/powerpoint/2012/main"/>
     </p:ext>
   </p:extLst>
 </p:sldMaster>
@@ -7492,18 +8046,6 @@
       </p:sp>
       <p:sp>
         <p:nvSpPr>
-          <p:cNvPr id="3" name="Picture Placeholder 2" descr="An empty placeholder to add an image. Click on the placeholder and select the image that you wish to add."/>
-          <p:cNvSpPr>
-            <a:spLocks noGrp="1"/>
-          </p:cNvSpPr>
-          <p:nvPr>
-            <p:ph type="pic" idx="1"/>
-          </p:nvPr>
-        </p:nvSpPr>
-        <p:spPr/>
-      </p:sp>
-      <p:sp>
-        <p:nvSpPr>
           <p:cNvPr id="4" name="Text Placeholder 3"/>
           <p:cNvSpPr>
             <a:spLocks noGrp="1"/>
@@ -7514,593 +8056,314 @@
         </p:nvSpPr>
         <p:spPr>
           <a:xfrm>
-            <a:off x="7824192" y="1628799"/>
-            <a:ext cx="4367808" cy="4824533"/>
+            <a:off x="7680176" y="1441376"/>
+            <a:ext cx="3600400" cy="4147864"/>
           </a:xfrm>
         </p:spPr>
         <p:txBody>
           <a:bodyPr>
-            <a:normAutofit/>
+            <a:normAutofit fontScale="47500" lnSpcReduction="20000"/>
           </a:bodyPr>
           <a:lstStyle/>
           <a:p>
             <a:r>
-              <a:rPr lang="en-IN" sz="2400" dirty="0"/>
+              <a:rPr lang="en-IN" sz="2400" dirty="0">
+                <a:solidFill>
+                  <a:schemeClr val="bg1"/>
+                </a:solidFill>
+              </a:rPr>
               <a:t>It allows one to save a copy of the code without making a commit.</a:t>
             </a:r>
-          </a:p>
-          <a:p>
             <a:r>
-              <a:rPr lang="en-US" sz="2400" dirty="0"/>
-              <a:t>Stashing is like saving a temporary local commit to your branch.</a:t>
+              <a:rPr lang="en-US" sz="2400" dirty="0">
+                <a:solidFill>
+                  <a:schemeClr val="bg1"/>
+                </a:solidFill>
+              </a:rPr>
+              <a:t> </a:t>
             </a:r>
           </a:p>
           <a:p>
             <a:r>
-              <a:rPr lang="en-IN" sz="2400" dirty="0"/>
-              <a:t>$git stash list</a:t>
+              <a:rPr lang="en-IN" sz="2400" dirty="0">
+                <a:solidFill>
+                  <a:schemeClr val="bg1"/>
+                </a:solidFill>
+              </a:rPr>
+              <a:t>$git stash list </a:t>
             </a:r>
-          </a:p>
-          <a:p>
             <a:r>
-              <a:rPr lang="en-IN" sz="2400" dirty="0"/>
-              <a:t>Enable one to see the list of the stashes</a:t>
+              <a:rPr lang="en-IN" sz="2400" dirty="0">
+                <a:solidFill>
+                  <a:schemeClr val="bg2">
+                    <a:lumMod val="60000"/>
+                    <a:lumOff val="40000"/>
+                  </a:schemeClr>
+                </a:solidFill>
+              </a:rPr>
+              <a:t>#Enable one to see the list of the stashes</a:t>
             </a:r>
           </a:p>
           <a:p>
             <a:r>
-              <a:rPr lang="en-IN" sz="2400" dirty="0"/>
-              <a:t>And </a:t>
+              <a:rPr lang="en-IN" sz="2400" dirty="0">
+                <a:solidFill>
+                  <a:schemeClr val="bg1"/>
+                </a:solidFill>
+              </a:rPr>
+              <a:t>$git stash apply </a:t>
             </a:r>
-          </a:p>
-          <a:p>
             <a:r>
-              <a:rPr lang="en-IN" sz="2400" dirty="0"/>
-              <a:t>$git stash apply</a:t>
+              <a:rPr lang="en-IN" sz="2400" dirty="0">
+                <a:solidFill>
+                  <a:schemeClr val="bg2">
+                    <a:lumMod val="60000"/>
+                    <a:lumOff val="40000"/>
+                  </a:schemeClr>
+                </a:solidFill>
+              </a:rPr>
+              <a:t>#To reapply the stashed code</a:t>
             </a:r>
           </a:p>
           <a:p>
             <a:r>
-              <a:rPr lang="en-IN" sz="2400" dirty="0"/>
-              <a:t>To reapply the stashed code </a:t>
+              <a:rPr lang="en-IN" sz="2400" dirty="0">
+                <a:solidFill>
+                  <a:schemeClr val="bg1"/>
+                </a:solidFill>
+              </a:rPr>
+              <a:t>$git stash push </a:t>
             </a:r>
+            <a:r>
+              <a:rPr lang="en-IN" sz="2400" dirty="0">
+                <a:solidFill>
+                  <a:schemeClr val="bg2">
+                    <a:lumMod val="60000"/>
+                    <a:lumOff val="40000"/>
+                  </a:schemeClr>
+                </a:solidFill>
+              </a:rPr>
+              <a:t>#</a:t>
+            </a:r>
+            <a:r>
+              <a:rPr lang="en-US" sz="2400" b="0" i="0" dirty="0">
+                <a:solidFill>
+                  <a:schemeClr val="bg2">
+                    <a:lumMod val="60000"/>
+                    <a:lumOff val="40000"/>
+                  </a:schemeClr>
+                </a:solidFill>
+                <a:effectLst/>
+                <a:latin typeface="Arial" panose="020B0604020202020204" pitchFamily="34" charset="0"/>
+              </a:rPr>
+              <a:t>Creates a new stash and rolls back the state of all modified files</a:t>
+            </a:r>
+          </a:p>
+          <a:p>
+            <a:r>
+              <a:rPr lang="en-IN" sz="2400" dirty="0">
+                <a:solidFill>
+                  <a:schemeClr val="bg1"/>
+                </a:solidFill>
+              </a:rPr>
+              <a:t>$git stash pop </a:t>
+            </a:r>
+            <a:r>
+              <a:rPr lang="en-IN" sz="2400" dirty="0">
+                <a:solidFill>
+                  <a:schemeClr val="bg2">
+                    <a:lumMod val="60000"/>
+                    <a:lumOff val="40000"/>
+                  </a:schemeClr>
+                </a:solidFill>
+              </a:rPr>
+              <a:t>#</a:t>
+            </a:r>
+            <a:r>
+              <a:rPr lang="en-US" sz="2400" b="0" i="0" dirty="0">
+                <a:solidFill>
+                  <a:srgbClr val="666666"/>
+                </a:solidFill>
+                <a:effectLst/>
+                <a:latin typeface="Arial" panose="020B0604020202020204" pitchFamily="34" charset="0"/>
+              </a:rPr>
+              <a:t> Takes the files in a stash, places them back into the development workspace and deletes the stash from history</a:t>
+            </a:r>
+          </a:p>
+          <a:p>
+            <a:r>
+              <a:rPr lang="en-IN" sz="2400" dirty="0">
+                <a:solidFill>
+                  <a:schemeClr val="bg1"/>
+                </a:solidFill>
+              </a:rPr>
+              <a:t>$</a:t>
+            </a:r>
+            <a:r>
+              <a:rPr lang="en-US" sz="2400" i="0" dirty="0">
+                <a:solidFill>
+                  <a:schemeClr val="bg1"/>
+                </a:solidFill>
+                <a:effectLst/>
+                <a:latin typeface="+mj-lt"/>
+              </a:rPr>
+              <a:t>git stash clea</a:t>
+            </a:r>
+            <a:r>
+              <a:rPr lang="en-US" sz="2400" i="0" dirty="0">
+                <a:solidFill>
+                  <a:schemeClr val="bg1"/>
+                </a:solidFill>
+                <a:effectLst/>
+                <a:latin typeface="Arial" panose="020B0604020202020204" pitchFamily="34" charset="0"/>
+              </a:rPr>
+              <a:t>r </a:t>
+            </a:r>
+            <a:r>
+              <a:rPr lang="en-US" sz="2400" b="1" i="0" dirty="0">
+                <a:solidFill>
+                  <a:schemeClr val="bg2">
+                    <a:lumMod val="60000"/>
+                    <a:lumOff val="40000"/>
+                  </a:schemeClr>
+                </a:solidFill>
+                <a:effectLst/>
+                <a:latin typeface="Arial" panose="020B0604020202020204" pitchFamily="34" charset="0"/>
+              </a:rPr>
+              <a:t>#</a:t>
+            </a:r>
+            <a:r>
+              <a:rPr lang="en-US" sz="2400" b="0" i="0" dirty="0">
+                <a:solidFill>
+                  <a:schemeClr val="bg2">
+                    <a:lumMod val="60000"/>
+                    <a:lumOff val="40000"/>
+                  </a:schemeClr>
+                </a:solidFill>
+                <a:effectLst/>
+                <a:latin typeface="Arial" panose="020B0604020202020204" pitchFamily="34" charset="0"/>
+              </a:rPr>
+              <a:t>Removes all entries in the git stash history</a:t>
+            </a:r>
+          </a:p>
+          <a:p>
+            <a:r>
+              <a:rPr lang="en-US" sz="2400" b="1" dirty="0">
+                <a:solidFill>
+                  <a:schemeClr val="bg1"/>
+                </a:solidFill>
+              </a:rPr>
+              <a:t>$</a:t>
+            </a:r>
+            <a:r>
+              <a:rPr lang="en-US" sz="2400" dirty="0">
+                <a:solidFill>
+                  <a:schemeClr val="bg1"/>
+                </a:solidFill>
+              </a:rPr>
+              <a:t>git stash save </a:t>
+            </a:r>
+            <a:r>
+              <a:rPr lang="en-US" sz="2400" b="1" dirty="0">
+                <a:solidFill>
+                  <a:schemeClr val="accent2">
+                    <a:lumMod val="50000"/>
+                  </a:schemeClr>
+                </a:solidFill>
+              </a:rPr>
+              <a:t>"message to go along with changes"</a:t>
+            </a:r>
+          </a:p>
+          <a:p>
+            <a:r>
+              <a:rPr lang="en-US" sz="2400" dirty="0">
+                <a:solidFill>
+                  <a:schemeClr val="bg1"/>
+                </a:solidFill>
+              </a:rPr>
+              <a:t>$git stash –u  </a:t>
+            </a:r>
+            <a:r>
+              <a:rPr lang="en-US" sz="2400" b="1" dirty="0">
+                <a:solidFill>
+                  <a:schemeClr val="bg2">
+                    <a:lumMod val="60000"/>
+                    <a:lumOff val="40000"/>
+                  </a:schemeClr>
+                </a:solidFill>
+              </a:rPr>
+              <a:t>#stash untracked files as well</a:t>
+            </a:r>
+            <a:endParaRPr lang="en-IN" sz="2400" b="1" dirty="0">
+              <a:solidFill>
+                <a:schemeClr val="bg2">
+                  <a:lumMod val="60000"/>
+                  <a:lumOff val="40000"/>
+                </a:schemeClr>
+              </a:solidFill>
+            </a:endParaRPr>
           </a:p>
         </p:txBody>
       </p:sp>
-      <p:sp>
-        <p:nvSpPr>
-          <p:cNvPr id="5" name="Rectangle 1">
+      <p:pic>
+        <p:nvPicPr>
+          <p:cNvPr id="15" name="Picture 14">
             <a:extLst>
               <a:ext uri="{FF2B5EF4-FFF2-40B4-BE49-F238E27FC236}">
-                <a16:creationId xmlns:a16="http://schemas.microsoft.com/office/drawing/2014/main" id="{FADB7853-3C8C-EA5C-2A3E-19C7BD341659}"/>
+                <a16:creationId xmlns:a16="http://schemas.microsoft.com/office/drawing/2014/main" id="{B57F83F3-47BA-E401-6400-C489C3844349}"/>
               </a:ext>
             </a:extLst>
           </p:cNvPr>
-          <p:cNvSpPr>
-            <a:spLocks noChangeArrowheads="1"/>
-          </p:cNvSpPr>
+          <p:cNvPicPr>
+            <a:picLocks noChangeAspect="1"/>
+          </p:cNvPicPr>
           <p:nvPr/>
-        </p:nvSpPr>
-        <p:spPr bwMode="auto">
+        </p:nvPicPr>
+        <p:blipFill rotWithShape="1">
+          <a:blip r:embed="rId2"/>
+          <a:srcRect l="2472" t="3798" r="2592" b="6329"/>
+          <a:stretch/>
+        </p:blipFill>
+        <p:spPr>
           <a:xfrm>
-            <a:off x="0" y="0"/>
-            <a:ext cx="12192000" cy="0"/>
+            <a:off x="607940" y="548680"/>
+            <a:ext cx="6727647" cy="5688632"/>
           </a:xfrm>
           <a:prstGeom prst="rect">
             <a:avLst/>
           </a:prstGeom>
-          <a:solidFill>
-            <a:srgbClr val="FBFBFB"/>
-          </a:solidFill>
-          <a:ln>
-            <a:noFill/>
-          </a:ln>
-          <a:effectLst/>
-          <a:extLst>
-            <a:ext uri="{91240B29-F687-4F45-9708-019B960494DF}">
-              <a14:hiddenLine xmlns:a14="http://schemas.microsoft.com/office/drawing/2010/main" w="9525">
-                <a:solidFill>
-                  <a:schemeClr val="tx1"/>
-                </a:solidFill>
-                <a:miter lim="800000"/>
-                <a:headEnd/>
-                <a:tailEnd/>
-              </a14:hiddenLine>
-            </a:ext>
-            <a:ext uri="{AF507438-7753-43E0-B8FC-AC1667EBCBE1}">
-              <a14:hiddenEffects xmlns:a14="http://schemas.microsoft.com/office/drawing/2010/main">
-                <a:effectLst>
-                  <a:outerShdw dist="35921" dir="2700000" algn="ctr" rotWithShape="0">
-                    <a:schemeClr val="bg2"/>
-                  </a:outerShdw>
-                </a:effectLst>
-              </a14:hiddenEffects>
-            </a:ext>
-          </a:extLst>
         </p:spPr>
-        <p:txBody>
-          <a:bodyPr vert="horz" wrap="none" lIns="0" tIns="0" rIns="0" bIns="0" numCol="1" anchor="ctr" anchorCtr="0" compatLnSpc="1">
-            <a:prstTxWarp prst="textNoShape">
-              <a:avLst/>
-            </a:prstTxWarp>
-            <a:spAutoFit/>
-          </a:bodyPr>
-          <a:lstStyle>
-            <a:lvl1pPr eaLnBrk="0" fontAlgn="base" hangingPunct="0">
-              <a:spcBef>
-                <a:spcPct val="0"/>
-              </a:spcBef>
-              <a:spcAft>
-                <a:spcPct val="0"/>
-              </a:spcAft>
-              <a:defRPr>
-                <a:solidFill>
-                  <a:schemeClr val="tx1"/>
-                </a:solidFill>
-                <a:latin typeface="Arial" panose="020B0604020202020204" pitchFamily="34" charset="0"/>
-              </a:defRPr>
-            </a:lvl1pPr>
-            <a:lvl2pPr eaLnBrk="0" fontAlgn="base" hangingPunct="0">
-              <a:spcBef>
-                <a:spcPct val="0"/>
-              </a:spcBef>
-              <a:spcAft>
-                <a:spcPct val="0"/>
-              </a:spcAft>
-              <a:defRPr>
-                <a:solidFill>
-                  <a:schemeClr val="tx1"/>
-                </a:solidFill>
-                <a:latin typeface="Arial" panose="020B0604020202020204" pitchFamily="34" charset="0"/>
-              </a:defRPr>
-            </a:lvl2pPr>
-            <a:lvl3pPr eaLnBrk="0" fontAlgn="base" hangingPunct="0">
-              <a:spcBef>
-                <a:spcPct val="0"/>
-              </a:spcBef>
-              <a:spcAft>
-                <a:spcPct val="0"/>
-              </a:spcAft>
-              <a:defRPr>
-                <a:solidFill>
-                  <a:schemeClr val="tx1"/>
-                </a:solidFill>
-                <a:latin typeface="Arial" panose="020B0604020202020204" pitchFamily="34" charset="0"/>
-              </a:defRPr>
-            </a:lvl3pPr>
-            <a:lvl4pPr eaLnBrk="0" fontAlgn="base" hangingPunct="0">
-              <a:spcBef>
-                <a:spcPct val="0"/>
-              </a:spcBef>
-              <a:spcAft>
-                <a:spcPct val="0"/>
-              </a:spcAft>
-              <a:defRPr>
-                <a:solidFill>
-                  <a:schemeClr val="tx1"/>
-                </a:solidFill>
-                <a:latin typeface="Arial" panose="020B0604020202020204" pitchFamily="34" charset="0"/>
-              </a:defRPr>
-            </a:lvl4pPr>
-            <a:lvl5pPr eaLnBrk="0" fontAlgn="base" hangingPunct="0">
-              <a:spcBef>
-                <a:spcPct val="0"/>
-              </a:spcBef>
-              <a:spcAft>
-                <a:spcPct val="0"/>
-              </a:spcAft>
-              <a:defRPr>
-                <a:solidFill>
-                  <a:schemeClr val="tx1"/>
-                </a:solidFill>
-                <a:latin typeface="Arial" panose="020B0604020202020204" pitchFamily="34" charset="0"/>
-              </a:defRPr>
-            </a:lvl5pPr>
-            <a:lvl6pPr eaLnBrk="0" fontAlgn="base" hangingPunct="0">
-              <a:spcBef>
-                <a:spcPct val="0"/>
-              </a:spcBef>
-              <a:spcAft>
-                <a:spcPct val="0"/>
-              </a:spcAft>
-              <a:defRPr>
-                <a:solidFill>
-                  <a:schemeClr val="tx1"/>
-                </a:solidFill>
-                <a:latin typeface="Arial" panose="020B0604020202020204" pitchFamily="34" charset="0"/>
-              </a:defRPr>
-            </a:lvl6pPr>
-            <a:lvl7pPr eaLnBrk="0" fontAlgn="base" hangingPunct="0">
-              <a:spcBef>
-                <a:spcPct val="0"/>
-              </a:spcBef>
-              <a:spcAft>
-                <a:spcPct val="0"/>
-              </a:spcAft>
-              <a:defRPr>
-                <a:solidFill>
-                  <a:schemeClr val="tx1"/>
-                </a:solidFill>
-                <a:latin typeface="Arial" panose="020B0604020202020204" pitchFamily="34" charset="0"/>
-              </a:defRPr>
-            </a:lvl7pPr>
-            <a:lvl8pPr eaLnBrk="0" fontAlgn="base" hangingPunct="0">
-              <a:spcBef>
-                <a:spcPct val="0"/>
-              </a:spcBef>
-              <a:spcAft>
-                <a:spcPct val="0"/>
-              </a:spcAft>
-              <a:defRPr>
-                <a:solidFill>
-                  <a:schemeClr val="tx1"/>
-                </a:solidFill>
-                <a:latin typeface="Arial" panose="020B0604020202020204" pitchFamily="34" charset="0"/>
-              </a:defRPr>
-            </a:lvl8pPr>
-            <a:lvl9pPr eaLnBrk="0" fontAlgn="base" hangingPunct="0">
-              <a:spcBef>
-                <a:spcPct val="0"/>
-              </a:spcBef>
-              <a:spcAft>
-                <a:spcPct val="0"/>
-              </a:spcAft>
-              <a:defRPr>
-                <a:solidFill>
-                  <a:schemeClr val="tx1"/>
-                </a:solidFill>
-                <a:latin typeface="Arial" panose="020B0604020202020204" pitchFamily="34" charset="0"/>
-              </a:defRPr>
-            </a:lvl9pPr>
-          </a:lstStyle>
-          <a:p>
-            <a:pPr marL="0" marR="0" lvl="0" indent="0" algn="l" defTabSz="914400" rtl="0" eaLnBrk="0" fontAlgn="base" latinLnBrk="0" hangingPunct="0">
-              <a:lnSpc>
-                <a:spcPct val="100000"/>
-              </a:lnSpc>
-              <a:spcBef>
-                <a:spcPct val="0"/>
-              </a:spcBef>
-              <a:spcAft>
-                <a:spcPct val="0"/>
-              </a:spcAft>
-              <a:buClrTx/>
-              <a:buSzTx/>
-              <a:buFontTx/>
-              <a:buNone/>
-              <a:tabLst/>
-            </a:pPr>
-            <a:r>
-              <a:rPr kumimoji="0" lang="en-US" altLang="en-US" sz="1200" b="0" i="0" u="none" strike="noStrike" cap="none" normalizeH="0" baseline="0">
-                <a:ln>
-                  <a:noFill/>
-                </a:ln>
-                <a:solidFill>
-                  <a:srgbClr val="262D3D"/>
-                </a:solidFill>
-                <a:effectLst/>
-                <a:latin typeface="Merriweather" panose="00000500000000000000" pitchFamily="2" charset="0"/>
-              </a:rPr>
-              <a:t> run </a:t>
-            </a:r>
-            <a:r>
-              <a:rPr kumimoji="0" lang="en-US" altLang="en-US" sz="1000" b="0" i="0" u="none" strike="noStrike" cap="none" normalizeH="0" baseline="0">
-                <a:ln>
-                  <a:noFill/>
-                </a:ln>
-                <a:solidFill>
-                  <a:srgbClr val="455065"/>
-                </a:solidFill>
-                <a:effectLst/>
-                <a:latin typeface="IBM Plex Mono" panose="020B0604020202020204" pitchFamily="49" charset="0"/>
-              </a:rPr>
-              <a:t>git stash list</a:t>
-            </a:r>
-            <a:r>
-              <a:rPr kumimoji="0" lang="en-US" altLang="en-US" sz="1200" b="0" i="0" u="none" strike="noStrike" cap="none" normalizeH="0" baseline="0">
-                <a:ln>
-                  <a:noFill/>
-                </a:ln>
-                <a:solidFill>
-                  <a:srgbClr val="262D3D"/>
-                </a:solidFill>
-                <a:effectLst/>
-                <a:latin typeface="Merriweather" panose="00000500000000000000" pitchFamily="2" charset="0"/>
-              </a:rPr>
-              <a:t> you’ll see a list of stashes</a:t>
-            </a:r>
-            <a:r>
-              <a:rPr kumimoji="0" lang="en-US" altLang="en-US" sz="800" b="0" i="0" u="none" strike="noStrike" cap="none" normalizeH="0" baseline="0">
-                <a:ln>
-                  <a:noFill/>
-                </a:ln>
-                <a:solidFill>
-                  <a:schemeClr val="tx1"/>
-                </a:solidFill>
-                <a:effectLst/>
-              </a:rPr>
-              <a:t> </a:t>
-            </a:r>
-            <a:endParaRPr kumimoji="0" lang="en-US" altLang="en-US" sz="1800" b="0" i="0" u="none" strike="noStrike" cap="none" normalizeH="0" baseline="0">
-              <a:ln>
-                <a:noFill/>
-              </a:ln>
-              <a:solidFill>
-                <a:schemeClr val="tx1"/>
-              </a:solidFill>
-              <a:effectLst/>
-              <a:latin typeface="Arial" panose="020B0604020202020204" pitchFamily="34" charset="0"/>
-            </a:endParaRPr>
-          </a:p>
-        </p:txBody>
-      </p:sp>
-      <p:sp>
-        <p:nvSpPr>
-          <p:cNvPr id="6" name="Rectangle 2">
+      </p:pic>
+      <p:pic>
+        <p:nvPicPr>
+          <p:cNvPr id="5" name="Picture 4">
             <a:extLst>
               <a:ext uri="{FF2B5EF4-FFF2-40B4-BE49-F238E27FC236}">
-                <a16:creationId xmlns:a16="http://schemas.microsoft.com/office/drawing/2014/main" id="{E3F0D75F-BEA9-097E-1F66-14DCBA1B6E2B}"/>
+                <a16:creationId xmlns:a16="http://schemas.microsoft.com/office/drawing/2014/main" id="{BB16B5BF-0AA8-8BBE-84B2-88A1A19FBA8F}"/>
               </a:ext>
             </a:extLst>
           </p:cNvPr>
-          <p:cNvSpPr>
-            <a:spLocks noChangeArrowheads="1"/>
-          </p:cNvSpPr>
+          <p:cNvPicPr>
+            <a:picLocks noChangeAspect="1"/>
+          </p:cNvPicPr>
           <p:nvPr/>
-        </p:nvSpPr>
-        <p:spPr bwMode="auto">
+        </p:nvPicPr>
+        <p:blipFill>
+          <a:blip r:embed="rId3"/>
+          <a:stretch>
+            <a:fillRect/>
+          </a:stretch>
+        </p:blipFill>
+        <p:spPr>
           <a:xfrm>
-            <a:off x="152400" y="152400"/>
-            <a:ext cx="12192000" cy="0"/>
+            <a:off x="767408" y="908720"/>
+            <a:ext cx="6408712" cy="5040559"/>
           </a:xfrm>
           <a:prstGeom prst="rect">
             <a:avLst/>
           </a:prstGeom>
-          <a:solidFill>
-            <a:srgbClr val="FBFBFB"/>
-          </a:solidFill>
-          <a:ln>
-            <a:noFill/>
-          </a:ln>
-          <a:effectLst/>
-          <a:extLst>
-            <a:ext uri="{91240B29-F687-4F45-9708-019B960494DF}">
-              <a14:hiddenLine xmlns:a14="http://schemas.microsoft.com/office/drawing/2010/main" w="9525">
-                <a:solidFill>
-                  <a:schemeClr val="tx1"/>
-                </a:solidFill>
-                <a:miter lim="800000"/>
-                <a:headEnd/>
-                <a:tailEnd/>
-              </a14:hiddenLine>
-            </a:ext>
-            <a:ext uri="{AF507438-7753-43E0-B8FC-AC1667EBCBE1}">
-              <a14:hiddenEffects xmlns:a14="http://schemas.microsoft.com/office/drawing/2010/main">
-                <a:effectLst>
-                  <a:outerShdw dist="35921" dir="2700000" algn="ctr" rotWithShape="0">
-                    <a:schemeClr val="bg2"/>
-                  </a:outerShdw>
-                </a:effectLst>
-              </a14:hiddenEffects>
-            </a:ext>
-          </a:extLst>
         </p:spPr>
-        <p:txBody>
-          <a:bodyPr vert="horz" wrap="none" lIns="0" tIns="0" rIns="0" bIns="0" numCol="1" anchor="ctr" anchorCtr="0" compatLnSpc="1">
-            <a:prstTxWarp prst="textNoShape">
-              <a:avLst/>
-            </a:prstTxWarp>
-            <a:spAutoFit/>
-          </a:bodyPr>
-          <a:lstStyle>
-            <a:lvl1pPr eaLnBrk="0" fontAlgn="base" hangingPunct="0">
-              <a:spcBef>
-                <a:spcPct val="0"/>
-              </a:spcBef>
-              <a:spcAft>
-                <a:spcPct val="0"/>
-              </a:spcAft>
-              <a:defRPr>
-                <a:solidFill>
-                  <a:schemeClr val="tx1"/>
-                </a:solidFill>
-                <a:latin typeface="Arial" panose="020B0604020202020204" pitchFamily="34" charset="0"/>
-              </a:defRPr>
-            </a:lvl1pPr>
-            <a:lvl2pPr eaLnBrk="0" fontAlgn="base" hangingPunct="0">
-              <a:spcBef>
-                <a:spcPct val="0"/>
-              </a:spcBef>
-              <a:spcAft>
-                <a:spcPct val="0"/>
-              </a:spcAft>
-              <a:defRPr>
-                <a:solidFill>
-                  <a:schemeClr val="tx1"/>
-                </a:solidFill>
-                <a:latin typeface="Arial" panose="020B0604020202020204" pitchFamily="34" charset="0"/>
-              </a:defRPr>
-            </a:lvl2pPr>
-            <a:lvl3pPr eaLnBrk="0" fontAlgn="base" hangingPunct="0">
-              <a:spcBef>
-                <a:spcPct val="0"/>
-              </a:spcBef>
-              <a:spcAft>
-                <a:spcPct val="0"/>
-              </a:spcAft>
-              <a:defRPr>
-                <a:solidFill>
-                  <a:schemeClr val="tx1"/>
-                </a:solidFill>
-                <a:latin typeface="Arial" panose="020B0604020202020204" pitchFamily="34" charset="0"/>
-              </a:defRPr>
-            </a:lvl3pPr>
-            <a:lvl4pPr eaLnBrk="0" fontAlgn="base" hangingPunct="0">
-              <a:spcBef>
-                <a:spcPct val="0"/>
-              </a:spcBef>
-              <a:spcAft>
-                <a:spcPct val="0"/>
-              </a:spcAft>
-              <a:defRPr>
-                <a:solidFill>
-                  <a:schemeClr val="tx1"/>
-                </a:solidFill>
-                <a:latin typeface="Arial" panose="020B0604020202020204" pitchFamily="34" charset="0"/>
-              </a:defRPr>
-            </a:lvl4pPr>
-            <a:lvl5pPr eaLnBrk="0" fontAlgn="base" hangingPunct="0">
-              <a:spcBef>
-                <a:spcPct val="0"/>
-              </a:spcBef>
-              <a:spcAft>
-                <a:spcPct val="0"/>
-              </a:spcAft>
-              <a:defRPr>
-                <a:solidFill>
-                  <a:schemeClr val="tx1"/>
-                </a:solidFill>
-                <a:latin typeface="Arial" panose="020B0604020202020204" pitchFamily="34" charset="0"/>
-              </a:defRPr>
-            </a:lvl5pPr>
-            <a:lvl6pPr eaLnBrk="0" fontAlgn="base" hangingPunct="0">
-              <a:spcBef>
-                <a:spcPct val="0"/>
-              </a:spcBef>
-              <a:spcAft>
-                <a:spcPct val="0"/>
-              </a:spcAft>
-              <a:defRPr>
-                <a:solidFill>
-                  <a:schemeClr val="tx1"/>
-                </a:solidFill>
-                <a:latin typeface="Arial" panose="020B0604020202020204" pitchFamily="34" charset="0"/>
-              </a:defRPr>
-            </a:lvl6pPr>
-            <a:lvl7pPr eaLnBrk="0" fontAlgn="base" hangingPunct="0">
-              <a:spcBef>
-                <a:spcPct val="0"/>
-              </a:spcBef>
-              <a:spcAft>
-                <a:spcPct val="0"/>
-              </a:spcAft>
-              <a:defRPr>
-                <a:solidFill>
-                  <a:schemeClr val="tx1"/>
-                </a:solidFill>
-                <a:latin typeface="Arial" panose="020B0604020202020204" pitchFamily="34" charset="0"/>
-              </a:defRPr>
-            </a:lvl7pPr>
-            <a:lvl8pPr eaLnBrk="0" fontAlgn="base" hangingPunct="0">
-              <a:spcBef>
-                <a:spcPct val="0"/>
-              </a:spcBef>
-              <a:spcAft>
-                <a:spcPct val="0"/>
-              </a:spcAft>
-              <a:defRPr>
-                <a:solidFill>
-                  <a:schemeClr val="tx1"/>
-                </a:solidFill>
-                <a:latin typeface="Arial" panose="020B0604020202020204" pitchFamily="34" charset="0"/>
-              </a:defRPr>
-            </a:lvl8pPr>
-            <a:lvl9pPr eaLnBrk="0" fontAlgn="base" hangingPunct="0">
-              <a:spcBef>
-                <a:spcPct val="0"/>
-              </a:spcBef>
-              <a:spcAft>
-                <a:spcPct val="0"/>
-              </a:spcAft>
-              <a:defRPr>
-                <a:solidFill>
-                  <a:schemeClr val="tx1"/>
-                </a:solidFill>
-                <a:latin typeface="Arial" panose="020B0604020202020204" pitchFamily="34" charset="0"/>
-              </a:defRPr>
-            </a:lvl9pPr>
-          </a:lstStyle>
-          <a:p>
-            <a:pPr marL="0" marR="0" lvl="0" indent="0" algn="l" defTabSz="914400" rtl="0" eaLnBrk="0" fontAlgn="base" latinLnBrk="0" hangingPunct="0">
-              <a:lnSpc>
-                <a:spcPct val="100000"/>
-              </a:lnSpc>
-              <a:spcBef>
-                <a:spcPct val="0"/>
-              </a:spcBef>
-              <a:spcAft>
-                <a:spcPct val="0"/>
-              </a:spcAft>
-              <a:buClrTx/>
-              <a:buSzTx/>
-              <a:buFontTx/>
-              <a:buNone/>
-              <a:tabLst/>
-            </a:pPr>
-            <a:r>
-              <a:rPr kumimoji="0" lang="en-US" altLang="en-US" sz="1200" b="0" i="0" u="none" strike="noStrike" cap="none" normalizeH="0" baseline="0">
-                <a:ln>
-                  <a:noFill/>
-                </a:ln>
-                <a:solidFill>
-                  <a:srgbClr val="262D3D"/>
-                </a:solidFill>
-                <a:effectLst/>
-                <a:latin typeface="Merriweather" panose="00000500000000000000" pitchFamily="2" charset="0"/>
-              </a:rPr>
-              <a:t> run </a:t>
-            </a:r>
-            <a:r>
-              <a:rPr kumimoji="0" lang="en-US" altLang="en-US" sz="1000" b="0" i="0" u="none" strike="noStrike" cap="none" normalizeH="0" baseline="0">
-                <a:ln>
-                  <a:noFill/>
-                </a:ln>
-                <a:solidFill>
-                  <a:srgbClr val="455065"/>
-                </a:solidFill>
-                <a:effectLst/>
-                <a:latin typeface="IBM Plex Mono" panose="020B0509050203000203" pitchFamily="49" charset="0"/>
-              </a:rPr>
-              <a:t>git stash list</a:t>
-            </a:r>
-            <a:r>
-              <a:rPr kumimoji="0" lang="en-US" altLang="en-US" sz="1200" b="0" i="0" u="none" strike="noStrike" cap="none" normalizeH="0" baseline="0">
-                <a:ln>
-                  <a:noFill/>
-                </a:ln>
-                <a:solidFill>
-                  <a:srgbClr val="262D3D"/>
-                </a:solidFill>
-                <a:effectLst/>
-                <a:latin typeface="Merriweather" panose="00000500000000000000" pitchFamily="2" charset="0"/>
-              </a:rPr>
-              <a:t> you’ll see a list of stashes</a:t>
-            </a:r>
-            <a:r>
-              <a:rPr kumimoji="0" lang="en-US" altLang="en-US" sz="800" b="0" i="0" u="none" strike="noStrike" cap="none" normalizeH="0" baseline="0">
-                <a:ln>
-                  <a:noFill/>
-                </a:ln>
-                <a:solidFill>
-                  <a:schemeClr val="tx1"/>
-                </a:solidFill>
-                <a:effectLst/>
-              </a:rPr>
-              <a:t> </a:t>
-            </a:r>
-            <a:endParaRPr kumimoji="0" lang="en-US" altLang="en-US" sz="1800" b="0" i="0" u="none" strike="noStrike" cap="none" normalizeH="0" baseline="0">
-              <a:ln>
-                <a:noFill/>
-              </a:ln>
-              <a:solidFill>
-                <a:schemeClr val="tx1"/>
-              </a:solidFill>
-              <a:effectLst/>
-              <a:latin typeface="Arial" panose="020B0604020202020204" pitchFamily="34" charset="0"/>
-            </a:endParaRPr>
-          </a:p>
-        </p:txBody>
-      </p:sp>
+      </p:pic>
     </p:spTree>
     <p:extLst>
       <p:ext uri="{BB962C8B-B14F-4D97-AF65-F5344CB8AC3E}">
@@ -8133,54 +8396,112 @@
       </p:grpSpPr>
       <p:sp>
         <p:nvSpPr>
-          <p:cNvPr id="2" name="Title 1"/>
-          <p:cNvSpPr>
-            <a:spLocks noGrp="1"/>
-          </p:cNvSpPr>
-          <p:nvPr>
-            <p:ph type="title"/>
-          </p:nvPr>
+          <p:cNvPr id="5" name="TextBox 4">
+            <a:extLst>
+              <a:ext uri="{FF2B5EF4-FFF2-40B4-BE49-F238E27FC236}">
+                <a16:creationId xmlns:a16="http://schemas.microsoft.com/office/drawing/2014/main" id="{E7E6BBA0-3953-EEB3-562D-7B0E3E2AF0DC}"/>
+              </a:ext>
+            </a:extLst>
+          </p:cNvPr>
+          <p:cNvSpPr txBox="1"/>
+          <p:nvPr/>
         </p:nvSpPr>
-        <p:spPr/>
+        <p:spPr>
+          <a:xfrm>
+            <a:off x="7968208" y="775569"/>
+            <a:ext cx="1779654" cy="523220"/>
+          </a:xfrm>
+          <a:prstGeom prst="rect">
+            <a:avLst/>
+          </a:prstGeom>
+          <a:noFill/>
+        </p:spPr>
         <p:txBody>
-          <a:bodyPr/>
+          <a:bodyPr wrap="none" rtlCol="0">
+            <a:spAutoFit/>
+          </a:bodyPr>
           <a:lstStyle/>
           <a:p>
-            <a:endParaRPr dirty="0"/>
+            <a:r>
+              <a:rPr lang="en-IN" sz="2800" dirty="0">
+                <a:solidFill>
+                  <a:srgbClr val="FF0000"/>
+                </a:solidFill>
+              </a:rPr>
+              <a:t>Git bisect</a:t>
+            </a:r>
           </a:p>
         </p:txBody>
       </p:sp>
       <p:sp>
         <p:nvSpPr>
-          <p:cNvPr id="3" name="Picture Placeholder 2" descr="An empty placeholder to add an image. Click on the placeholder and select the image that you wish to add."/>
-          <p:cNvSpPr>
-            <a:spLocks noGrp="1"/>
-          </p:cNvSpPr>
-          <p:nvPr>
-            <p:ph type="pic" idx="1"/>
-          </p:nvPr>
+          <p:cNvPr id="6" name="TextBox 5">
+            <a:extLst>
+              <a:ext uri="{FF2B5EF4-FFF2-40B4-BE49-F238E27FC236}">
+                <a16:creationId xmlns:a16="http://schemas.microsoft.com/office/drawing/2014/main" id="{9E5D329B-DE00-B29F-036F-BB992DBAFD54}"/>
+              </a:ext>
+            </a:extLst>
+          </p:cNvPr>
+          <p:cNvSpPr txBox="1"/>
+          <p:nvPr/>
         </p:nvSpPr>
-        <p:spPr/>
-      </p:sp>
-      <p:sp>
-        <p:nvSpPr>
-          <p:cNvPr id="4" name="Text Placeholder 3"/>
-          <p:cNvSpPr>
-            <a:spLocks noGrp="1"/>
-          </p:cNvSpPr>
-          <p:nvPr>
-            <p:ph type="body" sz="half" idx="2"/>
-          </p:nvPr>
-        </p:nvSpPr>
-        <p:spPr/>
+        <p:spPr>
+          <a:xfrm>
+            <a:off x="7896200" y="1181279"/>
+            <a:ext cx="3168352" cy="738664"/>
+          </a:xfrm>
+          <a:prstGeom prst="rect">
+            <a:avLst/>
+          </a:prstGeom>
+          <a:noFill/>
+        </p:spPr>
         <p:txBody>
-          <a:bodyPr/>
+          <a:bodyPr wrap="square" rtlCol="0">
+            <a:spAutoFit/>
+          </a:bodyPr>
           <a:lstStyle/>
           <a:p>
-            <a:endParaRPr/>
+            <a:r>
+              <a:rPr lang="en-IN" sz="1400" dirty="0">
+                <a:solidFill>
+                  <a:schemeClr val="bg1"/>
+                </a:solidFill>
+              </a:rPr>
+              <a:t>The git bisect command implements a binary search algorithm to track which commit caused the bug</a:t>
+            </a:r>
           </a:p>
         </p:txBody>
       </p:sp>
+      <p:pic>
+        <p:nvPicPr>
+          <p:cNvPr id="8" name="Picture 7">
+            <a:extLst>
+              <a:ext uri="{FF2B5EF4-FFF2-40B4-BE49-F238E27FC236}">
+                <a16:creationId xmlns:a16="http://schemas.microsoft.com/office/drawing/2014/main" id="{3BA6F07C-CE52-A845-5C90-658FDAA8B597}"/>
+              </a:ext>
+            </a:extLst>
+          </p:cNvPr>
+          <p:cNvPicPr>
+            <a:picLocks noChangeAspect="1"/>
+          </p:cNvPicPr>
+          <p:nvPr/>
+        </p:nvPicPr>
+        <p:blipFill>
+          <a:blip r:embed="rId2"/>
+          <a:stretch>
+            <a:fillRect/>
+          </a:stretch>
+        </p:blipFill>
+        <p:spPr>
+          <a:xfrm>
+            <a:off x="7824192" y="1912447"/>
+            <a:ext cx="3384376" cy="3388761"/>
+          </a:xfrm>
+          <a:prstGeom prst="rect">
+            <a:avLst/>
+          </a:prstGeom>
+        </p:spPr>
+      </p:pic>
     </p:spTree>
     <p:extLst>
       <p:ext uri="{BB962C8B-B14F-4D97-AF65-F5344CB8AC3E}">
@@ -8825,7 +9146,7 @@
         </p:spPr>
         <p:txBody>
           <a:bodyPr>
-            <a:normAutofit/>
+            <a:normAutofit fontScale="90000"/>
           </a:bodyPr>
           <a:lstStyle/>
           <a:p>
@@ -8855,7 +9176,7 @@
         </p:nvSpPr>
         <p:spPr>
           <a:xfrm>
-            <a:off x="623392" y="2060848"/>
+            <a:off x="623392" y="1691680"/>
             <a:ext cx="10945216" cy="4464496"/>
           </a:xfrm>
           <a:prstGeom prst="round2DiagRect">
@@ -8863,7 +9184,7 @@
           </a:prstGeom>
           <a:blipFill dpi="0" rotWithShape="1">
             <a:blip r:embed="rId2">
-              <a:alphaModFix amt="37000"/>
+              <a:alphaModFix amt="59000"/>
             </a:blip>
             <a:srcRect/>
             <a:stretch>
@@ -9214,13 +9535,13 @@
         </p:nvSpPr>
         <p:spPr>
           <a:xfrm>
-            <a:off x="1524000" y="620688"/>
+            <a:off x="1524000" y="188680"/>
             <a:ext cx="9144000" cy="1440160"/>
           </a:xfrm>
         </p:spPr>
         <p:txBody>
           <a:bodyPr>
-            <a:normAutofit fontScale="90000"/>
+            <a:normAutofit/>
           </a:bodyPr>
           <a:lstStyle/>
           <a:p>
@@ -9255,104 +9576,6 @@
       </p:sp>
       <p:sp>
         <p:nvSpPr>
-          <p:cNvPr id="6" name="L-Shape 5">
-            <a:extLst>
-              <a:ext uri="{FF2B5EF4-FFF2-40B4-BE49-F238E27FC236}">
-                <a16:creationId xmlns:a16="http://schemas.microsoft.com/office/drawing/2014/main" id="{78EEBE02-97D6-ED6B-C82E-5E9104C3E921}"/>
-              </a:ext>
-            </a:extLst>
-          </p:cNvPr>
-          <p:cNvSpPr/>
-          <p:nvPr/>
-        </p:nvSpPr>
-        <p:spPr>
-          <a:xfrm>
-            <a:off x="767408" y="1628800"/>
-            <a:ext cx="6264696" cy="4824536"/>
-          </a:xfrm>
-          <a:prstGeom prst="corner">
-            <a:avLst>
-              <a:gd name="adj1" fmla="val 47157"/>
-              <a:gd name="adj2" fmla="val 50000"/>
-            </a:avLst>
-          </a:prstGeom>
-        </p:spPr>
-        <p:style>
-          <a:lnRef idx="2">
-            <a:schemeClr val="accent1">
-              <a:shade val="50000"/>
-            </a:schemeClr>
-          </a:lnRef>
-          <a:fillRef idx="1">
-            <a:schemeClr val="accent1"/>
-          </a:fillRef>
-          <a:effectRef idx="0">
-            <a:schemeClr val="accent1"/>
-          </a:effectRef>
-          <a:fontRef idx="minor">
-            <a:schemeClr val="lt1"/>
-          </a:fontRef>
-        </p:style>
-        <p:txBody>
-          <a:bodyPr rtlCol="0" anchor="ctr"/>
-          <a:lstStyle/>
-          <a:p>
-            <a:pPr algn="ctr"/>
-            <a:endParaRPr lang="en-IN" dirty="0"/>
-          </a:p>
-        </p:txBody>
-      </p:sp>
-      <p:sp>
-        <p:nvSpPr>
-          <p:cNvPr id="7" name="L-Shape 6">
-            <a:extLst>
-              <a:ext uri="{FF2B5EF4-FFF2-40B4-BE49-F238E27FC236}">
-                <a16:creationId xmlns:a16="http://schemas.microsoft.com/office/drawing/2014/main" id="{1D81F0CD-3C88-7BFF-43CA-553687D37271}"/>
-              </a:ext>
-            </a:extLst>
-          </p:cNvPr>
-          <p:cNvSpPr/>
-          <p:nvPr/>
-        </p:nvSpPr>
-        <p:spPr>
-          <a:xfrm rot="10800000">
-            <a:off x="3647728" y="1628800"/>
-            <a:ext cx="7200800" cy="4824536"/>
-          </a:xfrm>
-          <a:prstGeom prst="corner">
-            <a:avLst>
-              <a:gd name="adj1" fmla="val 44740"/>
-              <a:gd name="adj2" fmla="val 69269"/>
-            </a:avLst>
-          </a:prstGeom>
-        </p:spPr>
-        <p:style>
-          <a:lnRef idx="2">
-            <a:schemeClr val="accent1">
-              <a:shade val="50000"/>
-            </a:schemeClr>
-          </a:lnRef>
-          <a:fillRef idx="1">
-            <a:schemeClr val="accent1"/>
-          </a:fillRef>
-          <a:effectRef idx="0">
-            <a:schemeClr val="accent1"/>
-          </a:effectRef>
-          <a:fontRef idx="minor">
-            <a:schemeClr val="lt1"/>
-          </a:fontRef>
-        </p:style>
-        <p:txBody>
-          <a:bodyPr rtlCol="0" anchor="ctr"/>
-          <a:lstStyle/>
-          <a:p>
-            <a:pPr algn="ctr"/>
-            <a:endParaRPr lang="en-IN" dirty="0"/>
-          </a:p>
-        </p:txBody>
-      </p:sp>
-      <p:sp>
-        <p:nvSpPr>
           <p:cNvPr id="8" name="Rectangle 7">
             <a:extLst>
               <a:ext uri="{FF2B5EF4-FFF2-40B4-BE49-F238E27FC236}">
@@ -9365,7 +9588,7 @@
         </p:nvSpPr>
         <p:spPr>
           <a:xfrm>
-            <a:off x="623392" y="1448779"/>
+            <a:off x="875420" y="1196752"/>
             <a:ext cx="10441160" cy="5184576"/>
           </a:xfrm>
           <a:prstGeom prst="rect">
@@ -9399,11 +9622,7 @@
           <a:p>
             <a:pPr algn="ctr"/>
             <a:r>
-              <a:rPr lang="en-IN" sz="2400" dirty="0">
-                <a:highlight>
-                  <a:srgbClr val="000080"/>
-                </a:highlight>
-              </a:rPr>
+              <a:rPr lang="en-IN" sz="2400" dirty="0"/>
               <a:t>After modifying some files to add specific files(say file1, file2) to the index</a:t>
             </a:r>
             <a:br>
@@ -9436,11 +9655,7 @@
           <a:p>
             <a:pPr algn="ctr"/>
             <a:r>
-              <a:rPr lang="en-IN" sz="2400" dirty="0">
-                <a:highlight>
-                  <a:srgbClr val="000080"/>
-                </a:highlight>
-              </a:rPr>
+              <a:rPr lang="en-IN" sz="2400" dirty="0"/>
               <a:t>Using </a:t>
             </a:r>
             <a:r>
@@ -9455,11 +9670,7 @@
               <a:t>git status</a:t>
             </a:r>
             <a:r>
-              <a:rPr lang="en-IN" sz="2400" dirty="0">
-                <a:highlight>
-                  <a:srgbClr val="000080"/>
-                </a:highlight>
-              </a:rPr>
+              <a:rPr lang="en-IN" sz="2400" dirty="0"/>
               <a:t> or </a:t>
             </a:r>
             <a:r>
@@ -9480,18 +9691,11 @@
                     <a:lumMod val="75000"/>
                   </a:schemeClr>
                 </a:solidFill>
-                <a:highlight>
-                  <a:srgbClr val="000080"/>
-                </a:highlight>
               </a:rPr>
               <a:t> </a:t>
             </a:r>
             <a:r>
-              <a:rPr lang="en-IN" sz="2400" dirty="0">
-                <a:highlight>
-                  <a:srgbClr val="000080"/>
-                </a:highlight>
-              </a:rPr>
+              <a:rPr lang="en-IN" sz="2400" dirty="0"/>
               <a:t>we can see the changes that will occur after the next commit</a:t>
             </a:r>
           </a:p>
@@ -9517,11 +9721,7 @@
               <a:t>git diff </a:t>
             </a:r>
             <a:r>
-              <a:rPr lang="en-IN" sz="2400" dirty="0">
-                <a:highlight>
-                  <a:srgbClr val="000080"/>
-                </a:highlight>
-              </a:rPr>
+              <a:rPr lang="en-IN" sz="2400" dirty="0"/>
               <a:t>will show changes that are made but not yet added to the index.</a:t>
             </a:r>
           </a:p>
@@ -9547,11 +9747,7 @@
               <a:t>git status </a:t>
             </a:r>
             <a:r>
-              <a:rPr lang="en-IN" sz="2400" dirty="0">
-                <a:highlight>
-                  <a:srgbClr val="000080"/>
-                </a:highlight>
-              </a:rPr>
+              <a:rPr lang="en-IN" sz="2400" dirty="0"/>
               <a:t>gives a brief summary of the situation of the changes</a:t>
             </a:r>
           </a:p>
@@ -9580,11 +9776,7 @@
           <a:p>
             <a:pPr algn="ctr"/>
             <a:r>
-              <a:rPr lang="en-IN" sz="2400" dirty="0">
-                <a:highlight>
-                  <a:srgbClr val="000080"/>
-                </a:highlight>
-              </a:rPr>
+              <a:rPr lang="en-IN" sz="2400" dirty="0"/>
               <a:t>Can be used to commit without using git add beforehand</a:t>
             </a:r>
           </a:p>
@@ -9621,7 +9813,7 @@
                             </p:stCondLst>
                             <p:childTnLst>
                               <p:par>
-                                <p:cTn id="5" presetID="6" presetClass="entr" presetSubtype="16" fill="hold" grpId="0" nodeType="clickEffect">
+                                <p:cTn id="5" presetID="22" presetClass="entr" presetSubtype="4" fill="hold" grpId="0" nodeType="clickEffect">
                                   <p:stCondLst>
                                     <p:cond delay="0"/>
                                   </p:stCondLst>
@@ -9629,94 +9821,6 @@
                                     <p:set>
                                       <p:cBhvr>
                                         <p:cTn id="6" dur="1" fill="hold">
-                                          <p:stCondLst>
-                                            <p:cond delay="0"/>
-                                          </p:stCondLst>
-                                        </p:cTn>
-                                        <p:tgtEl>
-                                          <p:spTgt spid="6"/>
-                                        </p:tgtEl>
-                                        <p:attrNameLst>
-                                          <p:attrName>style.visibility</p:attrName>
-                                        </p:attrNameLst>
-                                      </p:cBhvr>
-                                      <p:to>
-                                        <p:strVal val="visible"/>
-                                      </p:to>
-                                    </p:set>
-                                    <p:animEffect transition="in" filter="circle(in)">
-                                      <p:cBhvr>
-                                        <p:cTn id="7" dur="500"/>
-                                        <p:tgtEl>
-                                          <p:spTgt spid="6"/>
-                                        </p:tgtEl>
-                                      </p:cBhvr>
-                                    </p:animEffect>
-                                  </p:childTnLst>
-                                </p:cTn>
-                              </p:par>
-                              <p:par>
-                                <p:cTn id="8" presetID="6" presetClass="entr" presetSubtype="16" fill="hold" grpId="0" nodeType="withEffect">
-                                  <p:stCondLst>
-                                    <p:cond delay="0"/>
-                                  </p:stCondLst>
-                                  <p:childTnLst>
-                                    <p:set>
-                                      <p:cBhvr>
-                                        <p:cTn id="9" dur="1" fill="hold">
-                                          <p:stCondLst>
-                                            <p:cond delay="0"/>
-                                          </p:stCondLst>
-                                        </p:cTn>
-                                        <p:tgtEl>
-                                          <p:spTgt spid="7"/>
-                                        </p:tgtEl>
-                                        <p:attrNameLst>
-                                          <p:attrName>style.visibility</p:attrName>
-                                        </p:attrNameLst>
-                                      </p:cBhvr>
-                                      <p:to>
-                                        <p:strVal val="visible"/>
-                                      </p:to>
-                                    </p:set>
-                                    <p:animEffect transition="in" filter="circle(in)">
-                                      <p:cBhvr>
-                                        <p:cTn id="10" dur="500"/>
-                                        <p:tgtEl>
-                                          <p:spTgt spid="7"/>
-                                        </p:tgtEl>
-                                      </p:cBhvr>
-                                    </p:animEffect>
-                                  </p:childTnLst>
-                                </p:cTn>
-                              </p:par>
-                            </p:childTnLst>
-                          </p:cTn>
-                        </p:par>
-                      </p:childTnLst>
-                    </p:cTn>
-                  </p:par>
-                  <p:par>
-                    <p:cTn id="11" fill="hold">
-                      <p:stCondLst>
-                        <p:cond delay="indefinite"/>
-                      </p:stCondLst>
-                      <p:childTnLst>
-                        <p:par>
-                          <p:cTn id="12" fill="hold">
-                            <p:stCondLst>
-                              <p:cond delay="0"/>
-                            </p:stCondLst>
-                            <p:childTnLst>
-                              <p:par>
-                                <p:cTn id="13" presetID="22" presetClass="entr" presetSubtype="4" fill="hold" grpId="0" nodeType="clickEffect">
-                                  <p:stCondLst>
-                                    <p:cond delay="0"/>
-                                  </p:stCondLst>
-                                  <p:childTnLst>
-                                    <p:set>
-                                      <p:cBhvr>
-                                        <p:cTn id="14" dur="1" fill="hold">
                                           <p:stCondLst>
                                             <p:cond delay="0"/>
                                           </p:stCondLst>
@@ -9734,7 +9838,7 @@
                                     </p:set>
                                     <p:animEffect transition="in" filter="wipe(down)">
                                       <p:cBhvr>
-                                        <p:cTn id="15" dur="250"/>
+                                        <p:cTn id="7" dur="250"/>
                                         <p:tgtEl>
                                           <p:spTgt spid="8"/>
                                         </p:tgtEl>
@@ -9771,8 +9875,6 @@
       </p:par>
     </p:tnLst>
     <p:bldLst>
-      <p:bldP spid="6" grpId="0" animBg="1"/>
-      <p:bldP spid="7" grpId="0" animBg="1"/>
       <p:bldP spid="8" grpId="0" animBg="1"/>
     </p:bldLst>
   </p:timing>
@@ -9782,6 +9884,32 @@
 <file path=ppt/slides/slide7.xml><?xml version="1.0" encoding="utf-8"?>
 <p:sld xmlns:a="http://schemas.openxmlformats.org/drawingml/2006/main" xmlns:r="http://schemas.openxmlformats.org/officeDocument/2006/relationships" xmlns:p="http://schemas.openxmlformats.org/presentationml/2006/main">
   <p:cSld>
+    <p:bg>
+      <p:bgPr shadeToTitle="1">
+        <a:gradFill flip="none" rotWithShape="1">
+          <a:gsLst>
+            <a:gs pos="29000">
+              <a:srgbClr val="1E1E1E"/>
+            </a:gs>
+            <a:gs pos="6000">
+              <a:schemeClr val="tx1">
+                <a:lumMod val="85000"/>
+              </a:schemeClr>
+            </a:gs>
+            <a:gs pos="100000">
+              <a:schemeClr val="bg1">
+                <a:shade val="80000"/>
+              </a:schemeClr>
+            </a:gs>
+          </a:gsLst>
+          <a:path path="shape">
+            <a:fillToRect l="50000" t="50000" r="50000" b="50000"/>
+          </a:path>
+          <a:tileRect/>
+        </a:gradFill>
+        <a:effectLst/>
+      </p:bgPr>
+    </p:bg>
     <p:spTree>
       <p:nvGrpSpPr>
         <p:cNvPr id="1" name=""/>
@@ -9845,11 +9973,13 @@
             <a:avLst/>
           </a:prstGeom>
           <a:solidFill>
-            <a:schemeClr val="bg1">
-              <a:lumMod val="85000"/>
-              <a:lumOff val="15000"/>
+            <a:schemeClr val="bg2">
+              <a:lumMod val="75000"/>
             </a:schemeClr>
           </a:solidFill>
+          <a:ln>
+            <a:noFill/>
+          </a:ln>
         </p:spPr>
         <p:style>
           <a:lnRef idx="2">
@@ -9897,11 +10027,13 @@
             <a:avLst/>
           </a:prstGeom>
           <a:solidFill>
-            <a:schemeClr val="bg1">
-              <a:lumMod val="85000"/>
-              <a:lumOff val="15000"/>
+            <a:schemeClr val="bg2">
+              <a:lumMod val="75000"/>
             </a:schemeClr>
           </a:solidFill>
+          <a:ln>
+            <a:noFill/>
+          </a:ln>
         </p:spPr>
         <p:style>
           <a:lnRef idx="2">
@@ -9949,11 +10081,13 @@
             <a:avLst/>
           </a:prstGeom>
           <a:solidFill>
-            <a:schemeClr val="bg1">
-              <a:lumMod val="85000"/>
-              <a:lumOff val="15000"/>
+            <a:schemeClr val="bg2">
+              <a:lumMod val="75000"/>
             </a:schemeClr>
           </a:solidFill>
+          <a:ln>
+            <a:noFill/>
+          </a:ln>
         </p:spPr>
         <p:style>
           <a:lnRef idx="2">
@@ -10001,11 +10135,13 @@
             <a:avLst/>
           </a:prstGeom>
           <a:solidFill>
-            <a:schemeClr val="bg1">
-              <a:lumMod val="85000"/>
-              <a:lumOff val="15000"/>
+            <a:schemeClr val="bg2">
+              <a:lumMod val="75000"/>
             </a:schemeClr>
           </a:solidFill>
+          <a:ln>
+            <a:noFill/>
+          </a:ln>
         </p:spPr>
         <p:style>
           <a:lnRef idx="2">
@@ -10053,11 +10189,13 @@
             <a:avLst/>
           </a:prstGeom>
           <a:solidFill>
-            <a:schemeClr val="bg1">
-              <a:lumMod val="85000"/>
-              <a:lumOff val="15000"/>
+            <a:schemeClr val="bg2">
+              <a:lumMod val="75000"/>
             </a:schemeClr>
           </a:solidFill>
+          <a:ln>
+            <a:noFill/>
+          </a:ln>
         </p:spPr>
         <p:style>
           <a:lnRef idx="2">
@@ -10105,11 +10243,13 @@
             <a:avLst/>
           </a:prstGeom>
           <a:solidFill>
-            <a:schemeClr val="bg1">
-              <a:lumMod val="85000"/>
-              <a:lumOff val="15000"/>
+            <a:schemeClr val="bg2">
+              <a:lumMod val="75000"/>
             </a:schemeClr>
           </a:solidFill>
+          <a:ln>
+            <a:noFill/>
+          </a:ln>
         </p:spPr>
         <p:style>
           <a:lnRef idx="2">
@@ -10157,11 +10297,13 @@
             <a:avLst/>
           </a:prstGeom>
           <a:solidFill>
-            <a:schemeClr val="bg1">
-              <a:lumMod val="85000"/>
-              <a:lumOff val="15000"/>
+            <a:schemeClr val="bg2">
+              <a:lumMod val="75000"/>
             </a:schemeClr>
           </a:solidFill>
+          <a:ln>
+            <a:noFill/>
+          </a:ln>
         </p:spPr>
         <p:style>
           <a:lnRef idx="2">
@@ -10209,11 +10351,13 @@
             <a:avLst/>
           </a:prstGeom>
           <a:solidFill>
-            <a:schemeClr val="bg1">
-              <a:lumMod val="85000"/>
-              <a:lumOff val="15000"/>
+            <a:schemeClr val="bg2">
+              <a:lumMod val="75000"/>
             </a:schemeClr>
           </a:solidFill>
+          <a:ln>
+            <a:noFill/>
+          </a:ln>
         </p:spPr>
         <p:style>
           <a:lnRef idx="2">
@@ -10261,11 +10405,13 @@
             <a:avLst/>
           </a:prstGeom>
           <a:solidFill>
-            <a:schemeClr val="bg1">
-              <a:lumMod val="85000"/>
-              <a:lumOff val="15000"/>
+            <a:schemeClr val="bg2">
+              <a:lumMod val="75000"/>
             </a:schemeClr>
           </a:solidFill>
+          <a:ln>
+            <a:noFill/>
+          </a:ln>
         </p:spPr>
         <p:style>
           <a:lnRef idx="2">
@@ -10313,11 +10459,13 @@
             <a:avLst/>
           </a:prstGeom>
           <a:solidFill>
-            <a:schemeClr val="bg1">
-              <a:lumMod val="85000"/>
-              <a:lumOff val="15000"/>
+            <a:schemeClr val="bg2">
+              <a:lumMod val="75000"/>
             </a:schemeClr>
           </a:solidFill>
+          <a:ln>
+            <a:noFill/>
+          </a:ln>
         </p:spPr>
         <p:style>
           <a:lnRef idx="2">
@@ -10365,11 +10513,13 @@
             <a:avLst/>
           </a:prstGeom>
           <a:solidFill>
-            <a:schemeClr val="bg1">
-              <a:lumMod val="85000"/>
-              <a:lumOff val="15000"/>
+            <a:schemeClr val="bg2">
+              <a:lumMod val="75000"/>
             </a:schemeClr>
           </a:solidFill>
+          <a:ln>
+            <a:noFill/>
+          </a:ln>
         </p:spPr>
         <p:style>
           <a:lnRef idx="2">
@@ -10417,11 +10567,13 @@
             <a:avLst/>
           </a:prstGeom>
           <a:solidFill>
-            <a:schemeClr val="bg1">
-              <a:lumMod val="85000"/>
-              <a:lumOff val="15000"/>
+            <a:schemeClr val="bg2">
+              <a:lumMod val="75000"/>
             </a:schemeClr>
           </a:solidFill>
+          <a:ln>
+            <a:noFill/>
+          </a:ln>
         </p:spPr>
         <p:style>
           <a:lnRef idx="2">
@@ -10469,11 +10621,13 @@
             <a:avLst/>
           </a:prstGeom>
           <a:solidFill>
-            <a:schemeClr val="bg1">
-              <a:lumMod val="85000"/>
-              <a:lumOff val="15000"/>
+            <a:schemeClr val="bg2">
+              <a:lumMod val="75000"/>
             </a:schemeClr>
           </a:solidFill>
+          <a:ln>
+            <a:noFill/>
+          </a:ln>
         </p:spPr>
         <p:style>
           <a:lnRef idx="2">
@@ -10521,11 +10675,13 @@
             <a:avLst/>
           </a:prstGeom>
           <a:solidFill>
-            <a:schemeClr val="bg1">
-              <a:lumMod val="85000"/>
-              <a:lumOff val="15000"/>
+            <a:schemeClr val="bg2">
+              <a:lumMod val="75000"/>
             </a:schemeClr>
           </a:solidFill>
+          <a:ln>
+            <a:noFill/>
+          </a:ln>
         </p:spPr>
         <p:style>
           <a:lnRef idx="2">
@@ -10573,11 +10729,13 @@
             <a:avLst/>
           </a:prstGeom>
           <a:solidFill>
-            <a:schemeClr val="bg1">
-              <a:lumMod val="85000"/>
-              <a:lumOff val="15000"/>
+            <a:schemeClr val="bg2">
+              <a:lumMod val="75000"/>
             </a:schemeClr>
           </a:solidFill>
+          <a:ln>
+            <a:noFill/>
+          </a:ln>
         </p:spPr>
         <p:style>
           <a:lnRef idx="2">
@@ -10625,11 +10783,13 @@
             <a:avLst/>
           </a:prstGeom>
           <a:solidFill>
-            <a:schemeClr val="bg1">
-              <a:lumMod val="85000"/>
-              <a:lumOff val="15000"/>
+            <a:schemeClr val="bg2">
+              <a:lumMod val="75000"/>
             </a:schemeClr>
           </a:solidFill>
+          <a:ln>
+            <a:noFill/>
+          </a:ln>
         </p:spPr>
         <p:style>
           <a:lnRef idx="2">
@@ -10677,11 +10837,13 @@
             <a:avLst/>
           </a:prstGeom>
           <a:solidFill>
-            <a:schemeClr val="bg1">
-              <a:lumMod val="85000"/>
-              <a:lumOff val="15000"/>
+            <a:schemeClr val="bg2">
+              <a:lumMod val="75000"/>
             </a:schemeClr>
           </a:solidFill>
+          <a:ln>
+            <a:noFill/>
+          </a:ln>
         </p:spPr>
         <p:style>
           <a:lnRef idx="2">
@@ -10729,11 +10891,13 @@
             <a:avLst/>
           </a:prstGeom>
           <a:solidFill>
-            <a:schemeClr val="bg1">
-              <a:lumMod val="85000"/>
-              <a:lumOff val="15000"/>
+            <a:schemeClr val="bg2">
+              <a:lumMod val="75000"/>
             </a:schemeClr>
           </a:solidFill>
+          <a:ln>
+            <a:noFill/>
+          </a:ln>
         </p:spPr>
         <p:style>
           <a:lnRef idx="2">
@@ -10781,11 +10945,13 @@
             <a:avLst/>
           </a:prstGeom>
           <a:solidFill>
-            <a:schemeClr val="bg1">
-              <a:lumMod val="85000"/>
-              <a:lumOff val="15000"/>
+            <a:schemeClr val="bg2">
+              <a:lumMod val="75000"/>
             </a:schemeClr>
           </a:solidFill>
+          <a:ln>
+            <a:noFill/>
+          </a:ln>
         </p:spPr>
         <p:style>
           <a:lnRef idx="2">
@@ -10833,11 +10999,13 @@
             <a:avLst/>
           </a:prstGeom>
           <a:solidFill>
-            <a:schemeClr val="bg1">
-              <a:lumMod val="85000"/>
-              <a:lumOff val="15000"/>
+            <a:schemeClr val="bg2">
+              <a:lumMod val="75000"/>
             </a:schemeClr>
           </a:solidFill>
+          <a:ln>
+            <a:noFill/>
+          </a:ln>
         </p:spPr>
         <p:style>
           <a:lnRef idx="2">
@@ -10885,11 +11053,13 @@
             <a:avLst/>
           </a:prstGeom>
           <a:solidFill>
-            <a:schemeClr val="bg1">
-              <a:lumMod val="85000"/>
-              <a:lumOff val="15000"/>
+            <a:schemeClr val="bg2">
+              <a:lumMod val="75000"/>
             </a:schemeClr>
           </a:solidFill>
+          <a:ln>
+            <a:noFill/>
+          </a:ln>
         </p:spPr>
         <p:style>
           <a:lnRef idx="2">
@@ -10937,11 +11107,13 @@
             <a:avLst/>
           </a:prstGeom>
           <a:solidFill>
-            <a:schemeClr val="bg1">
-              <a:lumMod val="85000"/>
-              <a:lumOff val="15000"/>
+            <a:schemeClr val="bg2">
+              <a:lumMod val="75000"/>
             </a:schemeClr>
           </a:solidFill>
+          <a:ln>
+            <a:noFill/>
+          </a:ln>
         </p:spPr>
         <p:style>
           <a:lnRef idx="2">
@@ -10989,11 +11161,13 @@
             <a:avLst/>
           </a:prstGeom>
           <a:solidFill>
-            <a:schemeClr val="bg1">
-              <a:lumMod val="85000"/>
-              <a:lumOff val="15000"/>
+            <a:schemeClr val="bg2">
+              <a:lumMod val="75000"/>
             </a:schemeClr>
           </a:solidFill>
+          <a:ln>
+            <a:noFill/>
+          </a:ln>
         </p:spPr>
         <p:style>
           <a:lnRef idx="2">
@@ -11041,11 +11215,13 @@
             <a:avLst/>
           </a:prstGeom>
           <a:solidFill>
-            <a:schemeClr val="bg1">
-              <a:lumMod val="85000"/>
-              <a:lumOff val="15000"/>
+            <a:schemeClr val="bg2">
+              <a:lumMod val="75000"/>
             </a:schemeClr>
           </a:solidFill>
+          <a:ln>
+            <a:noFill/>
+          </a:ln>
         </p:spPr>
         <p:style>
           <a:lnRef idx="2">
@@ -11093,11 +11269,13 @@
             <a:avLst/>
           </a:prstGeom>
           <a:solidFill>
-            <a:schemeClr val="bg1">
-              <a:lumMod val="85000"/>
-              <a:lumOff val="15000"/>
+            <a:schemeClr val="bg2">
+              <a:lumMod val="75000"/>
             </a:schemeClr>
           </a:solidFill>
+          <a:ln>
+            <a:noFill/>
+          </a:ln>
         </p:spPr>
         <p:style>
           <a:lnRef idx="2">
@@ -11145,11 +11323,13 @@
             <a:avLst/>
           </a:prstGeom>
           <a:solidFill>
-            <a:schemeClr val="bg1">
-              <a:lumMod val="85000"/>
-              <a:lumOff val="15000"/>
+            <a:schemeClr val="bg2">
+              <a:lumMod val="75000"/>
             </a:schemeClr>
           </a:solidFill>
+          <a:ln>
+            <a:noFill/>
+          </a:ln>
         </p:spPr>
         <p:style>
           <a:lnRef idx="2">
@@ -11197,11 +11377,13 @@
             <a:avLst/>
           </a:prstGeom>
           <a:solidFill>
-            <a:schemeClr val="bg1">
-              <a:lumMod val="85000"/>
-              <a:lumOff val="15000"/>
+            <a:schemeClr val="bg2">
+              <a:lumMod val="75000"/>
             </a:schemeClr>
           </a:solidFill>
+          <a:ln>
+            <a:noFill/>
+          </a:ln>
         </p:spPr>
         <p:style>
           <a:lnRef idx="2">
@@ -11249,11 +11431,13 @@
             <a:avLst/>
           </a:prstGeom>
           <a:solidFill>
-            <a:schemeClr val="bg1">
-              <a:lumMod val="85000"/>
-              <a:lumOff val="15000"/>
+            <a:schemeClr val="bg2">
+              <a:lumMod val="75000"/>
             </a:schemeClr>
           </a:solidFill>
+          <a:ln>
+            <a:noFill/>
+          </a:ln>
         </p:spPr>
         <p:style>
           <a:lnRef idx="2">
@@ -11301,11 +11485,13 @@
             <a:avLst/>
           </a:prstGeom>
           <a:solidFill>
-            <a:schemeClr val="bg1">
-              <a:lumMod val="85000"/>
-              <a:lumOff val="15000"/>
+            <a:schemeClr val="bg2">
+              <a:lumMod val="75000"/>
             </a:schemeClr>
           </a:solidFill>
+          <a:ln>
+            <a:noFill/>
+          </a:ln>
         </p:spPr>
         <p:style>
           <a:lnRef idx="2">
@@ -11353,11 +11539,13 @@
             <a:avLst/>
           </a:prstGeom>
           <a:solidFill>
-            <a:schemeClr val="bg1">
-              <a:lumMod val="85000"/>
-              <a:lumOff val="15000"/>
+            <a:schemeClr val="bg2">
+              <a:lumMod val="75000"/>
             </a:schemeClr>
           </a:solidFill>
+          <a:ln>
+            <a:noFill/>
+          </a:ln>
         </p:spPr>
         <p:style>
           <a:lnRef idx="2">
@@ -11405,11 +11593,13 @@
             <a:avLst/>
           </a:prstGeom>
           <a:solidFill>
-            <a:schemeClr val="bg1">
-              <a:lumMod val="85000"/>
-              <a:lumOff val="15000"/>
+            <a:schemeClr val="bg2">
+              <a:lumMod val="75000"/>
             </a:schemeClr>
           </a:solidFill>
+          <a:ln>
+            <a:noFill/>
+          </a:ln>
         </p:spPr>
         <p:style>
           <a:lnRef idx="2">
@@ -11457,11 +11647,13 @@
             <a:avLst/>
           </a:prstGeom>
           <a:solidFill>
-            <a:schemeClr val="bg1">
-              <a:lumMod val="85000"/>
-              <a:lumOff val="15000"/>
+            <a:schemeClr val="bg2">
+              <a:lumMod val="75000"/>
             </a:schemeClr>
           </a:solidFill>
+          <a:ln>
+            <a:noFill/>
+          </a:ln>
         </p:spPr>
         <p:style>
           <a:lnRef idx="2">
@@ -11509,11 +11701,13 @@
             <a:avLst/>
           </a:prstGeom>
           <a:solidFill>
-            <a:schemeClr val="bg1">
-              <a:lumMod val="85000"/>
-              <a:lumOff val="15000"/>
+            <a:schemeClr val="bg2">
+              <a:lumMod val="75000"/>
             </a:schemeClr>
           </a:solidFill>
+          <a:ln>
+            <a:noFill/>
+          </a:ln>
         </p:spPr>
         <p:style>
           <a:lnRef idx="2">
@@ -11554,7 +11748,7 @@
         </p:nvSpPr>
         <p:spPr>
           <a:xfrm>
-            <a:off x="142935" y="646357"/>
+            <a:off x="39554" y="525658"/>
             <a:ext cx="11953328" cy="6332342"/>
           </a:xfrm>
           <a:prstGeom prst="rect">
@@ -16342,8 +16536,67 @@
         </p:blipFill>
         <p:spPr>
           <a:xfrm>
-            <a:off x="14233" y="1442568"/>
-            <a:ext cx="6485182" cy="3299746"/>
+            <a:off x="17478" y="766061"/>
+            <a:ext cx="5598111" cy="3299746"/>
+          </a:xfrm>
+          <a:prstGeom prst="rect">
+            <a:avLst/>
+          </a:prstGeom>
+        </p:spPr>
+      </p:pic>
+      <p:pic>
+        <p:nvPicPr>
+          <p:cNvPr id="43" name="Picture 42">
+            <a:extLst>
+              <a:ext uri="{FF2B5EF4-FFF2-40B4-BE49-F238E27FC236}">
+                <a16:creationId xmlns:a16="http://schemas.microsoft.com/office/drawing/2014/main" id="{19FC3E2E-4259-07CD-9B2B-6EE11B03D2FD}"/>
+              </a:ext>
+            </a:extLst>
+          </p:cNvPr>
+          <p:cNvPicPr>
+            <a:picLocks noChangeAspect="1"/>
+          </p:cNvPicPr>
+          <p:nvPr/>
+        </p:nvPicPr>
+        <p:blipFill rotWithShape="1">
+          <a:blip r:embed="rId3"/>
+          <a:srcRect l="1645" r="4396"/>
+          <a:stretch/>
+        </p:blipFill>
+        <p:spPr>
+          <a:xfrm>
+            <a:off x="101018" y="4213103"/>
+            <a:ext cx="5514571" cy="2070315"/>
+          </a:xfrm>
+          <a:prstGeom prst="rect">
+            <a:avLst/>
+          </a:prstGeom>
+        </p:spPr>
+      </p:pic>
+      <p:pic>
+        <p:nvPicPr>
+          <p:cNvPr id="5" name="Picture 4">
+            <a:extLst>
+              <a:ext uri="{FF2B5EF4-FFF2-40B4-BE49-F238E27FC236}">
+                <a16:creationId xmlns:a16="http://schemas.microsoft.com/office/drawing/2014/main" id="{C42E75F3-3501-C800-869E-B7CBDD3F0A30}"/>
+              </a:ext>
+            </a:extLst>
+          </p:cNvPr>
+          <p:cNvPicPr>
+            <a:picLocks noChangeAspect="1"/>
+          </p:cNvPicPr>
+          <p:nvPr/>
+        </p:nvPicPr>
+        <p:blipFill>
+          <a:blip r:embed="rId4"/>
+          <a:stretch>
+            <a:fillRect/>
+          </a:stretch>
+        </p:blipFill>
+        <p:spPr>
+          <a:xfrm>
+            <a:off x="5869910" y="731082"/>
+            <a:ext cx="6130305" cy="5247005"/>
           </a:xfrm>
           <a:prstGeom prst="rect">
             <a:avLst/>
@@ -16365,44 +16618,15 @@
           <p:nvPr/>
         </p:nvPicPr>
         <p:blipFill>
-          <a:blip r:embed="rId3"/>
+          <a:blip r:embed="rId5"/>
           <a:stretch>
             <a:fillRect/>
           </a:stretch>
         </p:blipFill>
         <p:spPr>
           <a:xfrm>
-            <a:off x="3927750" y="5318499"/>
+            <a:off x="3870193" y="5912325"/>
             <a:ext cx="7071973" cy="952583"/>
-          </a:xfrm>
-          <a:prstGeom prst="rect">
-            <a:avLst/>
-          </a:prstGeom>
-        </p:spPr>
-      </p:pic>
-      <p:pic>
-        <p:nvPicPr>
-          <p:cNvPr id="43" name="Picture 42">
-            <a:extLst>
-              <a:ext uri="{FF2B5EF4-FFF2-40B4-BE49-F238E27FC236}">
-                <a16:creationId xmlns:a16="http://schemas.microsoft.com/office/drawing/2014/main" id="{19FC3E2E-4259-07CD-9B2B-6EE11B03D2FD}"/>
-              </a:ext>
-            </a:extLst>
-          </p:cNvPr>
-          <p:cNvPicPr>
-            <a:picLocks noChangeAspect="1"/>
-          </p:cNvPicPr>
-          <p:nvPr/>
-        </p:nvPicPr>
-        <p:blipFill rotWithShape="1">
-          <a:blip r:embed="rId4"/>
-          <a:srcRect l="1645" r="4396"/>
-          <a:stretch/>
-        </p:blipFill>
-        <p:spPr>
-          <a:xfrm>
-            <a:off x="6470945" y="1805308"/>
-            <a:ext cx="5721055" cy="2217612"/>
           </a:xfrm>
           <a:prstGeom prst="rect">
             <a:avLst/>
@@ -18981,8 +19205,8 @@
         </p:blipFill>
         <p:spPr>
           <a:xfrm>
-            <a:off x="263352" y="1556792"/>
-            <a:ext cx="4877223" cy="1158340"/>
+            <a:off x="220662" y="1196916"/>
+            <a:ext cx="4877223" cy="1440160"/>
           </a:xfrm>
           <a:prstGeom prst="rect">
             <a:avLst/>
@@ -19003,8 +19227,8 @@
         </p:nvSpPr>
         <p:spPr>
           <a:xfrm>
-            <a:off x="407368" y="1196752"/>
-            <a:ext cx="1957587" cy="369332"/>
+            <a:off x="194702" y="598416"/>
+            <a:ext cx="2058914" cy="646331"/>
           </a:xfrm>
           <a:prstGeom prst="rect">
             <a:avLst/>
@@ -19012,7 +19236,7 @@
           <a:noFill/>
         </p:spPr>
         <p:txBody>
-          <a:bodyPr wrap="none" rtlCol="0">
+          <a:bodyPr wrap="square" rtlCol="0">
             <a:spAutoFit/>
           </a:bodyPr>
           <a:lstStyle/>
@@ -19020,6 +19244,241 @@
             <a:r>
               <a:rPr lang="en-IN" dirty="0"/>
               <a:t>Creating a branch:</a:t>
+            </a:r>
+          </a:p>
+        </p:txBody>
+      </p:sp>
+      <p:pic>
+        <p:nvPicPr>
+          <p:cNvPr id="7" name="Picture 6">
+            <a:extLst>
+              <a:ext uri="{FF2B5EF4-FFF2-40B4-BE49-F238E27FC236}">
+                <a16:creationId xmlns:a16="http://schemas.microsoft.com/office/drawing/2014/main" id="{F5BFA7E2-FE54-78C8-384E-C5793B0EAF9E}"/>
+              </a:ext>
+            </a:extLst>
+          </p:cNvPr>
+          <p:cNvPicPr>
+            <a:picLocks noChangeAspect="1"/>
+          </p:cNvPicPr>
+          <p:nvPr/>
+        </p:nvPicPr>
+        <p:blipFill>
+          <a:blip r:embed="rId3"/>
+          <a:stretch>
+            <a:fillRect/>
+          </a:stretch>
+        </p:blipFill>
+        <p:spPr>
+          <a:xfrm>
+            <a:off x="407368" y="3511754"/>
+            <a:ext cx="6858594" cy="3346246"/>
+          </a:xfrm>
+          <a:prstGeom prst="rect">
+            <a:avLst/>
+          </a:prstGeom>
+        </p:spPr>
+      </p:pic>
+      <p:sp>
+        <p:nvSpPr>
+          <p:cNvPr id="8" name="TextBox 7">
+            <a:extLst>
+              <a:ext uri="{FF2B5EF4-FFF2-40B4-BE49-F238E27FC236}">
+                <a16:creationId xmlns:a16="http://schemas.microsoft.com/office/drawing/2014/main" id="{6EC1372F-CB16-ABFC-193C-2039448AD3E4}"/>
+              </a:ext>
+            </a:extLst>
+          </p:cNvPr>
+          <p:cNvSpPr txBox="1"/>
+          <p:nvPr/>
+        </p:nvSpPr>
+        <p:spPr>
+          <a:xfrm>
+            <a:off x="767408" y="2825070"/>
+            <a:ext cx="5328592" cy="707886"/>
+          </a:xfrm>
+          <a:prstGeom prst="rect">
+            <a:avLst/>
+          </a:prstGeom>
+          <a:noFill/>
+        </p:spPr>
+        <p:txBody>
+          <a:bodyPr wrap="square" rtlCol="0">
+            <a:spAutoFit/>
+          </a:bodyPr>
+          <a:lstStyle/>
+          <a:p>
+            <a:r>
+              <a:rPr lang="en-IN" sz="2000" dirty="0"/>
+              <a:t>Switching branch and changing in new branch:</a:t>
+            </a:r>
+          </a:p>
+        </p:txBody>
+      </p:sp>
+      <p:sp>
+        <p:nvSpPr>
+          <p:cNvPr id="3" name="Arrow: Bent 2">
+            <a:extLst>
+              <a:ext uri="{FF2B5EF4-FFF2-40B4-BE49-F238E27FC236}">
+                <a16:creationId xmlns:a16="http://schemas.microsoft.com/office/drawing/2014/main" id="{37A41DEC-4397-2B33-FF56-604CB2A6EA0C}"/>
+              </a:ext>
+            </a:extLst>
+          </p:cNvPr>
+          <p:cNvSpPr/>
+          <p:nvPr/>
+        </p:nvSpPr>
+        <p:spPr>
+          <a:xfrm rot="10628335" flipH="1">
+            <a:off x="178947" y="2823759"/>
+            <a:ext cx="572912" cy="637326"/>
+          </a:xfrm>
+          <a:prstGeom prst="bentArrow">
+            <a:avLst>
+              <a:gd name="adj1" fmla="val 22833"/>
+              <a:gd name="adj2" fmla="val 25000"/>
+              <a:gd name="adj3" fmla="val 25000"/>
+              <a:gd name="adj4" fmla="val 43750"/>
+            </a:avLst>
+          </a:prstGeom>
+        </p:spPr>
+        <p:style>
+          <a:lnRef idx="2">
+            <a:schemeClr val="accent1">
+              <a:shade val="50000"/>
+            </a:schemeClr>
+          </a:lnRef>
+          <a:fillRef idx="1">
+            <a:schemeClr val="accent1"/>
+          </a:fillRef>
+          <a:effectRef idx="0">
+            <a:schemeClr val="accent1"/>
+          </a:effectRef>
+          <a:fontRef idx="minor">
+            <a:schemeClr val="lt1"/>
+          </a:fontRef>
+        </p:style>
+        <p:txBody>
+          <a:bodyPr rtlCol="0" anchor="ctr"/>
+          <a:lstStyle/>
+          <a:p>
+            <a:pPr algn="ctr"/>
+            <a:endParaRPr lang="en-IN">
+              <a:solidFill>
+                <a:schemeClr val="tx1"/>
+              </a:solidFill>
+            </a:endParaRPr>
+          </a:p>
+        </p:txBody>
+      </p:sp>
+      <p:pic>
+        <p:nvPicPr>
+          <p:cNvPr id="9" name="Picture 8">
+            <a:extLst>
+              <a:ext uri="{FF2B5EF4-FFF2-40B4-BE49-F238E27FC236}">
+                <a16:creationId xmlns:a16="http://schemas.microsoft.com/office/drawing/2014/main" id="{5A0E9760-7466-4BD4-4D86-E49CEDE05012}"/>
+              </a:ext>
+            </a:extLst>
+          </p:cNvPr>
+          <p:cNvPicPr>
+            <a:picLocks noChangeAspect="1"/>
+          </p:cNvPicPr>
+          <p:nvPr/>
+        </p:nvPicPr>
+        <p:blipFill>
+          <a:blip r:embed="rId4"/>
+          <a:stretch>
+            <a:fillRect/>
+          </a:stretch>
+        </p:blipFill>
+        <p:spPr>
+          <a:xfrm>
+            <a:off x="7335600" y="3461747"/>
+            <a:ext cx="4732430" cy="914479"/>
+          </a:xfrm>
+          <a:prstGeom prst="rect">
+            <a:avLst/>
+          </a:prstGeom>
+        </p:spPr>
+      </p:pic>
+      <p:sp>
+        <p:nvSpPr>
+          <p:cNvPr id="10" name="Arrow: Bent 9">
+            <a:extLst>
+              <a:ext uri="{FF2B5EF4-FFF2-40B4-BE49-F238E27FC236}">
+                <a16:creationId xmlns:a16="http://schemas.microsoft.com/office/drawing/2014/main" id="{839AC7DA-250C-7039-F314-F50EC3A3B5F1}"/>
+              </a:ext>
+            </a:extLst>
+          </p:cNvPr>
+          <p:cNvSpPr/>
+          <p:nvPr/>
+        </p:nvSpPr>
+        <p:spPr>
+          <a:xfrm rot="17527987" flipV="1">
+            <a:off x="7281561" y="4824837"/>
+            <a:ext cx="1656184" cy="720080"/>
+          </a:xfrm>
+          <a:prstGeom prst="bentArrow">
+            <a:avLst/>
+          </a:prstGeom>
+        </p:spPr>
+        <p:style>
+          <a:lnRef idx="2">
+            <a:schemeClr val="accent1">
+              <a:shade val="50000"/>
+            </a:schemeClr>
+          </a:lnRef>
+          <a:fillRef idx="1">
+            <a:schemeClr val="accent1"/>
+          </a:fillRef>
+          <a:effectRef idx="0">
+            <a:schemeClr val="accent1"/>
+          </a:effectRef>
+          <a:fontRef idx="minor">
+            <a:schemeClr val="lt1"/>
+          </a:fontRef>
+        </p:style>
+        <p:txBody>
+          <a:bodyPr rtlCol="0" anchor="ctr"/>
+          <a:lstStyle/>
+          <a:p>
+            <a:pPr algn="ctr"/>
+            <a:endParaRPr lang="en-IN">
+              <a:solidFill>
+                <a:schemeClr val="tx1"/>
+              </a:solidFill>
+            </a:endParaRPr>
+          </a:p>
+        </p:txBody>
+      </p:sp>
+      <p:sp>
+        <p:nvSpPr>
+          <p:cNvPr id="11" name="TextBox 10">
+            <a:extLst>
+              <a:ext uri="{FF2B5EF4-FFF2-40B4-BE49-F238E27FC236}">
+                <a16:creationId xmlns:a16="http://schemas.microsoft.com/office/drawing/2014/main" id="{397A71CD-41E0-7078-18DE-FAEA90A60A78}"/>
+              </a:ext>
+            </a:extLst>
+          </p:cNvPr>
+          <p:cNvSpPr txBox="1"/>
+          <p:nvPr/>
+        </p:nvSpPr>
+        <p:spPr>
+          <a:xfrm>
+            <a:off x="7824192" y="2996952"/>
+            <a:ext cx="3240360" cy="369332"/>
+          </a:xfrm>
+          <a:prstGeom prst="rect">
+            <a:avLst/>
+          </a:prstGeom>
+          <a:noFill/>
+        </p:spPr>
+        <p:txBody>
+          <a:bodyPr wrap="square" rtlCol="0">
+            <a:spAutoFit/>
+          </a:bodyPr>
+          <a:lstStyle/>
+          <a:p>
+            <a:r>
+              <a:rPr lang="en-IN" dirty="0"/>
+              <a:t>Merging the two branches :</a:t>
             </a:r>
           </a:p>
         </p:txBody>
@@ -19038,58 +19497,93 @@
 </file>
 
 <file path=ppt/theme/theme1.xml><?xml version="1.0" encoding="utf-8"?>
-<a:theme xmlns:a="http://schemas.openxmlformats.org/drawingml/2006/main" name="Tech Computer 16x9">
+<a:theme xmlns:a="http://schemas.openxmlformats.org/drawingml/2006/main" name="Gallery">
   <a:themeElements>
-    <a:clrScheme name="TechComputer">
+    <a:clrScheme name="Gallery">
       <a:dk1>
-        <a:srgbClr val="000000"/>
+        <a:sysClr val="windowText" lastClr="000000"/>
       </a:dk1>
       <a:lt1>
         <a:sysClr val="window" lastClr="FFFFFF"/>
       </a:lt1>
       <a:dk2>
-        <a:srgbClr val="4D4D4D"/>
+        <a:srgbClr val="454545"/>
       </a:dk2>
       <a:lt2>
-        <a:srgbClr val="DDDDDD"/>
+        <a:srgbClr val="DFD9D5"/>
       </a:lt2>
       <a:accent1>
-        <a:srgbClr val="92D050"/>
+        <a:srgbClr val="FB8C29"/>
       </a:accent1>
       <a:accent2>
-        <a:srgbClr val="F7C331"/>
+        <a:srgbClr val="F2C351"/>
       </a:accent2>
       <a:accent3>
-        <a:srgbClr val="47B8C7"/>
+        <a:srgbClr val="D0CBA5"/>
       </a:accent3>
       <a:accent4>
-        <a:srgbClr val="B074BA"/>
+        <a:srgbClr val="A2C476"/>
       </a:accent4>
       <a:accent5>
-        <a:srgbClr val="F34D47"/>
+        <a:srgbClr val="57C293"/>
       </a:accent5>
       <a:accent6>
-        <a:srgbClr val="FA8F30"/>
+        <a:srgbClr val="06BFDE"/>
       </a:accent6>
       <a:hlink>
-        <a:srgbClr val="47B8C7"/>
+        <a:srgbClr val="FBAE29"/>
       </a:hlink>
       <a:folHlink>
-        <a:srgbClr val="969696"/>
+        <a:srgbClr val="EDC47E"/>
       </a:folHlink>
     </a:clrScheme>
-    <a:fontScheme name="Consolas-Candara">
+    <a:fontScheme name="Gallery">
       <a:majorFont>
-        <a:latin typeface="Consolas"/>
+        <a:latin typeface="Rockwell" panose="02060603020205020403"/>
         <a:ea typeface=""/>
         <a:cs typeface=""/>
-        <a:font script="Jpan" typeface="ＭＳ ゴシック"/>
-        <a:font script="Hang" typeface="HY중고딕"/>
-        <a:font script="Hans" typeface="幼圆"/>
-        <a:font script="Hant" typeface="微軟正黑體"/>
-        <a:font script="Arab" typeface="Tahoma"/>
-        <a:font script="Hebr" typeface="Gisha"/>
-        <a:font script="Thai" typeface="DilleniaUPC"/>
+        <a:font script="Jpan" typeface="游ゴシック Light"/>
+        <a:font script="Hang" typeface="맑은 고딕"/>
+        <a:font script="Hans" typeface="等线 Light"/>
+        <a:font script="Hant" typeface="新細明體"/>
+        <a:font script="Arab" typeface="Times New Roman"/>
+        <a:font script="Hebr" typeface="Times New Roman"/>
+        <a:font script="Thai" typeface="Angsana New"/>
+        <a:font script="Ethi" typeface="Nyala"/>
+        <a:font script="Beng" typeface="Vrinda"/>
+        <a:font script="Gujr" typeface="Shruti"/>
+        <a:font script="Khmr" typeface="MoolBoran"/>
+        <a:font script="Knda" typeface="Tunga"/>
+        <a:font script="Guru" typeface="Raavi"/>
+        <a:font script="Cans" typeface="Euphemia"/>
+        <a:font script="Cher" typeface="Plantagenet Cherokee"/>
+        <a:font script="Yiii" typeface="Microsoft Yi Baiti"/>
+        <a:font script="Tibt" typeface="Microsoft Himalaya"/>
+        <a:font script="Thaa" typeface="MV Boli"/>
+        <a:font script="Deva" typeface="Mangal"/>
+        <a:font script="Telu" typeface="Gautami"/>
+        <a:font script="Taml" typeface="Latha"/>
+        <a:font script="Syrc" typeface="Estrangelo Edessa"/>
+        <a:font script="Orya" typeface="Kalinga"/>
+        <a:font script="Mlym" typeface="Kartika"/>
+        <a:font script="Laoo" typeface="DokChampa"/>
+        <a:font script="Sinh" typeface="Iskoola Pota"/>
+        <a:font script="Mong" typeface="Mongolian Baiti"/>
+        <a:font script="Viet" typeface="Times New Roman"/>
+        <a:font script="Uigh" typeface="Microsoft Uighur"/>
+        <a:font script="Geor" typeface="Sylfaen"/>
+      </a:majorFont>
+      <a:minorFont>
+        <a:latin typeface="Rockwell" panose="02060603020205020403"/>
+        <a:ea typeface=""/>
+        <a:cs typeface=""/>
+        <a:font script="Jpan" typeface="游ゴシック"/>
+        <a:font script="Hang" typeface="맑은 고딕"/>
+        <a:font script="Hans" typeface="等线"/>
+        <a:font script="Hant" typeface="新細明體"/>
+        <a:font script="Arab" typeface="Arial"/>
+        <a:font script="Hebr" typeface="Arial"/>
+        <a:font script="Thai" typeface="Cordia New"/>
         <a:font script="Ethi" typeface="Nyala"/>
         <a:font script="Beng" typeface="Vrinda"/>
         <a:font script="Gujr" typeface="Shruti"/>
@@ -19110,47 +19604,12 @@
         <a:font script="Laoo" typeface="DokChampa"/>
         <a:font script="Sinh" typeface="Iskoola Pota"/>
         <a:font script="Mong" typeface="Mongolian Baiti"/>
-        <a:font script="Viet" typeface="Tahoma"/>
-        <a:font script="Uigh" typeface="Microsoft Uighur"/>
-        <a:font script="Geor" typeface="Sylfaen"/>
-      </a:majorFont>
-      <a:minorFont>
-        <a:latin typeface="Candara"/>
-        <a:ea typeface=""/>
-        <a:cs typeface=""/>
-        <a:font script="Jpan" typeface="ＭＳ ゴシック"/>
-        <a:font script="Hang" typeface="HY중고딕"/>
-        <a:font script="Hans" typeface="幼圆"/>
-        <a:font script="Hant" typeface="微軟正黑體"/>
-        <a:font script="Arab" typeface="Tahoma"/>
-        <a:font script="Hebr" typeface="Gisha"/>
-        <a:font script="Thai" typeface="DilleniaUPC"/>
-        <a:font script="Ethi" typeface="Nyala"/>
-        <a:font script="Beng" typeface="Vrinda"/>
-        <a:font script="Gujr" typeface="Shruti"/>
-        <a:font script="Khmr" typeface="DaunPenh"/>
-        <a:font script="Knda" typeface="Tunga"/>
-        <a:font script="Guru" typeface="Raavi"/>
-        <a:font script="Cans" typeface="Euphemia"/>
-        <a:font script="Cher" typeface="Plantagenet Cherokee"/>
-        <a:font script="Yiii" typeface="Microsoft Yi Baiti"/>
-        <a:font script="Tibt" typeface="Microsoft Himalaya"/>
-        <a:font script="Thaa" typeface="MV Boli"/>
-        <a:font script="Deva" typeface="Mangal"/>
-        <a:font script="Telu" typeface="Gautami"/>
-        <a:font script="Taml" typeface="Latha"/>
-        <a:font script="Syrc" typeface="Estrangelo Edessa"/>
-        <a:font script="Orya" typeface="Kalinga"/>
-        <a:font script="Mlym" typeface="Kartika"/>
-        <a:font script="Laoo" typeface="DokChampa"/>
-        <a:font script="Sinh" typeface="Iskoola Pota"/>
-        <a:font script="Mong" typeface="Mongolian Baiti"/>
-        <a:font script="Viet" typeface="Verdana"/>
+        <a:font script="Viet" typeface="Arial"/>
         <a:font script="Uigh" typeface="Microsoft Uighur"/>
         <a:font script="Geor" typeface="Sylfaen"/>
       </a:minorFont>
     </a:fontScheme>
-    <a:fmtScheme name="Office">
+    <a:fmtScheme name="Gallery">
       <a:fillStyleLst>
         <a:solidFill>
           <a:schemeClr val="phClr"/>
@@ -19159,23 +19618,18 @@
           <a:gsLst>
             <a:gs pos="0">
               <a:schemeClr val="phClr">
+                <a:tint val="54000"/>
+                <a:alpha val="100000"/>
+                <a:satMod val="105000"/>
                 <a:lumMod val="110000"/>
-                <a:satMod val="105000"/>
-                <a:tint val="67000"/>
-              </a:schemeClr>
-            </a:gs>
-            <a:gs pos="50000">
-              <a:schemeClr val="phClr">
-                <a:lumMod val="105000"/>
-                <a:satMod val="103000"/>
-                <a:tint val="73000"/>
               </a:schemeClr>
             </a:gs>
             <a:gs pos="100000">
               <a:schemeClr val="phClr">
-                <a:lumMod val="105000"/>
+                <a:tint val="78000"/>
+                <a:alpha val="92000"/>
                 <a:satMod val="109000"/>
-                <a:tint val="81000"/>
+                <a:lumMod val="100000"/>
               </a:schemeClr>
             </a:gs>
           </a:gsLst>
@@ -19185,23 +19639,23 @@
           <a:gsLst>
             <a:gs pos="0">
               <a:schemeClr val="phClr">
-                <a:satMod val="103000"/>
-                <a:lumMod val="102000"/>
-                <a:tint val="94000"/>
+                <a:tint val="98000"/>
+                <a:satMod val="110000"/>
+                <a:lumMod val="104000"/>
               </a:schemeClr>
             </a:gs>
-            <a:gs pos="50000">
+            <a:gs pos="69000">
               <a:schemeClr val="phClr">
-                <a:satMod val="110000"/>
-                <a:lumMod val="100000"/>
-                <a:shade val="100000"/>
+                <a:shade val="88000"/>
+                <a:satMod val="130000"/>
+                <a:lumMod val="92000"/>
               </a:schemeClr>
             </a:gs>
             <a:gs pos="100000">
               <a:schemeClr val="phClr">
-                <a:lumMod val="99000"/>
-                <a:satMod val="120000"/>
                 <a:shade val="78000"/>
+                <a:satMod val="130000"/>
+                <a:lumMod val="92000"/>
               </a:schemeClr>
             </a:gs>
           </a:gsLst>
@@ -19209,26 +19663,23 @@
         </a:gradFill>
       </a:fillStyleLst>
       <a:lnStyleLst>
-        <a:ln w="6350" cap="flat" cmpd="sng" algn="ctr">
+        <a:ln w="9525" cap="flat" cmpd="sng" algn="ctr">
           <a:solidFill>
             <a:schemeClr val="phClr"/>
           </a:solidFill>
           <a:prstDash val="solid"/>
-          <a:miter lim="800000"/>
         </a:ln>
-        <a:ln w="12700" cap="flat" cmpd="sng" algn="ctr">
+        <a:ln w="15875" cap="flat" cmpd="sng" algn="ctr">
           <a:solidFill>
             <a:schemeClr val="phClr"/>
           </a:solidFill>
           <a:prstDash val="solid"/>
-          <a:miter lim="800000"/>
         </a:ln>
-        <a:ln w="19050" cap="flat" cmpd="sng" algn="ctr">
+        <a:ln w="22225" cap="flat" cmpd="sng" algn="ctr">
           <a:solidFill>
             <a:schemeClr val="phClr"/>
           </a:solidFill>
           <a:prstDash val="solid"/>
-          <a:miter lim="800000"/>
         </a:ln>
       </a:lnStyleLst>
       <a:effectStyleLst>
@@ -19240,12 +19691,23 @@
         </a:effectStyle>
         <a:effectStyle>
           <a:effectLst>
-            <a:outerShdw blurRad="57150" dist="19050" dir="5400000" algn="ctr" rotWithShape="0">
+            <a:outerShdw blurRad="50800" dist="50800" dir="5400000" sx="96000" sy="96000" rotWithShape="0">
               <a:srgbClr val="000000">
-                <a:alpha val="63000"/>
+                <a:alpha val="48000"/>
               </a:srgbClr>
             </a:outerShdw>
           </a:effectLst>
+          <a:scene3d>
+            <a:camera prst="orthographicFront">
+              <a:rot lat="0" lon="0" rev="0"/>
+            </a:camera>
+            <a:lightRig rig="balanced" dir="t">
+              <a:rot lat="0" lon="0" rev="1080000"/>
+            </a:lightRig>
+          </a:scene3d>
+          <a:sp3d>
+            <a:bevelT w="38100" h="12700" prst="softRound"/>
+          </a:sp3d>
         </a:effectStyle>
       </a:effectStyleLst>
       <a:bgFillStyleLst>
@@ -19253,37 +19715,26 @@
           <a:schemeClr val="phClr"/>
         </a:solidFill>
         <a:solidFill>
-          <a:schemeClr val="phClr">
-            <a:tint val="95000"/>
-            <a:satMod val="170000"/>
-          </a:schemeClr>
+          <a:schemeClr val="phClr"/>
         </a:solidFill>
         <a:gradFill rotWithShape="1">
           <a:gsLst>
             <a:gs pos="0">
               <a:schemeClr val="phClr">
-                <a:tint val="93000"/>
-                <a:satMod val="150000"/>
-                <a:shade val="98000"/>
-                <a:lumMod val="102000"/>
-              </a:schemeClr>
-            </a:gs>
-            <a:gs pos="50000">
-              <a:schemeClr val="phClr">
-                <a:tint val="98000"/>
-                <a:satMod val="130000"/>
-                <a:shade val="90000"/>
-                <a:lumMod val="103000"/>
+                <a:tint val="94000"/>
+                <a:satMod val="80000"/>
+                <a:lumMod val="106000"/>
               </a:schemeClr>
             </a:gs>
             <a:gs pos="100000">
               <a:schemeClr val="phClr">
-                <a:shade val="63000"/>
-                <a:satMod val="120000"/>
+                <a:shade val="80000"/>
               </a:schemeClr>
             </a:gs>
           </a:gsLst>
-          <a:lin ang="5400000" scaled="0"/>
+          <a:path path="circle">
+            <a:fillToRect l="43000" r="43000" b="100000"/>
+          </a:path>
         </a:gradFill>
       </a:bgFillStyleLst>
     </a:fmtScheme>
@@ -19292,7 +19743,7 @@
   <a:extraClrSchemeLst/>
   <a:extLst>
     <a:ext uri="{05A4C25C-085E-4340-85A3-A5531E510DB2}">
-      <thm15:themeFamily xmlns:thm15="http://schemas.microsoft.com/office/thememl/2012/main" name="TF02901026.potx" id="{FD85E87A-7813-4F67-9E59-69B5487A1910}" vid="{BDF94C36-3ACF-4CF1-939F-F4211E6D666F}"/>
+      <thm15:themeFamily xmlns:thm15="http://schemas.microsoft.com/office/thememl/2012/main" name="Gallery" id="{BBFCD31E-59A1-489D-B089-A3EAD7CAE12E}" vid="{BB5F5D82-B5E9-469E-A815-C655ED4AF243}"/>
     </a:ext>
   </a:extLst>
 </a:theme>

--- a/New Git Concepts.pptx
+++ b/New Git Concepts.pptx
@@ -2,7 +2,7 @@
 <file path=ppt/presentation.xml><?xml version="1.0" encoding="utf-8"?>
 <p:presentation xmlns:a="http://schemas.openxmlformats.org/drawingml/2006/main" xmlns:r="http://schemas.openxmlformats.org/officeDocument/2006/relationships" xmlns:p="http://schemas.openxmlformats.org/presentationml/2006/main" saveSubsetFonts="1">
   <p:sldMasterIdLst>
-    <p:sldMasterId id="2147483648" r:id="rId1"/>
+    <p:sldMasterId id="2147483672" r:id="rId1"/>
   </p:sldMasterIdLst>
   <p:notesMasterIdLst>
     <p:notesMasterId r:id="rId18"/>
@@ -34,7 +34,7 @@
     <a:defPPr>
       <a:defRPr lang="en-US"/>
     </a:defPPr>
-    <a:lvl1pPr marL="0" algn="l" defTabSz="914400" rtl="0" eaLnBrk="1" latinLnBrk="0" hangingPunct="1">
+    <a:lvl1pPr marL="0" algn="l" defTabSz="457200" rtl="0" eaLnBrk="1" latinLnBrk="0" hangingPunct="1">
       <a:defRPr sz="1800" kern="1200">
         <a:solidFill>
           <a:schemeClr val="tx1"/>
@@ -44,7 +44,7 @@
         <a:cs typeface="+mn-cs"/>
       </a:defRPr>
     </a:lvl1pPr>
-    <a:lvl2pPr marL="457200" algn="l" defTabSz="914400" rtl="0" eaLnBrk="1" latinLnBrk="0" hangingPunct="1">
+    <a:lvl2pPr marL="457200" algn="l" defTabSz="457200" rtl="0" eaLnBrk="1" latinLnBrk="0" hangingPunct="1">
       <a:defRPr sz="1800" kern="1200">
         <a:solidFill>
           <a:schemeClr val="tx1"/>
@@ -54,7 +54,7 @@
         <a:cs typeface="+mn-cs"/>
       </a:defRPr>
     </a:lvl2pPr>
-    <a:lvl3pPr marL="914400" algn="l" defTabSz="914400" rtl="0" eaLnBrk="1" latinLnBrk="0" hangingPunct="1">
+    <a:lvl3pPr marL="914400" algn="l" defTabSz="457200" rtl="0" eaLnBrk="1" latinLnBrk="0" hangingPunct="1">
       <a:defRPr sz="1800" kern="1200">
         <a:solidFill>
           <a:schemeClr val="tx1"/>
@@ -64,7 +64,7 @@
         <a:cs typeface="+mn-cs"/>
       </a:defRPr>
     </a:lvl3pPr>
-    <a:lvl4pPr marL="1371600" algn="l" defTabSz="914400" rtl="0" eaLnBrk="1" latinLnBrk="0" hangingPunct="1">
+    <a:lvl4pPr marL="1371600" algn="l" defTabSz="457200" rtl="0" eaLnBrk="1" latinLnBrk="0" hangingPunct="1">
       <a:defRPr sz="1800" kern="1200">
         <a:solidFill>
           <a:schemeClr val="tx1"/>
@@ -74,7 +74,7 @@
         <a:cs typeface="+mn-cs"/>
       </a:defRPr>
     </a:lvl4pPr>
-    <a:lvl5pPr marL="1828800" algn="l" defTabSz="914400" rtl="0" eaLnBrk="1" latinLnBrk="0" hangingPunct="1">
+    <a:lvl5pPr marL="1828800" algn="l" defTabSz="457200" rtl="0" eaLnBrk="1" latinLnBrk="0" hangingPunct="1">
       <a:defRPr sz="1800" kern="1200">
         <a:solidFill>
           <a:schemeClr val="tx1"/>
@@ -84,7 +84,7 @@
         <a:cs typeface="+mn-cs"/>
       </a:defRPr>
     </a:lvl5pPr>
-    <a:lvl6pPr marL="2286000" algn="l" defTabSz="914400" rtl="0" eaLnBrk="1" latinLnBrk="0" hangingPunct="1">
+    <a:lvl6pPr marL="2286000" algn="l" defTabSz="457200" rtl="0" eaLnBrk="1" latinLnBrk="0" hangingPunct="1">
       <a:defRPr sz="1800" kern="1200">
         <a:solidFill>
           <a:schemeClr val="tx1"/>
@@ -94,7 +94,7 @@
         <a:cs typeface="+mn-cs"/>
       </a:defRPr>
     </a:lvl6pPr>
-    <a:lvl7pPr marL="2743200" algn="l" defTabSz="914400" rtl="0" eaLnBrk="1" latinLnBrk="0" hangingPunct="1">
+    <a:lvl7pPr marL="2743200" algn="l" defTabSz="457200" rtl="0" eaLnBrk="1" latinLnBrk="0" hangingPunct="1">
       <a:defRPr sz="1800" kern="1200">
         <a:solidFill>
           <a:schemeClr val="tx1"/>
@@ -104,7 +104,7 @@
         <a:cs typeface="+mn-cs"/>
       </a:defRPr>
     </a:lvl7pPr>
-    <a:lvl8pPr marL="3200400" algn="l" defTabSz="914400" rtl="0" eaLnBrk="1" latinLnBrk="0" hangingPunct="1">
+    <a:lvl8pPr marL="3200400" algn="l" defTabSz="457200" rtl="0" eaLnBrk="1" latinLnBrk="0" hangingPunct="1">
       <a:defRPr sz="1800" kern="1200">
         <a:solidFill>
           <a:schemeClr val="tx1"/>
@@ -114,7 +114,7 @@
         <a:cs typeface="+mn-cs"/>
       </a:defRPr>
     </a:lvl8pPr>
-    <a:lvl9pPr marL="3657600" algn="l" defTabSz="914400" rtl="0" eaLnBrk="1" latinLnBrk="0" hangingPunct="1">
+    <a:lvl9pPr marL="3657600" algn="l" defTabSz="457200" rtl="0" eaLnBrk="1" latinLnBrk="0" hangingPunct="1">
       <a:defRPr sz="1800" kern="1200">
         <a:solidFill>
           <a:schemeClr val="tx1"/>
@@ -1013,13 +1013,8 @@
         <a:p>
           <a:r>
             <a:rPr lang="en-US" sz="2800" dirty="0"/>
-            <a:t>$git </a:t>
+            <a:t>$git init</a:t>
           </a:r>
-          <a:r>
-            <a:rPr lang="en-US" sz="2800" dirty="0" err="1"/>
-            <a:t>init</a:t>
-          </a:r>
-          <a:endParaRPr lang="en-US" sz="2800" dirty="0"/>
         </a:p>
       </dgm:t>
     </dgm:pt>
@@ -1406,20 +1401,20 @@
                 <a:satOff val="0"/>
                 <a:lumOff val="0"/>
                 <a:alphaOff val="0"/>
-                <a:satMod val="103000"/>
-                <a:lumMod val="102000"/>
-                <a:tint val="94000"/>
+                <a:tint val="98000"/>
+                <a:satMod val="110000"/>
+                <a:lumMod val="104000"/>
               </a:schemeClr>
             </a:gs>
-            <a:gs pos="50000">
+            <a:gs pos="69000">
               <a:schemeClr val="lt1">
                 <a:hueOff val="0"/>
                 <a:satOff val="0"/>
                 <a:lumOff val="0"/>
                 <a:alphaOff val="0"/>
-                <a:satMod val="110000"/>
-                <a:lumMod val="100000"/>
-                <a:shade val="100000"/>
+                <a:shade val="88000"/>
+                <a:satMod val="130000"/>
+                <a:lumMod val="92000"/>
               </a:schemeClr>
             </a:gs>
             <a:gs pos="100000">
@@ -1428,9 +1423,9 @@
                 <a:satOff val="0"/>
                 <a:lumOff val="0"/>
                 <a:alphaOff val="0"/>
-                <a:lumMod val="99000"/>
-                <a:satMod val="120000"/>
                 <a:shade val="78000"/>
+                <a:satMod val="130000"/>
+                <a:lumMod val="92000"/>
               </a:schemeClr>
             </a:gs>
           </a:gsLst>
@@ -1456,12 +1451,12 @@
         </a:fontRef>
       </dsp:style>
       <dsp:txBody>
-        <a:bodyPr spcFirstLastPara="0" vert="horz" wrap="square" lIns="34290" tIns="34290" rIns="34290" bIns="34290" numCol="1" spcCol="1270" anchor="ctr" anchorCtr="0">
+        <a:bodyPr spcFirstLastPara="0" vert="horz" wrap="square" lIns="29210" tIns="29210" rIns="29210" bIns="29210" numCol="1" spcCol="1270" anchor="ctr" anchorCtr="0">
           <a:noAutofit/>
         </a:bodyPr>
         <a:lstStyle/>
         <a:p>
-          <a:pPr marL="0" lvl="0" indent="0" algn="ctr" defTabSz="1200150">
+          <a:pPr marL="0" lvl="0" indent="0" algn="ctr" defTabSz="1022350">
             <a:lnSpc>
               <a:spcPct val="90000"/>
             </a:lnSpc>
@@ -1474,7 +1469,7 @@
             <a:buNone/>
           </a:pPr>
           <a:r>
-            <a:rPr lang="en-US" sz="2700" b="1" kern="1200" dirty="0"/>
+            <a:rPr lang="en-US" sz="2300" b="1" kern="1200" dirty="0"/>
             <a:t>Getting started</a:t>
           </a:r>
         </a:p>
@@ -1509,21 +1504,21 @@
                 <a:satOff val="0"/>
                 <a:lumOff val="0"/>
                 <a:alphaOff val="0"/>
-                <a:satMod val="103000"/>
-                <a:lumMod val="102000"/>
-                <a:tint val="94000"/>
+                <a:tint val="98000"/>
+                <a:satMod val="110000"/>
+                <a:lumMod val="104000"/>
               </a:schemeClr>
             </a:gs>
-            <a:gs pos="50000">
+            <a:gs pos="69000">
               <a:schemeClr val="accent1">
                 <a:tint val="60000"/>
                 <a:hueOff val="0"/>
                 <a:satOff val="0"/>
                 <a:lumOff val="0"/>
                 <a:alphaOff val="0"/>
-                <a:satMod val="110000"/>
-                <a:lumMod val="100000"/>
-                <a:shade val="100000"/>
+                <a:shade val="88000"/>
+                <a:satMod val="130000"/>
+                <a:lumMod val="92000"/>
               </a:schemeClr>
             </a:gs>
             <a:gs pos="100000">
@@ -1533,9 +1528,9 @@
                 <a:satOff val="0"/>
                 <a:lumOff val="0"/>
                 <a:alphaOff val="0"/>
-                <a:lumMod val="99000"/>
-                <a:satMod val="120000"/>
                 <a:shade val="78000"/>
+                <a:satMod val="130000"/>
+                <a:lumMod val="92000"/>
               </a:schemeClr>
             </a:gs>
           </a:gsLst>
@@ -1586,7 +1581,7 @@
             <a:alphaOff val="0"/>
           </a:schemeClr>
         </a:solidFill>
-        <a:ln w="6350" cap="flat" cmpd="sng" algn="ctr">
+        <a:ln w="9525" cap="flat" cmpd="sng" algn="ctr">
           <a:solidFill>
             <a:schemeClr val="accent1">
               <a:alpha val="90000"/>
@@ -1597,7 +1592,6 @@
             </a:schemeClr>
           </a:solidFill>
           <a:prstDash val="solid"/>
-          <a:miter lim="800000"/>
         </a:ln>
         <a:effectLst/>
       </dsp:spPr>
@@ -1633,13 +1627,8 @@
           </a:pPr>
           <a:r>
             <a:rPr lang="en-US" sz="2800" kern="1200" dirty="0"/>
-            <a:t>$git </a:t>
+            <a:t>$git init</a:t>
           </a:r>
-          <a:r>
-            <a:rPr lang="en-US" sz="2800" kern="1200" dirty="0" err="1"/>
-            <a:t>init</a:t>
-          </a:r>
-          <a:endParaRPr lang="en-US" sz="2800" kern="1200" dirty="0"/>
         </a:p>
       </dsp:txBody>
       <dsp:txXfrm>
@@ -1672,21 +1661,21 @@
                 <a:satOff val="0"/>
                 <a:lumOff val="0"/>
                 <a:alphaOff val="0"/>
-                <a:satMod val="103000"/>
-                <a:lumMod val="102000"/>
-                <a:tint val="94000"/>
+                <a:tint val="98000"/>
+                <a:satMod val="110000"/>
+                <a:lumMod val="104000"/>
               </a:schemeClr>
             </a:gs>
-            <a:gs pos="50000">
+            <a:gs pos="69000">
               <a:schemeClr val="accent1">
                 <a:tint val="60000"/>
                 <a:hueOff val="0"/>
                 <a:satOff val="0"/>
                 <a:lumOff val="0"/>
                 <a:alphaOff val="0"/>
-                <a:satMod val="110000"/>
-                <a:lumMod val="100000"/>
-                <a:shade val="100000"/>
+                <a:shade val="88000"/>
+                <a:satMod val="130000"/>
+                <a:lumMod val="92000"/>
               </a:schemeClr>
             </a:gs>
             <a:gs pos="100000">
@@ -1696,9 +1685,9 @@
                 <a:satOff val="0"/>
                 <a:lumOff val="0"/>
                 <a:alphaOff val="0"/>
-                <a:lumMod val="99000"/>
-                <a:satMod val="120000"/>
                 <a:shade val="78000"/>
+                <a:satMod val="130000"/>
+                <a:lumMod val="92000"/>
               </a:schemeClr>
             </a:gs>
           </a:gsLst>
@@ -1749,7 +1738,7 @@
             <a:alphaOff val="0"/>
           </a:schemeClr>
         </a:solidFill>
-        <a:ln w="6350" cap="flat" cmpd="sng" algn="ctr">
+        <a:ln w="9525" cap="flat" cmpd="sng" algn="ctr">
           <a:solidFill>
             <a:schemeClr val="accent1">
               <a:alpha val="90000"/>
@@ -1760,7 +1749,6 @@
             </a:schemeClr>
           </a:solidFill>
           <a:prstDash val="solid"/>
-          <a:miter lim="800000"/>
         </a:ln>
         <a:effectLst/>
       </dsp:spPr>
@@ -1830,21 +1818,21 @@
                 <a:satOff val="0"/>
                 <a:lumOff val="0"/>
                 <a:alphaOff val="0"/>
-                <a:satMod val="103000"/>
-                <a:lumMod val="102000"/>
-                <a:tint val="94000"/>
+                <a:tint val="98000"/>
+                <a:satMod val="110000"/>
+                <a:lumMod val="104000"/>
               </a:schemeClr>
             </a:gs>
-            <a:gs pos="50000">
+            <a:gs pos="69000">
               <a:schemeClr val="accent1">
                 <a:tint val="60000"/>
                 <a:hueOff val="0"/>
                 <a:satOff val="0"/>
                 <a:lumOff val="0"/>
                 <a:alphaOff val="0"/>
-                <a:satMod val="110000"/>
-                <a:lumMod val="100000"/>
-                <a:shade val="100000"/>
+                <a:shade val="88000"/>
+                <a:satMod val="130000"/>
+                <a:lumMod val="92000"/>
               </a:schemeClr>
             </a:gs>
             <a:gs pos="100000">
@@ -1854,9 +1842,9 @@
                 <a:satOff val="0"/>
                 <a:lumOff val="0"/>
                 <a:alphaOff val="0"/>
-                <a:lumMod val="99000"/>
-                <a:satMod val="120000"/>
                 <a:shade val="78000"/>
+                <a:satMod val="130000"/>
+                <a:lumMod val="92000"/>
               </a:schemeClr>
             </a:gs>
           </a:gsLst>
@@ -1907,7 +1895,7 @@
             <a:alphaOff val="0"/>
           </a:schemeClr>
         </a:solidFill>
-        <a:ln w="6350" cap="flat" cmpd="sng" algn="ctr">
+        <a:ln w="9525" cap="flat" cmpd="sng" algn="ctr">
           <a:solidFill>
             <a:schemeClr val="accent1">
               <a:alpha val="90000"/>
@@ -1918,7 +1906,6 @@
             </a:schemeClr>
           </a:solidFill>
           <a:prstDash val="solid"/>
-          <a:miter lim="800000"/>
         </a:ln>
         <a:effectLst/>
       </dsp:spPr>
@@ -1986,20 +1973,20 @@
                 <a:satOff val="0"/>
                 <a:lumOff val="0"/>
                 <a:alphaOff val="0"/>
-                <a:satMod val="103000"/>
-                <a:lumMod val="102000"/>
-                <a:tint val="94000"/>
+                <a:tint val="98000"/>
+                <a:satMod val="110000"/>
+                <a:lumMod val="104000"/>
               </a:schemeClr>
             </a:gs>
-            <a:gs pos="50000">
+            <a:gs pos="69000">
               <a:schemeClr val="lt1">
                 <a:hueOff val="0"/>
                 <a:satOff val="0"/>
                 <a:lumOff val="0"/>
                 <a:alphaOff val="0"/>
-                <a:satMod val="110000"/>
-                <a:lumMod val="100000"/>
-                <a:shade val="100000"/>
+                <a:shade val="88000"/>
+                <a:satMod val="130000"/>
+                <a:lumMod val="92000"/>
               </a:schemeClr>
             </a:gs>
             <a:gs pos="100000">
@@ -2008,9 +1995,9 @@
                 <a:satOff val="0"/>
                 <a:lumOff val="0"/>
                 <a:alphaOff val="0"/>
-                <a:lumMod val="99000"/>
-                <a:satMod val="120000"/>
                 <a:shade val="78000"/>
+                <a:satMod val="130000"/>
+                <a:lumMod val="92000"/>
               </a:schemeClr>
             </a:gs>
           </a:gsLst>
@@ -2119,21 +2106,21 @@
                 <a:satOff val="0"/>
                 <a:lumOff val="0"/>
                 <a:alphaOff val="0"/>
-                <a:satMod val="103000"/>
-                <a:lumMod val="102000"/>
-                <a:tint val="94000"/>
+                <a:tint val="98000"/>
+                <a:satMod val="110000"/>
+                <a:lumMod val="104000"/>
               </a:schemeClr>
             </a:gs>
-            <a:gs pos="50000">
+            <a:gs pos="69000">
               <a:schemeClr val="accent1">
                 <a:tint val="60000"/>
                 <a:hueOff val="0"/>
                 <a:satOff val="0"/>
                 <a:lumOff val="0"/>
                 <a:alphaOff val="0"/>
-                <a:satMod val="110000"/>
-                <a:lumMod val="100000"/>
-                <a:shade val="100000"/>
+                <a:shade val="88000"/>
+                <a:satMod val="130000"/>
+                <a:lumMod val="92000"/>
               </a:schemeClr>
             </a:gs>
             <a:gs pos="100000">
@@ -2143,9 +2130,9 @@
                 <a:satOff val="0"/>
                 <a:lumOff val="0"/>
                 <a:alphaOff val="0"/>
-                <a:lumMod val="99000"/>
-                <a:satMod val="120000"/>
                 <a:shade val="78000"/>
+                <a:satMod val="130000"/>
+                <a:lumMod val="92000"/>
               </a:schemeClr>
             </a:gs>
           </a:gsLst>
@@ -2196,7 +2183,7 @@
             <a:alphaOff val="0"/>
           </a:schemeClr>
         </a:solidFill>
-        <a:ln w="6350" cap="flat" cmpd="sng" algn="ctr">
+        <a:ln w="9525" cap="flat" cmpd="sng" algn="ctr">
           <a:solidFill>
             <a:schemeClr val="accent1">
               <a:alpha val="90000"/>
@@ -2207,7 +2194,6 @@
             </a:schemeClr>
           </a:solidFill>
           <a:prstDash val="solid"/>
-          <a:miter lim="800000"/>
         </a:ln>
         <a:effectLst/>
       </dsp:spPr>
@@ -2277,21 +2263,21 @@
                 <a:satOff val="0"/>
                 <a:lumOff val="0"/>
                 <a:alphaOff val="0"/>
-                <a:satMod val="103000"/>
-                <a:lumMod val="102000"/>
-                <a:tint val="94000"/>
+                <a:tint val="98000"/>
+                <a:satMod val="110000"/>
+                <a:lumMod val="104000"/>
               </a:schemeClr>
             </a:gs>
-            <a:gs pos="50000">
+            <a:gs pos="69000">
               <a:schemeClr val="accent1">
                 <a:tint val="60000"/>
                 <a:hueOff val="0"/>
                 <a:satOff val="0"/>
                 <a:lumOff val="0"/>
                 <a:alphaOff val="0"/>
-                <a:satMod val="110000"/>
-                <a:lumMod val="100000"/>
-                <a:shade val="100000"/>
+                <a:shade val="88000"/>
+                <a:satMod val="130000"/>
+                <a:lumMod val="92000"/>
               </a:schemeClr>
             </a:gs>
             <a:gs pos="100000">
@@ -2301,9 +2287,9 @@
                 <a:satOff val="0"/>
                 <a:lumOff val="0"/>
                 <a:alphaOff val="0"/>
-                <a:lumMod val="99000"/>
-                <a:satMod val="120000"/>
                 <a:shade val="78000"/>
+                <a:satMod val="130000"/>
+                <a:lumMod val="92000"/>
               </a:schemeClr>
             </a:gs>
           </a:gsLst>
@@ -2354,7 +2340,7 @@
             <a:alphaOff val="0"/>
           </a:schemeClr>
         </a:solidFill>
-        <a:ln w="6350" cap="flat" cmpd="sng" algn="ctr">
+        <a:ln w="9525" cap="flat" cmpd="sng" algn="ctr">
           <a:solidFill>
             <a:schemeClr val="accent1">
               <a:alpha val="90000"/>
@@ -2365,7 +2351,6 @@
             </a:schemeClr>
           </a:solidFill>
           <a:prstDash val="solid"/>
-          <a:miter lim="800000"/>
         </a:ln>
         <a:effectLst/>
       </dsp:spPr>
@@ -4223,20 +4208,6 @@
 <file path=ppt/slideLayouts/slideLayout1.xml><?xml version="1.0" encoding="utf-8"?>
 <p:sldLayout xmlns:a="http://schemas.openxmlformats.org/drawingml/2006/main" xmlns:r="http://schemas.openxmlformats.org/officeDocument/2006/relationships" xmlns:p="http://schemas.openxmlformats.org/presentationml/2006/main" type="title" preserve="1">
   <p:cSld name="Title Slide">
-    <p:bg>
-      <p:bgPr>
-        <a:blipFill dpi="0" rotWithShape="1">
-          <a:blip r:embed="rId2">
-            <a:lum/>
-          </a:blip>
-          <a:srcRect/>
-          <a:stretch>
-            <a:fillRect/>
-          </a:stretch>
-        </a:blipFill>
-        <a:effectLst/>
-      </p:bgPr>
-    </p:bg>
     <p:spTree>
       <p:nvGrpSpPr>
         <p:cNvPr id="1" name=""/>
@@ -4253,7 +4224,193 @@
       </p:grpSpPr>
       <p:sp>
         <p:nvSpPr>
-          <p:cNvPr id="8" name="Rectangle 7"/>
+          <p:cNvPr id="2" name="Title 1"/>
+          <p:cNvSpPr>
+            <a:spLocks noGrp="1"/>
+          </p:cNvSpPr>
+          <p:nvPr>
+            <p:ph type="ctrTitle"/>
+          </p:nvPr>
+        </p:nvSpPr>
+        <p:spPr>
+          <a:xfrm>
+            <a:off x="1774423" y="802298"/>
+            <a:ext cx="8637073" cy="2920713"/>
+          </a:xfrm>
+        </p:spPr>
+        <p:txBody>
+          <a:bodyPr bIns="0" anchor="b">
+            <a:normAutofit/>
+          </a:bodyPr>
+          <a:lstStyle>
+            <a:lvl1pPr algn="ctr">
+              <a:defRPr sz="6600"/>
+            </a:lvl1pPr>
+          </a:lstStyle>
+          <a:p>
+            <a:r>
+              <a:rPr lang="en-US"/>
+              <a:t>Click to edit Master title style</a:t>
+            </a:r>
+            <a:endParaRPr lang="en-US" dirty="0"/>
+          </a:p>
+        </p:txBody>
+      </p:sp>
+      <p:sp>
+        <p:nvSpPr>
+          <p:cNvPr id="3" name="Subtitle 2"/>
+          <p:cNvSpPr>
+            <a:spLocks noGrp="1"/>
+          </p:cNvSpPr>
+          <p:nvPr>
+            <p:ph type="subTitle" idx="1"/>
+          </p:nvPr>
+        </p:nvSpPr>
+        <p:spPr>
+          <a:xfrm>
+            <a:off x="1774424" y="3724074"/>
+            <a:ext cx="8637072" cy="977621"/>
+          </a:xfrm>
+        </p:spPr>
+        <p:txBody>
+          <a:bodyPr tIns="91440" bIns="91440">
+            <a:normAutofit/>
+          </a:bodyPr>
+          <a:lstStyle>
+            <a:lvl1pPr marL="0" indent="0" algn="ctr">
+              <a:buNone/>
+              <a:defRPr sz="1800" b="0" cap="all" baseline="0">
+                <a:solidFill>
+                  <a:schemeClr val="tx1"/>
+                </a:solidFill>
+              </a:defRPr>
+            </a:lvl1pPr>
+            <a:lvl2pPr marL="457200" indent="0" algn="ctr">
+              <a:buNone/>
+              <a:defRPr sz="1800"/>
+            </a:lvl2pPr>
+            <a:lvl3pPr marL="914400" indent="0" algn="ctr">
+              <a:buNone/>
+              <a:defRPr sz="1800"/>
+            </a:lvl3pPr>
+            <a:lvl4pPr marL="1371600" indent="0" algn="ctr">
+              <a:buNone/>
+              <a:defRPr sz="1600"/>
+            </a:lvl4pPr>
+            <a:lvl5pPr marL="1828800" indent="0" algn="ctr">
+              <a:buNone/>
+              <a:defRPr sz="1600"/>
+            </a:lvl5pPr>
+            <a:lvl6pPr marL="2286000" indent="0" algn="ctr">
+              <a:buNone/>
+              <a:defRPr sz="1600"/>
+            </a:lvl6pPr>
+            <a:lvl7pPr marL="2743200" indent="0" algn="ctr">
+              <a:buNone/>
+              <a:defRPr sz="1600"/>
+            </a:lvl7pPr>
+            <a:lvl8pPr marL="3200400" indent="0" algn="ctr">
+              <a:buNone/>
+              <a:defRPr sz="1600"/>
+            </a:lvl8pPr>
+            <a:lvl9pPr marL="3657600" indent="0" algn="ctr">
+              <a:buNone/>
+              <a:defRPr sz="1600"/>
+            </a:lvl9pPr>
+          </a:lstStyle>
+          <a:p>
+            <a:r>
+              <a:rPr lang="en-US"/>
+              <a:t>Click to edit Master subtitle style</a:t>
+            </a:r>
+            <a:endParaRPr lang="en-US" dirty="0"/>
+          </a:p>
+        </p:txBody>
+      </p:sp>
+      <p:sp>
+        <p:nvSpPr>
+          <p:cNvPr id="4" name="Date Placeholder 3"/>
+          <p:cNvSpPr>
+            <a:spLocks noGrp="1"/>
+          </p:cNvSpPr>
+          <p:nvPr>
+            <p:ph type="dt" sz="half" idx="10"/>
+          </p:nvPr>
+        </p:nvSpPr>
+        <p:spPr/>
+        <p:txBody>
+          <a:bodyPr/>
+          <a:lstStyle/>
+          <a:p>
+            <a:fld id="{48A87A34-81AB-432B-8DAE-1953F412C126}" type="datetimeFigureOut">
+              <a:rPr lang="en-US" smtClean="0"/>
+              <a:t>6/7/2022</a:t>
+            </a:fld>
+            <a:endParaRPr lang="en-US" dirty="0"/>
+          </a:p>
+        </p:txBody>
+      </p:sp>
+      <p:sp>
+        <p:nvSpPr>
+          <p:cNvPr id="5" name="Footer Placeholder 4"/>
+          <p:cNvSpPr>
+            <a:spLocks noGrp="1"/>
+          </p:cNvSpPr>
+          <p:nvPr>
+            <p:ph type="ftr" sz="quarter" idx="11"/>
+          </p:nvPr>
+        </p:nvSpPr>
+        <p:spPr>
+          <a:xfrm>
+            <a:off x="1451579" y="329307"/>
+            <a:ext cx="5626774" cy="309201"/>
+          </a:xfrm>
+        </p:spPr>
+        <p:txBody>
+          <a:bodyPr/>
+          <a:lstStyle/>
+          <a:p>
+            <a:endParaRPr lang="en-US" dirty="0"/>
+          </a:p>
+        </p:txBody>
+      </p:sp>
+      <p:sp>
+        <p:nvSpPr>
+          <p:cNvPr id="6" name="Slide Number Placeholder 5"/>
+          <p:cNvSpPr>
+            <a:spLocks noGrp="1"/>
+          </p:cNvSpPr>
+          <p:nvPr>
+            <p:ph type="sldNum" sz="quarter" idx="12"/>
+          </p:nvPr>
+        </p:nvSpPr>
+        <p:spPr>
+          <a:xfrm>
+            <a:off x="476834" y="798973"/>
+            <a:ext cx="811019" cy="503578"/>
+          </a:xfrm>
+        </p:spPr>
+        <p:txBody>
+          <a:bodyPr/>
+          <a:lstStyle/>
+          <a:p>
+            <a:fld id="{6D22F896-40B5-4ADD-8801-0D06FADFA095}" type="slidenum">
+              <a:rPr lang="en-US" smtClean="0"/>
+              <a:t>‹#›</a:t>
+            </a:fld>
+            <a:endParaRPr lang="en-US" dirty="0"/>
+          </a:p>
+        </p:txBody>
+      </p:sp>
+      <p:sp>
+        <p:nvSpPr>
+          <p:cNvPr id="7" name="Rectangle 6">
+            <a:extLst>
+              <a:ext uri="{FF2B5EF4-FFF2-40B4-BE49-F238E27FC236}">
+                <a16:creationId xmlns:a16="http://schemas.microsoft.com/office/drawing/2014/main" id="{CCBF8F40-8DC3-E540-62B5-7E6F4F417AFD}"/>
+              </a:ext>
+            </a:extLst>
+          </p:cNvPr>
           <p:cNvSpPr/>
           <p:nvPr userDrawn="1"/>
         </p:nvSpPr>
@@ -4303,7 +4460,13 @@
       </p:sp>
       <p:sp>
         <p:nvSpPr>
-          <p:cNvPr id="7" name="Rectangle 6"/>
+          <p:cNvPr id="8" name="Rectangle 7">
+            <a:extLst>
+              <a:ext uri="{FF2B5EF4-FFF2-40B4-BE49-F238E27FC236}">
+                <a16:creationId xmlns:a16="http://schemas.microsoft.com/office/drawing/2014/main" id="{29CD40AF-5FDD-1EEB-66EC-2027C17C608D}"/>
+              </a:ext>
+            </a:extLst>
+          </p:cNvPr>
           <p:cNvSpPr/>
           <p:nvPr userDrawn="1"/>
         </p:nvSpPr>
@@ -4347,126 +4510,10 @@
           </a:p>
         </p:txBody>
       </p:sp>
-      <p:sp>
-        <p:nvSpPr>
-          <p:cNvPr id="2" name="Title 1"/>
-          <p:cNvSpPr>
-            <a:spLocks noGrp="1"/>
-          </p:cNvSpPr>
-          <p:nvPr>
-            <p:ph type="ctrTitle"/>
-          </p:nvPr>
-        </p:nvSpPr>
-        <p:spPr bwMode="white">
-          <a:xfrm>
-            <a:off x="1066800" y="3165763"/>
-            <a:ext cx="10058400" cy="1711037"/>
-          </a:xfrm>
-        </p:spPr>
-        <p:txBody>
-          <a:bodyPr anchor="b">
-            <a:normAutofit/>
-          </a:bodyPr>
-          <a:lstStyle>
-            <a:lvl1pPr algn="l">
-              <a:lnSpc>
-                <a:spcPct val="80000"/>
-              </a:lnSpc>
-              <a:defRPr sz="5400">
-                <a:solidFill>
-                  <a:schemeClr val="tx1"/>
-                </a:solidFill>
-              </a:defRPr>
-            </a:lvl1pPr>
-          </a:lstStyle>
-          <a:p>
-            <a:r>
-              <a:rPr lang="en-US"/>
-              <a:t>Click to edit Master title style</a:t>
-            </a:r>
-            <a:endParaRPr lang="en-US" dirty="0"/>
-          </a:p>
-        </p:txBody>
-      </p:sp>
-      <p:sp>
-        <p:nvSpPr>
-          <p:cNvPr id="3" name="Subtitle 2"/>
-          <p:cNvSpPr>
-            <a:spLocks noGrp="1"/>
-          </p:cNvSpPr>
-          <p:nvPr>
-            <p:ph type="subTitle" idx="1"/>
-          </p:nvPr>
-        </p:nvSpPr>
-        <p:spPr bwMode="white">
-          <a:xfrm>
-            <a:off x="1066800" y="4953000"/>
-            <a:ext cx="10058400" cy="685800"/>
-          </a:xfrm>
-        </p:spPr>
-        <p:txBody>
-          <a:bodyPr>
-            <a:normAutofit/>
-          </a:bodyPr>
-          <a:lstStyle>
-            <a:lvl1pPr marL="0" indent="0" algn="l">
-              <a:spcBef>
-                <a:spcPts val="0"/>
-              </a:spcBef>
-              <a:buNone/>
-              <a:defRPr sz="2000">
-                <a:solidFill>
-                  <a:schemeClr val="accent1"/>
-                </a:solidFill>
-                <a:latin typeface="+mj-lt"/>
-              </a:defRPr>
-            </a:lvl1pPr>
-            <a:lvl2pPr marL="457200" indent="0" algn="ctr">
-              <a:buNone/>
-              <a:defRPr sz="2000"/>
-            </a:lvl2pPr>
-            <a:lvl3pPr marL="914400" indent="0" algn="ctr">
-              <a:buNone/>
-              <a:defRPr sz="1800"/>
-            </a:lvl3pPr>
-            <a:lvl4pPr marL="1371600" indent="0" algn="ctr">
-              <a:buNone/>
-              <a:defRPr sz="1600"/>
-            </a:lvl4pPr>
-            <a:lvl5pPr marL="1828800" indent="0" algn="ctr">
-              <a:buNone/>
-              <a:defRPr sz="1600"/>
-            </a:lvl5pPr>
-            <a:lvl6pPr marL="2286000" indent="0" algn="ctr">
-              <a:buNone/>
-              <a:defRPr sz="1600"/>
-            </a:lvl6pPr>
-            <a:lvl7pPr marL="2743200" indent="0" algn="ctr">
-              <a:buNone/>
-              <a:defRPr sz="1600"/>
-            </a:lvl7pPr>
-            <a:lvl8pPr marL="3200400" indent="0" algn="ctr">
-              <a:buNone/>
-              <a:defRPr sz="1600"/>
-            </a:lvl8pPr>
-            <a:lvl9pPr marL="3657600" indent="0" algn="ctr">
-              <a:buNone/>
-              <a:defRPr sz="1600"/>
-            </a:lvl9pPr>
-          </a:lstStyle>
-          <a:p>
-            <a:r>
-              <a:rPr lang="en-US"/>
-              <a:t>Click to edit Master subtitle style</a:t>
-            </a:r>
-            <a:endParaRPr lang="en-US" dirty="0"/>
-          </a:p>
-        </p:txBody>
-      </p:sp>
     </p:spTree>
     <p:extLst>
       <p:ext uri="{BB962C8B-B14F-4D97-AF65-F5344CB8AC3E}">
-        <p14:creationId xmlns:p14="http://schemas.microsoft.com/office/powerpoint/2010/main" val="798862757"/>
+        <p14:creationId xmlns:p14="http://schemas.microsoft.com/office/powerpoint/2010/main" val="1060076293"/>
       </p:ext>
     </p:extLst>
   </p:cSld>
@@ -4512,6 +4559,7 @@
               <a:rPr lang="en-US"/>
               <a:t>Click to edit Master title style</a:t>
             </a:r>
+            <a:endParaRPr lang="en-US" dirty="0"/>
           </a:p>
         </p:txBody>
       </p:sp>
@@ -4569,6 +4617,29 @@
       </p:sp>
       <p:sp>
         <p:nvSpPr>
+          <p:cNvPr id="4" name="Date Placeholder 3"/>
+          <p:cNvSpPr>
+            <a:spLocks noGrp="1"/>
+          </p:cNvSpPr>
+          <p:nvPr>
+            <p:ph type="dt" sz="half" idx="10"/>
+          </p:nvPr>
+        </p:nvSpPr>
+        <p:spPr/>
+        <p:txBody>
+          <a:bodyPr/>
+          <a:lstStyle/>
+          <a:p>
+            <a:fld id="{37CC0096-1860-4642-9CD2-0079EA5E7CD1}" type="datetimeFigureOut">
+              <a:rPr lang="en-US" smtClean="0"/>
+              <a:t>6/7/2022</a:t>
+            </a:fld>
+            <a:endParaRPr lang="en-US"/>
+          </a:p>
+        </p:txBody>
+      </p:sp>
+      <p:sp>
+        <p:nvSpPr>
           <p:cNvPr id="5" name="Footer Placeholder 4"/>
           <p:cNvSpPr>
             <a:spLocks noGrp="1"/>
@@ -4582,29 +4653,6 @@
           <a:bodyPr/>
           <a:lstStyle/>
           <a:p>
-            <a:endParaRPr lang="en-US"/>
-          </a:p>
-        </p:txBody>
-      </p:sp>
-      <p:sp>
-        <p:nvSpPr>
-          <p:cNvPr id="4" name="Date Placeholder 3"/>
-          <p:cNvSpPr>
-            <a:spLocks noGrp="1"/>
-          </p:cNvSpPr>
-          <p:nvPr>
-            <p:ph type="dt" sz="half" idx="10"/>
-          </p:nvPr>
-        </p:nvSpPr>
-        <p:spPr/>
-        <p:txBody>
-          <a:bodyPr/>
-          <a:lstStyle/>
-          <a:p>
-            <a:fld id="{37CC0096-1860-4642-9CD2-0079EA5E7CD1}" type="datetimeFigureOut">
-              <a:rPr lang="en-US" smtClean="0"/>
-              <a:t>6/7/2022</a:t>
-            </a:fld>
             <a:endParaRPr lang="en-US"/>
           </a:p>
         </p:txBody>
@@ -4635,7 +4683,7 @@
     </p:spTree>
     <p:extLst>
       <p:ext uri="{BB962C8B-B14F-4D97-AF65-F5344CB8AC3E}">
-        <p14:creationId xmlns:p14="http://schemas.microsoft.com/office/powerpoint/2010/main" val="2477154221"/>
+        <p14:creationId xmlns:p14="http://schemas.microsoft.com/office/powerpoint/2010/main" val="1030562110"/>
       </p:ext>
     </p:extLst>
   </p:cSld>
@@ -4674,18 +4722,23 @@
         </p:nvSpPr>
         <p:spPr>
           <a:xfrm>
-            <a:off x="8724900" y="457199"/>
-            <a:ext cx="1943100" cy="5638801"/>
+            <a:off x="9127052" y="798973"/>
+            <a:ext cx="1615742" cy="4659889"/>
           </a:xfrm>
         </p:spPr>
         <p:txBody>
           <a:bodyPr vert="eaVert"/>
-          <a:lstStyle/>
+          <a:lstStyle>
+            <a:lvl1pPr algn="l">
+              <a:defRPr/>
+            </a:lvl1pPr>
+          </a:lstStyle>
           <a:p>
             <a:r>
               <a:rPr lang="en-US"/>
               <a:t>Click to edit Master title style</a:t>
             </a:r>
+            <a:endParaRPr lang="en-US" dirty="0"/>
           </a:p>
         </p:txBody>
       </p:sp>
@@ -4701,8 +4754,8 @@
         </p:nvSpPr>
         <p:spPr>
           <a:xfrm>
-            <a:off x="1524000" y="457199"/>
-            <a:ext cx="7048500" cy="5638801"/>
+            <a:off x="1444672" y="798973"/>
+            <a:ext cx="7518654" cy="4659889"/>
           </a:xfrm>
         </p:spPr>
         <p:txBody>
@@ -4743,6 +4796,29 @@
               <a:t>Fifth level</a:t>
             </a:r>
             <a:endParaRPr lang="en-US" dirty="0"/>
+          </a:p>
+        </p:txBody>
+      </p:sp>
+      <p:sp>
+        <p:nvSpPr>
+          <p:cNvPr id="4" name="Date Placeholder 3"/>
+          <p:cNvSpPr>
+            <a:spLocks noGrp="1"/>
+          </p:cNvSpPr>
+          <p:nvPr>
+            <p:ph type="dt" sz="half" idx="10"/>
+          </p:nvPr>
+        </p:nvSpPr>
+        <p:spPr/>
+        <p:txBody>
+          <a:bodyPr/>
+          <a:lstStyle/>
+          <a:p>
+            <a:fld id="{37CC0096-1860-4642-9CD2-0079EA5E7CD1}" type="datetimeFigureOut">
+              <a:rPr lang="en-US" smtClean="0"/>
+              <a:t>6/7/2022</a:t>
+            </a:fld>
+            <a:endParaRPr lang="en-US"/>
           </a:p>
         </p:txBody>
       </p:sp>
@@ -4767,29 +4843,6 @@
       </p:sp>
       <p:sp>
         <p:nvSpPr>
-          <p:cNvPr id="4" name="Date Placeholder 3"/>
-          <p:cNvSpPr>
-            <a:spLocks noGrp="1"/>
-          </p:cNvSpPr>
-          <p:nvPr>
-            <p:ph type="dt" sz="half" idx="10"/>
-          </p:nvPr>
-        </p:nvSpPr>
-        <p:spPr/>
-        <p:txBody>
-          <a:bodyPr/>
-          <a:lstStyle/>
-          <a:p>
-            <a:fld id="{37CC0096-1860-4642-9CD2-0079EA5E7CD1}" type="datetimeFigureOut">
-              <a:rPr lang="en-US" smtClean="0"/>
-              <a:t>6/7/2022</a:t>
-            </a:fld>
-            <a:endParaRPr lang="en-US"/>
-          </a:p>
-        </p:txBody>
-      </p:sp>
-      <p:sp>
-        <p:nvSpPr>
           <p:cNvPr id="6" name="Slide Number Placeholder 5"/>
           <p:cNvSpPr>
             <a:spLocks noGrp="1"/>
@@ -4814,7 +4867,7 @@
     </p:spTree>
     <p:extLst>
       <p:ext uri="{BB962C8B-B14F-4D97-AF65-F5344CB8AC3E}">
-        <p14:creationId xmlns:p14="http://schemas.microsoft.com/office/powerpoint/2010/main" val="2524635021"/>
+        <p14:creationId xmlns:p14="http://schemas.microsoft.com/office/powerpoint/2010/main" val="4052017505"/>
       </p:ext>
     </p:extLst>
   </p:cSld>
@@ -4824,1266 +4877,9 @@
 </p:sldLayout>
 </file>
 
-<file path=ppt/slideLayouts/slideLayout2.xml><?xml version="1.0" encoding="utf-8"?>
-<p:sldLayout xmlns:a="http://schemas.openxmlformats.org/drawingml/2006/main" xmlns:r="http://schemas.openxmlformats.org/officeDocument/2006/relationships" xmlns:p="http://schemas.openxmlformats.org/presentationml/2006/main" type="obj" preserve="1">
-  <p:cSld name="Title and Content">
-    <p:spTree>
-      <p:nvGrpSpPr>
-        <p:cNvPr id="1" name=""/>
-        <p:cNvGrpSpPr/>
-        <p:nvPr/>
-      </p:nvGrpSpPr>
-      <p:grpSpPr>
-        <a:xfrm>
-          <a:off x="0" y="0"/>
-          <a:ext cx="0" cy="0"/>
-          <a:chOff x="0" y="0"/>
-          <a:chExt cx="0" cy="0"/>
-        </a:xfrm>
-      </p:grpSpPr>
-      <p:sp>
-        <p:nvSpPr>
-          <p:cNvPr id="2" name="Title 1"/>
-          <p:cNvSpPr>
-            <a:spLocks noGrp="1"/>
-          </p:cNvSpPr>
-          <p:nvPr>
-            <p:ph type="title"/>
-          </p:nvPr>
-        </p:nvSpPr>
-        <p:spPr/>
-        <p:txBody>
-          <a:bodyPr/>
-          <a:lstStyle/>
-          <a:p>
-            <a:r>
-              <a:rPr lang="en-US"/>
-              <a:t>Click to edit Master title style</a:t>
-            </a:r>
-          </a:p>
-        </p:txBody>
-      </p:sp>
-      <p:sp>
-        <p:nvSpPr>
-          <p:cNvPr id="3" name="Content Placeholder 2"/>
-          <p:cNvSpPr>
-            <a:spLocks noGrp="1"/>
-          </p:cNvSpPr>
-          <p:nvPr>
-            <p:ph idx="1"/>
-          </p:nvPr>
-        </p:nvSpPr>
-        <p:spPr/>
-        <p:txBody>
-          <a:bodyPr/>
-          <a:lstStyle>
-            <a:lvl5pPr>
-              <a:defRPr/>
-            </a:lvl5pPr>
-          </a:lstStyle>
-          <a:p>
-            <a:pPr lvl="0"/>
-            <a:r>
-              <a:rPr lang="en-US"/>
-              <a:t>Click to edit Master text styles</a:t>
-            </a:r>
-          </a:p>
-          <a:p>
-            <a:pPr lvl="1"/>
-            <a:r>
-              <a:rPr lang="en-US"/>
-              <a:t>Second level</a:t>
-            </a:r>
-          </a:p>
-          <a:p>
-            <a:pPr lvl="2"/>
-            <a:r>
-              <a:rPr lang="en-US"/>
-              <a:t>Third level</a:t>
-            </a:r>
-          </a:p>
-          <a:p>
-            <a:pPr lvl="3"/>
-            <a:r>
-              <a:rPr lang="en-US"/>
-              <a:t>Fourth level</a:t>
-            </a:r>
-          </a:p>
-          <a:p>
-            <a:pPr lvl="4"/>
-            <a:r>
-              <a:rPr lang="en-US"/>
-              <a:t>Fifth level</a:t>
-            </a:r>
-            <a:endParaRPr lang="en-US" dirty="0"/>
-          </a:p>
-        </p:txBody>
-      </p:sp>
-      <p:sp>
-        <p:nvSpPr>
-          <p:cNvPr id="5" name="Footer Placeholder 4"/>
-          <p:cNvSpPr>
-            <a:spLocks noGrp="1"/>
-          </p:cNvSpPr>
-          <p:nvPr>
-            <p:ph type="ftr" sz="quarter" idx="11"/>
-          </p:nvPr>
-        </p:nvSpPr>
-        <p:spPr/>
-        <p:txBody>
-          <a:bodyPr/>
-          <a:lstStyle/>
-          <a:p>
-            <a:endParaRPr lang="en-US" dirty="0"/>
-          </a:p>
-        </p:txBody>
-      </p:sp>
-      <p:sp>
-        <p:nvSpPr>
-          <p:cNvPr id="4" name="Date Placeholder 3"/>
-          <p:cNvSpPr>
-            <a:spLocks noGrp="1"/>
-          </p:cNvSpPr>
-          <p:nvPr>
-            <p:ph type="dt" sz="half" idx="10"/>
-          </p:nvPr>
-        </p:nvSpPr>
-        <p:spPr/>
-        <p:txBody>
-          <a:bodyPr/>
-          <a:lstStyle/>
-          <a:p>
-            <a:fld id="{37CC0096-1860-4642-9CD2-0079EA5E7CD1}" type="datetimeFigureOut">
-              <a:rPr lang="en-US" smtClean="0"/>
-              <a:t>6/7/2022</a:t>
-            </a:fld>
-            <a:endParaRPr lang="en-US"/>
-          </a:p>
-        </p:txBody>
-      </p:sp>
-      <p:sp>
-        <p:nvSpPr>
-          <p:cNvPr id="6" name="Slide Number Placeholder 5"/>
-          <p:cNvSpPr>
-            <a:spLocks noGrp="1"/>
-          </p:cNvSpPr>
-          <p:nvPr>
-            <p:ph type="sldNum" sz="quarter" idx="12"/>
-          </p:nvPr>
-        </p:nvSpPr>
-        <p:spPr/>
-        <p:txBody>
-          <a:bodyPr/>
-          <a:lstStyle/>
-          <a:p>
-            <a:fld id="{E31375A4-56A4-47D6-9801-1991572033F7}" type="slidenum">
-              <a:rPr lang="en-US" smtClean="0"/>
-              <a:t>‹#›</a:t>
-            </a:fld>
-            <a:endParaRPr lang="en-US"/>
-          </a:p>
-        </p:txBody>
-      </p:sp>
-    </p:spTree>
-    <p:extLst>
-      <p:ext uri="{BB962C8B-B14F-4D97-AF65-F5344CB8AC3E}">
-        <p14:creationId xmlns:p14="http://schemas.microsoft.com/office/powerpoint/2010/main" val="3112444112"/>
-      </p:ext>
-    </p:extLst>
-  </p:cSld>
-  <p:clrMapOvr>
-    <a:masterClrMapping/>
-  </p:clrMapOvr>
-</p:sldLayout>
-</file>
-
-<file path=ppt/slideLayouts/slideLayout3.xml><?xml version="1.0" encoding="utf-8"?>
-<p:sldLayout xmlns:a="http://schemas.openxmlformats.org/drawingml/2006/main" xmlns:r="http://schemas.openxmlformats.org/officeDocument/2006/relationships" xmlns:p="http://schemas.openxmlformats.org/presentationml/2006/main" type="secHead" preserve="1">
-  <p:cSld name="Section Header">
-    <p:spTree>
-      <p:nvGrpSpPr>
-        <p:cNvPr id="1" name=""/>
-        <p:cNvGrpSpPr/>
-        <p:nvPr/>
-      </p:nvGrpSpPr>
-      <p:grpSpPr>
-        <a:xfrm>
-          <a:off x="0" y="0"/>
-          <a:ext cx="0" cy="0"/>
-          <a:chOff x="0" y="0"/>
-          <a:chExt cx="0" cy="0"/>
-        </a:xfrm>
-      </p:grpSpPr>
-      <p:sp>
-        <p:nvSpPr>
-          <p:cNvPr id="2" name="Title 1"/>
-          <p:cNvSpPr>
-            <a:spLocks noGrp="1"/>
-          </p:cNvSpPr>
-          <p:nvPr>
-            <p:ph type="title"/>
-          </p:nvPr>
-        </p:nvSpPr>
-        <p:spPr>
-          <a:xfrm>
-            <a:off x="1524000" y="1828800"/>
-            <a:ext cx="9144000" cy="2743200"/>
-          </a:xfrm>
-        </p:spPr>
-        <p:txBody>
-          <a:bodyPr anchor="b">
-            <a:normAutofit/>
-          </a:bodyPr>
-          <a:lstStyle>
-            <a:lvl1pPr>
-              <a:defRPr sz="5400">
-                <a:solidFill>
-                  <a:schemeClr val="tx1"/>
-                </a:solidFill>
-              </a:defRPr>
-            </a:lvl1pPr>
-          </a:lstStyle>
-          <a:p>
-            <a:r>
-              <a:rPr lang="en-US"/>
-              <a:t>Click to edit Master title style</a:t>
-            </a:r>
-          </a:p>
-        </p:txBody>
-      </p:sp>
-      <p:sp>
-        <p:nvSpPr>
-          <p:cNvPr id="3" name="Text Placeholder 2"/>
-          <p:cNvSpPr>
-            <a:spLocks noGrp="1"/>
-          </p:cNvSpPr>
-          <p:nvPr>
-            <p:ph type="body" idx="1"/>
-          </p:nvPr>
-        </p:nvSpPr>
-        <p:spPr>
-          <a:xfrm>
-            <a:off x="1524000" y="4589463"/>
-            <a:ext cx="9144000" cy="1506537"/>
-          </a:xfrm>
-        </p:spPr>
-        <p:txBody>
-          <a:bodyPr>
-            <a:normAutofit/>
-          </a:bodyPr>
-          <a:lstStyle>
-            <a:lvl1pPr marL="0" indent="0">
-              <a:spcBef>
-                <a:spcPts val="0"/>
-              </a:spcBef>
-              <a:buNone/>
-              <a:defRPr sz="2000">
-                <a:solidFill>
-                  <a:schemeClr val="accent1"/>
-                </a:solidFill>
-                <a:latin typeface="+mj-lt"/>
-              </a:defRPr>
-            </a:lvl1pPr>
-            <a:lvl2pPr marL="457200" indent="0">
-              <a:buNone/>
-              <a:defRPr sz="2000"/>
-            </a:lvl2pPr>
-            <a:lvl3pPr marL="914400" indent="0">
-              <a:buNone/>
-              <a:defRPr sz="1800"/>
-            </a:lvl3pPr>
-            <a:lvl4pPr marL="1371600" indent="0">
-              <a:buNone/>
-              <a:defRPr sz="1600"/>
-            </a:lvl4pPr>
-            <a:lvl5pPr marL="1828800" indent="0">
-              <a:buNone/>
-              <a:defRPr sz="1600"/>
-            </a:lvl5pPr>
-            <a:lvl6pPr marL="2286000" indent="0">
-              <a:buNone/>
-              <a:defRPr sz="1600"/>
-            </a:lvl6pPr>
-            <a:lvl7pPr marL="2743200" indent="0">
-              <a:buNone/>
-              <a:defRPr sz="1600"/>
-            </a:lvl7pPr>
-            <a:lvl8pPr marL="3200400" indent="0">
-              <a:buNone/>
-              <a:defRPr sz="1600"/>
-            </a:lvl8pPr>
-            <a:lvl9pPr marL="3657600" indent="0">
-              <a:buNone/>
-              <a:defRPr sz="1600"/>
-            </a:lvl9pPr>
-          </a:lstStyle>
-          <a:p>
-            <a:pPr lvl="0"/>
-            <a:r>
-              <a:rPr lang="en-US"/>
-              <a:t>Click to edit Master text styles</a:t>
-            </a:r>
-          </a:p>
-        </p:txBody>
-      </p:sp>
-    </p:spTree>
-    <p:extLst>
-      <p:ext uri="{BB962C8B-B14F-4D97-AF65-F5344CB8AC3E}">
-        <p14:creationId xmlns:p14="http://schemas.microsoft.com/office/powerpoint/2010/main" val="3506778040"/>
-      </p:ext>
-    </p:extLst>
-  </p:cSld>
-  <p:clrMapOvr>
-    <a:masterClrMapping/>
-  </p:clrMapOvr>
-</p:sldLayout>
-</file>
-
-<file path=ppt/slideLayouts/slideLayout4.xml><?xml version="1.0" encoding="utf-8"?>
-<p:sldLayout xmlns:a="http://schemas.openxmlformats.org/drawingml/2006/main" xmlns:r="http://schemas.openxmlformats.org/officeDocument/2006/relationships" xmlns:p="http://schemas.openxmlformats.org/presentationml/2006/main" type="twoObj" preserve="1">
-  <p:cSld name="Two Content">
-    <p:spTree>
-      <p:nvGrpSpPr>
-        <p:cNvPr id="1" name=""/>
-        <p:cNvGrpSpPr/>
-        <p:nvPr/>
-      </p:nvGrpSpPr>
-      <p:grpSpPr>
-        <a:xfrm>
-          <a:off x="0" y="0"/>
-          <a:ext cx="0" cy="0"/>
-          <a:chOff x="0" y="0"/>
-          <a:chExt cx="0" cy="0"/>
-        </a:xfrm>
-      </p:grpSpPr>
-      <p:sp>
-        <p:nvSpPr>
-          <p:cNvPr id="2" name="Title 1"/>
-          <p:cNvSpPr>
-            <a:spLocks noGrp="1"/>
-          </p:cNvSpPr>
-          <p:nvPr>
-            <p:ph type="title"/>
-          </p:nvPr>
-        </p:nvSpPr>
-        <p:spPr/>
-        <p:txBody>
-          <a:bodyPr/>
-          <a:lstStyle/>
-          <a:p>
-            <a:r>
-              <a:rPr lang="en-US"/>
-              <a:t>Click to edit Master title style</a:t>
-            </a:r>
-          </a:p>
-        </p:txBody>
-      </p:sp>
-      <p:sp>
-        <p:nvSpPr>
-          <p:cNvPr id="3" name="Content Placeholder 2"/>
-          <p:cNvSpPr>
-            <a:spLocks noGrp="1"/>
-          </p:cNvSpPr>
-          <p:nvPr>
-            <p:ph sz="half" idx="1"/>
-          </p:nvPr>
-        </p:nvSpPr>
-        <p:spPr>
-          <a:xfrm>
-            <a:off x="1524000" y="1825625"/>
-            <a:ext cx="4343400" cy="4270375"/>
-          </a:xfrm>
-        </p:spPr>
-        <p:txBody>
-          <a:bodyPr>
-            <a:normAutofit/>
-          </a:bodyPr>
-          <a:lstStyle>
-            <a:lvl1pPr>
-              <a:defRPr sz="2000"/>
-            </a:lvl1pPr>
-            <a:lvl2pPr>
-              <a:defRPr sz="1800"/>
-            </a:lvl2pPr>
-            <a:lvl3pPr>
-              <a:defRPr sz="1600"/>
-            </a:lvl3pPr>
-            <a:lvl4pPr>
-              <a:defRPr sz="1400"/>
-            </a:lvl4pPr>
-            <a:lvl5pPr>
-              <a:defRPr sz="1400"/>
-            </a:lvl5pPr>
-            <a:lvl6pPr>
-              <a:defRPr sz="1400"/>
-            </a:lvl6pPr>
-            <a:lvl7pPr>
-              <a:defRPr sz="1400"/>
-            </a:lvl7pPr>
-            <a:lvl8pPr>
-              <a:defRPr sz="1400"/>
-            </a:lvl8pPr>
-            <a:lvl9pPr>
-              <a:defRPr sz="1400"/>
-            </a:lvl9pPr>
-          </a:lstStyle>
-          <a:p>
-            <a:pPr lvl="0"/>
-            <a:r>
-              <a:rPr lang="en-US"/>
-              <a:t>Click to edit Master text styles</a:t>
-            </a:r>
-          </a:p>
-          <a:p>
-            <a:pPr lvl="1"/>
-            <a:r>
-              <a:rPr lang="en-US"/>
-              <a:t>Second level</a:t>
-            </a:r>
-          </a:p>
-          <a:p>
-            <a:pPr lvl="2"/>
-            <a:r>
-              <a:rPr lang="en-US"/>
-              <a:t>Third level</a:t>
-            </a:r>
-          </a:p>
-          <a:p>
-            <a:pPr lvl="3"/>
-            <a:r>
-              <a:rPr lang="en-US"/>
-              <a:t>Fourth level</a:t>
-            </a:r>
-          </a:p>
-          <a:p>
-            <a:pPr lvl="4"/>
-            <a:r>
-              <a:rPr lang="en-US"/>
-              <a:t>Fifth level</a:t>
-            </a:r>
-            <a:endParaRPr lang="en-US" dirty="0"/>
-          </a:p>
-        </p:txBody>
-      </p:sp>
-      <p:sp>
-        <p:nvSpPr>
-          <p:cNvPr id="4" name="Content Placeholder 3"/>
-          <p:cNvSpPr>
-            <a:spLocks noGrp="1"/>
-          </p:cNvSpPr>
-          <p:nvPr>
-            <p:ph sz="half" idx="2"/>
-          </p:nvPr>
-        </p:nvSpPr>
-        <p:spPr>
-          <a:xfrm>
-            <a:off x="6324600" y="1825625"/>
-            <a:ext cx="4343400" cy="4270375"/>
-          </a:xfrm>
-        </p:spPr>
-        <p:txBody>
-          <a:bodyPr>
-            <a:normAutofit/>
-          </a:bodyPr>
-          <a:lstStyle>
-            <a:lvl1pPr>
-              <a:defRPr sz="2000"/>
-            </a:lvl1pPr>
-            <a:lvl2pPr>
-              <a:defRPr sz="1800"/>
-            </a:lvl2pPr>
-            <a:lvl3pPr>
-              <a:defRPr sz="1600"/>
-            </a:lvl3pPr>
-            <a:lvl4pPr>
-              <a:defRPr sz="1400"/>
-            </a:lvl4pPr>
-            <a:lvl5pPr>
-              <a:defRPr sz="1400"/>
-            </a:lvl5pPr>
-            <a:lvl6pPr>
-              <a:defRPr sz="1400"/>
-            </a:lvl6pPr>
-            <a:lvl7pPr>
-              <a:defRPr sz="1400"/>
-            </a:lvl7pPr>
-            <a:lvl8pPr>
-              <a:defRPr sz="1400"/>
-            </a:lvl8pPr>
-            <a:lvl9pPr>
-              <a:defRPr sz="1400"/>
-            </a:lvl9pPr>
-          </a:lstStyle>
-          <a:p>
-            <a:pPr lvl="0"/>
-            <a:r>
-              <a:rPr lang="en-US"/>
-              <a:t>Click to edit Master text styles</a:t>
-            </a:r>
-          </a:p>
-          <a:p>
-            <a:pPr lvl="1"/>
-            <a:r>
-              <a:rPr lang="en-US"/>
-              <a:t>Second level</a:t>
-            </a:r>
-          </a:p>
-          <a:p>
-            <a:pPr lvl="2"/>
-            <a:r>
-              <a:rPr lang="en-US"/>
-              <a:t>Third level</a:t>
-            </a:r>
-          </a:p>
-          <a:p>
-            <a:pPr lvl="3"/>
-            <a:r>
-              <a:rPr lang="en-US"/>
-              <a:t>Fourth level</a:t>
-            </a:r>
-          </a:p>
-          <a:p>
-            <a:pPr lvl="4"/>
-            <a:r>
-              <a:rPr lang="en-US"/>
-              <a:t>Fifth level</a:t>
-            </a:r>
-            <a:endParaRPr lang="en-US" dirty="0"/>
-          </a:p>
-        </p:txBody>
-      </p:sp>
-      <p:sp>
-        <p:nvSpPr>
-          <p:cNvPr id="6" name="Footer Placeholder 5"/>
-          <p:cNvSpPr>
-            <a:spLocks noGrp="1"/>
-          </p:cNvSpPr>
-          <p:nvPr>
-            <p:ph type="ftr" sz="quarter" idx="11"/>
-          </p:nvPr>
-        </p:nvSpPr>
-        <p:spPr/>
-        <p:txBody>
-          <a:bodyPr/>
-          <a:lstStyle/>
-          <a:p>
-            <a:endParaRPr lang="en-US"/>
-          </a:p>
-        </p:txBody>
-      </p:sp>
-      <p:sp>
-        <p:nvSpPr>
-          <p:cNvPr id="5" name="Date Placeholder 4"/>
-          <p:cNvSpPr>
-            <a:spLocks noGrp="1"/>
-          </p:cNvSpPr>
-          <p:nvPr>
-            <p:ph type="dt" sz="half" idx="10"/>
-          </p:nvPr>
-        </p:nvSpPr>
-        <p:spPr/>
-        <p:txBody>
-          <a:bodyPr/>
-          <a:lstStyle/>
-          <a:p>
-            <a:fld id="{37CC0096-1860-4642-9CD2-0079EA5E7CD1}" type="datetimeFigureOut">
-              <a:rPr lang="en-US" smtClean="0"/>
-              <a:t>6/7/2022</a:t>
-            </a:fld>
-            <a:endParaRPr lang="en-US"/>
-          </a:p>
-        </p:txBody>
-      </p:sp>
-      <p:sp>
-        <p:nvSpPr>
-          <p:cNvPr id="7" name="Slide Number Placeholder 6"/>
-          <p:cNvSpPr>
-            <a:spLocks noGrp="1"/>
-          </p:cNvSpPr>
-          <p:nvPr>
-            <p:ph type="sldNum" sz="quarter" idx="12"/>
-          </p:nvPr>
-        </p:nvSpPr>
-        <p:spPr/>
-        <p:txBody>
-          <a:bodyPr/>
-          <a:lstStyle/>
-          <a:p>
-            <a:fld id="{E31375A4-56A4-47D6-9801-1991572033F7}" type="slidenum">
-              <a:rPr lang="en-US" smtClean="0"/>
-              <a:t>‹#›</a:t>
-            </a:fld>
-            <a:endParaRPr lang="en-US"/>
-          </a:p>
-        </p:txBody>
-      </p:sp>
-    </p:spTree>
-    <p:extLst>
-      <p:ext uri="{BB962C8B-B14F-4D97-AF65-F5344CB8AC3E}">
-        <p14:creationId xmlns:p14="http://schemas.microsoft.com/office/powerpoint/2010/main" val="4044567947"/>
-      </p:ext>
-    </p:extLst>
-  </p:cSld>
-  <p:clrMapOvr>
-    <a:masterClrMapping/>
-  </p:clrMapOvr>
-</p:sldLayout>
-</file>
-
-<file path=ppt/slideLayouts/slideLayout5.xml><?xml version="1.0" encoding="utf-8"?>
-<p:sldLayout xmlns:a="http://schemas.openxmlformats.org/drawingml/2006/main" xmlns:r="http://schemas.openxmlformats.org/officeDocument/2006/relationships" xmlns:p="http://schemas.openxmlformats.org/presentationml/2006/main" type="twoTxTwoObj" preserve="1">
-  <p:cSld name="Comparison">
-    <p:spTree>
-      <p:nvGrpSpPr>
-        <p:cNvPr id="1" name=""/>
-        <p:cNvGrpSpPr/>
-        <p:nvPr/>
-      </p:nvGrpSpPr>
-      <p:grpSpPr>
-        <a:xfrm>
-          <a:off x="0" y="0"/>
-          <a:ext cx="0" cy="0"/>
-          <a:chOff x="0" y="0"/>
-          <a:chExt cx="0" cy="0"/>
-        </a:xfrm>
-      </p:grpSpPr>
-      <p:sp>
-        <p:nvSpPr>
-          <p:cNvPr id="2" name="Title 1"/>
-          <p:cNvSpPr>
-            <a:spLocks noGrp="1"/>
-          </p:cNvSpPr>
-          <p:nvPr>
-            <p:ph type="title"/>
-          </p:nvPr>
-        </p:nvSpPr>
-        <p:spPr/>
-        <p:txBody>
-          <a:bodyPr/>
-          <a:lstStyle/>
-          <a:p>
-            <a:r>
-              <a:rPr lang="en-US"/>
-              <a:t>Click to edit Master title style</a:t>
-            </a:r>
-          </a:p>
-        </p:txBody>
-      </p:sp>
-      <p:sp>
-        <p:nvSpPr>
-          <p:cNvPr id="3" name="Text Placeholder 2"/>
-          <p:cNvSpPr>
-            <a:spLocks noGrp="1"/>
-          </p:cNvSpPr>
-          <p:nvPr>
-            <p:ph type="body" idx="1"/>
-          </p:nvPr>
-        </p:nvSpPr>
-        <p:spPr>
-          <a:xfrm>
-            <a:off x="1527048" y="1828800"/>
-            <a:ext cx="4343400" cy="685800"/>
-          </a:xfrm>
-        </p:spPr>
-        <p:txBody>
-          <a:bodyPr anchor="ctr">
-            <a:normAutofit/>
-          </a:bodyPr>
-          <a:lstStyle>
-            <a:lvl1pPr marL="0" indent="0">
-              <a:spcBef>
-                <a:spcPts val="0"/>
-              </a:spcBef>
-              <a:buNone/>
-              <a:defRPr sz="2200" b="0">
-                <a:solidFill>
-                  <a:schemeClr val="tx1"/>
-                </a:solidFill>
-              </a:defRPr>
-            </a:lvl1pPr>
-            <a:lvl2pPr marL="457200" indent="0">
-              <a:buNone/>
-              <a:defRPr sz="2000" b="1"/>
-            </a:lvl2pPr>
-            <a:lvl3pPr marL="914400" indent="0">
-              <a:buNone/>
-              <a:defRPr sz="1800" b="1"/>
-            </a:lvl3pPr>
-            <a:lvl4pPr marL="1371600" indent="0">
-              <a:buNone/>
-              <a:defRPr sz="1600" b="1"/>
-            </a:lvl4pPr>
-            <a:lvl5pPr marL="1828800" indent="0">
-              <a:buNone/>
-              <a:defRPr sz="1600" b="1"/>
-            </a:lvl5pPr>
-            <a:lvl6pPr marL="2286000" indent="0">
-              <a:buNone/>
-              <a:defRPr sz="1600" b="1"/>
-            </a:lvl6pPr>
-            <a:lvl7pPr marL="2743200" indent="0">
-              <a:buNone/>
-              <a:defRPr sz="1600" b="1"/>
-            </a:lvl7pPr>
-            <a:lvl8pPr marL="3200400" indent="0">
-              <a:buNone/>
-              <a:defRPr sz="1600" b="1"/>
-            </a:lvl8pPr>
-            <a:lvl9pPr marL="3657600" indent="0">
-              <a:buNone/>
-              <a:defRPr sz="1600" b="1"/>
-            </a:lvl9pPr>
-          </a:lstStyle>
-          <a:p>
-            <a:pPr lvl="0"/>
-            <a:r>
-              <a:rPr lang="en-US"/>
-              <a:t>Click to edit Master text styles</a:t>
-            </a:r>
-          </a:p>
-        </p:txBody>
-      </p:sp>
-      <p:sp>
-        <p:nvSpPr>
-          <p:cNvPr id="4" name="Content Placeholder 3"/>
-          <p:cNvSpPr>
-            <a:spLocks noGrp="1"/>
-          </p:cNvSpPr>
-          <p:nvPr>
-            <p:ph sz="half" idx="2"/>
-          </p:nvPr>
-        </p:nvSpPr>
-        <p:spPr>
-          <a:xfrm>
-            <a:off x="1527048" y="2514600"/>
-            <a:ext cx="4343400" cy="3581401"/>
-          </a:xfrm>
-        </p:spPr>
-        <p:txBody>
-          <a:bodyPr>
-            <a:normAutofit/>
-          </a:bodyPr>
-          <a:lstStyle>
-            <a:lvl1pPr>
-              <a:defRPr sz="2000"/>
-            </a:lvl1pPr>
-            <a:lvl2pPr>
-              <a:defRPr sz="1800"/>
-            </a:lvl2pPr>
-            <a:lvl3pPr>
-              <a:defRPr sz="1600"/>
-            </a:lvl3pPr>
-            <a:lvl4pPr>
-              <a:defRPr sz="1400"/>
-            </a:lvl4pPr>
-            <a:lvl5pPr>
-              <a:defRPr sz="1400"/>
-            </a:lvl5pPr>
-            <a:lvl6pPr>
-              <a:defRPr sz="1400"/>
-            </a:lvl6pPr>
-            <a:lvl7pPr>
-              <a:defRPr sz="1400"/>
-            </a:lvl7pPr>
-            <a:lvl8pPr>
-              <a:defRPr sz="1400"/>
-            </a:lvl8pPr>
-            <a:lvl9pPr>
-              <a:defRPr sz="1400"/>
-            </a:lvl9pPr>
-          </a:lstStyle>
-          <a:p>
-            <a:pPr lvl="0"/>
-            <a:r>
-              <a:rPr lang="en-US"/>
-              <a:t>Click to edit Master text styles</a:t>
-            </a:r>
-          </a:p>
-          <a:p>
-            <a:pPr lvl="1"/>
-            <a:r>
-              <a:rPr lang="en-US"/>
-              <a:t>Second level</a:t>
-            </a:r>
-          </a:p>
-          <a:p>
-            <a:pPr lvl="2"/>
-            <a:r>
-              <a:rPr lang="en-US"/>
-              <a:t>Third level</a:t>
-            </a:r>
-          </a:p>
-          <a:p>
-            <a:pPr lvl="3"/>
-            <a:r>
-              <a:rPr lang="en-US"/>
-              <a:t>Fourth level</a:t>
-            </a:r>
-          </a:p>
-          <a:p>
-            <a:pPr lvl="4"/>
-            <a:r>
-              <a:rPr lang="en-US"/>
-              <a:t>Fifth level</a:t>
-            </a:r>
-            <a:endParaRPr lang="en-US" dirty="0"/>
-          </a:p>
-        </p:txBody>
-      </p:sp>
-      <p:sp>
-        <p:nvSpPr>
-          <p:cNvPr id="5" name="Text Placeholder 4"/>
-          <p:cNvSpPr>
-            <a:spLocks noGrp="1"/>
-          </p:cNvSpPr>
-          <p:nvPr>
-            <p:ph type="body" sz="quarter" idx="3"/>
-          </p:nvPr>
-        </p:nvSpPr>
-        <p:spPr>
-          <a:xfrm>
-            <a:off x="6327648" y="1828800"/>
-            <a:ext cx="4343400" cy="685800"/>
-          </a:xfrm>
-        </p:spPr>
-        <p:txBody>
-          <a:bodyPr anchor="ctr">
-            <a:normAutofit/>
-          </a:bodyPr>
-          <a:lstStyle>
-            <a:lvl1pPr marL="0" indent="0">
-              <a:spcBef>
-                <a:spcPts val="0"/>
-              </a:spcBef>
-              <a:buNone/>
-              <a:defRPr sz="2200" b="0">
-                <a:solidFill>
-                  <a:schemeClr val="tx1"/>
-                </a:solidFill>
-              </a:defRPr>
-            </a:lvl1pPr>
-            <a:lvl2pPr marL="457200" indent="0">
-              <a:buNone/>
-              <a:defRPr sz="2000" b="1"/>
-            </a:lvl2pPr>
-            <a:lvl3pPr marL="914400" indent="0">
-              <a:buNone/>
-              <a:defRPr sz="1800" b="1"/>
-            </a:lvl3pPr>
-            <a:lvl4pPr marL="1371600" indent="0">
-              <a:buNone/>
-              <a:defRPr sz="1600" b="1"/>
-            </a:lvl4pPr>
-            <a:lvl5pPr marL="1828800" indent="0">
-              <a:buNone/>
-              <a:defRPr sz="1600" b="1"/>
-            </a:lvl5pPr>
-            <a:lvl6pPr marL="2286000" indent="0">
-              <a:buNone/>
-              <a:defRPr sz="1600" b="1"/>
-            </a:lvl6pPr>
-            <a:lvl7pPr marL="2743200" indent="0">
-              <a:buNone/>
-              <a:defRPr sz="1600" b="1"/>
-            </a:lvl7pPr>
-            <a:lvl8pPr marL="3200400" indent="0">
-              <a:buNone/>
-              <a:defRPr sz="1600" b="1"/>
-            </a:lvl8pPr>
-            <a:lvl9pPr marL="3657600" indent="0">
-              <a:buNone/>
-              <a:defRPr sz="1600" b="1"/>
-            </a:lvl9pPr>
-          </a:lstStyle>
-          <a:p>
-            <a:pPr lvl="0"/>
-            <a:r>
-              <a:rPr lang="en-US"/>
-              <a:t>Click to edit Master text styles</a:t>
-            </a:r>
-          </a:p>
-        </p:txBody>
-      </p:sp>
-      <p:sp>
-        <p:nvSpPr>
-          <p:cNvPr id="6" name="Content Placeholder 5"/>
-          <p:cNvSpPr>
-            <a:spLocks noGrp="1"/>
-          </p:cNvSpPr>
-          <p:nvPr>
-            <p:ph sz="quarter" idx="4"/>
-          </p:nvPr>
-        </p:nvSpPr>
-        <p:spPr>
-          <a:xfrm>
-            <a:off x="6327648" y="2514600"/>
-            <a:ext cx="4343400" cy="3581401"/>
-          </a:xfrm>
-        </p:spPr>
-        <p:txBody>
-          <a:bodyPr>
-            <a:normAutofit/>
-          </a:bodyPr>
-          <a:lstStyle>
-            <a:lvl1pPr>
-              <a:defRPr sz="2000"/>
-            </a:lvl1pPr>
-            <a:lvl2pPr>
-              <a:defRPr sz="1800"/>
-            </a:lvl2pPr>
-            <a:lvl3pPr>
-              <a:defRPr sz="1600"/>
-            </a:lvl3pPr>
-            <a:lvl4pPr>
-              <a:defRPr sz="1400"/>
-            </a:lvl4pPr>
-            <a:lvl5pPr>
-              <a:defRPr sz="1400"/>
-            </a:lvl5pPr>
-            <a:lvl6pPr>
-              <a:defRPr sz="1400"/>
-            </a:lvl6pPr>
-            <a:lvl7pPr>
-              <a:defRPr sz="1400"/>
-            </a:lvl7pPr>
-            <a:lvl8pPr>
-              <a:defRPr sz="1400"/>
-            </a:lvl8pPr>
-            <a:lvl9pPr>
-              <a:defRPr sz="1400"/>
-            </a:lvl9pPr>
-          </a:lstStyle>
-          <a:p>
-            <a:pPr lvl="0"/>
-            <a:r>
-              <a:rPr lang="en-US"/>
-              <a:t>Click to edit Master text styles</a:t>
-            </a:r>
-          </a:p>
-          <a:p>
-            <a:pPr lvl="1"/>
-            <a:r>
-              <a:rPr lang="en-US"/>
-              <a:t>Second level</a:t>
-            </a:r>
-          </a:p>
-          <a:p>
-            <a:pPr lvl="2"/>
-            <a:r>
-              <a:rPr lang="en-US"/>
-              <a:t>Third level</a:t>
-            </a:r>
-          </a:p>
-          <a:p>
-            <a:pPr lvl="3"/>
-            <a:r>
-              <a:rPr lang="en-US"/>
-              <a:t>Fourth level</a:t>
-            </a:r>
-          </a:p>
-          <a:p>
-            <a:pPr lvl="4"/>
-            <a:r>
-              <a:rPr lang="en-US"/>
-              <a:t>Fifth level</a:t>
-            </a:r>
-            <a:endParaRPr lang="en-US" dirty="0"/>
-          </a:p>
-        </p:txBody>
-      </p:sp>
-      <p:sp>
-        <p:nvSpPr>
-          <p:cNvPr id="8" name="Footer Placeholder 7"/>
-          <p:cNvSpPr>
-            <a:spLocks noGrp="1"/>
-          </p:cNvSpPr>
-          <p:nvPr>
-            <p:ph type="ftr" sz="quarter" idx="11"/>
-          </p:nvPr>
-        </p:nvSpPr>
-        <p:spPr/>
-        <p:txBody>
-          <a:bodyPr/>
-          <a:lstStyle/>
-          <a:p>
-            <a:endParaRPr lang="en-US"/>
-          </a:p>
-        </p:txBody>
-      </p:sp>
-      <p:sp>
-        <p:nvSpPr>
-          <p:cNvPr id="7" name="Date Placeholder 6"/>
-          <p:cNvSpPr>
-            <a:spLocks noGrp="1"/>
-          </p:cNvSpPr>
-          <p:nvPr>
-            <p:ph type="dt" sz="half" idx="10"/>
-          </p:nvPr>
-        </p:nvSpPr>
-        <p:spPr/>
-        <p:txBody>
-          <a:bodyPr/>
-          <a:lstStyle/>
-          <a:p>
-            <a:fld id="{37CC0096-1860-4642-9CD2-0079EA5E7CD1}" type="datetimeFigureOut">
-              <a:rPr lang="en-US" smtClean="0"/>
-              <a:t>6/7/2022</a:t>
-            </a:fld>
-            <a:endParaRPr lang="en-US"/>
-          </a:p>
-        </p:txBody>
-      </p:sp>
-      <p:sp>
-        <p:nvSpPr>
-          <p:cNvPr id="9" name="Slide Number Placeholder 8"/>
-          <p:cNvSpPr>
-            <a:spLocks noGrp="1"/>
-          </p:cNvSpPr>
-          <p:nvPr>
-            <p:ph type="sldNum" sz="quarter" idx="12"/>
-          </p:nvPr>
-        </p:nvSpPr>
-        <p:spPr/>
-        <p:txBody>
-          <a:bodyPr/>
-          <a:lstStyle/>
-          <a:p>
-            <a:fld id="{E31375A4-56A4-47D6-9801-1991572033F7}" type="slidenum">
-              <a:rPr lang="en-US" smtClean="0"/>
-              <a:t>‹#›</a:t>
-            </a:fld>
-            <a:endParaRPr lang="en-US"/>
-          </a:p>
-        </p:txBody>
-      </p:sp>
-    </p:spTree>
-    <p:extLst>
-      <p:ext uri="{BB962C8B-B14F-4D97-AF65-F5344CB8AC3E}">
-        <p14:creationId xmlns:p14="http://schemas.microsoft.com/office/powerpoint/2010/main" val="3397906568"/>
-      </p:ext>
-    </p:extLst>
-  </p:cSld>
-  <p:clrMapOvr>
-    <a:masterClrMapping/>
-  </p:clrMapOvr>
-</p:sldLayout>
-</file>
-
-<file path=ppt/slideLayouts/slideLayout6.xml><?xml version="1.0" encoding="utf-8"?>
-<p:sldLayout xmlns:a="http://schemas.openxmlformats.org/drawingml/2006/main" xmlns:r="http://schemas.openxmlformats.org/officeDocument/2006/relationships" xmlns:p="http://schemas.openxmlformats.org/presentationml/2006/main" type="titleOnly" preserve="1">
-  <p:cSld name="Title Only">
-    <p:spTree>
-      <p:nvGrpSpPr>
-        <p:cNvPr id="1" name=""/>
-        <p:cNvGrpSpPr/>
-        <p:nvPr/>
-      </p:nvGrpSpPr>
-      <p:grpSpPr>
-        <a:xfrm>
-          <a:off x="0" y="0"/>
-          <a:ext cx="0" cy="0"/>
-          <a:chOff x="0" y="0"/>
-          <a:chExt cx="0" cy="0"/>
-        </a:xfrm>
-      </p:grpSpPr>
-      <p:sp>
-        <p:nvSpPr>
-          <p:cNvPr id="2" name="Title 1"/>
-          <p:cNvSpPr>
-            <a:spLocks noGrp="1"/>
-          </p:cNvSpPr>
-          <p:nvPr>
-            <p:ph type="title"/>
-          </p:nvPr>
-        </p:nvSpPr>
-        <p:spPr/>
-        <p:txBody>
-          <a:bodyPr/>
-          <a:lstStyle/>
-          <a:p>
-            <a:r>
-              <a:rPr lang="en-US"/>
-              <a:t>Click to edit Master title style</a:t>
-            </a:r>
-          </a:p>
-        </p:txBody>
-      </p:sp>
-      <p:sp>
-        <p:nvSpPr>
-          <p:cNvPr id="4" name="Footer Placeholder 3"/>
-          <p:cNvSpPr>
-            <a:spLocks noGrp="1"/>
-          </p:cNvSpPr>
-          <p:nvPr>
-            <p:ph type="ftr" sz="quarter" idx="11"/>
-          </p:nvPr>
-        </p:nvSpPr>
-        <p:spPr/>
-        <p:txBody>
-          <a:bodyPr/>
-          <a:lstStyle/>
-          <a:p>
-            <a:endParaRPr lang="en-US"/>
-          </a:p>
-        </p:txBody>
-      </p:sp>
-      <p:sp>
-        <p:nvSpPr>
-          <p:cNvPr id="3" name="Date Placeholder 2"/>
-          <p:cNvSpPr>
-            <a:spLocks noGrp="1"/>
-          </p:cNvSpPr>
-          <p:nvPr>
-            <p:ph type="dt" sz="half" idx="10"/>
-          </p:nvPr>
-        </p:nvSpPr>
-        <p:spPr/>
-        <p:txBody>
-          <a:bodyPr/>
-          <a:lstStyle/>
-          <a:p>
-            <a:fld id="{37CC0096-1860-4642-9CD2-0079EA5E7CD1}" type="datetimeFigureOut">
-              <a:rPr lang="en-US" smtClean="0"/>
-              <a:t>6/7/2022</a:t>
-            </a:fld>
-            <a:endParaRPr lang="en-US"/>
-          </a:p>
-        </p:txBody>
-      </p:sp>
-      <p:sp>
-        <p:nvSpPr>
-          <p:cNvPr id="5" name="Slide Number Placeholder 4"/>
-          <p:cNvSpPr>
-            <a:spLocks noGrp="1"/>
-          </p:cNvSpPr>
-          <p:nvPr>
-            <p:ph type="sldNum" sz="quarter" idx="12"/>
-          </p:nvPr>
-        </p:nvSpPr>
-        <p:spPr/>
-        <p:txBody>
-          <a:bodyPr/>
-          <a:lstStyle/>
-          <a:p>
-            <a:fld id="{E31375A4-56A4-47D6-9801-1991572033F7}" type="slidenum">
-              <a:rPr lang="en-US" smtClean="0"/>
-              <a:t>‹#›</a:t>
-            </a:fld>
-            <a:endParaRPr lang="en-US"/>
-          </a:p>
-        </p:txBody>
-      </p:sp>
-    </p:spTree>
-    <p:extLst>
-      <p:ext uri="{BB962C8B-B14F-4D97-AF65-F5344CB8AC3E}">
-        <p14:creationId xmlns:p14="http://schemas.microsoft.com/office/powerpoint/2010/main" val="3238976713"/>
-      </p:ext>
-    </p:extLst>
-  </p:cSld>
-  <p:clrMapOvr>
-    <a:masterClrMapping/>
-  </p:clrMapOvr>
-</p:sldLayout>
-</file>
-
-<file path=ppt/slideLayouts/slideLayout7.xml><?xml version="1.0" encoding="utf-8"?>
-<p:sldLayout xmlns:a="http://schemas.openxmlformats.org/drawingml/2006/main" xmlns:r="http://schemas.openxmlformats.org/officeDocument/2006/relationships" xmlns:p="http://schemas.openxmlformats.org/presentationml/2006/main" type="blank" preserve="1">
-  <p:cSld name="Blank">
-    <p:spTree>
-      <p:nvGrpSpPr>
-        <p:cNvPr id="1" name=""/>
-        <p:cNvGrpSpPr/>
-        <p:nvPr/>
-      </p:nvGrpSpPr>
-      <p:grpSpPr>
-        <a:xfrm>
-          <a:off x="0" y="0"/>
-          <a:ext cx="0" cy="0"/>
-          <a:chOff x="0" y="0"/>
-          <a:chExt cx="0" cy="0"/>
-        </a:xfrm>
-      </p:grpSpPr>
-      <p:sp>
-        <p:nvSpPr>
-          <p:cNvPr id="3" name="Footer Placeholder 2"/>
-          <p:cNvSpPr>
-            <a:spLocks noGrp="1"/>
-          </p:cNvSpPr>
-          <p:nvPr>
-            <p:ph type="ftr" sz="quarter" idx="11"/>
-          </p:nvPr>
-        </p:nvSpPr>
-        <p:spPr/>
-        <p:txBody>
-          <a:bodyPr/>
-          <a:lstStyle/>
-          <a:p>
-            <a:endParaRPr lang="en-US"/>
-          </a:p>
-        </p:txBody>
-      </p:sp>
-      <p:sp>
-        <p:nvSpPr>
-          <p:cNvPr id="2" name="Date Placeholder 1"/>
-          <p:cNvSpPr>
-            <a:spLocks noGrp="1"/>
-          </p:cNvSpPr>
-          <p:nvPr>
-            <p:ph type="dt" sz="half" idx="10"/>
-          </p:nvPr>
-        </p:nvSpPr>
-        <p:spPr/>
-        <p:txBody>
-          <a:bodyPr/>
-          <a:lstStyle/>
-          <a:p>
-            <a:fld id="{37CC0096-1860-4642-9CD2-0079EA5E7CD1}" type="datetimeFigureOut">
-              <a:rPr lang="en-US" smtClean="0"/>
-              <a:t>6/7/2022</a:t>
-            </a:fld>
-            <a:endParaRPr lang="en-US"/>
-          </a:p>
-        </p:txBody>
-      </p:sp>
-      <p:sp>
-        <p:nvSpPr>
-          <p:cNvPr id="4" name="Slide Number Placeholder 3"/>
-          <p:cNvSpPr>
-            <a:spLocks noGrp="1"/>
-          </p:cNvSpPr>
-          <p:nvPr>
-            <p:ph type="sldNum" sz="quarter" idx="12"/>
-          </p:nvPr>
-        </p:nvSpPr>
-        <p:spPr/>
-        <p:txBody>
-          <a:bodyPr/>
-          <a:lstStyle/>
-          <a:p>
-            <a:fld id="{E31375A4-56A4-47D6-9801-1991572033F7}" type="slidenum">
-              <a:rPr lang="en-US" smtClean="0"/>
-              <a:t>‹#›</a:t>
-            </a:fld>
-            <a:endParaRPr lang="en-US"/>
-          </a:p>
-        </p:txBody>
-      </p:sp>
-    </p:spTree>
-    <p:extLst>
-      <p:ext uri="{BB962C8B-B14F-4D97-AF65-F5344CB8AC3E}">
-        <p14:creationId xmlns:p14="http://schemas.microsoft.com/office/powerpoint/2010/main" val="2146817227"/>
-      </p:ext>
-    </p:extLst>
-  </p:cSld>
-  <p:clrMapOvr>
-    <a:masterClrMapping/>
-  </p:clrMapOvr>
-</p:sldLayout>
-</file>
-
-<file path=ppt/slideLayouts/slideLayout8.xml><?xml version="1.0" encoding="utf-8"?>
+<file path=ppt/slideLayouts/slideLayout12.xml><?xml version="1.0" encoding="utf-8"?>
 <p:sldLayout xmlns:a="http://schemas.openxmlformats.org/drawingml/2006/main" xmlns:r="http://schemas.openxmlformats.org/officeDocument/2006/relationships" xmlns:p="http://schemas.openxmlformats.org/presentationml/2006/main" preserve="1" userDrawn="1">
-  <p:cSld name="Content with Caption">
+  <p:cSld name="1_Content with Caption">
     <p:spTree>
       <p:nvGrpSpPr>
         <p:cNvPr id="1" name=""/>
@@ -6365,9 +5161,179 @@
 </p:sldLayout>
 </file>
 
-<file path=ppt/slideLayouts/slideLayout9.xml><?xml version="1.0" encoding="utf-8"?>
-<p:sldLayout xmlns:a="http://schemas.openxmlformats.org/drawingml/2006/main" xmlns:r="http://schemas.openxmlformats.org/officeDocument/2006/relationships" xmlns:p="http://schemas.openxmlformats.org/presentationml/2006/main" type="picTx" preserve="1">
-  <p:cSld name="Picture with Caption">
+<file path=ppt/slideLayouts/slideLayout2.xml><?xml version="1.0" encoding="utf-8"?>
+<p:sldLayout xmlns:a="http://schemas.openxmlformats.org/drawingml/2006/main" xmlns:r="http://schemas.openxmlformats.org/officeDocument/2006/relationships" xmlns:p="http://schemas.openxmlformats.org/presentationml/2006/main" type="obj" preserve="1">
+  <p:cSld name="Title and Content">
+    <p:spTree>
+      <p:nvGrpSpPr>
+        <p:cNvPr id="1" name=""/>
+        <p:cNvGrpSpPr/>
+        <p:nvPr/>
+      </p:nvGrpSpPr>
+      <p:grpSpPr>
+        <a:xfrm>
+          <a:off x="0" y="0"/>
+          <a:ext cx="0" cy="0"/>
+          <a:chOff x="0" y="0"/>
+          <a:chExt cx="0" cy="0"/>
+        </a:xfrm>
+      </p:grpSpPr>
+      <p:sp>
+        <p:nvSpPr>
+          <p:cNvPr id="2" name="Title 1"/>
+          <p:cNvSpPr>
+            <a:spLocks noGrp="1"/>
+          </p:cNvSpPr>
+          <p:nvPr>
+            <p:ph type="title"/>
+          </p:nvPr>
+        </p:nvSpPr>
+        <p:spPr/>
+        <p:txBody>
+          <a:bodyPr/>
+          <a:lstStyle/>
+          <a:p>
+            <a:r>
+              <a:rPr lang="en-US"/>
+              <a:t>Click to edit Master title style</a:t>
+            </a:r>
+            <a:endParaRPr lang="en-US" dirty="0"/>
+          </a:p>
+        </p:txBody>
+      </p:sp>
+      <p:sp>
+        <p:nvSpPr>
+          <p:cNvPr id="3" name="Content Placeholder 2"/>
+          <p:cNvSpPr>
+            <a:spLocks noGrp="1"/>
+          </p:cNvSpPr>
+          <p:nvPr>
+            <p:ph idx="1"/>
+          </p:nvPr>
+        </p:nvSpPr>
+        <p:spPr/>
+        <p:txBody>
+          <a:bodyPr anchor="t"/>
+          <a:lstStyle/>
+          <a:p>
+            <a:pPr lvl="0"/>
+            <a:r>
+              <a:rPr lang="en-US"/>
+              <a:t>Click to edit Master text styles</a:t>
+            </a:r>
+          </a:p>
+          <a:p>
+            <a:pPr lvl="1"/>
+            <a:r>
+              <a:rPr lang="en-US"/>
+              <a:t>Second level</a:t>
+            </a:r>
+          </a:p>
+          <a:p>
+            <a:pPr lvl="2"/>
+            <a:r>
+              <a:rPr lang="en-US"/>
+              <a:t>Third level</a:t>
+            </a:r>
+          </a:p>
+          <a:p>
+            <a:pPr lvl="3"/>
+            <a:r>
+              <a:rPr lang="en-US"/>
+              <a:t>Fourth level</a:t>
+            </a:r>
+          </a:p>
+          <a:p>
+            <a:pPr lvl="4"/>
+            <a:r>
+              <a:rPr lang="en-US"/>
+              <a:t>Fifth level</a:t>
+            </a:r>
+            <a:endParaRPr lang="en-US" dirty="0"/>
+          </a:p>
+        </p:txBody>
+      </p:sp>
+      <p:sp>
+        <p:nvSpPr>
+          <p:cNvPr id="4" name="Date Placeholder 3"/>
+          <p:cNvSpPr>
+            <a:spLocks noGrp="1"/>
+          </p:cNvSpPr>
+          <p:nvPr>
+            <p:ph type="dt" sz="half" idx="10"/>
+          </p:nvPr>
+        </p:nvSpPr>
+        <p:spPr/>
+        <p:txBody>
+          <a:bodyPr/>
+          <a:lstStyle/>
+          <a:p>
+            <a:fld id="{37CC0096-1860-4642-9CD2-0079EA5E7CD1}" type="datetimeFigureOut">
+              <a:rPr lang="en-US" smtClean="0"/>
+              <a:t>6/7/2022</a:t>
+            </a:fld>
+            <a:endParaRPr lang="en-US"/>
+          </a:p>
+        </p:txBody>
+      </p:sp>
+      <p:sp>
+        <p:nvSpPr>
+          <p:cNvPr id="5" name="Footer Placeholder 4"/>
+          <p:cNvSpPr>
+            <a:spLocks noGrp="1"/>
+          </p:cNvSpPr>
+          <p:nvPr>
+            <p:ph type="ftr" sz="quarter" idx="11"/>
+          </p:nvPr>
+        </p:nvSpPr>
+        <p:spPr/>
+        <p:txBody>
+          <a:bodyPr/>
+          <a:lstStyle/>
+          <a:p>
+            <a:endParaRPr lang="en-US" dirty="0"/>
+          </a:p>
+        </p:txBody>
+      </p:sp>
+      <p:sp>
+        <p:nvSpPr>
+          <p:cNvPr id="6" name="Slide Number Placeholder 5"/>
+          <p:cNvSpPr>
+            <a:spLocks noGrp="1"/>
+          </p:cNvSpPr>
+          <p:nvPr>
+            <p:ph type="sldNum" sz="quarter" idx="12"/>
+          </p:nvPr>
+        </p:nvSpPr>
+        <p:spPr/>
+        <p:txBody>
+          <a:bodyPr/>
+          <a:lstStyle/>
+          <a:p>
+            <a:fld id="{E31375A4-56A4-47D6-9801-1991572033F7}" type="slidenum">
+              <a:rPr lang="en-US" smtClean="0"/>
+              <a:t>‹#›</a:t>
+            </a:fld>
+            <a:endParaRPr lang="en-US"/>
+          </a:p>
+        </p:txBody>
+      </p:sp>
+    </p:spTree>
+    <p:extLst>
+      <p:ext uri="{BB962C8B-B14F-4D97-AF65-F5344CB8AC3E}">
+        <p14:creationId xmlns:p14="http://schemas.microsoft.com/office/powerpoint/2010/main" val="2152000287"/>
+      </p:ext>
+    </p:extLst>
+  </p:cSld>
+  <p:clrMapOvr>
+    <a:masterClrMapping/>
+  </p:clrMapOvr>
+</p:sldLayout>
+</file>
+
+<file path=ppt/slideLayouts/slideLayout3.xml><?xml version="1.0" encoding="utf-8"?>
+<p:sldLayout xmlns:a="http://schemas.openxmlformats.org/drawingml/2006/main" xmlns:r="http://schemas.openxmlformats.org/officeDocument/2006/relationships" xmlns:p="http://schemas.openxmlformats.org/presentationml/2006/main" type="secHead" preserve="1">
+  <p:cSld name="Section Header">
     <p:spTree>
       <p:nvGrpSpPr>
         <p:cNvPr id="1" name=""/>
@@ -6394,8 +5360,8 @@
         </p:nvSpPr>
         <p:spPr>
           <a:xfrm>
-            <a:off x="7997952" y="1600200"/>
-            <a:ext cx="3127248" cy="1828800"/>
+            <a:off x="1774423" y="1756130"/>
+            <a:ext cx="8643154" cy="1969007"/>
           </a:xfrm>
         </p:spPr>
         <p:txBody>
@@ -6403,8 +5369,8 @@
             <a:normAutofit/>
           </a:bodyPr>
           <a:lstStyle>
-            <a:lvl1pPr>
-              <a:defRPr sz="3400"/>
+            <a:lvl1pPr algn="ctr">
+              <a:defRPr sz="3600"/>
             </a:lvl1pPr>
           </a:lstStyle>
           <a:p>
@@ -6412,72 +5378,1147 @@
               <a:rPr lang="en-US"/>
               <a:t>Click to edit Master title style</a:t>
             </a:r>
+            <a:endParaRPr lang="en-US" dirty="0"/>
           </a:p>
         </p:txBody>
       </p:sp>
       <p:sp>
         <p:nvSpPr>
-          <p:cNvPr id="3" name="Picture Placeholder 2"/>
+          <p:cNvPr id="3" name="Text Placeholder 2"/>
           <p:cNvSpPr>
             <a:spLocks noGrp="1"/>
           </p:cNvSpPr>
           <p:nvPr>
-            <p:ph type="pic" idx="1"/>
+            <p:ph type="body" idx="1"/>
           </p:nvPr>
         </p:nvSpPr>
         <p:spPr>
           <a:xfrm>
-            <a:off x="781251" y="777240"/>
-            <a:ext cx="6400800" cy="5303520"/>
+            <a:off x="1774423" y="3725137"/>
+            <a:ext cx="8643154" cy="1093987"/>
           </a:xfrm>
         </p:spPr>
         <p:txBody>
-          <a:bodyPr tIns="457200">
+          <a:bodyPr tIns="91440">
             <a:normAutofit/>
           </a:bodyPr>
           <a:lstStyle>
             <a:lvl1pPr marL="0" indent="0" algn="ctr">
               <a:buNone/>
-              <a:defRPr sz="2000"/>
+              <a:defRPr sz="1800">
+                <a:solidFill>
+                  <a:schemeClr val="tx1"/>
+                </a:solidFill>
+              </a:defRPr>
             </a:lvl1pPr>
             <a:lvl2pPr marL="457200" indent="0">
               <a:buNone/>
-              <a:defRPr sz="2800"/>
+              <a:defRPr sz="1800">
+                <a:solidFill>
+                  <a:schemeClr val="tx1">
+                    <a:tint val="75000"/>
+                  </a:schemeClr>
+                </a:solidFill>
+              </a:defRPr>
             </a:lvl2pPr>
             <a:lvl3pPr marL="914400" indent="0">
               <a:buNone/>
-              <a:defRPr sz="2400"/>
+              <a:defRPr sz="1800">
+                <a:solidFill>
+                  <a:schemeClr val="tx1">
+                    <a:tint val="75000"/>
+                  </a:schemeClr>
+                </a:solidFill>
+              </a:defRPr>
             </a:lvl3pPr>
             <a:lvl4pPr marL="1371600" indent="0">
               <a:buNone/>
-              <a:defRPr sz="2000"/>
+              <a:defRPr sz="1600">
+                <a:solidFill>
+                  <a:schemeClr val="tx1">
+                    <a:tint val="75000"/>
+                  </a:schemeClr>
+                </a:solidFill>
+              </a:defRPr>
             </a:lvl4pPr>
             <a:lvl5pPr marL="1828800" indent="0">
               <a:buNone/>
-              <a:defRPr sz="2000"/>
+              <a:defRPr sz="1600">
+                <a:solidFill>
+                  <a:schemeClr val="tx1">
+                    <a:tint val="75000"/>
+                  </a:schemeClr>
+                </a:solidFill>
+              </a:defRPr>
             </a:lvl5pPr>
             <a:lvl6pPr marL="2286000" indent="0">
               <a:buNone/>
-              <a:defRPr sz="2000"/>
+              <a:defRPr sz="1600">
+                <a:solidFill>
+                  <a:schemeClr val="tx1">
+                    <a:tint val="75000"/>
+                  </a:schemeClr>
+                </a:solidFill>
+              </a:defRPr>
             </a:lvl6pPr>
             <a:lvl7pPr marL="2743200" indent="0">
               <a:buNone/>
-              <a:defRPr sz="2000"/>
+              <a:defRPr sz="1600">
+                <a:solidFill>
+                  <a:schemeClr val="tx1">
+                    <a:tint val="75000"/>
+                  </a:schemeClr>
+                </a:solidFill>
+              </a:defRPr>
             </a:lvl7pPr>
             <a:lvl8pPr marL="3200400" indent="0">
               <a:buNone/>
-              <a:defRPr sz="2000"/>
+              <a:defRPr sz="1600">
+                <a:solidFill>
+                  <a:schemeClr val="tx1">
+                    <a:tint val="75000"/>
+                  </a:schemeClr>
+                </a:solidFill>
+              </a:defRPr>
             </a:lvl8pPr>
             <a:lvl9pPr marL="3657600" indent="0">
               <a:buNone/>
-              <a:defRPr sz="2000"/>
+              <a:defRPr sz="1600">
+                <a:solidFill>
+                  <a:schemeClr val="tx1">
+                    <a:tint val="75000"/>
+                  </a:schemeClr>
+                </a:solidFill>
+              </a:defRPr>
             </a:lvl9pPr>
           </a:lstStyle>
           <a:p>
+            <a:pPr lvl="0"/>
             <a:r>
               <a:rPr lang="en-US"/>
-              <a:t>Click icon to add picture</a:t>
+              <a:t>Click to edit Master text styles</a:t>
             </a:r>
+          </a:p>
+        </p:txBody>
+      </p:sp>
+      <p:sp>
+        <p:nvSpPr>
+          <p:cNvPr id="4" name="Date Placeholder 3"/>
+          <p:cNvSpPr>
+            <a:spLocks noGrp="1"/>
+          </p:cNvSpPr>
+          <p:nvPr>
+            <p:ph type="dt" sz="half" idx="10"/>
+          </p:nvPr>
+        </p:nvSpPr>
+        <p:spPr/>
+        <p:txBody>
+          <a:bodyPr/>
+          <a:lstStyle/>
+          <a:p>
+            <a:fld id="{48A87A34-81AB-432B-8DAE-1953F412C126}" type="datetimeFigureOut">
+              <a:rPr lang="en-US" smtClean="0"/>
+              <a:t>6/7/2022</a:t>
+            </a:fld>
+            <a:endParaRPr lang="en-US" dirty="0"/>
+          </a:p>
+        </p:txBody>
+      </p:sp>
+      <p:sp>
+        <p:nvSpPr>
+          <p:cNvPr id="5" name="Footer Placeholder 4"/>
+          <p:cNvSpPr>
+            <a:spLocks noGrp="1"/>
+          </p:cNvSpPr>
+          <p:nvPr>
+            <p:ph type="ftr" sz="quarter" idx="11"/>
+          </p:nvPr>
+        </p:nvSpPr>
+        <p:spPr/>
+        <p:txBody>
+          <a:bodyPr/>
+          <a:lstStyle/>
+          <a:p>
+            <a:endParaRPr lang="en-US" dirty="0"/>
+          </a:p>
+        </p:txBody>
+      </p:sp>
+      <p:sp>
+        <p:nvSpPr>
+          <p:cNvPr id="6" name="Slide Number Placeholder 5"/>
+          <p:cNvSpPr>
+            <a:spLocks noGrp="1"/>
+          </p:cNvSpPr>
+          <p:nvPr>
+            <p:ph type="sldNum" sz="quarter" idx="12"/>
+          </p:nvPr>
+        </p:nvSpPr>
+        <p:spPr/>
+        <p:txBody>
+          <a:bodyPr/>
+          <a:lstStyle/>
+          <a:p>
+            <a:fld id="{6D22F896-40B5-4ADD-8801-0D06FADFA095}" type="slidenum">
+              <a:rPr lang="en-US" smtClean="0"/>
+              <a:t>‹#›</a:t>
+            </a:fld>
+            <a:endParaRPr lang="en-US" dirty="0"/>
+          </a:p>
+        </p:txBody>
+      </p:sp>
+    </p:spTree>
+    <p:extLst>
+      <p:ext uri="{BB962C8B-B14F-4D97-AF65-F5344CB8AC3E}">
+        <p14:creationId xmlns:p14="http://schemas.microsoft.com/office/powerpoint/2010/main" val="1151688730"/>
+      </p:ext>
+    </p:extLst>
+  </p:cSld>
+  <p:clrMapOvr>
+    <a:masterClrMapping/>
+  </p:clrMapOvr>
+</p:sldLayout>
+</file>
+
+<file path=ppt/slideLayouts/slideLayout4.xml><?xml version="1.0" encoding="utf-8"?>
+<p:sldLayout xmlns:a="http://schemas.openxmlformats.org/drawingml/2006/main" xmlns:r="http://schemas.openxmlformats.org/officeDocument/2006/relationships" xmlns:p="http://schemas.openxmlformats.org/presentationml/2006/main" type="twoObj" preserve="1">
+  <p:cSld name="Two Content">
+    <p:spTree>
+      <p:nvGrpSpPr>
+        <p:cNvPr id="1" name=""/>
+        <p:cNvGrpSpPr/>
+        <p:nvPr/>
+      </p:nvGrpSpPr>
+      <p:grpSpPr>
+        <a:xfrm>
+          <a:off x="0" y="0"/>
+          <a:ext cx="0" cy="0"/>
+          <a:chOff x="0" y="0"/>
+          <a:chExt cx="0" cy="0"/>
+        </a:xfrm>
+      </p:grpSpPr>
+      <p:sp>
+        <p:nvSpPr>
+          <p:cNvPr id="2" name="Title 1"/>
+          <p:cNvSpPr>
+            <a:spLocks noGrp="1"/>
+          </p:cNvSpPr>
+          <p:nvPr>
+            <p:ph type="title"/>
+          </p:nvPr>
+        </p:nvSpPr>
+        <p:spPr>
+          <a:xfrm>
+            <a:off x="1449217" y="804889"/>
+            <a:ext cx="9293577" cy="1059305"/>
+          </a:xfrm>
+        </p:spPr>
+        <p:txBody>
+          <a:bodyPr/>
+          <a:lstStyle/>
+          <a:p>
+            <a:r>
+              <a:rPr lang="en-US"/>
+              <a:t>Click to edit Master title style</a:t>
+            </a:r>
+            <a:endParaRPr lang="en-US" dirty="0"/>
+          </a:p>
+        </p:txBody>
+      </p:sp>
+      <p:sp>
+        <p:nvSpPr>
+          <p:cNvPr id="3" name="Content Placeholder 2"/>
+          <p:cNvSpPr>
+            <a:spLocks noGrp="1"/>
+          </p:cNvSpPr>
+          <p:nvPr>
+            <p:ph sz="half" idx="1"/>
+          </p:nvPr>
+        </p:nvSpPr>
+        <p:spPr>
+          <a:xfrm>
+            <a:off x="1447331" y="2010878"/>
+            <a:ext cx="4488654" cy="3448595"/>
+          </a:xfrm>
+        </p:spPr>
+        <p:txBody>
+          <a:bodyPr/>
+          <a:lstStyle/>
+          <a:p>
+            <a:pPr lvl="0"/>
+            <a:r>
+              <a:rPr lang="en-US"/>
+              <a:t>Click to edit Master text styles</a:t>
+            </a:r>
+          </a:p>
+          <a:p>
+            <a:pPr lvl="1"/>
+            <a:r>
+              <a:rPr lang="en-US"/>
+              <a:t>Second level</a:t>
+            </a:r>
+          </a:p>
+          <a:p>
+            <a:pPr lvl="2"/>
+            <a:r>
+              <a:rPr lang="en-US"/>
+              <a:t>Third level</a:t>
+            </a:r>
+          </a:p>
+          <a:p>
+            <a:pPr lvl="3"/>
+            <a:r>
+              <a:rPr lang="en-US"/>
+              <a:t>Fourth level</a:t>
+            </a:r>
+          </a:p>
+          <a:p>
+            <a:pPr lvl="4"/>
+            <a:r>
+              <a:rPr lang="en-US"/>
+              <a:t>Fifth level</a:t>
+            </a:r>
+            <a:endParaRPr lang="en-US" dirty="0"/>
+          </a:p>
+        </p:txBody>
+      </p:sp>
+      <p:sp>
+        <p:nvSpPr>
+          <p:cNvPr id="4" name="Content Placeholder 3"/>
+          <p:cNvSpPr>
+            <a:spLocks noGrp="1"/>
+          </p:cNvSpPr>
+          <p:nvPr>
+            <p:ph sz="half" idx="2"/>
+          </p:nvPr>
+        </p:nvSpPr>
+        <p:spPr>
+          <a:xfrm>
+            <a:off x="6254140" y="2017343"/>
+            <a:ext cx="4488654" cy="3441520"/>
+          </a:xfrm>
+        </p:spPr>
+        <p:txBody>
+          <a:bodyPr/>
+          <a:lstStyle/>
+          <a:p>
+            <a:pPr lvl="0"/>
+            <a:r>
+              <a:rPr lang="en-US"/>
+              <a:t>Click to edit Master text styles</a:t>
+            </a:r>
+          </a:p>
+          <a:p>
+            <a:pPr lvl="1"/>
+            <a:r>
+              <a:rPr lang="en-US"/>
+              <a:t>Second level</a:t>
+            </a:r>
+          </a:p>
+          <a:p>
+            <a:pPr lvl="2"/>
+            <a:r>
+              <a:rPr lang="en-US"/>
+              <a:t>Third level</a:t>
+            </a:r>
+          </a:p>
+          <a:p>
+            <a:pPr lvl="3"/>
+            <a:r>
+              <a:rPr lang="en-US"/>
+              <a:t>Fourth level</a:t>
+            </a:r>
+          </a:p>
+          <a:p>
+            <a:pPr lvl="4"/>
+            <a:r>
+              <a:rPr lang="en-US"/>
+              <a:t>Fifth level</a:t>
+            </a:r>
+            <a:endParaRPr lang="en-US" dirty="0"/>
+          </a:p>
+        </p:txBody>
+      </p:sp>
+      <p:sp>
+        <p:nvSpPr>
+          <p:cNvPr id="5" name="Date Placeholder 4"/>
+          <p:cNvSpPr>
+            <a:spLocks noGrp="1"/>
+          </p:cNvSpPr>
+          <p:nvPr>
+            <p:ph type="dt" sz="half" idx="10"/>
+          </p:nvPr>
+        </p:nvSpPr>
+        <p:spPr/>
+        <p:txBody>
+          <a:bodyPr/>
+          <a:lstStyle/>
+          <a:p>
+            <a:fld id="{37CC0096-1860-4642-9CD2-0079EA5E7CD1}" type="datetimeFigureOut">
+              <a:rPr lang="en-US" smtClean="0"/>
+              <a:t>6/7/2022</a:t>
+            </a:fld>
+            <a:endParaRPr lang="en-US"/>
+          </a:p>
+        </p:txBody>
+      </p:sp>
+      <p:sp>
+        <p:nvSpPr>
+          <p:cNvPr id="6" name="Footer Placeholder 5"/>
+          <p:cNvSpPr>
+            <a:spLocks noGrp="1"/>
+          </p:cNvSpPr>
+          <p:nvPr>
+            <p:ph type="ftr" sz="quarter" idx="11"/>
+          </p:nvPr>
+        </p:nvSpPr>
+        <p:spPr/>
+        <p:txBody>
+          <a:bodyPr/>
+          <a:lstStyle/>
+          <a:p>
+            <a:endParaRPr lang="en-US"/>
+          </a:p>
+        </p:txBody>
+      </p:sp>
+      <p:sp>
+        <p:nvSpPr>
+          <p:cNvPr id="7" name="Slide Number Placeholder 6"/>
+          <p:cNvSpPr>
+            <a:spLocks noGrp="1"/>
+          </p:cNvSpPr>
+          <p:nvPr>
+            <p:ph type="sldNum" sz="quarter" idx="12"/>
+          </p:nvPr>
+        </p:nvSpPr>
+        <p:spPr/>
+        <p:txBody>
+          <a:bodyPr/>
+          <a:lstStyle/>
+          <a:p>
+            <a:fld id="{E31375A4-56A4-47D6-9801-1991572033F7}" type="slidenum">
+              <a:rPr lang="en-US" smtClean="0"/>
+              <a:t>‹#›</a:t>
+            </a:fld>
+            <a:endParaRPr lang="en-US"/>
+          </a:p>
+        </p:txBody>
+      </p:sp>
+    </p:spTree>
+    <p:extLst>
+      <p:ext uri="{BB962C8B-B14F-4D97-AF65-F5344CB8AC3E}">
+        <p14:creationId xmlns:p14="http://schemas.microsoft.com/office/powerpoint/2010/main" val="3172309263"/>
+      </p:ext>
+    </p:extLst>
+  </p:cSld>
+  <p:clrMapOvr>
+    <a:masterClrMapping/>
+  </p:clrMapOvr>
+</p:sldLayout>
+</file>
+
+<file path=ppt/slideLayouts/slideLayout5.xml><?xml version="1.0" encoding="utf-8"?>
+<p:sldLayout xmlns:a="http://schemas.openxmlformats.org/drawingml/2006/main" xmlns:r="http://schemas.openxmlformats.org/officeDocument/2006/relationships" xmlns:p="http://schemas.openxmlformats.org/presentationml/2006/main" type="twoTxTwoObj" preserve="1">
+  <p:cSld name="Comparison">
+    <p:spTree>
+      <p:nvGrpSpPr>
+        <p:cNvPr id="1" name=""/>
+        <p:cNvGrpSpPr/>
+        <p:nvPr/>
+      </p:nvGrpSpPr>
+      <p:grpSpPr>
+        <a:xfrm>
+          <a:off x="0" y="0"/>
+          <a:ext cx="0" cy="0"/>
+          <a:chOff x="0" y="0"/>
+          <a:chExt cx="0" cy="0"/>
+        </a:xfrm>
+      </p:grpSpPr>
+      <p:sp>
+        <p:nvSpPr>
+          <p:cNvPr id="2" name="Title 1"/>
+          <p:cNvSpPr>
+            <a:spLocks noGrp="1"/>
+          </p:cNvSpPr>
+          <p:nvPr>
+            <p:ph type="title"/>
+          </p:nvPr>
+        </p:nvSpPr>
+        <p:spPr>
+          <a:xfrm>
+            <a:off x="1447191" y="804163"/>
+            <a:ext cx="9295603" cy="1056319"/>
+          </a:xfrm>
+        </p:spPr>
+        <p:txBody>
+          <a:bodyPr/>
+          <a:lstStyle/>
+          <a:p>
+            <a:r>
+              <a:rPr lang="en-US"/>
+              <a:t>Click to edit Master title style</a:t>
+            </a:r>
+            <a:endParaRPr lang="en-US" dirty="0"/>
+          </a:p>
+        </p:txBody>
+      </p:sp>
+      <p:sp>
+        <p:nvSpPr>
+          <p:cNvPr id="3" name="Text Placeholder 2"/>
+          <p:cNvSpPr>
+            <a:spLocks noGrp="1"/>
+          </p:cNvSpPr>
+          <p:nvPr>
+            <p:ph type="body" idx="1"/>
+          </p:nvPr>
+        </p:nvSpPr>
+        <p:spPr>
+          <a:xfrm>
+            <a:off x="1447191" y="2019549"/>
+            <a:ext cx="4488794" cy="801943"/>
+          </a:xfrm>
+        </p:spPr>
+        <p:txBody>
+          <a:bodyPr anchor="b">
+            <a:normAutofit/>
+          </a:bodyPr>
+          <a:lstStyle>
+            <a:lvl1pPr marL="0" indent="0">
+              <a:lnSpc>
+                <a:spcPct val="100000"/>
+              </a:lnSpc>
+              <a:buNone/>
+              <a:defRPr sz="2200" b="0" cap="all" baseline="0">
+                <a:solidFill>
+                  <a:schemeClr val="accent1"/>
+                </a:solidFill>
+              </a:defRPr>
+            </a:lvl1pPr>
+            <a:lvl2pPr marL="457200" indent="0">
+              <a:buNone/>
+              <a:defRPr sz="2000" b="1"/>
+            </a:lvl2pPr>
+            <a:lvl3pPr marL="914400" indent="0">
+              <a:buNone/>
+              <a:defRPr sz="1800" b="1"/>
+            </a:lvl3pPr>
+            <a:lvl4pPr marL="1371600" indent="0">
+              <a:buNone/>
+              <a:defRPr sz="1600" b="1"/>
+            </a:lvl4pPr>
+            <a:lvl5pPr marL="1828800" indent="0">
+              <a:buNone/>
+              <a:defRPr sz="1600" b="1"/>
+            </a:lvl5pPr>
+            <a:lvl6pPr marL="2286000" indent="0">
+              <a:buNone/>
+              <a:defRPr sz="1600" b="1"/>
+            </a:lvl6pPr>
+            <a:lvl7pPr marL="2743200" indent="0">
+              <a:buNone/>
+              <a:defRPr sz="1600" b="1"/>
+            </a:lvl7pPr>
+            <a:lvl8pPr marL="3200400" indent="0">
+              <a:buNone/>
+              <a:defRPr sz="1600" b="1"/>
+            </a:lvl8pPr>
+            <a:lvl9pPr marL="3657600" indent="0">
+              <a:buNone/>
+              <a:defRPr sz="1600" b="1"/>
+            </a:lvl9pPr>
+          </a:lstStyle>
+          <a:p>
+            <a:pPr lvl="0"/>
+            <a:r>
+              <a:rPr lang="en-US"/>
+              <a:t>Click to edit Master text styles</a:t>
+            </a:r>
+          </a:p>
+        </p:txBody>
+      </p:sp>
+      <p:sp>
+        <p:nvSpPr>
+          <p:cNvPr id="4" name="Content Placeholder 3"/>
+          <p:cNvSpPr>
+            <a:spLocks noGrp="1"/>
+          </p:cNvSpPr>
+          <p:nvPr>
+            <p:ph sz="half" idx="2"/>
+          </p:nvPr>
+        </p:nvSpPr>
+        <p:spPr>
+          <a:xfrm>
+            <a:off x="1447191" y="2824269"/>
+            <a:ext cx="4488794" cy="2644457"/>
+          </a:xfrm>
+        </p:spPr>
+        <p:txBody>
+          <a:bodyPr/>
+          <a:lstStyle/>
+          <a:p>
+            <a:pPr lvl="0"/>
+            <a:r>
+              <a:rPr lang="en-US"/>
+              <a:t>Click to edit Master text styles</a:t>
+            </a:r>
+          </a:p>
+          <a:p>
+            <a:pPr lvl="1"/>
+            <a:r>
+              <a:rPr lang="en-US"/>
+              <a:t>Second level</a:t>
+            </a:r>
+          </a:p>
+          <a:p>
+            <a:pPr lvl="2"/>
+            <a:r>
+              <a:rPr lang="en-US"/>
+              <a:t>Third level</a:t>
+            </a:r>
+          </a:p>
+          <a:p>
+            <a:pPr lvl="3"/>
+            <a:r>
+              <a:rPr lang="en-US"/>
+              <a:t>Fourth level</a:t>
+            </a:r>
+          </a:p>
+          <a:p>
+            <a:pPr lvl="4"/>
+            <a:r>
+              <a:rPr lang="en-US"/>
+              <a:t>Fifth level</a:t>
+            </a:r>
+            <a:endParaRPr lang="en-US" dirty="0"/>
+          </a:p>
+        </p:txBody>
+      </p:sp>
+      <p:sp>
+        <p:nvSpPr>
+          <p:cNvPr id="5" name="Text Placeholder 4"/>
+          <p:cNvSpPr>
+            <a:spLocks noGrp="1"/>
+          </p:cNvSpPr>
+          <p:nvPr>
+            <p:ph type="body" sz="quarter" idx="3"/>
+          </p:nvPr>
+        </p:nvSpPr>
+        <p:spPr>
+          <a:xfrm>
+            <a:off x="6256025" y="2023003"/>
+            <a:ext cx="4488794" cy="802237"/>
+          </a:xfrm>
+        </p:spPr>
+        <p:txBody>
+          <a:bodyPr anchor="b">
+            <a:normAutofit/>
+          </a:bodyPr>
+          <a:lstStyle>
+            <a:lvl1pPr marL="0" indent="0">
+              <a:lnSpc>
+                <a:spcPct val="100000"/>
+              </a:lnSpc>
+              <a:buNone/>
+              <a:defRPr sz="2200" b="0" cap="all" baseline="0">
+                <a:solidFill>
+                  <a:schemeClr val="accent1"/>
+                </a:solidFill>
+              </a:defRPr>
+            </a:lvl1pPr>
+            <a:lvl2pPr marL="457200" indent="0">
+              <a:buNone/>
+              <a:defRPr sz="2000" b="1"/>
+            </a:lvl2pPr>
+            <a:lvl3pPr marL="914400" indent="0">
+              <a:buNone/>
+              <a:defRPr sz="1800" b="1"/>
+            </a:lvl3pPr>
+            <a:lvl4pPr marL="1371600" indent="0">
+              <a:buNone/>
+              <a:defRPr sz="1600" b="1"/>
+            </a:lvl4pPr>
+            <a:lvl5pPr marL="1828800" indent="0">
+              <a:buNone/>
+              <a:defRPr sz="1600" b="1"/>
+            </a:lvl5pPr>
+            <a:lvl6pPr marL="2286000" indent="0">
+              <a:buNone/>
+              <a:defRPr sz="1600" b="1"/>
+            </a:lvl6pPr>
+            <a:lvl7pPr marL="2743200" indent="0">
+              <a:buNone/>
+              <a:defRPr sz="1600" b="1"/>
+            </a:lvl7pPr>
+            <a:lvl8pPr marL="3200400" indent="0">
+              <a:buNone/>
+              <a:defRPr sz="1600" b="1"/>
+            </a:lvl8pPr>
+            <a:lvl9pPr marL="3657600" indent="0">
+              <a:buNone/>
+              <a:defRPr sz="1600" b="1"/>
+            </a:lvl9pPr>
+          </a:lstStyle>
+          <a:p>
+            <a:pPr lvl="0"/>
+            <a:r>
+              <a:rPr lang="en-US"/>
+              <a:t>Click to edit Master text styles</a:t>
+            </a:r>
+          </a:p>
+        </p:txBody>
+      </p:sp>
+      <p:sp>
+        <p:nvSpPr>
+          <p:cNvPr id="6" name="Content Placeholder 5"/>
+          <p:cNvSpPr>
+            <a:spLocks noGrp="1"/>
+          </p:cNvSpPr>
+          <p:nvPr>
+            <p:ph sz="quarter" idx="4"/>
+          </p:nvPr>
+        </p:nvSpPr>
+        <p:spPr>
+          <a:xfrm>
+            <a:off x="6256025" y="2821491"/>
+            <a:ext cx="4488794" cy="2637371"/>
+          </a:xfrm>
+        </p:spPr>
+        <p:txBody>
+          <a:bodyPr/>
+          <a:lstStyle/>
+          <a:p>
+            <a:pPr lvl="0"/>
+            <a:r>
+              <a:rPr lang="en-US"/>
+              <a:t>Click to edit Master text styles</a:t>
+            </a:r>
+          </a:p>
+          <a:p>
+            <a:pPr lvl="1"/>
+            <a:r>
+              <a:rPr lang="en-US"/>
+              <a:t>Second level</a:t>
+            </a:r>
+          </a:p>
+          <a:p>
+            <a:pPr lvl="2"/>
+            <a:r>
+              <a:rPr lang="en-US"/>
+              <a:t>Third level</a:t>
+            </a:r>
+          </a:p>
+          <a:p>
+            <a:pPr lvl="3"/>
+            <a:r>
+              <a:rPr lang="en-US"/>
+              <a:t>Fourth level</a:t>
+            </a:r>
+          </a:p>
+          <a:p>
+            <a:pPr lvl="4"/>
+            <a:r>
+              <a:rPr lang="en-US"/>
+              <a:t>Fifth level</a:t>
+            </a:r>
+            <a:endParaRPr lang="en-US" dirty="0"/>
+          </a:p>
+        </p:txBody>
+      </p:sp>
+      <p:sp>
+        <p:nvSpPr>
+          <p:cNvPr id="7" name="Date Placeholder 6"/>
+          <p:cNvSpPr>
+            <a:spLocks noGrp="1"/>
+          </p:cNvSpPr>
+          <p:nvPr>
+            <p:ph type="dt" sz="half" idx="10"/>
+          </p:nvPr>
+        </p:nvSpPr>
+        <p:spPr/>
+        <p:txBody>
+          <a:bodyPr/>
+          <a:lstStyle/>
+          <a:p>
+            <a:fld id="{37CC0096-1860-4642-9CD2-0079EA5E7CD1}" type="datetimeFigureOut">
+              <a:rPr lang="en-US" smtClean="0"/>
+              <a:t>6/7/2022</a:t>
+            </a:fld>
+            <a:endParaRPr lang="en-US"/>
+          </a:p>
+        </p:txBody>
+      </p:sp>
+      <p:sp>
+        <p:nvSpPr>
+          <p:cNvPr id="8" name="Footer Placeholder 7"/>
+          <p:cNvSpPr>
+            <a:spLocks noGrp="1"/>
+          </p:cNvSpPr>
+          <p:nvPr>
+            <p:ph type="ftr" sz="quarter" idx="11"/>
+          </p:nvPr>
+        </p:nvSpPr>
+        <p:spPr/>
+        <p:txBody>
+          <a:bodyPr/>
+          <a:lstStyle/>
+          <a:p>
+            <a:endParaRPr lang="en-US"/>
+          </a:p>
+        </p:txBody>
+      </p:sp>
+      <p:sp>
+        <p:nvSpPr>
+          <p:cNvPr id="9" name="Slide Number Placeholder 8"/>
+          <p:cNvSpPr>
+            <a:spLocks noGrp="1"/>
+          </p:cNvSpPr>
+          <p:nvPr>
+            <p:ph type="sldNum" sz="quarter" idx="12"/>
+          </p:nvPr>
+        </p:nvSpPr>
+        <p:spPr/>
+        <p:txBody>
+          <a:bodyPr/>
+          <a:lstStyle/>
+          <a:p>
+            <a:fld id="{E31375A4-56A4-47D6-9801-1991572033F7}" type="slidenum">
+              <a:rPr lang="en-US" smtClean="0"/>
+              <a:t>‹#›</a:t>
+            </a:fld>
+            <a:endParaRPr lang="en-US"/>
+          </a:p>
+        </p:txBody>
+      </p:sp>
+    </p:spTree>
+    <p:extLst>
+      <p:ext uri="{BB962C8B-B14F-4D97-AF65-F5344CB8AC3E}">
+        <p14:creationId xmlns:p14="http://schemas.microsoft.com/office/powerpoint/2010/main" val="139713887"/>
+      </p:ext>
+    </p:extLst>
+  </p:cSld>
+  <p:clrMapOvr>
+    <a:masterClrMapping/>
+  </p:clrMapOvr>
+</p:sldLayout>
+</file>
+
+<file path=ppt/slideLayouts/slideLayout6.xml><?xml version="1.0" encoding="utf-8"?>
+<p:sldLayout xmlns:a="http://schemas.openxmlformats.org/drawingml/2006/main" xmlns:r="http://schemas.openxmlformats.org/officeDocument/2006/relationships" xmlns:p="http://schemas.openxmlformats.org/presentationml/2006/main" type="titleOnly" preserve="1">
+  <p:cSld name="Title Only">
+    <p:spTree>
+      <p:nvGrpSpPr>
+        <p:cNvPr id="1" name=""/>
+        <p:cNvGrpSpPr/>
+        <p:nvPr/>
+      </p:nvGrpSpPr>
+      <p:grpSpPr>
+        <a:xfrm>
+          <a:off x="0" y="0"/>
+          <a:ext cx="0" cy="0"/>
+          <a:chOff x="0" y="0"/>
+          <a:chExt cx="0" cy="0"/>
+        </a:xfrm>
+      </p:grpSpPr>
+      <p:sp>
+        <p:nvSpPr>
+          <p:cNvPr id="2" name="Title 1"/>
+          <p:cNvSpPr>
+            <a:spLocks noGrp="1"/>
+          </p:cNvSpPr>
+          <p:nvPr>
+            <p:ph type="title"/>
+          </p:nvPr>
+        </p:nvSpPr>
+        <p:spPr/>
+        <p:txBody>
+          <a:bodyPr/>
+          <a:lstStyle/>
+          <a:p>
+            <a:r>
+              <a:rPr lang="en-US"/>
+              <a:t>Click to edit Master title style</a:t>
+            </a:r>
+            <a:endParaRPr lang="en-US" dirty="0"/>
+          </a:p>
+        </p:txBody>
+      </p:sp>
+      <p:sp>
+        <p:nvSpPr>
+          <p:cNvPr id="3" name="Date Placeholder 2"/>
+          <p:cNvSpPr>
+            <a:spLocks noGrp="1"/>
+          </p:cNvSpPr>
+          <p:nvPr>
+            <p:ph type="dt" sz="half" idx="10"/>
+          </p:nvPr>
+        </p:nvSpPr>
+        <p:spPr/>
+        <p:txBody>
+          <a:bodyPr/>
+          <a:lstStyle/>
+          <a:p>
+            <a:fld id="{37CC0096-1860-4642-9CD2-0079EA5E7CD1}" type="datetimeFigureOut">
+              <a:rPr lang="en-US" smtClean="0"/>
+              <a:t>6/7/2022</a:t>
+            </a:fld>
+            <a:endParaRPr lang="en-US"/>
+          </a:p>
+        </p:txBody>
+      </p:sp>
+      <p:sp>
+        <p:nvSpPr>
+          <p:cNvPr id="4" name="Footer Placeholder 3"/>
+          <p:cNvSpPr>
+            <a:spLocks noGrp="1"/>
+          </p:cNvSpPr>
+          <p:nvPr>
+            <p:ph type="ftr" sz="quarter" idx="11"/>
+          </p:nvPr>
+        </p:nvSpPr>
+        <p:spPr/>
+        <p:txBody>
+          <a:bodyPr/>
+          <a:lstStyle/>
+          <a:p>
+            <a:endParaRPr lang="en-US"/>
+          </a:p>
+        </p:txBody>
+      </p:sp>
+      <p:sp>
+        <p:nvSpPr>
+          <p:cNvPr id="5" name="Slide Number Placeholder 4"/>
+          <p:cNvSpPr>
+            <a:spLocks noGrp="1"/>
+          </p:cNvSpPr>
+          <p:nvPr>
+            <p:ph type="sldNum" sz="quarter" idx="12"/>
+          </p:nvPr>
+        </p:nvSpPr>
+        <p:spPr/>
+        <p:txBody>
+          <a:bodyPr/>
+          <a:lstStyle/>
+          <a:p>
+            <a:fld id="{E31375A4-56A4-47D6-9801-1991572033F7}" type="slidenum">
+              <a:rPr lang="en-US" smtClean="0"/>
+              <a:t>‹#›</a:t>
+            </a:fld>
+            <a:endParaRPr lang="en-US"/>
+          </a:p>
+        </p:txBody>
+      </p:sp>
+    </p:spTree>
+    <p:extLst>
+      <p:ext uri="{BB962C8B-B14F-4D97-AF65-F5344CB8AC3E}">
+        <p14:creationId xmlns:p14="http://schemas.microsoft.com/office/powerpoint/2010/main" val="631325334"/>
+      </p:ext>
+    </p:extLst>
+  </p:cSld>
+  <p:clrMapOvr>
+    <a:masterClrMapping/>
+  </p:clrMapOvr>
+</p:sldLayout>
+</file>
+
+<file path=ppt/slideLayouts/slideLayout7.xml><?xml version="1.0" encoding="utf-8"?>
+<p:sldLayout xmlns:a="http://schemas.openxmlformats.org/drawingml/2006/main" xmlns:r="http://schemas.openxmlformats.org/officeDocument/2006/relationships" xmlns:p="http://schemas.openxmlformats.org/presentationml/2006/main" type="blank" preserve="1">
+  <p:cSld name="Blank">
+    <p:spTree>
+      <p:nvGrpSpPr>
+        <p:cNvPr id="1" name=""/>
+        <p:cNvGrpSpPr/>
+        <p:nvPr/>
+      </p:nvGrpSpPr>
+      <p:grpSpPr>
+        <a:xfrm>
+          <a:off x="0" y="0"/>
+          <a:ext cx="0" cy="0"/>
+          <a:chOff x="0" y="0"/>
+          <a:chExt cx="0" cy="0"/>
+        </a:xfrm>
+      </p:grpSpPr>
+      <p:sp>
+        <p:nvSpPr>
+          <p:cNvPr id="2" name="Date Placeholder 1"/>
+          <p:cNvSpPr>
+            <a:spLocks noGrp="1"/>
+          </p:cNvSpPr>
+          <p:nvPr>
+            <p:ph type="dt" sz="half" idx="10"/>
+          </p:nvPr>
+        </p:nvSpPr>
+        <p:spPr/>
+        <p:txBody>
+          <a:bodyPr/>
+          <a:lstStyle/>
+          <a:p>
+            <a:fld id="{37CC0096-1860-4642-9CD2-0079EA5E7CD1}" type="datetimeFigureOut">
+              <a:rPr lang="en-US" smtClean="0"/>
+              <a:t>6/7/2022</a:t>
+            </a:fld>
+            <a:endParaRPr lang="en-US"/>
+          </a:p>
+        </p:txBody>
+      </p:sp>
+      <p:sp>
+        <p:nvSpPr>
+          <p:cNvPr id="3" name="Footer Placeholder 2"/>
+          <p:cNvSpPr>
+            <a:spLocks noGrp="1"/>
+          </p:cNvSpPr>
+          <p:nvPr>
+            <p:ph type="ftr" sz="quarter" idx="11"/>
+          </p:nvPr>
+        </p:nvSpPr>
+        <p:spPr/>
+        <p:txBody>
+          <a:bodyPr/>
+          <a:lstStyle/>
+          <a:p>
+            <a:endParaRPr lang="en-US"/>
+          </a:p>
+        </p:txBody>
+      </p:sp>
+      <p:sp>
+        <p:nvSpPr>
+          <p:cNvPr id="4" name="Slide Number Placeholder 3"/>
+          <p:cNvSpPr>
+            <a:spLocks noGrp="1"/>
+          </p:cNvSpPr>
+          <p:nvPr>
+            <p:ph type="sldNum" sz="quarter" idx="12"/>
+          </p:nvPr>
+        </p:nvSpPr>
+        <p:spPr/>
+        <p:txBody>
+          <a:bodyPr/>
+          <a:lstStyle/>
+          <a:p>
+            <a:fld id="{E31375A4-56A4-47D6-9801-1991572033F7}" type="slidenum">
+              <a:rPr lang="en-US" smtClean="0"/>
+              <a:t>‹#›</a:t>
+            </a:fld>
+            <a:endParaRPr lang="en-US"/>
+          </a:p>
+        </p:txBody>
+      </p:sp>
+    </p:spTree>
+    <p:extLst>
+      <p:ext uri="{BB962C8B-B14F-4D97-AF65-F5344CB8AC3E}">
+        <p14:creationId xmlns:p14="http://schemas.microsoft.com/office/powerpoint/2010/main" val="3536507075"/>
+      </p:ext>
+    </p:extLst>
+  </p:cSld>
+  <p:clrMapOvr>
+    <a:masterClrMapping/>
+  </p:clrMapOvr>
+</p:sldLayout>
+</file>
+
+<file path=ppt/slideLayouts/slideLayout8.xml><?xml version="1.0" encoding="utf-8"?>
+<p:sldLayout xmlns:a="http://schemas.openxmlformats.org/drawingml/2006/main" xmlns:r="http://schemas.openxmlformats.org/officeDocument/2006/relationships" xmlns:p="http://schemas.openxmlformats.org/presentationml/2006/main" type="objTx" preserve="1">
+  <p:cSld name="Content with Caption">
+    <p:spTree>
+      <p:nvGrpSpPr>
+        <p:cNvPr id="1" name=""/>
+        <p:cNvGrpSpPr/>
+        <p:nvPr/>
+      </p:nvGrpSpPr>
+      <p:grpSpPr>
+        <a:xfrm>
+          <a:off x="0" y="0"/>
+          <a:ext cx="0" cy="0"/>
+          <a:chOff x="0" y="0"/>
+          <a:chExt cx="0" cy="0"/>
+        </a:xfrm>
+      </p:grpSpPr>
+      <p:sp>
+        <p:nvSpPr>
+          <p:cNvPr id="2" name="Title 1"/>
+          <p:cNvSpPr>
+            <a:spLocks noGrp="1"/>
+          </p:cNvSpPr>
+          <p:nvPr>
+            <p:ph type="title"/>
+          </p:nvPr>
+        </p:nvSpPr>
+        <p:spPr>
+          <a:xfrm>
+            <a:off x="1444671" y="798973"/>
+            <a:ext cx="2961967" cy="2406518"/>
+          </a:xfrm>
+        </p:spPr>
+        <p:txBody>
+          <a:bodyPr anchor="b">
+            <a:normAutofit/>
+          </a:bodyPr>
+          <a:lstStyle>
+            <a:lvl1pPr algn="l">
+              <a:defRPr sz="2400"/>
+            </a:lvl1pPr>
+          </a:lstStyle>
+          <a:p>
+            <a:r>
+              <a:rPr lang="en-US"/>
+              <a:t>Click to edit Master title style</a:t>
+            </a:r>
+            <a:endParaRPr lang="en-US" dirty="0"/>
+          </a:p>
+        </p:txBody>
+      </p:sp>
+      <p:sp>
+        <p:nvSpPr>
+          <p:cNvPr id="3" name="Content Placeholder 2"/>
+          <p:cNvSpPr>
+            <a:spLocks noGrp="1"/>
+          </p:cNvSpPr>
+          <p:nvPr>
+            <p:ph idx="1"/>
+          </p:nvPr>
+        </p:nvSpPr>
+        <p:spPr>
+          <a:xfrm>
+            <a:off x="4730324" y="798974"/>
+            <a:ext cx="6012470" cy="4658826"/>
+          </a:xfrm>
+        </p:spPr>
+        <p:txBody>
+          <a:bodyPr anchor="ctr"/>
+          <a:lstStyle/>
+          <a:p>
+            <a:pPr lvl="0"/>
+            <a:r>
+              <a:rPr lang="en-US"/>
+              <a:t>Click to edit Master text styles</a:t>
+            </a:r>
+          </a:p>
+          <a:p>
+            <a:pPr lvl="1"/>
+            <a:r>
+              <a:rPr lang="en-US"/>
+              <a:t>Second level</a:t>
+            </a:r>
+          </a:p>
+          <a:p>
+            <a:pPr lvl="2"/>
+            <a:r>
+              <a:rPr lang="en-US"/>
+              <a:t>Third level</a:t>
+            </a:r>
+          </a:p>
+          <a:p>
+            <a:pPr lvl="3"/>
+            <a:r>
+              <a:rPr lang="en-US"/>
+              <a:t>Fourth level</a:t>
+            </a:r>
+          </a:p>
+          <a:p>
+            <a:pPr lvl="4"/>
+            <a:r>
+              <a:rPr lang="en-US"/>
+              <a:t>Fifth level</a:t>
+            </a:r>
+            <a:endParaRPr lang="en-US" dirty="0"/>
           </a:p>
         </p:txBody>
       </p:sp>
@@ -6493,17 +6534,14 @@
         </p:nvSpPr>
         <p:spPr>
           <a:xfrm>
-            <a:off x="7997952" y="3429000"/>
-            <a:ext cx="3127248" cy="1828800"/>
+            <a:off x="1444671" y="3205491"/>
+            <a:ext cx="2961967" cy="2248181"/>
           </a:xfrm>
         </p:spPr>
         <p:txBody>
           <a:bodyPr/>
           <a:lstStyle>
-            <a:lvl1pPr marL="0" indent="0">
-              <a:spcBef>
-                <a:spcPts val="0"/>
-              </a:spcBef>
+            <a:lvl1pPr marL="0" indent="0" algn="l">
               <a:buNone/>
               <a:defRPr sz="1600"/>
             </a:lvl1pPr>
@@ -6551,7 +6589,474 @@
       </p:sp>
       <p:sp>
         <p:nvSpPr>
-          <p:cNvPr id="8" name="Rectangle 7" descr="An empty placeholder to add an image. Click on the placeholder and select the image that you wish to add."/>
+          <p:cNvPr id="5" name="Date Placeholder 4"/>
+          <p:cNvSpPr>
+            <a:spLocks noGrp="1"/>
+          </p:cNvSpPr>
+          <p:nvPr>
+            <p:ph type="dt" sz="half" idx="10"/>
+          </p:nvPr>
+        </p:nvSpPr>
+        <p:spPr/>
+        <p:txBody>
+          <a:bodyPr/>
+          <a:lstStyle/>
+          <a:p>
+            <a:fld id="{37CC0096-1860-4642-9CD2-0079EA5E7CD1}" type="datetimeFigureOut">
+              <a:rPr lang="en-US" smtClean="0"/>
+              <a:t>6/7/2022</a:t>
+            </a:fld>
+            <a:endParaRPr lang="en-US"/>
+          </a:p>
+        </p:txBody>
+      </p:sp>
+      <p:sp>
+        <p:nvSpPr>
+          <p:cNvPr id="6" name="Footer Placeholder 5"/>
+          <p:cNvSpPr>
+            <a:spLocks noGrp="1"/>
+          </p:cNvSpPr>
+          <p:nvPr>
+            <p:ph type="ftr" sz="quarter" idx="11"/>
+          </p:nvPr>
+        </p:nvSpPr>
+        <p:spPr/>
+        <p:txBody>
+          <a:bodyPr/>
+          <a:lstStyle/>
+          <a:p>
+            <a:endParaRPr lang="en-US"/>
+          </a:p>
+        </p:txBody>
+      </p:sp>
+      <p:sp>
+        <p:nvSpPr>
+          <p:cNvPr id="7" name="Slide Number Placeholder 6"/>
+          <p:cNvSpPr>
+            <a:spLocks noGrp="1"/>
+          </p:cNvSpPr>
+          <p:nvPr>
+            <p:ph type="sldNum" sz="quarter" idx="12"/>
+          </p:nvPr>
+        </p:nvSpPr>
+        <p:spPr/>
+        <p:txBody>
+          <a:bodyPr/>
+          <a:lstStyle/>
+          <a:p>
+            <a:fld id="{E31375A4-56A4-47D6-9801-1991572033F7}" type="slidenum">
+              <a:rPr lang="en-US" smtClean="0"/>
+              <a:t>‹#›</a:t>
+            </a:fld>
+            <a:endParaRPr lang="en-US"/>
+          </a:p>
+        </p:txBody>
+      </p:sp>
+    </p:spTree>
+    <p:extLst>
+      <p:ext uri="{BB962C8B-B14F-4D97-AF65-F5344CB8AC3E}">
+        <p14:creationId xmlns:p14="http://schemas.microsoft.com/office/powerpoint/2010/main" val="2321583094"/>
+      </p:ext>
+    </p:extLst>
+  </p:cSld>
+  <p:clrMapOvr>
+    <a:masterClrMapping/>
+  </p:clrMapOvr>
+</p:sldLayout>
+</file>
+
+<file path=ppt/slideLayouts/slideLayout9.xml><?xml version="1.0" encoding="utf-8"?>
+<p:sldLayout xmlns:a="http://schemas.openxmlformats.org/drawingml/2006/main" xmlns:r="http://schemas.openxmlformats.org/officeDocument/2006/relationships" xmlns:p="http://schemas.openxmlformats.org/presentationml/2006/main" type="picTx" preserve="1">
+  <p:cSld name="Picture with Caption">
+    <p:spTree>
+      <p:nvGrpSpPr>
+        <p:cNvPr id="1" name=""/>
+        <p:cNvGrpSpPr/>
+        <p:nvPr/>
+      </p:nvGrpSpPr>
+      <p:grpSpPr>
+        <a:xfrm>
+          <a:off x="0" y="0"/>
+          <a:ext cx="0" cy="0"/>
+          <a:chOff x="0" y="0"/>
+          <a:chExt cx="0" cy="0"/>
+        </a:xfrm>
+      </p:grpSpPr>
+      <p:grpSp>
+        <p:nvGrpSpPr>
+          <p:cNvPr id="9" name="Group 8"/>
+          <p:cNvGrpSpPr/>
+          <p:nvPr/>
+        </p:nvGrpSpPr>
+        <p:grpSpPr>
+          <a:xfrm>
+            <a:off x="7477387" y="482170"/>
+            <a:ext cx="4074533" cy="5149101"/>
+            <a:chOff x="7477387" y="482170"/>
+            <a:chExt cx="4074533" cy="5149101"/>
+          </a:xfrm>
+        </p:grpSpPr>
+        <p:sp>
+          <p:nvSpPr>
+            <p:cNvPr id="18" name="Rectangle 17"/>
+            <p:cNvSpPr/>
+            <p:nvPr/>
+          </p:nvSpPr>
+          <p:spPr>
+            <a:xfrm>
+              <a:off x="7477387" y="482170"/>
+              <a:ext cx="4074533" cy="5149101"/>
+            </a:xfrm>
+            <a:prstGeom prst="rect">
+              <a:avLst/>
+            </a:prstGeom>
+            <a:blipFill dpi="0" rotWithShape="1">
+              <a:blip r:embed="rId2">
+                <a:alphaModFix amt="30000"/>
+              </a:blip>
+              <a:srcRect/>
+              <a:tile tx="0" ty="0" sx="100000" sy="100000" flip="none" algn="ctr"/>
+            </a:blipFill>
+            <a:ln w="76200" cmpd="sng">
+              <a:noFill/>
+              <a:miter lim="800000"/>
+            </a:ln>
+            <a:effectLst>
+              <a:outerShdw blurRad="127000" dist="228600" dir="4740000" sx="98000" sy="98000" algn="tl" rotWithShape="0">
+                <a:srgbClr val="000000">
+                  <a:alpha val="34000"/>
+                </a:srgbClr>
+              </a:outerShdw>
+            </a:effectLst>
+            <a:scene3d>
+              <a:camera prst="orthographicFront"/>
+              <a:lightRig rig="threePt" dir="t"/>
+            </a:scene3d>
+            <a:sp3d extrusionH="76200" contourW="12700" prstMaterial="matte">
+              <a:bevelT w="152400" h="50800" prst="softRound"/>
+              <a:extrusionClr>
+                <a:schemeClr val="tx2"/>
+              </a:extrusionClr>
+              <a:contourClr>
+                <a:schemeClr val="bg2"/>
+              </a:contourClr>
+            </a:sp3d>
+          </p:spPr>
+          <p:style>
+            <a:lnRef idx="1">
+              <a:schemeClr val="accent1"/>
+            </a:lnRef>
+            <a:fillRef idx="3">
+              <a:schemeClr val="accent1"/>
+            </a:fillRef>
+            <a:effectRef idx="2">
+              <a:schemeClr val="accent1"/>
+            </a:effectRef>
+            <a:fontRef idx="minor">
+              <a:schemeClr val="lt1"/>
+            </a:fontRef>
+          </p:style>
+        </p:sp>
+        <p:sp>
+          <p:nvSpPr>
+            <p:cNvPr id="19" name="Rectangle 18"/>
+            <p:cNvSpPr/>
+            <p:nvPr/>
+          </p:nvSpPr>
+          <p:spPr>
+            <a:xfrm>
+              <a:off x="7790446" y="812506"/>
+              <a:ext cx="3450289" cy="4466452"/>
+            </a:xfrm>
+            <a:prstGeom prst="rect">
+              <a:avLst/>
+            </a:prstGeom>
+            <a:gradFill>
+              <a:gsLst>
+                <a:gs pos="0">
+                  <a:srgbClr val="DADADA"/>
+                </a:gs>
+                <a:gs pos="100000">
+                  <a:srgbClr val="FFFFFE"/>
+                </a:gs>
+              </a:gsLst>
+              <a:lin ang="16200000" scaled="0"/>
+            </a:gradFill>
+            <a:ln w="38100" cmpd="sng">
+              <a:solidFill>
+                <a:schemeClr val="tx2">
+                  <a:lumMod val="25000"/>
+                </a:schemeClr>
+              </a:solidFill>
+              <a:miter lim="800000"/>
+            </a:ln>
+            <a:effectLst>
+              <a:innerShdw blurRad="63500" dist="88900" dir="14100000">
+                <a:srgbClr val="000000">
+                  <a:alpha val="30000"/>
+                </a:srgbClr>
+              </a:innerShdw>
+            </a:effectLst>
+            <a:scene3d>
+              <a:camera prst="orthographicFront"/>
+              <a:lightRig rig="threePt" dir="t"/>
+            </a:scene3d>
+            <a:sp3d>
+              <a:bevelT prst="relaxedInset"/>
+            </a:sp3d>
+          </p:spPr>
+          <p:style>
+            <a:lnRef idx="1">
+              <a:schemeClr val="accent1"/>
+            </a:lnRef>
+            <a:fillRef idx="3">
+              <a:schemeClr val="accent1"/>
+            </a:fillRef>
+            <a:effectRef idx="2">
+              <a:schemeClr val="accent1"/>
+            </a:effectRef>
+            <a:fontRef idx="minor">
+              <a:schemeClr val="lt1"/>
+            </a:fontRef>
+          </p:style>
+        </p:sp>
+      </p:grpSp>
+      <p:sp>
+        <p:nvSpPr>
+          <p:cNvPr id="2" name="Title 1"/>
+          <p:cNvSpPr>
+            <a:spLocks noGrp="1"/>
+          </p:cNvSpPr>
+          <p:nvPr>
+            <p:ph type="title"/>
+          </p:nvPr>
+        </p:nvSpPr>
+        <p:spPr>
+          <a:xfrm>
+            <a:off x="1451206" y="1129512"/>
+            <a:ext cx="5532328" cy="1922299"/>
+          </a:xfrm>
+        </p:spPr>
+        <p:txBody>
+          <a:bodyPr anchor="b">
+            <a:normAutofit/>
+          </a:bodyPr>
+          <a:lstStyle>
+            <a:lvl1pPr>
+              <a:defRPr sz="3200"/>
+            </a:lvl1pPr>
+          </a:lstStyle>
+          <a:p>
+            <a:r>
+              <a:rPr lang="en-US"/>
+              <a:t>Click to edit Master title style</a:t>
+            </a:r>
+            <a:endParaRPr lang="en-US" dirty="0"/>
+          </a:p>
+        </p:txBody>
+      </p:sp>
+      <p:sp>
+        <p:nvSpPr>
+          <p:cNvPr id="3" name="Picture Placeholder 2"/>
+          <p:cNvSpPr>
+            <a:spLocks noGrp="1" noChangeAspect="1"/>
+          </p:cNvSpPr>
+          <p:nvPr>
+            <p:ph type="pic" idx="1"/>
+          </p:nvPr>
+        </p:nvSpPr>
+        <p:spPr>
+          <a:xfrm>
+            <a:off x="8124389" y="1122542"/>
+            <a:ext cx="2791171" cy="3866327"/>
+          </a:xfrm>
+          <a:solidFill>
+            <a:schemeClr val="bg1">
+              <a:lumMod val="50000"/>
+              <a:lumOff val="50000"/>
+              <a:alpha val="80000"/>
+            </a:schemeClr>
+          </a:solidFill>
+          <a:ln w="9525" cap="sq">
+            <a:noFill/>
+            <a:miter lim="800000"/>
+          </a:ln>
+          <a:effectLst/>
+        </p:spPr>
+        <p:txBody>
+          <a:bodyPr vert="horz" lIns="91440" tIns="45720" rIns="91440" bIns="45720" rtlCol="0" anchor="t">
+            <a:normAutofit/>
+          </a:bodyPr>
+          <a:lstStyle>
+            <a:lvl1pPr>
+              <a:defRPr lang="en-US" sz="3200" dirty="0"/>
+            </a:lvl1pPr>
+          </a:lstStyle>
+          <a:p>
+            <a:pPr lvl="0" algn="ctr"/>
+            <a:r>
+              <a:rPr lang="en-US"/>
+              <a:t>Click icon to add picture</a:t>
+            </a:r>
+            <a:endParaRPr lang="en-US" dirty="0"/>
+          </a:p>
+        </p:txBody>
+      </p:sp>
+      <p:sp>
+        <p:nvSpPr>
+          <p:cNvPr id="4" name="Text Placeholder 3"/>
+          <p:cNvSpPr>
+            <a:spLocks noGrp="1"/>
+          </p:cNvSpPr>
+          <p:nvPr>
+            <p:ph type="body" sz="half" idx="2"/>
+          </p:nvPr>
+        </p:nvSpPr>
+        <p:spPr>
+          <a:xfrm>
+            <a:off x="1450329" y="3059600"/>
+            <a:ext cx="5524404" cy="2090134"/>
+          </a:xfrm>
+        </p:spPr>
+        <p:txBody>
+          <a:bodyPr>
+            <a:normAutofit/>
+          </a:bodyPr>
+          <a:lstStyle>
+            <a:lvl1pPr marL="0" indent="0" algn="ctr">
+              <a:buNone/>
+              <a:defRPr sz="1800"/>
+            </a:lvl1pPr>
+            <a:lvl2pPr marL="457200" indent="0">
+              <a:buNone/>
+              <a:defRPr sz="1400"/>
+            </a:lvl2pPr>
+            <a:lvl3pPr marL="914400" indent="0">
+              <a:buNone/>
+              <a:defRPr sz="1200"/>
+            </a:lvl3pPr>
+            <a:lvl4pPr marL="1371600" indent="0">
+              <a:buNone/>
+              <a:defRPr sz="1000"/>
+            </a:lvl4pPr>
+            <a:lvl5pPr marL="1828800" indent="0">
+              <a:buNone/>
+              <a:defRPr sz="1000"/>
+            </a:lvl5pPr>
+            <a:lvl6pPr marL="2286000" indent="0">
+              <a:buNone/>
+              <a:defRPr sz="1000"/>
+            </a:lvl6pPr>
+            <a:lvl7pPr marL="2743200" indent="0">
+              <a:buNone/>
+              <a:defRPr sz="1000"/>
+            </a:lvl7pPr>
+            <a:lvl8pPr marL="3200400" indent="0">
+              <a:buNone/>
+              <a:defRPr sz="1000"/>
+            </a:lvl8pPr>
+            <a:lvl9pPr marL="3657600" indent="0">
+              <a:buNone/>
+              <a:defRPr sz="1000"/>
+            </a:lvl9pPr>
+          </a:lstStyle>
+          <a:p>
+            <a:pPr lvl="0"/>
+            <a:r>
+              <a:rPr lang="en-US"/>
+              <a:t>Click to edit Master text styles</a:t>
+            </a:r>
+          </a:p>
+        </p:txBody>
+      </p:sp>
+      <p:sp>
+        <p:nvSpPr>
+          <p:cNvPr id="5" name="Date Placeholder 4"/>
+          <p:cNvSpPr>
+            <a:spLocks noGrp="1"/>
+          </p:cNvSpPr>
+          <p:nvPr>
+            <p:ph type="dt" sz="half" idx="10"/>
+          </p:nvPr>
+        </p:nvSpPr>
+        <p:spPr>
+          <a:xfrm>
+            <a:off x="1447382" y="5469856"/>
+            <a:ext cx="5527351" cy="320123"/>
+          </a:xfrm>
+        </p:spPr>
+        <p:txBody>
+          <a:bodyPr/>
+          <a:lstStyle>
+            <a:lvl1pPr algn="l">
+              <a:defRPr/>
+            </a:lvl1pPr>
+          </a:lstStyle>
+          <a:p>
+            <a:fld id="{37CC0096-1860-4642-9CD2-0079EA5E7CD1}" type="datetimeFigureOut">
+              <a:rPr lang="en-US" smtClean="0"/>
+              <a:t>6/7/2022</a:t>
+            </a:fld>
+            <a:endParaRPr lang="en-US"/>
+          </a:p>
+        </p:txBody>
+      </p:sp>
+      <p:sp>
+        <p:nvSpPr>
+          <p:cNvPr id="6" name="Footer Placeholder 5"/>
+          <p:cNvSpPr>
+            <a:spLocks noGrp="1"/>
+          </p:cNvSpPr>
+          <p:nvPr>
+            <p:ph type="ftr" sz="quarter" idx="11"/>
+          </p:nvPr>
+        </p:nvSpPr>
+        <p:spPr>
+          <a:xfrm>
+            <a:off x="1447382" y="318640"/>
+            <a:ext cx="5541004" cy="320931"/>
+          </a:xfrm>
+        </p:spPr>
+        <p:txBody>
+          <a:bodyPr/>
+          <a:lstStyle/>
+          <a:p>
+            <a:endParaRPr lang="en-US"/>
+          </a:p>
+        </p:txBody>
+      </p:sp>
+      <p:sp>
+        <p:nvSpPr>
+          <p:cNvPr id="7" name="Slide Number Placeholder 6"/>
+          <p:cNvSpPr>
+            <a:spLocks noGrp="1"/>
+          </p:cNvSpPr>
+          <p:nvPr>
+            <p:ph type="sldNum" sz="quarter" idx="12"/>
+          </p:nvPr>
+        </p:nvSpPr>
+        <p:spPr/>
+        <p:txBody>
+          <a:bodyPr/>
+          <a:lstStyle/>
+          <a:p>
+            <a:fld id="{E31375A4-56A4-47D6-9801-1991572033F7}" type="slidenum">
+              <a:rPr lang="en-US" smtClean="0"/>
+              <a:t>‹#›</a:t>
+            </a:fld>
+            <a:endParaRPr lang="en-US"/>
+          </a:p>
+        </p:txBody>
+      </p:sp>
+      <p:sp>
+        <p:nvSpPr>
+          <p:cNvPr id="11" name="Rectangle 10" descr="An empty placeholder to add an image. Click on the placeholder and select the image that you wish to add.">
+            <a:extLst>
+              <a:ext uri="{FF2B5EF4-FFF2-40B4-BE49-F238E27FC236}">
+                <a16:creationId xmlns:a16="http://schemas.microsoft.com/office/drawing/2014/main" id="{C7B435B8-DE33-F51F-8D79-1B8651E4BB18}"/>
+              </a:ext>
+            </a:extLst>
+          </p:cNvPr>
           <p:cNvSpPr/>
           <p:nvPr userDrawn="1"/>
         </p:nvSpPr>
@@ -6598,75 +7103,10 @@
           </a:p>
         </p:txBody>
       </p:sp>
-      <p:sp>
-        <p:nvSpPr>
-          <p:cNvPr id="6" name="Footer Placeholder 5"/>
-          <p:cNvSpPr>
-            <a:spLocks noGrp="1"/>
-          </p:cNvSpPr>
-          <p:nvPr>
-            <p:ph type="ftr" sz="quarter" idx="11"/>
-          </p:nvPr>
-        </p:nvSpPr>
-        <p:spPr/>
-        <p:txBody>
-          <a:bodyPr/>
-          <a:lstStyle/>
-          <a:p>
-            <a:endParaRPr lang="en-US"/>
-          </a:p>
-        </p:txBody>
-      </p:sp>
-      <p:sp>
-        <p:nvSpPr>
-          <p:cNvPr id="5" name="Date Placeholder 4"/>
-          <p:cNvSpPr>
-            <a:spLocks noGrp="1"/>
-          </p:cNvSpPr>
-          <p:nvPr>
-            <p:ph type="dt" sz="half" idx="10"/>
-          </p:nvPr>
-        </p:nvSpPr>
-        <p:spPr/>
-        <p:txBody>
-          <a:bodyPr/>
-          <a:lstStyle/>
-          <a:p>
-            <a:fld id="{37CC0096-1860-4642-9CD2-0079EA5E7CD1}" type="datetimeFigureOut">
-              <a:rPr lang="en-US" smtClean="0"/>
-              <a:t>6/7/2022</a:t>
-            </a:fld>
-            <a:endParaRPr lang="en-US"/>
-          </a:p>
-        </p:txBody>
-      </p:sp>
-      <p:sp>
-        <p:nvSpPr>
-          <p:cNvPr id="7" name="Slide Number Placeholder 6"/>
-          <p:cNvSpPr>
-            <a:spLocks noGrp="1"/>
-          </p:cNvSpPr>
-          <p:nvPr>
-            <p:ph type="sldNum" sz="quarter" idx="12"/>
-          </p:nvPr>
-        </p:nvSpPr>
-        <p:spPr/>
-        <p:txBody>
-          <a:bodyPr/>
-          <a:lstStyle/>
-          <a:p>
-            <a:fld id="{E31375A4-56A4-47D6-9801-1991572033F7}" type="slidenum">
-              <a:rPr lang="en-US" smtClean="0"/>
-              <a:t>‹#›</a:t>
-            </a:fld>
-            <a:endParaRPr lang="en-US"/>
-          </a:p>
-        </p:txBody>
-      </p:sp>
     </p:spTree>
     <p:extLst>
       <p:ext uri="{BB962C8B-B14F-4D97-AF65-F5344CB8AC3E}">
-        <p14:creationId xmlns:p14="http://schemas.microsoft.com/office/powerpoint/2010/main" val="2977249753"/>
+        <p14:creationId xmlns:p14="http://schemas.microsoft.com/office/powerpoint/2010/main" val="2705967243"/>
       </p:ext>
     </p:extLst>
   </p:cSld>
@@ -6680,7 +7120,7 @@
 <p:sldMaster xmlns:a="http://schemas.openxmlformats.org/drawingml/2006/main" xmlns:r="http://schemas.openxmlformats.org/officeDocument/2006/relationships" xmlns:p="http://schemas.openxmlformats.org/presentationml/2006/main">
   <p:cSld>
     <p:bg>
-      <p:bgRef idx="1001">
+      <p:bgRef idx="1003">
         <a:schemeClr val="bg1"/>
       </p:bgRef>
     </p:bg>
@@ -6710,15 +7150,15 @@
         </p:nvSpPr>
         <p:spPr>
           <a:xfrm>
-            <a:off x="1524000" y="457200"/>
-            <a:ext cx="9144000" cy="1143000"/>
+            <a:off x="1451579" y="804519"/>
+            <a:ext cx="9291215" cy="1049235"/>
           </a:xfrm>
           <a:prstGeom prst="rect">
             <a:avLst/>
           </a:prstGeom>
         </p:spPr>
         <p:txBody>
-          <a:bodyPr vert="horz" lIns="91440" tIns="45720" rIns="91440" bIns="45720" rtlCol="0" anchor="b">
+          <a:bodyPr vert="horz" lIns="91440" tIns="45720" rIns="91440" bIns="45720" rtlCol="0" anchor="ctr">
             <a:normAutofit/>
           </a:bodyPr>
           <a:lstStyle/>
@@ -6727,7 +7167,7 @@
               <a:rPr lang="en-US"/>
               <a:t>Click to edit Master title style</a:t>
             </a:r>
-            <a:endParaRPr/>
+            <a:endParaRPr lang="en-US" dirty="0"/>
           </a:p>
         </p:txBody>
       </p:sp>
@@ -6743,8 +7183,8 @@
         </p:nvSpPr>
         <p:spPr>
           <a:xfrm>
-            <a:off x="1524000" y="1828800"/>
-            <a:ext cx="9144000" cy="4267200"/>
+            <a:off x="1451579" y="2015732"/>
+            <a:ext cx="9291215" cy="3450613"/>
           </a:xfrm>
           <a:prstGeom prst="rect">
             <a:avLst/>
@@ -6789,7 +7229,49 @@
               <a:rPr lang="en-US"/>
               <a:t>Fifth level</a:t>
             </a:r>
-            <a:endParaRPr/>
+            <a:endParaRPr lang="en-US" dirty="0"/>
+          </a:p>
+        </p:txBody>
+      </p:sp>
+      <p:sp>
+        <p:nvSpPr>
+          <p:cNvPr id="4" name="Date Placeholder 3"/>
+          <p:cNvSpPr>
+            <a:spLocks noGrp="1"/>
+          </p:cNvSpPr>
+          <p:nvPr>
+            <p:ph type="dt" sz="half" idx="2"/>
+          </p:nvPr>
+        </p:nvSpPr>
+        <p:spPr>
+          <a:xfrm>
+            <a:off x="7242079" y="330370"/>
+            <a:ext cx="3500715" cy="309201"/>
+          </a:xfrm>
+          <a:prstGeom prst="rect">
+            <a:avLst/>
+          </a:prstGeom>
+        </p:spPr>
+        <p:txBody>
+          <a:bodyPr vert="horz" lIns="91440" tIns="45720" rIns="91440" bIns="45720" rtlCol="0" anchor="ctr"/>
+          <a:lstStyle>
+            <a:lvl1pPr algn="r">
+              <a:defRPr sz="1000">
+                <a:solidFill>
+                  <a:schemeClr val="tx1">
+                    <a:tint val="75000"/>
+                  </a:schemeClr>
+                </a:solidFill>
+              </a:defRPr>
+            </a:lvl1pPr>
+          </a:lstStyle>
+          <a:p>
+            <a:fld id="{37CC0096-1860-4642-9CD2-0079EA5E7CD1}" type="datetimeFigureOut">
+              <a:rPr lang="en-US" smtClean="0"/>
+              <a:pPr/>
+              <a:t>6/7/2022</a:t>
+            </a:fld>
+            <a:endParaRPr lang="en-US"/>
           </a:p>
         </p:txBody>
       </p:sp>
@@ -6805,8 +7287,8 @@
         </p:nvSpPr>
         <p:spPr>
           <a:xfrm>
-            <a:off x="1524000" y="6362700"/>
-            <a:ext cx="6881553" cy="257176"/>
+            <a:off x="1451579" y="329307"/>
+            <a:ext cx="5626774" cy="309201"/>
           </a:xfrm>
           <a:prstGeom prst="rect">
             <a:avLst/>
@@ -6816,10 +7298,10 @@
           <a:bodyPr vert="horz" lIns="91440" tIns="45720" rIns="91440" bIns="45720" rtlCol="0" anchor="ctr"/>
           <a:lstStyle>
             <a:lvl1pPr algn="l">
-              <a:defRPr sz="1100">
+              <a:defRPr sz="1000">
                 <a:solidFill>
                   <a:schemeClr val="tx1">
-                    <a:lumMod val="85000"/>
+                    <a:tint val="75000"/>
                   </a:schemeClr>
                 </a:solidFill>
               </a:defRPr>
@@ -6827,48 +7309,6 @@
           </a:lstStyle>
           <a:p>
             <a:endParaRPr lang="en-US" dirty="0"/>
-          </a:p>
-        </p:txBody>
-      </p:sp>
-      <p:sp>
-        <p:nvSpPr>
-          <p:cNvPr id="4" name="Date Placeholder 3"/>
-          <p:cNvSpPr>
-            <a:spLocks noGrp="1"/>
-          </p:cNvSpPr>
-          <p:nvPr>
-            <p:ph type="dt" sz="half" idx="2"/>
-          </p:nvPr>
-        </p:nvSpPr>
-        <p:spPr>
-          <a:xfrm>
-            <a:off x="8610600" y="6362700"/>
-            <a:ext cx="990600" cy="257176"/>
-          </a:xfrm>
-          <a:prstGeom prst="rect">
-            <a:avLst/>
-          </a:prstGeom>
-        </p:spPr>
-        <p:txBody>
-          <a:bodyPr vert="horz" lIns="91440" tIns="45720" rIns="91440" bIns="45720" rtlCol="0" anchor="ctr"/>
-          <a:lstStyle>
-            <a:lvl1pPr algn="r">
-              <a:defRPr sz="1100">
-                <a:solidFill>
-                  <a:schemeClr val="tx1">
-                    <a:lumMod val="85000"/>
-                  </a:schemeClr>
-                </a:solidFill>
-              </a:defRPr>
-            </a:lvl1pPr>
-          </a:lstStyle>
-          <a:p>
-            <a:fld id="{37CC0096-1860-4642-9CD2-0079EA5E7CD1}" type="datetimeFigureOut">
-              <a:rPr lang="en-US" smtClean="0"/>
-              <a:pPr/>
-              <a:t>6/7/2022</a:t>
-            </a:fld>
-            <a:endParaRPr lang="en-US"/>
           </a:p>
         </p:txBody>
       </p:sp>
@@ -6884,22 +7324,20 @@
         </p:nvSpPr>
         <p:spPr>
           <a:xfrm>
-            <a:off x="9829800" y="6362700"/>
-            <a:ext cx="838200" cy="257176"/>
+            <a:off x="480060" y="798973"/>
+            <a:ext cx="811019" cy="503578"/>
           </a:xfrm>
           <a:prstGeom prst="rect">
             <a:avLst/>
           </a:prstGeom>
         </p:spPr>
         <p:txBody>
-          <a:bodyPr vert="horz" lIns="91440" tIns="45720" rIns="91440" bIns="45720" rtlCol="0" anchor="ctr"/>
+          <a:bodyPr vert="horz" lIns="91440" tIns="45720" rIns="91440" bIns="45720" rtlCol="0" anchor="t"/>
           <a:lstStyle>
             <a:lvl1pPr algn="r">
-              <a:defRPr sz="1100">
+              <a:defRPr sz="2800">
                 <a:solidFill>
-                  <a:schemeClr val="tx1">
-                    <a:lumMod val="85000"/>
-                  </a:schemeClr>
+                  <a:schemeClr val="accent1"/>
                 </a:solidFill>
               </a:defRPr>
             </a:lvl1pPr>
@@ -6914,30 +7352,148 @@
           </a:p>
         </p:txBody>
       </p:sp>
+      <p:sp>
+        <p:nvSpPr>
+          <p:cNvPr id="9" name="Rectangle 8"/>
+          <p:cNvSpPr/>
+          <p:nvPr/>
+        </p:nvSpPr>
+        <p:spPr>
+          <a:xfrm>
+            <a:off x="0" y="3622291"/>
+            <a:ext cx="12192000" cy="2505984"/>
+          </a:xfrm>
+          <a:prstGeom prst="rect">
+            <a:avLst/>
+          </a:prstGeom>
+          <a:gradFill flip="none" rotWithShape="1">
+            <a:gsLst>
+              <a:gs pos="0">
+                <a:schemeClr val="bg2">
+                  <a:alpha val="0"/>
+                </a:schemeClr>
+              </a:gs>
+              <a:gs pos="100000">
+                <a:schemeClr val="bg2">
+                  <a:alpha val="80000"/>
+                </a:schemeClr>
+              </a:gs>
+            </a:gsLst>
+            <a:lin ang="5400000" scaled="0"/>
+            <a:tileRect/>
+          </a:gradFill>
+          <a:ln>
+            <a:noFill/>
+          </a:ln>
+        </p:spPr>
+        <p:style>
+          <a:lnRef idx="2">
+            <a:schemeClr val="accent1">
+              <a:shade val="50000"/>
+            </a:schemeClr>
+          </a:lnRef>
+          <a:fillRef idx="1">
+            <a:schemeClr val="accent1"/>
+          </a:fillRef>
+          <a:effectRef idx="0">
+            <a:schemeClr val="accent1"/>
+          </a:effectRef>
+          <a:fontRef idx="minor">
+            <a:schemeClr val="lt1"/>
+          </a:fontRef>
+        </p:style>
+      </p:sp>
+      <p:pic>
+        <p:nvPicPr>
+          <p:cNvPr id="10" name="Picture 9"/>
+          <p:cNvPicPr>
+            <a:picLocks noChangeAspect="1"/>
+          </p:cNvPicPr>
+          <p:nvPr/>
+        </p:nvPicPr>
+        <p:blipFill rotWithShape="1">
+          <a:blip r:embed="rId14">
+            <a:extLst>
+              <a:ext uri="{28A0092B-C50C-407E-A947-70E740481C1C}">
+                <a14:useLocalDpi xmlns:a14="http://schemas.microsoft.com/office/drawing/2010/main" val="0"/>
+              </a:ext>
+            </a:extLst>
+          </a:blip>
+          <a:srcRect t="1538" b="-1538"/>
+          <a:stretch/>
+        </p:blipFill>
+        <p:spPr>
+          <a:xfrm>
+            <a:off x="0" y="6129338"/>
+            <a:ext cx="12192000" cy="742950"/>
+          </a:xfrm>
+          <a:prstGeom prst="rect">
+            <a:avLst/>
+          </a:prstGeom>
+        </p:spPr>
+      </p:pic>
+      <p:cxnSp>
+        <p:nvCxnSpPr>
+          <p:cNvPr id="12" name="Straight Connector 11"/>
+          <p:cNvCxnSpPr/>
+          <p:nvPr/>
+        </p:nvCxnSpPr>
+        <p:spPr>
+          <a:xfrm>
+            <a:off x="0" y="6138142"/>
+            <a:ext cx="12192000" cy="0"/>
+          </a:xfrm>
+          <a:prstGeom prst="line">
+            <a:avLst/>
+          </a:prstGeom>
+          <a:ln w="12700">
+            <a:solidFill>
+              <a:srgbClr val="000001">
+                <a:alpha val="20000"/>
+              </a:srgbClr>
+            </a:solidFill>
+          </a:ln>
+        </p:spPr>
+        <p:style>
+          <a:lnRef idx="1">
+            <a:schemeClr val="accent1"/>
+          </a:lnRef>
+          <a:fillRef idx="0">
+            <a:schemeClr val="accent1"/>
+          </a:fillRef>
+          <a:effectRef idx="0">
+            <a:schemeClr val="accent1"/>
+          </a:effectRef>
+          <a:fontRef idx="minor">
+            <a:schemeClr val="tx1"/>
+          </a:fontRef>
+        </p:style>
+      </p:cxnSp>
     </p:spTree>
     <p:extLst>
       <p:ext uri="{BB962C8B-B14F-4D97-AF65-F5344CB8AC3E}">
-        <p14:creationId xmlns:p14="http://schemas.microsoft.com/office/powerpoint/2010/main" val="1943259863"/>
+        <p14:creationId xmlns:p14="http://schemas.microsoft.com/office/powerpoint/2010/main" val="3530338299"/>
       </p:ext>
     </p:extLst>
   </p:cSld>
   <p:clrMap bg1="dk1" tx1="lt1" bg2="dk2" tx2="lt2" accent1="accent1" accent2="accent2" accent3="accent3" accent4="accent4" accent5="accent5" accent6="accent6" hlink="hlink" folHlink="folHlink"/>
   <p:sldLayoutIdLst>
-    <p:sldLayoutId id="2147483649" r:id="rId1"/>
-    <p:sldLayoutId id="2147483650" r:id="rId2"/>
-    <p:sldLayoutId id="2147483651" r:id="rId3"/>
-    <p:sldLayoutId id="2147483652" r:id="rId4"/>
-    <p:sldLayoutId id="2147483653" r:id="rId5"/>
-    <p:sldLayoutId id="2147483654" r:id="rId6"/>
-    <p:sldLayoutId id="2147483655" r:id="rId7"/>
-    <p:sldLayoutId id="2147483656" r:id="rId8"/>
-    <p:sldLayoutId id="2147483657" r:id="rId9"/>
-    <p:sldLayoutId id="2147483658" r:id="rId10"/>
-    <p:sldLayoutId id="2147483659" r:id="rId11"/>
+    <p:sldLayoutId id="2147483673" r:id="rId1"/>
+    <p:sldLayoutId id="2147483674" r:id="rId2"/>
+    <p:sldLayoutId id="2147483675" r:id="rId3"/>
+    <p:sldLayoutId id="2147483676" r:id="rId4"/>
+    <p:sldLayoutId id="2147483677" r:id="rId5"/>
+    <p:sldLayoutId id="2147483678" r:id="rId6"/>
+    <p:sldLayoutId id="2147483679" r:id="rId7"/>
+    <p:sldLayoutId id="2147483680" r:id="rId8"/>
+    <p:sldLayoutId id="2147483681" r:id="rId9"/>
+    <p:sldLayoutId id="2147483682" r:id="rId10"/>
+    <p:sldLayoutId id="2147483683" r:id="rId11"/>
+    <p:sldLayoutId id="2147483656" r:id="rId12"/>
   </p:sldLayoutIdLst>
   <p:txStyles>
     <p:titleStyle>
-      <a:lvl1pPr algn="l" defTabSz="914400" rtl="0" eaLnBrk="1" latinLnBrk="0" hangingPunct="1">
+      <a:lvl1pPr algn="ctr" defTabSz="914400" rtl="0" eaLnBrk="1" latinLnBrk="0" hangingPunct="1">
         <a:lnSpc>
           <a:spcPct val="90000"/>
         </a:lnSpc>
@@ -6945,10 +7501,11 @@
           <a:spcPct val="0"/>
         </a:spcBef>
         <a:buNone/>
-        <a:defRPr sz="3400" kern="1200">
+        <a:defRPr sz="3200" b="0" i="0" kern="1200" cap="all">
           <a:solidFill>
             <a:schemeClr val="accent1"/>
           </a:solidFill>
+          <a:effectLst/>
           <a:latin typeface="+mj-lt"/>
           <a:ea typeface="+mj-ea"/>
           <a:cs typeface="+mj-cs"/>
@@ -6958,30 +7515,7 @@
     <p:bodyStyle>
       <a:lvl1pPr marL="228600" indent="-228600" algn="l" defTabSz="914400" rtl="0" eaLnBrk="1" latinLnBrk="0" hangingPunct="1">
         <a:lnSpc>
-          <a:spcPct val="90000"/>
-        </a:lnSpc>
-        <a:spcBef>
-          <a:spcPts val="1800"/>
-        </a:spcBef>
-        <a:buClr>
-          <a:schemeClr val="accent1"/>
-        </a:buClr>
-        <a:buFont typeface="Arial" pitchFamily="34" charset="0"/>
-        <a:buChar char="•"/>
-        <a:defRPr sz="2000" kern="1200">
-          <a:solidFill>
-            <a:schemeClr val="tx1">
-              <a:lumMod val="85000"/>
-            </a:schemeClr>
-          </a:solidFill>
-          <a:latin typeface="+mn-lt"/>
-          <a:ea typeface="+mn-ea"/>
-          <a:cs typeface="+mn-cs"/>
-        </a:defRPr>
-      </a:lvl1pPr>
-      <a:lvl2pPr marL="594360" indent="-228600" algn="l" defTabSz="914400" rtl="0" eaLnBrk="1" latinLnBrk="0" hangingPunct="1">
-        <a:lnSpc>
-          <a:spcPct val="90000"/>
+          <a:spcPct val="120000"/>
         </a:lnSpc>
         <a:spcBef>
           <a:spcPts val="1000"/>
@@ -6989,167 +7523,198 @@
         <a:buClr>
           <a:schemeClr val="accent1"/>
         </a:buClr>
-        <a:buFont typeface="Arial" pitchFamily="34" charset="0"/>
+        <a:buSzPct val="100000"/>
+        <a:buFont typeface="Arial" panose="020B0604020202020204" pitchFamily="34" charset="0"/>
         <a:buChar char="•"/>
-        <a:defRPr sz="1800" kern="1200">
+        <a:defRPr sz="2000" kern="1200">
           <a:solidFill>
-            <a:schemeClr val="tx1">
-              <a:lumMod val="85000"/>
-            </a:schemeClr>
+            <a:schemeClr val="tx1"/>
           </a:solidFill>
+          <a:effectLst/>
+          <a:latin typeface="+mn-lt"/>
+          <a:ea typeface="+mn-ea"/>
+          <a:cs typeface="+mn-cs"/>
+        </a:defRPr>
+      </a:lvl1pPr>
+      <a:lvl2pPr marL="685800" indent="-228600" algn="l" defTabSz="914400" rtl="0" eaLnBrk="1" latinLnBrk="0" hangingPunct="1">
+        <a:lnSpc>
+          <a:spcPct val="120000"/>
+        </a:lnSpc>
+        <a:spcBef>
+          <a:spcPts val="500"/>
+        </a:spcBef>
+        <a:buClr>
+          <a:schemeClr val="accent1"/>
+        </a:buClr>
+        <a:buSzPct val="100000"/>
+        <a:buFont typeface="Arial" panose="020B0604020202020204" pitchFamily="34" charset="0"/>
+        <a:buChar char="•"/>
+        <a:defRPr sz="1800" kern="1200" cap="none" baseline="0">
+          <a:solidFill>
+            <a:schemeClr val="tx1"/>
+          </a:solidFill>
+          <a:effectLst/>
           <a:latin typeface="+mn-lt"/>
           <a:ea typeface="+mn-ea"/>
           <a:cs typeface="+mn-cs"/>
         </a:defRPr>
       </a:lvl2pPr>
-      <a:lvl3pPr marL="914400" indent="-228600" algn="l" defTabSz="914400" rtl="0" eaLnBrk="1" latinLnBrk="0" hangingPunct="1">
+      <a:lvl3pPr marL="1143000" indent="-228600" algn="l" defTabSz="914400" rtl="0" eaLnBrk="1" latinLnBrk="0" hangingPunct="1">
         <a:lnSpc>
-          <a:spcPct val="90000"/>
+          <a:spcPct val="120000"/>
         </a:lnSpc>
         <a:spcBef>
-          <a:spcPts val="800"/>
+          <a:spcPts val="500"/>
         </a:spcBef>
         <a:buClr>
           <a:schemeClr val="accent1"/>
         </a:buClr>
-        <a:buFont typeface="Arial" pitchFamily="34" charset="0"/>
+        <a:buSzPct val="100000"/>
+        <a:buFont typeface="Arial" panose="020B0604020202020204" pitchFamily="34" charset="0"/>
         <a:buChar char="•"/>
         <a:defRPr sz="1600" kern="1200">
           <a:solidFill>
-            <a:schemeClr val="tx1">
-              <a:lumMod val="85000"/>
-            </a:schemeClr>
+            <a:schemeClr val="tx1"/>
           </a:solidFill>
+          <a:effectLst/>
           <a:latin typeface="+mn-lt"/>
           <a:ea typeface="+mn-ea"/>
           <a:cs typeface="+mn-cs"/>
         </a:defRPr>
       </a:lvl3pPr>
-      <a:lvl4pPr marL="1234440" indent="-228600" algn="l" defTabSz="914400" rtl="0" eaLnBrk="1" latinLnBrk="0" hangingPunct="1">
+      <a:lvl4pPr marL="1600200" indent="-228600" algn="l" defTabSz="914400" rtl="0" eaLnBrk="1" latinLnBrk="0" hangingPunct="1">
         <a:lnSpc>
-          <a:spcPct val="90000"/>
+          <a:spcPct val="120000"/>
         </a:lnSpc>
         <a:spcBef>
-          <a:spcPts val="800"/>
+          <a:spcPts val="500"/>
         </a:spcBef>
         <a:buClr>
           <a:schemeClr val="accent1"/>
         </a:buClr>
-        <a:buFont typeface="Arial" pitchFamily="34" charset="0"/>
+        <a:buSzPct val="100000"/>
+        <a:buFont typeface="Arial" panose="020B0604020202020204" pitchFamily="34" charset="0"/>
         <a:buChar char="•"/>
-        <a:defRPr sz="1400" kern="1200">
+        <a:defRPr sz="1400" kern="1200" cap="none" baseline="0">
           <a:solidFill>
-            <a:schemeClr val="tx1">
-              <a:lumMod val="85000"/>
-            </a:schemeClr>
+            <a:schemeClr val="tx1"/>
           </a:solidFill>
+          <a:effectLst/>
           <a:latin typeface="+mn-lt"/>
           <a:ea typeface="+mn-ea"/>
           <a:cs typeface="+mn-cs"/>
         </a:defRPr>
       </a:lvl4pPr>
-      <a:lvl5pPr marL="1508760" indent="-228600" algn="l" defTabSz="914400" rtl="0" eaLnBrk="1" latinLnBrk="0" hangingPunct="1">
+      <a:lvl5pPr marL="2057400" indent="-228600" algn="l" defTabSz="914400" rtl="0" eaLnBrk="1" latinLnBrk="0" hangingPunct="1">
         <a:lnSpc>
-          <a:spcPct val="90000"/>
+          <a:spcPct val="120000"/>
         </a:lnSpc>
         <a:spcBef>
-          <a:spcPts val="800"/>
+          <a:spcPts val="500"/>
         </a:spcBef>
         <a:buClr>
           <a:schemeClr val="accent1"/>
         </a:buClr>
-        <a:buFont typeface="Arial" pitchFamily="34" charset="0"/>
+        <a:buSzPct val="100000"/>
+        <a:buFont typeface="Arial" panose="020B0604020202020204" pitchFamily="34" charset="0"/>
         <a:buChar char="•"/>
-        <a:defRPr sz="1400" kern="1200">
+        <a:defRPr sz="1200" kern="1200">
           <a:solidFill>
-            <a:schemeClr val="tx1">
-              <a:lumMod val="85000"/>
-            </a:schemeClr>
+            <a:schemeClr val="tx1"/>
           </a:solidFill>
+          <a:effectLst/>
           <a:latin typeface="+mn-lt"/>
           <a:ea typeface="+mn-ea"/>
           <a:cs typeface="+mn-cs"/>
         </a:defRPr>
       </a:lvl5pPr>
-      <a:lvl6pPr marL="1783080" indent="-228600" algn="l" defTabSz="914400" rtl="0" eaLnBrk="1" latinLnBrk="0" hangingPunct="1">
+      <a:lvl6pPr marL="2514600" indent="-228600" algn="l" defTabSz="914400" rtl="0" eaLnBrk="1" latinLnBrk="0" hangingPunct="1">
         <a:lnSpc>
-          <a:spcPct val="90000"/>
+          <a:spcPct val="120000"/>
         </a:lnSpc>
         <a:spcBef>
-          <a:spcPts val="800"/>
+          <a:spcPts val="500"/>
         </a:spcBef>
         <a:buClr>
           <a:schemeClr val="accent1"/>
         </a:buClr>
-        <a:buFont typeface="Arial" pitchFamily="34" charset="0"/>
+        <a:buSzPct val="100000"/>
+        <a:buFont typeface="Arial" panose="020B0604020202020204" pitchFamily="34" charset="0"/>
         <a:buChar char="•"/>
-        <a:defRPr sz="1400" kern="1200">
+        <a:defRPr sz="1200" kern="1200">
           <a:solidFill>
             <a:schemeClr val="tx1"/>
           </a:solidFill>
+          <a:effectLst/>
           <a:latin typeface="+mn-lt"/>
           <a:ea typeface="+mn-ea"/>
           <a:cs typeface="+mn-cs"/>
         </a:defRPr>
       </a:lvl6pPr>
-      <a:lvl7pPr marL="2057400" indent="-228600" algn="l" defTabSz="914400" rtl="0" eaLnBrk="1" latinLnBrk="0" hangingPunct="1">
+      <a:lvl7pPr marL="2971800" indent="-228600" algn="l" defTabSz="914400" rtl="0" eaLnBrk="1" latinLnBrk="0" hangingPunct="1">
         <a:lnSpc>
-          <a:spcPct val="90000"/>
+          <a:spcPct val="120000"/>
         </a:lnSpc>
         <a:spcBef>
-          <a:spcPts val="800"/>
+          <a:spcPts val="500"/>
         </a:spcBef>
         <a:buClr>
           <a:schemeClr val="accent1"/>
         </a:buClr>
-        <a:buFont typeface="Arial" pitchFamily="34" charset="0"/>
+        <a:buSzPct val="100000"/>
+        <a:buFont typeface="Arial" panose="020B0604020202020204" pitchFamily="34" charset="0"/>
         <a:buChar char="•"/>
-        <a:defRPr sz="1400" kern="1200">
+        <a:defRPr sz="1200" kern="1200">
           <a:solidFill>
             <a:schemeClr val="tx1"/>
           </a:solidFill>
+          <a:effectLst/>
           <a:latin typeface="+mn-lt"/>
           <a:ea typeface="+mn-ea"/>
           <a:cs typeface="+mn-cs"/>
         </a:defRPr>
       </a:lvl7pPr>
-      <a:lvl8pPr marL="2331720" indent="-228600" algn="l" defTabSz="914400" rtl="0" eaLnBrk="1" latinLnBrk="0" hangingPunct="1">
+      <a:lvl8pPr marL="3429000" indent="-228600" algn="l" defTabSz="914400" rtl="0" eaLnBrk="1" latinLnBrk="0" hangingPunct="1">
         <a:lnSpc>
-          <a:spcPct val="90000"/>
+          <a:spcPct val="120000"/>
         </a:lnSpc>
         <a:spcBef>
-          <a:spcPts val="800"/>
+          <a:spcPts val="500"/>
         </a:spcBef>
         <a:buClr>
           <a:schemeClr val="accent1"/>
         </a:buClr>
-        <a:buFont typeface="Arial" pitchFamily="34" charset="0"/>
+        <a:buSzPct val="100000"/>
+        <a:buFont typeface="Arial" panose="020B0604020202020204" pitchFamily="34" charset="0"/>
         <a:buChar char="•"/>
-        <a:defRPr sz="1400" kern="1200">
+        <a:defRPr sz="1200" kern="1200" baseline="0">
           <a:solidFill>
             <a:schemeClr val="tx1"/>
           </a:solidFill>
+          <a:effectLst/>
           <a:latin typeface="+mn-lt"/>
           <a:ea typeface="+mn-ea"/>
           <a:cs typeface="+mn-cs"/>
         </a:defRPr>
       </a:lvl8pPr>
-      <a:lvl9pPr marL="2606040" indent="-228600" algn="l" defTabSz="914400" rtl="0" eaLnBrk="1" latinLnBrk="0" hangingPunct="1">
+      <a:lvl9pPr marL="3886200" indent="-228600" algn="l" defTabSz="914400" rtl="0" eaLnBrk="1" latinLnBrk="0" hangingPunct="1">
         <a:lnSpc>
-          <a:spcPct val="90000"/>
+          <a:spcPct val="120000"/>
         </a:lnSpc>
         <a:spcBef>
-          <a:spcPts val="800"/>
+          <a:spcPts val="500"/>
         </a:spcBef>
         <a:buClr>
           <a:schemeClr val="accent1"/>
         </a:buClr>
-        <a:buFont typeface="Arial" pitchFamily="34" charset="0"/>
+        <a:buSzPct val="100000"/>
+        <a:buFont typeface="Arial" panose="020B0604020202020204" pitchFamily="34" charset="0"/>
         <a:buChar char="•"/>
-        <a:defRPr sz="1400" kern="1200">
+        <a:defRPr sz="1200" kern="1200" baseline="0">
           <a:solidFill>
             <a:schemeClr val="tx1"/>
           </a:solidFill>
+          <a:effectLst/>
           <a:latin typeface="+mn-lt"/>
           <a:ea typeface="+mn-ea"/>
           <a:cs typeface="+mn-cs"/>
@@ -7158,7 +7723,7 @@
     </p:bodyStyle>
     <p:otherStyle>
       <a:defPPr>
-        <a:defRPr/>
+        <a:defRPr lang="en-US"/>
       </a:defPPr>
       <a:lvl1pPr marL="0" algn="l" defTabSz="914400" rtl="0" eaLnBrk="1" latinLnBrk="0" hangingPunct="1">
         <a:defRPr sz="1800" kern="1200">
@@ -7254,18 +7819,7 @@
   </p:txStyles>
   <p:extLst>
     <p:ext uri="{27BBF7A9-308A-43DC-89C8-2F10F3537804}">
-      <p15:sldGuideLst xmlns:p15="http://schemas.microsoft.com/office/powerpoint/2012/main">
-        <p15:guide id="1" orient="horz" pos="2160">
-          <p15:clr>
-            <a:srgbClr val="F26B43"/>
-          </p15:clr>
-        </p15:guide>
-        <p15:guide id="2" pos="3840">
-          <p15:clr>
-            <a:srgbClr val="F26B43"/>
-          </p15:clr>
-        </p15:guide>
-      </p15:sldGuideLst>
+      <p15:sldGuideLst xmlns:p15="http://schemas.microsoft.com/office/powerpoint/2012/main"/>
     </p:ext>
   </p:extLst>
 </p:sldMaster>
@@ -7492,18 +8046,6 @@
       </p:sp>
       <p:sp>
         <p:nvSpPr>
-          <p:cNvPr id="3" name="Picture Placeholder 2" descr="An empty placeholder to add an image. Click on the placeholder and select the image that you wish to add."/>
-          <p:cNvSpPr>
-            <a:spLocks noGrp="1"/>
-          </p:cNvSpPr>
-          <p:nvPr>
-            <p:ph type="pic" idx="1"/>
-          </p:nvPr>
-        </p:nvSpPr>
-        <p:spPr/>
-      </p:sp>
-      <p:sp>
-        <p:nvSpPr>
           <p:cNvPr id="4" name="Text Placeholder 3"/>
           <p:cNvSpPr>
             <a:spLocks noGrp="1"/>
@@ -7514,593 +8056,314 @@
         </p:nvSpPr>
         <p:spPr>
           <a:xfrm>
-            <a:off x="7824192" y="1628799"/>
-            <a:ext cx="4367808" cy="4824533"/>
+            <a:off x="7680176" y="1441376"/>
+            <a:ext cx="3600400" cy="4147864"/>
           </a:xfrm>
         </p:spPr>
         <p:txBody>
           <a:bodyPr>
-            <a:normAutofit/>
+            <a:normAutofit fontScale="47500" lnSpcReduction="20000"/>
           </a:bodyPr>
           <a:lstStyle/>
           <a:p>
             <a:r>
-              <a:rPr lang="en-IN" sz="2400" dirty="0"/>
+              <a:rPr lang="en-IN" sz="2400" dirty="0">
+                <a:solidFill>
+                  <a:schemeClr val="bg1"/>
+                </a:solidFill>
+              </a:rPr>
               <a:t>It allows one to save a copy of the code without making a commit.</a:t>
             </a:r>
-          </a:p>
-          <a:p>
             <a:r>
-              <a:rPr lang="en-US" sz="2400" dirty="0"/>
-              <a:t>Stashing is like saving a temporary local commit to your branch.</a:t>
+              <a:rPr lang="en-US" sz="2400" dirty="0">
+                <a:solidFill>
+                  <a:schemeClr val="bg1"/>
+                </a:solidFill>
+              </a:rPr>
+              <a:t> </a:t>
             </a:r>
           </a:p>
           <a:p>
             <a:r>
-              <a:rPr lang="en-IN" sz="2400" dirty="0"/>
-              <a:t>$git stash list</a:t>
+              <a:rPr lang="en-IN" sz="2400" dirty="0">
+                <a:solidFill>
+                  <a:schemeClr val="bg1"/>
+                </a:solidFill>
+              </a:rPr>
+              <a:t>$git stash list </a:t>
             </a:r>
-          </a:p>
-          <a:p>
             <a:r>
-              <a:rPr lang="en-IN" sz="2400" dirty="0"/>
-              <a:t>Enable one to see the list of the stashes</a:t>
+              <a:rPr lang="en-IN" sz="2400" dirty="0">
+                <a:solidFill>
+                  <a:schemeClr val="bg2">
+                    <a:lumMod val="60000"/>
+                    <a:lumOff val="40000"/>
+                  </a:schemeClr>
+                </a:solidFill>
+              </a:rPr>
+              <a:t>#Enable one to see the list of the stashes</a:t>
             </a:r>
           </a:p>
           <a:p>
             <a:r>
-              <a:rPr lang="en-IN" sz="2400" dirty="0"/>
-              <a:t>And </a:t>
+              <a:rPr lang="en-IN" sz="2400" dirty="0">
+                <a:solidFill>
+                  <a:schemeClr val="bg1"/>
+                </a:solidFill>
+              </a:rPr>
+              <a:t>$git stash apply </a:t>
             </a:r>
-          </a:p>
-          <a:p>
             <a:r>
-              <a:rPr lang="en-IN" sz="2400" dirty="0"/>
-              <a:t>$git stash apply</a:t>
+              <a:rPr lang="en-IN" sz="2400" dirty="0">
+                <a:solidFill>
+                  <a:schemeClr val="bg2">
+                    <a:lumMod val="60000"/>
+                    <a:lumOff val="40000"/>
+                  </a:schemeClr>
+                </a:solidFill>
+              </a:rPr>
+              <a:t>#To reapply the stashed code</a:t>
             </a:r>
           </a:p>
           <a:p>
             <a:r>
-              <a:rPr lang="en-IN" sz="2400" dirty="0"/>
-              <a:t>To reapply the stashed code </a:t>
+              <a:rPr lang="en-IN" sz="2400" dirty="0">
+                <a:solidFill>
+                  <a:schemeClr val="bg1"/>
+                </a:solidFill>
+              </a:rPr>
+              <a:t>$git stash push </a:t>
             </a:r>
+            <a:r>
+              <a:rPr lang="en-IN" sz="2400" dirty="0">
+                <a:solidFill>
+                  <a:schemeClr val="bg2">
+                    <a:lumMod val="60000"/>
+                    <a:lumOff val="40000"/>
+                  </a:schemeClr>
+                </a:solidFill>
+              </a:rPr>
+              <a:t>#</a:t>
+            </a:r>
+            <a:r>
+              <a:rPr lang="en-US" sz="2400" b="0" i="0" dirty="0">
+                <a:solidFill>
+                  <a:schemeClr val="bg2">
+                    <a:lumMod val="60000"/>
+                    <a:lumOff val="40000"/>
+                  </a:schemeClr>
+                </a:solidFill>
+                <a:effectLst/>
+                <a:latin typeface="Arial" panose="020B0604020202020204" pitchFamily="34" charset="0"/>
+              </a:rPr>
+              <a:t>Creates a new stash and rolls back the state of all modified files</a:t>
+            </a:r>
+          </a:p>
+          <a:p>
+            <a:r>
+              <a:rPr lang="en-IN" sz="2400" dirty="0">
+                <a:solidFill>
+                  <a:schemeClr val="bg1"/>
+                </a:solidFill>
+              </a:rPr>
+              <a:t>$git stash pop </a:t>
+            </a:r>
+            <a:r>
+              <a:rPr lang="en-IN" sz="2400" dirty="0">
+                <a:solidFill>
+                  <a:schemeClr val="bg2">
+                    <a:lumMod val="60000"/>
+                    <a:lumOff val="40000"/>
+                  </a:schemeClr>
+                </a:solidFill>
+              </a:rPr>
+              <a:t>#</a:t>
+            </a:r>
+            <a:r>
+              <a:rPr lang="en-US" sz="2400" b="0" i="0" dirty="0">
+                <a:solidFill>
+                  <a:srgbClr val="666666"/>
+                </a:solidFill>
+                <a:effectLst/>
+                <a:latin typeface="Arial" panose="020B0604020202020204" pitchFamily="34" charset="0"/>
+              </a:rPr>
+              <a:t> Takes the files in a stash, places them back into the development workspace and deletes the stash from history</a:t>
+            </a:r>
+          </a:p>
+          <a:p>
+            <a:r>
+              <a:rPr lang="en-IN" sz="2400" dirty="0">
+                <a:solidFill>
+                  <a:schemeClr val="bg1"/>
+                </a:solidFill>
+              </a:rPr>
+              <a:t>$</a:t>
+            </a:r>
+            <a:r>
+              <a:rPr lang="en-US" sz="2400" i="0" dirty="0">
+                <a:solidFill>
+                  <a:schemeClr val="bg1"/>
+                </a:solidFill>
+                <a:effectLst/>
+                <a:latin typeface="+mj-lt"/>
+              </a:rPr>
+              <a:t>git stash clea</a:t>
+            </a:r>
+            <a:r>
+              <a:rPr lang="en-US" sz="2400" i="0" dirty="0">
+                <a:solidFill>
+                  <a:schemeClr val="bg1"/>
+                </a:solidFill>
+                <a:effectLst/>
+                <a:latin typeface="Arial" panose="020B0604020202020204" pitchFamily="34" charset="0"/>
+              </a:rPr>
+              <a:t>r </a:t>
+            </a:r>
+            <a:r>
+              <a:rPr lang="en-US" sz="2400" b="1" i="0" dirty="0">
+                <a:solidFill>
+                  <a:schemeClr val="bg2">
+                    <a:lumMod val="60000"/>
+                    <a:lumOff val="40000"/>
+                  </a:schemeClr>
+                </a:solidFill>
+                <a:effectLst/>
+                <a:latin typeface="Arial" panose="020B0604020202020204" pitchFamily="34" charset="0"/>
+              </a:rPr>
+              <a:t>#</a:t>
+            </a:r>
+            <a:r>
+              <a:rPr lang="en-US" sz="2400" b="0" i="0" dirty="0">
+                <a:solidFill>
+                  <a:schemeClr val="bg2">
+                    <a:lumMod val="60000"/>
+                    <a:lumOff val="40000"/>
+                  </a:schemeClr>
+                </a:solidFill>
+                <a:effectLst/>
+                <a:latin typeface="Arial" panose="020B0604020202020204" pitchFamily="34" charset="0"/>
+              </a:rPr>
+              <a:t>Removes all entries in the git stash history</a:t>
+            </a:r>
+          </a:p>
+          <a:p>
+            <a:r>
+              <a:rPr lang="en-US" sz="2400" b="1" dirty="0">
+                <a:solidFill>
+                  <a:schemeClr val="bg1"/>
+                </a:solidFill>
+              </a:rPr>
+              <a:t>$</a:t>
+            </a:r>
+            <a:r>
+              <a:rPr lang="en-US" sz="2400" dirty="0">
+                <a:solidFill>
+                  <a:schemeClr val="bg1"/>
+                </a:solidFill>
+              </a:rPr>
+              <a:t>git stash save </a:t>
+            </a:r>
+            <a:r>
+              <a:rPr lang="en-US" sz="2400" b="1" dirty="0">
+                <a:solidFill>
+                  <a:schemeClr val="accent2">
+                    <a:lumMod val="50000"/>
+                  </a:schemeClr>
+                </a:solidFill>
+              </a:rPr>
+              <a:t>"message to go along with changes"</a:t>
+            </a:r>
+          </a:p>
+          <a:p>
+            <a:r>
+              <a:rPr lang="en-US" sz="2400" dirty="0">
+                <a:solidFill>
+                  <a:schemeClr val="bg1"/>
+                </a:solidFill>
+              </a:rPr>
+              <a:t>$git stash –u  </a:t>
+            </a:r>
+            <a:r>
+              <a:rPr lang="en-US" sz="2400" b="1" dirty="0">
+                <a:solidFill>
+                  <a:schemeClr val="bg2">
+                    <a:lumMod val="60000"/>
+                    <a:lumOff val="40000"/>
+                  </a:schemeClr>
+                </a:solidFill>
+              </a:rPr>
+              <a:t>#stash untracked files as well</a:t>
+            </a:r>
+            <a:endParaRPr lang="en-IN" sz="2400" b="1" dirty="0">
+              <a:solidFill>
+                <a:schemeClr val="bg2">
+                  <a:lumMod val="60000"/>
+                  <a:lumOff val="40000"/>
+                </a:schemeClr>
+              </a:solidFill>
+            </a:endParaRPr>
           </a:p>
         </p:txBody>
       </p:sp>
-      <p:sp>
-        <p:nvSpPr>
-          <p:cNvPr id="5" name="Rectangle 1">
+      <p:pic>
+        <p:nvPicPr>
+          <p:cNvPr id="15" name="Picture 14">
             <a:extLst>
               <a:ext uri="{FF2B5EF4-FFF2-40B4-BE49-F238E27FC236}">
-                <a16:creationId xmlns:a16="http://schemas.microsoft.com/office/drawing/2014/main" id="{FADB7853-3C8C-EA5C-2A3E-19C7BD341659}"/>
+                <a16:creationId xmlns:a16="http://schemas.microsoft.com/office/drawing/2014/main" id="{B57F83F3-47BA-E401-6400-C489C3844349}"/>
               </a:ext>
             </a:extLst>
           </p:cNvPr>
-          <p:cNvSpPr>
-            <a:spLocks noChangeArrowheads="1"/>
-          </p:cNvSpPr>
+          <p:cNvPicPr>
+            <a:picLocks noChangeAspect="1"/>
+          </p:cNvPicPr>
           <p:nvPr/>
-        </p:nvSpPr>
-        <p:spPr bwMode="auto">
+        </p:nvPicPr>
+        <p:blipFill rotWithShape="1">
+          <a:blip r:embed="rId2"/>
+          <a:srcRect l="2472" t="3798" r="2592" b="6329"/>
+          <a:stretch/>
+        </p:blipFill>
+        <p:spPr>
           <a:xfrm>
-            <a:off x="0" y="0"/>
-            <a:ext cx="12192000" cy="0"/>
+            <a:off x="607940" y="548680"/>
+            <a:ext cx="6727647" cy="5688632"/>
           </a:xfrm>
           <a:prstGeom prst="rect">
             <a:avLst/>
           </a:prstGeom>
-          <a:solidFill>
-            <a:srgbClr val="FBFBFB"/>
-          </a:solidFill>
-          <a:ln>
-            <a:noFill/>
-          </a:ln>
-          <a:effectLst/>
-          <a:extLst>
-            <a:ext uri="{91240B29-F687-4F45-9708-019B960494DF}">
-              <a14:hiddenLine xmlns:a14="http://schemas.microsoft.com/office/drawing/2010/main" w="9525">
-                <a:solidFill>
-                  <a:schemeClr val="tx1"/>
-                </a:solidFill>
-                <a:miter lim="800000"/>
-                <a:headEnd/>
-                <a:tailEnd/>
-              </a14:hiddenLine>
-            </a:ext>
-            <a:ext uri="{AF507438-7753-43E0-B8FC-AC1667EBCBE1}">
-              <a14:hiddenEffects xmlns:a14="http://schemas.microsoft.com/office/drawing/2010/main">
-                <a:effectLst>
-                  <a:outerShdw dist="35921" dir="2700000" algn="ctr" rotWithShape="0">
-                    <a:schemeClr val="bg2"/>
-                  </a:outerShdw>
-                </a:effectLst>
-              </a14:hiddenEffects>
-            </a:ext>
-          </a:extLst>
         </p:spPr>
-        <p:txBody>
-          <a:bodyPr vert="horz" wrap="none" lIns="0" tIns="0" rIns="0" bIns="0" numCol="1" anchor="ctr" anchorCtr="0" compatLnSpc="1">
-            <a:prstTxWarp prst="textNoShape">
-              <a:avLst/>
-            </a:prstTxWarp>
-            <a:spAutoFit/>
-          </a:bodyPr>
-          <a:lstStyle>
-            <a:lvl1pPr eaLnBrk="0" fontAlgn="base" hangingPunct="0">
-              <a:spcBef>
-                <a:spcPct val="0"/>
-              </a:spcBef>
-              <a:spcAft>
-                <a:spcPct val="0"/>
-              </a:spcAft>
-              <a:defRPr>
-                <a:solidFill>
-                  <a:schemeClr val="tx1"/>
-                </a:solidFill>
-                <a:latin typeface="Arial" panose="020B0604020202020204" pitchFamily="34" charset="0"/>
-              </a:defRPr>
-            </a:lvl1pPr>
-            <a:lvl2pPr eaLnBrk="0" fontAlgn="base" hangingPunct="0">
-              <a:spcBef>
-                <a:spcPct val="0"/>
-              </a:spcBef>
-              <a:spcAft>
-                <a:spcPct val="0"/>
-              </a:spcAft>
-              <a:defRPr>
-                <a:solidFill>
-                  <a:schemeClr val="tx1"/>
-                </a:solidFill>
-                <a:latin typeface="Arial" panose="020B0604020202020204" pitchFamily="34" charset="0"/>
-              </a:defRPr>
-            </a:lvl2pPr>
-            <a:lvl3pPr eaLnBrk="0" fontAlgn="base" hangingPunct="0">
-              <a:spcBef>
-                <a:spcPct val="0"/>
-              </a:spcBef>
-              <a:spcAft>
-                <a:spcPct val="0"/>
-              </a:spcAft>
-              <a:defRPr>
-                <a:solidFill>
-                  <a:schemeClr val="tx1"/>
-                </a:solidFill>
-                <a:latin typeface="Arial" panose="020B0604020202020204" pitchFamily="34" charset="0"/>
-              </a:defRPr>
-            </a:lvl3pPr>
-            <a:lvl4pPr eaLnBrk="0" fontAlgn="base" hangingPunct="0">
-              <a:spcBef>
-                <a:spcPct val="0"/>
-              </a:spcBef>
-              <a:spcAft>
-                <a:spcPct val="0"/>
-              </a:spcAft>
-              <a:defRPr>
-                <a:solidFill>
-                  <a:schemeClr val="tx1"/>
-                </a:solidFill>
-                <a:latin typeface="Arial" panose="020B0604020202020204" pitchFamily="34" charset="0"/>
-              </a:defRPr>
-            </a:lvl4pPr>
-            <a:lvl5pPr eaLnBrk="0" fontAlgn="base" hangingPunct="0">
-              <a:spcBef>
-                <a:spcPct val="0"/>
-              </a:spcBef>
-              <a:spcAft>
-                <a:spcPct val="0"/>
-              </a:spcAft>
-              <a:defRPr>
-                <a:solidFill>
-                  <a:schemeClr val="tx1"/>
-                </a:solidFill>
-                <a:latin typeface="Arial" panose="020B0604020202020204" pitchFamily="34" charset="0"/>
-              </a:defRPr>
-            </a:lvl5pPr>
-            <a:lvl6pPr eaLnBrk="0" fontAlgn="base" hangingPunct="0">
-              <a:spcBef>
-                <a:spcPct val="0"/>
-              </a:spcBef>
-              <a:spcAft>
-                <a:spcPct val="0"/>
-              </a:spcAft>
-              <a:defRPr>
-                <a:solidFill>
-                  <a:schemeClr val="tx1"/>
-                </a:solidFill>
-                <a:latin typeface="Arial" panose="020B0604020202020204" pitchFamily="34" charset="0"/>
-              </a:defRPr>
-            </a:lvl6pPr>
-            <a:lvl7pPr eaLnBrk="0" fontAlgn="base" hangingPunct="0">
-              <a:spcBef>
-                <a:spcPct val="0"/>
-              </a:spcBef>
-              <a:spcAft>
-                <a:spcPct val="0"/>
-              </a:spcAft>
-              <a:defRPr>
-                <a:solidFill>
-                  <a:schemeClr val="tx1"/>
-                </a:solidFill>
-                <a:latin typeface="Arial" panose="020B0604020202020204" pitchFamily="34" charset="0"/>
-              </a:defRPr>
-            </a:lvl7pPr>
-            <a:lvl8pPr eaLnBrk="0" fontAlgn="base" hangingPunct="0">
-              <a:spcBef>
-                <a:spcPct val="0"/>
-              </a:spcBef>
-              <a:spcAft>
-                <a:spcPct val="0"/>
-              </a:spcAft>
-              <a:defRPr>
-                <a:solidFill>
-                  <a:schemeClr val="tx1"/>
-                </a:solidFill>
-                <a:latin typeface="Arial" panose="020B0604020202020204" pitchFamily="34" charset="0"/>
-              </a:defRPr>
-            </a:lvl8pPr>
-            <a:lvl9pPr eaLnBrk="0" fontAlgn="base" hangingPunct="0">
-              <a:spcBef>
-                <a:spcPct val="0"/>
-              </a:spcBef>
-              <a:spcAft>
-                <a:spcPct val="0"/>
-              </a:spcAft>
-              <a:defRPr>
-                <a:solidFill>
-                  <a:schemeClr val="tx1"/>
-                </a:solidFill>
-                <a:latin typeface="Arial" panose="020B0604020202020204" pitchFamily="34" charset="0"/>
-              </a:defRPr>
-            </a:lvl9pPr>
-          </a:lstStyle>
-          <a:p>
-            <a:pPr marL="0" marR="0" lvl="0" indent="0" algn="l" defTabSz="914400" rtl="0" eaLnBrk="0" fontAlgn="base" latinLnBrk="0" hangingPunct="0">
-              <a:lnSpc>
-                <a:spcPct val="100000"/>
-              </a:lnSpc>
-              <a:spcBef>
-                <a:spcPct val="0"/>
-              </a:spcBef>
-              <a:spcAft>
-                <a:spcPct val="0"/>
-              </a:spcAft>
-              <a:buClrTx/>
-              <a:buSzTx/>
-              <a:buFontTx/>
-              <a:buNone/>
-              <a:tabLst/>
-            </a:pPr>
-            <a:r>
-              <a:rPr kumimoji="0" lang="en-US" altLang="en-US" sz="1200" b="0" i="0" u="none" strike="noStrike" cap="none" normalizeH="0" baseline="0">
-                <a:ln>
-                  <a:noFill/>
-                </a:ln>
-                <a:solidFill>
-                  <a:srgbClr val="262D3D"/>
-                </a:solidFill>
-                <a:effectLst/>
-                <a:latin typeface="Merriweather" panose="00000500000000000000" pitchFamily="2" charset="0"/>
-              </a:rPr>
-              <a:t> run </a:t>
-            </a:r>
-            <a:r>
-              <a:rPr kumimoji="0" lang="en-US" altLang="en-US" sz="1000" b="0" i="0" u="none" strike="noStrike" cap="none" normalizeH="0" baseline="0">
-                <a:ln>
-                  <a:noFill/>
-                </a:ln>
-                <a:solidFill>
-                  <a:srgbClr val="455065"/>
-                </a:solidFill>
-                <a:effectLst/>
-                <a:latin typeface="IBM Plex Mono" panose="020B0604020202020204" pitchFamily="49" charset="0"/>
-              </a:rPr>
-              <a:t>git stash list</a:t>
-            </a:r>
-            <a:r>
-              <a:rPr kumimoji="0" lang="en-US" altLang="en-US" sz="1200" b="0" i="0" u="none" strike="noStrike" cap="none" normalizeH="0" baseline="0">
-                <a:ln>
-                  <a:noFill/>
-                </a:ln>
-                <a:solidFill>
-                  <a:srgbClr val="262D3D"/>
-                </a:solidFill>
-                <a:effectLst/>
-                <a:latin typeface="Merriweather" panose="00000500000000000000" pitchFamily="2" charset="0"/>
-              </a:rPr>
-              <a:t> you’ll see a list of stashes</a:t>
-            </a:r>
-            <a:r>
-              <a:rPr kumimoji="0" lang="en-US" altLang="en-US" sz="800" b="0" i="0" u="none" strike="noStrike" cap="none" normalizeH="0" baseline="0">
-                <a:ln>
-                  <a:noFill/>
-                </a:ln>
-                <a:solidFill>
-                  <a:schemeClr val="tx1"/>
-                </a:solidFill>
-                <a:effectLst/>
-              </a:rPr>
-              <a:t> </a:t>
-            </a:r>
-            <a:endParaRPr kumimoji="0" lang="en-US" altLang="en-US" sz="1800" b="0" i="0" u="none" strike="noStrike" cap="none" normalizeH="0" baseline="0">
-              <a:ln>
-                <a:noFill/>
-              </a:ln>
-              <a:solidFill>
-                <a:schemeClr val="tx1"/>
-              </a:solidFill>
-              <a:effectLst/>
-              <a:latin typeface="Arial" panose="020B0604020202020204" pitchFamily="34" charset="0"/>
-            </a:endParaRPr>
-          </a:p>
-        </p:txBody>
-      </p:sp>
-      <p:sp>
-        <p:nvSpPr>
-          <p:cNvPr id="6" name="Rectangle 2">
+      </p:pic>
+      <p:pic>
+        <p:nvPicPr>
+          <p:cNvPr id="5" name="Picture 4">
             <a:extLst>
               <a:ext uri="{FF2B5EF4-FFF2-40B4-BE49-F238E27FC236}">
-                <a16:creationId xmlns:a16="http://schemas.microsoft.com/office/drawing/2014/main" id="{E3F0D75F-BEA9-097E-1F66-14DCBA1B6E2B}"/>
+                <a16:creationId xmlns:a16="http://schemas.microsoft.com/office/drawing/2014/main" id="{BB16B5BF-0AA8-8BBE-84B2-88A1A19FBA8F}"/>
               </a:ext>
             </a:extLst>
           </p:cNvPr>
-          <p:cNvSpPr>
-            <a:spLocks noChangeArrowheads="1"/>
-          </p:cNvSpPr>
+          <p:cNvPicPr>
+            <a:picLocks noChangeAspect="1"/>
+          </p:cNvPicPr>
           <p:nvPr/>
-        </p:nvSpPr>
-        <p:spPr bwMode="auto">
+        </p:nvPicPr>
+        <p:blipFill>
+          <a:blip r:embed="rId3"/>
+          <a:stretch>
+            <a:fillRect/>
+          </a:stretch>
+        </p:blipFill>
+        <p:spPr>
           <a:xfrm>
-            <a:off x="152400" y="152400"/>
-            <a:ext cx="12192000" cy="0"/>
+            <a:off x="767408" y="908720"/>
+            <a:ext cx="6408712" cy="5040559"/>
           </a:xfrm>
           <a:prstGeom prst="rect">
             <a:avLst/>
           </a:prstGeom>
-          <a:solidFill>
-            <a:srgbClr val="FBFBFB"/>
-          </a:solidFill>
-          <a:ln>
-            <a:noFill/>
-          </a:ln>
-          <a:effectLst/>
-          <a:extLst>
-            <a:ext uri="{91240B29-F687-4F45-9708-019B960494DF}">
-              <a14:hiddenLine xmlns:a14="http://schemas.microsoft.com/office/drawing/2010/main" w="9525">
-                <a:solidFill>
-                  <a:schemeClr val="tx1"/>
-                </a:solidFill>
-                <a:miter lim="800000"/>
-                <a:headEnd/>
-                <a:tailEnd/>
-              </a14:hiddenLine>
-            </a:ext>
-            <a:ext uri="{AF507438-7753-43E0-B8FC-AC1667EBCBE1}">
-              <a14:hiddenEffects xmlns:a14="http://schemas.microsoft.com/office/drawing/2010/main">
-                <a:effectLst>
-                  <a:outerShdw dist="35921" dir="2700000" algn="ctr" rotWithShape="0">
-                    <a:schemeClr val="bg2"/>
-                  </a:outerShdw>
-                </a:effectLst>
-              </a14:hiddenEffects>
-            </a:ext>
-          </a:extLst>
         </p:spPr>
-        <p:txBody>
-          <a:bodyPr vert="horz" wrap="none" lIns="0" tIns="0" rIns="0" bIns="0" numCol="1" anchor="ctr" anchorCtr="0" compatLnSpc="1">
-            <a:prstTxWarp prst="textNoShape">
-              <a:avLst/>
-            </a:prstTxWarp>
-            <a:spAutoFit/>
-          </a:bodyPr>
-          <a:lstStyle>
-            <a:lvl1pPr eaLnBrk="0" fontAlgn="base" hangingPunct="0">
-              <a:spcBef>
-                <a:spcPct val="0"/>
-              </a:spcBef>
-              <a:spcAft>
-                <a:spcPct val="0"/>
-              </a:spcAft>
-              <a:defRPr>
-                <a:solidFill>
-                  <a:schemeClr val="tx1"/>
-                </a:solidFill>
-                <a:latin typeface="Arial" panose="020B0604020202020204" pitchFamily="34" charset="0"/>
-              </a:defRPr>
-            </a:lvl1pPr>
-            <a:lvl2pPr eaLnBrk="0" fontAlgn="base" hangingPunct="0">
-              <a:spcBef>
-                <a:spcPct val="0"/>
-              </a:spcBef>
-              <a:spcAft>
-                <a:spcPct val="0"/>
-              </a:spcAft>
-              <a:defRPr>
-                <a:solidFill>
-                  <a:schemeClr val="tx1"/>
-                </a:solidFill>
-                <a:latin typeface="Arial" panose="020B0604020202020204" pitchFamily="34" charset="0"/>
-              </a:defRPr>
-            </a:lvl2pPr>
-            <a:lvl3pPr eaLnBrk="0" fontAlgn="base" hangingPunct="0">
-              <a:spcBef>
-                <a:spcPct val="0"/>
-              </a:spcBef>
-              <a:spcAft>
-                <a:spcPct val="0"/>
-              </a:spcAft>
-              <a:defRPr>
-                <a:solidFill>
-                  <a:schemeClr val="tx1"/>
-                </a:solidFill>
-                <a:latin typeface="Arial" panose="020B0604020202020204" pitchFamily="34" charset="0"/>
-              </a:defRPr>
-            </a:lvl3pPr>
-            <a:lvl4pPr eaLnBrk="0" fontAlgn="base" hangingPunct="0">
-              <a:spcBef>
-                <a:spcPct val="0"/>
-              </a:spcBef>
-              <a:spcAft>
-                <a:spcPct val="0"/>
-              </a:spcAft>
-              <a:defRPr>
-                <a:solidFill>
-                  <a:schemeClr val="tx1"/>
-                </a:solidFill>
-                <a:latin typeface="Arial" panose="020B0604020202020204" pitchFamily="34" charset="0"/>
-              </a:defRPr>
-            </a:lvl4pPr>
-            <a:lvl5pPr eaLnBrk="0" fontAlgn="base" hangingPunct="0">
-              <a:spcBef>
-                <a:spcPct val="0"/>
-              </a:spcBef>
-              <a:spcAft>
-                <a:spcPct val="0"/>
-              </a:spcAft>
-              <a:defRPr>
-                <a:solidFill>
-                  <a:schemeClr val="tx1"/>
-                </a:solidFill>
-                <a:latin typeface="Arial" panose="020B0604020202020204" pitchFamily="34" charset="0"/>
-              </a:defRPr>
-            </a:lvl5pPr>
-            <a:lvl6pPr eaLnBrk="0" fontAlgn="base" hangingPunct="0">
-              <a:spcBef>
-                <a:spcPct val="0"/>
-              </a:spcBef>
-              <a:spcAft>
-                <a:spcPct val="0"/>
-              </a:spcAft>
-              <a:defRPr>
-                <a:solidFill>
-                  <a:schemeClr val="tx1"/>
-                </a:solidFill>
-                <a:latin typeface="Arial" panose="020B0604020202020204" pitchFamily="34" charset="0"/>
-              </a:defRPr>
-            </a:lvl6pPr>
-            <a:lvl7pPr eaLnBrk="0" fontAlgn="base" hangingPunct="0">
-              <a:spcBef>
-                <a:spcPct val="0"/>
-              </a:spcBef>
-              <a:spcAft>
-                <a:spcPct val="0"/>
-              </a:spcAft>
-              <a:defRPr>
-                <a:solidFill>
-                  <a:schemeClr val="tx1"/>
-                </a:solidFill>
-                <a:latin typeface="Arial" panose="020B0604020202020204" pitchFamily="34" charset="0"/>
-              </a:defRPr>
-            </a:lvl7pPr>
-            <a:lvl8pPr eaLnBrk="0" fontAlgn="base" hangingPunct="0">
-              <a:spcBef>
-                <a:spcPct val="0"/>
-              </a:spcBef>
-              <a:spcAft>
-                <a:spcPct val="0"/>
-              </a:spcAft>
-              <a:defRPr>
-                <a:solidFill>
-                  <a:schemeClr val="tx1"/>
-                </a:solidFill>
-                <a:latin typeface="Arial" panose="020B0604020202020204" pitchFamily="34" charset="0"/>
-              </a:defRPr>
-            </a:lvl8pPr>
-            <a:lvl9pPr eaLnBrk="0" fontAlgn="base" hangingPunct="0">
-              <a:spcBef>
-                <a:spcPct val="0"/>
-              </a:spcBef>
-              <a:spcAft>
-                <a:spcPct val="0"/>
-              </a:spcAft>
-              <a:defRPr>
-                <a:solidFill>
-                  <a:schemeClr val="tx1"/>
-                </a:solidFill>
-                <a:latin typeface="Arial" panose="020B0604020202020204" pitchFamily="34" charset="0"/>
-              </a:defRPr>
-            </a:lvl9pPr>
-          </a:lstStyle>
-          <a:p>
-            <a:pPr marL="0" marR="0" lvl="0" indent="0" algn="l" defTabSz="914400" rtl="0" eaLnBrk="0" fontAlgn="base" latinLnBrk="0" hangingPunct="0">
-              <a:lnSpc>
-                <a:spcPct val="100000"/>
-              </a:lnSpc>
-              <a:spcBef>
-                <a:spcPct val="0"/>
-              </a:spcBef>
-              <a:spcAft>
-                <a:spcPct val="0"/>
-              </a:spcAft>
-              <a:buClrTx/>
-              <a:buSzTx/>
-              <a:buFontTx/>
-              <a:buNone/>
-              <a:tabLst/>
-            </a:pPr>
-            <a:r>
-              <a:rPr kumimoji="0" lang="en-US" altLang="en-US" sz="1200" b="0" i="0" u="none" strike="noStrike" cap="none" normalizeH="0" baseline="0">
-                <a:ln>
-                  <a:noFill/>
-                </a:ln>
-                <a:solidFill>
-                  <a:srgbClr val="262D3D"/>
-                </a:solidFill>
-                <a:effectLst/>
-                <a:latin typeface="Merriweather" panose="00000500000000000000" pitchFamily="2" charset="0"/>
-              </a:rPr>
-              <a:t> run </a:t>
-            </a:r>
-            <a:r>
-              <a:rPr kumimoji="0" lang="en-US" altLang="en-US" sz="1000" b="0" i="0" u="none" strike="noStrike" cap="none" normalizeH="0" baseline="0">
-                <a:ln>
-                  <a:noFill/>
-                </a:ln>
-                <a:solidFill>
-                  <a:srgbClr val="455065"/>
-                </a:solidFill>
-                <a:effectLst/>
-                <a:latin typeface="IBM Plex Mono" panose="020B0509050203000203" pitchFamily="49" charset="0"/>
-              </a:rPr>
-              <a:t>git stash list</a:t>
-            </a:r>
-            <a:r>
-              <a:rPr kumimoji="0" lang="en-US" altLang="en-US" sz="1200" b="0" i="0" u="none" strike="noStrike" cap="none" normalizeH="0" baseline="0">
-                <a:ln>
-                  <a:noFill/>
-                </a:ln>
-                <a:solidFill>
-                  <a:srgbClr val="262D3D"/>
-                </a:solidFill>
-                <a:effectLst/>
-                <a:latin typeface="Merriweather" panose="00000500000000000000" pitchFamily="2" charset="0"/>
-              </a:rPr>
-              <a:t> you’ll see a list of stashes</a:t>
-            </a:r>
-            <a:r>
-              <a:rPr kumimoji="0" lang="en-US" altLang="en-US" sz="800" b="0" i="0" u="none" strike="noStrike" cap="none" normalizeH="0" baseline="0">
-                <a:ln>
-                  <a:noFill/>
-                </a:ln>
-                <a:solidFill>
-                  <a:schemeClr val="tx1"/>
-                </a:solidFill>
-                <a:effectLst/>
-              </a:rPr>
-              <a:t> </a:t>
-            </a:r>
-            <a:endParaRPr kumimoji="0" lang="en-US" altLang="en-US" sz="1800" b="0" i="0" u="none" strike="noStrike" cap="none" normalizeH="0" baseline="0">
-              <a:ln>
-                <a:noFill/>
-              </a:ln>
-              <a:solidFill>
-                <a:schemeClr val="tx1"/>
-              </a:solidFill>
-              <a:effectLst/>
-              <a:latin typeface="Arial" panose="020B0604020202020204" pitchFamily="34" charset="0"/>
-            </a:endParaRPr>
-          </a:p>
-        </p:txBody>
-      </p:sp>
+      </p:pic>
     </p:spTree>
     <p:extLst>
       <p:ext uri="{BB962C8B-B14F-4D97-AF65-F5344CB8AC3E}">
@@ -8133,54 +8396,112 @@
       </p:grpSpPr>
       <p:sp>
         <p:nvSpPr>
-          <p:cNvPr id="2" name="Title 1"/>
-          <p:cNvSpPr>
-            <a:spLocks noGrp="1"/>
-          </p:cNvSpPr>
-          <p:nvPr>
-            <p:ph type="title"/>
-          </p:nvPr>
+          <p:cNvPr id="5" name="TextBox 4">
+            <a:extLst>
+              <a:ext uri="{FF2B5EF4-FFF2-40B4-BE49-F238E27FC236}">
+                <a16:creationId xmlns:a16="http://schemas.microsoft.com/office/drawing/2014/main" id="{E7E6BBA0-3953-EEB3-562D-7B0E3E2AF0DC}"/>
+              </a:ext>
+            </a:extLst>
+          </p:cNvPr>
+          <p:cNvSpPr txBox="1"/>
+          <p:nvPr/>
         </p:nvSpPr>
-        <p:spPr/>
+        <p:spPr>
+          <a:xfrm>
+            <a:off x="7968208" y="775569"/>
+            <a:ext cx="1779654" cy="523220"/>
+          </a:xfrm>
+          <a:prstGeom prst="rect">
+            <a:avLst/>
+          </a:prstGeom>
+          <a:noFill/>
+        </p:spPr>
         <p:txBody>
-          <a:bodyPr/>
+          <a:bodyPr wrap="none" rtlCol="0">
+            <a:spAutoFit/>
+          </a:bodyPr>
           <a:lstStyle/>
           <a:p>
-            <a:endParaRPr dirty="0"/>
+            <a:r>
+              <a:rPr lang="en-IN" sz="2800" dirty="0">
+                <a:solidFill>
+                  <a:srgbClr val="FF0000"/>
+                </a:solidFill>
+              </a:rPr>
+              <a:t>Git bisect</a:t>
+            </a:r>
           </a:p>
         </p:txBody>
       </p:sp>
       <p:sp>
         <p:nvSpPr>
-          <p:cNvPr id="3" name="Picture Placeholder 2" descr="An empty placeholder to add an image. Click on the placeholder and select the image that you wish to add."/>
-          <p:cNvSpPr>
-            <a:spLocks noGrp="1"/>
-          </p:cNvSpPr>
-          <p:nvPr>
-            <p:ph type="pic" idx="1"/>
-          </p:nvPr>
+          <p:cNvPr id="6" name="TextBox 5">
+            <a:extLst>
+              <a:ext uri="{FF2B5EF4-FFF2-40B4-BE49-F238E27FC236}">
+                <a16:creationId xmlns:a16="http://schemas.microsoft.com/office/drawing/2014/main" id="{9E5D329B-DE00-B29F-036F-BB992DBAFD54}"/>
+              </a:ext>
+            </a:extLst>
+          </p:cNvPr>
+          <p:cNvSpPr txBox="1"/>
+          <p:nvPr/>
         </p:nvSpPr>
-        <p:spPr/>
-      </p:sp>
-      <p:sp>
-        <p:nvSpPr>
-          <p:cNvPr id="4" name="Text Placeholder 3"/>
-          <p:cNvSpPr>
-            <a:spLocks noGrp="1"/>
-          </p:cNvSpPr>
-          <p:nvPr>
-            <p:ph type="body" sz="half" idx="2"/>
-          </p:nvPr>
-        </p:nvSpPr>
-        <p:spPr/>
+        <p:spPr>
+          <a:xfrm>
+            <a:off x="7896200" y="1181279"/>
+            <a:ext cx="3168352" cy="738664"/>
+          </a:xfrm>
+          <a:prstGeom prst="rect">
+            <a:avLst/>
+          </a:prstGeom>
+          <a:noFill/>
+        </p:spPr>
         <p:txBody>
-          <a:bodyPr/>
+          <a:bodyPr wrap="square" rtlCol="0">
+            <a:spAutoFit/>
+          </a:bodyPr>
           <a:lstStyle/>
           <a:p>
-            <a:endParaRPr/>
+            <a:r>
+              <a:rPr lang="en-IN" sz="1400" dirty="0">
+                <a:solidFill>
+                  <a:schemeClr val="bg1"/>
+                </a:solidFill>
+              </a:rPr>
+              <a:t>The git bisect command implements a binary search algorithm to track which commit caused the bug</a:t>
+            </a:r>
           </a:p>
         </p:txBody>
       </p:sp>
+      <p:pic>
+        <p:nvPicPr>
+          <p:cNvPr id="8" name="Picture 7">
+            <a:extLst>
+              <a:ext uri="{FF2B5EF4-FFF2-40B4-BE49-F238E27FC236}">
+                <a16:creationId xmlns:a16="http://schemas.microsoft.com/office/drawing/2014/main" id="{3BA6F07C-CE52-A845-5C90-658FDAA8B597}"/>
+              </a:ext>
+            </a:extLst>
+          </p:cNvPr>
+          <p:cNvPicPr>
+            <a:picLocks noChangeAspect="1"/>
+          </p:cNvPicPr>
+          <p:nvPr/>
+        </p:nvPicPr>
+        <p:blipFill>
+          <a:blip r:embed="rId2"/>
+          <a:stretch>
+            <a:fillRect/>
+          </a:stretch>
+        </p:blipFill>
+        <p:spPr>
+          <a:xfrm>
+            <a:off x="7824192" y="1912447"/>
+            <a:ext cx="3384376" cy="3388761"/>
+          </a:xfrm>
+          <a:prstGeom prst="rect">
+            <a:avLst/>
+          </a:prstGeom>
+        </p:spPr>
+      </p:pic>
     </p:spTree>
     <p:extLst>
       <p:ext uri="{BB962C8B-B14F-4D97-AF65-F5344CB8AC3E}">
@@ -8825,7 +9146,7 @@
         </p:spPr>
         <p:txBody>
           <a:bodyPr>
-            <a:normAutofit/>
+            <a:normAutofit fontScale="90000"/>
           </a:bodyPr>
           <a:lstStyle/>
           <a:p>
@@ -8855,7 +9176,7 @@
         </p:nvSpPr>
         <p:spPr>
           <a:xfrm>
-            <a:off x="623392" y="2060848"/>
+            <a:off x="623392" y="1691680"/>
             <a:ext cx="10945216" cy="4464496"/>
           </a:xfrm>
           <a:prstGeom prst="round2DiagRect">
@@ -8863,7 +9184,7 @@
           </a:prstGeom>
           <a:blipFill dpi="0" rotWithShape="1">
             <a:blip r:embed="rId2">
-              <a:alphaModFix amt="37000"/>
+              <a:alphaModFix amt="59000"/>
             </a:blip>
             <a:srcRect/>
             <a:stretch>
@@ -9214,13 +9535,13 @@
         </p:nvSpPr>
         <p:spPr>
           <a:xfrm>
-            <a:off x="1524000" y="620688"/>
+            <a:off x="1524000" y="188680"/>
             <a:ext cx="9144000" cy="1440160"/>
           </a:xfrm>
         </p:spPr>
         <p:txBody>
           <a:bodyPr>
-            <a:normAutofit fontScale="90000"/>
+            <a:normAutofit/>
           </a:bodyPr>
           <a:lstStyle/>
           <a:p>
@@ -9255,104 +9576,6 @@
       </p:sp>
       <p:sp>
         <p:nvSpPr>
-          <p:cNvPr id="6" name="L-Shape 5">
-            <a:extLst>
-              <a:ext uri="{FF2B5EF4-FFF2-40B4-BE49-F238E27FC236}">
-                <a16:creationId xmlns:a16="http://schemas.microsoft.com/office/drawing/2014/main" id="{78EEBE02-97D6-ED6B-C82E-5E9104C3E921}"/>
-              </a:ext>
-            </a:extLst>
-          </p:cNvPr>
-          <p:cNvSpPr/>
-          <p:nvPr/>
-        </p:nvSpPr>
-        <p:spPr>
-          <a:xfrm>
-            <a:off x="767408" y="1628800"/>
-            <a:ext cx="6264696" cy="4824536"/>
-          </a:xfrm>
-          <a:prstGeom prst="corner">
-            <a:avLst>
-              <a:gd name="adj1" fmla="val 47157"/>
-              <a:gd name="adj2" fmla="val 50000"/>
-            </a:avLst>
-          </a:prstGeom>
-        </p:spPr>
-        <p:style>
-          <a:lnRef idx="2">
-            <a:schemeClr val="accent1">
-              <a:shade val="50000"/>
-            </a:schemeClr>
-          </a:lnRef>
-          <a:fillRef idx="1">
-            <a:schemeClr val="accent1"/>
-          </a:fillRef>
-          <a:effectRef idx="0">
-            <a:schemeClr val="accent1"/>
-          </a:effectRef>
-          <a:fontRef idx="minor">
-            <a:schemeClr val="lt1"/>
-          </a:fontRef>
-        </p:style>
-        <p:txBody>
-          <a:bodyPr rtlCol="0" anchor="ctr"/>
-          <a:lstStyle/>
-          <a:p>
-            <a:pPr algn="ctr"/>
-            <a:endParaRPr lang="en-IN" dirty="0"/>
-          </a:p>
-        </p:txBody>
-      </p:sp>
-      <p:sp>
-        <p:nvSpPr>
-          <p:cNvPr id="7" name="L-Shape 6">
-            <a:extLst>
-              <a:ext uri="{FF2B5EF4-FFF2-40B4-BE49-F238E27FC236}">
-                <a16:creationId xmlns:a16="http://schemas.microsoft.com/office/drawing/2014/main" id="{1D81F0CD-3C88-7BFF-43CA-553687D37271}"/>
-              </a:ext>
-            </a:extLst>
-          </p:cNvPr>
-          <p:cNvSpPr/>
-          <p:nvPr/>
-        </p:nvSpPr>
-        <p:spPr>
-          <a:xfrm rot="10800000">
-            <a:off x="3647728" y="1628800"/>
-            <a:ext cx="7200800" cy="4824536"/>
-          </a:xfrm>
-          <a:prstGeom prst="corner">
-            <a:avLst>
-              <a:gd name="adj1" fmla="val 44740"/>
-              <a:gd name="adj2" fmla="val 69269"/>
-            </a:avLst>
-          </a:prstGeom>
-        </p:spPr>
-        <p:style>
-          <a:lnRef idx="2">
-            <a:schemeClr val="accent1">
-              <a:shade val="50000"/>
-            </a:schemeClr>
-          </a:lnRef>
-          <a:fillRef idx="1">
-            <a:schemeClr val="accent1"/>
-          </a:fillRef>
-          <a:effectRef idx="0">
-            <a:schemeClr val="accent1"/>
-          </a:effectRef>
-          <a:fontRef idx="minor">
-            <a:schemeClr val="lt1"/>
-          </a:fontRef>
-        </p:style>
-        <p:txBody>
-          <a:bodyPr rtlCol="0" anchor="ctr"/>
-          <a:lstStyle/>
-          <a:p>
-            <a:pPr algn="ctr"/>
-            <a:endParaRPr lang="en-IN" dirty="0"/>
-          </a:p>
-        </p:txBody>
-      </p:sp>
-      <p:sp>
-        <p:nvSpPr>
           <p:cNvPr id="8" name="Rectangle 7">
             <a:extLst>
               <a:ext uri="{FF2B5EF4-FFF2-40B4-BE49-F238E27FC236}">
@@ -9365,7 +9588,7 @@
         </p:nvSpPr>
         <p:spPr>
           <a:xfrm>
-            <a:off x="623392" y="1448779"/>
+            <a:off x="875420" y="1196752"/>
             <a:ext cx="10441160" cy="5184576"/>
           </a:xfrm>
           <a:prstGeom prst="rect">
@@ -9399,11 +9622,7 @@
           <a:p>
             <a:pPr algn="ctr"/>
             <a:r>
-              <a:rPr lang="en-IN" sz="2400" dirty="0">
-                <a:highlight>
-                  <a:srgbClr val="000080"/>
-                </a:highlight>
-              </a:rPr>
+              <a:rPr lang="en-IN" sz="2400" dirty="0"/>
               <a:t>After modifying some files to add specific files(say file1, file2) to the index</a:t>
             </a:r>
             <a:br>
@@ -9436,11 +9655,7 @@
           <a:p>
             <a:pPr algn="ctr"/>
             <a:r>
-              <a:rPr lang="en-IN" sz="2400" dirty="0">
-                <a:highlight>
-                  <a:srgbClr val="000080"/>
-                </a:highlight>
-              </a:rPr>
+              <a:rPr lang="en-IN" sz="2400" dirty="0"/>
               <a:t>Using </a:t>
             </a:r>
             <a:r>
@@ -9455,11 +9670,7 @@
               <a:t>git status</a:t>
             </a:r>
             <a:r>
-              <a:rPr lang="en-IN" sz="2400" dirty="0">
-                <a:highlight>
-                  <a:srgbClr val="000080"/>
-                </a:highlight>
-              </a:rPr>
+              <a:rPr lang="en-IN" sz="2400" dirty="0"/>
               <a:t> or </a:t>
             </a:r>
             <a:r>
@@ -9480,18 +9691,11 @@
                     <a:lumMod val="75000"/>
                   </a:schemeClr>
                 </a:solidFill>
-                <a:highlight>
-                  <a:srgbClr val="000080"/>
-                </a:highlight>
               </a:rPr>
               <a:t> </a:t>
             </a:r>
             <a:r>
-              <a:rPr lang="en-IN" sz="2400" dirty="0">
-                <a:highlight>
-                  <a:srgbClr val="000080"/>
-                </a:highlight>
-              </a:rPr>
+              <a:rPr lang="en-IN" sz="2400" dirty="0"/>
               <a:t>we can see the changes that will occur after the next commit</a:t>
             </a:r>
           </a:p>
@@ -9517,11 +9721,7 @@
               <a:t>git diff </a:t>
             </a:r>
             <a:r>
-              <a:rPr lang="en-IN" sz="2400" dirty="0">
-                <a:highlight>
-                  <a:srgbClr val="000080"/>
-                </a:highlight>
-              </a:rPr>
+              <a:rPr lang="en-IN" sz="2400" dirty="0"/>
               <a:t>will show changes that are made but not yet added to the index.</a:t>
             </a:r>
           </a:p>
@@ -9547,11 +9747,7 @@
               <a:t>git status </a:t>
             </a:r>
             <a:r>
-              <a:rPr lang="en-IN" sz="2400" dirty="0">
-                <a:highlight>
-                  <a:srgbClr val="000080"/>
-                </a:highlight>
-              </a:rPr>
+              <a:rPr lang="en-IN" sz="2400" dirty="0"/>
               <a:t>gives a brief summary of the situation of the changes</a:t>
             </a:r>
           </a:p>
@@ -9580,11 +9776,7 @@
           <a:p>
             <a:pPr algn="ctr"/>
             <a:r>
-              <a:rPr lang="en-IN" sz="2400" dirty="0">
-                <a:highlight>
-                  <a:srgbClr val="000080"/>
-                </a:highlight>
-              </a:rPr>
+              <a:rPr lang="en-IN" sz="2400" dirty="0"/>
               <a:t>Can be used to commit without using git add beforehand</a:t>
             </a:r>
           </a:p>
@@ -9621,7 +9813,7 @@
                             </p:stCondLst>
                             <p:childTnLst>
                               <p:par>
-                                <p:cTn id="5" presetID="6" presetClass="entr" presetSubtype="16" fill="hold" grpId="0" nodeType="clickEffect">
+                                <p:cTn id="5" presetID="22" presetClass="entr" presetSubtype="4" fill="hold" grpId="0" nodeType="clickEffect">
                                   <p:stCondLst>
                                     <p:cond delay="0"/>
                                   </p:stCondLst>
@@ -9629,94 +9821,6 @@
                                     <p:set>
                                       <p:cBhvr>
                                         <p:cTn id="6" dur="1" fill="hold">
-                                          <p:stCondLst>
-                                            <p:cond delay="0"/>
-                                          </p:stCondLst>
-                                        </p:cTn>
-                                        <p:tgtEl>
-                                          <p:spTgt spid="6"/>
-                                        </p:tgtEl>
-                                        <p:attrNameLst>
-                                          <p:attrName>style.visibility</p:attrName>
-                                        </p:attrNameLst>
-                                      </p:cBhvr>
-                                      <p:to>
-                                        <p:strVal val="visible"/>
-                                      </p:to>
-                                    </p:set>
-                                    <p:animEffect transition="in" filter="circle(in)">
-                                      <p:cBhvr>
-                                        <p:cTn id="7" dur="500"/>
-                                        <p:tgtEl>
-                                          <p:spTgt spid="6"/>
-                                        </p:tgtEl>
-                                      </p:cBhvr>
-                                    </p:animEffect>
-                                  </p:childTnLst>
-                                </p:cTn>
-                              </p:par>
-                              <p:par>
-                                <p:cTn id="8" presetID="6" presetClass="entr" presetSubtype="16" fill="hold" grpId="0" nodeType="withEffect">
-                                  <p:stCondLst>
-                                    <p:cond delay="0"/>
-                                  </p:stCondLst>
-                                  <p:childTnLst>
-                                    <p:set>
-                                      <p:cBhvr>
-                                        <p:cTn id="9" dur="1" fill="hold">
-                                          <p:stCondLst>
-                                            <p:cond delay="0"/>
-                                          </p:stCondLst>
-                                        </p:cTn>
-                                        <p:tgtEl>
-                                          <p:spTgt spid="7"/>
-                                        </p:tgtEl>
-                                        <p:attrNameLst>
-                                          <p:attrName>style.visibility</p:attrName>
-                                        </p:attrNameLst>
-                                      </p:cBhvr>
-                                      <p:to>
-                                        <p:strVal val="visible"/>
-                                      </p:to>
-                                    </p:set>
-                                    <p:animEffect transition="in" filter="circle(in)">
-                                      <p:cBhvr>
-                                        <p:cTn id="10" dur="500"/>
-                                        <p:tgtEl>
-                                          <p:spTgt spid="7"/>
-                                        </p:tgtEl>
-                                      </p:cBhvr>
-                                    </p:animEffect>
-                                  </p:childTnLst>
-                                </p:cTn>
-                              </p:par>
-                            </p:childTnLst>
-                          </p:cTn>
-                        </p:par>
-                      </p:childTnLst>
-                    </p:cTn>
-                  </p:par>
-                  <p:par>
-                    <p:cTn id="11" fill="hold">
-                      <p:stCondLst>
-                        <p:cond delay="indefinite"/>
-                      </p:stCondLst>
-                      <p:childTnLst>
-                        <p:par>
-                          <p:cTn id="12" fill="hold">
-                            <p:stCondLst>
-                              <p:cond delay="0"/>
-                            </p:stCondLst>
-                            <p:childTnLst>
-                              <p:par>
-                                <p:cTn id="13" presetID="22" presetClass="entr" presetSubtype="4" fill="hold" grpId="0" nodeType="clickEffect">
-                                  <p:stCondLst>
-                                    <p:cond delay="0"/>
-                                  </p:stCondLst>
-                                  <p:childTnLst>
-                                    <p:set>
-                                      <p:cBhvr>
-                                        <p:cTn id="14" dur="1" fill="hold">
                                           <p:stCondLst>
                                             <p:cond delay="0"/>
                                           </p:stCondLst>
@@ -9734,7 +9838,7 @@
                                     </p:set>
                                     <p:animEffect transition="in" filter="wipe(down)">
                                       <p:cBhvr>
-                                        <p:cTn id="15" dur="250"/>
+                                        <p:cTn id="7" dur="250"/>
                                         <p:tgtEl>
                                           <p:spTgt spid="8"/>
                                         </p:tgtEl>
@@ -9771,8 +9875,6 @@
       </p:par>
     </p:tnLst>
     <p:bldLst>
-      <p:bldP spid="6" grpId="0" animBg="1"/>
-      <p:bldP spid="7" grpId="0" animBg="1"/>
       <p:bldP spid="8" grpId="0" animBg="1"/>
     </p:bldLst>
   </p:timing>
@@ -9782,6 +9884,32 @@
 <file path=ppt/slides/slide7.xml><?xml version="1.0" encoding="utf-8"?>
 <p:sld xmlns:a="http://schemas.openxmlformats.org/drawingml/2006/main" xmlns:r="http://schemas.openxmlformats.org/officeDocument/2006/relationships" xmlns:p="http://schemas.openxmlformats.org/presentationml/2006/main">
   <p:cSld>
+    <p:bg>
+      <p:bgPr shadeToTitle="1">
+        <a:gradFill flip="none" rotWithShape="1">
+          <a:gsLst>
+            <a:gs pos="29000">
+              <a:srgbClr val="1E1E1E"/>
+            </a:gs>
+            <a:gs pos="6000">
+              <a:schemeClr val="tx1">
+                <a:lumMod val="85000"/>
+              </a:schemeClr>
+            </a:gs>
+            <a:gs pos="100000">
+              <a:schemeClr val="bg1">
+                <a:shade val="80000"/>
+              </a:schemeClr>
+            </a:gs>
+          </a:gsLst>
+          <a:path path="shape">
+            <a:fillToRect l="50000" t="50000" r="50000" b="50000"/>
+          </a:path>
+          <a:tileRect/>
+        </a:gradFill>
+        <a:effectLst/>
+      </p:bgPr>
+    </p:bg>
     <p:spTree>
       <p:nvGrpSpPr>
         <p:cNvPr id="1" name=""/>
@@ -9845,11 +9973,13 @@
             <a:avLst/>
           </a:prstGeom>
           <a:solidFill>
-            <a:schemeClr val="bg1">
-              <a:lumMod val="85000"/>
-              <a:lumOff val="15000"/>
+            <a:schemeClr val="bg2">
+              <a:lumMod val="75000"/>
             </a:schemeClr>
           </a:solidFill>
+          <a:ln>
+            <a:noFill/>
+          </a:ln>
         </p:spPr>
         <p:style>
           <a:lnRef idx="2">
@@ -9897,11 +10027,13 @@
             <a:avLst/>
           </a:prstGeom>
           <a:solidFill>
-            <a:schemeClr val="bg1">
-              <a:lumMod val="85000"/>
-              <a:lumOff val="15000"/>
+            <a:schemeClr val="bg2">
+              <a:lumMod val="75000"/>
             </a:schemeClr>
           </a:solidFill>
+          <a:ln>
+            <a:noFill/>
+          </a:ln>
         </p:spPr>
         <p:style>
           <a:lnRef idx="2">
@@ -9949,11 +10081,13 @@
             <a:avLst/>
           </a:prstGeom>
           <a:solidFill>
-            <a:schemeClr val="bg1">
-              <a:lumMod val="85000"/>
-              <a:lumOff val="15000"/>
+            <a:schemeClr val="bg2">
+              <a:lumMod val="75000"/>
             </a:schemeClr>
           </a:solidFill>
+          <a:ln>
+            <a:noFill/>
+          </a:ln>
         </p:spPr>
         <p:style>
           <a:lnRef idx="2">
@@ -10001,11 +10135,13 @@
             <a:avLst/>
           </a:prstGeom>
           <a:solidFill>
-            <a:schemeClr val="bg1">
-              <a:lumMod val="85000"/>
-              <a:lumOff val="15000"/>
+            <a:schemeClr val="bg2">
+              <a:lumMod val="75000"/>
             </a:schemeClr>
           </a:solidFill>
+          <a:ln>
+            <a:noFill/>
+          </a:ln>
         </p:spPr>
         <p:style>
           <a:lnRef idx="2">
@@ -10053,11 +10189,13 @@
             <a:avLst/>
           </a:prstGeom>
           <a:solidFill>
-            <a:schemeClr val="bg1">
-              <a:lumMod val="85000"/>
-              <a:lumOff val="15000"/>
+            <a:schemeClr val="bg2">
+              <a:lumMod val="75000"/>
             </a:schemeClr>
           </a:solidFill>
+          <a:ln>
+            <a:noFill/>
+          </a:ln>
         </p:spPr>
         <p:style>
           <a:lnRef idx="2">
@@ -10105,11 +10243,13 @@
             <a:avLst/>
           </a:prstGeom>
           <a:solidFill>
-            <a:schemeClr val="bg1">
-              <a:lumMod val="85000"/>
-              <a:lumOff val="15000"/>
+            <a:schemeClr val="bg2">
+              <a:lumMod val="75000"/>
             </a:schemeClr>
           </a:solidFill>
+          <a:ln>
+            <a:noFill/>
+          </a:ln>
         </p:spPr>
         <p:style>
           <a:lnRef idx="2">
@@ -10157,11 +10297,13 @@
             <a:avLst/>
           </a:prstGeom>
           <a:solidFill>
-            <a:schemeClr val="bg1">
-              <a:lumMod val="85000"/>
-              <a:lumOff val="15000"/>
+            <a:schemeClr val="bg2">
+              <a:lumMod val="75000"/>
             </a:schemeClr>
           </a:solidFill>
+          <a:ln>
+            <a:noFill/>
+          </a:ln>
         </p:spPr>
         <p:style>
           <a:lnRef idx="2">
@@ -10209,11 +10351,13 @@
             <a:avLst/>
           </a:prstGeom>
           <a:solidFill>
-            <a:schemeClr val="bg1">
-              <a:lumMod val="85000"/>
-              <a:lumOff val="15000"/>
+            <a:schemeClr val="bg2">
+              <a:lumMod val="75000"/>
             </a:schemeClr>
           </a:solidFill>
+          <a:ln>
+            <a:noFill/>
+          </a:ln>
         </p:spPr>
         <p:style>
           <a:lnRef idx="2">
@@ -10261,11 +10405,13 @@
             <a:avLst/>
           </a:prstGeom>
           <a:solidFill>
-            <a:schemeClr val="bg1">
-              <a:lumMod val="85000"/>
-              <a:lumOff val="15000"/>
+            <a:schemeClr val="bg2">
+              <a:lumMod val="75000"/>
             </a:schemeClr>
           </a:solidFill>
+          <a:ln>
+            <a:noFill/>
+          </a:ln>
         </p:spPr>
         <p:style>
           <a:lnRef idx="2">
@@ -10313,11 +10459,13 @@
             <a:avLst/>
           </a:prstGeom>
           <a:solidFill>
-            <a:schemeClr val="bg1">
-              <a:lumMod val="85000"/>
-              <a:lumOff val="15000"/>
+            <a:schemeClr val="bg2">
+              <a:lumMod val="75000"/>
             </a:schemeClr>
           </a:solidFill>
+          <a:ln>
+            <a:noFill/>
+          </a:ln>
         </p:spPr>
         <p:style>
           <a:lnRef idx="2">
@@ -10365,11 +10513,13 @@
             <a:avLst/>
           </a:prstGeom>
           <a:solidFill>
-            <a:schemeClr val="bg1">
-              <a:lumMod val="85000"/>
-              <a:lumOff val="15000"/>
+            <a:schemeClr val="bg2">
+              <a:lumMod val="75000"/>
             </a:schemeClr>
           </a:solidFill>
+          <a:ln>
+            <a:noFill/>
+          </a:ln>
         </p:spPr>
         <p:style>
           <a:lnRef idx="2">
@@ -10417,11 +10567,13 @@
             <a:avLst/>
           </a:prstGeom>
           <a:solidFill>
-            <a:schemeClr val="bg1">
-              <a:lumMod val="85000"/>
-              <a:lumOff val="15000"/>
+            <a:schemeClr val="bg2">
+              <a:lumMod val="75000"/>
             </a:schemeClr>
           </a:solidFill>
+          <a:ln>
+            <a:noFill/>
+          </a:ln>
         </p:spPr>
         <p:style>
           <a:lnRef idx="2">
@@ -10469,11 +10621,13 @@
             <a:avLst/>
           </a:prstGeom>
           <a:solidFill>
-            <a:schemeClr val="bg1">
-              <a:lumMod val="85000"/>
-              <a:lumOff val="15000"/>
+            <a:schemeClr val="bg2">
+              <a:lumMod val="75000"/>
             </a:schemeClr>
           </a:solidFill>
+          <a:ln>
+            <a:noFill/>
+          </a:ln>
         </p:spPr>
         <p:style>
           <a:lnRef idx="2">
@@ -10521,11 +10675,13 @@
             <a:avLst/>
           </a:prstGeom>
           <a:solidFill>
-            <a:schemeClr val="bg1">
-              <a:lumMod val="85000"/>
-              <a:lumOff val="15000"/>
+            <a:schemeClr val="bg2">
+              <a:lumMod val="75000"/>
             </a:schemeClr>
           </a:solidFill>
+          <a:ln>
+            <a:noFill/>
+          </a:ln>
         </p:spPr>
         <p:style>
           <a:lnRef idx="2">
@@ -10573,11 +10729,13 @@
             <a:avLst/>
           </a:prstGeom>
           <a:solidFill>
-            <a:schemeClr val="bg1">
-              <a:lumMod val="85000"/>
-              <a:lumOff val="15000"/>
+            <a:schemeClr val="bg2">
+              <a:lumMod val="75000"/>
             </a:schemeClr>
           </a:solidFill>
+          <a:ln>
+            <a:noFill/>
+          </a:ln>
         </p:spPr>
         <p:style>
           <a:lnRef idx="2">
@@ -10625,11 +10783,13 @@
             <a:avLst/>
           </a:prstGeom>
           <a:solidFill>
-            <a:schemeClr val="bg1">
-              <a:lumMod val="85000"/>
-              <a:lumOff val="15000"/>
+            <a:schemeClr val="bg2">
+              <a:lumMod val="75000"/>
             </a:schemeClr>
           </a:solidFill>
+          <a:ln>
+            <a:noFill/>
+          </a:ln>
         </p:spPr>
         <p:style>
           <a:lnRef idx="2">
@@ -10677,11 +10837,13 @@
             <a:avLst/>
           </a:prstGeom>
           <a:solidFill>
-            <a:schemeClr val="bg1">
-              <a:lumMod val="85000"/>
-              <a:lumOff val="15000"/>
+            <a:schemeClr val="bg2">
+              <a:lumMod val="75000"/>
             </a:schemeClr>
           </a:solidFill>
+          <a:ln>
+            <a:noFill/>
+          </a:ln>
         </p:spPr>
         <p:style>
           <a:lnRef idx="2">
@@ -10729,11 +10891,13 @@
             <a:avLst/>
           </a:prstGeom>
           <a:solidFill>
-            <a:schemeClr val="bg1">
-              <a:lumMod val="85000"/>
-              <a:lumOff val="15000"/>
+            <a:schemeClr val="bg2">
+              <a:lumMod val="75000"/>
             </a:schemeClr>
           </a:solidFill>
+          <a:ln>
+            <a:noFill/>
+          </a:ln>
         </p:spPr>
         <p:style>
           <a:lnRef idx="2">
@@ -10781,11 +10945,13 @@
             <a:avLst/>
           </a:prstGeom>
           <a:solidFill>
-            <a:schemeClr val="bg1">
-              <a:lumMod val="85000"/>
-              <a:lumOff val="15000"/>
+            <a:schemeClr val="bg2">
+              <a:lumMod val="75000"/>
             </a:schemeClr>
           </a:solidFill>
+          <a:ln>
+            <a:noFill/>
+          </a:ln>
         </p:spPr>
         <p:style>
           <a:lnRef idx="2">
@@ -10833,11 +10999,13 @@
             <a:avLst/>
           </a:prstGeom>
           <a:solidFill>
-            <a:schemeClr val="bg1">
-              <a:lumMod val="85000"/>
-              <a:lumOff val="15000"/>
+            <a:schemeClr val="bg2">
+              <a:lumMod val="75000"/>
             </a:schemeClr>
           </a:solidFill>
+          <a:ln>
+            <a:noFill/>
+          </a:ln>
         </p:spPr>
         <p:style>
           <a:lnRef idx="2">
@@ -10885,11 +11053,13 @@
             <a:avLst/>
           </a:prstGeom>
           <a:solidFill>
-            <a:schemeClr val="bg1">
-              <a:lumMod val="85000"/>
-              <a:lumOff val="15000"/>
+            <a:schemeClr val="bg2">
+              <a:lumMod val="75000"/>
             </a:schemeClr>
           </a:solidFill>
+          <a:ln>
+            <a:noFill/>
+          </a:ln>
         </p:spPr>
         <p:style>
           <a:lnRef idx="2">
@@ -10937,11 +11107,13 @@
             <a:avLst/>
           </a:prstGeom>
           <a:solidFill>
-            <a:schemeClr val="bg1">
-              <a:lumMod val="85000"/>
-              <a:lumOff val="15000"/>
+            <a:schemeClr val="bg2">
+              <a:lumMod val="75000"/>
             </a:schemeClr>
           </a:solidFill>
+          <a:ln>
+            <a:noFill/>
+          </a:ln>
         </p:spPr>
         <p:style>
           <a:lnRef idx="2">
@@ -10989,11 +11161,13 @@
             <a:avLst/>
           </a:prstGeom>
           <a:solidFill>
-            <a:schemeClr val="bg1">
-              <a:lumMod val="85000"/>
-              <a:lumOff val="15000"/>
+            <a:schemeClr val="bg2">
+              <a:lumMod val="75000"/>
             </a:schemeClr>
           </a:solidFill>
+          <a:ln>
+            <a:noFill/>
+          </a:ln>
         </p:spPr>
         <p:style>
           <a:lnRef idx="2">
@@ -11041,11 +11215,13 @@
             <a:avLst/>
           </a:prstGeom>
           <a:solidFill>
-            <a:schemeClr val="bg1">
-              <a:lumMod val="85000"/>
-              <a:lumOff val="15000"/>
+            <a:schemeClr val="bg2">
+              <a:lumMod val="75000"/>
             </a:schemeClr>
           </a:solidFill>
+          <a:ln>
+            <a:noFill/>
+          </a:ln>
         </p:spPr>
         <p:style>
           <a:lnRef idx="2">
@@ -11093,11 +11269,13 @@
             <a:avLst/>
           </a:prstGeom>
           <a:solidFill>
-            <a:schemeClr val="bg1">
-              <a:lumMod val="85000"/>
-              <a:lumOff val="15000"/>
+            <a:schemeClr val="bg2">
+              <a:lumMod val="75000"/>
             </a:schemeClr>
           </a:solidFill>
+          <a:ln>
+            <a:noFill/>
+          </a:ln>
         </p:spPr>
         <p:style>
           <a:lnRef idx="2">
@@ -11145,11 +11323,13 @@
             <a:avLst/>
           </a:prstGeom>
           <a:solidFill>
-            <a:schemeClr val="bg1">
-              <a:lumMod val="85000"/>
-              <a:lumOff val="15000"/>
+            <a:schemeClr val="bg2">
+              <a:lumMod val="75000"/>
             </a:schemeClr>
           </a:solidFill>
+          <a:ln>
+            <a:noFill/>
+          </a:ln>
         </p:spPr>
         <p:style>
           <a:lnRef idx="2">
@@ -11197,11 +11377,13 @@
             <a:avLst/>
           </a:prstGeom>
           <a:solidFill>
-            <a:schemeClr val="bg1">
-              <a:lumMod val="85000"/>
-              <a:lumOff val="15000"/>
+            <a:schemeClr val="bg2">
+              <a:lumMod val="75000"/>
             </a:schemeClr>
           </a:solidFill>
+          <a:ln>
+            <a:noFill/>
+          </a:ln>
         </p:spPr>
         <p:style>
           <a:lnRef idx="2">
@@ -11249,11 +11431,13 @@
             <a:avLst/>
           </a:prstGeom>
           <a:solidFill>
-            <a:schemeClr val="bg1">
-              <a:lumMod val="85000"/>
-              <a:lumOff val="15000"/>
+            <a:schemeClr val="bg2">
+              <a:lumMod val="75000"/>
             </a:schemeClr>
           </a:solidFill>
+          <a:ln>
+            <a:noFill/>
+          </a:ln>
         </p:spPr>
         <p:style>
           <a:lnRef idx="2">
@@ -11301,11 +11485,13 @@
             <a:avLst/>
           </a:prstGeom>
           <a:solidFill>
-            <a:schemeClr val="bg1">
-              <a:lumMod val="85000"/>
-              <a:lumOff val="15000"/>
+            <a:schemeClr val="bg2">
+              <a:lumMod val="75000"/>
             </a:schemeClr>
           </a:solidFill>
+          <a:ln>
+            <a:noFill/>
+          </a:ln>
         </p:spPr>
         <p:style>
           <a:lnRef idx="2">
@@ -11353,11 +11539,13 @@
             <a:avLst/>
           </a:prstGeom>
           <a:solidFill>
-            <a:schemeClr val="bg1">
-              <a:lumMod val="85000"/>
-              <a:lumOff val="15000"/>
+            <a:schemeClr val="bg2">
+              <a:lumMod val="75000"/>
             </a:schemeClr>
           </a:solidFill>
+          <a:ln>
+            <a:noFill/>
+          </a:ln>
         </p:spPr>
         <p:style>
           <a:lnRef idx="2">
@@ -11405,11 +11593,13 @@
             <a:avLst/>
           </a:prstGeom>
           <a:solidFill>
-            <a:schemeClr val="bg1">
-              <a:lumMod val="85000"/>
-              <a:lumOff val="15000"/>
+            <a:schemeClr val="bg2">
+              <a:lumMod val="75000"/>
             </a:schemeClr>
           </a:solidFill>
+          <a:ln>
+            <a:noFill/>
+          </a:ln>
         </p:spPr>
         <p:style>
           <a:lnRef idx="2">
@@ -11457,11 +11647,13 @@
             <a:avLst/>
           </a:prstGeom>
           <a:solidFill>
-            <a:schemeClr val="bg1">
-              <a:lumMod val="85000"/>
-              <a:lumOff val="15000"/>
+            <a:schemeClr val="bg2">
+              <a:lumMod val="75000"/>
             </a:schemeClr>
           </a:solidFill>
+          <a:ln>
+            <a:noFill/>
+          </a:ln>
         </p:spPr>
         <p:style>
           <a:lnRef idx="2">
@@ -11509,11 +11701,13 @@
             <a:avLst/>
           </a:prstGeom>
           <a:solidFill>
-            <a:schemeClr val="bg1">
-              <a:lumMod val="85000"/>
-              <a:lumOff val="15000"/>
+            <a:schemeClr val="bg2">
+              <a:lumMod val="75000"/>
             </a:schemeClr>
           </a:solidFill>
+          <a:ln>
+            <a:noFill/>
+          </a:ln>
         </p:spPr>
         <p:style>
           <a:lnRef idx="2">
@@ -11554,7 +11748,7 @@
         </p:nvSpPr>
         <p:spPr>
           <a:xfrm>
-            <a:off x="142935" y="646357"/>
+            <a:off x="39554" y="525658"/>
             <a:ext cx="11953328" cy="6332342"/>
           </a:xfrm>
           <a:prstGeom prst="rect">
@@ -16342,8 +16536,67 @@
         </p:blipFill>
         <p:spPr>
           <a:xfrm>
-            <a:off x="14233" y="1442568"/>
-            <a:ext cx="6485182" cy="3299746"/>
+            <a:off x="17478" y="766061"/>
+            <a:ext cx="5598111" cy="3299746"/>
+          </a:xfrm>
+          <a:prstGeom prst="rect">
+            <a:avLst/>
+          </a:prstGeom>
+        </p:spPr>
+      </p:pic>
+      <p:pic>
+        <p:nvPicPr>
+          <p:cNvPr id="43" name="Picture 42">
+            <a:extLst>
+              <a:ext uri="{FF2B5EF4-FFF2-40B4-BE49-F238E27FC236}">
+                <a16:creationId xmlns:a16="http://schemas.microsoft.com/office/drawing/2014/main" id="{19FC3E2E-4259-07CD-9B2B-6EE11B03D2FD}"/>
+              </a:ext>
+            </a:extLst>
+          </p:cNvPr>
+          <p:cNvPicPr>
+            <a:picLocks noChangeAspect="1"/>
+          </p:cNvPicPr>
+          <p:nvPr/>
+        </p:nvPicPr>
+        <p:blipFill rotWithShape="1">
+          <a:blip r:embed="rId3"/>
+          <a:srcRect l="1645" r="4396"/>
+          <a:stretch/>
+        </p:blipFill>
+        <p:spPr>
+          <a:xfrm>
+            <a:off x="101018" y="4213103"/>
+            <a:ext cx="5514571" cy="2070315"/>
+          </a:xfrm>
+          <a:prstGeom prst="rect">
+            <a:avLst/>
+          </a:prstGeom>
+        </p:spPr>
+      </p:pic>
+      <p:pic>
+        <p:nvPicPr>
+          <p:cNvPr id="5" name="Picture 4">
+            <a:extLst>
+              <a:ext uri="{FF2B5EF4-FFF2-40B4-BE49-F238E27FC236}">
+                <a16:creationId xmlns:a16="http://schemas.microsoft.com/office/drawing/2014/main" id="{C42E75F3-3501-C800-869E-B7CBDD3F0A30}"/>
+              </a:ext>
+            </a:extLst>
+          </p:cNvPr>
+          <p:cNvPicPr>
+            <a:picLocks noChangeAspect="1"/>
+          </p:cNvPicPr>
+          <p:nvPr/>
+        </p:nvPicPr>
+        <p:blipFill>
+          <a:blip r:embed="rId4"/>
+          <a:stretch>
+            <a:fillRect/>
+          </a:stretch>
+        </p:blipFill>
+        <p:spPr>
+          <a:xfrm>
+            <a:off x="5869910" y="731082"/>
+            <a:ext cx="6130305" cy="5247005"/>
           </a:xfrm>
           <a:prstGeom prst="rect">
             <a:avLst/>
@@ -16365,44 +16618,15 @@
           <p:nvPr/>
         </p:nvPicPr>
         <p:blipFill>
-          <a:blip r:embed="rId3"/>
+          <a:blip r:embed="rId5"/>
           <a:stretch>
             <a:fillRect/>
           </a:stretch>
         </p:blipFill>
         <p:spPr>
           <a:xfrm>
-            <a:off x="3927750" y="5318499"/>
+            <a:off x="3870193" y="5912325"/>
             <a:ext cx="7071973" cy="952583"/>
-          </a:xfrm>
-          <a:prstGeom prst="rect">
-            <a:avLst/>
-          </a:prstGeom>
-        </p:spPr>
-      </p:pic>
-      <p:pic>
-        <p:nvPicPr>
-          <p:cNvPr id="43" name="Picture 42">
-            <a:extLst>
-              <a:ext uri="{FF2B5EF4-FFF2-40B4-BE49-F238E27FC236}">
-                <a16:creationId xmlns:a16="http://schemas.microsoft.com/office/drawing/2014/main" id="{19FC3E2E-4259-07CD-9B2B-6EE11B03D2FD}"/>
-              </a:ext>
-            </a:extLst>
-          </p:cNvPr>
-          <p:cNvPicPr>
-            <a:picLocks noChangeAspect="1"/>
-          </p:cNvPicPr>
-          <p:nvPr/>
-        </p:nvPicPr>
-        <p:blipFill rotWithShape="1">
-          <a:blip r:embed="rId4"/>
-          <a:srcRect l="1645" r="4396"/>
-          <a:stretch/>
-        </p:blipFill>
-        <p:spPr>
-          <a:xfrm>
-            <a:off x="6470945" y="1805308"/>
-            <a:ext cx="5721055" cy="2217612"/>
           </a:xfrm>
           <a:prstGeom prst="rect">
             <a:avLst/>
@@ -19003,8 +19227,8 @@
         </p:nvSpPr>
         <p:spPr>
           <a:xfrm>
-            <a:off x="220662" y="827584"/>
-            <a:ext cx="1957587" cy="369332"/>
+            <a:off x="194702" y="598416"/>
+            <a:ext cx="2058914" cy="646331"/>
           </a:xfrm>
           <a:prstGeom prst="rect">
             <a:avLst/>
@@ -19012,7 +19236,7 @@
           <a:noFill/>
         </p:spPr>
         <p:txBody>
-          <a:bodyPr wrap="none" rtlCol="0">
+          <a:bodyPr wrap="square" rtlCol="0">
             <a:spAutoFit/>
           </a:bodyPr>
           <a:lstStyle/>
@@ -19068,8 +19292,8 @@
         </p:nvSpPr>
         <p:spPr>
           <a:xfrm>
-            <a:off x="767408" y="3142422"/>
-            <a:ext cx="5222905" cy="400110"/>
+            <a:off x="767408" y="2825070"/>
+            <a:ext cx="5328592" cy="707886"/>
           </a:xfrm>
           <a:prstGeom prst="rect">
             <a:avLst/>
@@ -19077,20 +19301,185 @@
           <a:noFill/>
         </p:spPr>
         <p:txBody>
-          <a:bodyPr wrap="none" rtlCol="0">
+          <a:bodyPr wrap="square" rtlCol="0">
             <a:spAutoFit/>
           </a:bodyPr>
           <a:lstStyle/>
           <a:p>
             <a:r>
               <a:rPr lang="en-IN" sz="2000" dirty="0"/>
-              <a:t>Switching branch and changing in </a:t>
+              <a:t>Switching branch and changing in new branch:</a:t>
             </a:r>
+          </a:p>
+        </p:txBody>
+      </p:sp>
+      <p:sp>
+        <p:nvSpPr>
+          <p:cNvPr id="3" name="Arrow: Bent 2">
+            <a:extLst>
+              <a:ext uri="{FF2B5EF4-FFF2-40B4-BE49-F238E27FC236}">
+                <a16:creationId xmlns:a16="http://schemas.microsoft.com/office/drawing/2014/main" id="{37A41DEC-4397-2B33-FF56-604CB2A6EA0C}"/>
+              </a:ext>
+            </a:extLst>
+          </p:cNvPr>
+          <p:cNvSpPr/>
+          <p:nvPr/>
+        </p:nvSpPr>
+        <p:spPr>
+          <a:xfrm rot="10628335" flipH="1">
+            <a:off x="178947" y="2823759"/>
+            <a:ext cx="572912" cy="637326"/>
+          </a:xfrm>
+          <a:prstGeom prst="bentArrow">
+            <a:avLst>
+              <a:gd name="adj1" fmla="val 22833"/>
+              <a:gd name="adj2" fmla="val 25000"/>
+              <a:gd name="adj3" fmla="val 25000"/>
+              <a:gd name="adj4" fmla="val 43750"/>
+            </a:avLst>
+          </a:prstGeom>
+        </p:spPr>
+        <p:style>
+          <a:lnRef idx="2">
+            <a:schemeClr val="accent1">
+              <a:shade val="50000"/>
+            </a:schemeClr>
+          </a:lnRef>
+          <a:fillRef idx="1">
+            <a:schemeClr val="accent1"/>
+          </a:fillRef>
+          <a:effectRef idx="0">
+            <a:schemeClr val="accent1"/>
+          </a:effectRef>
+          <a:fontRef idx="minor">
+            <a:schemeClr val="lt1"/>
+          </a:fontRef>
+        </p:style>
+        <p:txBody>
+          <a:bodyPr rtlCol="0" anchor="ctr"/>
+          <a:lstStyle/>
+          <a:p>
+            <a:pPr algn="ctr"/>
+            <a:endParaRPr lang="en-IN">
+              <a:solidFill>
+                <a:schemeClr val="tx1"/>
+              </a:solidFill>
+            </a:endParaRPr>
+          </a:p>
+        </p:txBody>
+      </p:sp>
+      <p:pic>
+        <p:nvPicPr>
+          <p:cNvPr id="9" name="Picture 8">
+            <a:extLst>
+              <a:ext uri="{FF2B5EF4-FFF2-40B4-BE49-F238E27FC236}">
+                <a16:creationId xmlns:a16="http://schemas.microsoft.com/office/drawing/2014/main" id="{5A0E9760-7466-4BD4-4D86-E49CEDE05012}"/>
+              </a:ext>
+            </a:extLst>
+          </p:cNvPr>
+          <p:cNvPicPr>
+            <a:picLocks noChangeAspect="1"/>
+          </p:cNvPicPr>
+          <p:nvPr/>
+        </p:nvPicPr>
+        <p:blipFill>
+          <a:blip r:embed="rId4"/>
+          <a:stretch>
+            <a:fillRect/>
+          </a:stretch>
+        </p:blipFill>
+        <p:spPr>
+          <a:xfrm>
+            <a:off x="7335600" y="3461747"/>
+            <a:ext cx="4732430" cy="914479"/>
+          </a:xfrm>
+          <a:prstGeom prst="rect">
+            <a:avLst/>
+          </a:prstGeom>
+        </p:spPr>
+      </p:pic>
+      <p:sp>
+        <p:nvSpPr>
+          <p:cNvPr id="10" name="Arrow: Bent 9">
+            <a:extLst>
+              <a:ext uri="{FF2B5EF4-FFF2-40B4-BE49-F238E27FC236}">
+                <a16:creationId xmlns:a16="http://schemas.microsoft.com/office/drawing/2014/main" id="{839AC7DA-250C-7039-F314-F50EC3A3B5F1}"/>
+              </a:ext>
+            </a:extLst>
+          </p:cNvPr>
+          <p:cNvSpPr/>
+          <p:nvPr/>
+        </p:nvSpPr>
+        <p:spPr>
+          <a:xfrm rot="17527987" flipV="1">
+            <a:off x="7281561" y="4824837"/>
+            <a:ext cx="1656184" cy="720080"/>
+          </a:xfrm>
+          <a:prstGeom prst="bentArrow">
+            <a:avLst/>
+          </a:prstGeom>
+        </p:spPr>
+        <p:style>
+          <a:lnRef idx="2">
+            <a:schemeClr val="accent1">
+              <a:shade val="50000"/>
+            </a:schemeClr>
+          </a:lnRef>
+          <a:fillRef idx="1">
+            <a:schemeClr val="accent1"/>
+          </a:fillRef>
+          <a:effectRef idx="0">
+            <a:schemeClr val="accent1"/>
+          </a:effectRef>
+          <a:fontRef idx="minor">
+            <a:schemeClr val="lt1"/>
+          </a:fontRef>
+        </p:style>
+        <p:txBody>
+          <a:bodyPr rtlCol="0" anchor="ctr"/>
+          <a:lstStyle/>
+          <a:p>
+            <a:pPr algn="ctr"/>
+            <a:endParaRPr lang="en-IN">
+              <a:solidFill>
+                <a:schemeClr val="tx1"/>
+              </a:solidFill>
+            </a:endParaRPr>
+          </a:p>
+        </p:txBody>
+      </p:sp>
+      <p:sp>
+        <p:nvSpPr>
+          <p:cNvPr id="11" name="TextBox 10">
+            <a:extLst>
+              <a:ext uri="{FF2B5EF4-FFF2-40B4-BE49-F238E27FC236}">
+                <a16:creationId xmlns:a16="http://schemas.microsoft.com/office/drawing/2014/main" id="{397A71CD-41E0-7078-18DE-FAEA90A60A78}"/>
+              </a:ext>
+            </a:extLst>
+          </p:cNvPr>
+          <p:cNvSpPr txBox="1"/>
+          <p:nvPr/>
+        </p:nvSpPr>
+        <p:spPr>
+          <a:xfrm>
+            <a:off x="7824192" y="2996952"/>
+            <a:ext cx="3240360" cy="369332"/>
+          </a:xfrm>
+          <a:prstGeom prst="rect">
+            <a:avLst/>
+          </a:prstGeom>
+          <a:noFill/>
+        </p:spPr>
+        <p:txBody>
+          <a:bodyPr wrap="square" rtlCol="0">
+            <a:spAutoFit/>
+          </a:bodyPr>
+          <a:lstStyle/>
+          <a:p>
             <a:r>
-              <a:rPr lang="en-IN" sz="2000"/>
-              <a:t>new branch:</a:t>
+              <a:rPr lang="en-IN" dirty="0"/>
+              <a:t>Merging the two branches :</a:t>
             </a:r>
-            <a:endParaRPr lang="en-IN" sz="2000" dirty="0"/>
           </a:p>
         </p:txBody>
       </p:sp>
@@ -19108,58 +19497,93 @@
 </file>
 
 <file path=ppt/theme/theme1.xml><?xml version="1.0" encoding="utf-8"?>
-<a:theme xmlns:a="http://schemas.openxmlformats.org/drawingml/2006/main" name="Tech Computer 16x9">
+<a:theme xmlns:a="http://schemas.openxmlformats.org/drawingml/2006/main" name="Gallery">
   <a:themeElements>
-    <a:clrScheme name="TechComputer">
+    <a:clrScheme name="Gallery">
       <a:dk1>
-        <a:srgbClr val="000000"/>
+        <a:sysClr val="windowText" lastClr="000000"/>
       </a:dk1>
       <a:lt1>
         <a:sysClr val="window" lastClr="FFFFFF"/>
       </a:lt1>
       <a:dk2>
-        <a:srgbClr val="4D4D4D"/>
+        <a:srgbClr val="454545"/>
       </a:dk2>
       <a:lt2>
-        <a:srgbClr val="DDDDDD"/>
+        <a:srgbClr val="DFD9D5"/>
       </a:lt2>
       <a:accent1>
-        <a:srgbClr val="92D050"/>
+        <a:srgbClr val="FB8C29"/>
       </a:accent1>
       <a:accent2>
-        <a:srgbClr val="F7C331"/>
+        <a:srgbClr val="F2C351"/>
       </a:accent2>
       <a:accent3>
-        <a:srgbClr val="47B8C7"/>
+        <a:srgbClr val="D0CBA5"/>
       </a:accent3>
       <a:accent4>
-        <a:srgbClr val="B074BA"/>
+        <a:srgbClr val="A2C476"/>
       </a:accent4>
       <a:accent5>
-        <a:srgbClr val="F34D47"/>
+        <a:srgbClr val="57C293"/>
       </a:accent5>
       <a:accent6>
-        <a:srgbClr val="FA8F30"/>
+        <a:srgbClr val="06BFDE"/>
       </a:accent6>
       <a:hlink>
-        <a:srgbClr val="47B8C7"/>
+        <a:srgbClr val="FBAE29"/>
       </a:hlink>
       <a:folHlink>
-        <a:srgbClr val="969696"/>
+        <a:srgbClr val="EDC47E"/>
       </a:folHlink>
     </a:clrScheme>
-    <a:fontScheme name="Consolas-Candara">
+    <a:fontScheme name="Gallery">
       <a:majorFont>
-        <a:latin typeface="Consolas"/>
+        <a:latin typeface="Rockwell" panose="02060603020205020403"/>
         <a:ea typeface=""/>
         <a:cs typeface=""/>
-        <a:font script="Jpan" typeface="ＭＳ ゴシック"/>
-        <a:font script="Hang" typeface="HY중고딕"/>
-        <a:font script="Hans" typeface="幼圆"/>
-        <a:font script="Hant" typeface="微軟正黑體"/>
-        <a:font script="Arab" typeface="Tahoma"/>
-        <a:font script="Hebr" typeface="Gisha"/>
-        <a:font script="Thai" typeface="DilleniaUPC"/>
+        <a:font script="Jpan" typeface="游ゴシック Light"/>
+        <a:font script="Hang" typeface="맑은 고딕"/>
+        <a:font script="Hans" typeface="等线 Light"/>
+        <a:font script="Hant" typeface="新細明體"/>
+        <a:font script="Arab" typeface="Times New Roman"/>
+        <a:font script="Hebr" typeface="Times New Roman"/>
+        <a:font script="Thai" typeface="Angsana New"/>
+        <a:font script="Ethi" typeface="Nyala"/>
+        <a:font script="Beng" typeface="Vrinda"/>
+        <a:font script="Gujr" typeface="Shruti"/>
+        <a:font script="Khmr" typeface="MoolBoran"/>
+        <a:font script="Knda" typeface="Tunga"/>
+        <a:font script="Guru" typeface="Raavi"/>
+        <a:font script="Cans" typeface="Euphemia"/>
+        <a:font script="Cher" typeface="Plantagenet Cherokee"/>
+        <a:font script="Yiii" typeface="Microsoft Yi Baiti"/>
+        <a:font script="Tibt" typeface="Microsoft Himalaya"/>
+        <a:font script="Thaa" typeface="MV Boli"/>
+        <a:font script="Deva" typeface="Mangal"/>
+        <a:font script="Telu" typeface="Gautami"/>
+        <a:font script="Taml" typeface="Latha"/>
+        <a:font script="Syrc" typeface="Estrangelo Edessa"/>
+        <a:font script="Orya" typeface="Kalinga"/>
+        <a:font script="Mlym" typeface="Kartika"/>
+        <a:font script="Laoo" typeface="DokChampa"/>
+        <a:font script="Sinh" typeface="Iskoola Pota"/>
+        <a:font script="Mong" typeface="Mongolian Baiti"/>
+        <a:font script="Viet" typeface="Times New Roman"/>
+        <a:font script="Uigh" typeface="Microsoft Uighur"/>
+        <a:font script="Geor" typeface="Sylfaen"/>
+      </a:majorFont>
+      <a:minorFont>
+        <a:latin typeface="Rockwell" panose="02060603020205020403"/>
+        <a:ea typeface=""/>
+        <a:cs typeface=""/>
+        <a:font script="Jpan" typeface="游ゴシック"/>
+        <a:font script="Hang" typeface="맑은 고딕"/>
+        <a:font script="Hans" typeface="等线"/>
+        <a:font script="Hant" typeface="新細明體"/>
+        <a:font script="Arab" typeface="Arial"/>
+        <a:font script="Hebr" typeface="Arial"/>
+        <a:font script="Thai" typeface="Cordia New"/>
         <a:font script="Ethi" typeface="Nyala"/>
         <a:font script="Beng" typeface="Vrinda"/>
         <a:font script="Gujr" typeface="Shruti"/>
@@ -19180,47 +19604,12 @@
         <a:font script="Laoo" typeface="DokChampa"/>
         <a:font script="Sinh" typeface="Iskoola Pota"/>
         <a:font script="Mong" typeface="Mongolian Baiti"/>
-        <a:font script="Viet" typeface="Tahoma"/>
-        <a:font script="Uigh" typeface="Microsoft Uighur"/>
-        <a:font script="Geor" typeface="Sylfaen"/>
-      </a:majorFont>
-      <a:minorFont>
-        <a:latin typeface="Candara"/>
-        <a:ea typeface=""/>
-        <a:cs typeface=""/>
-        <a:font script="Jpan" typeface="ＭＳ ゴシック"/>
-        <a:font script="Hang" typeface="HY중고딕"/>
-        <a:font script="Hans" typeface="幼圆"/>
-        <a:font script="Hant" typeface="微軟正黑體"/>
-        <a:font script="Arab" typeface="Tahoma"/>
-        <a:font script="Hebr" typeface="Gisha"/>
-        <a:font script="Thai" typeface="DilleniaUPC"/>
-        <a:font script="Ethi" typeface="Nyala"/>
-        <a:font script="Beng" typeface="Vrinda"/>
-        <a:font script="Gujr" typeface="Shruti"/>
-        <a:font script="Khmr" typeface="DaunPenh"/>
-        <a:font script="Knda" typeface="Tunga"/>
-        <a:font script="Guru" typeface="Raavi"/>
-        <a:font script="Cans" typeface="Euphemia"/>
-        <a:font script="Cher" typeface="Plantagenet Cherokee"/>
-        <a:font script="Yiii" typeface="Microsoft Yi Baiti"/>
-        <a:font script="Tibt" typeface="Microsoft Himalaya"/>
-        <a:font script="Thaa" typeface="MV Boli"/>
-        <a:font script="Deva" typeface="Mangal"/>
-        <a:font script="Telu" typeface="Gautami"/>
-        <a:font script="Taml" typeface="Latha"/>
-        <a:font script="Syrc" typeface="Estrangelo Edessa"/>
-        <a:font script="Orya" typeface="Kalinga"/>
-        <a:font script="Mlym" typeface="Kartika"/>
-        <a:font script="Laoo" typeface="DokChampa"/>
-        <a:font script="Sinh" typeface="Iskoola Pota"/>
-        <a:font script="Mong" typeface="Mongolian Baiti"/>
-        <a:font script="Viet" typeface="Verdana"/>
+        <a:font script="Viet" typeface="Arial"/>
         <a:font script="Uigh" typeface="Microsoft Uighur"/>
         <a:font script="Geor" typeface="Sylfaen"/>
       </a:minorFont>
     </a:fontScheme>
-    <a:fmtScheme name="Office">
+    <a:fmtScheme name="Gallery">
       <a:fillStyleLst>
         <a:solidFill>
           <a:schemeClr val="phClr"/>
@@ -19229,23 +19618,18 @@
           <a:gsLst>
             <a:gs pos="0">
               <a:schemeClr val="phClr">
+                <a:tint val="54000"/>
+                <a:alpha val="100000"/>
+                <a:satMod val="105000"/>
                 <a:lumMod val="110000"/>
-                <a:satMod val="105000"/>
-                <a:tint val="67000"/>
-              </a:schemeClr>
-            </a:gs>
-            <a:gs pos="50000">
-              <a:schemeClr val="phClr">
-                <a:lumMod val="105000"/>
-                <a:satMod val="103000"/>
-                <a:tint val="73000"/>
               </a:schemeClr>
             </a:gs>
             <a:gs pos="100000">
               <a:schemeClr val="phClr">
-                <a:lumMod val="105000"/>
+                <a:tint val="78000"/>
+                <a:alpha val="92000"/>
                 <a:satMod val="109000"/>
-                <a:tint val="81000"/>
+                <a:lumMod val="100000"/>
               </a:schemeClr>
             </a:gs>
           </a:gsLst>
@@ -19255,23 +19639,23 @@
           <a:gsLst>
             <a:gs pos="0">
               <a:schemeClr val="phClr">
-                <a:satMod val="103000"/>
-                <a:lumMod val="102000"/>
-                <a:tint val="94000"/>
+                <a:tint val="98000"/>
+                <a:satMod val="110000"/>
+                <a:lumMod val="104000"/>
               </a:schemeClr>
             </a:gs>
-            <a:gs pos="50000">
+            <a:gs pos="69000">
               <a:schemeClr val="phClr">
-                <a:satMod val="110000"/>
-                <a:lumMod val="100000"/>
-                <a:shade val="100000"/>
+                <a:shade val="88000"/>
+                <a:satMod val="130000"/>
+                <a:lumMod val="92000"/>
               </a:schemeClr>
             </a:gs>
             <a:gs pos="100000">
               <a:schemeClr val="phClr">
-                <a:lumMod val="99000"/>
-                <a:satMod val="120000"/>
                 <a:shade val="78000"/>
+                <a:satMod val="130000"/>
+                <a:lumMod val="92000"/>
               </a:schemeClr>
             </a:gs>
           </a:gsLst>
@@ -19279,26 +19663,23 @@
         </a:gradFill>
       </a:fillStyleLst>
       <a:lnStyleLst>
-        <a:ln w="6350" cap="flat" cmpd="sng" algn="ctr">
+        <a:ln w="9525" cap="flat" cmpd="sng" algn="ctr">
           <a:solidFill>
             <a:schemeClr val="phClr"/>
           </a:solidFill>
           <a:prstDash val="solid"/>
-          <a:miter lim="800000"/>
         </a:ln>
-        <a:ln w="12700" cap="flat" cmpd="sng" algn="ctr">
+        <a:ln w="15875" cap="flat" cmpd="sng" algn="ctr">
           <a:solidFill>
             <a:schemeClr val="phClr"/>
           </a:solidFill>
           <a:prstDash val="solid"/>
-          <a:miter lim="800000"/>
         </a:ln>
-        <a:ln w="19050" cap="flat" cmpd="sng" algn="ctr">
+        <a:ln w="22225" cap="flat" cmpd="sng" algn="ctr">
           <a:solidFill>
             <a:schemeClr val="phClr"/>
           </a:solidFill>
           <a:prstDash val="solid"/>
-          <a:miter lim="800000"/>
         </a:ln>
       </a:lnStyleLst>
       <a:effectStyleLst>
@@ -19310,12 +19691,23 @@
         </a:effectStyle>
         <a:effectStyle>
           <a:effectLst>
-            <a:outerShdw blurRad="57150" dist="19050" dir="5400000" algn="ctr" rotWithShape="0">
+            <a:outerShdw blurRad="50800" dist="50800" dir="5400000" sx="96000" sy="96000" rotWithShape="0">
               <a:srgbClr val="000000">
-                <a:alpha val="63000"/>
+                <a:alpha val="48000"/>
               </a:srgbClr>
             </a:outerShdw>
           </a:effectLst>
+          <a:scene3d>
+            <a:camera prst="orthographicFront">
+              <a:rot lat="0" lon="0" rev="0"/>
+            </a:camera>
+            <a:lightRig rig="balanced" dir="t">
+              <a:rot lat="0" lon="0" rev="1080000"/>
+            </a:lightRig>
+          </a:scene3d>
+          <a:sp3d>
+            <a:bevelT w="38100" h="12700" prst="softRound"/>
+          </a:sp3d>
         </a:effectStyle>
       </a:effectStyleLst>
       <a:bgFillStyleLst>
@@ -19323,37 +19715,26 @@
           <a:schemeClr val="phClr"/>
         </a:solidFill>
         <a:solidFill>
-          <a:schemeClr val="phClr">
-            <a:tint val="95000"/>
-            <a:satMod val="170000"/>
-          </a:schemeClr>
+          <a:schemeClr val="phClr"/>
         </a:solidFill>
         <a:gradFill rotWithShape="1">
           <a:gsLst>
             <a:gs pos="0">
               <a:schemeClr val="phClr">
-                <a:tint val="93000"/>
-                <a:satMod val="150000"/>
-                <a:shade val="98000"/>
-                <a:lumMod val="102000"/>
-              </a:schemeClr>
-            </a:gs>
-            <a:gs pos="50000">
-              <a:schemeClr val="phClr">
-                <a:tint val="98000"/>
-                <a:satMod val="130000"/>
-                <a:shade val="90000"/>
-                <a:lumMod val="103000"/>
+                <a:tint val="94000"/>
+                <a:satMod val="80000"/>
+                <a:lumMod val="106000"/>
               </a:schemeClr>
             </a:gs>
             <a:gs pos="100000">
               <a:schemeClr val="phClr">
-                <a:shade val="63000"/>
-                <a:satMod val="120000"/>
+                <a:shade val="80000"/>
               </a:schemeClr>
             </a:gs>
           </a:gsLst>
-          <a:lin ang="5400000" scaled="0"/>
+          <a:path path="circle">
+            <a:fillToRect l="43000" r="43000" b="100000"/>
+          </a:path>
         </a:gradFill>
       </a:bgFillStyleLst>
     </a:fmtScheme>
@@ -19362,7 +19743,7 @@
   <a:extraClrSchemeLst/>
   <a:extLst>
     <a:ext uri="{05A4C25C-085E-4340-85A3-A5531E510DB2}">
-      <thm15:themeFamily xmlns:thm15="http://schemas.microsoft.com/office/thememl/2012/main" name="TF02901026.potx" id="{FD85E87A-7813-4F67-9E59-69B5487A1910}" vid="{BDF94C36-3ACF-4CF1-939F-F4211E6D666F}"/>
+      <thm15:themeFamily xmlns:thm15="http://schemas.microsoft.com/office/thememl/2012/main" name="Gallery" id="{BBFCD31E-59A1-489D-B089-A3EAD7CAE12E}" vid="{BB5F5D82-B5E9-469E-A815-C655ED4AF243}"/>
     </a:ext>
   </a:extLst>
 </a:theme>

--- a/New Git Concepts.pptx
+++ b/New Git Concepts.pptx
@@ -5,10 +5,10 @@
     <p:sldMasterId id="2147483672" r:id="rId1"/>
   </p:sldMasterIdLst>
   <p:notesMasterIdLst>
-    <p:notesMasterId r:id="rId18"/>
+    <p:notesMasterId r:id="rId20"/>
   </p:notesMasterIdLst>
   <p:handoutMasterIdLst>
-    <p:handoutMasterId r:id="rId19"/>
+    <p:handoutMasterId r:id="rId21"/>
   </p:handoutMasterIdLst>
   <p:sldIdLst>
     <p:sldId id="256" r:id="rId2"/>
@@ -23,10 +23,12 @@
     <p:sldId id="277" r:id="rId11"/>
     <p:sldId id="278" r:id="rId12"/>
     <p:sldId id="279" r:id="rId13"/>
-    <p:sldId id="280" r:id="rId14"/>
-    <p:sldId id="281" r:id="rId15"/>
-    <p:sldId id="282" r:id="rId16"/>
-    <p:sldId id="275" r:id="rId17"/>
+    <p:sldId id="285" r:id="rId14"/>
+    <p:sldId id="284" r:id="rId15"/>
+    <p:sldId id="280" r:id="rId16"/>
+    <p:sldId id="281" r:id="rId17"/>
+    <p:sldId id="282" r:id="rId18"/>
+    <p:sldId id="275" r:id="rId19"/>
   </p:sldIdLst>
   <p:sldSz cx="12192000" cy="6858000"/>
   <p:notesSz cx="6858000" cy="9144000"/>
@@ -8502,6 +8504,36 @@
           </a:prstGeom>
         </p:spPr>
       </p:pic>
+      <p:pic>
+        <p:nvPicPr>
+          <p:cNvPr id="3" name="Picture 2">
+            <a:extLst>
+              <a:ext uri="{FF2B5EF4-FFF2-40B4-BE49-F238E27FC236}">
+                <a16:creationId xmlns:a16="http://schemas.microsoft.com/office/drawing/2014/main" id="{04AF20A2-2656-1C21-DFB7-81789F70D16C}"/>
+              </a:ext>
+            </a:extLst>
+          </p:cNvPr>
+          <p:cNvPicPr>
+            <a:picLocks noChangeAspect="1"/>
+          </p:cNvPicPr>
+          <p:nvPr/>
+        </p:nvPicPr>
+        <p:blipFill>
+          <a:blip r:embed="rId3"/>
+          <a:stretch>
+            <a:fillRect/>
+          </a:stretch>
+        </p:blipFill>
+        <p:spPr>
+          <a:xfrm>
+            <a:off x="695400" y="692696"/>
+            <a:ext cx="6552728" cy="5472608"/>
+          </a:xfrm>
+          <a:prstGeom prst="rect">
+            <a:avLst/>
+          </a:prstGeom>
+        </p:spPr>
+      </p:pic>
     </p:spTree>
     <p:extLst>
       <p:ext uri="{BB962C8B-B14F-4D97-AF65-F5344CB8AC3E}">
@@ -8542,43 +8574,227 @@
             <p:ph type="title"/>
           </p:nvPr>
         </p:nvSpPr>
-        <p:spPr/>
+        <p:spPr>
+          <a:xfrm>
+            <a:off x="7824192" y="836713"/>
+            <a:ext cx="3372088" cy="504055"/>
+          </a:xfrm>
+        </p:spPr>
         <p:txBody>
-          <a:bodyPr/>
+          <a:bodyPr>
+            <a:normAutofit fontScale="90000"/>
+          </a:bodyPr>
           <a:lstStyle/>
           <a:p>
+            <a:r>
+              <a:rPr lang="en-IN" dirty="0"/>
+              <a:t>Git rebase</a:t>
+            </a:r>
             <a:endParaRPr dirty="0"/>
           </a:p>
         </p:txBody>
       </p:sp>
       <p:sp>
         <p:nvSpPr>
-          <p:cNvPr id="3" name="Picture Placeholder 2" descr="An empty placeholder to add an image. Click on the placeholder and select the image that you wish to add."/>
-          <p:cNvSpPr>
-            <a:spLocks noGrp="1"/>
-          </p:cNvSpPr>
-          <p:nvPr>
-            <p:ph type="pic" idx="1"/>
-          </p:nvPr>
+          <p:cNvPr id="8" name="TextBox 7">
+            <a:extLst>
+              <a:ext uri="{FF2B5EF4-FFF2-40B4-BE49-F238E27FC236}">
+                <a16:creationId xmlns:a16="http://schemas.microsoft.com/office/drawing/2014/main" id="{D40FEF25-697F-12F7-6D53-FDBBDE3A67A2}"/>
+              </a:ext>
+            </a:extLst>
+          </p:cNvPr>
+          <p:cNvSpPr txBox="1"/>
+          <p:nvPr/>
         </p:nvSpPr>
-        <p:spPr/>
+        <p:spPr>
+          <a:xfrm>
+            <a:off x="7811992" y="1168864"/>
+            <a:ext cx="3300080" cy="1815882"/>
+          </a:xfrm>
+          <a:prstGeom prst="rect">
+            <a:avLst/>
+          </a:prstGeom>
+          <a:noFill/>
+        </p:spPr>
+        <p:txBody>
+          <a:bodyPr wrap="square" rtlCol="0">
+            <a:spAutoFit/>
+          </a:bodyPr>
+          <a:lstStyle/>
+          <a:p>
+            <a:pPr algn="l" fontAlgn="t"/>
+            <a:r>
+              <a:rPr lang="en-US" sz="1600" b="0" i="0" dirty="0">
+                <a:solidFill>
+                  <a:srgbClr val="4D4D4D"/>
+                </a:solidFill>
+                <a:effectLst/>
+                <a:latin typeface="-apple-system"/>
+              </a:rPr>
+              <a:t>Rebasing is the process of moving or combining a sequence of commits to a new base commit.  rebasing is changing the base of your branch from one commit to another making it appear as if you'd created your branch from a different commit.</a:t>
+            </a:r>
+          </a:p>
+        </p:txBody>
       </p:sp>
+      <p:pic>
+        <p:nvPicPr>
+          <p:cNvPr id="11" name="Picture 10">
+            <a:extLst>
+              <a:ext uri="{FF2B5EF4-FFF2-40B4-BE49-F238E27FC236}">
+                <a16:creationId xmlns:a16="http://schemas.microsoft.com/office/drawing/2014/main" id="{5FBB6925-481C-E942-165E-6EA1410019A9}"/>
+              </a:ext>
+            </a:extLst>
+          </p:cNvPr>
+          <p:cNvPicPr>
+            <a:picLocks noChangeAspect="1"/>
+          </p:cNvPicPr>
+          <p:nvPr/>
+        </p:nvPicPr>
+        <p:blipFill rotWithShape="1">
+          <a:blip r:embed="rId2"/>
+          <a:srcRect l="8475" r="9071" b="6907"/>
+          <a:stretch/>
+        </p:blipFill>
+        <p:spPr>
+          <a:xfrm>
+            <a:off x="7811992" y="3200189"/>
+            <a:ext cx="3384288" cy="2317043"/>
+          </a:xfrm>
+          <a:prstGeom prst="rect">
+            <a:avLst/>
+          </a:prstGeom>
+          <a:ln w="38100" cap="sq">
+            <a:solidFill>
+              <a:srgbClr val="000000"/>
+            </a:solidFill>
+            <a:prstDash val="solid"/>
+            <a:miter lim="800000"/>
+          </a:ln>
+          <a:effectLst>
+            <a:outerShdw blurRad="50800" dist="38100" dir="2700000" algn="tl" rotWithShape="0">
+              <a:srgbClr val="000000">
+                <a:alpha val="43000"/>
+              </a:srgbClr>
+            </a:outerShdw>
+          </a:effectLst>
+        </p:spPr>
+      </p:pic>
       <p:sp>
         <p:nvSpPr>
-          <p:cNvPr id="4" name="Text Placeholder 3"/>
-          <p:cNvSpPr>
-            <a:spLocks noGrp="1"/>
-          </p:cNvSpPr>
-          <p:nvPr>
-            <p:ph type="body" sz="half" idx="2"/>
-          </p:nvPr>
+          <p:cNvPr id="13" name="TextBox 12">
+            <a:extLst>
+              <a:ext uri="{FF2B5EF4-FFF2-40B4-BE49-F238E27FC236}">
+                <a16:creationId xmlns:a16="http://schemas.microsoft.com/office/drawing/2014/main" id="{1AE598F7-2B05-4C2F-6011-BA388960D3F5}"/>
+              </a:ext>
+            </a:extLst>
+          </p:cNvPr>
+          <p:cNvSpPr txBox="1"/>
+          <p:nvPr/>
         </p:nvSpPr>
-        <p:spPr/>
+        <p:spPr>
+          <a:xfrm>
+            <a:off x="695400" y="612844"/>
+            <a:ext cx="6105644" cy="5632311"/>
+          </a:xfrm>
+          <a:prstGeom prst="rect">
+            <a:avLst/>
+          </a:prstGeom>
+          <a:noFill/>
+        </p:spPr>
         <p:txBody>
-          <a:bodyPr/>
+          <a:bodyPr wrap="square">
+            <a:spAutoFit/>
+          </a:bodyPr>
           <a:lstStyle/>
           <a:p>
-            <a:endParaRPr/>
+            <a:r>
+              <a:rPr lang="en-IN" dirty="0"/>
+              <a:t> Assume the following history exists and the current branch is</a:t>
+            </a:r>
+          </a:p>
+          <a:p>
+            <a:r>
+              <a:rPr lang="en-IN" dirty="0"/>
+              <a:t>       "topic":</a:t>
+            </a:r>
+          </a:p>
+          <a:p>
+            <a:endParaRPr lang="en-IN" dirty="0"/>
+          </a:p>
+          <a:p>
+            <a:r>
+              <a:rPr lang="en-IN" dirty="0"/>
+              <a:t>               	         A---B---C topic</a:t>
+            </a:r>
+          </a:p>
+          <a:p>
+            <a:r>
+              <a:rPr lang="en-IN" dirty="0"/>
+              <a:t>                	/</a:t>
+            </a:r>
+          </a:p>
+          <a:p>
+            <a:r>
+              <a:rPr lang="en-IN" dirty="0"/>
+              <a:t>               D---E---F---G main</a:t>
+            </a:r>
+          </a:p>
+          <a:p>
+            <a:endParaRPr lang="en-IN" dirty="0"/>
+          </a:p>
+          <a:p>
+            <a:r>
+              <a:rPr lang="en-IN" dirty="0"/>
+              <a:t>       From this point, the result of either of the following commands:</a:t>
+            </a:r>
+          </a:p>
+          <a:p>
+            <a:endParaRPr lang="en-IN" dirty="0"/>
+          </a:p>
+          <a:p>
+            <a:r>
+              <a:rPr lang="en-IN" dirty="0"/>
+              <a:t>           git rebase main</a:t>
+            </a:r>
+          </a:p>
+          <a:p>
+            <a:r>
+              <a:rPr lang="en-IN" dirty="0"/>
+              <a:t>           git rebase main topic</a:t>
+            </a:r>
+          </a:p>
+          <a:p>
+            <a:endParaRPr lang="en-IN" dirty="0"/>
+          </a:p>
+          <a:p>
+            <a:r>
+              <a:rPr lang="en-IN" dirty="0"/>
+              <a:t>       would be:</a:t>
+            </a:r>
+          </a:p>
+          <a:p>
+            <a:endParaRPr lang="en-IN" dirty="0"/>
+          </a:p>
+          <a:p>
+            <a:r>
+              <a:rPr lang="en-IN" dirty="0"/>
+              <a:t>                       		      A'--B'--C' topic</a:t>
+            </a:r>
+          </a:p>
+          <a:p>
+            <a:r>
+              <a:rPr lang="en-IN" dirty="0"/>
+              <a:t>                           	     /</a:t>
+            </a:r>
+          </a:p>
+          <a:p>
+            <a:r>
+              <a:rPr lang="en-IN" dirty="0"/>
+              <a:t>               D---E---F---G main</a:t>
+            </a:r>
+          </a:p>
+          <a:p>
+            <a:endParaRPr lang="en-IN" dirty="0"/>
           </a:p>
         </p:txBody>
       </p:sp>
@@ -8612,60 +8828,10 @@
           <a:chExt cx="0" cy="0"/>
         </a:xfrm>
       </p:grpSpPr>
-      <p:sp>
-        <p:nvSpPr>
-          <p:cNvPr id="2" name="Title 1"/>
-          <p:cNvSpPr>
-            <a:spLocks noGrp="1"/>
-          </p:cNvSpPr>
-          <p:nvPr>
-            <p:ph type="title"/>
-          </p:nvPr>
-        </p:nvSpPr>
-        <p:spPr/>
-        <p:txBody>
-          <a:bodyPr/>
-          <a:lstStyle/>
-          <a:p>
-            <a:endParaRPr dirty="0"/>
-          </a:p>
-        </p:txBody>
-      </p:sp>
-      <p:sp>
-        <p:nvSpPr>
-          <p:cNvPr id="3" name="Picture Placeholder 2" descr="An empty placeholder to add an image. Click on the placeholder and select the image that you wish to add."/>
-          <p:cNvSpPr>
-            <a:spLocks noGrp="1"/>
-          </p:cNvSpPr>
-          <p:nvPr>
-            <p:ph type="pic" idx="1"/>
-          </p:nvPr>
-        </p:nvSpPr>
-        <p:spPr/>
-      </p:sp>
-      <p:sp>
-        <p:nvSpPr>
-          <p:cNvPr id="4" name="Text Placeholder 3"/>
-          <p:cNvSpPr>
-            <a:spLocks noGrp="1"/>
-          </p:cNvSpPr>
-          <p:nvPr>
-            <p:ph type="body" sz="half" idx="2"/>
-          </p:nvPr>
-        </p:nvSpPr>
-        <p:spPr/>
-        <p:txBody>
-          <a:bodyPr/>
-          <a:lstStyle/>
-          <a:p>
-            <a:endParaRPr/>
-          </a:p>
-        </p:txBody>
-      </p:sp>
     </p:spTree>
     <p:extLst>
       <p:ext uri="{BB962C8B-B14F-4D97-AF65-F5344CB8AC3E}">
-        <p14:creationId xmlns:p14="http://schemas.microsoft.com/office/powerpoint/2010/main" val="573281864"/>
+        <p14:creationId xmlns:p14="http://schemas.microsoft.com/office/powerpoint/2010/main" val="170150349"/>
       </p:ext>
     </p:extLst>
   </p:cSld>
@@ -8694,7 +8860,13 @@
       </p:grpSpPr>
       <p:sp>
         <p:nvSpPr>
-          <p:cNvPr id="2" name="Title 1"/>
+          <p:cNvPr id="2" name="Title 1">
+            <a:extLst>
+              <a:ext uri="{FF2B5EF4-FFF2-40B4-BE49-F238E27FC236}">
+                <a16:creationId xmlns:a16="http://schemas.microsoft.com/office/drawing/2014/main" id="{227597CD-BD34-B186-D303-947F8F181EB5}"/>
+              </a:ext>
+            </a:extLst>
+          </p:cNvPr>
           <p:cNvSpPr>
             <a:spLocks noGrp="1"/>
           </p:cNvSpPr>
@@ -8702,30 +8874,34 @@
             <p:ph type="title"/>
           </p:nvPr>
         </p:nvSpPr>
-        <p:spPr/>
+        <p:spPr>
+          <a:xfrm>
+            <a:off x="7824192" y="747117"/>
+            <a:ext cx="3372088" cy="953692"/>
+          </a:xfrm>
+        </p:spPr>
         <p:txBody>
-          <a:bodyPr/>
+          <a:bodyPr>
+            <a:normAutofit fontScale="90000"/>
+          </a:bodyPr>
           <a:lstStyle/>
           <a:p>
-            <a:endParaRPr dirty="0"/>
+            <a:r>
+              <a:rPr lang="en-IN" dirty="0"/>
+              <a:t>Git cherry-pick</a:t>
+            </a:r>
           </a:p>
         </p:txBody>
       </p:sp>
       <p:sp>
         <p:nvSpPr>
-          <p:cNvPr id="3" name="Picture Placeholder 2" descr="An empty placeholder to add an image. Click on the placeholder and select the image that you wish to add."/>
-          <p:cNvSpPr>
-            <a:spLocks noGrp="1"/>
-          </p:cNvSpPr>
-          <p:nvPr>
-            <p:ph type="pic" idx="1"/>
-          </p:nvPr>
-        </p:nvSpPr>
-        <p:spPr/>
-      </p:sp>
-      <p:sp>
-        <p:nvSpPr>
-          <p:cNvPr id="4" name="Text Placeholder 3"/>
+          <p:cNvPr id="4" name="Text Placeholder 3">
+            <a:extLst>
+              <a:ext uri="{FF2B5EF4-FFF2-40B4-BE49-F238E27FC236}">
+                <a16:creationId xmlns:a16="http://schemas.microsoft.com/office/drawing/2014/main" id="{BEEEEDD0-4827-87AB-2A6B-BBADBFD3984E}"/>
+              </a:ext>
+            </a:extLst>
+          </p:cNvPr>
           <p:cNvSpPr>
             <a:spLocks noGrp="1"/>
           </p:cNvSpPr>
@@ -8733,19 +8909,24 @@
             <p:ph type="body" sz="half" idx="2"/>
           </p:nvPr>
         </p:nvSpPr>
-        <p:spPr/>
+        <p:spPr>
+          <a:xfrm>
+            <a:off x="7819256" y="1916832"/>
+            <a:ext cx="3372088" cy="3312368"/>
+          </a:xfrm>
+        </p:spPr>
         <p:txBody>
           <a:bodyPr/>
           <a:lstStyle/>
           <a:p>
-            <a:endParaRPr/>
+            <a:endParaRPr lang="en-IN" dirty="0"/>
           </a:p>
         </p:txBody>
       </p:sp>
     </p:spTree>
     <p:extLst>
       <p:ext uri="{BB962C8B-B14F-4D97-AF65-F5344CB8AC3E}">
-        <p14:creationId xmlns:p14="http://schemas.microsoft.com/office/powerpoint/2010/main" val="3385128279"/>
+        <p14:creationId xmlns:p14="http://schemas.microsoft.com/office/powerpoint/2010/main" val="765962351"/>
       </p:ext>
     </p:extLst>
   </p:cSld>
@@ -8825,6 +9006,166 @@
     </p:spTree>
     <p:extLst>
       <p:ext uri="{BB962C8B-B14F-4D97-AF65-F5344CB8AC3E}">
+        <p14:creationId xmlns:p14="http://schemas.microsoft.com/office/powerpoint/2010/main" val="573281864"/>
+      </p:ext>
+    </p:extLst>
+  </p:cSld>
+  <p:clrMapOvr>
+    <a:masterClrMapping/>
+  </p:clrMapOvr>
+</p:sld>
+</file>
+
+<file path=ppt/slides/slide16.xml><?xml version="1.0" encoding="utf-8"?>
+<p:sld xmlns:a="http://schemas.openxmlformats.org/drawingml/2006/main" xmlns:r="http://schemas.openxmlformats.org/officeDocument/2006/relationships" xmlns:p="http://schemas.openxmlformats.org/presentationml/2006/main">
+  <p:cSld>
+    <p:spTree>
+      <p:nvGrpSpPr>
+        <p:cNvPr id="1" name=""/>
+        <p:cNvGrpSpPr/>
+        <p:nvPr/>
+      </p:nvGrpSpPr>
+      <p:grpSpPr>
+        <a:xfrm>
+          <a:off x="0" y="0"/>
+          <a:ext cx="0" cy="0"/>
+          <a:chOff x="0" y="0"/>
+          <a:chExt cx="0" cy="0"/>
+        </a:xfrm>
+      </p:grpSpPr>
+      <p:sp>
+        <p:nvSpPr>
+          <p:cNvPr id="2" name="Title 1"/>
+          <p:cNvSpPr>
+            <a:spLocks noGrp="1"/>
+          </p:cNvSpPr>
+          <p:nvPr>
+            <p:ph type="title"/>
+          </p:nvPr>
+        </p:nvSpPr>
+        <p:spPr/>
+        <p:txBody>
+          <a:bodyPr/>
+          <a:lstStyle/>
+          <a:p>
+            <a:endParaRPr dirty="0"/>
+          </a:p>
+        </p:txBody>
+      </p:sp>
+      <p:sp>
+        <p:nvSpPr>
+          <p:cNvPr id="3" name="Picture Placeholder 2" descr="An empty placeholder to add an image. Click on the placeholder and select the image that you wish to add."/>
+          <p:cNvSpPr>
+            <a:spLocks noGrp="1"/>
+          </p:cNvSpPr>
+          <p:nvPr>
+            <p:ph type="pic" idx="1"/>
+          </p:nvPr>
+        </p:nvSpPr>
+        <p:spPr/>
+      </p:sp>
+      <p:sp>
+        <p:nvSpPr>
+          <p:cNvPr id="4" name="Text Placeholder 3"/>
+          <p:cNvSpPr>
+            <a:spLocks noGrp="1"/>
+          </p:cNvSpPr>
+          <p:nvPr>
+            <p:ph type="body" sz="half" idx="2"/>
+          </p:nvPr>
+        </p:nvSpPr>
+        <p:spPr/>
+        <p:txBody>
+          <a:bodyPr/>
+          <a:lstStyle/>
+          <a:p>
+            <a:endParaRPr/>
+          </a:p>
+        </p:txBody>
+      </p:sp>
+    </p:spTree>
+    <p:extLst>
+      <p:ext uri="{BB962C8B-B14F-4D97-AF65-F5344CB8AC3E}">
+        <p14:creationId xmlns:p14="http://schemas.microsoft.com/office/powerpoint/2010/main" val="3385128279"/>
+      </p:ext>
+    </p:extLst>
+  </p:cSld>
+  <p:clrMapOvr>
+    <a:masterClrMapping/>
+  </p:clrMapOvr>
+</p:sld>
+</file>
+
+<file path=ppt/slides/slide17.xml><?xml version="1.0" encoding="utf-8"?>
+<p:sld xmlns:a="http://schemas.openxmlformats.org/drawingml/2006/main" xmlns:r="http://schemas.openxmlformats.org/officeDocument/2006/relationships" xmlns:p="http://schemas.openxmlformats.org/presentationml/2006/main">
+  <p:cSld>
+    <p:spTree>
+      <p:nvGrpSpPr>
+        <p:cNvPr id="1" name=""/>
+        <p:cNvGrpSpPr/>
+        <p:nvPr/>
+      </p:nvGrpSpPr>
+      <p:grpSpPr>
+        <a:xfrm>
+          <a:off x="0" y="0"/>
+          <a:ext cx="0" cy="0"/>
+          <a:chOff x="0" y="0"/>
+          <a:chExt cx="0" cy="0"/>
+        </a:xfrm>
+      </p:grpSpPr>
+      <p:sp>
+        <p:nvSpPr>
+          <p:cNvPr id="2" name="Title 1"/>
+          <p:cNvSpPr>
+            <a:spLocks noGrp="1"/>
+          </p:cNvSpPr>
+          <p:nvPr>
+            <p:ph type="title"/>
+          </p:nvPr>
+        </p:nvSpPr>
+        <p:spPr/>
+        <p:txBody>
+          <a:bodyPr/>
+          <a:lstStyle/>
+          <a:p>
+            <a:endParaRPr dirty="0"/>
+          </a:p>
+        </p:txBody>
+      </p:sp>
+      <p:sp>
+        <p:nvSpPr>
+          <p:cNvPr id="3" name="Picture Placeholder 2" descr="An empty placeholder to add an image. Click on the placeholder and select the image that you wish to add."/>
+          <p:cNvSpPr>
+            <a:spLocks noGrp="1"/>
+          </p:cNvSpPr>
+          <p:nvPr>
+            <p:ph type="pic" idx="1"/>
+          </p:nvPr>
+        </p:nvSpPr>
+        <p:spPr/>
+      </p:sp>
+      <p:sp>
+        <p:nvSpPr>
+          <p:cNvPr id="4" name="Text Placeholder 3"/>
+          <p:cNvSpPr>
+            <a:spLocks noGrp="1"/>
+          </p:cNvSpPr>
+          <p:nvPr>
+            <p:ph type="body" sz="half" idx="2"/>
+          </p:nvPr>
+        </p:nvSpPr>
+        <p:spPr/>
+        <p:txBody>
+          <a:bodyPr/>
+          <a:lstStyle/>
+          <a:p>
+            <a:endParaRPr/>
+          </a:p>
+        </p:txBody>
+      </p:sp>
+    </p:spTree>
+    <p:extLst>
+      <p:ext uri="{BB962C8B-B14F-4D97-AF65-F5344CB8AC3E}">
         <p14:creationId xmlns:p14="http://schemas.microsoft.com/office/powerpoint/2010/main" val="989572707"/>
       </p:ext>
     </p:extLst>
@@ -8835,7 +9176,7 @@
 </p:sld>
 </file>
 
-<file path=ppt/slides/slide16.xml><?xml version="1.0" encoding="utf-8"?>
+<file path=ppt/slides/slide18.xml><?xml version="1.0" encoding="utf-8"?>
 <p:sld xmlns:a="http://schemas.openxmlformats.org/drawingml/2006/main" xmlns:r="http://schemas.openxmlformats.org/officeDocument/2006/relationships" xmlns:p="http://schemas.openxmlformats.org/presentationml/2006/main">
   <p:cSld>
     <p:spTree>
@@ -8977,7 +9318,7 @@
         </p:spPr>
         <p:txBody>
           <a:bodyPr>
-            <a:normAutofit lnSpcReduction="10000"/>
+            <a:normAutofit/>
           </a:bodyPr>
           <a:lstStyle/>
           <a:p>
@@ -9022,18 +9363,6 @@
             <a:r>
               <a:rPr lang="en-IN" dirty="0"/>
               <a:t>Git bisect</a:t>
-            </a:r>
-          </a:p>
-          <a:p>
-            <a:r>
-              <a:rPr lang="en-IN" dirty="0"/>
-              <a:t>Git stash</a:t>
-            </a:r>
-          </a:p>
-          <a:p>
-            <a:r>
-              <a:rPr lang="en-IN" dirty="0"/>
-              <a:t>Git relog</a:t>
             </a:r>
           </a:p>
           <a:p>
@@ -19479,6 +19808,125 @@
             <a:r>
               <a:rPr lang="en-IN" dirty="0"/>
               <a:t>Merging the two branches :</a:t>
+            </a:r>
+          </a:p>
+        </p:txBody>
+      </p:sp>
+      <p:sp>
+        <p:nvSpPr>
+          <p:cNvPr id="6" name="TextBox 5">
+            <a:extLst>
+              <a:ext uri="{FF2B5EF4-FFF2-40B4-BE49-F238E27FC236}">
+                <a16:creationId xmlns:a16="http://schemas.microsoft.com/office/drawing/2014/main" id="{06A5EEEA-B6B9-09F5-4BB1-736191F9BF94}"/>
+              </a:ext>
+            </a:extLst>
+          </p:cNvPr>
+          <p:cNvSpPr txBox="1"/>
+          <p:nvPr/>
+        </p:nvSpPr>
+        <p:spPr>
+          <a:xfrm>
+            <a:off x="5155149" y="509140"/>
+            <a:ext cx="6873453" cy="2308324"/>
+          </a:xfrm>
+          <a:prstGeom prst="rect">
+            <a:avLst/>
+          </a:prstGeom>
+          <a:noFill/>
+        </p:spPr>
+        <p:txBody>
+          <a:bodyPr wrap="square" rtlCol="0">
+            <a:spAutoFit/>
+          </a:bodyPr>
+          <a:lstStyle/>
+          <a:p>
+            <a:r>
+              <a:rPr lang="en-IN" dirty="0">
+                <a:solidFill>
+                  <a:schemeClr val="accent6">
+                    <a:lumMod val="60000"/>
+                    <a:lumOff val="40000"/>
+                  </a:schemeClr>
+                </a:solidFill>
+              </a:rPr>
+              <a:t>Git branch is used to create a new branch</a:t>
+            </a:r>
+            <a:br>
+              <a:rPr lang="en-IN" dirty="0">
+                <a:solidFill>
+                  <a:schemeClr val="accent6">
+                    <a:lumMod val="60000"/>
+                    <a:lumOff val="40000"/>
+                  </a:schemeClr>
+                </a:solidFill>
+              </a:rPr>
+            </a:br>
+            <a:br>
+              <a:rPr lang="en-IN" dirty="0">
+                <a:solidFill>
+                  <a:schemeClr val="accent6">
+                    <a:lumMod val="60000"/>
+                    <a:lumOff val="40000"/>
+                  </a:schemeClr>
+                </a:solidFill>
+              </a:rPr>
+            </a:br>
+            <a:r>
+              <a:rPr lang="en-IN" dirty="0">
+                <a:solidFill>
+                  <a:schemeClr val="accent6">
+                    <a:lumMod val="60000"/>
+                    <a:lumOff val="40000"/>
+                  </a:schemeClr>
+                </a:solidFill>
+              </a:rPr>
+              <a:t>git switch/git checkout is used to switch between branches</a:t>
+            </a:r>
+          </a:p>
+          <a:p>
+            <a:endParaRPr lang="en-IN" dirty="0">
+              <a:solidFill>
+                <a:schemeClr val="accent6">
+                  <a:lumMod val="60000"/>
+                  <a:lumOff val="40000"/>
+                </a:schemeClr>
+              </a:solidFill>
+            </a:endParaRPr>
+          </a:p>
+          <a:p>
+            <a:r>
+              <a:rPr lang="en-IN" dirty="0">
+                <a:solidFill>
+                  <a:schemeClr val="accent6">
+                    <a:lumMod val="60000"/>
+                    <a:lumOff val="40000"/>
+                  </a:schemeClr>
+                </a:solidFill>
+              </a:rPr>
+              <a:t>Git merge is used to merge the branch with any other branch</a:t>
+            </a:r>
+          </a:p>
+          <a:p>
+            <a:endParaRPr lang="en-IN" dirty="0">
+              <a:solidFill>
+                <a:schemeClr val="accent6">
+                  <a:lumMod val="60000"/>
+                  <a:lumOff val="40000"/>
+                </a:schemeClr>
+              </a:solidFill>
+            </a:endParaRPr>
+          </a:p>
+          <a:p>
+            <a:r>
+              <a:rPr lang="en-IN" dirty="0">
+                <a:solidFill>
+                  <a:schemeClr val="accent6">
+                    <a:lumMod val="60000"/>
+                    <a:lumOff val="40000"/>
+                  </a:schemeClr>
+                </a:solidFill>
+              </a:rPr>
+              <a:t>In case of a merge conflict use git diff to check the conflict and merge after resolving the conflict</a:t>
             </a:r>
           </a:p>
         </p:txBody>

--- a/New Git Concepts.pptx
+++ b/New Git Concepts.pptx
@@ -5,10 +5,10 @@
     <p:sldMasterId id="2147483672" r:id="rId1"/>
   </p:sldMasterIdLst>
   <p:notesMasterIdLst>
-    <p:notesMasterId r:id="rId20"/>
+    <p:notesMasterId r:id="rId18"/>
   </p:notesMasterIdLst>
   <p:handoutMasterIdLst>
-    <p:handoutMasterId r:id="rId21"/>
+    <p:handoutMasterId r:id="rId19"/>
   </p:handoutMasterIdLst>
   <p:sldIdLst>
     <p:sldId id="256" r:id="rId2"/>
@@ -25,10 +25,8 @@
     <p:sldId id="279" r:id="rId13"/>
     <p:sldId id="285" r:id="rId14"/>
     <p:sldId id="284" r:id="rId15"/>
-    <p:sldId id="280" r:id="rId16"/>
-    <p:sldId id="281" r:id="rId17"/>
-    <p:sldId id="282" r:id="rId18"/>
-    <p:sldId id="275" r:id="rId19"/>
+    <p:sldId id="286" r:id="rId16"/>
+    <p:sldId id="287" r:id="rId17"/>
   </p:sldIdLst>
   <p:sldSz cx="12192000" cy="6858000"/>
   <p:notesSz cx="6858000" cy="9144000"/>
@@ -8916,13 +8914,98 @@
           </a:xfrm>
         </p:spPr>
         <p:txBody>
-          <a:bodyPr/>
+          <a:bodyPr>
+            <a:normAutofit lnSpcReduction="10000"/>
+          </a:bodyPr>
           <a:lstStyle/>
           <a:p>
-            <a:endParaRPr lang="en-IN" dirty="0"/>
+            <a:r>
+              <a:rPr lang="en-IN" dirty="0">
+                <a:solidFill>
+                  <a:schemeClr val="tx2">
+                    <a:lumMod val="25000"/>
+                  </a:schemeClr>
+                </a:solidFill>
+              </a:rPr>
+              <a:t>Git cherry-pick is used to merge specific commits from one branch to other </a:t>
+            </a:r>
+          </a:p>
+          <a:p>
+            <a:r>
+              <a:rPr lang="en-IN" dirty="0">
+                <a:solidFill>
+                  <a:schemeClr val="tx2">
+                    <a:lumMod val="25000"/>
+                  </a:schemeClr>
+                </a:solidFill>
+              </a:rPr>
+              <a:t>git cherry-pick &lt;commit-sha&gt;</a:t>
+            </a:r>
+          </a:p>
+          <a:p>
+            <a:r>
+              <a:rPr lang="en-IN" dirty="0">
+                <a:solidFill>
+                  <a:schemeClr val="tx2">
+                    <a:lumMod val="25000"/>
+                  </a:schemeClr>
+                </a:solidFill>
+              </a:rPr>
+              <a:t>This merges the particular commit to the current branch</a:t>
+            </a:r>
+          </a:p>
+          <a:p>
+            <a:r>
+              <a:rPr lang="en-IN" dirty="0">
+                <a:solidFill>
+                  <a:schemeClr val="tx2">
+                    <a:lumMod val="25000"/>
+                  </a:schemeClr>
+                </a:solidFill>
+              </a:rPr>
+              <a:t>**cherry-pick is rarely used as it can easily arise merge conflicts</a:t>
+            </a:r>
+          </a:p>
+          <a:p>
+            <a:endParaRPr lang="en-IN" dirty="0">
+              <a:solidFill>
+                <a:schemeClr val="tx2">
+                  <a:lumMod val="25000"/>
+                </a:schemeClr>
+              </a:solidFill>
+            </a:endParaRPr>
           </a:p>
         </p:txBody>
       </p:sp>
+      <p:pic>
+        <p:nvPicPr>
+          <p:cNvPr id="6" name="Picture 5">
+            <a:extLst>
+              <a:ext uri="{FF2B5EF4-FFF2-40B4-BE49-F238E27FC236}">
+                <a16:creationId xmlns:a16="http://schemas.microsoft.com/office/drawing/2014/main" id="{924A5811-CE9B-CF4C-1062-89BA7DD39648}"/>
+              </a:ext>
+            </a:extLst>
+          </p:cNvPr>
+          <p:cNvPicPr>
+            <a:picLocks noChangeAspect="1"/>
+          </p:cNvPicPr>
+          <p:nvPr/>
+        </p:nvPicPr>
+        <p:blipFill rotWithShape="1">
+          <a:blip r:embed="rId2"/>
+          <a:srcRect l="11986"/>
+          <a:stretch/>
+        </p:blipFill>
+        <p:spPr>
+          <a:xfrm>
+            <a:off x="695400" y="706057"/>
+            <a:ext cx="6480720" cy="5459248"/>
+          </a:xfrm>
+          <a:prstGeom prst="rect">
+            <a:avLst/>
+          </a:prstGeom>
+        </p:spPr>
+      </p:pic>
     </p:spTree>
     <p:extLst>
       <p:ext uri="{BB962C8B-B14F-4D97-AF65-F5344CB8AC3E}">
@@ -8955,58 +9038,131 @@
       </p:grpSpPr>
       <p:sp>
         <p:nvSpPr>
-          <p:cNvPr id="2" name="Title 1"/>
-          <p:cNvSpPr>
-            <a:spLocks noGrp="1"/>
-          </p:cNvSpPr>
-          <p:nvPr>
-            <p:ph type="title"/>
-          </p:nvPr>
+          <p:cNvPr id="9" name="Rectangle 8">
+            <a:extLst>
+              <a:ext uri="{FF2B5EF4-FFF2-40B4-BE49-F238E27FC236}">
+                <a16:creationId xmlns:a16="http://schemas.microsoft.com/office/drawing/2014/main" id="{5BBCCA33-752D-E4F7-F665-560200481EBB}"/>
+              </a:ext>
+            </a:extLst>
+          </p:cNvPr>
+          <p:cNvSpPr/>
+          <p:nvPr/>
         </p:nvSpPr>
-        <p:spPr/>
+        <p:spPr>
+          <a:xfrm>
+            <a:off x="2531979" y="1196752"/>
+            <a:ext cx="7128042" cy="923330"/>
+          </a:xfrm>
+          <a:prstGeom prst="rect">
+            <a:avLst/>
+          </a:prstGeom>
+          <a:noFill/>
+        </p:spPr>
         <p:txBody>
-          <a:bodyPr/>
+          <a:bodyPr wrap="none" lIns="91440" tIns="45720" rIns="91440" bIns="45720">
+            <a:spAutoFit/>
+          </a:bodyPr>
           <a:lstStyle/>
           <a:p>
-            <a:endParaRPr dirty="0"/>
+            <a:pPr algn="ctr"/>
+            <a:r>
+              <a:rPr lang="en-US" sz="5400" b="0" cap="none" spc="0" dirty="0">
+                <a:ln w="0"/>
+                <a:gradFill>
+                  <a:gsLst>
+                    <a:gs pos="0">
+                      <a:schemeClr val="accent5">
+                        <a:lumMod val="50000"/>
+                      </a:schemeClr>
+                    </a:gs>
+                    <a:gs pos="50000">
+                      <a:schemeClr val="accent5"/>
+                    </a:gs>
+                    <a:gs pos="100000">
+                      <a:schemeClr val="accent5">
+                        <a:lumMod val="60000"/>
+                        <a:lumOff val="40000"/>
+                      </a:schemeClr>
+                    </a:gs>
+                  </a:gsLst>
+                  <a:lin ang="5400000"/>
+                </a:gradFill>
+                <a:effectLst>
+                  <a:reflection blurRad="6350" stA="53000" endA="300" endPos="35500" dir="5400000" sy="-90000" algn="bl" rotWithShape="0"/>
+                </a:effectLst>
+              </a:rPr>
+              <a:t>Arigatogozaimashita!!</a:t>
+            </a:r>
           </a:p>
         </p:txBody>
       </p:sp>
       <p:sp>
         <p:nvSpPr>
-          <p:cNvPr id="3" name="Picture Placeholder 2" descr="An empty placeholder to add an image. Click on the placeholder and select the image that you wish to add."/>
-          <p:cNvSpPr>
-            <a:spLocks noGrp="1"/>
-          </p:cNvSpPr>
-          <p:nvPr>
-            <p:ph type="pic" idx="1"/>
-          </p:nvPr>
+          <p:cNvPr id="11" name="TextBox 10">
+            <a:extLst>
+              <a:ext uri="{FF2B5EF4-FFF2-40B4-BE49-F238E27FC236}">
+                <a16:creationId xmlns:a16="http://schemas.microsoft.com/office/drawing/2014/main" id="{800BB6A2-91BD-40CA-D469-7FF2BB06B9D0}"/>
+              </a:ext>
+            </a:extLst>
+          </p:cNvPr>
+          <p:cNvSpPr txBox="1"/>
+          <p:nvPr/>
         </p:nvSpPr>
-        <p:spPr/>
-      </p:sp>
-      <p:sp>
-        <p:nvSpPr>
-          <p:cNvPr id="4" name="Text Placeholder 3"/>
-          <p:cNvSpPr>
-            <a:spLocks noGrp="1"/>
-          </p:cNvSpPr>
-          <p:nvPr>
-            <p:ph type="body" sz="half" idx="2"/>
-          </p:nvPr>
-        </p:nvSpPr>
-        <p:spPr/>
+        <p:spPr>
+          <a:xfrm>
+            <a:off x="3287688" y="2348880"/>
+            <a:ext cx="5256584" cy="2308324"/>
+          </a:xfrm>
+          <a:prstGeom prst="rect">
+            <a:avLst/>
+          </a:prstGeom>
+          <a:noFill/>
+        </p:spPr>
         <p:txBody>
-          <a:bodyPr/>
+          <a:bodyPr wrap="square" rtlCol="0">
+            <a:spAutoFit/>
+          </a:bodyPr>
           <a:lstStyle/>
           <a:p>
-            <a:endParaRPr/>
+            <a:r>
+              <a:rPr lang="en-IN" sz="2400" b="1" dirty="0"/>
+              <a:t>For further contacts:</a:t>
+            </a:r>
+          </a:p>
+          <a:p>
+            <a:endParaRPr lang="en-IN" sz="2400" b="1" dirty="0"/>
+          </a:p>
+          <a:p>
+            <a:r>
+              <a:rPr lang="en-IN" sz="2400" b="1" dirty="0"/>
+              <a:t>ʘ Telegram--@maranio67</a:t>
+            </a:r>
+          </a:p>
+          <a:p>
+            <a:r>
+              <a:rPr lang="en-IN" sz="2400" b="1" dirty="0"/>
+              <a:t>ʘ GitHub--</a:t>
+            </a:r>
+            <a:r>
+              <a:rPr lang="en-IN" sz="2400" b="1" dirty="0">
+                <a:hlinkClick r:id="rId2"/>
+              </a:rPr>
+              <a:t>gwydion67</a:t>
+            </a:r>
+            <a:endParaRPr lang="en-IN" sz="2400" b="1" dirty="0"/>
+          </a:p>
+          <a:p>
+            <a:endParaRPr lang="en-IN" sz="2400" b="1" dirty="0"/>
+          </a:p>
+          <a:p>
+            <a:endParaRPr lang="en-IN" sz="2400" b="1" dirty="0"/>
           </a:p>
         </p:txBody>
       </p:sp>
     </p:spTree>
     <p:extLst>
       <p:ext uri="{BB962C8B-B14F-4D97-AF65-F5344CB8AC3E}">
-        <p14:creationId xmlns:p14="http://schemas.microsoft.com/office/powerpoint/2010/main" val="573281864"/>
+        <p14:creationId xmlns:p14="http://schemas.microsoft.com/office/powerpoint/2010/main" val="2767738836"/>
       </p:ext>
     </p:extLst>
   </p:cSld>
@@ -9035,218 +9191,194 @@
       </p:grpSpPr>
       <p:sp>
         <p:nvSpPr>
-          <p:cNvPr id="2" name="Title 1"/>
-          <p:cNvSpPr>
-            <a:spLocks noGrp="1"/>
-          </p:cNvSpPr>
-          <p:nvPr>
-            <p:ph type="title"/>
-          </p:nvPr>
+          <p:cNvPr id="9" name="Rectangle 8">
+            <a:extLst>
+              <a:ext uri="{FF2B5EF4-FFF2-40B4-BE49-F238E27FC236}">
+                <a16:creationId xmlns:a16="http://schemas.microsoft.com/office/drawing/2014/main" id="{5BBCCA33-752D-E4F7-F665-560200481EBB}"/>
+              </a:ext>
+            </a:extLst>
+          </p:cNvPr>
+          <p:cNvSpPr/>
+          <p:nvPr/>
         </p:nvSpPr>
-        <p:spPr/>
+        <p:spPr>
+          <a:xfrm>
+            <a:off x="4556958" y="1196752"/>
+            <a:ext cx="3078087" cy="923330"/>
+          </a:xfrm>
+          <a:prstGeom prst="rect">
+            <a:avLst/>
+          </a:prstGeom>
+          <a:noFill/>
+        </p:spPr>
         <p:txBody>
-          <a:bodyPr/>
+          <a:bodyPr wrap="none" lIns="91440" tIns="45720" rIns="91440" bIns="45720">
+            <a:spAutoFit/>
+          </a:bodyPr>
           <a:lstStyle/>
           <a:p>
-            <a:endParaRPr dirty="0"/>
+            <a:pPr algn="ctr"/>
+            <a:r>
+              <a:rPr lang="en-US" sz="5400" b="1" u="sng" dirty="0">
+                <a:ln w="12700">
+                  <a:solidFill>
+                    <a:schemeClr val="accent1"/>
+                  </a:solidFill>
+                  <a:prstDash val="solid"/>
+                </a:ln>
+                <a:pattFill prst="pct50">
+                  <a:fgClr>
+                    <a:schemeClr val="accent1"/>
+                  </a:fgClr>
+                  <a:bgClr>
+                    <a:schemeClr val="accent1">
+                      <a:lumMod val="20000"/>
+                      <a:lumOff val="80000"/>
+                    </a:schemeClr>
+                  </a:bgClr>
+                </a:pattFill>
+                <a:effectLst>
+                  <a:outerShdw dist="38100" dir="2640000" algn="bl" rotWithShape="0">
+                    <a:schemeClr val="accent1"/>
+                  </a:outerShdw>
+                </a:effectLst>
+              </a:rPr>
+              <a:t>Sources:</a:t>
+            </a:r>
+            <a:endParaRPr lang="en-US" sz="5400" b="0" u="sng" cap="none" spc="0" dirty="0">
+              <a:ln w="0"/>
+              <a:gradFill>
+                <a:gsLst>
+                  <a:gs pos="0">
+                    <a:schemeClr val="accent5">
+                      <a:lumMod val="50000"/>
+                    </a:schemeClr>
+                  </a:gs>
+                  <a:gs pos="50000">
+                    <a:schemeClr val="accent5"/>
+                  </a:gs>
+                  <a:gs pos="100000">
+                    <a:schemeClr val="accent5">
+                      <a:lumMod val="60000"/>
+                      <a:lumOff val="40000"/>
+                    </a:schemeClr>
+                  </a:gs>
+                </a:gsLst>
+                <a:lin ang="5400000"/>
+              </a:gradFill>
+              <a:effectLst>
+                <a:reflection blurRad="6350" stA="53000" endA="300" endPos="35500" dir="5400000" sy="-90000" algn="bl" rotWithShape="0"/>
+              </a:effectLst>
+            </a:endParaRPr>
           </a:p>
         </p:txBody>
       </p:sp>
       <p:sp>
         <p:nvSpPr>
-          <p:cNvPr id="3" name="Picture Placeholder 2" descr="An empty placeholder to add an image. Click on the placeholder and select the image that you wish to add."/>
-          <p:cNvSpPr>
-            <a:spLocks noGrp="1"/>
-          </p:cNvSpPr>
-          <p:nvPr>
-            <p:ph type="pic" idx="1"/>
-          </p:nvPr>
+          <p:cNvPr id="11" name="TextBox 10">
+            <a:extLst>
+              <a:ext uri="{FF2B5EF4-FFF2-40B4-BE49-F238E27FC236}">
+                <a16:creationId xmlns:a16="http://schemas.microsoft.com/office/drawing/2014/main" id="{800BB6A2-91BD-40CA-D469-7FF2BB06B9D0}"/>
+              </a:ext>
+            </a:extLst>
+          </p:cNvPr>
+          <p:cNvSpPr txBox="1"/>
+          <p:nvPr/>
         </p:nvSpPr>
-        <p:spPr/>
-      </p:sp>
-      <p:sp>
-        <p:nvSpPr>
-          <p:cNvPr id="4" name="Text Placeholder 3"/>
-          <p:cNvSpPr>
-            <a:spLocks noGrp="1"/>
-          </p:cNvSpPr>
-          <p:nvPr>
-            <p:ph type="body" sz="half" idx="2"/>
-          </p:nvPr>
-        </p:nvSpPr>
-        <p:spPr/>
+        <p:spPr>
+          <a:xfrm>
+            <a:off x="3287688" y="2348880"/>
+            <a:ext cx="5256584" cy="1938992"/>
+          </a:xfrm>
+          <a:prstGeom prst="rect">
+            <a:avLst/>
+          </a:prstGeom>
+          <a:noFill/>
+        </p:spPr>
         <p:txBody>
-          <a:bodyPr/>
+          <a:bodyPr wrap="square" rtlCol="0">
+            <a:spAutoFit/>
+          </a:bodyPr>
           <a:lstStyle/>
           <a:p>
-            <a:endParaRPr/>
+            <a:r>
+              <a:rPr lang="en-IN" sz="2400" b="1" dirty="0">
+                <a:sym typeface="Wingdings" panose="05000000000000000000" pitchFamily="2" charset="2"/>
+              </a:rPr>
+              <a:t></a:t>
+            </a:r>
+            <a:r>
+              <a:rPr lang="en-IN" sz="2400" b="1" dirty="0">
+                <a:sym typeface="Wingdings" panose="05000000000000000000" pitchFamily="2" charset="2"/>
+                <a:hlinkClick r:id="rId2"/>
+              </a:rPr>
+              <a:t>dev.to</a:t>
+            </a:r>
+            <a:endParaRPr lang="en-IN" sz="2400" b="1" dirty="0">
+              <a:sym typeface="Wingdings" panose="05000000000000000000" pitchFamily="2" charset="2"/>
+            </a:endParaRPr>
+          </a:p>
+          <a:p>
+            <a:r>
+              <a:rPr lang="en-IN" sz="2400" b="1" dirty="0">
+                <a:sym typeface="Wingdings" panose="05000000000000000000" pitchFamily="2" charset="2"/>
+              </a:rPr>
+              <a:t></a:t>
+            </a:r>
+            <a:r>
+              <a:rPr lang="en-IN" sz="2400" b="1" dirty="0">
+                <a:sym typeface="Wingdings" panose="05000000000000000000" pitchFamily="2" charset="2"/>
+                <a:hlinkClick r:id="rId3"/>
+              </a:rPr>
+              <a:t>toptal</a:t>
+            </a:r>
+            <a:endParaRPr lang="en-IN" sz="2400" b="1" dirty="0">
+              <a:sym typeface="Wingdings" panose="05000000000000000000" pitchFamily="2" charset="2"/>
+            </a:endParaRPr>
+          </a:p>
+          <a:p>
+            <a:r>
+              <a:rPr lang="en-IN" sz="2400" b="1" dirty="0">
+                <a:sym typeface="Wingdings" panose="05000000000000000000" pitchFamily="2" charset="2"/>
+              </a:rPr>
+              <a:t></a:t>
+            </a:r>
+            <a:r>
+              <a:rPr lang="en-IN" sz="2400" b="1" dirty="0">
+                <a:sym typeface="Wingdings" panose="05000000000000000000" pitchFamily="2" charset="2"/>
+                <a:hlinkClick r:id="rId4"/>
+              </a:rPr>
+              <a:t>Atlassian</a:t>
+            </a:r>
+            <a:endParaRPr lang="en-IN" sz="2400" b="1" dirty="0">
+              <a:sym typeface="Wingdings" panose="05000000000000000000" pitchFamily="2" charset="2"/>
+            </a:endParaRPr>
+          </a:p>
+          <a:p>
+            <a:r>
+              <a:rPr lang="en-IN" sz="2400" b="1" dirty="0">
+                <a:sym typeface="Wingdings" panose="05000000000000000000" pitchFamily="2" charset="2"/>
+              </a:rPr>
+              <a:t></a:t>
+            </a:r>
+            <a:r>
+              <a:rPr lang="en-IN" sz="2400" b="1" dirty="0">
+                <a:sym typeface="Wingdings" panose="05000000000000000000" pitchFamily="2" charset="2"/>
+                <a:hlinkClick r:id="rId5"/>
+              </a:rPr>
+              <a:t>git</a:t>
+            </a:r>
+            <a:endParaRPr lang="en-IN" sz="2400" b="1" dirty="0"/>
+          </a:p>
+          <a:p>
+            <a:endParaRPr lang="en-IN" sz="2400" b="1" dirty="0"/>
           </a:p>
         </p:txBody>
       </p:sp>
     </p:spTree>
     <p:extLst>
       <p:ext uri="{BB962C8B-B14F-4D97-AF65-F5344CB8AC3E}">
-        <p14:creationId xmlns:p14="http://schemas.microsoft.com/office/powerpoint/2010/main" val="3385128279"/>
-      </p:ext>
-    </p:extLst>
-  </p:cSld>
-  <p:clrMapOvr>
-    <a:masterClrMapping/>
-  </p:clrMapOvr>
-</p:sld>
-</file>
-
-<file path=ppt/slides/slide17.xml><?xml version="1.0" encoding="utf-8"?>
-<p:sld xmlns:a="http://schemas.openxmlformats.org/drawingml/2006/main" xmlns:r="http://schemas.openxmlformats.org/officeDocument/2006/relationships" xmlns:p="http://schemas.openxmlformats.org/presentationml/2006/main">
-  <p:cSld>
-    <p:spTree>
-      <p:nvGrpSpPr>
-        <p:cNvPr id="1" name=""/>
-        <p:cNvGrpSpPr/>
-        <p:nvPr/>
-      </p:nvGrpSpPr>
-      <p:grpSpPr>
-        <a:xfrm>
-          <a:off x="0" y="0"/>
-          <a:ext cx="0" cy="0"/>
-          <a:chOff x="0" y="0"/>
-          <a:chExt cx="0" cy="0"/>
-        </a:xfrm>
-      </p:grpSpPr>
-      <p:sp>
-        <p:nvSpPr>
-          <p:cNvPr id="2" name="Title 1"/>
-          <p:cNvSpPr>
-            <a:spLocks noGrp="1"/>
-          </p:cNvSpPr>
-          <p:nvPr>
-            <p:ph type="title"/>
-          </p:nvPr>
-        </p:nvSpPr>
-        <p:spPr/>
-        <p:txBody>
-          <a:bodyPr/>
-          <a:lstStyle/>
-          <a:p>
-            <a:endParaRPr dirty="0"/>
-          </a:p>
-        </p:txBody>
-      </p:sp>
-      <p:sp>
-        <p:nvSpPr>
-          <p:cNvPr id="3" name="Picture Placeholder 2" descr="An empty placeholder to add an image. Click on the placeholder and select the image that you wish to add."/>
-          <p:cNvSpPr>
-            <a:spLocks noGrp="1"/>
-          </p:cNvSpPr>
-          <p:nvPr>
-            <p:ph type="pic" idx="1"/>
-          </p:nvPr>
-        </p:nvSpPr>
-        <p:spPr/>
-      </p:sp>
-      <p:sp>
-        <p:nvSpPr>
-          <p:cNvPr id="4" name="Text Placeholder 3"/>
-          <p:cNvSpPr>
-            <a:spLocks noGrp="1"/>
-          </p:cNvSpPr>
-          <p:nvPr>
-            <p:ph type="body" sz="half" idx="2"/>
-          </p:nvPr>
-        </p:nvSpPr>
-        <p:spPr/>
-        <p:txBody>
-          <a:bodyPr/>
-          <a:lstStyle/>
-          <a:p>
-            <a:endParaRPr/>
-          </a:p>
-        </p:txBody>
-      </p:sp>
-    </p:spTree>
-    <p:extLst>
-      <p:ext uri="{BB962C8B-B14F-4D97-AF65-F5344CB8AC3E}">
-        <p14:creationId xmlns:p14="http://schemas.microsoft.com/office/powerpoint/2010/main" val="989572707"/>
-      </p:ext>
-    </p:extLst>
-  </p:cSld>
-  <p:clrMapOvr>
-    <a:masterClrMapping/>
-  </p:clrMapOvr>
-</p:sld>
-</file>
-
-<file path=ppt/slides/slide18.xml><?xml version="1.0" encoding="utf-8"?>
-<p:sld xmlns:a="http://schemas.openxmlformats.org/drawingml/2006/main" xmlns:r="http://schemas.openxmlformats.org/officeDocument/2006/relationships" xmlns:p="http://schemas.openxmlformats.org/presentationml/2006/main">
-  <p:cSld>
-    <p:spTree>
-      <p:nvGrpSpPr>
-        <p:cNvPr id="1" name=""/>
-        <p:cNvGrpSpPr/>
-        <p:nvPr/>
-      </p:nvGrpSpPr>
-      <p:grpSpPr>
-        <a:xfrm>
-          <a:off x="0" y="0"/>
-          <a:ext cx="0" cy="0"/>
-          <a:chOff x="0" y="0"/>
-          <a:chExt cx="0" cy="0"/>
-        </a:xfrm>
-      </p:grpSpPr>
-      <p:sp>
-        <p:nvSpPr>
-          <p:cNvPr id="2" name="Title 1"/>
-          <p:cNvSpPr>
-            <a:spLocks noGrp="1"/>
-          </p:cNvSpPr>
-          <p:nvPr>
-            <p:ph type="title"/>
-          </p:nvPr>
-        </p:nvSpPr>
-        <p:spPr/>
-        <p:txBody>
-          <a:bodyPr/>
-          <a:lstStyle/>
-          <a:p>
-            <a:endParaRPr dirty="0"/>
-          </a:p>
-        </p:txBody>
-      </p:sp>
-      <p:sp>
-        <p:nvSpPr>
-          <p:cNvPr id="3" name="Picture Placeholder 2" descr="An empty placeholder to add an image. Click on the placeholder and select the image that you wish to add."/>
-          <p:cNvSpPr>
-            <a:spLocks noGrp="1"/>
-          </p:cNvSpPr>
-          <p:nvPr>
-            <p:ph type="pic" idx="1"/>
-          </p:nvPr>
-        </p:nvSpPr>
-        <p:spPr/>
-      </p:sp>
-      <p:sp>
-        <p:nvSpPr>
-          <p:cNvPr id="4" name="Text Placeholder 3"/>
-          <p:cNvSpPr>
-            <a:spLocks noGrp="1"/>
-          </p:cNvSpPr>
-          <p:nvPr>
-            <p:ph type="body" sz="half" idx="2"/>
-          </p:nvPr>
-        </p:nvSpPr>
-        <p:spPr/>
-        <p:txBody>
-          <a:bodyPr/>
-          <a:lstStyle/>
-          <a:p>
-            <a:endParaRPr/>
-          </a:p>
-        </p:txBody>
-      </p:sp>
-    </p:spTree>
-    <p:extLst>
-      <p:ext uri="{BB962C8B-B14F-4D97-AF65-F5344CB8AC3E}">
-        <p14:creationId xmlns:p14="http://schemas.microsoft.com/office/powerpoint/2010/main" val="1857640680"/>
+        <p14:creationId xmlns:p14="http://schemas.microsoft.com/office/powerpoint/2010/main" val="1539129790"/>
       </p:ext>
     </p:extLst>
   </p:cSld>
@@ -19512,36 +19644,6 @@
           </a:p>
         </p:txBody>
       </p:sp>
-      <p:pic>
-        <p:nvPicPr>
-          <p:cNvPr id="4" name="Picture 3">
-            <a:extLst>
-              <a:ext uri="{FF2B5EF4-FFF2-40B4-BE49-F238E27FC236}">
-                <a16:creationId xmlns:a16="http://schemas.microsoft.com/office/drawing/2014/main" id="{68639625-70B8-5BCF-DABC-C8B997D8DB13}"/>
-              </a:ext>
-            </a:extLst>
-          </p:cNvPr>
-          <p:cNvPicPr>
-            <a:picLocks noChangeAspect="1"/>
-          </p:cNvPicPr>
-          <p:nvPr/>
-        </p:nvPicPr>
-        <p:blipFill>
-          <a:blip r:embed="rId2"/>
-          <a:stretch>
-            <a:fillRect/>
-          </a:stretch>
-        </p:blipFill>
-        <p:spPr>
-          <a:xfrm>
-            <a:off x="220662" y="1196916"/>
-            <a:ext cx="4877223" cy="1440160"/>
-          </a:xfrm>
-          <a:prstGeom prst="rect">
-            <a:avLst/>
-          </a:prstGeom>
-        </p:spPr>
-      </p:pic>
       <p:sp>
         <p:nvSpPr>
           <p:cNvPr id="5" name="TextBox 4">
@@ -19577,36 +19679,6 @@
           </a:p>
         </p:txBody>
       </p:sp>
-      <p:pic>
-        <p:nvPicPr>
-          <p:cNvPr id="7" name="Picture 6">
-            <a:extLst>
-              <a:ext uri="{FF2B5EF4-FFF2-40B4-BE49-F238E27FC236}">
-                <a16:creationId xmlns:a16="http://schemas.microsoft.com/office/drawing/2014/main" id="{F5BFA7E2-FE54-78C8-384E-C5793B0EAF9E}"/>
-              </a:ext>
-            </a:extLst>
-          </p:cNvPr>
-          <p:cNvPicPr>
-            <a:picLocks noChangeAspect="1"/>
-          </p:cNvPicPr>
-          <p:nvPr/>
-        </p:nvPicPr>
-        <p:blipFill>
-          <a:blip r:embed="rId3"/>
-          <a:stretch>
-            <a:fillRect/>
-          </a:stretch>
-        </p:blipFill>
-        <p:spPr>
-          <a:xfrm>
-            <a:off x="407368" y="3511754"/>
-            <a:ext cx="6858594" cy="3346246"/>
-          </a:xfrm>
-          <a:prstGeom prst="rect">
-            <a:avLst/>
-          </a:prstGeom>
-        </p:spPr>
-      </p:pic>
       <p:sp>
         <p:nvSpPr>
           <p:cNvPr id="8" name="TextBox 7">
@@ -19655,16 +19727,16 @@
           <p:nvPr/>
         </p:nvSpPr>
         <p:spPr>
-          <a:xfrm rot="10628335" flipH="1">
-            <a:off x="178947" y="2823759"/>
+          <a:xfrm rot="11708192" flipH="1">
+            <a:off x="223453" y="2692076"/>
             <a:ext cx="572912" cy="637326"/>
           </a:xfrm>
           <a:prstGeom prst="bentArrow">
             <a:avLst>
-              <a:gd name="adj1" fmla="val 22833"/>
+              <a:gd name="adj1" fmla="val 22732"/>
               <a:gd name="adj2" fmla="val 25000"/>
               <a:gd name="adj3" fmla="val 25000"/>
-              <a:gd name="adj4" fmla="val 43750"/>
+              <a:gd name="adj4" fmla="val 38705"/>
             </a:avLst>
           </a:prstGeom>
         </p:spPr>
@@ -19712,7 +19784,7 @@
           <p:nvPr/>
         </p:nvPicPr>
         <p:blipFill>
-          <a:blip r:embed="rId4"/>
+          <a:blip r:embed="rId2"/>
           <a:stretch>
             <a:fillRect/>
           </a:stretch>
@@ -19741,11 +19813,16 @@
         </p:nvSpPr>
         <p:spPr>
           <a:xfrm rot="17527987" flipV="1">
-            <a:off x="7281561" y="4824837"/>
-            <a:ext cx="1656184" cy="720080"/>
+            <a:off x="7022609" y="4567567"/>
+            <a:ext cx="1742040" cy="1151578"/>
           </a:xfrm>
           <a:prstGeom prst="bentArrow">
-            <a:avLst/>
+            <a:avLst>
+              <a:gd name="adj1" fmla="val 17346"/>
+              <a:gd name="adj2" fmla="val 20795"/>
+              <a:gd name="adj3" fmla="val 23944"/>
+              <a:gd name="adj4" fmla="val 43750"/>
+            </a:avLst>
           </a:prstGeom>
         </p:spPr>
         <p:style>
@@ -19931,6 +20008,66 @@
           </a:p>
         </p:txBody>
       </p:sp>
+      <p:pic>
+        <p:nvPicPr>
+          <p:cNvPr id="4" name="Picture 3">
+            <a:extLst>
+              <a:ext uri="{FF2B5EF4-FFF2-40B4-BE49-F238E27FC236}">
+                <a16:creationId xmlns:a16="http://schemas.microsoft.com/office/drawing/2014/main" id="{68639625-70B8-5BCF-DABC-C8B997D8DB13}"/>
+              </a:ext>
+            </a:extLst>
+          </p:cNvPr>
+          <p:cNvPicPr>
+            <a:picLocks noChangeAspect="1"/>
+          </p:cNvPicPr>
+          <p:nvPr/>
+        </p:nvPicPr>
+        <p:blipFill>
+          <a:blip r:embed="rId3"/>
+          <a:stretch>
+            <a:fillRect/>
+          </a:stretch>
+        </p:blipFill>
+        <p:spPr>
+          <a:xfrm>
+            <a:off x="220662" y="1196916"/>
+            <a:ext cx="4877223" cy="1440160"/>
+          </a:xfrm>
+          <a:prstGeom prst="rect">
+            <a:avLst/>
+          </a:prstGeom>
+        </p:spPr>
+      </p:pic>
+      <p:pic>
+        <p:nvPicPr>
+          <p:cNvPr id="7" name="Picture 6">
+            <a:extLst>
+              <a:ext uri="{FF2B5EF4-FFF2-40B4-BE49-F238E27FC236}">
+                <a16:creationId xmlns:a16="http://schemas.microsoft.com/office/drawing/2014/main" id="{F5BFA7E2-FE54-78C8-384E-C5793B0EAF9E}"/>
+              </a:ext>
+            </a:extLst>
+          </p:cNvPr>
+          <p:cNvPicPr>
+            <a:picLocks noChangeAspect="1"/>
+          </p:cNvPicPr>
+          <p:nvPr/>
+        </p:nvPicPr>
+        <p:blipFill>
+          <a:blip r:embed="rId4"/>
+          <a:stretch>
+            <a:fillRect/>
+          </a:stretch>
+        </p:blipFill>
+        <p:spPr>
+          <a:xfrm>
+            <a:off x="407368" y="3511754"/>
+            <a:ext cx="6858594" cy="3346246"/>
+          </a:xfrm>
+          <a:prstGeom prst="rect">
+            <a:avLst/>
+          </a:prstGeom>
+        </p:spPr>
+      </p:pic>
     </p:spTree>
     <p:extLst>
       <p:ext uri="{BB962C8B-B14F-4D97-AF65-F5344CB8AC3E}">

--- a/New Git Concepts.pptx
+++ b/New Git Concepts.pptx
@@ -8826,6 +8826,366 @@
           <a:chExt cx="0" cy="0"/>
         </a:xfrm>
       </p:grpSpPr>
+      <p:sp>
+        <p:nvSpPr>
+          <p:cNvPr id="10" name="Flowchart: Data 9">
+            <a:extLst>
+              <a:ext uri="{FF2B5EF4-FFF2-40B4-BE49-F238E27FC236}">
+                <a16:creationId xmlns:a16="http://schemas.microsoft.com/office/drawing/2014/main" id="{9C57ED89-09FA-819C-088F-865148EACC12}"/>
+              </a:ext>
+            </a:extLst>
+          </p:cNvPr>
+          <p:cNvSpPr/>
+          <p:nvPr/>
+        </p:nvSpPr>
+        <p:spPr>
+          <a:xfrm>
+            <a:off x="2423592" y="188640"/>
+            <a:ext cx="9552384" cy="5328592"/>
+          </a:xfrm>
+          <a:prstGeom prst="flowChartInputOutput">
+            <a:avLst/>
+          </a:prstGeom>
+          <a:solidFill>
+            <a:schemeClr val="accent1">
+              <a:alpha val="53000"/>
+            </a:schemeClr>
+          </a:solidFill>
+        </p:spPr>
+        <p:style>
+          <a:lnRef idx="2">
+            <a:schemeClr val="accent1">
+              <a:shade val="50000"/>
+            </a:schemeClr>
+          </a:lnRef>
+          <a:fillRef idx="1">
+            <a:schemeClr val="accent1"/>
+          </a:fillRef>
+          <a:effectRef idx="0">
+            <a:schemeClr val="accent1"/>
+          </a:effectRef>
+          <a:fontRef idx="minor">
+            <a:schemeClr val="lt1"/>
+          </a:fontRef>
+        </p:style>
+        <p:txBody>
+          <a:bodyPr rtlCol="0" anchor="ctr"/>
+          <a:lstStyle/>
+          <a:p>
+            <a:pPr algn="ctr"/>
+            <a:endParaRPr lang="en-IN" dirty="0"/>
+          </a:p>
+        </p:txBody>
+      </p:sp>
+      <p:sp>
+        <p:nvSpPr>
+          <p:cNvPr id="11" name="Parallelogram 10">
+            <a:extLst>
+              <a:ext uri="{FF2B5EF4-FFF2-40B4-BE49-F238E27FC236}">
+                <a16:creationId xmlns:a16="http://schemas.microsoft.com/office/drawing/2014/main" id="{17827D18-5649-B828-D824-D535290705DE}"/>
+              </a:ext>
+            </a:extLst>
+          </p:cNvPr>
+          <p:cNvSpPr/>
+          <p:nvPr/>
+        </p:nvSpPr>
+        <p:spPr>
+          <a:xfrm>
+            <a:off x="839416" y="476672"/>
+            <a:ext cx="5472608" cy="4104456"/>
+          </a:xfrm>
+          <a:prstGeom prst="parallelogram">
+            <a:avLst/>
+          </a:prstGeom>
+          <a:solidFill>
+            <a:schemeClr val="accent1">
+              <a:alpha val="76000"/>
+            </a:schemeClr>
+          </a:solidFill>
+        </p:spPr>
+        <p:style>
+          <a:lnRef idx="2">
+            <a:schemeClr val="accent1">
+              <a:shade val="50000"/>
+            </a:schemeClr>
+          </a:lnRef>
+          <a:fillRef idx="1">
+            <a:schemeClr val="accent1"/>
+          </a:fillRef>
+          <a:effectRef idx="0">
+            <a:schemeClr val="accent1"/>
+          </a:effectRef>
+          <a:fontRef idx="minor">
+            <a:schemeClr val="lt1"/>
+          </a:fontRef>
+        </p:style>
+        <p:txBody>
+          <a:bodyPr rtlCol="0" anchor="ctr"/>
+          <a:lstStyle/>
+          <a:p>
+            <a:pPr algn="ctr"/>
+            <a:endParaRPr lang="en-IN"/>
+          </a:p>
+        </p:txBody>
+      </p:sp>
+      <p:sp>
+        <p:nvSpPr>
+          <p:cNvPr id="12" name="Rectangle 11">
+            <a:extLst>
+              <a:ext uri="{FF2B5EF4-FFF2-40B4-BE49-F238E27FC236}">
+                <a16:creationId xmlns:a16="http://schemas.microsoft.com/office/drawing/2014/main" id="{7F90483D-87B1-FEAF-49A0-B76836CCE205}"/>
+              </a:ext>
+            </a:extLst>
+          </p:cNvPr>
+          <p:cNvSpPr/>
+          <p:nvPr/>
+        </p:nvSpPr>
+        <p:spPr>
+          <a:xfrm>
+            <a:off x="0" y="0"/>
+            <a:ext cx="12192000" cy="1340768"/>
+          </a:xfrm>
+          <a:prstGeom prst="rect">
+            <a:avLst/>
+          </a:prstGeom>
+          <a:solidFill>
+            <a:schemeClr val="accent1">
+              <a:alpha val="0"/>
+            </a:schemeClr>
+          </a:solidFill>
+        </p:spPr>
+        <p:style>
+          <a:lnRef idx="2">
+            <a:schemeClr val="accent1">
+              <a:shade val="50000"/>
+            </a:schemeClr>
+          </a:lnRef>
+          <a:fillRef idx="1">
+            <a:schemeClr val="accent1"/>
+          </a:fillRef>
+          <a:effectRef idx="0">
+            <a:schemeClr val="accent1"/>
+          </a:effectRef>
+          <a:fontRef idx="minor">
+            <a:schemeClr val="lt1"/>
+          </a:fontRef>
+        </p:style>
+        <p:txBody>
+          <a:bodyPr rtlCol="0" anchor="ctr"/>
+          <a:lstStyle/>
+          <a:p>
+            <a:pPr algn="ctr"/>
+            <a:r>
+              <a:rPr lang="en-IN" sz="2800" dirty="0"/>
+              <a:t>Git rebase can also be used to squash two or more commits into one</a:t>
+            </a:r>
+            <a:br>
+              <a:rPr lang="en-IN" sz="2800" dirty="0"/>
+            </a:br>
+            <a:r>
+              <a:rPr lang="en-IN" sz="2800" dirty="0"/>
+              <a:t>as well to rename a commit </a:t>
+            </a:r>
+          </a:p>
+        </p:txBody>
+      </p:sp>
+      <p:pic>
+        <p:nvPicPr>
+          <p:cNvPr id="13" name="Picture 12">
+            <a:extLst>
+              <a:ext uri="{FF2B5EF4-FFF2-40B4-BE49-F238E27FC236}">
+                <a16:creationId xmlns:a16="http://schemas.microsoft.com/office/drawing/2014/main" id="{B1BCCA35-92A7-B853-BAA4-3C723F30B228}"/>
+              </a:ext>
+            </a:extLst>
+          </p:cNvPr>
+          <p:cNvPicPr>
+            <a:picLocks noChangeAspect="1"/>
+          </p:cNvPicPr>
+          <p:nvPr/>
+        </p:nvPicPr>
+        <p:blipFill rotWithShape="1">
+          <a:blip r:embed="rId2"/>
+          <a:srcRect b="64761"/>
+          <a:stretch/>
+        </p:blipFill>
+        <p:spPr>
+          <a:xfrm>
+            <a:off x="0" y="1340768"/>
+            <a:ext cx="5879976" cy="1944216"/>
+          </a:xfrm>
+          <a:prstGeom prst="rect">
+            <a:avLst/>
+          </a:prstGeom>
+        </p:spPr>
+      </p:pic>
+      <p:pic>
+        <p:nvPicPr>
+          <p:cNvPr id="2050" name="Picture 2">
+            <a:extLst>
+              <a:ext uri="{FF2B5EF4-FFF2-40B4-BE49-F238E27FC236}">
+                <a16:creationId xmlns:a16="http://schemas.microsoft.com/office/drawing/2014/main" id="{15DBE46D-AB63-F05B-2BF2-50E8EC04D3A8}"/>
+              </a:ext>
+            </a:extLst>
+          </p:cNvPr>
+          <p:cNvPicPr>
+            <a:picLocks noChangeAspect="1" noChangeArrowheads="1"/>
+          </p:cNvPicPr>
+          <p:nvPr/>
+        </p:nvPicPr>
+        <p:blipFill>
+          <a:blip r:embed="rId3">
+            <a:extLst>
+              <a:ext uri="{28A0092B-C50C-407E-A947-70E740481C1C}">
+                <a14:useLocalDpi xmlns:a14="http://schemas.microsoft.com/office/drawing/2010/main" val="0"/>
+              </a:ext>
+            </a:extLst>
+          </a:blip>
+          <a:srcRect/>
+          <a:stretch>
+            <a:fillRect/>
+          </a:stretch>
+        </p:blipFill>
+        <p:spPr bwMode="auto">
+          <a:xfrm>
+            <a:off x="5879976" y="2922672"/>
+            <a:ext cx="5750049" cy="2952328"/>
+          </a:xfrm>
+          <a:prstGeom prst="rect">
+            <a:avLst/>
+          </a:prstGeom>
+          <a:noFill/>
+          <a:extLst>
+            <a:ext uri="{909E8E84-426E-40DD-AFC4-6F175D3DCCD1}">
+              <a14:hiddenFill xmlns:a14="http://schemas.microsoft.com/office/drawing/2010/main">
+                <a:solidFill>
+                  <a:srgbClr val="FFFFFF"/>
+                </a:solidFill>
+              </a14:hiddenFill>
+            </a:ext>
+          </a:extLst>
+        </p:spPr>
+      </p:pic>
+      <p:sp>
+        <p:nvSpPr>
+          <p:cNvPr id="14" name="Rectangle 13">
+            <a:extLst>
+              <a:ext uri="{FF2B5EF4-FFF2-40B4-BE49-F238E27FC236}">
+                <a16:creationId xmlns:a16="http://schemas.microsoft.com/office/drawing/2014/main" id="{D34FED7C-29C3-1271-0CB2-E346FE32FE2C}"/>
+              </a:ext>
+            </a:extLst>
+          </p:cNvPr>
+          <p:cNvSpPr/>
+          <p:nvPr/>
+        </p:nvSpPr>
+        <p:spPr>
+          <a:xfrm>
+            <a:off x="5879976" y="1340768"/>
+            <a:ext cx="6312024" cy="1512168"/>
+          </a:xfrm>
+          <a:prstGeom prst="rect">
+            <a:avLst/>
+          </a:prstGeom>
+          <a:solidFill>
+            <a:schemeClr val="accent1">
+              <a:alpha val="0"/>
+            </a:schemeClr>
+          </a:solidFill>
+          <a:ln>
+            <a:noFill/>
+          </a:ln>
+        </p:spPr>
+        <p:style>
+          <a:lnRef idx="2">
+            <a:schemeClr val="accent1">
+              <a:shade val="50000"/>
+            </a:schemeClr>
+          </a:lnRef>
+          <a:fillRef idx="1">
+            <a:schemeClr val="accent1"/>
+          </a:fillRef>
+          <a:effectRef idx="0">
+            <a:schemeClr val="accent1"/>
+          </a:effectRef>
+          <a:fontRef idx="minor">
+            <a:schemeClr val="lt1"/>
+          </a:fontRef>
+        </p:style>
+        <p:txBody>
+          <a:bodyPr rtlCol="0" anchor="ctr"/>
+          <a:lstStyle/>
+          <a:p>
+            <a:pPr algn="ctr"/>
+            <a:r>
+              <a:rPr lang="en-IN" sz="3200" dirty="0"/>
+              <a:t>This will squash the commits B,C,D into a single commit i.e. A</a:t>
+            </a:r>
+          </a:p>
+        </p:txBody>
+      </p:sp>
+      <p:pic>
+        <p:nvPicPr>
+          <p:cNvPr id="15" name="Picture 14">
+            <a:extLst>
+              <a:ext uri="{FF2B5EF4-FFF2-40B4-BE49-F238E27FC236}">
+                <a16:creationId xmlns:a16="http://schemas.microsoft.com/office/drawing/2014/main" id="{C8877683-D5EB-5D5E-A91C-2800A73B9CFA}"/>
+              </a:ext>
+            </a:extLst>
+          </p:cNvPr>
+          <p:cNvPicPr>
+            <a:picLocks noChangeAspect="1"/>
+          </p:cNvPicPr>
+          <p:nvPr/>
+        </p:nvPicPr>
+        <p:blipFill rotWithShape="1">
+          <a:blip r:embed="rId4"/>
+          <a:srcRect l="10878" t="14634"/>
+          <a:stretch/>
+        </p:blipFill>
+        <p:spPr>
+          <a:xfrm>
+            <a:off x="28600" y="4398836"/>
+            <a:ext cx="5219600" cy="2520280"/>
+          </a:xfrm>
+          <a:prstGeom prst="rect">
+            <a:avLst/>
+          </a:prstGeom>
+        </p:spPr>
+      </p:pic>
+      <p:sp>
+        <p:nvSpPr>
+          <p:cNvPr id="16" name="TextBox 15">
+            <a:extLst>
+              <a:ext uri="{FF2B5EF4-FFF2-40B4-BE49-F238E27FC236}">
+                <a16:creationId xmlns:a16="http://schemas.microsoft.com/office/drawing/2014/main" id="{D8EBA979-9EFF-0A01-8A34-23BAB07338B7}"/>
+              </a:ext>
+            </a:extLst>
+          </p:cNvPr>
+          <p:cNvSpPr txBox="1"/>
+          <p:nvPr/>
+        </p:nvSpPr>
+        <p:spPr>
+          <a:xfrm>
+            <a:off x="350208" y="3321618"/>
+            <a:ext cx="5688632" cy="1077218"/>
+          </a:xfrm>
+          <a:prstGeom prst="rect">
+            <a:avLst/>
+          </a:prstGeom>
+          <a:noFill/>
+        </p:spPr>
+        <p:txBody>
+          <a:bodyPr wrap="square" rtlCol="0">
+            <a:spAutoFit/>
+          </a:bodyPr>
+          <a:lstStyle/>
+          <a:p>
+            <a:r>
+              <a:rPr lang="en-IN" sz="3200" dirty="0"/>
+              <a:t>To change the commit message we use reword</a:t>
+            </a:r>
+          </a:p>
+        </p:txBody>
+      </p:sp>
     </p:spTree>
     <p:extLst>
       <p:ext uri="{BB962C8B-B14F-4D97-AF65-F5344CB8AC3E}">
@@ -9226,6 +9586,25 @@
                   </a:solidFill>
                   <a:prstDash val="solid"/>
                 </a:ln>
+                <a:solidFill>
+                  <a:srgbClr val="000000"/>
+                </a:solidFill>
+                <a:effectLst>
+                  <a:outerShdw dist="38100" dir="2640000" algn="bl" rotWithShape="0">
+                    <a:schemeClr val="accent1"/>
+                  </a:outerShdw>
+                </a:effectLst>
+              </a:rPr>
+              <a:t>Sources</a:t>
+            </a:r>
+            <a:r>
+              <a:rPr lang="en-US" sz="5400" b="1" u="sng" dirty="0">
+                <a:ln w="12700">
+                  <a:solidFill>
+                    <a:schemeClr val="accent1"/>
+                  </a:solidFill>
+                  <a:prstDash val="solid"/>
+                </a:ln>
                 <a:pattFill prst="pct50">
                   <a:fgClr>
                     <a:schemeClr val="accent1"/>
@@ -9243,7 +9622,7 @@
                   </a:outerShdw>
                 </a:effectLst>
               </a:rPr>
-              <a:t>Sources:</a:t>
+              <a:t>:</a:t>
             </a:r>
             <a:endParaRPr lang="en-US" sz="5400" b="0" u="sng" cap="none" spc="0" dirty="0">
               <a:ln w="0"/>

--- a/New Git Concepts.pptx
+++ b/New Git Concepts.pptx
@@ -148,86 +148,68 @@
 </file>
 
 <file path=ppt/diagrams/colors1.xml><?xml version="1.0" encoding="utf-8"?>
-<dgm:colorsDef xmlns:dgm="http://schemas.openxmlformats.org/drawingml/2006/diagram" xmlns:a="http://schemas.openxmlformats.org/drawingml/2006/main" uniqueId="urn:microsoft.com/office/officeart/2005/8/colors/accent1_1">
+<dgm:colorsDef xmlns:dgm="http://schemas.openxmlformats.org/drawingml/2006/diagram" xmlns:a="http://schemas.openxmlformats.org/drawingml/2006/main" uniqueId="urn:microsoft.com/office/officeart/2005/8/colors/accent6_2">
   <dgm:title val=""/>
   <dgm:desc val=""/>
   <dgm:catLst>
-    <dgm:cat type="accent1" pri="11100"/>
+    <dgm:cat type="accent6" pri="11200"/>
   </dgm:catLst>
   <dgm:styleLbl name="node0">
     <dgm:fillClrLst meth="repeat">
-      <a:schemeClr val="lt1"/>
+      <a:schemeClr val="accent6"/>
     </dgm:fillClrLst>
     <dgm:linClrLst meth="repeat">
-      <a:schemeClr val="accent1">
-        <a:shade val="80000"/>
-      </a:schemeClr>
+      <a:schemeClr val="lt1"/>
     </dgm:linClrLst>
     <dgm:effectClrLst/>
     <dgm:txLinClrLst/>
-    <dgm:txFillClrLst meth="repeat">
-      <a:schemeClr val="dk1"/>
-    </dgm:txFillClrLst>
+    <dgm:txFillClrLst/>
+    <dgm:txEffectClrLst/>
+  </dgm:styleLbl>
+  <dgm:styleLbl name="node1">
+    <dgm:fillClrLst meth="repeat">
+      <a:schemeClr val="accent6"/>
+    </dgm:fillClrLst>
+    <dgm:linClrLst meth="repeat">
+      <a:schemeClr val="lt1"/>
+    </dgm:linClrLst>
+    <dgm:effectClrLst/>
+    <dgm:txLinClrLst/>
+    <dgm:txFillClrLst/>
     <dgm:txEffectClrLst/>
   </dgm:styleLbl>
   <dgm:styleLbl name="alignNode1">
     <dgm:fillClrLst meth="repeat">
-      <a:schemeClr val="lt1"/>
+      <a:schemeClr val="accent6"/>
     </dgm:fillClrLst>
     <dgm:linClrLst meth="repeat">
-      <a:schemeClr val="accent1">
-        <a:shade val="80000"/>
-      </a:schemeClr>
+      <a:schemeClr val="accent6"/>
     </dgm:linClrLst>
     <dgm:effectClrLst/>
     <dgm:txLinClrLst/>
-    <dgm:txFillClrLst meth="repeat">
-      <a:schemeClr val="dk1"/>
-    </dgm:txFillClrLst>
-    <dgm:txEffectClrLst/>
-  </dgm:styleLbl>
-  <dgm:styleLbl name="node1">
-    <dgm:fillClrLst meth="repeat">
-      <a:schemeClr val="lt1"/>
-    </dgm:fillClrLst>
-    <dgm:linClrLst meth="repeat">
-      <a:schemeClr val="accent1">
-        <a:shade val="80000"/>
-      </a:schemeClr>
-    </dgm:linClrLst>
-    <dgm:effectClrLst/>
-    <dgm:txLinClrLst/>
-    <dgm:txFillClrLst meth="repeat">
-      <a:schemeClr val="dk1"/>
-    </dgm:txFillClrLst>
+    <dgm:txFillClrLst/>
     <dgm:txEffectClrLst/>
   </dgm:styleLbl>
   <dgm:styleLbl name="lnNode1">
     <dgm:fillClrLst meth="repeat">
-      <a:schemeClr val="lt1"/>
+      <a:schemeClr val="accent6"/>
     </dgm:fillClrLst>
     <dgm:linClrLst meth="repeat">
-      <a:schemeClr val="accent1">
-        <a:shade val="80000"/>
-      </a:schemeClr>
+      <a:schemeClr val="lt1"/>
     </dgm:linClrLst>
     <dgm:effectClrLst/>
     <dgm:txLinClrLst/>
-    <dgm:txFillClrLst meth="repeat">
-      <a:schemeClr val="dk1"/>
-    </dgm:txFillClrLst>
+    <dgm:txFillClrLst/>
     <dgm:txEffectClrLst/>
   </dgm:styleLbl>
   <dgm:styleLbl name="vennNode1">
     <dgm:fillClrLst meth="repeat">
-      <a:schemeClr val="lt1">
+      <a:schemeClr val="accent6">
         <a:alpha val="50000"/>
       </a:schemeClr>
     </dgm:fillClrLst>
     <dgm:linClrLst meth="repeat">
-      <a:schemeClr val="accent1">
-        <a:shade val="80000"/>
-      </a:schemeClr>
+      <a:schemeClr val="lt1"/>
     </dgm:linClrLst>
     <dgm:effectClrLst/>
     <dgm:txLinClrLst/>
@@ -236,62 +218,48 @@
   </dgm:styleLbl>
   <dgm:styleLbl name="node2">
     <dgm:fillClrLst meth="repeat">
-      <a:schemeClr val="lt1"/>
+      <a:schemeClr val="accent6"/>
     </dgm:fillClrLst>
     <dgm:linClrLst meth="repeat">
-      <a:schemeClr val="accent1">
-        <a:shade val="80000"/>
-      </a:schemeClr>
+      <a:schemeClr val="lt1"/>
     </dgm:linClrLst>
     <dgm:effectClrLst/>
     <dgm:txLinClrLst/>
-    <dgm:txFillClrLst meth="repeat">
-      <a:schemeClr val="dk1"/>
-    </dgm:txFillClrLst>
+    <dgm:txFillClrLst/>
     <dgm:txEffectClrLst/>
   </dgm:styleLbl>
   <dgm:styleLbl name="node3">
     <dgm:fillClrLst meth="repeat">
-      <a:schemeClr val="lt1"/>
+      <a:schemeClr val="accent6"/>
     </dgm:fillClrLst>
     <dgm:linClrLst meth="repeat">
-      <a:schemeClr val="accent1">
-        <a:shade val="80000"/>
-      </a:schemeClr>
+      <a:schemeClr val="lt1"/>
     </dgm:linClrLst>
     <dgm:effectClrLst/>
     <dgm:txLinClrLst/>
-    <dgm:txFillClrLst meth="repeat">
-      <a:schemeClr val="dk1"/>
-    </dgm:txFillClrLst>
+    <dgm:txFillClrLst/>
     <dgm:txEffectClrLst/>
   </dgm:styleLbl>
   <dgm:styleLbl name="node4">
     <dgm:fillClrLst meth="repeat">
-      <a:schemeClr val="lt1"/>
+      <a:schemeClr val="accent6"/>
     </dgm:fillClrLst>
     <dgm:linClrLst meth="repeat">
-      <a:schemeClr val="accent1">
-        <a:shade val="80000"/>
-      </a:schemeClr>
+      <a:schemeClr val="lt1"/>
     </dgm:linClrLst>
     <dgm:effectClrLst/>
     <dgm:txLinClrLst/>
-    <dgm:txFillClrLst meth="repeat">
-      <a:schemeClr val="dk1"/>
-    </dgm:txFillClrLst>
+    <dgm:txFillClrLst/>
     <dgm:txEffectClrLst/>
   </dgm:styleLbl>
   <dgm:styleLbl name="fgImgPlace1">
     <dgm:fillClrLst meth="repeat">
-      <a:schemeClr val="accent1">
-        <a:tint val="40000"/>
+      <a:schemeClr val="accent6">
+        <a:tint val="50000"/>
       </a:schemeClr>
     </dgm:fillClrLst>
     <dgm:linClrLst meth="repeat">
-      <a:schemeClr val="accent1">
-        <a:shade val="80000"/>
-      </a:schemeClr>
+      <a:schemeClr val="lt1"/>
     </dgm:linClrLst>
     <dgm:effectClrLst/>
     <dgm:txLinClrLst/>
@@ -302,14 +270,12 @@
   </dgm:styleLbl>
   <dgm:styleLbl name="alignImgPlace1">
     <dgm:fillClrLst meth="repeat">
-      <a:schemeClr val="accent1">
-        <a:tint val="40000"/>
+      <a:schemeClr val="accent6">
+        <a:tint val="50000"/>
       </a:schemeClr>
     </dgm:fillClrLst>
     <dgm:linClrLst meth="repeat">
-      <a:schemeClr val="accent1">
-        <a:shade val="80000"/>
-      </a:schemeClr>
+      <a:schemeClr val="lt1"/>
     </dgm:linClrLst>
     <dgm:effectClrLst/>
     <dgm:txLinClrLst/>
@@ -320,14 +286,12 @@
   </dgm:styleLbl>
   <dgm:styleLbl name="bgImgPlace1">
     <dgm:fillClrLst meth="repeat">
-      <a:schemeClr val="accent1">
-        <a:tint val="40000"/>
+      <a:schemeClr val="accent6">
+        <a:tint val="50000"/>
       </a:schemeClr>
     </dgm:fillClrLst>
     <dgm:linClrLst meth="repeat">
-      <a:schemeClr val="accent1">
-        <a:shade val="80000"/>
-      </a:schemeClr>
+      <a:schemeClr val="lt1"/>
     </dgm:linClrLst>
     <dgm:effectClrLst/>
     <dgm:txLinClrLst/>
@@ -338,64 +302,58 @@
   </dgm:styleLbl>
   <dgm:styleLbl name="sibTrans2D1">
     <dgm:fillClrLst meth="repeat">
-      <a:schemeClr val="accent1">
+      <a:schemeClr val="accent6">
         <a:tint val="60000"/>
       </a:schemeClr>
     </dgm:fillClrLst>
     <dgm:linClrLst meth="repeat">
-      <a:schemeClr val="accent1">
+      <a:schemeClr val="accent6">
         <a:tint val="60000"/>
       </a:schemeClr>
     </dgm:linClrLst>
     <dgm:effectClrLst/>
     <dgm:txLinClrLst/>
-    <dgm:txFillClrLst meth="repeat">
-      <a:schemeClr val="dk1"/>
-    </dgm:txFillClrLst>
+    <dgm:txFillClrLst/>
     <dgm:txEffectClrLst/>
   </dgm:styleLbl>
   <dgm:styleLbl name="fgSibTrans2D1">
     <dgm:fillClrLst meth="repeat">
-      <a:schemeClr val="accent1">
+      <a:schemeClr val="accent6">
         <a:tint val="60000"/>
       </a:schemeClr>
     </dgm:fillClrLst>
     <dgm:linClrLst meth="repeat">
-      <a:schemeClr val="accent1">
+      <a:schemeClr val="accent6">
         <a:tint val="60000"/>
       </a:schemeClr>
     </dgm:linClrLst>
     <dgm:effectClrLst/>
     <dgm:txLinClrLst/>
-    <dgm:txFillClrLst meth="repeat">
-      <a:schemeClr val="dk1"/>
-    </dgm:txFillClrLst>
+    <dgm:txFillClrLst/>
     <dgm:txEffectClrLst/>
   </dgm:styleLbl>
   <dgm:styleLbl name="bgSibTrans2D1">
     <dgm:fillClrLst meth="repeat">
-      <a:schemeClr val="accent1">
+      <a:schemeClr val="accent6">
         <a:tint val="60000"/>
       </a:schemeClr>
     </dgm:fillClrLst>
     <dgm:linClrLst meth="repeat">
-      <a:schemeClr val="accent1">
+      <a:schemeClr val="accent6">
         <a:tint val="60000"/>
       </a:schemeClr>
     </dgm:linClrLst>
     <dgm:effectClrLst/>
     <dgm:txLinClrLst/>
-    <dgm:txFillClrLst meth="repeat">
-      <a:schemeClr val="dk1"/>
-    </dgm:txFillClrLst>
+    <dgm:txFillClrLst/>
     <dgm:txEffectClrLst/>
   </dgm:styleLbl>
   <dgm:styleLbl name="sibTrans1D1">
     <dgm:fillClrLst meth="repeat">
-      <a:schemeClr val="accent1"/>
+      <a:schemeClr val="accent6"/>
     </dgm:fillClrLst>
     <dgm:linClrLst meth="repeat">
-      <a:schemeClr val="accent1"/>
+      <a:schemeClr val="accent6"/>
     </dgm:linClrLst>
     <dgm:effectClrLst/>
     <dgm:txLinClrLst/>
@@ -406,10 +364,12 @@
   </dgm:styleLbl>
   <dgm:styleLbl name="callout">
     <dgm:fillClrLst meth="repeat">
-      <a:schemeClr val="accent1"/>
+      <a:schemeClr val="accent6"/>
     </dgm:fillClrLst>
     <dgm:linClrLst meth="repeat">
-      <a:schemeClr val="accent1"/>
+      <a:schemeClr val="accent6">
+        <a:tint val="50000"/>
+      </a:schemeClr>
     </dgm:linClrLst>
     <dgm:effectClrLst/>
     <dgm:txLinClrLst/>
@@ -420,130 +380,116 @@
   </dgm:styleLbl>
   <dgm:styleLbl name="asst0">
     <dgm:fillClrLst meth="repeat">
-      <a:schemeClr val="lt1"/>
+      <a:schemeClr val="accent6"/>
     </dgm:fillClrLst>
     <dgm:linClrLst meth="repeat">
-      <a:schemeClr val="accent1">
-        <a:shade val="80000"/>
-      </a:schemeClr>
-    </dgm:linClrLst>
-    <dgm:effectClrLst/>
-    <dgm:txLinClrLst/>
-    <dgm:txFillClrLst meth="repeat">
-      <a:schemeClr val="dk1"/>
-    </dgm:txFillClrLst>
-    <dgm:txEffectClrLst/>
-  </dgm:styleLbl>
-  <dgm:styleLbl name="asst1">
-    <dgm:fillClrLst meth="repeat">
       <a:schemeClr val="lt1"/>
-    </dgm:fillClrLst>
-    <dgm:linClrLst meth="repeat">
-      <a:schemeClr val="accent1">
-        <a:shade val="80000"/>
-      </a:schemeClr>
-    </dgm:linClrLst>
-    <dgm:effectClrLst/>
-    <dgm:txLinClrLst/>
-    <dgm:txFillClrLst meth="repeat">
-      <a:schemeClr val="dk1"/>
-    </dgm:txFillClrLst>
-    <dgm:txEffectClrLst/>
-  </dgm:styleLbl>
-  <dgm:styleLbl name="asst2">
-    <dgm:fillClrLst meth="repeat">
-      <a:schemeClr val="lt1"/>
-    </dgm:fillClrLst>
-    <dgm:linClrLst meth="repeat">
-      <a:schemeClr val="accent1">
-        <a:shade val="80000"/>
-      </a:schemeClr>
-    </dgm:linClrLst>
-    <dgm:effectClrLst/>
-    <dgm:txLinClrLst/>
-    <dgm:txFillClrLst meth="repeat">
-      <a:schemeClr val="dk1"/>
-    </dgm:txFillClrLst>
-    <dgm:txEffectClrLst/>
-  </dgm:styleLbl>
-  <dgm:styleLbl name="asst3">
-    <dgm:fillClrLst meth="repeat">
-      <a:schemeClr val="lt1"/>
-    </dgm:fillClrLst>
-    <dgm:linClrLst meth="repeat">
-      <a:schemeClr val="accent1">
-        <a:shade val="80000"/>
-      </a:schemeClr>
-    </dgm:linClrLst>
-    <dgm:effectClrLst/>
-    <dgm:txLinClrLst/>
-    <dgm:txFillClrLst meth="repeat">
-      <a:schemeClr val="dk1"/>
-    </dgm:txFillClrLst>
-    <dgm:txEffectClrLst/>
-  </dgm:styleLbl>
-  <dgm:styleLbl name="asst4">
-    <dgm:fillClrLst meth="repeat">
-      <a:schemeClr val="lt1"/>
-    </dgm:fillClrLst>
-    <dgm:linClrLst meth="repeat">
-      <a:schemeClr val="accent1">
-        <a:shade val="80000"/>
-      </a:schemeClr>
-    </dgm:linClrLst>
-    <dgm:effectClrLst/>
-    <dgm:txLinClrLst/>
-    <dgm:txFillClrLst meth="repeat">
-      <a:schemeClr val="dk1"/>
-    </dgm:txFillClrLst>
-    <dgm:txEffectClrLst/>
-  </dgm:styleLbl>
-  <dgm:styleLbl name="parChTrans2D1">
-    <dgm:fillClrLst meth="repeat">
-      <a:schemeClr val="accent1">
-        <a:tint val="60000"/>
-      </a:schemeClr>
-    </dgm:fillClrLst>
-    <dgm:linClrLst meth="repeat">
-      <a:schemeClr val="accent1">
-        <a:tint val="60000"/>
-      </a:schemeClr>
     </dgm:linClrLst>
     <dgm:effectClrLst/>
     <dgm:txLinClrLst/>
     <dgm:txFillClrLst/>
     <dgm:txEffectClrLst/>
   </dgm:styleLbl>
-  <dgm:styleLbl name="parChTrans2D2">
+  <dgm:styleLbl name="asst1">
     <dgm:fillClrLst meth="repeat">
-      <a:schemeClr val="accent1"/>
+      <a:schemeClr val="accent6"/>
     </dgm:fillClrLst>
     <dgm:linClrLst meth="repeat">
-      <a:schemeClr val="accent1"/>
+      <a:schemeClr val="lt1"/>
     </dgm:linClrLst>
     <dgm:effectClrLst/>
     <dgm:txLinClrLst/>
     <dgm:txFillClrLst/>
     <dgm:txEffectClrLst/>
   </dgm:styleLbl>
-  <dgm:styleLbl name="parChTrans2D3">
+  <dgm:styleLbl name="asst2">
     <dgm:fillClrLst meth="repeat">
-      <a:schemeClr val="accent1"/>
+      <a:schemeClr val="accent6"/>
     </dgm:fillClrLst>
     <dgm:linClrLst meth="repeat">
-      <a:schemeClr val="accent1"/>
+      <a:schemeClr val="lt1"/>
     </dgm:linClrLst>
     <dgm:effectClrLst/>
     <dgm:txLinClrLst/>
     <dgm:txFillClrLst/>
     <dgm:txEffectClrLst/>
   </dgm:styleLbl>
+  <dgm:styleLbl name="asst3">
+    <dgm:fillClrLst meth="repeat">
+      <a:schemeClr val="accent6"/>
+    </dgm:fillClrLst>
+    <dgm:linClrLst meth="repeat">
+      <a:schemeClr val="lt1"/>
+    </dgm:linClrLst>
+    <dgm:effectClrLst/>
+    <dgm:txLinClrLst/>
+    <dgm:txFillClrLst/>
+    <dgm:txEffectClrLst/>
+  </dgm:styleLbl>
+  <dgm:styleLbl name="asst4">
+    <dgm:fillClrLst meth="repeat">
+      <a:schemeClr val="accent6"/>
+    </dgm:fillClrLst>
+    <dgm:linClrLst meth="repeat">
+      <a:schemeClr val="lt1"/>
+    </dgm:linClrLst>
+    <dgm:effectClrLst/>
+    <dgm:txLinClrLst/>
+    <dgm:txFillClrLst/>
+    <dgm:txEffectClrLst/>
+  </dgm:styleLbl>
+  <dgm:styleLbl name="parChTrans2D1">
+    <dgm:fillClrLst meth="repeat">
+      <a:schemeClr val="accent6">
+        <a:tint val="60000"/>
+      </a:schemeClr>
+    </dgm:fillClrLst>
+    <dgm:linClrLst meth="repeat">
+      <a:schemeClr val="accent6">
+        <a:tint val="60000"/>
+      </a:schemeClr>
+    </dgm:linClrLst>
+    <dgm:effectClrLst/>
+    <dgm:txLinClrLst/>
+    <dgm:txFillClrLst meth="repeat">
+      <a:schemeClr val="lt1"/>
+    </dgm:txFillClrLst>
+    <dgm:txEffectClrLst/>
+  </dgm:styleLbl>
+  <dgm:styleLbl name="parChTrans2D2">
+    <dgm:fillClrLst meth="repeat">
+      <a:schemeClr val="accent6"/>
+    </dgm:fillClrLst>
+    <dgm:linClrLst meth="repeat">
+      <a:schemeClr val="accent6"/>
+    </dgm:linClrLst>
+    <dgm:effectClrLst/>
+    <dgm:txLinClrLst/>
+    <dgm:txFillClrLst meth="repeat">
+      <a:schemeClr val="lt1"/>
+    </dgm:txFillClrLst>
+    <dgm:txEffectClrLst/>
+  </dgm:styleLbl>
+  <dgm:styleLbl name="parChTrans2D3">
+    <dgm:fillClrLst meth="repeat">
+      <a:schemeClr val="accent6"/>
+    </dgm:fillClrLst>
+    <dgm:linClrLst meth="repeat">
+      <a:schemeClr val="accent6"/>
+    </dgm:linClrLst>
+    <dgm:effectClrLst/>
+    <dgm:txLinClrLst/>
+    <dgm:txFillClrLst meth="repeat">
+      <a:schemeClr val="lt1"/>
+    </dgm:txFillClrLst>
+    <dgm:txEffectClrLst/>
+  </dgm:styleLbl>
   <dgm:styleLbl name="parChTrans2D4">
     <dgm:fillClrLst meth="repeat">
-      <a:schemeClr val="accent1"/>
+      <a:schemeClr val="accent6"/>
     </dgm:fillClrLst>
     <dgm:linClrLst meth="repeat">
-      <a:schemeClr val="accent1"/>
+      <a:schemeClr val="accent6"/>
     </dgm:linClrLst>
     <dgm:effectClrLst/>
     <dgm:txLinClrLst/>
@@ -554,10 +500,10 @@
   </dgm:styleLbl>
   <dgm:styleLbl name="parChTrans1D1">
     <dgm:fillClrLst meth="repeat">
-      <a:schemeClr val="accent1"/>
+      <a:schemeClr val="accent6"/>
     </dgm:fillClrLst>
     <dgm:linClrLst meth="repeat">
-      <a:schemeClr val="accent1">
+      <a:schemeClr val="accent6">
         <a:shade val="60000"/>
       </a:schemeClr>
     </dgm:linClrLst>
@@ -570,10 +516,10 @@
   </dgm:styleLbl>
   <dgm:styleLbl name="parChTrans1D2">
     <dgm:fillClrLst meth="repeat">
-      <a:schemeClr val="accent1"/>
+      <a:schemeClr val="accent6"/>
     </dgm:fillClrLst>
     <dgm:linClrLst meth="repeat">
-      <a:schemeClr val="accent1">
+      <a:schemeClr val="accent6">
         <a:shade val="60000"/>
       </a:schemeClr>
     </dgm:linClrLst>
@@ -586,10 +532,10 @@
   </dgm:styleLbl>
   <dgm:styleLbl name="parChTrans1D3">
     <dgm:fillClrLst meth="repeat">
-      <a:schemeClr val="accent1"/>
+      <a:schemeClr val="accent6"/>
     </dgm:fillClrLst>
     <dgm:linClrLst meth="repeat">
-      <a:schemeClr val="accent1">
+      <a:schemeClr val="accent6">
         <a:shade val="80000"/>
       </a:schemeClr>
     </dgm:linClrLst>
@@ -602,10 +548,10 @@
   </dgm:styleLbl>
   <dgm:styleLbl name="parChTrans1D4">
     <dgm:fillClrLst meth="repeat">
-      <a:schemeClr val="accent1"/>
+      <a:schemeClr val="accent6"/>
     </dgm:fillClrLst>
     <dgm:linClrLst meth="repeat">
-      <a:schemeClr val="accent1">
+      <a:schemeClr val="accent6">
         <a:shade val="80000"/>
       </a:schemeClr>
     </dgm:linClrLst>
@@ -618,13 +564,12 @@
   </dgm:styleLbl>
   <dgm:styleLbl name="fgAcc1">
     <dgm:fillClrLst meth="repeat">
-      <a:schemeClr val="accent1">
+      <a:schemeClr val="lt1">
         <a:alpha val="90000"/>
-        <a:tint val="40000"/>
       </a:schemeClr>
     </dgm:fillClrLst>
     <dgm:linClrLst meth="repeat">
-      <a:schemeClr val="accent1"/>
+      <a:schemeClr val="accent6"/>
     </dgm:linClrLst>
     <dgm:effectClrLst/>
     <dgm:txLinClrLst/>
@@ -635,13 +580,12 @@
   </dgm:styleLbl>
   <dgm:styleLbl name="conFgAcc1">
     <dgm:fillClrLst meth="repeat">
-      <a:schemeClr val="accent1">
+      <a:schemeClr val="lt1">
         <a:alpha val="90000"/>
-        <a:tint val="40000"/>
       </a:schemeClr>
     </dgm:fillClrLst>
     <dgm:linClrLst meth="repeat">
-      <a:schemeClr val="accent1"/>
+      <a:schemeClr val="accent6"/>
     </dgm:linClrLst>
     <dgm:effectClrLst/>
     <dgm:txLinClrLst/>
@@ -652,13 +596,12 @@
   </dgm:styleLbl>
   <dgm:styleLbl name="alignAcc1">
     <dgm:fillClrLst meth="repeat">
-      <a:schemeClr val="accent1">
+      <a:schemeClr val="lt1">
         <a:alpha val="90000"/>
-        <a:tint val="40000"/>
       </a:schemeClr>
     </dgm:fillClrLst>
     <dgm:linClrLst meth="repeat">
-      <a:schemeClr val="accent1"/>
+      <a:schemeClr val="accent6"/>
     </dgm:linClrLst>
     <dgm:effectClrLst/>
     <dgm:txLinClrLst/>
@@ -669,13 +612,12 @@
   </dgm:styleLbl>
   <dgm:styleLbl name="trAlignAcc1">
     <dgm:fillClrLst meth="repeat">
-      <a:schemeClr val="accent1">
+      <a:schemeClr val="lt1">
         <a:alpha val="40000"/>
-        <a:tint val="40000"/>
       </a:schemeClr>
     </dgm:fillClrLst>
     <dgm:linClrLst meth="repeat">
-      <a:schemeClr val="accent1"/>
+      <a:schemeClr val="accent6"/>
     </dgm:linClrLst>
     <dgm:effectClrLst/>
     <dgm:txLinClrLst/>
@@ -686,13 +628,12 @@
   </dgm:styleLbl>
   <dgm:styleLbl name="bgAcc1">
     <dgm:fillClrLst meth="repeat">
-      <a:schemeClr val="accent1">
+      <a:schemeClr val="lt1">
         <a:alpha val="90000"/>
-        <a:tint val="40000"/>
       </a:schemeClr>
     </dgm:fillClrLst>
     <dgm:linClrLst meth="repeat">
-      <a:schemeClr val="accent1"/>
+      <a:schemeClr val="accent6"/>
     </dgm:linClrLst>
     <dgm:effectClrLst/>
     <dgm:txLinClrLst/>
@@ -706,7 +647,7 @@
       <a:schemeClr val="lt1"/>
     </dgm:fillClrLst>
     <dgm:linClrLst meth="repeat">
-      <a:schemeClr val="accent1"/>
+      <a:schemeClr val="accent6"/>
     </dgm:linClrLst>
     <dgm:effectClrLst/>
     <dgm:txLinClrLst/>
@@ -720,7 +661,7 @@
       <a:schemeClr val="lt1"/>
     </dgm:fillClrLst>
     <dgm:linClrLst meth="repeat">
-      <a:schemeClr val="accent1"/>
+      <a:schemeClr val="accent6"/>
     </dgm:linClrLst>
     <dgm:effectClrLst/>
     <dgm:txLinClrLst/>
@@ -734,7 +675,7 @@
       <a:schemeClr val="lt1"/>
     </dgm:fillClrLst>
     <dgm:linClrLst meth="repeat">
-      <a:schemeClr val="accent1"/>
+      <a:schemeClr val="accent6"/>
     </dgm:linClrLst>
     <dgm:effectClrLst/>
     <dgm:txLinClrLst/>
@@ -745,14 +686,15 @@
   </dgm:styleLbl>
   <dgm:styleLbl name="fgAccFollowNode1">
     <dgm:fillClrLst meth="repeat">
-      <a:schemeClr val="lt1">
+      <a:schemeClr val="accent6">
         <a:alpha val="90000"/>
         <a:tint val="40000"/>
       </a:schemeClr>
     </dgm:fillClrLst>
     <dgm:linClrLst meth="repeat">
-      <a:schemeClr val="accent1">
+      <a:schemeClr val="accent6">
         <a:alpha val="90000"/>
+        <a:tint val="40000"/>
       </a:schemeClr>
     </dgm:linClrLst>
     <dgm:effectClrLst/>
@@ -764,14 +706,15 @@
   </dgm:styleLbl>
   <dgm:styleLbl name="alignAccFollowNode1">
     <dgm:fillClrLst meth="repeat">
-      <a:schemeClr val="lt1">
+      <a:schemeClr val="accent6">
         <a:alpha val="90000"/>
         <a:tint val="40000"/>
       </a:schemeClr>
     </dgm:fillClrLst>
     <dgm:linClrLst meth="repeat">
-      <a:schemeClr val="accent1">
+      <a:schemeClr val="accent6">
         <a:alpha val="90000"/>
+        <a:tint val="40000"/>
       </a:schemeClr>
     </dgm:linClrLst>
     <dgm:effectClrLst/>
@@ -783,14 +726,15 @@
   </dgm:styleLbl>
   <dgm:styleLbl name="bgAccFollowNode1">
     <dgm:fillClrLst meth="repeat">
-      <a:schemeClr val="lt1">
+      <a:schemeClr val="accent6">
         <a:alpha val="90000"/>
         <a:tint val="40000"/>
       </a:schemeClr>
     </dgm:fillClrLst>
     <dgm:linClrLst meth="repeat">
-      <a:schemeClr val="accent1">
+      <a:schemeClr val="accent6">
         <a:alpha val="90000"/>
+        <a:tint val="40000"/>
       </a:schemeClr>
     </dgm:linClrLst>
     <dgm:effectClrLst/>
@@ -802,13 +746,12 @@
   </dgm:styleLbl>
   <dgm:styleLbl name="fgAcc0">
     <dgm:fillClrLst meth="repeat">
-      <a:schemeClr val="accent1">
+      <a:schemeClr val="lt1">
         <a:alpha val="90000"/>
-        <a:tint val="40000"/>
       </a:schemeClr>
     </dgm:fillClrLst>
     <dgm:linClrLst meth="repeat">
-      <a:schemeClr val="accent1"/>
+      <a:schemeClr val="accent6"/>
     </dgm:linClrLst>
     <dgm:effectClrLst/>
     <dgm:txLinClrLst/>
@@ -819,13 +762,12 @@
   </dgm:styleLbl>
   <dgm:styleLbl name="fgAcc2">
     <dgm:fillClrLst meth="repeat">
-      <a:schemeClr val="accent1">
+      <a:schemeClr val="lt1">
         <a:alpha val="90000"/>
-        <a:tint val="40000"/>
       </a:schemeClr>
     </dgm:fillClrLst>
     <dgm:linClrLst meth="repeat">
-      <a:schemeClr val="accent1"/>
+      <a:schemeClr val="accent6"/>
     </dgm:linClrLst>
     <dgm:effectClrLst/>
     <dgm:txLinClrLst/>
@@ -836,13 +778,12 @@
   </dgm:styleLbl>
   <dgm:styleLbl name="fgAcc3">
     <dgm:fillClrLst meth="repeat">
-      <a:schemeClr val="accent1">
+      <a:schemeClr val="lt1">
         <a:alpha val="90000"/>
-        <a:tint val="40000"/>
       </a:schemeClr>
     </dgm:fillClrLst>
     <dgm:linClrLst meth="repeat">
-      <a:schemeClr val="accent1"/>
+      <a:schemeClr val="accent6"/>
     </dgm:linClrLst>
     <dgm:effectClrLst/>
     <dgm:txLinClrLst/>
@@ -853,13 +794,12 @@
   </dgm:styleLbl>
   <dgm:styleLbl name="fgAcc4">
     <dgm:fillClrLst meth="repeat">
-      <a:schemeClr val="accent1">
+      <a:schemeClr val="lt1">
         <a:alpha val="90000"/>
-        <a:tint val="40000"/>
       </a:schemeClr>
     </dgm:fillClrLst>
     <dgm:linClrLst meth="repeat">
-      <a:schemeClr val="accent1"/>
+      <a:schemeClr val="accent6"/>
     </dgm:linClrLst>
     <dgm:effectClrLst/>
     <dgm:txLinClrLst/>
@@ -870,12 +810,12 @@
   </dgm:styleLbl>
   <dgm:styleLbl name="bgShp">
     <dgm:fillClrLst meth="repeat">
-      <a:schemeClr val="accent1">
+      <a:schemeClr val="accent6">
         <a:tint val="40000"/>
       </a:schemeClr>
     </dgm:fillClrLst>
     <dgm:linClrLst meth="repeat">
-      <a:schemeClr val="accent1"/>
+      <a:schemeClr val="accent6"/>
     </dgm:linClrLst>
     <dgm:effectClrLst/>
     <dgm:txLinClrLst/>
@@ -886,12 +826,12 @@
   </dgm:styleLbl>
   <dgm:styleLbl name="dkBgShp">
     <dgm:fillClrLst meth="repeat">
-      <a:schemeClr val="accent1">
+      <a:schemeClr val="accent6">
         <a:shade val="80000"/>
       </a:schemeClr>
     </dgm:fillClrLst>
     <dgm:linClrLst meth="repeat">
-      <a:schemeClr val="accent1"/>
+      <a:schemeClr val="accent6"/>
     </dgm:linClrLst>
     <dgm:effectClrLst/>
     <dgm:txLinClrLst/>
@@ -902,13 +842,13 @@
   </dgm:styleLbl>
   <dgm:styleLbl name="trBgShp">
     <dgm:fillClrLst meth="repeat">
-      <a:schemeClr val="accent1">
+      <a:schemeClr val="accent6">
         <a:tint val="50000"/>
         <a:alpha val="40000"/>
       </a:schemeClr>
     </dgm:fillClrLst>
     <dgm:linClrLst meth="repeat">
-      <a:schemeClr val="accent1"/>
+      <a:schemeClr val="accent6"/>
     </dgm:linClrLst>
     <dgm:effectClrLst/>
     <dgm:txLinClrLst/>
@@ -919,7 +859,7 @@
   </dgm:styleLbl>
   <dgm:styleLbl name="fgShp">
     <dgm:fillClrLst meth="repeat">
-      <a:schemeClr val="accent1">
+      <a:schemeClr val="accent6">
         <a:tint val="60000"/>
       </a:schemeClr>
     </dgm:fillClrLst>
@@ -958,7 +898,7 @@
 <dgm:dataModel xmlns:dgm="http://schemas.openxmlformats.org/drawingml/2006/diagram" xmlns:a="http://schemas.openxmlformats.org/drawingml/2006/main">
   <dgm:ptLst>
     <dgm:pt modelId="{C53CC6D8-DEFC-45FD-8207-E1ECCC27EA85}" type="doc">
-      <dgm:prSet loTypeId="urn:microsoft.com/office/officeart/2005/8/layout/lProcess1" loCatId="process" qsTypeId="urn:microsoft.com/office/officeart/2005/8/quickstyle/simple4" qsCatId="simple" csTypeId="urn:microsoft.com/office/officeart/2005/8/colors/accent1_1" csCatId="accent1" phldr="1"/>
+      <dgm:prSet loTypeId="urn:microsoft.com/office/officeart/2005/8/layout/lProcess1" loCatId="process" qsTypeId="urn:microsoft.com/office/officeart/2005/8/quickstyle/3d4" qsCatId="3D" csTypeId="urn:microsoft.com/office/officeart/2005/8/colors/accent6_2" csCatId="accent6" phldr="1"/>
       <dgm:spPr/>
       <dgm:t>
         <a:bodyPr/>
@@ -1078,7 +1018,11 @@
     </dgm:pt>
     <dgm:pt modelId="{5CBEC7DD-A25D-4956-9A65-6EA385F6FCB5}">
       <dgm:prSet phldrT="[Text]" custT="1"/>
-      <dgm:spPr/>
+      <dgm:spPr>
+        <a:solidFill>
+          <a:srgbClr val="BED5EB"/>
+        </a:solidFill>
+      </dgm:spPr>
       <dgm:t>
         <a:bodyPr/>
         <a:lstStyle/>
@@ -1087,7 +1031,11 @@
         </a:p>
         <a:p>
           <a:r>
-            <a:rPr lang="en-US" sz="2400" b="0" i="0" dirty="0"/>
+            <a:rPr lang="en-US" sz="2400" b="0" i="0" dirty="0">
+              <a:solidFill>
+                <a:schemeClr val="bg1"/>
+              </a:solidFill>
+            </a:rPr>
             <a:t>Initialized empty Git repository in .git/</a:t>
           </a:r>
         </a:p>
@@ -1242,7 +1190,7 @@
       <dgm:spPr/>
     </dgm:pt>
     <dgm:pt modelId="{9BBCF6CE-E750-48B6-B333-305BBB100737}" type="pres">
-      <dgm:prSet presAssocID="{516A4DDC-76BD-494E-B503-625555CCBC4A}" presName="header" presStyleLbl="node1" presStyleIdx="0" presStyleCnt="2" custLinFactY="-81908" custLinFactNeighborX="-1565" custLinFactNeighborY="-100000"/>
+      <dgm:prSet presAssocID="{516A4DDC-76BD-494E-B503-625555CCBC4A}" presName="header" presStyleLbl="node1" presStyleIdx="0" presStyleCnt="2" custScaleX="111515" custScaleY="186920" custLinFactY="-81908" custLinFactNeighborX="-1565" custLinFactNeighborY="-100000"/>
       <dgm:spPr/>
     </dgm:pt>
     <dgm:pt modelId="{1B1F80F4-E9A5-4A99-A630-6548067B7CB5}" type="pres">
@@ -1263,7 +1211,7 @@
       <dgm:spPr/>
     </dgm:pt>
     <dgm:pt modelId="{459BBFF8-CE50-41AE-9B5E-F6026BBE4F45}" type="pres">
-      <dgm:prSet presAssocID="{C4FF5CFA-9CEF-4C34-984A-CC28F232798F}" presName="child" presStyleLbl="alignAccFollowNode1" presStyleIdx="1" presStyleCnt="5">
+      <dgm:prSet presAssocID="{C4FF5CFA-9CEF-4C34-984A-CC28F232798F}" presName="child" presStyleLbl="alignAccFollowNode1" presStyleIdx="1" presStyleCnt="5" custLinFactNeighborX="-19" custLinFactNeighborY="29180">
         <dgm:presLayoutVars>
           <dgm:chMax val="0"/>
           <dgm:bulletEnabled val="1"/>
@@ -1276,7 +1224,7 @@
       <dgm:spPr/>
     </dgm:pt>
     <dgm:pt modelId="{9A5E1799-26FB-4959-97AA-0FCC22761318}" type="pres">
-      <dgm:prSet presAssocID="{F7CED298-1605-4B60-9FC8-0A4C25C5AA00}" presName="child" presStyleLbl="alignAccFollowNode1" presStyleIdx="2" presStyleCnt="5">
+      <dgm:prSet presAssocID="{F7CED298-1605-4B60-9FC8-0A4C25C5AA00}" presName="child" presStyleLbl="alignAccFollowNode1" presStyleIdx="2" presStyleCnt="5" custLinFactNeighborX="-19" custLinFactNeighborY="67637">
         <dgm:presLayoutVars>
           <dgm:chMax val="0"/>
           <dgm:bulletEnabled val="1"/>
@@ -1293,7 +1241,7 @@
       <dgm:spPr/>
     </dgm:pt>
     <dgm:pt modelId="{2484C087-57FA-470A-97ED-9C2C39F4E7F6}" type="pres">
-      <dgm:prSet presAssocID="{5CBEC7DD-A25D-4956-9A65-6EA385F6FCB5}" presName="header" presStyleLbl="node1" presStyleIdx="1" presStyleCnt="2" custScaleX="276905" custScaleY="84280" custLinFactY="98818" custLinFactNeighborX="8626" custLinFactNeighborY="100000"/>
+      <dgm:prSet presAssocID="{5CBEC7DD-A25D-4956-9A65-6EA385F6FCB5}" presName="header" presStyleLbl="node1" presStyleIdx="1" presStyleCnt="2" custScaleX="276905" custScaleY="104075" custLinFactY="151799" custLinFactNeighborX="-3483" custLinFactNeighborY="200000"/>
       <dgm:spPr/>
     </dgm:pt>
     <dgm:pt modelId="{904CF97B-AC17-4464-9F22-7EC6FCB39A48}" type="pres">
@@ -1301,7 +1249,7 @@
       <dgm:spPr/>
     </dgm:pt>
     <dgm:pt modelId="{73DBFA1A-3823-4209-9CD6-DBDD456F39FB}" type="pres">
-      <dgm:prSet presAssocID="{33BF0E2A-2B00-40A5-832E-FC800DCA5982}" presName="child" presStyleLbl="alignAccFollowNode1" presStyleIdx="3" presStyleCnt="5" custScaleX="275167" custLinFactY="100000" custLinFactNeighborX="3629" custLinFactNeighborY="118049">
+      <dgm:prSet presAssocID="{33BF0E2A-2B00-40A5-832E-FC800DCA5982}" presName="child" presStyleLbl="alignAccFollowNode1" presStyleIdx="3" presStyleCnt="5" custScaleX="275167" custLinFactY="158058" custLinFactNeighborX="-4352" custLinFactNeighborY="200000">
         <dgm:presLayoutVars>
           <dgm:chMax val="0"/>
           <dgm:bulletEnabled val="1"/>
@@ -1314,7 +1262,7 @@
       <dgm:spPr/>
     </dgm:pt>
     <dgm:pt modelId="{2F6F1146-83D8-48B6-B8D7-042C29B69872}" type="pres">
-      <dgm:prSet presAssocID="{5945A609-F721-4590-8575-1F636E68EB08}" presName="child" presStyleLbl="alignAccFollowNode1" presStyleIdx="4" presStyleCnt="5" custScaleX="275893" custLinFactY="97748" custLinFactNeighborX="8626" custLinFactNeighborY="100000">
+      <dgm:prSet presAssocID="{5945A609-F721-4590-8575-1F636E68EB08}" presName="child" presStyleLbl="alignAccFollowNode1" presStyleIdx="4" presStyleCnt="5" custScaleX="275893" custLinFactY="171518" custLinFactNeighborX="-3989" custLinFactNeighborY="200000">
         <dgm:presLayoutVars>
           <dgm:chMax val="0"/>
           <dgm:bulletEnabled val="1"/>
@@ -1385,65 +1333,42 @@
       </dsp:nvSpPr>
       <dsp:spPr>
         <a:xfrm>
-          <a:off x="0" y="591971"/>
-          <a:ext cx="2339134" cy="584783"/>
+          <a:off x="0" y="399492"/>
+          <a:ext cx="3245316" cy="1359939"/>
         </a:xfrm>
         <a:prstGeom prst="roundRect">
           <a:avLst>
             <a:gd name="adj" fmla="val 10000"/>
           </a:avLst>
         </a:prstGeom>
-        <a:gradFill rotWithShape="0">
-          <a:gsLst>
-            <a:gs pos="0">
-              <a:schemeClr val="lt1">
-                <a:hueOff val="0"/>
-                <a:satOff val="0"/>
-                <a:lumOff val="0"/>
-                <a:alphaOff val="0"/>
-                <a:tint val="98000"/>
-                <a:satMod val="110000"/>
-                <a:lumMod val="104000"/>
-              </a:schemeClr>
-            </a:gs>
-            <a:gs pos="69000">
-              <a:schemeClr val="lt1">
-                <a:hueOff val="0"/>
-                <a:satOff val="0"/>
-                <a:lumOff val="0"/>
-                <a:alphaOff val="0"/>
-                <a:shade val="88000"/>
-                <a:satMod val="130000"/>
-                <a:lumMod val="92000"/>
-              </a:schemeClr>
-            </a:gs>
-            <a:gs pos="100000">
-              <a:schemeClr val="lt1">
-                <a:hueOff val="0"/>
-                <a:satOff val="0"/>
-                <a:lumOff val="0"/>
-                <a:alphaOff val="0"/>
-                <a:shade val="78000"/>
-                <a:satMod val="130000"/>
-                <a:lumMod val="92000"/>
-              </a:schemeClr>
-            </a:gs>
-          </a:gsLst>
-          <a:lin ang="5400000" scaled="0"/>
-        </a:gradFill>
+        <a:solidFill>
+          <a:schemeClr val="accent6">
+            <a:hueOff val="0"/>
+            <a:satOff val="0"/>
+            <a:lumOff val="0"/>
+            <a:alphaOff val="0"/>
+          </a:schemeClr>
+        </a:solidFill>
         <a:ln>
           <a:noFill/>
         </a:ln>
         <a:effectLst/>
+        <a:scene3d>
+          <a:camera prst="orthographicFront"/>
+          <a:lightRig rig="chilly" dir="t"/>
+        </a:scene3d>
+        <a:sp3d prstMaterial="translucentPowder">
+          <a:bevelT w="127000" h="25400" prst="softRound"/>
+        </a:sp3d>
       </dsp:spPr>
       <dsp:style>
         <a:lnRef idx="0">
           <a:scrgbClr r="0" g="0" b="0"/>
         </a:lnRef>
-        <a:fillRef idx="3">
+        <a:fillRef idx="1">
           <a:scrgbClr r="0" g="0" b="0"/>
         </a:fillRef>
-        <a:effectRef idx="2">
+        <a:effectRef idx="0">
           <a:scrgbClr r="0" g="0" b="0"/>
         </a:effectRef>
         <a:fontRef idx="minor">
@@ -1451,12 +1376,12 @@
         </a:fontRef>
       </dsp:style>
       <dsp:txBody>
-        <a:bodyPr spcFirstLastPara="0" vert="horz" wrap="square" lIns="29210" tIns="29210" rIns="29210" bIns="29210" numCol="1" spcCol="1270" anchor="ctr" anchorCtr="0">
+        <a:bodyPr spcFirstLastPara="0" vert="horz" wrap="square" lIns="54610" tIns="54610" rIns="54610" bIns="54610" numCol="1" spcCol="1270" anchor="ctr" anchorCtr="0">
           <a:noAutofit/>
         </a:bodyPr>
         <a:lstStyle/>
         <a:p>
-          <a:pPr marL="0" lvl="0" indent="0" algn="ctr" defTabSz="1022350">
+          <a:pPr marL="0" lvl="0" indent="0" algn="ctr" defTabSz="1911350">
             <a:lnSpc>
               <a:spcPct val="90000"/>
             </a:lnSpc>
@@ -1469,14 +1394,14 @@
             <a:buNone/>
           </a:pPr>
           <a:r>
-            <a:rPr lang="en-US" sz="2300" b="1" kern="1200" dirty="0"/>
+            <a:rPr lang="en-US" sz="4300" b="1" kern="1200" dirty="0"/>
             <a:t>Getting started</a:t>
           </a:r>
         </a:p>
       </dsp:txBody>
       <dsp:txXfrm>
-        <a:off x="17128" y="609099"/>
-        <a:ext cx="2304878" cy="550527"/>
+        <a:off x="39831" y="439323"/>
+        <a:ext cx="3165654" cy="1280277"/>
       </dsp:txXfrm>
     </dsp:sp>
     <dsp:sp modelId="{1B1F80F4-E9A5-4A99-A630-6548067B7CB5}">
@@ -1485,9 +1410,9 @@
         <dsp:cNvSpPr/>
       </dsp:nvSpPr>
       <dsp:spPr>
-        <a:xfrm rot="5399732">
-          <a:off x="1009559" y="1306945"/>
-          <a:ext cx="320118" cy="468031"/>
+        <a:xfrm rot="5398790">
+          <a:off x="1423920" y="1921406"/>
+          <a:ext cx="398271" cy="582296"/>
         </a:xfrm>
         <a:prstGeom prst="rightArrow">
           <a:avLst>
@@ -1495,60 +1420,36 @@
             <a:gd name="adj2" fmla="val 50000"/>
           </a:avLst>
         </a:prstGeom>
-        <a:gradFill rotWithShape="0">
-          <a:gsLst>
-            <a:gs pos="0">
-              <a:schemeClr val="accent1">
-                <a:tint val="60000"/>
-                <a:hueOff val="0"/>
-                <a:satOff val="0"/>
-                <a:lumOff val="0"/>
-                <a:alphaOff val="0"/>
-                <a:tint val="98000"/>
-                <a:satMod val="110000"/>
-                <a:lumMod val="104000"/>
-              </a:schemeClr>
-            </a:gs>
-            <a:gs pos="69000">
-              <a:schemeClr val="accent1">
-                <a:tint val="60000"/>
-                <a:hueOff val="0"/>
-                <a:satOff val="0"/>
-                <a:lumOff val="0"/>
-                <a:alphaOff val="0"/>
-                <a:shade val="88000"/>
-                <a:satMod val="130000"/>
-                <a:lumMod val="92000"/>
-              </a:schemeClr>
-            </a:gs>
-            <a:gs pos="100000">
-              <a:schemeClr val="accent1">
-                <a:tint val="60000"/>
-                <a:hueOff val="0"/>
-                <a:satOff val="0"/>
-                <a:lumOff val="0"/>
-                <a:alphaOff val="0"/>
-                <a:shade val="78000"/>
-                <a:satMod val="130000"/>
-                <a:lumMod val="92000"/>
-              </a:schemeClr>
-            </a:gs>
-          </a:gsLst>
-          <a:lin ang="5400000" scaled="0"/>
-        </a:gradFill>
+        <a:solidFill>
+          <a:schemeClr val="accent6">
+            <a:tint val="60000"/>
+            <a:hueOff val="0"/>
+            <a:satOff val="0"/>
+            <a:lumOff val="0"/>
+            <a:alphaOff val="0"/>
+          </a:schemeClr>
+        </a:solidFill>
         <a:ln>
           <a:noFill/>
         </a:ln>
         <a:effectLst/>
+        <a:scene3d>
+          <a:camera prst="orthographicFront"/>
+          <a:lightRig rig="chilly" dir="t"/>
+        </a:scene3d>
+        <a:sp3d z="-70000" extrusionH="1700" prstMaterial="translucentPowder">
+          <a:bevelT w="25400" h="6350" prst="softRound"/>
+          <a:bevelB w="0" h="0" prst="convex"/>
+        </a:sp3d>
       </dsp:spPr>
       <dsp:style>
         <a:lnRef idx="0">
           <a:scrgbClr r="0" g="0" b="0"/>
         </a:lnRef>
-        <a:fillRef idx="3">
+        <a:fillRef idx="1">
           <a:scrgbClr r="0" g="0" b="0"/>
         </a:fillRef>
-        <a:effectRef idx="2">
+        <a:effectRef idx="0">
           <a:scrgbClr r="0" g="0" b="0"/>
         </a:effectRef>
         <a:fontRef idx="minor">
@@ -1563,8 +1464,8 @@
       </dsp:nvSpPr>
       <dsp:spPr>
         <a:xfrm>
-          <a:off x="102" y="1905167"/>
-          <a:ext cx="2339134" cy="584783"/>
+          <a:off x="168241" y="2665676"/>
+          <a:ext cx="2910206" cy="727551"/>
         </a:xfrm>
         <a:prstGeom prst="roundRect">
           <a:avLst>
@@ -1572,7 +1473,7 @@
           </a:avLst>
         </a:prstGeom>
         <a:solidFill>
-          <a:schemeClr val="lt1">
+          <a:schemeClr val="accent6">
             <a:alpha val="90000"/>
             <a:tint val="40000"/>
             <a:hueOff val="0"/>
@@ -1583,8 +1484,9 @@
         </a:solidFill>
         <a:ln w="9525" cap="flat" cmpd="sng" algn="ctr">
           <a:solidFill>
-            <a:schemeClr val="accent1">
+            <a:schemeClr val="accent6">
               <a:alpha val="90000"/>
+              <a:tint val="40000"/>
               <a:hueOff val="0"/>
               <a:satOff val="0"/>
               <a:lumOff val="0"/>
@@ -1594,6 +1496,14 @@
           <a:prstDash val="solid"/>
         </a:ln>
         <a:effectLst/>
+        <a:scene3d>
+          <a:camera prst="orthographicFront"/>
+          <a:lightRig rig="chilly" dir="t"/>
+        </a:scene3d>
+        <a:sp3d extrusionH="1700" prstMaterial="dkEdge">
+          <a:bevelT w="25400" h="6350" prst="softRound"/>
+          <a:bevelB w="0" h="0" prst="convex"/>
+        </a:sp3d>
       </dsp:spPr>
       <dsp:style>
         <a:lnRef idx="1">
@@ -1632,8 +1542,8 @@
         </a:p>
       </dsp:txBody>
       <dsp:txXfrm>
-        <a:off x="17230" y="1922295"/>
-        <a:ext cx="2304878" cy="550527"/>
+        <a:off x="189550" y="2686985"/>
+        <a:ext cx="2867588" cy="684933"/>
       </dsp:txXfrm>
     </dsp:sp>
     <dsp:sp modelId="{7CAEA63C-96B5-40D4-900F-409598FDB0C1}">
@@ -1642,9 +1552,9 @@
         <dsp:cNvSpPr/>
       </dsp:nvSpPr>
       <dsp:spPr>
-        <a:xfrm rot="5400000">
-          <a:off x="1118501" y="2541119"/>
-          <a:ext cx="102337" cy="102337"/>
+        <a:xfrm rot="5401799">
+          <a:off x="1522254" y="3494041"/>
+          <a:ext cx="201626" cy="127321"/>
         </a:xfrm>
         <a:prstGeom prst="rightArrow">
           <a:avLst>
@@ -1652,60 +1562,36 @@
             <a:gd name="adj2" fmla="val 50000"/>
           </a:avLst>
         </a:prstGeom>
-        <a:gradFill rotWithShape="0">
-          <a:gsLst>
-            <a:gs pos="0">
-              <a:schemeClr val="accent1">
-                <a:tint val="60000"/>
-                <a:hueOff val="0"/>
-                <a:satOff val="0"/>
-                <a:lumOff val="0"/>
-                <a:alphaOff val="0"/>
-                <a:tint val="98000"/>
-                <a:satMod val="110000"/>
-                <a:lumMod val="104000"/>
-              </a:schemeClr>
-            </a:gs>
-            <a:gs pos="69000">
-              <a:schemeClr val="accent1">
-                <a:tint val="60000"/>
-                <a:hueOff val="0"/>
-                <a:satOff val="0"/>
-                <a:lumOff val="0"/>
-                <a:alphaOff val="0"/>
-                <a:shade val="88000"/>
-                <a:satMod val="130000"/>
-                <a:lumMod val="92000"/>
-              </a:schemeClr>
-            </a:gs>
-            <a:gs pos="100000">
-              <a:schemeClr val="accent1">
-                <a:tint val="60000"/>
-                <a:hueOff val="0"/>
-                <a:satOff val="0"/>
-                <a:lumOff val="0"/>
-                <a:alphaOff val="0"/>
-                <a:shade val="78000"/>
-                <a:satMod val="130000"/>
-                <a:lumMod val="92000"/>
-              </a:schemeClr>
-            </a:gs>
-          </a:gsLst>
-          <a:lin ang="5400000" scaled="0"/>
-        </a:gradFill>
+        <a:solidFill>
+          <a:schemeClr val="accent6">
+            <a:tint val="60000"/>
+            <a:hueOff val="0"/>
+            <a:satOff val="0"/>
+            <a:lumOff val="0"/>
+            <a:alphaOff val="0"/>
+          </a:schemeClr>
+        </a:solidFill>
         <a:ln>
           <a:noFill/>
         </a:ln>
         <a:effectLst/>
+        <a:scene3d>
+          <a:camera prst="orthographicFront"/>
+          <a:lightRig rig="chilly" dir="t"/>
+        </a:scene3d>
+        <a:sp3d z="-70000" extrusionH="1700" prstMaterial="translucentPowder">
+          <a:bevelT w="25400" h="6350" prst="softRound"/>
+          <a:bevelB w="0" h="0" prst="convex"/>
+        </a:sp3d>
       </dsp:spPr>
       <dsp:style>
         <a:lnRef idx="0">
           <a:scrgbClr r="0" g="0" b="0"/>
         </a:lnRef>
-        <a:fillRef idx="3">
+        <a:fillRef idx="1">
           <a:scrgbClr r="0" g="0" b="0"/>
         </a:fillRef>
-        <a:effectRef idx="2">
+        <a:effectRef idx="0">
           <a:scrgbClr r="0" g="0" b="0"/>
         </a:effectRef>
         <a:fontRef idx="minor">
@@ -1720,8 +1606,8 @@
       </dsp:nvSpPr>
       <dsp:spPr>
         <a:xfrm>
-          <a:off x="102" y="2694625"/>
-          <a:ext cx="2339134" cy="584783"/>
+          <a:off x="167688" y="3722176"/>
+          <a:ext cx="2910206" cy="727551"/>
         </a:xfrm>
         <a:prstGeom prst="roundRect">
           <a:avLst>
@@ -1729,7 +1615,7 @@
           </a:avLst>
         </a:prstGeom>
         <a:solidFill>
-          <a:schemeClr val="lt1">
+          <a:schemeClr val="accent6">
             <a:alpha val="90000"/>
             <a:tint val="40000"/>
             <a:hueOff val="0"/>
@@ -1740,8 +1626,9 @@
         </a:solidFill>
         <a:ln w="9525" cap="flat" cmpd="sng" algn="ctr">
           <a:solidFill>
-            <a:schemeClr val="accent1">
+            <a:schemeClr val="accent6">
               <a:alpha val="90000"/>
+              <a:tint val="40000"/>
               <a:hueOff val="0"/>
               <a:satOff val="0"/>
               <a:lumOff val="0"/>
@@ -1751,6 +1638,14 @@
           <a:prstDash val="solid"/>
         </a:ln>
         <a:effectLst/>
+        <a:scene3d>
+          <a:camera prst="orthographicFront"/>
+          <a:lightRig rig="chilly" dir="t"/>
+        </a:scene3d>
+        <a:sp3d extrusionH="1700" prstMaterial="dkEdge">
+          <a:bevelT w="25400" h="6350" prst="softRound"/>
+          <a:bevelB w="0" h="0" prst="convex"/>
+        </a:sp3d>
       </dsp:spPr>
       <dsp:style>
         <a:lnRef idx="1">
@@ -1789,8 +1684,8 @@
         </a:p>
       </dsp:txBody>
       <dsp:txXfrm>
-        <a:off x="17230" y="2711753"/>
-        <a:ext cx="2304878" cy="550527"/>
+        <a:off x="188997" y="3743485"/>
+        <a:ext cx="2867588" cy="684933"/>
       </dsp:txXfrm>
     </dsp:sp>
     <dsp:sp modelId="{A65C4264-24F4-4122-844B-F5E582EC0111}">
@@ -1800,8 +1695,8 @@
       </dsp:nvSpPr>
       <dsp:spPr>
         <a:xfrm rot="5400000">
-          <a:off x="1118501" y="3330577"/>
-          <a:ext cx="102337" cy="102337"/>
+          <a:off x="1510166" y="4562352"/>
+          <a:ext cx="225249" cy="127321"/>
         </a:xfrm>
         <a:prstGeom prst="rightArrow">
           <a:avLst>
@@ -1809,60 +1704,36 @@
             <a:gd name="adj2" fmla="val 50000"/>
           </a:avLst>
         </a:prstGeom>
-        <a:gradFill rotWithShape="0">
-          <a:gsLst>
-            <a:gs pos="0">
-              <a:schemeClr val="accent1">
-                <a:tint val="60000"/>
-                <a:hueOff val="0"/>
-                <a:satOff val="0"/>
-                <a:lumOff val="0"/>
-                <a:alphaOff val="0"/>
-                <a:tint val="98000"/>
-                <a:satMod val="110000"/>
-                <a:lumMod val="104000"/>
-              </a:schemeClr>
-            </a:gs>
-            <a:gs pos="69000">
-              <a:schemeClr val="accent1">
-                <a:tint val="60000"/>
-                <a:hueOff val="0"/>
-                <a:satOff val="0"/>
-                <a:lumOff val="0"/>
-                <a:alphaOff val="0"/>
-                <a:shade val="88000"/>
-                <a:satMod val="130000"/>
-                <a:lumMod val="92000"/>
-              </a:schemeClr>
-            </a:gs>
-            <a:gs pos="100000">
-              <a:schemeClr val="accent1">
-                <a:tint val="60000"/>
-                <a:hueOff val="0"/>
-                <a:satOff val="0"/>
-                <a:lumOff val="0"/>
-                <a:alphaOff val="0"/>
-                <a:shade val="78000"/>
-                <a:satMod val="130000"/>
-                <a:lumMod val="92000"/>
-              </a:schemeClr>
-            </a:gs>
-          </a:gsLst>
-          <a:lin ang="5400000" scaled="0"/>
-        </a:gradFill>
+        <a:solidFill>
+          <a:schemeClr val="accent6">
+            <a:tint val="60000"/>
+            <a:hueOff val="0"/>
+            <a:satOff val="0"/>
+            <a:lumOff val="0"/>
+            <a:alphaOff val="0"/>
+          </a:schemeClr>
+        </a:solidFill>
         <a:ln>
           <a:noFill/>
         </a:ln>
         <a:effectLst/>
+        <a:scene3d>
+          <a:camera prst="orthographicFront"/>
+          <a:lightRig rig="chilly" dir="t"/>
+        </a:scene3d>
+        <a:sp3d z="-70000" extrusionH="1700" prstMaterial="translucentPowder">
+          <a:bevelT w="25400" h="6350" prst="softRound"/>
+          <a:bevelB w="0" h="0" prst="convex"/>
+        </a:sp3d>
       </dsp:spPr>
       <dsp:style>
         <a:lnRef idx="0">
           <a:scrgbClr r="0" g="0" b="0"/>
         </a:lnRef>
-        <a:fillRef idx="3">
+        <a:fillRef idx="1">
           <a:scrgbClr r="0" g="0" b="0"/>
         </a:fillRef>
-        <a:effectRef idx="2">
+        <a:effectRef idx="0">
           <a:scrgbClr r="0" g="0" b="0"/>
         </a:effectRef>
         <a:fontRef idx="minor">
@@ -1877,8 +1748,8 @@
       </dsp:nvSpPr>
       <dsp:spPr>
         <a:xfrm>
-          <a:off x="102" y="3484083"/>
-          <a:ext cx="2339134" cy="584783"/>
+          <a:off x="167688" y="4802298"/>
+          <a:ext cx="2910206" cy="727551"/>
         </a:xfrm>
         <a:prstGeom prst="roundRect">
           <a:avLst>
@@ -1886,7 +1757,7 @@
           </a:avLst>
         </a:prstGeom>
         <a:solidFill>
-          <a:schemeClr val="lt1">
+          <a:schemeClr val="accent6">
             <a:alpha val="90000"/>
             <a:tint val="40000"/>
             <a:hueOff val="0"/>
@@ -1897,8 +1768,9 @@
         </a:solidFill>
         <a:ln w="9525" cap="flat" cmpd="sng" algn="ctr">
           <a:solidFill>
-            <a:schemeClr val="accent1">
+            <a:schemeClr val="accent6">
               <a:alpha val="90000"/>
+              <a:tint val="40000"/>
               <a:hueOff val="0"/>
               <a:satOff val="0"/>
               <a:lumOff val="0"/>
@@ -1908,6 +1780,14 @@
           <a:prstDash val="solid"/>
         </a:ln>
         <a:effectLst/>
+        <a:scene3d>
+          <a:camera prst="orthographicFront"/>
+          <a:lightRig rig="chilly" dir="t"/>
+        </a:scene3d>
+        <a:sp3d extrusionH="1700" prstMaterial="dkEdge">
+          <a:bevelT w="25400" h="6350" prst="softRound"/>
+          <a:bevelB w="0" h="0" prst="convex"/>
+        </a:sp3d>
       </dsp:spPr>
       <dsp:style>
         <a:lnRef idx="1">
@@ -1946,8 +1826,8 @@
         </a:p>
       </dsp:txBody>
       <dsp:txXfrm>
-        <a:off x="17230" y="3501211"/>
-        <a:ext cx="2304878" cy="550527"/>
+        <a:off x="188997" y="4823607"/>
+        <a:ext cx="2867588" cy="684933"/>
       </dsp:txXfrm>
     </dsp:sp>
     <dsp:sp modelId="{2484C087-57FA-470A-97ED-9C2C39F4E7F6}">
@@ -1957,65 +1837,37 @@
       </dsp:nvSpPr>
       <dsp:spPr>
         <a:xfrm>
-          <a:off x="2666818" y="1898254"/>
-          <a:ext cx="6477181" cy="492855"/>
+          <a:off x="3552068" y="2664796"/>
+          <a:ext cx="8058506" cy="757199"/>
         </a:xfrm>
         <a:prstGeom prst="roundRect">
           <a:avLst>
             <a:gd name="adj" fmla="val 10000"/>
           </a:avLst>
         </a:prstGeom>
-        <a:gradFill rotWithShape="0">
-          <a:gsLst>
-            <a:gs pos="0">
-              <a:schemeClr val="lt1">
-                <a:hueOff val="0"/>
-                <a:satOff val="0"/>
-                <a:lumOff val="0"/>
-                <a:alphaOff val="0"/>
-                <a:tint val="98000"/>
-                <a:satMod val="110000"/>
-                <a:lumMod val="104000"/>
-              </a:schemeClr>
-            </a:gs>
-            <a:gs pos="69000">
-              <a:schemeClr val="lt1">
-                <a:hueOff val="0"/>
-                <a:satOff val="0"/>
-                <a:lumOff val="0"/>
-                <a:alphaOff val="0"/>
-                <a:shade val="88000"/>
-                <a:satMod val="130000"/>
-                <a:lumMod val="92000"/>
-              </a:schemeClr>
-            </a:gs>
-            <a:gs pos="100000">
-              <a:schemeClr val="lt1">
-                <a:hueOff val="0"/>
-                <a:satOff val="0"/>
-                <a:lumOff val="0"/>
-                <a:alphaOff val="0"/>
-                <a:shade val="78000"/>
-                <a:satMod val="130000"/>
-                <a:lumMod val="92000"/>
-              </a:schemeClr>
-            </a:gs>
-          </a:gsLst>
-          <a:lin ang="5400000" scaled="0"/>
-        </a:gradFill>
+        <a:solidFill>
+          <a:srgbClr val="BED5EB"/>
+        </a:solidFill>
         <a:ln>
           <a:noFill/>
         </a:ln>
         <a:effectLst/>
+        <a:scene3d>
+          <a:camera prst="orthographicFront"/>
+          <a:lightRig rig="chilly" dir="t"/>
+        </a:scene3d>
+        <a:sp3d prstMaterial="translucentPowder">
+          <a:bevelT w="127000" h="25400" prst="softRound"/>
+        </a:sp3d>
       </dsp:spPr>
       <dsp:style>
         <a:lnRef idx="0">
           <a:scrgbClr r="0" g="0" b="0"/>
         </a:lnRef>
-        <a:fillRef idx="3">
+        <a:fillRef idx="1">
           <a:scrgbClr r="0" g="0" b="0"/>
         </a:fillRef>
-        <a:effectRef idx="2">
+        <a:effectRef idx="0">
           <a:scrgbClr r="0" g="0" b="0"/>
         </a:effectRef>
         <a:fontRef idx="minor">
@@ -2056,7 +1908,11 @@
             <a:buNone/>
           </a:pPr>
           <a:r>
-            <a:rPr lang="en-US" sz="2400" b="0" i="0" kern="1200" dirty="0"/>
+            <a:rPr lang="en-US" sz="2400" b="0" i="0" kern="1200" dirty="0">
+              <a:solidFill>
+                <a:schemeClr val="bg1"/>
+              </a:solidFill>
+            </a:rPr>
             <a:t>Initialized empty Git repository in .git/</a:t>
           </a:r>
         </a:p>
@@ -2077,8 +1933,8 @@
         </a:p>
       </dsp:txBody>
       <dsp:txXfrm>
-        <a:off x="2681253" y="1912689"/>
-        <a:ext cx="6448311" cy="463985"/>
+        <a:off x="3574246" y="2686974"/>
+        <a:ext cx="8014150" cy="712843"/>
       </dsp:txXfrm>
     </dsp:sp>
     <dsp:sp modelId="{904CF97B-AC17-4464-9F22-7EC6FCB39A48}">
@@ -2087,9 +1943,9 @@
         <dsp:cNvSpPr/>
       </dsp:nvSpPr>
       <dsp:spPr>
-        <a:xfrm rot="5311267">
-          <a:off x="5852826" y="2464206"/>
-          <a:ext cx="124305" cy="102337"/>
+        <a:xfrm rot="5483374">
+          <a:off x="7493430" y="3508425"/>
+          <a:ext cx="150134" cy="127321"/>
         </a:xfrm>
         <a:prstGeom prst="rightArrow">
           <a:avLst>
@@ -2097,60 +1953,36 @@
             <a:gd name="adj2" fmla="val 50000"/>
           </a:avLst>
         </a:prstGeom>
-        <a:gradFill rotWithShape="0">
-          <a:gsLst>
-            <a:gs pos="0">
-              <a:schemeClr val="accent1">
-                <a:tint val="60000"/>
-                <a:hueOff val="0"/>
-                <a:satOff val="0"/>
-                <a:lumOff val="0"/>
-                <a:alphaOff val="0"/>
-                <a:tint val="98000"/>
-                <a:satMod val="110000"/>
-                <a:lumMod val="104000"/>
-              </a:schemeClr>
-            </a:gs>
-            <a:gs pos="69000">
-              <a:schemeClr val="accent1">
-                <a:tint val="60000"/>
-                <a:hueOff val="0"/>
-                <a:satOff val="0"/>
-                <a:lumOff val="0"/>
-                <a:alphaOff val="0"/>
-                <a:shade val="88000"/>
-                <a:satMod val="130000"/>
-                <a:lumMod val="92000"/>
-              </a:schemeClr>
-            </a:gs>
-            <a:gs pos="100000">
-              <a:schemeClr val="accent1">
-                <a:tint val="60000"/>
-                <a:hueOff val="0"/>
-                <a:satOff val="0"/>
-                <a:lumOff val="0"/>
-                <a:alphaOff val="0"/>
-                <a:shade val="78000"/>
-                <a:satMod val="130000"/>
-                <a:lumMod val="92000"/>
-              </a:schemeClr>
-            </a:gs>
-          </a:gsLst>
-          <a:lin ang="5400000" scaled="0"/>
-        </a:gradFill>
+        <a:solidFill>
+          <a:schemeClr val="accent6">
+            <a:tint val="60000"/>
+            <a:hueOff val="0"/>
+            <a:satOff val="0"/>
+            <a:lumOff val="0"/>
+            <a:alphaOff val="0"/>
+          </a:schemeClr>
+        </a:solidFill>
         <a:ln>
           <a:noFill/>
         </a:ln>
         <a:effectLst/>
+        <a:scene3d>
+          <a:camera prst="orthographicFront"/>
+          <a:lightRig rig="chilly" dir="t"/>
+        </a:scene3d>
+        <a:sp3d z="-70000" extrusionH="1700" prstMaterial="translucentPowder">
+          <a:bevelT w="25400" h="6350" prst="softRound"/>
+          <a:bevelB w="0" h="0" prst="convex"/>
+        </a:sp3d>
       </dsp:spPr>
       <dsp:style>
         <a:lnRef idx="0">
           <a:scrgbClr r="0" g="0" b="0"/>
         </a:lnRef>
-        <a:fillRef idx="3">
+        <a:fillRef idx="1">
           <a:scrgbClr r="0" g="0" b="0"/>
         </a:fillRef>
-        <a:effectRef idx="2">
+        <a:effectRef idx="0">
           <a:scrgbClr r="0" g="0" b="0"/>
         </a:effectRef>
         <a:fontRef idx="minor">
@@ -2165,8 +1997,8 @@
       </dsp:nvSpPr>
       <dsp:spPr>
         <a:xfrm>
-          <a:off x="2707472" y="2639638"/>
-          <a:ext cx="6436527" cy="584783"/>
+          <a:off x="3552068" y="3722176"/>
+          <a:ext cx="8007926" cy="727551"/>
         </a:xfrm>
         <a:prstGeom prst="roundRect">
           <a:avLst>
@@ -2174,7 +2006,7 @@
           </a:avLst>
         </a:prstGeom>
         <a:solidFill>
-          <a:schemeClr val="lt1">
+          <a:schemeClr val="accent6">
             <a:alpha val="90000"/>
             <a:tint val="40000"/>
             <a:hueOff val="0"/>
@@ -2185,8 +2017,9 @@
         </a:solidFill>
         <a:ln w="9525" cap="flat" cmpd="sng" algn="ctr">
           <a:solidFill>
-            <a:schemeClr val="accent1">
+            <a:schemeClr val="accent6">
               <a:alpha val="90000"/>
+              <a:tint val="40000"/>
               <a:hueOff val="0"/>
               <a:satOff val="0"/>
               <a:lumOff val="0"/>
@@ -2196,6 +2029,14 @@
           <a:prstDash val="solid"/>
         </a:ln>
         <a:effectLst/>
+        <a:scene3d>
+          <a:camera prst="orthographicFront"/>
+          <a:lightRig rig="chilly" dir="t"/>
+        </a:scene3d>
+        <a:sp3d extrusionH="1700" prstMaterial="dkEdge">
+          <a:bevelT w="25400" h="6350" prst="softRound"/>
+          <a:bevelB w="0" h="0" prst="convex"/>
+        </a:sp3d>
       </dsp:spPr>
       <dsp:style>
         <a:lnRef idx="1">
@@ -2234,8 +2075,8 @@
         </a:p>
       </dsp:txBody>
       <dsp:txXfrm>
-        <a:off x="2724600" y="2656766"/>
-        <a:ext cx="6402271" cy="550527"/>
+        <a:off x="3573377" y="3743485"/>
+        <a:ext cx="7965308" cy="684933"/>
       </dsp:txXfrm>
     </dsp:sp>
     <dsp:sp modelId="{E7F7C4A8-2F3A-49BA-B2E4-CF48FCA5D8D8}">
@@ -2244,9 +2085,9 @@
         <dsp:cNvSpPr/>
       </dsp:nvSpPr>
       <dsp:spPr>
-        <a:xfrm rot="5439479">
-          <a:off x="5895372" y="3250535"/>
-          <a:ext cx="52236" cy="102337"/>
+        <a:xfrm rot="5366378">
+          <a:off x="7448681" y="4562352"/>
+          <a:ext cx="225266" cy="127321"/>
         </a:xfrm>
         <a:prstGeom prst="rightArrow">
           <a:avLst>
@@ -2254,60 +2095,36 @@
             <a:gd name="adj2" fmla="val 50000"/>
           </a:avLst>
         </a:prstGeom>
-        <a:gradFill rotWithShape="0">
-          <a:gsLst>
-            <a:gs pos="0">
-              <a:schemeClr val="accent1">
-                <a:tint val="60000"/>
-                <a:hueOff val="0"/>
-                <a:satOff val="0"/>
-                <a:lumOff val="0"/>
-                <a:alphaOff val="0"/>
-                <a:tint val="98000"/>
-                <a:satMod val="110000"/>
-                <a:lumMod val="104000"/>
-              </a:schemeClr>
-            </a:gs>
-            <a:gs pos="69000">
-              <a:schemeClr val="accent1">
-                <a:tint val="60000"/>
-                <a:hueOff val="0"/>
-                <a:satOff val="0"/>
-                <a:lumOff val="0"/>
-                <a:alphaOff val="0"/>
-                <a:shade val="88000"/>
-                <a:satMod val="130000"/>
-                <a:lumMod val="92000"/>
-              </a:schemeClr>
-            </a:gs>
-            <a:gs pos="100000">
-              <a:schemeClr val="accent1">
-                <a:tint val="60000"/>
-                <a:hueOff val="0"/>
-                <a:satOff val="0"/>
-                <a:lumOff val="0"/>
-                <a:alphaOff val="0"/>
-                <a:shade val="78000"/>
-                <a:satMod val="130000"/>
-                <a:lumMod val="92000"/>
-              </a:schemeClr>
-            </a:gs>
-          </a:gsLst>
-          <a:lin ang="5400000" scaled="0"/>
-        </a:gradFill>
+        <a:solidFill>
+          <a:schemeClr val="accent6">
+            <a:tint val="60000"/>
+            <a:hueOff val="0"/>
+            <a:satOff val="0"/>
+            <a:lumOff val="0"/>
+            <a:alphaOff val="0"/>
+          </a:schemeClr>
+        </a:solidFill>
         <a:ln>
           <a:noFill/>
         </a:ln>
         <a:effectLst/>
+        <a:scene3d>
+          <a:camera prst="orthographicFront"/>
+          <a:lightRig rig="chilly" dir="t"/>
+        </a:scene3d>
+        <a:sp3d z="-70000" extrusionH="1700" prstMaterial="translucentPowder">
+          <a:bevelT w="25400" h="6350" prst="softRound"/>
+          <a:bevelB w="0" h="0" prst="convex"/>
+        </a:sp3d>
       </dsp:spPr>
       <dsp:style>
         <a:lnRef idx="0">
           <a:scrgbClr r="0" g="0" b="0"/>
         </a:lnRef>
-        <a:fillRef idx="3">
+        <a:fillRef idx="1">
           <a:scrgbClr r="0" g="0" b="0"/>
         </a:fillRef>
-        <a:effectRef idx="2">
+        <a:effectRef idx="0">
           <a:scrgbClr r="0" g="0" b="0"/>
         </a:effectRef>
         <a:fontRef idx="minor">
@@ -2322,8 +2139,8 @@
       </dsp:nvSpPr>
       <dsp:spPr>
         <a:xfrm>
-          <a:off x="2690490" y="3378985"/>
-          <a:ext cx="6453509" cy="584783"/>
+          <a:off x="3552068" y="4802299"/>
+          <a:ext cx="8029055" cy="727551"/>
         </a:xfrm>
         <a:prstGeom prst="roundRect">
           <a:avLst>
@@ -2331,7 +2148,7 @@
           </a:avLst>
         </a:prstGeom>
         <a:solidFill>
-          <a:schemeClr val="lt1">
+          <a:schemeClr val="accent6">
             <a:alpha val="90000"/>
             <a:tint val="40000"/>
             <a:hueOff val="0"/>
@@ -2342,8 +2159,9 @@
         </a:solidFill>
         <a:ln w="9525" cap="flat" cmpd="sng" algn="ctr">
           <a:solidFill>
-            <a:schemeClr val="accent1">
+            <a:schemeClr val="accent6">
               <a:alpha val="90000"/>
+              <a:tint val="40000"/>
               <a:hueOff val="0"/>
               <a:satOff val="0"/>
               <a:lumOff val="0"/>
@@ -2353,6 +2171,14 @@
           <a:prstDash val="solid"/>
         </a:ln>
         <a:effectLst/>
+        <a:scene3d>
+          <a:camera prst="orthographicFront"/>
+          <a:lightRig rig="chilly" dir="t"/>
+        </a:scene3d>
+        <a:sp3d extrusionH="1700" prstMaterial="dkEdge">
+          <a:bevelT w="25400" h="6350" prst="softRound"/>
+          <a:bevelB w="0" h="0" prst="convex"/>
+        </a:sp3d>
       </dsp:spPr>
       <dsp:style>
         <a:lnRef idx="1">
@@ -2392,8 +2218,8 @@
         </a:p>
       </dsp:txBody>
       <dsp:txXfrm>
-        <a:off x="2707618" y="3396113"/>
-        <a:ext cx="6419253" cy="550527"/>
+        <a:off x="3573377" y="4823608"/>
+        <a:ext cx="7986437" cy="684933"/>
       </dsp:txXfrm>
     </dsp:sp>
   </dsp:spTree>
@@ -2663,11 +2489,11 @@
 </file>
 
 <file path=ppt/diagrams/quickStyle1.xml><?xml version="1.0" encoding="utf-8"?>
-<dgm:styleDef xmlns:dgm="http://schemas.openxmlformats.org/drawingml/2006/diagram" xmlns:a="http://schemas.openxmlformats.org/drawingml/2006/main" uniqueId="urn:microsoft.com/office/officeart/2005/8/quickstyle/simple4">
+<dgm:styleDef xmlns:dgm="http://schemas.openxmlformats.org/drawingml/2006/diagram" xmlns:a="http://schemas.openxmlformats.org/drawingml/2006/main" uniqueId="urn:microsoft.com/office/officeart/2005/8/quickstyle/3d4">
   <dgm:title val=""/>
   <dgm:desc val=""/>
   <dgm:catLst>
-    <dgm:cat type="simple" pri="10400"/>
+    <dgm:cat type="3D" pri="11400"/>
   </dgm:catLst>
   <dgm:scene3d>
     <a:camera prst="orthographicFront"/>
@@ -2676,18 +2502,20 @@
   <dgm:styleLbl name="node0">
     <dgm:scene3d>
       <a:camera prst="orthographicFront"/>
-      <a:lightRig rig="threePt" dir="t"/>
+      <a:lightRig rig="chilly" dir="t"/>
     </dgm:scene3d>
-    <dgm:sp3d/>
+    <dgm:sp3d prstMaterial="translucentPowder">
+      <a:bevelT w="127000" h="25400" prst="softRound"/>
+    </dgm:sp3d>
     <dgm:txPr/>
     <dgm:style>
       <a:lnRef idx="0">
         <a:scrgbClr r="0" g="0" b="0"/>
       </a:lnRef>
-      <a:fillRef idx="3">
+      <a:fillRef idx="1">
         <a:scrgbClr r="0" g="0" b="0"/>
       </a:fillRef>
-      <a:effectRef idx="2">
+      <a:effectRef idx="0">
         <a:scrgbClr r="0" g="0" b="0"/>
       </a:effectRef>
       <a:fontRef idx="minor">
@@ -2698,18 +2526,20 @@
   <dgm:styleLbl name="lnNode1">
     <dgm:scene3d>
       <a:camera prst="orthographicFront"/>
-      <a:lightRig rig="threePt" dir="t"/>
+      <a:lightRig rig="chilly" dir="t"/>
     </dgm:scene3d>
-    <dgm:sp3d/>
+    <dgm:sp3d prstMaterial="translucentPowder">
+      <a:bevelT w="127000" h="25400" prst="softRound"/>
+    </dgm:sp3d>
     <dgm:txPr/>
     <dgm:style>
-      <a:lnRef idx="1">
+      <a:lnRef idx="0">
         <a:scrgbClr r="0" g="0" b="0"/>
       </a:lnRef>
-      <a:fillRef idx="3">
+      <a:fillRef idx="1">
         <a:scrgbClr r="0" g="0" b="0"/>
       </a:fillRef>
-      <a:effectRef idx="2">
+      <a:effectRef idx="0">
         <a:scrgbClr r="0" g="0" b="0"/>
       </a:effectRef>
       <a:fontRef idx="minor">
@@ -2720,15 +2550,17 @@
   <dgm:styleLbl name="vennNode1">
     <dgm:scene3d>
       <a:camera prst="orthographicFront"/>
-      <a:lightRig rig="threePt" dir="t"/>
+      <a:lightRig rig="chilly" dir="t"/>
     </dgm:scene3d>
-    <dgm:sp3d/>
+    <dgm:sp3d prstMaterial="translucentPowder">
+      <a:bevelT w="127000" h="25400" prst="softRound"/>
+    </dgm:sp3d>
     <dgm:txPr/>
     <dgm:style>
       <a:lnRef idx="0">
         <a:scrgbClr r="0" g="0" b="0"/>
       </a:lnRef>
-      <a:fillRef idx="3">
+      <a:fillRef idx="1">
         <a:scrgbClr r="0" g="0" b="0"/>
       </a:fillRef>
       <a:effectRef idx="0">
@@ -2742,18 +2574,20 @@
   <dgm:styleLbl name="alignNode1">
     <dgm:scene3d>
       <a:camera prst="orthographicFront"/>
-      <a:lightRig rig="threePt" dir="t"/>
+      <a:lightRig rig="chilly" dir="t"/>
     </dgm:scene3d>
-    <dgm:sp3d/>
+    <dgm:sp3d prstMaterial="translucentPowder">
+      <a:bevelT w="127000" h="25400" prst="softRound"/>
+    </dgm:sp3d>
     <dgm:txPr/>
     <dgm:style>
       <a:lnRef idx="1">
         <a:scrgbClr r="0" g="0" b="0"/>
       </a:lnRef>
-      <a:fillRef idx="3">
+      <a:fillRef idx="1">
         <a:scrgbClr r="0" g="0" b="0"/>
       </a:fillRef>
-      <a:effectRef idx="2">
+      <a:effectRef idx="0">
         <a:scrgbClr r="0" g="0" b="0"/>
       </a:effectRef>
       <a:fontRef idx="minor">
@@ -2764,18 +2598,20 @@
   <dgm:styleLbl name="node1">
     <dgm:scene3d>
       <a:camera prst="orthographicFront"/>
-      <a:lightRig rig="threePt" dir="t"/>
+      <a:lightRig rig="chilly" dir="t"/>
     </dgm:scene3d>
-    <dgm:sp3d/>
+    <dgm:sp3d prstMaterial="translucentPowder">
+      <a:bevelT w="127000" h="25400" prst="softRound"/>
+    </dgm:sp3d>
     <dgm:txPr/>
     <dgm:style>
       <a:lnRef idx="0">
         <a:scrgbClr r="0" g="0" b="0"/>
       </a:lnRef>
-      <a:fillRef idx="3">
+      <a:fillRef idx="1">
         <a:scrgbClr r="0" g="0" b="0"/>
       </a:fillRef>
-      <a:effectRef idx="2">
+      <a:effectRef idx="0">
         <a:scrgbClr r="0" g="0" b="0"/>
       </a:effectRef>
       <a:fontRef idx="minor">
@@ -2786,18 +2622,20 @@
   <dgm:styleLbl name="node2">
     <dgm:scene3d>
       <a:camera prst="orthographicFront"/>
-      <a:lightRig rig="threePt" dir="t"/>
+      <a:lightRig rig="chilly" dir="t"/>
     </dgm:scene3d>
-    <dgm:sp3d/>
+    <dgm:sp3d prstMaterial="translucentPowder">
+      <a:bevelT w="127000" h="25400" prst="softRound"/>
+    </dgm:sp3d>
     <dgm:txPr/>
     <dgm:style>
       <a:lnRef idx="0">
         <a:scrgbClr r="0" g="0" b="0"/>
       </a:lnRef>
-      <a:fillRef idx="3">
+      <a:fillRef idx="1">
         <a:scrgbClr r="0" g="0" b="0"/>
       </a:fillRef>
-      <a:effectRef idx="2">
+      <a:effectRef idx="0">
         <a:scrgbClr r="0" g="0" b="0"/>
       </a:effectRef>
       <a:fontRef idx="minor">
@@ -2808,18 +2646,20 @@
   <dgm:styleLbl name="node3">
     <dgm:scene3d>
       <a:camera prst="orthographicFront"/>
-      <a:lightRig rig="threePt" dir="t"/>
+      <a:lightRig rig="chilly" dir="t"/>
     </dgm:scene3d>
-    <dgm:sp3d/>
+    <dgm:sp3d prstMaterial="translucentPowder">
+      <a:bevelT w="127000" h="25400" prst="softRound"/>
+    </dgm:sp3d>
     <dgm:txPr/>
     <dgm:style>
       <a:lnRef idx="0">
         <a:scrgbClr r="0" g="0" b="0"/>
       </a:lnRef>
-      <a:fillRef idx="3">
+      <a:fillRef idx="1">
         <a:scrgbClr r="0" g="0" b="0"/>
       </a:fillRef>
-      <a:effectRef idx="2">
+      <a:effectRef idx="0">
         <a:scrgbClr r="0" g="0" b="0"/>
       </a:effectRef>
       <a:fontRef idx="minor">
@@ -2830,18 +2670,20 @@
   <dgm:styleLbl name="node4">
     <dgm:scene3d>
       <a:camera prst="orthographicFront"/>
-      <a:lightRig rig="threePt" dir="t"/>
+      <a:lightRig rig="chilly" dir="t"/>
     </dgm:scene3d>
-    <dgm:sp3d/>
+    <dgm:sp3d prstMaterial="translucentPowder">
+      <a:bevelT w="127000" h="25400" prst="softRound"/>
+    </dgm:sp3d>
     <dgm:txPr/>
     <dgm:style>
       <a:lnRef idx="0">
         <a:scrgbClr r="0" g="0" b="0"/>
       </a:lnRef>
-      <a:fillRef idx="3">
+      <a:fillRef idx="1">
         <a:scrgbClr r="0" g="0" b="0"/>
       </a:fillRef>
-      <a:effectRef idx="2">
+      <a:effectRef idx="0">
         <a:scrgbClr r="0" g="0" b="0"/>
       </a:effectRef>
       <a:fontRef idx="minor">
@@ -2852,9 +2694,12 @@
   <dgm:styleLbl name="fgImgPlace1">
     <dgm:scene3d>
       <a:camera prst="orthographicFront"/>
-      <a:lightRig rig="threePt" dir="t"/>
+      <a:lightRig rig="chilly" dir="t"/>
     </dgm:scene3d>
-    <dgm:sp3d/>
+    <dgm:sp3d z="12700" extrusionH="12700" prstMaterial="translucentPowder">
+      <a:bevelT w="25400" h="6350" prst="softRound"/>
+      <a:bevelB w="0" h="0" prst="convex"/>
+    </dgm:sp3d>
     <dgm:txPr/>
     <dgm:style>
       <a:lnRef idx="0">
@@ -2863,7 +2708,7 @@
       <a:fillRef idx="1">
         <a:scrgbClr r="0" g="0" b="0"/>
       </a:fillRef>
-      <a:effectRef idx="2">
+      <a:effectRef idx="0">
         <a:scrgbClr r="0" g="0" b="0"/>
       </a:effectRef>
       <a:fontRef idx="minor"/>
@@ -2872,9 +2717,11 @@
   <dgm:styleLbl name="alignImgPlace1">
     <dgm:scene3d>
       <a:camera prst="orthographicFront"/>
-      <a:lightRig rig="threePt" dir="t"/>
+      <a:lightRig rig="chilly" dir="t"/>
     </dgm:scene3d>
-    <dgm:sp3d/>
+    <dgm:sp3d prstMaterial="translucentPowder">
+      <a:bevelT w="127000" h="25400" prst="softRound"/>
+    </dgm:sp3d>
     <dgm:txPr/>
     <dgm:style>
       <a:lnRef idx="0">
@@ -2883,18 +2730,24 @@
       <a:fillRef idx="1">
         <a:scrgbClr r="0" g="0" b="0"/>
       </a:fillRef>
-      <a:effectRef idx="2">
+      <a:effectRef idx="0">
         <a:scrgbClr r="0" g="0" b="0"/>
       </a:effectRef>
-      <a:fontRef idx="minor"/>
+      <a:fontRef idx="minor">
+        <a:schemeClr val="lt1"/>
+      </a:fontRef>
     </dgm:style>
   </dgm:styleLbl>
   <dgm:styleLbl name="bgImgPlace1">
     <dgm:scene3d>
       <a:camera prst="orthographicFront"/>
-      <a:lightRig rig="threePt" dir="t"/>
+      <a:lightRig rig="chilly" dir="t"/>
     </dgm:scene3d>
-    <dgm:sp3d/>
+    <dgm:sp3d z="-25700" extrusionH="63500" contourW="12700" prstMaterial="matte">
+      <a:contourClr>
+        <a:schemeClr val="lt1"/>
+      </a:contourClr>
+    </dgm:sp3d>
     <dgm:txPr/>
     <dgm:style>
       <a:lnRef idx="0">
@@ -2903,7 +2756,7 @@
       <a:fillRef idx="1">
         <a:scrgbClr r="0" g="0" b="0"/>
       </a:fillRef>
-      <a:effectRef idx="2">
+      <a:effectRef idx="0">
         <a:scrgbClr r="0" g="0" b="0"/>
       </a:effectRef>
       <a:fontRef idx="minor"/>
@@ -2912,18 +2765,21 @@
   <dgm:styleLbl name="sibTrans2D1">
     <dgm:scene3d>
       <a:camera prst="orthographicFront"/>
-      <a:lightRig rig="threePt" dir="t"/>
+      <a:lightRig rig="chilly" dir="t"/>
     </dgm:scene3d>
-    <dgm:sp3d/>
+    <dgm:sp3d z="-70000" extrusionH="1700" prstMaterial="translucentPowder">
+      <a:bevelT w="25400" h="6350" prst="softRound"/>
+      <a:bevelB w="0" h="0" prst="convex"/>
+    </dgm:sp3d>
     <dgm:txPr/>
     <dgm:style>
       <a:lnRef idx="0">
         <a:scrgbClr r="0" g="0" b="0"/>
       </a:lnRef>
-      <a:fillRef idx="3">
+      <a:fillRef idx="1">
         <a:scrgbClr r="0" g="0" b="0"/>
       </a:fillRef>
-      <a:effectRef idx="2">
+      <a:effectRef idx="0">
         <a:scrgbClr r="0" g="0" b="0"/>
       </a:effectRef>
       <a:fontRef idx="minor">
@@ -2934,53 +2790,55 @@
   <dgm:styleLbl name="fgSibTrans2D1">
     <dgm:scene3d>
       <a:camera prst="orthographicFront"/>
-      <a:lightRig rig="threePt" dir="t"/>
+      <a:lightRig rig="chilly" dir="t"/>
     </dgm:scene3d>
-    <dgm:sp3d/>
+    <dgm:sp3d z="12700" extrusionH="1700" prstMaterial="translucentPowder">
+      <a:bevelT w="25400" h="6350" prst="softRound"/>
+      <a:bevelB w="0" h="0" prst="convex"/>
+    </dgm:sp3d>
     <dgm:txPr/>
     <dgm:style>
       <a:lnRef idx="0">
         <a:scrgbClr r="0" g="0" b="0"/>
       </a:lnRef>
-      <a:fillRef idx="3">
+      <a:fillRef idx="1">
         <a:scrgbClr r="0" g="0" b="0"/>
       </a:fillRef>
-      <a:effectRef idx="2">
+      <a:effectRef idx="0">
         <a:scrgbClr r="0" g="0" b="0"/>
       </a:effectRef>
-      <a:fontRef idx="minor">
-        <a:schemeClr val="lt1"/>
-      </a:fontRef>
+      <a:fontRef idx="minor"/>
     </dgm:style>
   </dgm:styleLbl>
   <dgm:styleLbl name="bgSibTrans2D1">
     <dgm:scene3d>
       <a:camera prst="orthographicFront"/>
-      <a:lightRig rig="threePt" dir="t"/>
+      <a:lightRig rig="chilly" dir="t"/>
     </dgm:scene3d>
-    <dgm:sp3d/>
+    <dgm:sp3d z="-25700" extrusionH="1700" prstMaterial="translucentPowder">
+      <a:bevelT w="25400" h="6350" prst="softRound"/>
+      <a:bevelB w="0" h="0" prst="convex"/>
+    </dgm:sp3d>
     <dgm:txPr/>
     <dgm:style>
       <a:lnRef idx="0">
         <a:scrgbClr r="0" g="0" b="0"/>
       </a:lnRef>
-      <a:fillRef idx="3">
+      <a:fillRef idx="1">
         <a:scrgbClr r="0" g="0" b="0"/>
       </a:fillRef>
-      <a:effectRef idx="2">
+      <a:effectRef idx="0">
         <a:scrgbClr r="0" g="0" b="0"/>
       </a:effectRef>
-      <a:fontRef idx="minor">
-        <a:schemeClr val="lt1"/>
-      </a:fontRef>
+      <a:fontRef idx="minor"/>
     </dgm:style>
   </dgm:styleLbl>
   <dgm:styleLbl name="sibTrans1D1">
     <dgm:scene3d>
       <a:camera prst="orthographicFront"/>
-      <a:lightRig rig="threePt" dir="t"/>
+      <a:lightRig rig="chilly" dir="t"/>
     </dgm:scene3d>
-    <dgm:sp3d/>
+    <dgm:sp3d z="-40000" prstMaterial="matte"/>
     <dgm:txPr/>
     <dgm:style>
       <a:lnRef idx="1">
@@ -2998,9 +2856,9 @@
   <dgm:styleLbl name="callout">
     <dgm:scene3d>
       <a:camera prst="orthographicFront"/>
-      <a:lightRig rig="threePt" dir="t"/>
+      <a:lightRig rig="chilly" dir="t"/>
     </dgm:scene3d>
-    <dgm:sp3d/>
+    <dgm:sp3d z="127000" prstMaterial="matte"/>
     <dgm:txPr/>
     <dgm:style>
       <a:lnRef idx="2">
@@ -3009,7 +2867,7 @@
       <a:fillRef idx="1">
         <a:scrgbClr r="0" g="0" b="0"/>
       </a:fillRef>
-      <a:effectRef idx="1">
+      <a:effectRef idx="0">
         <a:scrgbClr r="0" g="0" b="0"/>
       </a:effectRef>
       <a:fontRef idx="minor"/>
@@ -3018,18 +2876,20 @@
   <dgm:styleLbl name="asst0">
     <dgm:scene3d>
       <a:camera prst="orthographicFront"/>
-      <a:lightRig rig="threePt" dir="t"/>
+      <a:lightRig rig="chilly" dir="t"/>
     </dgm:scene3d>
-    <dgm:sp3d/>
+    <dgm:sp3d prstMaterial="translucentPowder">
+      <a:bevelT w="127000" h="25400" prst="softRound"/>
+    </dgm:sp3d>
     <dgm:txPr/>
     <dgm:style>
       <a:lnRef idx="0">
         <a:scrgbClr r="0" g="0" b="0"/>
       </a:lnRef>
-      <a:fillRef idx="3">
+      <a:fillRef idx="1">
         <a:scrgbClr r="0" g="0" b="0"/>
       </a:fillRef>
-      <a:effectRef idx="2">
+      <a:effectRef idx="0">
         <a:scrgbClr r="0" g="0" b="0"/>
       </a:effectRef>
       <a:fontRef idx="minor">
@@ -3040,18 +2900,20 @@
   <dgm:styleLbl name="asst1">
     <dgm:scene3d>
       <a:camera prst="orthographicFront"/>
-      <a:lightRig rig="threePt" dir="t"/>
+      <a:lightRig rig="chilly" dir="t"/>
     </dgm:scene3d>
-    <dgm:sp3d/>
+    <dgm:sp3d prstMaterial="translucentPowder">
+      <a:bevelT w="127000" h="25400" prst="softRound"/>
+    </dgm:sp3d>
     <dgm:txPr/>
     <dgm:style>
       <a:lnRef idx="0">
         <a:scrgbClr r="0" g="0" b="0"/>
       </a:lnRef>
-      <a:fillRef idx="3">
+      <a:fillRef idx="1">
         <a:scrgbClr r="0" g="0" b="0"/>
       </a:fillRef>
-      <a:effectRef idx="2">
+      <a:effectRef idx="0">
         <a:scrgbClr r="0" g="0" b="0"/>
       </a:effectRef>
       <a:fontRef idx="minor">
@@ -3062,18 +2924,20 @@
   <dgm:styleLbl name="asst2">
     <dgm:scene3d>
       <a:camera prst="orthographicFront"/>
-      <a:lightRig rig="threePt" dir="t"/>
+      <a:lightRig rig="chilly" dir="t"/>
     </dgm:scene3d>
-    <dgm:sp3d/>
+    <dgm:sp3d prstMaterial="translucentPowder">
+      <a:bevelT w="127000" h="25400" prst="softRound"/>
+    </dgm:sp3d>
     <dgm:txPr/>
     <dgm:style>
       <a:lnRef idx="0">
         <a:scrgbClr r="0" g="0" b="0"/>
       </a:lnRef>
-      <a:fillRef idx="3">
+      <a:fillRef idx="1">
         <a:scrgbClr r="0" g="0" b="0"/>
       </a:fillRef>
-      <a:effectRef idx="2">
+      <a:effectRef idx="0">
         <a:scrgbClr r="0" g="0" b="0"/>
       </a:effectRef>
       <a:fontRef idx="minor">
@@ -3084,40 +2948,20 @@
   <dgm:styleLbl name="asst3">
     <dgm:scene3d>
       <a:camera prst="orthographicFront"/>
-      <a:lightRig rig="threePt" dir="t"/>
+      <a:lightRig rig="chilly" dir="t"/>
     </dgm:scene3d>
-    <dgm:sp3d/>
+    <dgm:sp3d prstMaterial="translucentPowder">
+      <a:bevelT w="127000" h="25400" prst="softRound"/>
+    </dgm:sp3d>
     <dgm:txPr/>
     <dgm:style>
       <a:lnRef idx="0">
         <a:scrgbClr r="0" g="0" b="0"/>
       </a:lnRef>
-      <a:fillRef idx="3">
+      <a:fillRef idx="1">
         <a:scrgbClr r="0" g="0" b="0"/>
       </a:fillRef>
-      <a:effectRef idx="2">
-        <a:scrgbClr r="0" g="0" b="0"/>
-      </a:effectRef>
-      <a:fontRef idx="minor">
-        <a:schemeClr val="lt1"/>
-      </a:fontRef>
-    </dgm:style>
-  </dgm:styleLbl>
-  <dgm:styleLbl name="asst4">
-    <dgm:scene3d>
-      <a:camera prst="orthographicFront"/>
-      <a:lightRig rig="threePt" dir="t"/>
-    </dgm:scene3d>
-    <dgm:sp3d/>
-    <dgm:txPr/>
-    <dgm:style>
-      <a:lnRef idx="0">
-        <a:scrgbClr r="0" g="0" b="0"/>
-      </a:lnRef>
-      <a:fillRef idx="3">
-        <a:scrgbClr r="0" g="0" b="0"/>
-      </a:fillRef>
-      <a:effectRef idx="2">
+      <a:effectRef idx="0">
         <a:scrgbClr r="0" g="0" b="0"/>
       </a:effectRef>
       <a:fontRef idx="minor">
@@ -3128,100 +2972,104 @@
   <dgm:styleLbl name="parChTrans2D1">
     <dgm:scene3d>
       <a:camera prst="orthographicFront"/>
-      <a:lightRig rig="threePt" dir="t"/>
+      <a:lightRig rig="chilly" dir="t"/>
     </dgm:scene3d>
-    <dgm:sp3d/>
+    <dgm:sp3d z="1700" extrusionH="1700" prstMaterial="translucentPowder">
+      <a:bevelT w="25400" h="6350" prst="softRound"/>
+      <a:bevelB w="0" h="0" prst="convex"/>
+    </dgm:sp3d>
     <dgm:txPr/>
     <dgm:style>
       <a:lnRef idx="0">
         <a:scrgbClr r="0" g="0" b="0"/>
       </a:lnRef>
-      <a:fillRef idx="3">
+      <a:fillRef idx="1">
         <a:scrgbClr r="0" g="0" b="0"/>
       </a:fillRef>
-      <a:effectRef idx="2">
+      <a:effectRef idx="0">
         <a:scrgbClr r="0" g="0" b="0"/>
       </a:effectRef>
-      <a:fontRef idx="minor">
-        <a:schemeClr val="lt1"/>
-      </a:fontRef>
+      <a:fontRef idx="minor"/>
     </dgm:style>
   </dgm:styleLbl>
   <dgm:styleLbl name="parChTrans2D2">
     <dgm:scene3d>
       <a:camera prst="orthographicFront"/>
-      <a:lightRig rig="threePt" dir="t"/>
+      <a:lightRig rig="chilly" dir="t"/>
     </dgm:scene3d>
-    <dgm:sp3d/>
+    <dgm:sp3d z="1700" extrusionH="1700" prstMaterial="translucentPowder">
+      <a:bevelT w="25400" h="6350" prst="softRound"/>
+      <a:bevelB w="0" h="0" prst="convex"/>
+    </dgm:sp3d>
     <dgm:txPr/>
     <dgm:style>
       <a:lnRef idx="0">
         <a:scrgbClr r="0" g="0" b="0"/>
       </a:lnRef>
-      <a:fillRef idx="3">
+      <a:fillRef idx="1">
         <a:scrgbClr r="0" g="0" b="0"/>
       </a:fillRef>
-      <a:effectRef idx="2">
+      <a:effectRef idx="0">
         <a:scrgbClr r="0" g="0" b="0"/>
       </a:effectRef>
-      <a:fontRef idx="minor">
-        <a:schemeClr val="lt1"/>
-      </a:fontRef>
+      <a:fontRef idx="minor"/>
     </dgm:style>
   </dgm:styleLbl>
   <dgm:styleLbl name="parChTrans2D3">
     <dgm:scene3d>
       <a:camera prst="orthographicFront"/>
-      <a:lightRig rig="threePt" dir="t"/>
+      <a:lightRig rig="chilly" dir="t"/>
     </dgm:scene3d>
-    <dgm:sp3d/>
+    <dgm:sp3d extrusionH="1700" prstMaterial="translucentPowder">
+      <a:bevelT w="25400" h="6350" prst="softRound"/>
+      <a:bevelB w="0" h="0" prst="convex"/>
+    </dgm:sp3d>
     <dgm:txPr/>
     <dgm:style>
-      <a:lnRef idx="1">
+      <a:lnRef idx="0">
         <a:scrgbClr r="0" g="0" b="0"/>
       </a:lnRef>
-      <a:fillRef idx="3">
+      <a:fillRef idx="1">
         <a:scrgbClr r="0" g="0" b="0"/>
       </a:fillRef>
-      <a:effectRef idx="2">
+      <a:effectRef idx="0">
         <a:scrgbClr r="0" g="0" b="0"/>
       </a:effectRef>
-      <a:fontRef idx="minor">
-        <a:schemeClr val="lt1"/>
-      </a:fontRef>
+      <a:fontRef idx="minor"/>
     </dgm:style>
   </dgm:styleLbl>
   <dgm:styleLbl name="parChTrans2D4">
     <dgm:scene3d>
       <a:camera prst="orthographicFront"/>
-      <a:lightRig rig="threePt" dir="t"/>
+      <a:lightRig rig="chilly" dir="t"/>
     </dgm:scene3d>
-    <dgm:sp3d/>
+    <dgm:sp3d extrusionH="1700" prstMaterial="translucentPowder">
+      <a:bevelT w="25400" h="6350" prst="softRound"/>
+      <a:bevelB w="0" h="0" prst="convex"/>
+    </dgm:sp3d>
     <dgm:txPr/>
     <dgm:style>
-      <a:lnRef idx="1">
+      <a:lnRef idx="0">
         <a:scrgbClr r="0" g="0" b="0"/>
       </a:lnRef>
-      <a:fillRef idx="3">
+      <a:fillRef idx="1">
         <a:scrgbClr r="0" g="0" b="0"/>
       </a:fillRef>
-      <a:effectRef idx="2">
+      <a:effectRef idx="0">
         <a:scrgbClr r="0" g="0" b="0"/>
       </a:effectRef>
-      <a:fontRef idx="minor">
-        <a:schemeClr val="lt1"/>
-      </a:fontRef>
+      <a:fontRef idx="minor"/>
     </dgm:style>
   </dgm:styleLbl>
   <dgm:styleLbl name="parChTrans1D1">
     <dgm:scene3d>
       <a:camera prst="orthographicFront"/>
-      <a:lightRig rig="threePt" dir="t"/>
+      <a:lightRig rig="chilly" dir="t"/>
     </dgm:scene3d>
-    <dgm:sp3d/>
+    <dgm:sp3d z="-40000" prstMaterial="matte"/>
     <dgm:txPr/>
     <dgm:style>
-      <a:lnRef idx="1">
+      <a:lnRef idx="2">
         <a:scrgbClr r="0" g="0" b="0"/>
       </a:lnRef>
       <a:fillRef idx="0">
@@ -3238,10 +3086,10 @@
       <a:camera prst="orthographicFront"/>
       <a:lightRig rig="threePt" dir="t"/>
     </dgm:scene3d>
-    <dgm:sp3d/>
+    <dgm:sp3d z="-40000" prstMaterial="matte"/>
     <dgm:txPr/>
     <dgm:style>
-      <a:lnRef idx="1">
+      <a:lnRef idx="2">
         <a:scrgbClr r="0" g="0" b="0"/>
       </a:lnRef>
       <a:fillRef idx="0">
@@ -3256,12 +3104,12 @@
   <dgm:styleLbl name="parChTrans1D3">
     <dgm:scene3d>
       <a:camera prst="orthographicFront"/>
-      <a:lightRig rig="threePt" dir="t"/>
+      <a:lightRig rig="chilly" dir="t"/>
     </dgm:scene3d>
-    <dgm:sp3d/>
+    <dgm:sp3d z="-40000" prstMaterial="matte"/>
     <dgm:txPr/>
     <dgm:style>
-      <a:lnRef idx="1">
+      <a:lnRef idx="2">
         <a:scrgbClr r="0" g="0" b="0"/>
       </a:lnRef>
       <a:fillRef idx="0">
@@ -3276,12 +3124,12 @@
   <dgm:styleLbl name="parChTrans1D4">
     <dgm:scene3d>
       <a:camera prst="orthographicFront"/>
-      <a:lightRig rig="threePt" dir="t"/>
+      <a:lightRig rig="chilly" dir="t"/>
     </dgm:scene3d>
-    <dgm:sp3d/>
+    <dgm:sp3d z="-40000" prstMaterial="matte"/>
     <dgm:txPr/>
     <dgm:style>
-      <a:lnRef idx="1">
+      <a:lnRef idx="2">
         <a:scrgbClr r="0" g="0" b="0"/>
       </a:lnRef>
       <a:fillRef idx="0">
@@ -3296,9 +3144,12 @@
   <dgm:styleLbl name="fgAcc1">
     <dgm:scene3d>
       <a:camera prst="orthographicFront"/>
-      <a:lightRig rig="threePt" dir="t"/>
+      <a:lightRig rig="chilly" dir="t"/>
     </dgm:scene3d>
-    <dgm:sp3d/>
+    <dgm:sp3d z="12700" extrusionH="1700" prstMaterial="dkEdge">
+      <a:bevelT w="25400" h="6350" prst="softRound"/>
+      <a:bevelB w="0" h="0" prst="convex"/>
+    </dgm:sp3d>
     <dgm:txPr/>
     <dgm:style>
       <a:lnRef idx="1">
@@ -3316,9 +3167,12 @@
   <dgm:styleLbl name="conFgAcc1">
     <dgm:scene3d>
       <a:camera prst="orthographicFront"/>
-      <a:lightRig rig="threePt" dir="t"/>
+      <a:lightRig rig="chilly" dir="t"/>
     </dgm:scene3d>
-    <dgm:sp3d/>
+    <dgm:sp3d z="12700" extrusionH="1700" prstMaterial="dkEdge">
+      <a:bevelT w="25400" h="6350" prst="softRound"/>
+      <a:bevelB w="0" h="0" prst="convex"/>
+    </dgm:sp3d>
     <dgm:txPr/>
     <dgm:style>
       <a:lnRef idx="1">
@@ -3336,9 +3190,12 @@
   <dgm:styleLbl name="alignAcc1">
     <dgm:scene3d>
       <a:camera prst="orthographicFront"/>
-      <a:lightRig rig="threePt" dir="t"/>
+      <a:lightRig rig="chilly" dir="t"/>
     </dgm:scene3d>
-    <dgm:sp3d/>
+    <dgm:sp3d prstMaterial="dkEdge">
+      <a:bevelT w="25400" h="6350" prst="softRound"/>
+      <a:bevelB w="0" h="0" prst="convex"/>
+    </dgm:sp3d>
     <dgm:txPr/>
     <dgm:style>
       <a:lnRef idx="1">
@@ -3356,9 +3213,11 @@
   <dgm:styleLbl name="trAlignAcc1">
     <dgm:scene3d>
       <a:camera prst="orthographicFront"/>
-      <a:lightRig rig="threePt" dir="t"/>
+      <a:lightRig rig="chilly" dir="t"/>
     </dgm:scene3d>
-    <dgm:sp3d/>
+    <dgm:sp3d prstMaterial="dkEdge">
+      <a:bevelT w="127000" h="25400"/>
+    </dgm:sp3d>
     <dgm:txPr/>
     <dgm:style>
       <a:lnRef idx="1">
@@ -3370,15 +3229,20 @@
       <a:effectRef idx="0">
         <a:scrgbClr r="0" g="0" b="0"/>
       </a:effectRef>
-      <a:fontRef idx="minor"/>
+      <a:fontRef idx="minor">
+        <a:schemeClr val="lt1"/>
+      </a:fontRef>
     </dgm:style>
   </dgm:styleLbl>
   <dgm:styleLbl name="bgAcc1">
     <dgm:scene3d>
       <a:camera prst="orthographicFront"/>
-      <a:lightRig rig="threePt" dir="t"/>
+      <a:lightRig rig="chilly" dir="t"/>
     </dgm:scene3d>
-    <dgm:sp3d/>
+    <dgm:sp3d z="-12700" extrusionH="1700" prstMaterial="dkEdge">
+      <a:bevelT w="25400" h="6350" prst="softRound"/>
+      <a:bevelB w="0" h="0" prst="convex"/>
+    </dgm:sp3d>
     <dgm:txPr/>
     <dgm:style>
       <a:lnRef idx="1">
@@ -3396,9 +3260,12 @@
   <dgm:styleLbl name="solidFgAcc1">
     <dgm:scene3d>
       <a:camera prst="orthographicFront"/>
-      <a:lightRig rig="threePt" dir="t"/>
+      <a:lightRig rig="chilly" dir="t"/>
     </dgm:scene3d>
-    <dgm:sp3d/>
+    <dgm:sp3d z="12700" extrusionH="1700" prstMaterial="dkEdge">
+      <a:bevelT w="25400" h="6350" prst="softRound"/>
+      <a:bevelB w="0" h="0" prst="convex"/>
+    </dgm:sp3d>
     <dgm:txPr/>
     <dgm:style>
       <a:lnRef idx="1">
@@ -3416,9 +3283,12 @@
   <dgm:styleLbl name="solidAlignAcc1">
     <dgm:scene3d>
       <a:camera prst="orthographicFront"/>
-      <a:lightRig rig="threePt" dir="t"/>
+      <a:lightRig rig="chilly" dir="t"/>
     </dgm:scene3d>
-    <dgm:sp3d/>
+    <dgm:sp3d extrusionH="1700" prstMaterial="dkEdge">
+      <a:bevelT w="25400" h="6350" prst="softRound"/>
+      <a:bevelB w="0" h="0" prst="convex"/>
+    </dgm:sp3d>
     <dgm:txPr/>
     <dgm:style>
       <a:lnRef idx="1">
@@ -3436,9 +3306,12 @@
   <dgm:styleLbl name="solidBgAcc1">
     <dgm:scene3d>
       <a:camera prst="orthographicFront"/>
-      <a:lightRig rig="threePt" dir="t"/>
+      <a:lightRig rig="chilly" dir="t"/>
     </dgm:scene3d>
-    <dgm:sp3d/>
+    <dgm:sp3d z="-12700" extrusionH="1700" prstMaterial="dkEdge">
+      <a:bevelT w="25400" h="6350" prst="softRound"/>
+      <a:bevelB w="0" h="0" prst="convex"/>
+    </dgm:sp3d>
     <dgm:txPr/>
     <dgm:style>
       <a:lnRef idx="1">
@@ -3456,9 +3329,12 @@
   <dgm:styleLbl name="fgAccFollowNode1">
     <dgm:scene3d>
       <a:camera prst="orthographicFront"/>
-      <a:lightRig rig="threePt" dir="t"/>
+      <a:lightRig rig="chilly" dir="t"/>
     </dgm:scene3d>
-    <dgm:sp3d/>
+    <dgm:sp3d z="12700" extrusionH="1700" prstMaterial="dkEdge">
+      <a:bevelT w="25400" h="6350" prst="softRound"/>
+      <a:bevelB w="0" h="0" prst="convex"/>
+    </dgm:sp3d>
     <dgm:txPr/>
     <dgm:style>
       <a:lnRef idx="1">
@@ -3476,9 +3352,12 @@
   <dgm:styleLbl name="alignAccFollowNode1">
     <dgm:scene3d>
       <a:camera prst="orthographicFront"/>
-      <a:lightRig rig="threePt" dir="t"/>
+      <a:lightRig rig="chilly" dir="t"/>
     </dgm:scene3d>
-    <dgm:sp3d/>
+    <dgm:sp3d extrusionH="1700" prstMaterial="dkEdge">
+      <a:bevelT w="25400" h="6350" prst="softRound"/>
+      <a:bevelB w="0" h="0" prst="convex"/>
+    </dgm:sp3d>
     <dgm:txPr/>
     <dgm:style>
       <a:lnRef idx="1">
@@ -3496,9 +3375,12 @@
   <dgm:styleLbl name="bgAccFollowNode1">
     <dgm:scene3d>
       <a:camera prst="orthographicFront"/>
-      <a:lightRig rig="threePt" dir="t"/>
+      <a:lightRig rig="chilly" dir="t"/>
     </dgm:scene3d>
-    <dgm:sp3d/>
+    <dgm:sp3d z="-12700" extrusionH="1700" prstMaterial="dkEdge">
+      <a:bevelT w="25400" h="6350" prst="softRound"/>
+      <a:bevelB w="0" h="0" prst="convex"/>
+    </dgm:sp3d>
     <dgm:txPr/>
     <dgm:style>
       <a:lnRef idx="1">
@@ -3516,9 +3398,12 @@
   <dgm:styleLbl name="fgAcc0">
     <dgm:scene3d>
       <a:camera prst="orthographicFront"/>
-      <a:lightRig rig="threePt" dir="t"/>
+      <a:lightRig rig="chilly" dir="t"/>
     </dgm:scene3d>
-    <dgm:sp3d/>
+    <dgm:sp3d z="12700" extrusionH="1700" prstMaterial="dkEdge">
+      <a:bevelT w="25400" h="6350" prst="softRound"/>
+      <a:bevelB w="0" h="0" prst="convex"/>
+    </dgm:sp3d>
     <dgm:txPr/>
     <dgm:style>
       <a:lnRef idx="1">
@@ -3536,9 +3421,12 @@
   <dgm:styleLbl name="fgAcc2">
     <dgm:scene3d>
       <a:camera prst="orthographicFront"/>
-      <a:lightRig rig="threePt" dir="t"/>
+      <a:lightRig rig="chilly" dir="t"/>
     </dgm:scene3d>
-    <dgm:sp3d/>
+    <dgm:sp3d z="12700" extrusionH="1700" prstMaterial="dkEdge">
+      <a:bevelT w="25400" h="6350" prst="softRound"/>
+      <a:bevelB w="0" h="0" prst="convex"/>
+    </dgm:sp3d>
     <dgm:txPr/>
     <dgm:style>
       <a:lnRef idx="1">
@@ -3556,9 +3444,12 @@
   <dgm:styleLbl name="fgAcc3">
     <dgm:scene3d>
       <a:camera prst="orthographicFront"/>
-      <a:lightRig rig="threePt" dir="t"/>
+      <a:lightRig rig="chilly" dir="t"/>
     </dgm:scene3d>
-    <dgm:sp3d/>
+    <dgm:sp3d z="12700" extrusionH="1700" prstMaterial="dkEdge">
+      <a:bevelT w="25400" h="6350" prst="softRound"/>
+      <a:bevelB w="0" h="0" prst="convex"/>
+    </dgm:sp3d>
     <dgm:txPr/>
     <dgm:style>
       <a:lnRef idx="1">
@@ -3576,9 +3467,12 @@
   <dgm:styleLbl name="fgAcc4">
     <dgm:scene3d>
       <a:camera prst="orthographicFront"/>
-      <a:lightRig rig="threePt" dir="t"/>
+      <a:lightRig rig="chilly" dir="t"/>
     </dgm:scene3d>
-    <dgm:sp3d/>
+    <dgm:sp3d z="12700" extrusionH="1700" prstMaterial="dkEdge">
+      <a:bevelT w="25400" h="6350" prst="softRound"/>
+      <a:bevelB w="0" h="0" prst="convex"/>
+    </dgm:sp3d>
     <dgm:txPr/>
     <dgm:style>
       <a:lnRef idx="1">
@@ -3596,9 +3490,12 @@
   <dgm:styleLbl name="bgShp">
     <dgm:scene3d>
       <a:camera prst="orthographicFront"/>
-      <a:lightRig rig="threePt" dir="t"/>
+      <a:lightRig rig="chilly" dir="t"/>
     </dgm:scene3d>
-    <dgm:sp3d/>
+    <dgm:sp3d z="-12700" extrusionH="1700" prstMaterial="translucentPowder">
+      <a:bevelT w="25400" h="6350" prst="softRound"/>
+      <a:bevelB w="0" h="0" prst="convex"/>
+    </dgm:sp3d>
     <dgm:txPr/>
     <dgm:style>
       <a:lnRef idx="0">
@@ -3607,7 +3504,7 @@
       <a:fillRef idx="1">
         <a:scrgbClr r="0" g="0" b="0"/>
       </a:fillRef>
-      <a:effectRef idx="2">
+      <a:effectRef idx="0">
         <a:scrgbClr r="0" g="0" b="0"/>
       </a:effectRef>
       <a:fontRef idx="minor"/>
@@ -3616,9 +3513,12 @@
   <dgm:styleLbl name="dkBgShp">
     <dgm:scene3d>
       <a:camera prst="orthographicFront"/>
-      <a:lightRig rig="threePt" dir="t"/>
+      <a:lightRig rig="chilly" dir="t"/>
     </dgm:scene3d>
-    <dgm:sp3d/>
+    <dgm:sp3d extrusionH="1700" prstMaterial="translucentPowder">
+      <a:bevelT w="25400" h="6350" prst="softRound"/>
+      <a:bevelB w="0" h="0" prst="convex"/>
+    </dgm:sp3d>
     <dgm:txPr/>
     <dgm:style>
       <a:lnRef idx="0">
@@ -3627,7 +3527,7 @@
       <a:fillRef idx="1">
         <a:scrgbClr r="0" g="0" b="0"/>
       </a:fillRef>
-      <a:effectRef idx="2">
+      <a:effectRef idx="0">
         <a:scrgbClr r="0" g="0" b="0"/>
       </a:effectRef>
       <a:fontRef idx="minor"/>
@@ -3636,9 +3536,9 @@
   <dgm:styleLbl name="trBgShp">
     <dgm:scene3d>
       <a:camera prst="orthographicFront"/>
-      <a:lightRig rig="threePt" dir="t"/>
+      <a:lightRig rig="chilly" dir="t"/>
     </dgm:scene3d>
-    <dgm:sp3d/>
+    <dgm:sp3d z="-152400" prstMaterial="matte"/>
     <dgm:txPr/>
     <dgm:style>
       <a:lnRef idx="0">
@@ -3656,18 +3556,21 @@
   <dgm:styleLbl name="fgShp">
     <dgm:scene3d>
       <a:camera prst="orthographicFront"/>
-      <a:lightRig rig="threePt" dir="t"/>
+      <a:lightRig rig="chilly" dir="t"/>
     </dgm:scene3d>
-    <dgm:sp3d/>
+    <dgm:sp3d z="12700" extrusionH="1700" prstMaterial="translucentPowder">
+      <a:bevelT w="25400" h="6350" prst="softRound"/>
+      <a:bevelB w="0" h="0" prst="convex"/>
+    </dgm:sp3d>
     <dgm:txPr/>
     <dgm:style>
       <a:lnRef idx="0">
         <a:scrgbClr r="0" g="0" b="0"/>
       </a:lnRef>
-      <a:fillRef idx="3">
+      <a:fillRef idx="1">
         <a:scrgbClr r="0" g="0" b="0"/>
       </a:fillRef>
-      <a:effectRef idx="2">
+      <a:effectRef idx="0">
         <a:scrgbClr r="0" g="0" b="0"/>
       </a:effectRef>
       <a:fontRef idx="minor"/>
@@ -3778,7 +3681,7 @@
           <a:p>
             <a:fld id="{762B48F5-BACC-47D6-A0F7-82FBF9C6BC85}" type="datetimeFigureOut">
               <a:rPr lang="en-US"/>
-              <a:t>6/7/2022</a:t>
+              <a:t>6/8/2022</a:t>
             </a:fld>
             <a:endParaRPr/>
           </a:p>
@@ -3943,7 +3846,7 @@
           <a:p>
             <a:fld id="{0CB1CD00-5424-4675-AB18-2C419B060449}" type="datetimeFigureOut">
               <a:rPr lang="en-US"/>
-              <a:t>6/7/2022</a:t>
+              <a:t>6/8/2022</a:t>
             </a:fld>
             <a:endParaRPr/>
           </a:p>
@@ -4344,7 +4247,7 @@
           <a:p>
             <a:fld id="{48A87A34-81AB-432B-8DAE-1953F412C126}" type="datetimeFigureOut">
               <a:rPr lang="en-US" smtClean="0"/>
-              <a:t>6/7/2022</a:t>
+              <a:t>6/8/2022</a:t>
             </a:fld>
             <a:endParaRPr lang="en-US" dirty="0"/>
           </a:p>
@@ -4632,7 +4535,7 @@
           <a:p>
             <a:fld id="{37CC0096-1860-4642-9CD2-0079EA5E7CD1}" type="datetimeFigureOut">
               <a:rPr lang="en-US" smtClean="0"/>
-              <a:t>6/7/2022</a:t>
+              <a:t>6/8/2022</a:t>
             </a:fld>
             <a:endParaRPr lang="en-US"/>
           </a:p>
@@ -4816,7 +4719,7 @@
           <a:p>
             <a:fld id="{37CC0096-1860-4642-9CD2-0079EA5E7CD1}" type="datetimeFigureOut">
               <a:rPr lang="en-US" smtClean="0"/>
-              <a:t>6/7/2022</a:t>
+              <a:t>6/8/2022</a:t>
             </a:fld>
             <a:endParaRPr lang="en-US"/>
           </a:p>
@@ -5119,7 +5022,7 @@
           <a:p>
             <a:fld id="{37CC0096-1860-4642-9CD2-0079EA5E7CD1}" type="datetimeFigureOut">
               <a:rPr lang="en-US" smtClean="0"/>
-              <a:t>6/7/2022</a:t>
+              <a:t>6/8/2022</a:t>
             </a:fld>
             <a:endParaRPr lang="en-US"/>
           </a:p>
@@ -5270,7 +5173,7 @@
           <a:p>
             <a:fld id="{37CC0096-1860-4642-9CD2-0079EA5E7CD1}" type="datetimeFigureOut">
               <a:rPr lang="en-US" smtClean="0"/>
-              <a:t>6/7/2022</a:t>
+              <a:t>6/8/2022</a:t>
             </a:fld>
             <a:endParaRPr lang="en-US"/>
           </a:p>
@@ -5518,7 +5421,7 @@
           <a:p>
             <a:fld id="{48A87A34-81AB-432B-8DAE-1953F412C126}" type="datetimeFigureOut">
               <a:rPr lang="en-US" smtClean="0"/>
-              <a:t>6/7/2022</a:t>
+              <a:t>6/8/2022</a:t>
             </a:fld>
             <a:endParaRPr lang="en-US" dirty="0"/>
           </a:p>
@@ -5755,7 +5658,7 @@
           <a:p>
             <a:fld id="{37CC0096-1860-4642-9CD2-0079EA5E7CD1}" type="datetimeFigureOut">
               <a:rPr lang="en-US" smtClean="0"/>
-              <a:t>6/7/2022</a:t>
+              <a:t>6/8/2022</a:t>
             </a:fld>
             <a:endParaRPr lang="en-US"/>
           </a:p>
@@ -6140,7 +6043,7 @@
           <a:p>
             <a:fld id="{37CC0096-1860-4642-9CD2-0079EA5E7CD1}" type="datetimeFigureOut">
               <a:rPr lang="en-US" smtClean="0"/>
-              <a:t>6/7/2022</a:t>
+              <a:t>6/8/2022</a:t>
             </a:fld>
             <a:endParaRPr lang="en-US"/>
           </a:p>
@@ -6258,7 +6161,7 @@
           <a:p>
             <a:fld id="{37CC0096-1860-4642-9CD2-0079EA5E7CD1}" type="datetimeFigureOut">
               <a:rPr lang="en-US" smtClean="0"/>
-              <a:t>6/7/2022</a:t>
+              <a:t>6/8/2022</a:t>
             </a:fld>
             <a:endParaRPr lang="en-US"/>
           </a:p>
@@ -6353,7 +6256,7 @@
           <a:p>
             <a:fld id="{37CC0096-1860-4642-9CD2-0079EA5E7CD1}" type="datetimeFigureOut">
               <a:rPr lang="en-US" smtClean="0"/>
-              <a:t>6/7/2022</a:t>
+              <a:t>6/8/2022</a:t>
             </a:fld>
             <a:endParaRPr lang="en-US"/>
           </a:p>
@@ -6604,7 +6507,7 @@
           <a:p>
             <a:fld id="{37CC0096-1860-4642-9CD2-0079EA5E7CD1}" type="datetimeFigureOut">
               <a:rPr lang="en-US" smtClean="0"/>
-              <a:t>6/7/2022</a:t>
+              <a:t>6/8/2022</a:t>
             </a:fld>
             <a:endParaRPr lang="en-US"/>
           </a:p>
@@ -6995,7 +6898,7 @@
           <a:p>
             <a:fld id="{37CC0096-1860-4642-9CD2-0079EA5E7CD1}" type="datetimeFigureOut">
               <a:rPr lang="en-US" smtClean="0"/>
-              <a:t>6/7/2022</a:t>
+              <a:t>6/8/2022</a:t>
             </a:fld>
             <a:endParaRPr lang="en-US"/>
           </a:p>
@@ -7269,7 +7172,7 @@
             <a:fld id="{37CC0096-1860-4642-9CD2-0079EA5E7CD1}" type="datetimeFigureOut">
               <a:rPr lang="en-US" smtClean="0"/>
               <a:pPr/>
-              <a:t>6/7/2022</a:t>
+              <a:t>6/8/2022</a:t>
             </a:fld>
             <a:endParaRPr lang="en-US"/>
           </a:p>
@@ -8847,7 +8750,9 @@
             <a:avLst/>
           </a:prstGeom>
           <a:solidFill>
-            <a:schemeClr val="accent1">
+            <a:schemeClr val="bg1">
+              <a:lumMod val="65000"/>
+              <a:lumOff val="35000"/>
               <a:alpha val="53000"/>
             </a:schemeClr>
           </a:solidFill>
@@ -8898,7 +8803,9 @@
             <a:avLst/>
           </a:prstGeom>
           <a:solidFill>
-            <a:schemeClr val="accent1">
+            <a:schemeClr val="bg1">
+              <a:lumMod val="75000"/>
+              <a:lumOff val="25000"/>
               <a:alpha val="76000"/>
             </a:schemeClr>
           </a:solidFill>
@@ -8953,6 +8860,9 @@
               <a:alpha val="0"/>
             </a:schemeClr>
           </a:solidFill>
+          <a:ln>
+            <a:noFill/>
+          </a:ln>
         </p:spPr>
         <p:style>
           <a:lnRef idx="2">
@@ -8976,14 +8886,35 @@
           <a:p>
             <a:pPr algn="ctr"/>
             <a:r>
-              <a:rPr lang="en-IN" sz="2800" dirty="0"/>
+              <a:rPr lang="en-IN" sz="3200" dirty="0">
+                <a:solidFill>
+                  <a:schemeClr val="accent6">
+                    <a:lumMod val="60000"/>
+                    <a:lumOff val="40000"/>
+                  </a:schemeClr>
+                </a:solidFill>
+              </a:rPr>
               <a:t>Git rebase can also be used to squash two or more commits into one</a:t>
             </a:r>
             <a:br>
-              <a:rPr lang="en-IN" sz="2800" dirty="0"/>
+              <a:rPr lang="en-IN" sz="3200" dirty="0">
+                <a:solidFill>
+                  <a:schemeClr val="accent6">
+                    <a:lumMod val="60000"/>
+                    <a:lumOff val="40000"/>
+                  </a:schemeClr>
+                </a:solidFill>
+              </a:rPr>
             </a:br>
             <a:r>
-              <a:rPr lang="en-IN" sz="2800" dirty="0"/>
+              <a:rPr lang="en-IN" sz="3200" dirty="0">
+                <a:solidFill>
+                  <a:schemeClr val="accent6">
+                    <a:lumMod val="60000"/>
+                    <a:lumOff val="40000"/>
+                  </a:schemeClr>
+                </a:solidFill>
+              </a:rPr>
               <a:t>as well to rename a commit </a:t>
             </a:r>
           </a:p>
@@ -9010,8 +8941,8 @@
         </p:blipFill>
         <p:spPr>
           <a:xfrm>
-            <a:off x="0" y="1340768"/>
-            <a:ext cx="5879976" cy="1944216"/>
+            <a:off x="262993" y="1503696"/>
+            <a:ext cx="5602535" cy="1944216"/>
           </a:xfrm>
           <a:prstGeom prst="rect">
             <a:avLst/>
@@ -9047,7 +8978,7 @@
         </p:blipFill>
         <p:spPr bwMode="auto">
           <a:xfrm>
-            <a:off x="5879976" y="2922672"/>
+            <a:off x="5865528" y="2840427"/>
             <a:ext cx="5750049" cy="2952328"/>
           </a:xfrm>
           <a:prstGeom prst="rect">
@@ -9079,7 +9010,7 @@
         </p:nvSpPr>
         <p:spPr>
           <a:xfrm>
-            <a:off x="5879976" y="1340768"/>
+            <a:off x="5825119" y="1552442"/>
             <a:ext cx="6312024" cy="1512168"/>
           </a:xfrm>
           <a:prstGeom prst="rect">
@@ -9116,7 +9047,11 @@
           <a:p>
             <a:pPr algn="ctr"/>
             <a:r>
-              <a:rPr lang="en-IN" sz="3200" dirty="0"/>
+              <a:rPr lang="en-IN" sz="3200" dirty="0">
+                <a:solidFill>
+                  <a:srgbClr val="FFFF00"/>
+                </a:solidFill>
+              </a:rPr>
               <a:t>This will squash the commits B,C,D into a single commit i.e. A</a:t>
             </a:r>
           </a:p>
@@ -9143,7 +9078,7 @@
         </p:blipFill>
         <p:spPr>
           <a:xfrm>
-            <a:off x="28600" y="4398836"/>
+            <a:off x="617565" y="4235013"/>
             <a:ext cx="5219600" cy="2520280"/>
           </a:xfrm>
           <a:prstGeom prst="rect">
@@ -9165,7 +9100,7 @@
         </p:nvSpPr>
         <p:spPr>
           <a:xfrm>
-            <a:off x="350208" y="3321618"/>
+            <a:off x="383049" y="3275377"/>
             <a:ext cx="5688632" cy="1077218"/>
           </a:xfrm>
           <a:prstGeom prst="rect">
@@ -9180,7 +9115,11 @@
           <a:lstStyle/>
           <a:p>
             <a:r>
-              <a:rPr lang="en-IN" sz="3200" dirty="0"/>
+              <a:rPr lang="en-IN" sz="3200" dirty="0">
+                <a:solidFill>
+                  <a:srgbClr val="FFFF00"/>
+                </a:solidFill>
+              </a:rPr>
               <a:t>To change the commit message we use reword</a:t>
             </a:r>
           </a:p>
@@ -10211,14 +10150,14 @@
             <p:ph idx="1"/>
             <p:extLst>
               <p:ext uri="{D42A27DB-BD31-4B8C-83A1-F6EECF244321}">
-                <p14:modId xmlns:p14="http://schemas.microsoft.com/office/powerpoint/2010/main" val="3242887919"/>
+                <p14:modId xmlns:p14="http://schemas.microsoft.com/office/powerpoint/2010/main" val="1666324795"/>
               </p:ext>
             </p:extLst>
           </p:nvPr>
         </p:nvGraphicFramePr>
         <p:xfrm>
-          <a:off x="1524000" y="1052736"/>
-          <a:ext cx="9144000" cy="5184576"/>
+          <a:off x="239688" y="-5145"/>
+          <a:ext cx="11712624" cy="6408712"/>
         </p:xfrm>
         <a:graphic>
           <a:graphicData uri="http://schemas.openxmlformats.org/drawingml/2006/diagram">
@@ -10300,8 +10239,8 @@
         </p:nvSpPr>
         <p:spPr>
           <a:xfrm>
-            <a:off x="9840416" y="980728"/>
-            <a:ext cx="2160240" cy="2031325"/>
+            <a:off x="9489392" y="980728"/>
+            <a:ext cx="2511264" cy="4401205"/>
           </a:xfrm>
           <a:prstGeom prst="rect">
             <a:avLst/>
@@ -10315,13 +10254,25 @@
           <a:lstStyle/>
           <a:p>
             <a:r>
-              <a:rPr lang="en-IN" dirty="0"/>
+              <a:rPr lang="en-IN" sz="2800" dirty="0">
+                <a:solidFill>
+                  <a:schemeClr val="accent6">
+                    <a:lumMod val="75000"/>
+                  </a:schemeClr>
+                </a:solidFill>
+              </a:rPr>
               <a:t>This is the preview of the said commands .</a:t>
             </a:r>
           </a:p>
           <a:p>
             <a:r>
-              <a:rPr lang="en-IN" dirty="0"/>
+              <a:rPr lang="en-IN" sz="2800" dirty="0">
+                <a:solidFill>
+                  <a:schemeClr val="accent6">
+                    <a:lumMod val="75000"/>
+                  </a:schemeClr>
+                </a:solidFill>
+              </a:rPr>
               <a:t>I have used them to create  a repo and push them to GitHub </a:t>
             </a:r>
           </a:p>
